--- a/content/2025-0609-passives.pptx
+++ b/content/2025-0609-passives.pptx
@@ -5,7 +5,7 @@
     <p:sldMasterId id="2147483648" r:id="rId1"/>
   </p:sldMasterIdLst>
   <p:notesMasterIdLst>
-    <p:notesMasterId r:id="rId11"/>
+    <p:notesMasterId r:id="rId10"/>
   </p:notesMasterIdLst>
   <p:sldIdLst>
     <p:sldId id="256" r:id="rId2"/>
@@ -16,7 +16,6 @@
     <p:sldId id="282" r:id="rId7"/>
     <p:sldId id="283" r:id="rId8"/>
     <p:sldId id="284" r:id="rId9"/>
-    <p:sldId id="285" r:id="rId10"/>
   </p:sldIdLst>
   <p:sldSz cx="12192000" cy="6858000"/>
   <p:notesSz cx="6858000" cy="9144000"/>
@@ -153,7 +152,7 @@
   <inkml:trace contextRef="#ctx0" brushRef="#br0" timeOffset="1964.62">5875 5117 914 0,'0'0'509'0,"0"0"-288"16,0 0-170-16,0 0 54 15,0 0 57-15,0 0-11 16,0 0-19-16,0-14 24 15,0 12-24-15,0 2-20 16,0 0-30-16,0 0-34 16,0 0 3-16,0 0-25 15,0 0-4-15,0 0-14 16,0 0-8-16,2 0-5 16,0 0-9-16,3 0 14 15,1-2 0-15,8-2 21 16,1-2 17-16,10 1-10 0,4-4 4 15,6-1-10-15,11 2-22 16,2 2 10 0,12 2-10-16,7-1 0 0,9 5 4 15,8 0-3-15,11-1-1 16,5 1 0-16,2 0 1 16,20 0 0-16,-10 0-1 15,-1 0-7-15,-1-2 7 16,-17 2-1-16,7-4-6 15,-2 0 6-15,-7-2 1 16,3-2 1-16,-1 0 0 16,3 0 0-16,3-1 6 15,-1 3-7-15,0 4-1 0,-3 2 1 16,-3 0-6 0,-3 0 1-16,-2 0-7 0,-4 2 3 15,-4 9 2-15,0-3-1 16,-4 2-6-16,2-2 8 15,-2 0 6-15,0-4-7 16,4 0 7-16,-1-4 0 16,-1 0 0-16,8 0-1 15,2 0-3-15,3 0 4 16,3-5 10-16,3-4-5 16,-3 1-5-16,1 0 0 15,-3 0 0-15,-1 2 0 16,-9 2 0-16,2-1 0 15,-4 3-6-15,-6-1 6 0,0 3 0 16,-6 0 0-16,-2 0 0 16,-5 0 0-16,-3 0 0 15,1 0-1-15,-2 0 1 16,0 3 0-16,2 2 1 16,2 1-1-16,3-3 0 15,3 2 1-15,5-3-1 16,8-2 0-16,3 0 0 15,5 0 9-15,4 0-9 16,3 0 1-16,-3 0 4 16,-4-7-5-16,-4 1 0 15,-6 0 0-15,0 4-8 16,-6-5 8-16,0 3 7 16,1-2-7-16,-2 2-2 15,1-2 2-15,4 2-1 0,-4-1 1 16,0 2 0-16,-2-1-1 15,-2 2 0-15,0-1 1 16,-1 3-2-16,-1 0 2 16,2 0 0-16,2 0-4 15,-2-1 4-15,4 1 0 16,0-3-10-16,3 2 10 16,2-3 1-16,0 0 0 15,-1-2-1-15,4-1 2 16,-4 1 3-16,1-1-5 15,-3 1 6-15,-4-3-5 0,-7 4 14 16,-10-1-9 0,-8 2-5-16,-5 0 1 0,-6 0-2 15,-4 1 1 1,-3 3 0-16,-1 0-1 0,-3 0 0 16,3 0 0-16,-2 0 0 15,-2 0 1-15,2 0-1 16,-5 0 1-16,-3 0-1 15,-2 0 0-15,-1 0 0 16,-4 0 1-16,-3 3 0 16,-1-3 0-16,1 0 0 15,0 0 0-15,-1 0 4 16,0 0 1-16,1 0-5 16,-1 0 4-16,0 0 2 15,-1 0-6-15,-3 0 0 0,0 0 6 16,0 0 5-16,0 0-11 15,0 0 1-15,0 0 3 16,0 0-3 0,0 0 7-16,0 0-1 0,0 0-8 15,0 1-7-15,0-1-5 16,0 3-4-16,0-2 7 16,0 2-12-16,0 4 9 15,0 8-10-15,0 10 22 16,0 14 13-16,0 9-13 15,0 12 6-15,0 10-6 16,0 5 10-16,0 7-1 16,0 6-7-16,0 0 5 0,2-2-7 15,1-4 1-15,-1-5 6 16,-2-8-7-16,0-6-2 16,0-1-2-16,0-2 4 15,-12 0 12-15,-3 1-11 16,4-5 9-16,-1-4-10 15,4-4 9-15,1-6-1 16,2-8-1-16,5-6-7 16,-2-5 8-16,2-9-7 15,0-4-1-15,0-4 0 16,0-3 5-16,0-3-5 16,0 0 6-16,0 0-1 15,0 0-5-15,-5 0-31 16,-7 0-74-16,-2 0-97 0,-4 0-337 15</inkml:trace>
   <inkml:trace contextRef="#ctx0" brushRef="#br0" timeOffset="3030.42">6011 6350 4 0,'0'0'99'16,"0"0"-99"-16,0 0 0 0</inkml:trace>
   <inkml:trace contextRef="#ctx0" brushRef="#br0" timeOffset="3399.61">6011 6350 9 0,'-65'47'1288'0,"65"-47"-947"16,0 0-146-16,0 0 26 15,0 0-24-15,0 0-71 16,0 0-22-16,0 0-26 16,0 0-25-16,0 0-15 15,0 0-31-15,0 0-7 16,-2 6-16-16,-2 12 16 16,-1 8 21-16,3 11 1 0,0 2-15 15,2 7-4-15,0 0-3 16,0-2 0-16,0-8 12 15,0-6-12-15,0-8-1 16,0-9 1-16,0-6 14 16,0-5-13-16,0-2-1 15,0 0 0-15,-7 0-54 16,-2 0-173-16,0-6-858 0</inkml:trace>
-  <inkml:trace contextRef="#ctx0" brushRef="#br0" timeOffset="4617.77">5871 6789 1902 0,'0'0'437'0,"0"0"-304"0,0 0-83 16,0 0 31-16,0 0-71 16,0 0 0-16,0 0 18 15,64 0 13-15,-30 0-17 16,8 0-1-16,5 0-11 15,13 0-6-15,9 0 6 16,12 0-11-16,9 0 14 16,11 0 3-16,3-5 3 15,4-1-21-15,-2 0 9 16,2 0 2-16,-6 0-3 0,-2-2-7 16,-7-1 29-1,-3 4-4-15,-5-5-18 16,-6 1 21-16,2 1-21 0,-1-1-1 15,4-2-4-15,3 1-3 16,9 1 1-16,5-2-1 16,3 3 14-16,1 2-14 15,-2 2 1-15,-7 0 4 16,-1 0-5-16,-3 0 0 16,-3-2 0-16,-2 0-20 15,-1-2 15-15,-1 0 4 16,0 0-9-16,-2-2 10 15,-6 3 0-15,2-2 2 0,-6 3-2 16,0 0 5 0,-3 2 7-16,1 2-7 0,-3 2-5 15,-1-3-5-15,1 3-7 16,-4 0-9-16,1-1 21 16,1-4 0-16,1 2-6 15,2-1 5-15,3 0 1 16,-1 1 0-16,0-2-2 15,-1 3 2-15,-1 0 0 16,-3 2 0-16,1-2 1 16,2 2 0-16,1-2-1 15,1-2-7-15,0 0 7 16,3-2 0-16,1-1 6 16,1 4-1-16,4 1-4 15,5 2 0-15,2 0 5 0,0 0-6 16,1 0-1-16,-3 0 1 15,-2 0 6-15,-4 2-1 16,-2 1-4-16,-6 1-1 16,-2-1 0-16,-2 1 0 15,-4 0 0-15,-1-2-7 16,-2 2 7-16,-2-2 5 16,-3 0 0-16,-1 0-5 15,2-2-6-15,-3 2 6 16,-2-2 1-16,1 0-1 15,-3 0 0-15,-1 0 1 16,2 0-1-16,-2 0-1 0,4 0-11 16,-1 0 12-16,-2 0 0 15,3 0 0 1,-6 0 0-16,3 0 0 0,3 0 0 16,-4-2 0-16,6 0 0 15,-2 2 7-15,-2-2 5 16,-3 2-7-16,-3-2-5 15,-1 2 5-15,-5 0-2 16,-2 0-3-16,-5 0-3 16,0 0 3-16,0 0 1 15,2 0-1-15,1 2 1 16,1-2-1-16,4 2-4 16,3-2 4-16,0 0 0 15,5 0 0-15,3 0 5 16,0 0-4-16,4 0 7 15,0 0-8-15,1 0 1 0,0 0 0 16,3 2 9-16,-4 2-10 16,-2-1-1-16,-6-2 0 15,-6-1-3-15,-7 0 4 16,-8 0 6-16,-7 0 16 16,-5 0 5-16,-6 0 4 15,-4 0-8-15,-3 0 1 16,0 0 3-16,0 0-10 15,0 0-11-15,0 0-6 16,-8 0-15-16,-21 0-76 16,0 0-189-16,-4-8-1440 0</inkml:trace>
+  <inkml:trace contextRef="#ctx0" brushRef="#br0" timeOffset="4617.76">5871 6789 1902 0,'0'0'437'0,"0"0"-304"0,0 0-83 16,0 0 31-16,0 0-71 16,0 0 0-16,0 0 18 15,64 0 13-15,-30 0-17 16,8 0-1-16,5 0-11 15,13 0-6-15,9 0 6 16,12 0-11-16,9 0 14 16,11 0 3-16,3-5 3 15,4-1-21-15,-2 0 9 16,2 0 2-16,-6 0-3 0,-2-2-7 16,-7-1 29-1,-3 4-4-15,-5-5-18 16,-6 1 21-16,2 1-21 0,-1-1-1 15,4-2-4-15,3 1-3 16,9 1 1-16,5-2-1 16,3 3 14-16,1 2-14 15,-2 2 1-15,-7 0 4 16,-1 0-5-16,-3 0 0 16,-3-2 0-16,-2 0-20 15,-1-2 15-15,-1 0 4 16,0 0-9-16,-2-2 10 15,-6 3 0-15,2-2 2 0,-6 3-2 16,0 0 5 0,-3 2 7-16,1 2-7 0,-3 2-5 15,-1-3-5-15,1 3-7 16,-4 0-9-16,1-1 21 16,1-4 0-16,1 2-6 15,2-1 5-15,3 0 1 16,-1 1 0-16,0-2-2 15,-1 3 2-15,-1 0 0 16,-3 2 0-16,1-2 1 16,2 2 0-16,1-2-1 15,1-2-7-15,0 0 7 16,3-2 0-16,1-1 6 16,1 4-1-16,4 1-4 15,5 2 0-15,2 0 5 0,0 0-6 16,1 0-1-16,-3 0 1 15,-2 0 6-15,-4 2-1 16,-2 1-4-16,-6 1-1 16,-2-1 0-16,-2 1 0 15,-4 0 0-15,-1-2-7 16,-2 2 7-16,-2-2 5 16,-3 0 0-16,-1 0-5 15,2-2-6-15,-3 2 6 16,-2-2 1-16,1 0-1 15,-3 0 0-15,-1 0 1 16,2 0-1-16,-2 0-1 0,4 0-11 16,-1 0 12-16,-2 0 0 15,3 0 0 1,-6 0 0-16,3 0 0 0,3 0 0 16,-4-2 0-16,6 0 0 15,-2 2 7-15,-2-2 5 16,-3 2-7-16,-3-2-5 15,-1 2 5-15,-5 0-2 16,-2 0-3-16,-5 0-3 16,0 0 3-16,0 0 1 15,2 0-1-15,1 2 1 16,1-2-1-16,4 2-4 16,3-2 4-16,0 0 0 15,5 0 0-15,3 0 5 16,0 0-4-16,4 0 7 15,0 0-8-15,1 0 1 0,0 0 0 16,3 2 9-16,-4 2-10 16,-2-1-1-16,-6-2 0 15,-6-1-3-15,-7 0 4 16,-8 0 6-16,-7 0 16 16,-5 0 5-16,-6 0 4 15,-4 0-8-15,-3 0 1 16,0 0 3-16,0 0-10 15,0 0-11-15,0 0-6 16,-8 0-15-16,-21 0-76 16,0 0-189-16,-4-8-1440 0</inkml:trace>
   <inkml:trace contextRef="#ctx0" brushRef="#br0" timeOffset="5929.58">6944 4219 1505 0,'0'0'537'16,"0"0"-284"-16,0 0-67 15,0 0-27-15,0 0-72 16,0 0-37-16,0 0-24 0,0-28-1 15,0 23 6-15,0 4 8 16,0 1-1 0,0 0-15-16,0 0-6 0,0 0-15 15,0-3 10-15,0 3-11 16,0 0-1-16,0 0-18 16,0 0-1-16,0 0-11 15,0 0 30-15,0 0 0 16,0 0-1-16,0 0-4 15,0 0 4-15,-2 0-20 16,0 0 10-16,-3 0 11 16,-1 0 1-16,-12 10 3 15,-11 11-3-15,-18 8-1 0,-15 14 6 16,-14 7-5 0,-6 6 6-16,-5 5-6 0,2-2 4 15,5 3-5-15,4-3-4 16,11-3 4-16,10-8 10 15,13-8-10-15,15-12 5 16,12-12-5-16,9-8-7 16,6-8 2-16,0 0-16 15,0 0-5-15,0 0 7 16,0 0 4-16,0 0 7 16,0-4-21-16,0-11-30 15,6-3-157-15,0-1-501 0</inkml:trace>
   <inkml:trace contextRef="#ctx0" brushRef="#br0" timeOffset="7834.68">7209 4204 1012 0,'0'0'320'15,"0"0"-190"-15,0 0 10 16,0 0 76-16,0 0-84 16,0 0-93-16,0 0-39 15,-80 0-85-15,80 0 44 16,0 0 41-16,5 0 70 16,-1 0 83-16,-1 0 6 15,-3 0 15-15,4 0-54 16,2 0-61-16,6-1-17 15,5-4-4-15,12 3-14 16,5-3 0-16,11 0-10 16,5 1-13-16,9-1 7 0,5-1 1 15,8-1-8-15,10 2 0 16,23-1 0-16,26-5 4 16,25 1-4-16,7 2-1 15,-12 2 0-15,-12 2 1 16,-19 4-1-16,-3-1 10 15,-16 1-9-15,-19-3-1 16,-17 3 1-16,-3-1-2 16,12-1-5-16,6-1 6 15,9 2 18-15,-2-4-12 16,0 3 5-16,0-2 19 16,0 3-23-16,3-2 2 15,1 2 1-15,-1-2-10 0,5 1 2 16,1 1 3-16,-1-3-4 15,3 0 5-15,4-5-5 16,1 2-2-16,2-4 1 16,-1 2 0-16,-5-4 1 15,-6 3 12-15,-9 3-1 16,-5-2-1-16,-8 3 0 16,-2 0 4-16,-4 0-5 15,-2 2-9-15,-1-2 11 16,0 2-8-16,1 1 2 15,1 0 3-15,1 0-8 16,1 0 5-16,1-1-2 16,2 2-4-16,-1-2 0 15,0 2 3-15,1 0-3 0,-2-2-3 16,0 2 1-16,0 0 2 16,0 0 5-16,-3-2-5 15,3-1 0-15,0 0 1 16,2-1-1-16,-2 2 0 15,2 1 1-15,-4-2-1 16,1 1 10-16,-1 0-9 16,-1 0-1-16,1 0 0 15,0 0 0-15,-2-3 1 16,-1 3-1-16,-2 1 0 16,-1-2 1-16,-1 2-1 0,-2 1 1 15,0-2 4 1,-4 2-5-16,-2 0 10 0,-2 0-5 15,-4 0-3 1,3-2 2-16,-1 2-4 0,4 0 5 16,1 0 6-16,2-1-11 15,1 3-5-15,0 0 5 16,1 0 1-16,0 0 0 16,-3 0-1-16,-3 0 0 15,-5 0 2-15,-4 0-2 16,-3 0 1-16,-6 0-1 15,-5 0 1-15,-1 0-1 16,-3 0 0-16,1 0 0 16,-6-1 0-16,3-1 1 0,-2-1-1 15,0 3 0-15,0-2-1 16,1 1 1-16,4-2 0 16,-3 2 1-16,-2 1 0 15,0-2 10-15,-3 2-20 16,-1 0 18-16,1 0-9 15,1 0 1-15,-1 0-1 16,3 0 0-16,3 0 6 16,-2-2 7-16,-1 2-9 15,0 0-4-15,-2 0 13 16,-5 0-13-16,-3 0 7 16,0 0-7-16,0 0 1 15,1 0-7-15,5 0 6 16,1-2 0-16,3 2 5 15,2 0-1-15,0 0-4 16,-4 0 0-16,-3-3-7 0,-4 3 3 16,-5 0 1-16,-4 0-8 15,0 0-49-15,0 0-40 16,0 0-37-16,0 0 23 16,5 0 19-16,6 0 41 15,7 0 25-15,2 3 29 16,7-3 1-16,-3 0 17 15,1 0 12-15,-6 0 3 16,0 0 21-16,-6 0-40 16,-4 0 11-16,-2 0-25 15,-5 0 0-15,-2-3-27 16,2 3-28-16,-2-1 31 0,0 1 24 16,2 0 1-1,-2-2-1-15,0 2 2 0,0 0 1 16,0 0 54-16,0 0-29 15,0 0 28-15,0 0-25 16,0 0 2-16,0 0-6 16,-2 0-17-16,2 0-4 15,-2 0-5-15,-3 0-1 16,-6 10-24-16,-9 12 6 16,-17 18 18-16,-21 16 29 15,-17 16-13-15,-8 8-2 0,-14 4-12 16,3-1-2-1,3-5-10-15,7-4 10 16,6-5 6-16,9-9-6 16,9-8-1-16,8-13-19 0,12-8 20 15,13-9 4-15,9-10 8 16,9-4-12-16,7-6-7 16,2-2-11-16,0 0-27 15,0 0-20-15,0 0-55 16,0 0-63-16,0-4-170 15,0-6-1552-15</inkml:trace>
   <inkml:trace contextRef="#ctx0" brushRef="#br0" timeOffset="8662.56">15155 4223 714 0,'0'0'364'0,"0"0"-250"15,0 0-35-15,0 0 116 16,0 0 75-16,0 0-97 15,0 0-28-15,42-52-50 16,-33 44-46-16,2-1-9 16,-2 1-37-16,-2 1 5 15,-3-1 23-15,-1 0 26 16,-3-5 41-16,0-1-30 16,0-4-6-16,0-1 1 0,0-3-41 15,0-1-3-15,0 1-19 16,0 4 1-16,0 4 14 15,0 7-14-15,0 2 47 16,0 5-10-16,0 0-10 16,0 0 7-16,0 0-8 15,0 0-27-15,0 0-3 16,0 6-32-16,0 14-4 16,0 15 34-16,0 10 5 15,4 14 29-15,5 7-3 16,0 1-15-16,-2 6-3 15,-5 1-6-15,-2 5 9 16,0-1-11-16,-4 0 0 16,-13 3 14-16,2-4-1 15,-3 0-1-15,3-5 3 0,-1-4-5 16,3-6 0 0,-1-5-9-16,3-6 0 0,3-2 20 15,0-5-6-15,4-4 2 16,2-6-4-16,2-7-13 15,0-6 5-15,0-6 2 16,-2-9-6-16,2-4 4 16,-3 1-5-16,1-3 1 15,0 0-1-15,-4 0-47 16,-15 0-104-16,3 0-482 0,1-4-1375 16</inkml:trace>
@@ -179,21 +178,21 @@
   <inkml:trace contextRef="#ctx0" brushRef="#br0" timeOffset="29857.33">18125 1944 1523 0,'0'0'458'0,"0"0"-458"16,0 0 0-16,0 0 174 15,0 0-174-15,0 0 0 16,0 0 6-16,0 0 19 0,0 0 43 16,0 0 3-16,0 0-14 15,0 1-49-15,0 0 13 16,0 4-21-16,0 1 15 15,0 4-13-15,0 11 19 16,0 4-9-16,0 11 17 16,0 11-8-16,0 12-18 15,-9 13-2-15,-2 11 1 16,-5 5 13-16,-1 0-15 16,-4-4 5-16,4-9 2 15,1-13-3-15,3-12-4 16,1-13-6-16,4-12 5 15,-1-9-12-15,-14-7-73 16,5-7-150-16,-1-2-975 0</inkml:trace>
   <inkml:trace contextRef="#ctx0" brushRef="#br0" timeOffset="30029.51">17664 2909 2161 0,'0'0'133'0,"0"0"-94"16,0 0-39-16,0 0 181 15,0 0 9-15,160 20-88 16,-97-17-49-16,3-3-21 16,1 0-16-16,-5 0-16 15,-6 0-19-15,0-13-117 16,-16-3-195-16,-15-4-1694 0</inkml:trace>
   <inkml:trace contextRef="#ctx0" brushRef="#br0" timeOffset="30242.43">17889 2138 2302 0,'0'0'403'16,"0"0"-293"-16,0 0-84 15,0 0 18-15,114-69 9 16,-48 52-25-16,16 6-8 15,7 1-20-15,5 6-1 16,-3 2-80-16,17 2-89 0,-23 0-123 16,-19 2-412-16</inkml:trace>
-  <inkml:trace contextRef="#ctx0" brushRef="#br0" timeOffset="33230.72">19987 2207 1914 0,'0'0'365'0,"0"0"-211"0,0 0-9 15,0 0 71 1,0 0-98-16,0 0-76 0,0 0-16 15,79-31-9-15,-79 31-17 16,0 1-24-16,0 24-31 16,-20 12 40-16,-16 20 15 15,-18 11 21-15,-17 10-21 16,-9-4-30-16,-5-6-67 31,3-13 10-31,1-12 70 0,10-12 17 0,5-11 25 16,8-12-7-16,8-8-18 15,11-10-26-15,7-25-77 16,14-9-63-16,12-6 110 16,6-1 56-16,0-2 88 15,22 7-1-15,5 7 26 0,9 10-13 16,1 11-23-16,9 15-17 16,6 3-30-16,8 21-25 15,5 25-2-15,4 16 2 16,3 9-10-16,1 1-8 15,1-3-37-15,19 2-36 16,-17-19-64-16,-14-18-259 0</inkml:trace>
+  <inkml:trace contextRef="#ctx0" brushRef="#br0" timeOffset="33230.71">19987 2207 1914 0,'0'0'365'0,"0"0"-211"0,0 0-9 15,0 0 71 1,0 0-98-16,0 0-76 0,0 0-16 15,79-31-9-15,-79 31-17 16,0 1-24-16,0 24-31 16,-20 12 40-16,-16 20 15 15,-18 11 21-15,-17 10-21 16,-9-4-30-16,-5-6-67 31,3-13 10-31,1-12 70 0,10-12 17 0,5-11 25 16,8-12-7-16,8-8-18 15,11-10-26-15,7-25-77 16,14-9-63-16,12-6 110 16,6-1 56-16,0-2 88 15,22 7-1-15,5 7 26 0,9 10-13 16,1 11-23-16,9 15-17 16,6 3-30-16,8 21-25 15,5 25-2-15,4 16 2 16,3 9-10-16,1 1-8 15,1-3-37-15,19 2-36 16,-17-19-64-16,-14-18-259 0</inkml:trace>
   <inkml:trace contextRef="#ctx0" brushRef="#br0" timeOffset="34511.51">20761 2033 1136 0,'0'0'1144'15,"0"0"-938"-15,0 0-86 16,0 0 43-16,0 0-7 15,0 0-118-15,0 0-37 16,0-12-1-16,0 12 0 16,0 6-2-16,4 18-37 15,2 19 33-15,2 12 6 0,3 16 11 16,1 5 2 0,7 2-8-16,1-4-1 0,5-6 4 15,-1-11-11-15,0-13 3 16,-3-12 0-16,-6-10-1 15,-3-8-11-15,-6-8 12 16,-4-3 15-16,2-3 26 16,1 0 12-16,3-5 13 15,11-17 7-15,10-17-12 16,8-12-24-16,8-16-17 16,4-13 9-16,-2-4-29 15,-3-2 16-15,-8 6-8 16,-7 9 5-16,-7 17-1 15,-9 14-12-15,-1 13 4 16,-8 10-4-16,-4 11-10 0,0 6-45 16,-6 4-93-16,-12 15-234 15,-2-2-557-15</inkml:trace>
   <inkml:trace contextRef="#ctx0" brushRef="#br0" timeOffset="34993">22256 2464 2306 0,'0'0'267'16,"0"0"-198"-16,0 0-54 0,0 0 59 16,0 0 45-16,0 0-119 15,0 0-2-15,-45-43-70 16,83 43 72-16,15 0 36 16,16 0-15-16,14 0 24 15,6 0-11-15,0 0-2 16,-11 0-3-16,-14 0-20 15,-16 3-2-15,-35 5-7 16,-13 0-87-16,-5-2-423 0</inkml:trace>
-  <inkml:trace contextRef="#ctx0" brushRef="#br0" timeOffset="35165.76">22408 2661 2306 0,'0'0'235'0,"0"0"-72"16,124 0-24-16,-57 0 8 16,8 0-85-16,8-3-16 15,2-3-37-15,-3-1-2 16,11-6-7-16,-19 2-86 16,-18-2-340-16</inkml:trace>
+  <inkml:trace contextRef="#ctx0" brushRef="#br0" timeOffset="35165.75">22408 2661 2306 0,'0'0'235'0,"0"0"-72"16,124 0-24-16,-57 0 8 16,8 0-85-16,8-3-16 15,2-3-37-15,-3-1-2 16,11-6-7-16,-19 2-86 16,-18-2-340-16</inkml:trace>
   <inkml:trace contextRef="#ctx0" brushRef="#br0" timeOffset="35465.78">23071 2286 2528 0,'0'0'288'16,"0"0"-187"-16,0 0-58 16,0 0 60-16,0 0-2 15,0 0-101-15,0 0-70 16,16-38 62-16,13 38 8 15,4 9 19-15,5 8-3 16,0 1-16-16,-1 4 0 16,-3 4-1-16,-7 5-5 15,-5 4-5-15,-11 5 3 16,-11 4-2-16,0 3 0 16,-24-2 2-16,-23-3-8 15,-15-3-12-15,-7-7-1 16,-5-8 8-16,5-5 4 0,-11-12-57 15,22-1-180-15,15-6-1593 16</inkml:trace>
-  <inkml:trace contextRef="#ctx0" brushRef="#br0" timeOffset="35933.76">24290 2242 1854 0,'0'0'367'0,"0"0"-195"16,0 0-83-16,0 0 22 15,0 0-111-15,0 0 0 16,0 0 0-16,11 72 20 16,-2-22 3-16,0 12 14 15,2 4-14-15,0 0-10 16,-2-1-4-16,-6-6-9 16,-3-6-52-16,-23 1-10 15,-12-14-200-15,-5-12-296 0</inkml:trace>
-  <inkml:trace contextRef="#ctx0" brushRef="#br0" timeOffset="36107.76">23871 2876 2020 0,'0'0'344'0,"0"0"-257"16,0 0-32-16,0 0 128 16,114 0-52-16,-52 0-50 15,7-3-41-15,7-1-6 16,0 0-26-16,-5 0 15 15,-9-4-23-15,-6-10-5 16,-21 2-80-16,-14-4-173 0</inkml:trace>
+  <inkml:trace contextRef="#ctx0" brushRef="#br0" timeOffset="35933.75">24290 2242 1854 0,'0'0'367'0,"0"0"-195"16,0 0-83-16,0 0 22 15,0 0-111-15,0 0 0 16,0 0 0-16,11 72 20 16,-2-22 3-16,0 12 14 15,2 4-14-15,0 0-10 16,-2-1-4-16,-6-6-9 16,-3-6-52-16,-23 1-10 15,-12-14-200-15,-5-12-296 0</inkml:trace>
+  <inkml:trace contextRef="#ctx0" brushRef="#br0" timeOffset="36107.75">23871 2876 2020 0,'0'0'344'0,"0"0"-257"16,0 0-32-16,0 0 128 16,114 0-52-16,-52 0-50 15,7-3-41-15,7-1-6 16,0 0-26-16,-5 0 15 15,-9-4-23-15,-6-10-5 16,-21 2-80-16,-14-4-173 0</inkml:trace>
   <inkml:trace contextRef="#ctx0" brushRef="#br0" timeOffset="36322.28">23989 2203 2444 0,'0'0'310'0,"0"0"-198"16,0 0-111-16,0 0 77 15,0 0-20-15,181-9-47 16,-99 9-11-16,9 8 0 16,2 6-41-16,26-1-82 15,-28-3-188-15,-17-1-768 0</inkml:trace>
-  <inkml:trace contextRef="#ctx0" brushRef="#br0" timeOffset="36516.62">24662 2194 1879 0,'0'0'507'0,"0"0"-334"16,0 0-173-16,0 0 0 15,7 104 18-15,1-33 10 16,2 6-28-16,-1 3-8 15,-3-5-1-15,-2-9-24 16,3-12-44-16,-4-12 12 16,1-14 27-16,-4-18-97 15,2-9-34-15,-2-1-34 0</inkml:trace>
-  <inkml:trace contextRef="#ctx0" brushRef="#br0" timeOffset="36868.16">24816 2212 2054 0,'0'0'616'16,"0"0"-526"-16,0 0-28 15,0 0-18-15,0 0 15 16,0 0-25-16,135 1-25 16,-101 25-8-16,-3 9-1 15,-6 3-11-15,-15 0-16 16,-10 0 0-16,-8-2-2 15,-34-3 29-15,-14-6 20 16,-4-7 4-16,2-4-4 16,14-6 12-16,15-3-7 15,15-3-12-15,12-1-1 0,2 1-12 16,2 2-14 0,18 3 14-16,11 1 52 0,7 1-31 15,11 1-2-15,7-1 5 16,4-4-10-16,3 2-7 15,-3-4-3-15,4 2-4 16,-15-1-126 0,-14-5-360-16</inkml:trace>
+  <inkml:trace contextRef="#ctx0" brushRef="#br0" timeOffset="36516.61">24662 2194 1879 0,'0'0'507'0,"0"0"-334"16,0 0-173-16,0 0 0 15,7 104 18-15,1-33 10 16,2 6-28-16,-1 3-8 15,-3-5-1-15,-2-9-24 16,3-12-44-16,-4-12 12 16,1-14 27-16,-4-18-97 15,2-9-34-15,-2-1-34 0</inkml:trace>
+  <inkml:trace contextRef="#ctx0" brushRef="#br0" timeOffset="36868.15">24816 2212 2054 0,'0'0'616'16,"0"0"-526"-16,0 0-28 15,0 0-18-15,0 0 15 16,0 0-25-16,135 1-25 16,-101 25-8-16,-3 9-1 15,-6 3-11-15,-15 0-16 16,-10 0 0-16,-8-2-2 15,-34-3 29-15,-14-6 20 16,-4-7 4-16,2-4-4 16,14-6 12-16,15-3-7 15,15-3-12-15,12-1-1 0,2 1-12 16,2 2-14 0,18 3 14-16,11 1 52 0,7 1-31 15,11 1-2-15,7-1 5 16,4-4-10-16,3 2-7 15,-3-4-3-15,4 2-4 16,-15-1-126 0,-14-5-360-16</inkml:trace>
   <inkml:trace contextRef="#ctx0" brushRef="#br0" timeOffset="37764.56">25865 2402 2390 0,'0'0'302'15,"0"0"-179"-15,0 0-83 16,0 0 28-16,0 0-23 15,163-14-29-15,-105 14-16 16,4 2 0-16,-4 8 7 0,-8 3-7 16,-13 0-10-1,-12-1-173-15,-19-2-348 0</inkml:trace>
   <inkml:trace contextRef="#ctx0" brushRef="#br0" timeOffset="37930.68">25957 2635 2026 0,'0'0'340'15,"0"0"-184"-15,149 0-77 16,-71 0 2-16,6 0-43 16,1 0-16-16,24 0-22 0,-22-7-175 15,-14 0-1004-15</inkml:trace>
   <inkml:trace contextRef="#ctx0" brushRef="#br0" timeOffset="38317.03">27050 2226 2370 0,'0'0'259'15,"0"0"-198"-15,0 0 49 16,0 0 9-16,0 0-14 15,0 0-50-15,0 0-55 16,-19-73-16-16,19 82-6 16,0 18-17-16,0 16 39 15,2 14 11-15,4 12 1 0,5 3 4 16,1 0-16 0,5-10-12-16,1-9 4 15,0-16-7-15,-2-12-4 0,-5-13 14 16,-2-8 5-16,0-4 36 15,4-6 73-15,9-22 18 16,9-14-81-16,7-13-2 16,5-8-12-16,-1-4-21 15,2-1-9-15,-3 4 0 16,-8 10-2-16,-8 12 4 16,-14 16-4-16,-9 15-30 15,-11 11-111-15,-20 20-341 16,0 4-1829-16</inkml:trace>
-  <inkml:trace contextRef="#ctx0" brushRef="#br0" timeOffset="44053.72">7853 2371 1052 0,'0'0'0'0,"0"0"-482"16,0 0-88-16</inkml:trace>
-  <inkml:trace contextRef="#ctx0" brushRef="#br0" timeOffset="44562.72">7853 2371 161 0,'87'-38'210'0,"-87"37"-102"0,3 1-23 15,-3-3 6-15,0 1 369 16,0 1-205-16,0-1-102 16,0-2-27-16,2 0-28 15,0 0-7-15,0-2 11 16,0 2-20-16,0 0-10 16,1 2-19-16,-3-2 7 0,2 1-1 15,-2 3 0-15,0 0 0 16,0 0-24-16,0 0-11 15,0 0-24-15,0 0-14 16,0 5-25-16,0 15 7 16,0 10 4-16,0 8 28 15,0 6 28-15,0 4-5 16,0-3-11-16,0-7-10 16,2-8 4-16,1-10-6 15,-1-6-2-15,3-8 2 16,-3-5 2-16,-2-1 47 15,2 0 61-15,0-14 29 16,2-12-75-16,1-10-24 16,1-6-5-16,8-8 6 15,1-2-28-15,6 2 0 0,1 2-13 16,5 8-1-16,0 8-4 16,1 7 5-16,3 11 4 15,1 6-4-15,-1 8-11 16,1 0-4-16,-4 12 7 15,3 20-3-15,-2 9 10 16,-5 10 0-16,1 8-4 16,-4 1 5-16,-6-2 0 15,1-8 7-15,-1-5 9 16,1-13-10-16,-3-9-6 16,-1-10 0-16,-2-9-16 15,1-8-33-15,-1-17-72 16,-4-6-317-16</inkml:trace>
+  <inkml:trace contextRef="#ctx0" brushRef="#br0" timeOffset="44053.71">7853 2371 1052 0,'0'0'0'0,"0"0"-482"16,0 0-88-16</inkml:trace>
+  <inkml:trace contextRef="#ctx0" brushRef="#br0" timeOffset="44562.71">7853 2371 161 0,'87'-38'210'0,"-87"37"-102"0,3 1-23 15,-3-3 6-15,0 1 369 16,0 1-205-16,0-1-102 16,0-2-27-16,2 0-28 15,0 0-7-15,0-2 11 16,0 2-20-16,0 0-10 16,1 2-19-16,-3-2 7 0,2 1-1 15,-2 3 0-15,0 0 0 16,0 0-24-16,0 0-11 15,0 0-24-15,0 0-14 16,0 5-25-16,0 15 7 16,0 10 4-16,0 8 28 15,0 6 28-15,0 4-5 16,0-3-11-16,0-7-10 16,2-8 4-16,1-10-6 15,-1-6-2-15,3-8 2 16,-3-5 2-16,-2-1 47 15,2 0 61-15,0-14 29 16,2-12-75-16,1-10-24 16,1-6-5-16,8-8 6 15,1-2-28-15,6 2 0 0,1 2-13 16,5 8-1-16,0 8-4 16,1 7 5-16,3 11 4 15,1 6-4-15,-1 8-11 16,1 0-4-16,-4 12 7 15,3 20-3-15,-2 9 10 16,-5 10 0-16,1 8-4 16,-4 1 5-16,-6-2 0 15,1-8 7-15,-1-5 9 16,1-13-10-16,-3-9-6 16,-1-10 0-16,-2-9-16 15,1-8-33-15,-1-17-72 16,-4-6-317-16</inkml:trace>
   <inkml:trace contextRef="#ctx0" brushRef="#br0" timeOffset="44987.27">8940 2440 1140 0,'0'0'1049'0,"0"0"-975"16,0 0-74-16,0 0-12 15,0 0 10-15,0 0-20 16,0 0 1-16,12 2 21 16,15 0 52-16,9 0 5 15,12 0-15-15,12-2-31 16,9 0 9-16,7 0-5 16,5 0-3-16,-4 0-2 15,-6-2-9-15,-8-4-1 0,-14 0 0 16,-13-1 16-1,-16 1 2-15,-14 1-5 16,-12-13-13-16,-23 2-173 16,-4 0-983-16</inkml:trace>
   <inkml:trace contextRef="#ctx0" brushRef="#br0" timeOffset="45227.6">9397 2242 1275 0,'0'0'1124'0,"0"0"-1050"16,0 0-74-16,0 0 0 15,0 0 26-15,0 0-11 16,0 0 3-16,103 32 0 16,-65-6-9-16,0 3 1 15,-3 6-10-15,-4-1 0 0,-4-2-10 16,-8-2 10-16,-11-4 0 16,-8-2-13-16,0-2 13 15,-18-3 21-15,-11-7 11 16,-2-2 2-16,-3-6-34 15,-1-4-7-15,10 0-128 16,10-4-579-16</inkml:trace>
   <inkml:trace contextRef="#ctx0" brushRef="#br0" timeOffset="46354.92">10995 1680 1657 0,'0'0'278'0,"0"0"-193"16,0 0 62-16,0 0 44 15,0 0-70-15,0 0-51 16,0 0-27-16,-2-46-19 15,-14 44 8-15,-6 2-7 16,-9 0-19-16,-10 10-5 16,-5 17-1-16,-6 11 6 15,-1 13-5-15,2 11-1 16,8 9-1-16,14 3-17 0,14-4 3 16,15-9-31-16,4-8 46 15,30-17 7-15,13-14-6 16,13-16 9-16,7-6-10 15,6-25 15-15,5-24 40 16,-5-13-7-16,-4-14 0 16,-11-11 5-16,-13 0-9 15,-15 2-14-15,-20 6 3 16,-10 12 20-16,-13 15 24 16,-27 14-66-16,-9 15 14 15,-7 17-25-15,-4 6 0 16,4 17-21-16,10 21-27 15,9 13-47-15,22 14-40 0,15 1-20 16,5 0-49 0,28-9-73-16,5-13-130 0,0-14-167 15,-4-12 283-15,-8-8 291 16,-6-10 387-16,-11 0 39 16,-6 0-24-16,-3-4-157 15,0-8-154-15,-10 2-16 16,-3 4 36-16,-1 0-19 15,8 4-38-15,3 2-23 16,3 0-31-16,0 3-67 16,14 20 37-16,10 13 30 15,9 5 11-15,10 8-5 16,6-4 16-16,2-3-5 16,1-9-9-16,-8-9-7 15,-3-6-1-15,-13-5-11 0,-5-6-86 16,-12 2-69-16,-11-2-209 15,0 8-220-15,-16-2 405 16,-6 2-141-16</inkml:trace>
@@ -213,10 +212,10 @@
   <inkml:trace contextRef="#ctx0" brushRef="#br0" timeOffset="69417.42">10376 7113 1533 0,'0'0'500'0,"0"0"-366"16,0 0-45-16,0 0 96 15,0 0-97-15,0 0-88 16,0 0-64-16,0 5 18 16,-11 19 46-16,-5 9 41 15,-2 5-13-15,-2 2-10 16,2-2-18-16,1-1-7 15,3-12-7-15,5-9 7 0,7-7 6 16,2-9-8 0,0 0-65-16,13-21 74 0,9-8 30 15,8-14 8-15,-1-6-13 16,2-1-25-16,0 0 21 16,-4 11-5-16,-3 8-14 15,-6 9 24-15,-7 12 14 16,-2 8 3-16,-5 2-43 15,1 6-32-15,1 22 6 16,4 9 26-16,1 9 0 16,4 2 0-16,3-1-45 15,0 0-10-15,-3-9-3 16,1-8-78-16,-5-7 102 0,-4-6 34 16,-3-7-14-1,-4-4-29-15,0-2 21 0,-4-4 22 16,-19 0 0-1,-10 0-9-15,-9 0-2 0,-10 0 11 16,-3 0 0-16,-3 0 21 16,2 0 48-16,9 0-11 15,9 0-22-15,12 0-36 16,23 0-2-16,3 0-199 16,7 0-719-16</inkml:trace>
   <inkml:trace contextRef="#ctx0" brushRef="#br0" timeOffset="70202.63">10859 7209 1180 0,'0'0'939'0,"0"0"-779"15,0 0-64-15,0 0 70 0,0 0-87 16,0 0-59 0,0 0-19-16,3-10 10 15,-3 8 5-15,0 2 6 16,2 0-5-16,0-3 0 0,0 3-17 15,2-3 2-15,5 0 3 16,5-3 9-16,-1 2-14 16,5 1 5-16,-3-1 0 15,1 1-5-15,-3 3 0 16,-1-1-9-16,-3 1 5 16,-3 0 4-16,1 0 1 15,-5 0-1-15,-2 0-8 16,0 0-19-16,0 0-28 15,0 5 55-15,0 9 0 16,0 7 11-16,0 3-1 16,0 3 3-16,0 1-11 15,-9 3 4-15,-2-3-6 0,-7-1 6 16,-4-2 3 0,-2-3-8-16,-3-6 9 0,0-2-1 15,7-6 0-15,7-4 13 16,6-2 7-16,7-2-29 15,0 0-9-15,5-4 3 16,16-14 6-16,8-1 18 16,8-8-8-16,5-1 7 15,4-4-7-15,3 0-10 16,3-2 7-16,-6-2-7 16,-3 0-15-16,-9 2-42 15,-11 3 57-15,-9 12 12 16,-12 6-7-16,-2 10 26 15,0 0-25-15,-6 3 5 0,-10 0 4 16,-1 12-8-16,-6 14-7 16,3 10 1-16,0 9-1 15,6 7 13-15,6 0-5 16,8 0 0-16,0-2-8 16,15-8-5-16,16-8-9 15,10-10 7-15,30-19 7 16,-11-5-1-16,-11-2-236 0</inkml:trace>
   <inkml:trace contextRef="#ctx0" brushRef="#br0" timeOffset="88019.72">19535 3882 1773 0,'0'0'511'15,"0"0"-367"-15,0 0-117 16,0 0-7-16,0 0-1 0,0 0-2 16,4-9-17-16,-4 9-21 15,-4 5 4-15,-13 13 17 16,-6 12 19-16,-8 11-2 16,-7 10-2-16,-7 8-5 15,-1 3-2-15,-1-3-1 16,0-2-7-16,4-9 1 15,12-10 6-15,7-10 0 16,11-12-7-16,6-8-18 16,7-8-51-16,0 0 46 15,0-15-14-15,15-18-50 16,1-11-191-16,3-9 111 16,0-3 116-16,3-4 50 0,1 1 1 15,3 2 19 1,-1 7 84-16,-1 12 52 0,-1 10-16 15,-8 10-31-15,-1 9-21 16,-5 6-29-16,-3 3-25 16,-4 0-33-16,2 0-12 15,6 14 12-15,1 11 12 16,7 8 18-16,9 11 10 16,6 4-17-16,5 2-16 15,6-2 2-15,5-3 0 16,1-5-8-16,0-4-1 15,-2-5-1-15,-8-6 1 16,-9 0 2-16,-9-10 0 16,-11-1-4-16,-9-4-13 15,-2 1-12-15,-4-2 27 16,-21 3 1-16,-8 2 30 0,-9 1-22 16,-12-4 11-16,-6 0 0 15,-9-6-2-15,-5 1-4 16,-1-3 37-16,2-3-9 15,5 0-3-15,15 0-21 16,10 0-4-16,16 0-14 16,12 0-6-16,11 0-85 15,4-7-122-15,19 0-167 16,4-4-768-16</inkml:trace>
-  <inkml:trace contextRef="#ctx0" brushRef="#br0" timeOffset="88446.91">20175 4028 1960 0,'0'0'302'0,"0"0"-260"15,0 0-16-15,0 0-2 16,0 0 7-16,0 0 56 15,0 0-35-15,33-10-44 16,-42 30 2-16,-9 8 36 16,-1 10 31-16,0 4-34 0,6 1-12 15,6-3-23-15,7-2-8 16,0-2 2-16,16-4-2 16,11-4 1-16,6-6 11 15,5-8-6-15,4-6 5 16,1-8 11-16,-1 0 4 15,-1-22 2-15,-6-14-9 16,-8-8 7-16,-14-10-11 16,-9-8 0-16,-4-9-14 15,-13-1-1-15,-18 0-2 16,-10 7-24-16,-5 15-72 16,-10 14-42-16,-2 25-33 15,-2 11-154-15,0 42-2 16,13 7 63-16,18 1-424 0</inkml:trace>
+  <inkml:trace contextRef="#ctx0" brushRef="#br0" timeOffset="88446.9">20175 4028 1960 0,'0'0'302'0,"0"0"-260"15,0 0-16-15,0 0-2 16,0 0 7-16,0 0 56 15,0 0-35-15,33-10-44 16,-42 30 2-16,-9 8 36 16,-1 10 31-16,0 4-34 0,6 1-12 15,6-3-23-15,7-2-8 16,0-2 2-16,16-4-2 16,11-4 1-16,6-6 11 15,5-8-6-15,4-6 5 16,1-8 11-16,-1 0 4 15,-1-22 2-15,-6-14-9 16,-8-8 7-16,-14-10-11 16,-9-8 0-16,-4-9-14 15,-13-1-1-15,-18 0-2 16,-10 7-24-16,-5 15-72 16,-10 14-42-16,-2 25-33 15,-2 11-154-15,0 42-2 16,13 7 63-16,18 1-424 0</inkml:trace>
   <inkml:trace contextRef="#ctx0" brushRef="#br0" timeOffset="88697.72">20320 4235 2102 0,'0'0'221'16,"0"0"-219"-16,0 0 10 15,0 0-10-15,0 0-1 16,0 0 25-16,0 0 20 0,93 90 1 16,-59-50-13-1,-1 6-9-15,2 0-9 0,3 0 0 16,1-6-15 0,-6-5-2-16,-2-11 1 0,-9-10-42 15,-13-13-207-15</inkml:trace>
   <inkml:trace contextRef="#ctx0" brushRef="#br0" timeOffset="90492.8">11720 5570 1388 0,'0'0'0'0,"0"0"-446"16,0 0 446-16,0 0 144 15,0 0 27-15,0 0-34 16,0 0 0-16,-16-34-120 15,16 32 19-15,0 2-12 0,0 0 4 16,0 0-13-16,-3 0 21 16,1 0-4-16,-2 0 24 15,0 10 12 1,-4 5 22-16,-3 0-14 0,-7 8-23 16,-1 0-31-16,-8 4-20 15,-7 1 12-15,-5 1-3 16,-6 3-2-16,-2 1-7 15,-2-1-2-15,-11 9-32 16,12-5-220-16,9-11-644 0</inkml:trace>
-  <inkml:trace contextRef="#ctx0" brushRef="#br0" timeOffset="90702.94">11068 6148 1246 0,'0'0'1108'16,"0"0"-1108"-16,0 0-95 16,0 0 55-16,0 0 28 15,0 0-16-15,-113 92-45 16,88-60-73-16,1 0-5 16,-5 2 81-16,-2 0 43 15,-11 4-154-15,8-9-266 16,5-7-230-16</inkml:trace>
+  <inkml:trace contextRef="#ctx0" brushRef="#br0" timeOffset="90702.93">11068 6148 1246 0,'0'0'1108'16,"0"0"-1108"-16,0 0-95 16,0 0 55-16,0 0 28 15,0 0-16-15,-113 92-45 16,88-60-73-16,1 0-5 16,-5 2 81-16,-2 0 43 15,-11 4-154-15,8-9-266 16,5-7-230-16</inkml:trace>
   <inkml:trace contextRef="#ctx0" brushRef="#br0" timeOffset="90926.6">10688 6498 1621 0,'0'0'349'0,"0"0"-251"0,0 0 4 16,0 0 2-16,0 0-45 15,-121 69-42-15,99-52-17 16,4-4-28-16,2 3-60 15,3-1-88-15,-3-2-109 16,3-1-51-16,-5 1-4 16,1-1 168-16,-1-4 172 15,2 3 53-15,2-5 230 16,6-2-109-16,6-2-80 16,2-2-94-16,2 0-195 15,13-4-97-15</inkml:trace>
   <inkml:trace contextRef="#ctx0" brushRef="#br0" timeOffset="91590.85">12017 4379 1246 0,'0'0'291'15,"0"0"-256"-15,0 0-33 16,0 0 77-16,0 0-7 15,0 0 46-15,0 0-23 16,-35-12-16-16,35 12-46 16,0 0 3-16,0 0-36 15,0 0 9-15,0 11 9 16,0 9 0-16,0 8 4 16,0 9-8-16,0 11 4 15,2 8-18-15,5 7 0 16,2 3-18-16,-2-2-118 0,-5 18-147 15,-2-17-87 1,0-13-628-16</inkml:trace>
   <inkml:trace contextRef="#ctx0" brushRef="#br0" timeOffset="91752.68">11911 5438 1257 0,'0'0'219'0,"0"0"-219"0,0 0-29 16,6 106 9-16,-6-59-130 16,0-7-198-16,0-7-218 0</inkml:trace>
@@ -251,14 +250,14 @@
   <inkml:trace contextRef="#ctx0" brushRef="#br0" timeOffset="-197193.73">25716 7586 1309 0,'0'0'706'0,"0"0"-605"15,0 0-74-15,0 0 202 16,125 6-28-16,-47-6-92 0,35-14-53 16,-15-1-56-1,-20 2-694-15</inkml:trace>
   <inkml:trace contextRef="#ctx0" brushRef="#br0" timeOffset="-138169.12">28751 5641 850 0,'0'0'965'0,"0"0"-651"16,0 0-101-16,0 0-38 15,0 0-23-15,-16-113-43 16,16 94-49-16,0 2-35 16,0 5-4-16,0 8-7 15,0 4-14-15,0 0-8 16,4 6-123-16,-4 6-266 0</inkml:trace>
   <inkml:trace contextRef="#ctx0" brushRef="#br0" timeOffset="-135864.37">28662 7341 496 0,'0'0'1046'16,"0"0"-892"0,0 0 66-16,0 0-22 0,0 0-100 15,0 0-22-15,0 0 3 16,62-106-11-16,-31 52-9 16,3-13-9-16,3-5 13 15,3-7-61-15,1 6 37 16,-6 6-30-16,-6 13-9 15,-7 16 11-15,-6 14 18 0,-7 10-1 16,-3 6 2 0,-3 7-10-16,-1 1-20 0,-2 0-16 15,0 0-10-15,0 0 26 16,0 0-14-16,3 0 13 16,-3 0-2-16,0 0 3 15,2 0 9-15,-2-3 8 16,0 3 14-16,0-2-10 15,0 2 9-15,0-1 1 16,0 1-2-16,0 0-18 16,0 0-11-16,0 0-21 15,2 6-16-15,2 7-6 16,7 9 34-16,5 11 9 16,7 4 31-16,0 8-15 15,6 9-6-15,5 8-9 16,2 8 18-16,2 4-19 15,-1 0 0-15,-3-6 8 0,-5-12-8 16,-9-12 13-16,-5-15-13 16,-6-12 1-16,-4-6-1 15,-3-7 2-15,1-2 17 16,-3-2 5-16,0 0 1 16,0 0-12-16,0 0-13 15,0 0 1-15,0 0 11 16,0 0-11-16,2 0-1 15,0 0-31-15,2 0 0 16,-2 0 18-16,3-4 13 0,1-10 30 16,8-8-4-1,3-9 0-15,6-12-5 0,6-9-15 16,4-10-1 0,1-12-3-16,11-23-2 0,3-25 0 15,-3 10-1-15,-5 13-7 16,-9 21 8-16,-8 31 10 15,-1 2-8-15,0 2-1 16,-6 11 10-16,-3 7 5 16,-7 5-4-16,-2 3 0 15,-4 4 2-15,0 0-2 16,0-1 10-16,0 0-17 16,-4 0-5-16,-4 0 0 15,1 0 0-15,1-2 4 16,2 0-4-16,-2-2-16 0,6 0 5 15,-2-2 10 1,2 4 1-16,0 2 1 0,-2 6 10 16,-2 4-5-16,-1 4-6 15,1 0-33-15,-3 0-2 16,0 8-4-16,-2 11 25 16,-1 6 14-16,-2-2 8 15,3-6-3-15,7-7-4 16,2-10 9-16,0 0-10 15,2-4-37-15,19-19 35 16,10-13 2-16,4-7 16 16,3 3-9-16,-7 4-7 15,-6 16-2-15,-12 14-12 0,-4 6 2 16,-2 22-54-16,4 28 45 16,3 34 21-16,5 32 25 15,4-3-3-15,-1-9-10 16,3-14 1-16,-6-22-9 15,6 9-4-15,2 0 0 16,-5-3 9-16,0-11-8 16,-2-1 8-16,3-2 5 15,2 2-7-15,-2 5 7 16,4 4-7-16,0 10-10 16,-2 3 3-16,-3 2-11 15,-4 1-7-15,-5-7-17 16,-2-10 1-16,-6-14 4 15,-1-16 18-15,-2-13 12 0,0-13 9 16,0-10-9-16,1-4 10 16,0 0 45-16,1-10-14 15,5-19-3-15,1-13-14 16,6-14-9-16,5-6-11 16,5-6 3-16,3 0-13 15,2 2 6-15,2 3-9 16,2 9 9-16,2 6 0 15,5 6 6-15,8 8-2 16,0 6 14-16,4 3-14 16,2 10 1-16,-7 5 1 15,-2 5-6-15,-10 5-15 16,-6 0 0-16,-6 12-5 16,-9 6-18-16,-5 4 20 15,-7 3-6-15,-4-2 24 0,0 4 9 16,0 1-9-16,-8-1 1 15,-8-2 7-15,0 1 4 16,3-6 4-16,2-2-11 16,2-2-2-16,5-6-3 15,2-2 0-15,2-3 12 16,0-5-5-16,0 0-7 16,0 0 7-16,0 0-6 15,0 0-1-15,0 0-7 16,4 0-5-16,9-9-12 15,5-1 24-15,11-7 9 0,5-6 33 16,5-5-26-16,1-2-12 16,-1-2 10-1,1-2-7-15,-3-2 3 0,5-5 3 16,1-1-13-16,-1-4 4 16,-2-2 2-16,-1 1 3 15,-6-3-8-15,-8 4 9 16,-6 6-10-16,-5 11 13 15,-5 8-9-15,-5 11-4 16,-4 8 0-16,0 2-15 16,0 0-13-16,2 0-21 15,2 17 14-15,6 9 35 16,1 6 0-16,2 4 7 16,1-2 0-16,1-6-7 15,-1-8-4-15,-1-6-8 0,0-12-7 16,3-2-16-16,2-11 35 15,9-26 35-15,4-15 13 16,9-12-24-16,-7-6-13 16,2 6 2-16,-8 8-6 15,-6 18 10-15,-8 13 4 16,-5 13-1-16,-6 12-6 16,4 0-14-16,0 10-32 15,5 20 9-15,5 12 23 16,6 2 24-16,0-4-9 15,3-7-9-15,-5-12-6 16,0-10-10-16,-2-7 0 0,1-4-7 16,0-29-22-16,-5-7-52 15,-14 0-319-15</inkml:trace>
-  <inkml:trace contextRef="#ctx0" brushRef="#br0" timeOffset="-135085.27">28969 7475 1320 0,'121'-22'610'0,"16"0"-275"15,23-4-181-15,-6 6-82 16,-13 7-31-16,-1 0-28 16,-22 5 3-16,-24 2-8 0,-26 2-1 15,-7 1-7 1,26-3-19-16,-13 3-105 0,-7-1-607 16</inkml:trace>
+  <inkml:trace contextRef="#ctx0" brushRef="#br0" timeOffset="-135085.28">28969 7475 1320 0,'121'-22'610'0,"16"0"-275"15,23-4-181-15,-6 6-82 16,-13 7-31-16,-1 0-28 16,-22 5 3-16,-24 2-8 0,-26 2-1 15,-7 1-7 1,26-3-19-16,-13 3-105 0,-7-1-607 16</inkml:trace>
   <inkml:trace contextRef="#ctx0" brushRef="#br0" timeOffset="-88971.86">12040 8253 564 0,'0'0'595'16,"0"0"-335"-16,0 0-168 15,0 0-78-15,-16-121-14 16,7 92 2-16,1-3 2 15,3 2 0-15,5 4-4 16,0-1 0-16,0 2 49 16,-2-2 52-16,-16-12-39 15,0 5-62-15,-4 1-281 0</inkml:trace>
   <inkml:trace contextRef="#ctx0" brushRef="#br0" timeOffset="-88456.31">14953 5815 450 0,'0'0'171'16,"0"0"-171"-16,39 151-263 16,-28-100 114-16</inkml:trace>
   <inkml:trace contextRef="#ctx0" brushRef="#br0" timeOffset="-84996.18">18791 8631 1993 0,'0'0'341'0,"0"0"-341"15,0 0-23-15,0 0 23 16,0 0 29-16,6 107 39 15,10-34 10-15,2 11-30 16,4 4-25-16,1 0 7 16,-1-8 2-16,0-15-17 15,-4-13 6-15,-1-20 24 16,4-12-29-16,1-16-14 16,10-4 24-16,9-24 54 15,11-22-21-15,6-20-6 16,4-15-21-16,1-29-22 0,-5-34-10 15,-18-22-1 1,-16 13-19-16,-17 32 18 0,-7 50 2 16,-4 32 9-16,-19 8-6 15,-4 2-3-15,-8 12-8 16,-5 17 8-16,-3 13 0 16,3 33-8-16,9 20 0 15,14 11 8-15,17 5 3 16,0-4-3-16,37-12-11 15,12-13-10-15,13-17-1 16,25-35 6-16,-15-1-48 16,-19-13-267-16</inkml:trace>
   <inkml:trace contextRef="#ctx0" brushRef="#br0" timeOffset="-84581.77">20032 8797 1180 0,'0'0'1520'16,"0"0"-1366"-1,0 0-153-15,0 0 19 0,0 0 13 16,0 0 4-16,0 0-18 15,107-23-8-15,-69 20-11 16,-1 3-10-16,-3 0-24 16,-5 5-32-16,-5 10 9 15,-7 3-61-15,-17 11-62 16,0 1-90-16,-5-9-757 0</inkml:trace>
   <inkml:trace contextRef="#ctx0" brushRef="#br0" timeOffset="-84434.66">19987 9156 1663 0,'0'0'1047'0,"0"0"-1006"15,0 0-32-15,0 0 77 16,175 0 9-16,-94-5-32 16,6 0-45-16,-6 1-18 15,-3 4-101-15,-23 0-93 16,-23 0-247-16</inkml:trace>
-  <inkml:trace contextRef="#ctx0" brushRef="#br0" timeOffset="-82775.07">20723 8550 1390 0,'0'0'497'0,"0"0"-238"0,0 0-20 16,0 0-70-16,0 0-46 15,0 0-18-15,0 0-35 16,25-36-29-16,-25 36-33 16,0 0-8-16,0 10-33 15,-12 17-24-15,-5 21 51 16,-10 16 6-16,-7 17-11 16,-9 10-44-16,-1 0 14 15,-9-1 4-15,-3-10 19 16,-7-10 13-16,1-14 5 15,0-12 24-15,4-11 11 0,7-20 9 16,4-13-4 0,9 0-40-16,5-30-26 15,4-16-33-15,8-12 14 16,8-13 20-16,7-1 25 0,6-1 3 16,0 2 10-16,2 11 23 15,17 8 13-15,10 11-17 16,10 11 26-16,5 13-9 15,8 13-28-15,4 4-21 16,6 34-12-16,7 21-7 16,2 22 19-16,2 9 6 15,3 7 15-15,-3-3-2 16,2-8-13-16,-9-10-5 16,-6-14-1-16,-11-18-5 0,-13-14-1 15,-10-13 6-15,-8-12 6 16,-9-1-6-1,-9-26 0-15,0-8-42 0,-13 0-472 0</inkml:trace>
-  <inkml:trace contextRef="#ctx0" brushRef="#br0" timeOffset="-82351.32">21392 8497 2176 0,'0'0'216'15,"0"0"-192"-15,0 0-17 16,0 0-2-16,0 0 21 0,0 0 19 16,15 135 25-1,-1-52-20-15,1 11-18 16,-2 2-11-16,1-6-6 0,-4-10 9 15,2-11-23-15,-3-14 7 16,-1-20 17-16,-3-13-16 16,-1-12-9-16,1-10-14 15,-5-32-49-15,0-12-186 16,-2-6-1589-16</inkml:trace>
+  <inkml:trace contextRef="#ctx0" brushRef="#br0" timeOffset="-82775.08">20723 8550 1390 0,'0'0'497'0,"0"0"-238"0,0 0-20 16,0 0-70-16,0 0-46 15,0 0-18-15,0 0-35 16,25-36-29-16,-25 36-33 16,0 0-8-16,0 10-33 15,-12 17-24-15,-5 21 51 16,-10 16 6-16,-7 17-11 16,-9 10-44-16,-1 0 14 15,-9-1 4-15,-3-10 19 16,-7-10 13-16,1-14 5 15,0-12 24-15,4-11 11 0,7-20 9 16,4-13-4 0,9 0-40-16,5-30-26 15,4-16-33-15,8-12 14 16,8-13 20-16,7-1 25 0,6-1 3 16,0 2 10-16,2 11 23 15,17 8 13-15,10 11-17 16,10 11 26-16,5 13-9 15,8 13-28-15,4 4-21 16,6 34-12-16,7 21-7 16,2 22 19-16,2 9 6 15,3 7 15-15,-3-3-2 16,2-8-13-16,-9-10-5 16,-6-14-1-16,-11-18-5 0,-13-14-1 15,-10-13 6-15,-8-12 6 16,-9-1-6-1,-9-26 0-15,0-8-42 0,-13 0-472 0</inkml:trace>
+  <inkml:trace contextRef="#ctx0" brushRef="#br0" timeOffset="-82351.33">21392 8497 2176 0,'0'0'216'15,"0"0"-192"-15,0 0-17 16,0 0-2-16,0 0 21 0,0 0 19 16,15 135 25-1,-1-52-20-15,1 11-18 16,-2 2-11-16,1-6-6 0,-4-10 9 15,2-11-23-15,-3-14 7 16,-1-20 17-16,-3-13-16 16,-1-12-9-16,1-10-14 15,-5-32-49-15,0-12-186 16,-2-6-1589-16</inkml:trace>
   <inkml:trace contextRef="#ctx0" brushRef="#br0" timeOffset="-82186.36">21425 8497 1885 0,'0'0'934'0,"0"0"-908"15,0 0 32-15,144-48-2 0,-68 31-14 16,2 1-15-16,-4 1-27 16,-12 10-52-16,-15 5-113 15,-16 0-148-15,-22 11-494 0</inkml:trace>
   <inkml:trace contextRef="#ctx0" brushRef="#br0" timeOffset="-81986.78">21534 8932 2273 0,'0'0'236'16,"0"0"-50"-16,134-33-22 15,-65 9-90-15,2-2-39 16,-5 3-35-16,-8 10-24 16,-18 13-137-16,-17 0-193 15,-17 13-1214-15</inkml:trace>
   <inkml:trace contextRef="#ctx0" brushRef="#br0" timeOffset="-81772.34">21694 9293 1816 0,'0'0'358'0,"0"0"-253"15,0 0 46-15,0 0 14 0,0 0-94 16,0 0 27-16,0 0-13 16,112 0-22-16,-52 0-4 15,13-9-5-15,10-9-17 16,6-4-37-16,2-6-8 15,-22 2-263-15,-29 5-1705 0</inkml:trace>
@@ -277,7 +276,7 @@
   <inkml:trace contextRef="#ctx0" brushRef="#br0" timeOffset="52233.16">1831 10846 1537 0,'0'0'1145'16,"0"0"-1145"-16,0 0-27 15,0 0 27-15,124-86 121 16,-39 58-54-16,11 5-43 0,7 8-24 16,-1 7-67-1,29 4-25-15,-27 4-131 0,-18 0-690 0</inkml:trace>
   <inkml:trace contextRef="#ctx0" brushRef="#br0" timeOffset="52687.7">3288 10962 1238 0,'0'0'398'0,"0"0"-200"0,136 0-28 16,-60 0-39-16,4 0-32 15,5 0-64-15,-7 0-18 16,-11 0-17-16,-14 0-77 16,-27 10-114-16,-14 7-238 15,-12-2-688-15</inkml:trace>
   <inkml:trace contextRef="#ctx0" brushRef="#br0" timeOffset="52806.88">3575 11193 1854 0,'0'0'430'0,"0"0"-311"0,0 0-118 15,0 0 49-15,0 0 40 16,181 8 5-16,-58-22-51 16,-21-2-44-16,-17-2-282 0</inkml:trace>
-  <inkml:trace contextRef="#ctx0" brushRef="#br0" timeOffset="53195.72">4600 10728 1305 0,'0'0'950'15,"0"0"-845"-15,0 0-64 16,72-115-12-16,-61 95 23 0,-11 9 78 15,0 7-6 1,-9 4-79-16,-18 0-43 0,-6 14 13 16,-2 6 29-16,1 1-2 15,5 5-12-15,11-1-4 16,11 3-21-16,7 0-5 16,0 6-1-16,18 8 1 15,13 6 17-15,10 14-12 16,9 23 15-16,8 30-20 15,0 30-11-15,-13 6-73 16,-21-26-33-16,-19-29-4 16,-5-39 5-16,-7-9 56 0,-17-2 60 15,-10-1 17 1,-4-6 90-16,-4-20 10 0,3-17-21 16,-2-6-96-16,10-34 0 15,4-47-74-15,9 9-71 16,9 0-298-16</inkml:trace>
+  <inkml:trace contextRef="#ctx0" brushRef="#br0" timeOffset="53195.71">4600 10728 1305 0,'0'0'950'15,"0"0"-845"-15,0 0-64 16,72-115-12-16,-61 95 23 0,-11 9 78 15,0 7-6 1,-9 4-79-16,-18 0-43 0,-6 14 13 16,-2 6 29-16,1 1-2 15,5 5-12-15,11-1-4 16,11 3-21-16,7 0-5 16,0 6-1-16,18 8 1 15,13 6 17-15,10 14-12 16,9 23 15-16,8 30-20 15,0 30-11-15,-13 6-73 16,-21-26-33-16,-19-29-4 16,-5-39 5-16,-7-9 56 0,-17-2 60 15,-10-1 17 1,-4-6 90-16,-4-20 10 0,3-17-21 16,-2-6-96-16,10-34 0 15,4-47-74-15,9 9-71 16,9 0-298-16</inkml:trace>
   <inkml:trace contextRef="#ctx0" brushRef="#br0" timeOffset="53355.25">4473 11243 2729 0,'0'0'232'15,"0"0"-232"-15,0 0 0 16,0 0 9-16,0 0 21 15,147-68-30-15,-55 34-24 0,-14 4-153 16,-9 6-446-16</inkml:trace>
   <inkml:trace contextRef="#ctx0" brushRef="#br0" timeOffset="53947.59">6162 10267 564 0,'0'0'1833'0,"0"0"-1676"0,0 0-118 16,0 0-13-16,0 0 9 16,0 0-13-16,-158 145-4 15,96-48 11-15,-7 45 7 16,2 50 26-16,20 13-7 15,29-8-25-15,18-26 11 16,27-57-20-16,13-28-21 16,0-21 12-16,12-13-5 15,12 4-6-15,12-2 10 16,9-6-11-16,-8-17-5 16,-5-14 5-16,-14-15-1 0,-14-12-47 15,-15-20-129 1,-16-5-855-16</inkml:trace>
   <inkml:trace contextRef="#ctx0" brushRef="#br0" timeOffset="54411.87">6416 10832 1953 0,'0'0'333'16,"0"0"-271"-16,0 0-43 0,0 0 15 15,0 0-2-15,0 0 4 16,0 0 18-16,-2-58 71 16,2 58-3-16,0 0-34 15,0 0-34-15,0 0-21 16,0 0-33-16,0 0-3 15,0 10-19-15,0 7-1 16,6 14 23-16,4 13 13 16,3 12-6-16,3 9 13 15,-1 7-15-15,5 0-4 16,3-6-1-16,1-8-8 16,-2-16-1-16,1-13-3 15,-6-15-9-15,1-13 21 16,1-1 65-16,0-28 35 0,8-22-4 15,2-18-39-15,6-28-35 16,-6 2-8-16,-2-3-14 16,-6 5-18-16,-8 30-16 15,-3 5-25-15,-6 32-67 16,-4 17-108-16,0 8-426 16</inkml:trace>
@@ -290,7 +289,7 @@
   <inkml:trace contextRef="#ctx0" brushRef="#br0" timeOffset="58172.88">11026 11306 189 0,'0'0'2613'0,"0"0"-2413"15,0 0-170-15,0 0 46 16,0 0 20-16,0 0-32 15,0 0-64-15,-4-9-28 16,2 41-12-16,-3 17 40 16,-4 10 19-16,-4 10-19 15,-10 1-10-15,-8-6-8 16,-4-10-20-16,-12-11-48 16,7-15-77-16,11-17-365 0</inkml:trace>
   <inkml:trace contextRef="#ctx0" brushRef="#br0" timeOffset="58614.34">11261 10851 1495 0,'0'0'605'0,"0"0"-433"16,0 0-42-16,0 0-6 16,0 0-41-16,0 0-7 15,75 142-30-15,-57-80-35 16,1 4-3-16,2 0-7 16,-3-6 0-16,-3-10-1 15,-4-15 29-15,-1-14 39 16,-2-10 33-16,-1-11-22 15,1-2-18-15,6-27-1 16,5-17 19-16,4-16-43 16,6-14-19-16,2-6-1 15,-2-1-12-15,-2 13-1 16,-4 16-3-16,-8 20 0 16,-9 24-4-16,2 10-2 15,-4 27 3-15,3 24 3 0,3 22 31 16,4 8-13-1,7 3 2-15,-4-4-20 0,3-17-12 16,-4-13-66-16,-5-16-109 16,-4-21-392-16</inkml:trace>
   <inkml:trace contextRef="#ctx0" brushRef="#br0" timeOffset="58929.94">12240 11265 1246 0,'0'0'1088'15,"0"0"-808"-15,0 0-73 16,0 0-25-16,0 0-67 16,0 0-56-16,16 144-35 15,-16-94-13-15,-4 5-11 16,-21-1-61-16,-4-2-62 16,-13 2-134-16,7-11-412 0,6-16-773 15</inkml:trace>
-  <inkml:trace contextRef="#ctx0" brushRef="#br0" timeOffset="59504.72">12450 11514 1757 0,'0'0'593'0,"0"0"-468"0,0 0 29 16,0 0-11-16,136-105-87 16,-96 49-7-16,0-12-49 15,-5-10-81-15,-4-10-6 16,-10 0-15-16,-7 3 28 15,-12 15 28-15,-2 18 46 16,0 18 95-16,-14 18-18 16,-5 16-49-16,-4 6-6 15,1 34-22-15,-3 18 1 16,8 17 24-16,5 9-25 16,12-2 25-16,0-6 20 15,12-15 19-15,14-17-2 16,8-19-3-16,3-14-17 15,8-11 10-15,4-13-13 0,5-27-1 16,-2-17-38-16,-2-10-53 16,-8-11-15-16,-9 0 1 15,-10 6 21-15,-9 13 46 16,-12 19 12-16,-2 18 52 16,-2 18 44-16,-14 5-41 15,-7 38-44-15,4 21-4 16,2 18-3-16,11 9-10 15,6-1-6-15,11-8 10 16,20-13 0-16,8-19-10 16,27-33 0-16,-8-10-45 15,-7-8-206-15</inkml:trace>
+  <inkml:trace contextRef="#ctx0" brushRef="#br0" timeOffset="59504.71">12450 11514 1757 0,'0'0'593'0,"0"0"-468"0,0 0 29 16,0 0-11-16,136-105-87 16,-96 49-7-16,0-12-49 15,-5-10-81-15,-4-10-6 16,-10 0-15-16,-7 3 28 15,-12 15 28-15,-2 18 46 16,0 18 95-16,-14 18-18 16,-5 16-49-16,-4 6-6 15,1 34-22-15,-3 18 1 16,8 17 24-16,5 9-25 16,12-2 25-16,0-6 20 15,12-15 19-15,14-17-2 16,8-19-3-16,3-14-17 15,8-11 10-15,4-13-13 0,5-27-1 16,-2-17-38-16,-2-10-53 16,-8-11-15-16,-9 0 1 15,-10 6 21-15,-9 13 46 16,-12 19 12-16,-2 18 52 16,-2 18 44-16,-14 5-41 15,-7 38-44-15,4 21-4 16,2 18-3-16,11 9-10 15,6-1-6-15,11-8 10 16,20-13 0-16,8-19-10 16,27-33 0-16,-8-10-45 15,-7-8-206-15</inkml:trace>
   <inkml:trace contextRef="#ctx0" brushRef="#br0" timeOffset="59861.92">13328 10294 2484 0,'0'0'549'0,"0"0"-508"15,0 0 1 1,107 115 38-16,-23-31 26 0,45 45-23 16,23 53-12-16,-9 18-15 15,-43 1 13-15,-71-24-32 16,-62-37-19-16,-88-16-18 15,-70-31-9-15,17-34-180 16,3-29-1130-16</inkml:trace>
   <inkml:trace contextRef="#ctx0" brushRef="#br0" timeOffset="102506.54">30462 6629 1117 0,'0'0'190'0,"0"0"-121"16,0 0 27-16,0 0 162 15,-56-116-53-15,54 95-11 0,2 6-68 16,0 3-93 0,0 1-5-16,2 4-11 0,9 1-16 15,-2 1 7 1,0 1-8-16,-3 4-10 0,2 0-50 15,-4 0-99-15,5 0-26 16,-1 9 16-16,6-3 52 16,1 0 64-16,6-5 10 15,1-1 43-15,-2 0 12 16,-4 0-12-16,-3 0 2 16,-9 0 44-16,-1 0 179 15,-3 0-31-15,0 0-94 16,0 21-64-16,-5 33-36 15,-6 46 36-15,7 43 4 16,1 17-19-16,3-8-19 0,7-36-2 16,2-47-160-16,0-31-781 15</inkml:trace>
   <inkml:trace contextRef="#ctx0" brushRef="#br0" timeOffset="103253.86">30646 5697 1977 0,'0'0'253'0,"0"0"-178"16,0 0 8-16,30-115 79 15,-22 97-10-15,-4 10-73 16,4 8-65-16,-2 14-14 16,15 47-90-16,12 53 90 15,13 52 1-15,4 19 14 16,-6-11 8-16,-11-44-14 15,-10-46-1-15,-7-29 0 16,-3-13-8-16,0 0-55 16,-1-8-8-16,-6-6-160 0,-4-20-855 0</inkml:trace>
@@ -300,13 +299,13 @@
   <inkml:trace contextRef="#ctx0" brushRef="#br0" timeOffset="122093.7">24918 12247 1728 0,'0'0'428'16,"0"0"-290"-16,0 0-15 0,0 0 29 16,0 0-25-1,0 0-12-15,0 0-7 0,129-23-33 16,-77 8-42-16,1 3-19 16,-2 5-7-16,-4-1-7 15,-5 6-1-15,6 2-45 16,-11 0-105-16,-10 0-333 0</inkml:trace>
   <inkml:trace contextRef="#ctx0" brushRef="#br0" timeOffset="122470.05">26231 11803 2018 0,'0'0'305'16,"0"0"-217"-16,0 0 4 15,0 0 97-15,0 0-32 16,0 0-102-16,0 0-50 16,-8-25 5-16,35 25-10 15,12 0 54-15,9 0-34 16,8 0 8-16,4 0-17 16,-6 5-4-16,-5 3-7 0,-11-2 0 15,-12 2-10 1,-10-2-46-16,-16 5-55 0,-6 0-86 15,-19-3-131-15</inkml:trace>
   <inkml:trace contextRef="#ctx0" brushRef="#br0" timeOffset="122658.58">26300 12112 2012 0,'0'0'411'0,"0"0"-301"15,0 0 14-15,0 0 3 0,162 0-57 16,-108-3-38-16,4-3-32 16,-2 0-13-16,17-2-93 15,-15 2-115 1,-9 2-634-16</inkml:trace>
-  <inkml:trace contextRef="#ctx0" brushRef="#br0" timeOffset="123354.44">27480 11336 1906 0,'0'0'378'16,"0"0"-285"-16,0 0-10 16,0 0 75-16,0 0-18 15,0 0-59-15,0 0-52 16,0-15-21-16,0 17-8 15,0 21-1-15,0 13 0 16,0 14 2-16,0 14 13 16,8 8-14-16,2 4 1 15,6-2 0-15,2-1 0 16,0-11 0-16,-1-12 0 16,-3-14 4-16,-3-11-5 15,-2-14 1-15,-5-7 12 0,0-4 37 16,4 0 34-1,-2-17 8-15,7-19-19 0,5-9-21 16,5-14-34-16,4-6 13 16,4-5-8-16,4-3 3 15,1 2-23-15,2 2 3 16,-7 9-6-16,-7 11 0 16,-6 16 10-16,-7 8-6 15,-6 10-4-15,-3 8 0 16,-2 5-9-16,0 2-10 15,0 0-43-15,0 23-81 16,0 3-152-16,-7 1-371 0</inkml:trace>
+  <inkml:trace contextRef="#ctx0" brushRef="#br0" timeOffset="123354.43">27480 11336 1906 0,'0'0'378'16,"0"0"-285"-16,0 0-10 16,0 0 75-16,0 0-18 15,0 0-59-15,0 0-52 16,0-15-21-16,0 17-8 15,0 21-1-15,0 13 0 16,0 14 2-16,0 14 13 16,8 8-14-16,2 4 1 15,6-2 0-15,2-1 0 16,0-11 0-16,-1-12 0 16,-3-14 4-16,-3-11-5 15,-2-14 1-15,-5-7 12 0,0-4 37 16,4 0 34-1,-2-17 8-15,7-19-19 0,5-9-21 16,5-14-34-16,4-6 13 16,4-5-8-16,4-3 3 15,1 2-23-15,2 2 3 16,-7 9-6-16,-7 11 0 16,-6 16 10-16,-7 8-6 15,-6 10-4-15,-3 8 0 16,-2 5-9-16,0 2-10 15,0 0-43-15,0 23-81 16,0 3-152-16,-7 1-371 0</inkml:trace>
   <inkml:trace contextRef="#ctx0" brushRef="#br0" timeOffset="123789.09">28677 11107 2183 0,'0'0'371'16,"0"0"-209"-16,0 0 13 0,0 0-55 16,0 0-36-16,0 0 1 15,0 0-50-15,20-54-35 16,-20 60-12-16,-6 26-44 16,-21 39 48-16,-20 48 8 15,-27 62 7-15,-15 33-7 16,-6 5-23-16,1-18 23 15,13-39-29-15,17-42-9 16,12-32 38-16,19-29 0 16,9-18 0-16,4 0 5 15,4-7 14-15,5-4-19 16,11-16-23-16,4-14-28 16,21-6-125-16,4-15-127 0</inkml:trace>
   <inkml:trace contextRef="#ctx0" brushRef="#br0" timeOffset="124156.49">28766 11889 1631 0,'0'0'929'0,"0"0"-850"0,0 0-40 16,0 0 89-16,0 0-40 15,0 0-75-15,0 0-13 16,31-17-48-16,-31 67 48 16,-2 15 30-16,-9 10-4 15,-3 3-15-15,1-2 3 16,2-6-8-16,2-12-1 16,7-13 3-16,2-12-8 15,0-12 0-15,0-7 0 16,11-9 10-16,11-3 17 15,9-2 12-15,9 0-2 16,14-7 9-16,8-7-18 16,1-1-10-16,-3 5-12 15,-9 4-6-15,-9 4-4 0,-13 2-100 16,-10 0-203 0,-15 0-1084-16</inkml:trace>
   <inkml:trace contextRef="#ctx0" brushRef="#br0" timeOffset="125135.74">24687 10812 1894 0,'0'0'439'0,"0"0"-319"16,0 0-92 0,0 0 25-16,0 0-21 15,0 0-31-15,0 0 38 0,-27 88-9 16,15-39-13-16,-3 13 35 15,-5 32-2-15,-9 38-9 16,-7 49-14-16,-4 27 9 16,5 5-35-1,8-13 1-15,7-23-2 0,5-12 17 16,7-9-10-16,4-12-7 16,4-28 15-16,0-27 3 15,0-29-2-15,0-10-2 16,0 1-9-16,4-1 0 15,4-1-5-15,-4-18-1 16,0-12-12-16,-2-12-18 0,1-7-38 16,-1-32-52-16,0-12-39 15,-2-9-1109-15</inkml:trace>
   <inkml:trace contextRef="#ctx0" brushRef="#br0" timeOffset="126450.63">24573 10903 1816 0,'0'0'443'0,"0"0"-299"15,0 0-69-15,0 0-35 16,0 0 14-16,0 0-46 16,0 0 7-16,58 0 46 15,-20 1 36-15,11-1-33 16,13 0-6-16,28 0-3 16,37 0-14-16,48 0-18 15,30 0-9-15,13-4-13 16,1 3 8-16,-14 1-4 15,3-3 4-15,-6 0-9 16,-1-3 0-16,1-3 0 16,5 3 0-16,5 2 18 0,-2 4 11 15,-2 0 10-15,-11 0-15 16,-8 0-23-16,-12 10 8 16,-15 2-5-16,-15 2-4 15,-13 0 0-15,-25 0 9 16,-25-3-9-16,-14-1 0 15,-5-2 0-15,12-1 1 16,17 3-1-16,26 2 0 0,-8-3-5 16,-4-1 0-1,2-3 5-15,-23 0-1 0,4-1-7 16,-13-1-5-16,-16-3 12 16,-14 0-2-16,-17 0-6 15,-14 0 5-15,-10 0 4 16,-7 0 0-16,0 0-5 15,0 0-14-15,0 0-37 16,0 0-32-16,0 0-69 16,0 0-47-16,0 0-228 15,0 0-46-15,3 0 217 16,5 0 224-16,3 2 37 16,1 0 125-16,-1 1-20 15,-3-2-47-15,2-1-35 16,-4 0-12-16,1 2-7 0,-3-2-2 15,-2 0 28-15,-2 0 75 16,0 0 39 0,0 0 4-16,0 0 14 0,0 0-39 15,0 0-17-15,0 0-15 16,0 0 12-16,0 0-1 16,0 0-3-16,0 0-12 15,0 0-13-15,0 0-25 16,0 0-10-16,0 0-8 15,0 0-16-15,0 0-10 16,0 0 0-16,0 3-5 16,0 8-8-16,0 12-8 15,0 20 16-15,0 28 8 16,0 44-7-16,0 53 0 16,-4 28 4-16,-9 11-5 0,-5-5 0 15,-1-19 1-15,2-6 0 16,1-9 3-16,1-11-3 15,6-13-1-15,2-16 0 16,5-25 1-16,2-25 0 16,0-24 2-16,0-14-2 15,0-4 2-15,0-5-2 16,0-4-1-16,0-15 0 16,-2-9 1-16,2-3-2 15,-3-19-11-15,-1-10-93 16,-2 0-319-16</inkml:trace>
   <inkml:trace contextRef="#ctx0" brushRef="#br0" timeOffset="127767.31">24234 13327 2368 0,'0'0'285'0,"0"0"-238"0,0 0 8 16,0 0 49-16,0 0-42 16,0 0-21-16,0 0-19 15,58 0 18-15,-24-2 17 16,10-1-18-16,16 0-6 15,14 0-11-15,33 3-17 16,40 0-1-16,49 0 13 16,31 0-13-16,11 0 0 15,5 5 1-15,-11 2-5 16,4 4 0-16,0-1-4 16,5 0-12-16,2 0-8 0,4-2-7 15,5-2 9-15,6-2 0 16,-1-2-10-16,-5 2 32 15,-3-2-5 1,-10 0 5-16,-15 0 13 0,-10-2 11 16,-18 0 18-16,-17 0 0 15,-19 0-9-15,-13 0-3 16,-33-2 0-16,-27 0-18 16,-27 0-2-16,-16 0-6 15,0 2-3-15,-3 0 0 16,-5 0-1-16,-14 0 0 15,-11 0-4-15,-2 0-5 16,-2 0-7-16,4 0-6 0,4 0 6 16,1 2 9-1,2 2 1-15,0 2 6 0,-8-4 0 16,0 2 0-16,-8-2-1 16,0-2-3-16,-2 0 4 15,0 0 23-15,2 0-8 16,1 0 6-16,-3 0-15 15,0 0 0-15,0 0 0 16,0 0-2-16,0 0 0 16,0 0-4-16,-19 0-33 15,-2 0-84-15,-8 0-283 0</inkml:trace>
-  <inkml:trace contextRef="#ctx0" brushRef="#br0" timeOffset="-148202.23">2263 13139 1023 0,'0'0'502'15,"0"0"-295"-15,0 0-131 16,0 0 59-16,0 0-4 16,0 0-59-16,0-21-27 15,0 19 4-15,0 0 4 16,0 2-10-16,0 0-17 15,0 0-9-15,0 0 1 16,0 0 6-16,0 0 5 16,0 0 0-16,0 0-4 0,0 0 15 15,0 0-28 1,0 0 5-16,0 10-12 0,0 12-5 16,0 15 0-1,0 14 13-15,0 18-2 16,3 9-2-16,1 10-8 0,3 2 7 15,-1-2-1-15,3-1 1 16,0-9-6-16,-2-7-1 16,-1-13 16-16,1-6 32 15,-7-17-27-15,0-8-22 16,0-10-13-16,-5-5-125 16,-7-5-242-16</inkml:trace>
+  <inkml:trace contextRef="#ctx0" brushRef="#br0" timeOffset="-148202.24">2263 13139 1023 0,'0'0'502'15,"0"0"-295"-15,0 0-131 16,0 0 59-16,0 0-4 16,0 0-59-16,0-21-27 15,0 19 4-15,0 0 4 16,0 2-10-16,0 0-17 15,0 0-9-15,0 0 1 16,0 0 6-16,0 0 5 16,0 0 0-16,0 0-4 0,0 0 15 15,0 0-28 1,0 0 5-16,0 10-12 0,0 12-5 16,0 15 0-1,0 14 13-15,0 18-2 16,3 9-2-16,1 10-8 0,3 2 7 15,-1-2-1-15,3-1 1 16,0-9-6-16,-2-7-1 16,-1-13 16-16,1-6 32 15,-7-17-27-15,0-8-22 16,0-10-13-16,-5-5-125 16,-7-5-242-16</inkml:trace>
   <inkml:trace contextRef="#ctx0" brushRef="#br0" timeOffset="-147836.28">2105 14037 1906 0,'0'0'414'0,"0"0"-208"16,0 0-57-16,0 0-74 15,0 0-57-15,0 0-17 16,0 0 16-16,78-3 19 16,-34 13-12-16,3-2-3 15,0 1-5-15,0-5-15 16,-7-3 1-16,-3-1-2 15,-5 0 0-15,-10 0-37 16,-4 0-12-16,-15-19-55 0,-3-4-93 16,0 1-500-16</inkml:trace>
   <inkml:trace contextRef="#ctx0" brushRef="#br0" timeOffset="-147747.13">2148 13393 2424 0,'0'0'321'15,"0"0"-266"-15,0 0-32 16,0 0 3-16,0 0-16 16,0 0-10-16,0 0 0 15,52-41 9-15,-11 34-9 16,13 1-1-16,8 0 1 15,9 4 0-15,5-2-1 16,19-2-78-16,-16 0-158 0,-19 0-983 0</inkml:trace>
   <inkml:trace contextRef="#ctx0" brushRef="#br0" timeOffset="-146882.1">3193 13531 2023 0,'0'0'412'16,"0"0"-299"-16,0 0-87 16,0 0 45-16,0 0 3 0,0 0-73 15,0 0 6-15,13 0 5 16,9 0 2-16,7 0-3 16,5 0-2-16,1 0-9 15,3 0 0-15,2 0-21 16,-2 2-19-16,-5 4-22 15,-6 1-33-15,-14 0 8 16,-4-1-88-16,-9 0-298 0</inkml:trace>
@@ -325,11 +324,11 @@
   <inkml:trace contextRef="#ctx0" brushRef="#br0" timeOffset="-118799.86">5811 14258 1882 0,'0'0'731'0,"0"0"-649"0,0 0-80 16,0 0 17 0,0 0 33-16,0 0-21 0,0 0-15 15,50-27 46-15,-19 17-11 16,15-2-12-16,16-2-10 16,36 0-7-16,49-1-5 15,44 4 0-15,23-1-11 16,-6 4-5-16,-25 1 3 15,-50 3-4-15,-35 1-3 16,-34 3 3 0,-16 0 5-16,-9 0 0 0,-7 0-5 15,-6 0-4-15,-17 0 4 16,-9 0 7-16,0 0 54 16,0 0-3-16,-2-2-58 15,-7-6-40-15,3-1-153 0,0 0-908 16</inkml:trace>
   <inkml:trace contextRef="#ctx0" brushRef="#br0" timeOffset="-77864.16">11815 2516 933 0,'0'0'606'16,"0"0"-441"-16,0 0-131 16,0 0-4-16,0 0 113 15,0 0 59-15,-7 3-88 16,7-3-40-16,0 0-36 16,9 0-18-16,4 0-6 15,3 0-14-15,6 0 0 16,3 0 3-16,2 5-3 15,2 3 0-15,0 2-75 16,-2 2-103-16,-5 0-191 0,-7-1-39 16,-6-4-663-16</inkml:trace>
   <inkml:trace contextRef="#ctx0" brushRef="#br0" timeOffset="-77494.3">11712 2779 1564 0,'0'0'340'15,"0"0"-340"-15,0 0 27 16,0 0 7-16,0 0 114 16,145-34-40-16,-82 20-66 15,-1 2-25-15,-4 1-17 16,-12 4-109-16,-11-5-163 16,-16 0-163-16,-10-2-682 0</inkml:trace>
-  <inkml:trace contextRef="#ctx0" brushRef="#br0" timeOffset="-77387.15">12144 2288 189 0,'0'0'1834'15,"0"0"-1508"-15,0 0-177 16,0 0-62-16,0 0-44 16,0 0-43-16,0 0-33 15,8 4-3-15,23 40 36 0,11 12 0 16,7 10 0-1,-2 4-33-15,-5-3-37 0,-13-10-14 16,-18-8 42-16,-11-11 16 16,-9-6-6-16,-22-7 32 15,-7-4 0-15,0-6-9 16,5-9 9-16,17-6-101 16,12-19-55-16,4-5-392 0</inkml:trace>
+  <inkml:trace contextRef="#ctx0" brushRef="#br0" timeOffset="-77387.16">12144 2288 189 0,'0'0'1834'15,"0"0"-1508"-15,0 0-177 16,0 0-62-16,0 0-44 16,0 0-43-16,0 0-33 15,8 4-3-15,23 40 36 0,11 12 0 16,7 10 0-1,-2 4-33-15,-5-3-37 0,-13-10-14 16,-18-8 42-16,-11-11 16 16,-9-6-6-16,-22-7 32 15,-7-4 0-15,0-6-9 16,5-9 9-16,17-6-101 16,12-19-55-16,4-5-392 0</inkml:trace>
   <inkml:trace contextRef="#ctx0" brushRef="#br0" timeOffset="-77062.74">12582 2198 1827 0,'0'0'230'0,"0"0"-168"0,0 0-31 16,0 0 32-16,0 0-16 15,0 0-47-15,0 0-8 16,-66-15-4-16,53 52 10 15,3 13-27-15,0 12 15 16,8 4 14-16,2 2 0 16,0-6 8-16,18-6-8 15,7-12-2-15,6-14 1 16,4-15-19-16,1-15 20 16,-1-2 15-16,-1-30 37 15,-3-12 2-15,-8-13-19 16,-8-5-17-16,-6-4-17 15,-4-4 14-15,-5 1-14 16,0 4-1-16,0 7 0 16,-14 6-5-16,1 15 5 0,-6 11 0 15,0 14 0 1,-6 12-11-16,1 2-5 0,-1 26-17 16,12 32-43-16,4-5-104 15,9-8-258-15</inkml:trace>
-  <inkml:trace contextRef="#ctx0" brushRef="#br0" timeOffset="-76746.18">12639 2436 2165 0,'0'0'223'15,"0"0"-223"-15,0 0-12 16,0 0 12-16,52 128 0 16,-34-84 0-16,-1 6 1 15,1-4 8-15,2-4-2 16,-4-5-7-16,2-11 0 15,-3-6 0-15,8-11-92 16,-8-6-162-16,1-3-392 0</inkml:trace>
+  <inkml:trace contextRef="#ctx0" brushRef="#br0" timeOffset="-76746.19">12639 2436 2165 0,'0'0'223'15,"0"0"-223"-15,0 0-12 16,0 0 12-16,52 128 0 16,-34-84 0-16,-1 6 1 15,1-4 8-15,2-4-2 16,-4-5-7-16,2-11 0 15,-3-6 0-15,8-11-92 16,-8-6-162-16,1-3-392 0</inkml:trace>
   <inkml:trace contextRef="#ctx0" brushRef="#br0" timeOffset="-76497.26">13002 2363 1515 0,'0'0'444'16,"0"0"-329"-16,0 0-67 16,0 0 39-16,114-42-12 15,-72 33-25-15,1 1-38 16,1 2-7-16,-4 6-5 15,-3 0 0-15,-12 0 0 16,-15 0-175-16,-10 6-308 0,0 2-219 0</inkml:trace>
-  <inkml:trace contextRef="#ctx0" brushRef="#br0" timeOffset="-76355.15">13054 2532 1870 0,'0'0'377'0,"0"0"-377"15,0 0 0-15,0 0 46 16,116 0 34-16,-70-2-42 16,-1-5-21-16,-3-2-17 15,0-3-86-15,-13 2-215 0,-6 0-1353 16</inkml:trace>
+  <inkml:trace contextRef="#ctx0" brushRef="#br0" timeOffset="-76355.16">13054 2532 1870 0,'0'0'377'0,"0"0"-377"15,0 0 0-15,0 0 46 16,116 0 34-16,-70-2-42 16,-1-5-21-16,-3-2-17 15,0-3-86-15,-13 2-215 0,-6 0-1353 16</inkml:trace>
   <inkml:trace contextRef="#ctx0" brushRef="#br0" timeOffset="-75793.21">13842 1971 1146 0,'0'0'434'0,"0"0"-137"15,0 0-96-15,0 0-10 16,0 0-78-16,0 0-50 16,0 0-63-16,0-13-8 15,0 40-10-15,5 15 9 16,4 14 9-16,-3 12 10 16,1 8-9-16,0-1 2 15,-4-3-3-15,-3-12 4 16,0-12-6-16,0-16 2 31,0-14 0-31,0-9 0 0,0-9 72 0,0 0 105 16,2-25-40-16,4-13-105 15,1-13-11-15,3-7-8 16,2-7-8-16,1-1-3 0,3 1 9 16,1 5-1-16,2 8-10 15,1 8-5-15,-1 12-13 16,-2 10 12-16,-2 11-4 15,1 11-1-15,1 0-20 16,3 21 21-16,3 13 4 16,4 10 11-16,2 10-7 15,-1 3 3-15,-1 2-1 16,-3-3 4-16,-1-6-3 16,-3-7 3-16,-7-11-4 15,-2-10 0-15,-3-8-27 16,-4-14-80-16,-2 0-73 15,-2-2-35-15</inkml:trace>
   <inkml:trace contextRef="#ctx0" brushRef="#br0" timeOffset="-75619.05">14635 2071 2618 0,'0'0'252'0,"0"0"-210"16,0 0-42-16,0 0 0 15,0 0 0-15,0 0-23 16,0 0-68-16,0 52-108 16,0-31-217-16,10-14-982 0</inkml:trace>
   <inkml:trace contextRef="#ctx0" brushRef="#br0" timeOffset="-75058.5">14816 1891 813 0,'0'0'246'0,"0"0"9"15,0 0 154-15,0 0-7 16,0 0-187-16,0 0-126 16,0 0-89-16,16-42-1 15,-16 53-23-15,4 18 15 16,3 13 9-16,2 12 8 15,2 12 0-15,2 2-7 16,3 1 2-16,-3-9 3 0,2-8-6 16,-1-14-1-16,-3-10-11 15,-3-14-6-15,-2-6 18 16,-4-8 14-16,2 0 92 16,5-14 52-16,1-14-102 15,3-11-25-15,0-4-17 16,3-4-10-16,-1 1 2 15,-1 8-2-15,-6 8 8 16,-1 12-11-16,-5 10 21 16,0 8-22-16,1 0-38 15,4 12 0-15,4 22 18 16,11 12 13-16,5 9 7 16,8 0-36-16,1-2 12 0,-1-11 23 15,1-8 0-15,-3-12-1 16,-2-10 2-16,-4-10 0 15,-4-2 12-15,-5-20 17 16,-7-18 38-16,-5-15-12 16,-6-13 13-16,0-10-3 15,0-4-28-15,-4 4-17 16,-9 8-16-16,1 14-4 16,-1 14-11-16,2 19-12 15,-4 21-85-15,4 22-376 16,-1 9-935-16</inkml:trace>
@@ -337,7 +336,7 @@
   <inkml:trace contextRef="#ctx0" brushRef="#br0" timeOffset="-74359.05">16046 1885 1820 0,'0'0'505'0,"0"0"-385"15,0 0-103-15,0 0-6 16,0 0 4-16,0 0 68 16,0 0-63-16,0-78-20 15,0 79-22-15,0 22-20 16,6 13 30-16,1 11 12 15,0 12 7-15,2 12 3 16,-5 2-10-16,1 8 5 16,-5-2-5-16,0 0 0 15,0-11 0-15,0-16 0 16,0-14 2-16,0-18-1 16,0-10-1-16,0-8 0 15,11-2 26-15,9 0-8 0,9-2 43 16,12-8-39-1,3-1-7-15,5-2-14 0,-3 4-1 16,2-4-48-16,-4-5-42 16,-11 5-136-16,-10-4-769 0</inkml:trace>
   <inkml:trace contextRef="#ctx0" brushRef="#br0" timeOffset="-74126.9">16494 2163 1063 0,'0'0'1105'16,"0"0"-971"-16,0 0-57 15,0 0 70-15,0 0-50 16,0 0-68-16,0 0-29 15,0 3 0-15,0 7-57 16,0-1-61-16,7-5-363 0</inkml:trace>
   <inkml:trace contextRef="#ctx0" brushRef="#br0" timeOffset="-73659.28">16636 1736 1591 0,'0'0'283'0,"0"0"-212"16,0 0 14-16,0 0 58 15,0 0-56-15,0 0-87 16,0 0-25-16,29-65-99 16,-27 102 67-16,3 18 57 15,2 13 14-15,0 12 24 16,1 8-10-16,1 1-16 15,-2 0-11-15,2-2 25 16,-2-7-26-16,-5-10-11 16,0-14 11-16,0-19-13 15,-2-16 29-15,0-11 40 0,0-7 80 16,0-3-8 0,2 0 16-16,6-13-24 0,0-14-97 15,5-11 3-15,3-9-1 16,4-5-14-16,2-2-11 15,1 4 4-15,-3 7-3 16,-5 11 19-16,-1 10-12 16,-7 12-2-16,-3 8-6 15,-2 2-19-15,5 18-43 16,7 22 13-16,1 15 49 16,5 8 6-16,2 4 13 15,0-4-7-15,-10-6-12 0,-8-17-60 16,-4-21-1100-16</inkml:trace>
-  <inkml:trace contextRef="#ctx0" brushRef="#br0" timeOffset="-68236.85">5433 12672 1140 0,'0'0'389'0,"0"0"-267"0,0 0-28 16,0 0 147-16,0 0-8 15,0 0-119-15,-10 0-44 16,10 0-2-16,0 0 17 15,0 0-12-15,0 0-27 16,0 0-18-16,0 0-4 16,0-1-12-16,0-1-1 15,4-3-11-15,12-6 0 16,5-3 0-16,6-3-37 16,2 0-47-16,-2-1-37 15,0-3-6-15,-2-1-27 16,-6-1-79-16,-1-1 34 15,-5-1 63-15,-1 1 136 0,-5 3 26 16,-5 2 191 0,0 5 40-16,-2 6-58 0,0 6-63 15,0 2-54-15,0 0-57 16,0 14-25-16,-4 19-29 16,-11 17 29-16,-8 10 8 15,-8 8 0-15,-10 2 16 16,-7-2-17-16,-8-7 3 15,-2-10-7-15,7-8-2 16,10-13 33-16,12-12-33 16,16-12-1-16,13-10-9 15,0-18-123-15,2-6-564 0</inkml:trace>
+  <inkml:trace contextRef="#ctx0" brushRef="#br0" timeOffset="-68236.86">5433 12672 1140 0,'0'0'389'0,"0"0"-267"0,0 0-28 16,0 0 147-16,0 0-8 15,0 0-119-15,-10 0-44 16,10 0-2-16,0 0 17 15,0 0-12-15,0 0-27 16,0 0-18-16,0 0-4 16,0-1-12-16,0-1-1 15,4-3-11-15,12-6 0 16,5-3 0-16,6-3-37 16,2 0-47-16,-2-1-37 15,0-3-6-15,-2-1-27 16,-6-1-79-16,-1-1 34 15,-5-1 63-15,-1 1 136 0,-5 3 26 16,-5 2 191 0,0 5 40-16,-2 6-58 0,0 6-63 15,0 2-54-15,0 0-57 16,0 14-25-16,-4 19-29 16,-11 17 29-16,-8 10 8 15,-8 8 0-15,-10 2 16 16,-7-2-17-16,-8-7 3 15,-2-10-7-15,7-8-2 16,10-13 33-16,12-12-33 16,16-12-1-16,13-10-9 15,0-18-123-15,2-6-564 0</inkml:trace>
   <inkml:trace contextRef="#ctx0" brushRef="#br0" timeOffset="-68006.94">5391 12486 1901 0,'0'0'534'0,"0"0"-395"15,0 0-105-15,0 0-34 16,0 0 0-16,-56 113-13 16,54-40 20-16,2 13-7 15,0-3 9-15,0-10-8 16,2-17 4-16,15-16-4 15,14-20 16-15,31-20 22 16,47-34-9-16,-6-16-30 16,-14-9-916-16</inkml:trace>
   <inkml:trace contextRef="#ctx0" brushRef="#br0" timeOffset="-65571.91">16351 10553 1829 0,'0'0'320'0,"0"0"-150"16,0 0-83-16,0 0 67 16,0 0-2-16,0 0-73 15,0 0-28-15,-35-66 23 16,33 66 8-16,-3 0-37 15,-2 0-6-15,-8 19-39 16,-10 21-3-16,-13 36 1 16,3 34 2-16,4 1 0 15,13-10-2-15,13-17-5 16,5-25 2-16,2-3-7 16,21-6-10-16,6-21-14 15,6-18 8-15,7-11 19 16,6-26 9-16,0-24 10 15,-3-20-3-15,-9-13 7 0,-14-4-4 16,-13 2-10 0,-9 6-5-16,-7 18-9 0,-22 18 0 15,-6 16-24-15,-6 23-3 16,-1 5-28-16,-3 68 4 16,10-6-101-16,11 6-313 0</inkml:trace>
   <inkml:trace contextRef="#ctx0" brushRef="#br0" timeOffset="-65381.98">16370 11095 2119 0,'0'0'368'16,"0"0"-240"-16,0 0 22 0,0 0-48 16,0 0-92-16,0 0-10 15,57 123 6-15,-19-52 5 16,6 5-9-16,6-4-2 15,-6-8-74-15,5-14-65 16,-13-17-142-16,-11-17-757 0</inkml:trace>
@@ -351,7 +350,7 @@
   <inkml:trace contextRef="#ctx0" brushRef="#br0" timeOffset="-61679.48">20364 10606 2183 0,'0'0'286'0,"0"0"-225"15,0 0-26-15,0 0-15 16,0 0-19-16,0 0 6 16,-4 126-6-16,4-62 11 15,2 6 5-15,4 1-17 16,4-5 1-16,-4-12-1 16,3-12 26-16,-3-15 11 15,2-14 47-15,0-11-3 0,7-2 2 16,8-22 21-16,8-16-34 15,5-12-34-15,2-6-16 16,-4 6-10-16,-3 7 7 16,-10 12-7-16,-7 19-9 15,-5 12-1-15,-3 1 0 16,4 35-19-16,1 19 19 16,2 15 11-16,3 7-11 15,-5 27-45-15,-2-21-182 16,-9-19-429-16</inkml:trace>
   <inkml:trace contextRef="#ctx0" brushRef="#br0" timeOffset="-59238.2">15915 11937 2304 0,'0'0'382'0,"0"0"-291"15,0 0 30 1,0 0-13-16,0 0-60 0,0 0-34 15,0 0 8 1,42-6 38-16,-11 6-14 0,4 0-12 16,11 0-17-16,9 2 2 15,16 8-15-15,29 2 10 16,46-2-7-16,41-3-6 16,22 0 0-16,5-5-1 15,-7-2-6-15,-15 0-6 16,2-2-10-16,-7-12 9 15,-4-2-12-15,-12-2 17 16,-4 1-1-16,0-4 8 16,-2 0-9-16,0 4 10 15,2-4 0-15,2 6-7 16,6 1 7-16,-7 0 0 16,-3 6 0-16,-6 1 0 0,-15 7-5 15,-7 0-36-15,-27 0-49 16,-20 2-33-16,-24 3 21 15,-3-4-24-15,9-1 50 16,9 0 30-16,6 0 32 16,-4 0 14-16,-10-9 0 15,-6-5 23-15,-7-3 82 16,-8 4-5-16,-10 0-30 16,-11 3-27-16,-11 5-23 15,-6 2-3-15,-9 1-3 16,-3 2 24-16,-2 0 20 0,0 0-24 15,0 0-11-15,0 0-5 16,0 0-18-16,0 0 0 16,2 0-6-1,-2 0-5-15,0-2 11 0,0 2 5 16,0-2 15-16,0-2-8 16,0 1 6-16,0-6 3 15,4-2-9-15,3-6-7 16,1 0 0-16,6-6-5 15,-1 0 8-15,1-6-7 16,-1-1 4-16,1-4-1 16,-3-4 11-16,2-4-6 15,-1-7 3-15,0-4-6 16,-2-12 13-16,-1-7-19 0,-5-12 0 16,-2-4 14-16,-2-5-14 15,0 7 6-15,-4 11-6 16,-10 14 11-16,3 13 15 15,-2 11-13-15,4 8 12 16,0 5-13-16,2-1-8 16,1 1 2-16,2-1-5 15,-2 0 0-15,0-1 6 16,-3-2-7-16,1 0 0 16,-4 6-4-16,1 6-16 15,5 4 2-15,-4 6 14 16,4 0 3-16,-1 4-6 15,3 0 6-15,-1 0 1 16,-2 0 1-16,1-3-1 0,-3 4-5 16,-2-4-2-16,-7 1 0 15,-3 2 1 1,0 2 6-16,-2 0 0 0,-1 0 0 16,-1 0 0-16,-4 0 0 15,0 0 3-15,-7 0-2 16,-6 0-2-16,-9 5 2 15,-7 1 1-15,-13-2-2 16,-10 2 0-16,-23-2 0 16,-29 2 0-16,-35 2-5 15,-13-4-1-15,4 0-12 16,1-2 0-16,13-2-10 16,-7 0 28-16,-4 1-5 15,3 1 1-15,3 7 4 16,4 3-4-16,4 2 3 15,8 4 1-15,9 0 1 0,12 1-1 16,6 0 0-16,1 0 0 16,3-5-1-16,3 1 1 15,-2-5 0-15,4-2 8 16,-2-4-2-16,0 2-5 16,16-1 14-16,17-1-5 15,18 1 4-15,5-1 1 16,-8 2 0-16,-7 2-3 0,-8 0-3 15,11 2-9 1,5-4-1-16,12 2 1 0,3-1 10 16,4-4-10-16,6 1 3 15,1-4-3-15,1 0 5 16,0 0-5-16,2 0 0 16,0-7 0-16,4-4 0 15,7 1 0-15,0 0 0 16,7 1 0-16,0-2 0 15,2 1 1-15,2 2-1 16,0 0 0-16,2 2 4 16,-1 2-4-16,-3 0 0 15,-3 0-2-15,1 2 2 16,0 2 0-16,-3 0 0 16,0 0-1-16,-1 0-6 0,-3 6 6 15,-3 4-8-15,4 0 9 16,-4 0-1-16,1 0-2 15,3-2 3-15,1 1 0 16,5-6 0-16,3 1 0 16,6-4 3-16,5 2-2 15,2-2 2-15,4 0-3 16,0 0 0-16,2 0 0 16,0 0 0-16,0 0 3 15,0 0 1-15,0 0-4 16,0 0 6-16,0 0-6 15,0 0 0-15,0 0-8 16,0 0-12-16,0 0 4 16,0 9-14-16,4 9 1 15,15 14 29-15,1 16 11 0,9 29-6 16,4 34-5-16,1 33 8 16,1 17-8-16,-8-3-16 15,-4-17 3-15,-8-39 3 16,-4-20-1-16,-2-22 4 15,0-10 6-15,-1 4-3 16,2-2 8-16,1-7-1 16,-3-13 38-16,4-11-9 15,-1-8-10-15,-2-5-7 16,0-4-6-16,0 0 2 16,-3 0 5-16,-4-4-6 15,1 2-9-15,-1-2 10 0,-2 0-11 16,0 0 0-16,0 0 0 15,0 0-8 1,0 0-24-16,0 0-47 0,0 0-61 16,0-6-135-1,0-6-1228-15</inkml:trace>
   <inkml:trace contextRef="#ctx0" brushRef="#br0" timeOffset="-195727.81">8223 13986 48 0,'0'0'496'16,"0"0"-302"-16,0 0-179 15,0 0 410-15,0 0-102 16,0 0-124-16,0-15-31 0,0 15-21 16,0-3-9-1,0 3 2-15,0 0-40 0,0-2-15 16,0 2-1-16,0 0 20 15,0 0-21-15,0 0-20 16,0 0 1-16,0 0-19 16,0-2-2-16,0 0-18 15,0 2-4-15,7-4-10 16,5 3-11-16,5-4 9 16,5 1-9-16,7 0-1 15,3 1 1-15,-3 2 4 16,0 1-4-16,-3 0-1 15,-4 0 1-15,1 0 6 16,-3 0-6-16,-3 0-5 16,1 0-42-16,-5 0-40 0,-1 8-79 15,-5 6-147 1,-7 1-547-16</inkml:trace>
-  <inkml:trace contextRef="#ctx0" brushRef="#br0" timeOffset="-195235.24">8335 14124 1840 0,'0'0'500'0,"0"0"-319"16,0 0-105-16,0 0-30 16,0 0-3-16,0 0 23 0,0 0 60 15,94 0-44-15,-52 0-35 16,3 3-31-16,-1 1-7 15,-2-2-2-15,-1 0-1 16,-10 0-6-16,-4 2-27 16,-6-4-33-16,2 0-61 15,-5 0-115-15,-5 0-549 0</inkml:trace>
+  <inkml:trace contextRef="#ctx0" brushRef="#br0" timeOffset="-195235.25">8335 14124 1840 0,'0'0'500'0,"0"0"-319"16,0 0-105-16,0 0-30 16,0 0-3-16,0 0 23 0,0 0 60 15,94 0-44-15,-52 0-35 16,3 3-31-16,-1 1-7 15,-2-2-2-15,-1 0-1 16,-10 0-6-16,-4 2-27 16,-6-4-33-16,2 0-61 15,-5 0-115-15,-5 0-549 0</inkml:trace>
   <inkml:trace contextRef="#ctx0" brushRef="#br0" timeOffset="-194728.02">9297 13662 1515 0,'0'0'454'0,"0"0"-223"16,0 0-45-16,0 0-28 16,0 0-45-16,0 0-50 15,0 0-50-15,2-18-13 16,-2 36-30-16,-6 14 30 16,-6 15 20-16,4 18-7 0,1 7 15 15,7 7 7 1,0-3-35-16,0-8 7 0,15-16-7 15,6-14-9-15,3-13-5 16,1-16 14-16,4-9 14 16,2-9 78-16,5-29-13 15,-1-13-39-15,1-15-13 16,-3-12 1-16,-4-5-19 16,-8 3-2-16,-6 1 6 15,-6 2 3-15,-9 2-4 16,0 5-7-16,0 6 4 15,-18 10-9-15,-7 10-9 16,-6 15-21-16,-4 13-18 16,-7 15-13-16,-8 1 56 15,-4 17 5-15,4 14 14 16,0 7-11-16,9 8-3 16,7 4-1-16,12 6 1 0,13 4 16 15,9 4-16-15,9 2-8 16,24 1 1-16,13-7 6 15,10-2 1-15,2-5 0 16,0-8 5-16,-4-6 2 16,-8-5-7-16,-1-7 1 15,-7 0 13-15,-3-4-10 16,-3 0-4-16,-3 1 0 16,-2 2 0-16,-5 4-4 15,-2 4 1-15,-4 3-4 0,-6 0 4 16,-3 3 3-1,-2-4 5-15,-5-5-4 0,0-5 14 16,0-14-2-16,0-6-13 16,2-6-13-16,0-12-61 15,1-14-171-15,-3-2-655 16</inkml:trace>
   <inkml:trace contextRef="#ctx0" brushRef="#br0" timeOffset="-193685.02">10199 14061 1889 0,'0'0'390'16,"0"0"-270"-16,0 0 61 15,0 0-36-15,0 0-71 16,0 0-6-16,0 0 12 15,32-28-27-15,-32 28-29 16,-11 0-24-16,-10 6-30 16,-3 6 18-16,0 2 12 15,4 1 9-15,1 0 17 16,11-1-17-16,6-2-9 16,2 0-18-16,0-2-16 0,12 2 12 15,9 2-7-15,4 0 16 16,-1 2 13-16,-6-1-1 15,-9 0-29-15,-9 3-9 16,-3 6 36 0,-25 2 3-16,-13-2 55 0,-5 1 28 15,-3-6-15-15,4-7-41 16,12-6-27-16,13-6-12 16,20-10-124-16,20-17-345 15,13 0-669-15</inkml:trace>
   <inkml:trace contextRef="#ctx0" brushRef="#br0" timeOffset="-193465.69">10583 13990 2108 0,'0'0'349'16,"0"0"-260"-16,0 0 72 15,0 0-10-15,0 0-62 16,0 0-47-16,0 0-42 15,-41-18-25-15,51 18 25 16,12 0 0-16,7 0 1 16,6 0-1-16,6 0-2 15,-1 0-71-15,7 0-64 16,-12 0-192-16,-8 0-1549 0</inkml:trace>
@@ -369,7 +368,7 @@
   <inkml:trace contextRef="#ctx0" brushRef="#br0" timeOffset="-182513.16">17010 14264 1670 0,'0'0'548'15,"0"0"-321"-15,0 0-105 0,0 0-11 16,0 0 27-16,0 0-40 16,0 0-39-16,14-17-11 15,1 15 21-15,8 0-9 16,6 0-26-16,4 0-20 16,5-2-2-16,5 4-12 15,-3 0-3-15,0 0-18 16,-5 0-40-16,-4 0-26 15,-6 0-89-15,-9 0-153 16,-12 0-1824-16</inkml:trace>
   <inkml:trace contextRef="#ctx0" brushRef="#br0" timeOffset="-182365.01">17075 14403 301 0,'0'0'2470'0,"0"0"-2318"15,0 0-130-15,0 0 16 16,136-30 1-16,-71 15-33 16,26 0-6-16,-15 5-273 15,-14 4-1090-15</inkml:trace>
   <inkml:trace contextRef="#ctx0" brushRef="#br0" timeOffset="-180179.63">18120 13866 1889 0,'0'0'358'0,"0"0"-280"16,0 0-22-16,0 0 63 0,0 0-10 16,0 0-40-1,0 0-22-15,0-32 9 0,0 32 2 16,0 0-6-16,0 0-27 15,0 5-25-15,0 12-15 16,0 13 15-16,0 11 0 16,0 6-1-16,0 6-33 15,0 0-41 1,5-5 20-16,2-5 31 0,-3-13 22 16,0-9 2-16,1-8 10 15,-3-9 53-15,0-4 48 16,-2 0-15-16,4 0-37 15,2-12-7-15,0-10 5 16,5-11-26-16,3-6-22 16,3-7 1-16,3-4 3 0,1 2-9 15,0-1 6 1,2 7-9-16,2 4-1 0,-4 8-1 16,0 10-3-16,-5 7-2 15,-8 12-11-15,-3 1-16 16,-1 6 4-16,6 22 29 15,-2 12 3-15,3 12 12 16,3 4 0-16,-3 3-3 16,2-1 7-16,1-6-12 15,-4-10-7-15,-1-9-5 16,-2-8 5-16,-2-11 6 16,-3-9-6-16,-2 0-10 15,0-5-81-15,0 0-150 16,0 0-887-16</inkml:trace>
-  <inkml:trace contextRef="#ctx0" brushRef="#br0" timeOffset="-179961.74">18805 14119 2766 0,'0'0'304'15,"0"0"-224"-15,0 0-8 16,0 0-3-16,0 0-38 0,0 0-31 16,0 0-66-16,-8-5-84 15,0 13-66 1,-1 1-328-16</inkml:trace>
+  <inkml:trace contextRef="#ctx0" brushRef="#br0" timeOffset="-179961.75">18805 14119 2766 0,'0'0'304'15,"0"0"-224"-15,0 0-8 16,0 0-3-16,0 0-38 0,0 0-31 16,0 0-66-16,-8-5-84 15,0 13-66 1,-1 1-328-16</inkml:trace>
   <inkml:trace contextRef="#ctx0" brushRef="#br0" timeOffset="-179028.11">19076 13714 2020 0,'0'0'521'0,"0"0"-382"0,0 0-101 15,0 0 13-15,0 0 32 16,0 0-47-16,0 0-36 15,0 16-14-15,0 7 14 16,0 13 22-16,0 3-8 16,0 7 14-16,0 4-27 15,0 0 5-15,0 0 5 16,0-3-1-16,7-4-6 16,2-8-4-16,0-7-10 15,-1-14-10-15,0-4 20 16,-4-6-1-16,0-4-8 15,-2 0 9-15,3-2 29 16,1-14 3-16,6-7 15 0,1-13-28 16,5-3-6-16,2-7-5 15,0-3 6-15,2 3-13 16,-2 6 4-16,-4 6 1 16,-3 12-5-16,-6 9 3 15,0 4-4 1,-5 7-5-16,-2 2-7 0,0 0-15 15,0 2 2-15,2 14 1 16,5 8 24-16,4 10 16 16,4 1-16-16,4 6-7 15,4 1-26-15,2 1-28 16,0-6 12-16,0-2 23 16,-3-7 7-16,-5-10 19 15,-1-2-19-15,-7-12 19 0,-2-4 8 16,-3 0 37-16,0 0 19 15,6-8-14-15,1-16 10 16,3-6-15-16,5-10-30 16,1-13 19-16,3-5-5 15,-2-4-3-15,-2 2-2 16,-6 8-1-16,-6 14 12 16,-5 12 7-16,-2 13-13 15,0 8-29-15,0 5-32 16,-9 10-92-16,-6 12-40 15,1 1-304-15</inkml:trace>
   <inkml:trace contextRef="#ctx0" brushRef="#br0" timeOffset="-178386.12">19938 14055 2787 0,'0'0'436'15,"0"0"-383"-15,0 0-16 16,0 0 7-16,0 0 2 16,0 0-34-16,0 0-12 15,0-3-10-15,-4 3-17 16,2 0-38-16,-5 0-57 0,1 0-109 15,-4 0-424-15</inkml:trace>
   <inkml:trace contextRef="#ctx0" brushRef="#br0" timeOffset="-177601.99">20262 13582 1791 0,'0'0'464'0,"0"0"-342"15,0 0-70-15,0 0 52 16,0 0-28-16,0 0-30 16,0 0-19-16,-3 5 1 15,3 19 27-15,0 6-21 16,0 11-11-16,0 3-8 15,0 4-7-15,0 4 0 16,0 2-8-16,0 0 0 16,0-4 15-16,0-1-15 15,0-5 0-15,0-7-25 16,5-8 24-16,-1-7-8 0,0-9-2 16,1-4-12-16,-3-7 23 15,1-2-21-15,1 0 3 16,1 0 18-16,1-11 8 15,7-8 57-15,3-12-23 16,5 0-16-16,2-5 2 16,4-3-6-16,2 7 3 15,-4 6-1-15,-3 8 1 16,-6 6 1-16,-5 6-3 16,-6 6-23-16,-3 0-1 15,-2 0-5-15,2 20 6 16,4 12 0-16,6 9 32 15,5 3-6-15,4 2-19 0,6-4 3 16,-1-6-10 0,-2-9-23-16,3-4-71 0,-9-13-95 15,-7-6-565-15</inkml:trace>
@@ -379,9 +378,9 @@
   <inkml:trace contextRef="#ctx0" brushRef="#br0" timeOffset="-169365.13">19927 14610 1962 0,'0'0'641'0,"0"0"-524"16,0 0-35-16,0 0 26 16,0 0-7-16,0 0-31 15,0 0-31-15,0-8-24 16,0 8-11-16,0 0-4 15,0 0-8-15,0 14-8 16,0 11-8-16,0 17 24 16,0 8 2-16,5 6-2 0,3 2 0 15,2-4 1 1,-2 0 0-16,1-5 3 0,-1-10-4 16,-4-5 7-16,0-9-3 15,0-8 0-15,-1-7 6 16,-3-3-9-16,0-6 11 15,0 3 7-15,0-4-6 16,0 0-2-16,0 0-2 16,0 0-3-16,0 0-5 15,0 0 11-15,0 0-8 16,0 0-4-16,0 0-9 16,4 0-3-16,-2 0-4 15,6 0-8-15,0-4 17 0,9-4 7 16,12 2 11-16,7-6 2 15,11 3-11-15,9-2 9 16,4 3-1-16,3 4-1 16,-1 0 15-16,-6 0 0 15,-5 2 6-15,-13-1-3 16,-10 3-3-16,-12 0 1 16,-9 0-11-16,-5 0-3 15,-2 0 10-15,0 0-9 16,0 0-12-16,0 0-4 15,0 0-4-15,0 0-17 16,0 0-42-16,0 0-39 0,0 0-33 16,0-1-125-16,0-6-688 15</inkml:trace>
   <inkml:trace contextRef="#ctx0" brushRef="#br0" timeOffset="-168726.69">22044 14382 1770 0,'0'0'452'0,"0"0"-188"16,0 0-38-16,0 0 4 16,0 0-47-16,0 0-50 15,0 0-33-15,5-5-55 0,-5 5-20 16,0 0-19-1,0 0-6-15,0 0-4 0,0 0-15 16,8 0-65-16,2 0-96 16,-2 0-368-16</inkml:trace>
   <inkml:trace contextRef="#ctx0" brushRef="#br0" timeOffset="-168195.1">22476 13966 1950 0,'0'0'362'0,"0"0"-272"0,0 0 25 16,0 0 42-16,0 0 21 15,0 0-62-15,0 0-26 16,0-39-34-16,0 39 7 15,0 0-17-15,0 0-12 16,0 1-11-16,9 17-22 16,9 13 19-16,4 13-10 15,5 6-10-15,2 7 8 16,4 6-7-16,3-2-1 16,0-4-4-16,0-2-5 0,-3-10 8 15,-6-7-3 1,-6-9 8-16,-5-9-5 0,-7-8 1 15,-5-4-13-15,-4-8-3 16,3 0 3-16,-3 0 2 16,0 0-11-16,3 0 11 15,3-8 11-15,5-14 10 16,7-6 3-16,2-11-7 16,6-7 22-16,3-8 1 15,-2-4-5-15,0 0 8 16,-2 2-4-16,-6 10-2 15,0 6-2-15,-9 7-7 16,-3 16-3-16,-2 4-4 16,-3 8-10-16,0 1 0 15,-2 4-9-15,3 0-19 0,-3 0-20 16,2 13-17-16,0 6-34 16,-2 3-185-16</inkml:trace>
-  <inkml:trace contextRef="#ctx0" brushRef="#br0" timeOffset="-160982.61">27289 10491 794 0,'0'0'127'0,"0"0"-127"15,0 0 0-15,0 0 186 16,0 0-18-16,0 0-109 15,20 0-59-15,-20 0-29 16,0 0-84-16,0 0-120 16,0 4 74-16,0-2-10 0</inkml:trace>
-  <inkml:trace contextRef="#ctx0" brushRef="#br0" timeOffset="-160062.14">28588 10575 787 0,'0'0'227'15,"0"0"-34"-15,0 0-34 16,-152 4-104-16,108-4-47 16,4 3-8-16,1-2-142 0,4 3-80 15,4 1 165-15,4 0 57 16,7 1 76-16,9 0-76 16,6 0-142-16,5-2-593 0</inkml:trace>
-  <inkml:trace contextRef="#ctx0" brushRef="#br0" timeOffset="-159462.71">28274 10551 878 0,'0'0'275'16,"0"0"-104"-16,0 0-54 15,0 0-37-15,0 0 35 16,0 0 57-16,0 0 67 15,10 0-58-15,-10 5-69 16,0-2-49-16,4 6 7 16,-2 2-33-16,2 7-7 15,-2 7-30-15,0 3-1 0,1 4-8 16,-1-5 9-16,0 0-36 16,2-7-29-16,0-6-10 15,4-6-41-15,-2-4-75 16,1-4 16-16,1 0 123 15,4-10 52-15,1-11 16 16,1-4 2-16,-3-5 49 16,0-3 70-16,-2 3 56 15,-2 4-14-15,-5 9-33 16,0 5-32-16,-2 5-23 16,0 7-25-16,0 0-66 15,0 0-18-15,0 8-45 16,0 13 63-16,0 5 23 0,0-1-16 15,0 2-7 1,0-6-32-16,2-8-7 0,9-3-41 16,5-6-93-16,1-4 6 15,10 0-65-15,-2-6-152 16,-5-7-947-16</inkml:trace>
+  <inkml:trace contextRef="#ctx0" brushRef="#br0" timeOffset="-160982.62">27289 10491 794 0,'0'0'127'0,"0"0"-127"15,0 0 0-15,0 0 186 16,0 0-18-16,0 0-109 15,20 0-59-15,-20 0-29 16,0 0-84-16,0 0-120 16,0 4 74-16,0-2-10 0</inkml:trace>
+  <inkml:trace contextRef="#ctx0" brushRef="#br0" timeOffset="-160062.15">28588 10575 787 0,'0'0'227'15,"0"0"-34"-15,0 0-34 16,-152 4-104-16,108-4-47 16,4 3-8-16,1-2-142 0,4 3-80 15,4 1 165-15,4 0 57 16,7 1 76-16,9 0-76 16,6 0-142-16,5-2-593 0</inkml:trace>
+  <inkml:trace contextRef="#ctx0" brushRef="#br0" timeOffset="-159462.72">28274 10551 878 0,'0'0'275'16,"0"0"-104"-16,0 0-54 15,0 0-37-15,0 0 35 16,0 0 57-16,0 0 67 15,10 0-58-15,-10 5-69 16,0-2-49-16,4 6 7 16,-2 2-33-16,2 7-7 15,-2 7-30-15,0 3-1 0,1 4-8 16,-1-5 9-16,0 0-36 16,2-7-29-16,0-6-10 15,4-6-41-15,-2-4-75 16,1-4 16-16,1 0 123 15,4-10 52-15,1-11 16 16,1-4 2-16,-3-5 49 16,0-3 70-16,-2 3 56 15,-2 4-14-15,-5 9-33 16,0 5-32-16,-2 5-23 16,0 7-25-16,0 0-66 15,0 0-18-15,0 8-45 16,0 13 63-16,0 5 23 0,0-1-16 15,0 2-7 1,0-6-32-16,2-8-7 0,9-3-41 16,5-6-93-16,1-4 6 15,10 0-65-15,-2-6-152 16,-5-7-947-16</inkml:trace>
   <inkml:trace contextRef="#ctx0" brushRef="#br0" timeOffset="-151409.91">24526 14391 1376 0,'0'0'821'0,"0"0"-580"16,0 0-64-16,0 0 10 16,0 0-30-16,0 0-46 15,0 0-25-15,-13-32-23 16,13 32-9-16,0 0-2 16,0 0-16-16,0 0-5 0,0 0-18 15,0 0-13 1,0 0 0-16,0 18-25 0,0 13 4 15,4 16 21-15,10 14 12 16,3 14-11-16,4 6-1 16,3 1-1-16,2 1 0 15,1-5-17-15,0-8-3 16,-2-16 3-16,-3-10 18 16,-7-16 0-16,-1-7-6 15,-7-12 4-15,-3-4-3 16,-2-5 5-16,-2 0 3 15,0 0 3-15,0 0 6 16,2 0 17-16,3-13-5 0,4-9-16 16,6-10 4-16,6-14 0 15,4-12 3-15,10-26 1 16,11-27-7-16,-1 8 6 16,-5 6-11-16,-6 16 2 15,-8 29-1-15,1 1 4 16,0 1 8-16,-7 13-5 15,-7 15 2-15,-6 10 2 16,-5 3 3-16,-2 9 5 16,0 0-8-16,0 0-16 15,0 0-5-15,0 0-12 16,0 0-1-16,0 0-2 16,0 5-30-16,0 3-20 0,0 2-22 15,-6 9-14 1,-6 10-94-16,1-2-230 0,5-4-882 15</inkml:trace>
   <inkml:trace contextRef="#ctx0" brushRef="#br0" timeOffset="-150653.86">25473 14679 2312 0,'0'0'406'0,"0"0"-249"15,0 0-35-15,0 0-16 16,0 0-50-16,0 0-49 16,0 0-7-16,-11-21 11 15,11 19-5-15,7 2 4 16,3 0 14-16,11 0 4 15,6-2 3-15,8 2-13 16,7 0-14-16,5 0 12 16,3 0-12-16,3 0-3 15,-2 0-1-15,-1 6-1 16,-4-2-9-16,-4 0-17 16,-4 0-1-16,-6-2-20 0,-3-2-34 15,-10 3-73 1,-13 0-63-16,-2 1-100 0,-4 2-597 15</inkml:trace>
   <inkml:trace contextRef="#ctx0" brushRef="#br0" timeOffset="-150306.08">25506 14977 1144 0,'0'0'1123'15,"0"0"-925"-15,0 0-100 0,0 0 17 16,0 0-51 0,0 0-28-16,0 0 41 0,116 12-3 15,-55-12-17-15,7 0-22 16,3-8-9-16,-1 2 4 15,-7-1 23-15,-13 5-13 16,-11-2-17-16,-16 1-13 16,-9 2 11-16,-9 1-9 15,-5 0-6-15,0 0-6 16,-11 0-70-16,-5 0-301 16,1 0-678-16</inkml:trace>
@@ -396,7 +395,7 @@
   <inkml:trace contextRef="#ctx0" brushRef="#br0" timeOffset="-139778.99">30087 14408 1957 0,'0'0'464'0,"0"0"-309"16,0 0-12-16,0 0-14 16,0 0-47-16,0 0-64 15,0 0-7-15,0 18 0 0,0 9 60 16,7 9-28-16,-1 9-18 16,6 7-8-16,1 3-8 15,1 6-5-15,-1-1-4 16,-2-4-40-16,-6 13-73 15,-3-19-146-15,-2-12-817 0</inkml:trace>
   <inkml:trace contextRef="#ctx0" brushRef="#br0" timeOffset="-139498.57">29738 15065 2397 0,'0'0'497'0,"0"0"-415"15,0 0 2-15,0 0-54 16,0 0-30-16,0 0 9 16,0 0 29-16,113-10-17 15,-59 10-11-15,6 0-3 16,6 0 0-16,9 0 1 16,-2 0 0-16,-2 0-7 15,-9-3 5-15,-8-2-5 16,-14 1 1-16,-16 0-2 15,-8 2 0-15,-11 2-20 16,-5 0-35-16,0 0-67 16,0 0-103-16,-14 6-354 0</inkml:trace>
   <inkml:trace contextRef="#ctx0" brushRef="#br0" timeOffset="-138622.47">29628 15337 2161 0,'0'0'444'16,"0"0"-359"-16,0 0-54 16,0 0-10-16,0 0-21 15,0 0-15-15,0 0-11 16,0 4 26-16,0 15 53 16,0 4-26-16,5 4 16 15,3 7-3-15,6 6-14 16,-3 0-13-16,1-3 0 15,-4-5-8-15,-1-7-5 0,-3-10 7 16,-2-11-2-16,0-3 35 16,-2-1 29-16,4 0-10 15,-2 0-14-15,2-5-2 16,0-13-12-16,3-4-2 16,1-14-12-16,4-5-13 15,1 2 0-15,-1 2-2 16,1 7 2-16,-4 7-4 15,0 15-1-15,-5-3-2 16,-1 9 2-16,-1 2-14 16,-2 0-1-16,6 2-12 15,3 17 20-15,9 12 8 0,3 1 10 16,4 8 10 0,2-1-10-16,-2-2-3 0,-2-5-6 15,-6-3 9-15,-5-9-10 16,-4-6 0-16,-4-7-7 15,-4-2-7-15,0-5-117 16,0 0-179-16,0 0-1616 0</inkml:trace>
-  <inkml:trace contextRef="#ctx0" brushRef="#br0" timeOffset="-138446.77">30177 15462 2708 0,'0'0'441'0,"0"0"-382"0,0 0 23 16,0 0-14-16,0 0-52 15,0 0-16-15,0 0-15 16,0-8-52-16,0 8-83 16,-3 8-281-16,-3 3-894 0</inkml:trace>
+  <inkml:trace contextRef="#ctx0" brushRef="#br0" timeOffset="-138446.78">30177 15462 2708 0,'0'0'441'0,"0"0"-382"0,0 0 23 16,0 0-14-16,0 0-52 15,0 0-16-15,0 0-15 16,0-8-52-16,0 8-83 16,-3 8-281-16,-3 3-894 0</inkml:trace>
   <inkml:trace contextRef="#ctx0" brushRef="#br0" timeOffset="-137731.87">30158 15855 2213 0,'0'0'217'15,"0"0"-217"-15,0 0 62 0,0 0 10 16,0 0-14 0,0 0-27-16,0 0 0 0,83-30-5 15,-56 3-4-15,0-9-2 16,-3 1-3-16,0-9 31 16,-3-1 24-16,-6 5 12 15,-3 7-14-15,-4 8 10 16,-3 9-30-16,-3 8-19 15,-2 8-14-15,0 0-17 16,0 0-33-16,0 22-45 16,0 6 78-16,0 8 4 15,0 5 4-15,0-1-7 16,0-5-1-16,9-4-1 16,4-14-4-16,0-4-13 0,3-9 18 15,2-4 7-15,2 0 12 16,5-12 25-16,-1-14-2 15,3-7-2-15,2-6-19 16,0-10-8-16,-5 4-4 16,-1-5 11-16,-5 9-10 15,-7 11 6-15,-7 8 0 16,-4 10 21-16,0 11-10 16,0 1-27-16,0 0-28 15,0 13-11-15,-7 13 35 16,-1 10 0-16,2 4 4 0,6 6 0 15,0-1-4 1,0-6 4-16,6-2 0 0,5-11-3 16,1-8-19-16,0-8-144 15,-7-10-810-15</inkml:trace>
   <inkml:trace contextRef="#ctx0" brushRef="#br0" timeOffset="-135621.8">31284 14562 774 0,'0'0'1017'0,"0"0"-686"15,0 0-67-15,0 0-44 16,0 0-46-16,0 0-49 16,0 0-53-16,17-42-32 15,-15 42-16-15,-2 0-6 16,0 0-8-16,4-2-10 16,2 2 1-16,3-2-1 15,1 2-4-15,4-4-6 16,-3 0-1-16,3-1-33 15,-1 1-23-15,-2-2-66 0,5-5-96 16,-7 5-142 0,-1-6-141-16</inkml:trace>
   <inkml:trace contextRef="#ctx0" brushRef="#br0" timeOffset="-135120.58">31681 14346 2074 0,'0'0'410'0,"0"0"-261"16,0 0 28-16,0 0-29 0,0 0-50 15,0 0-59 1,0 0-21-16,-8 0-18 16,6 23 0-16,2 13 20 0,-2 14 24 15,2 11-20-15,0 1-6 16,0 4-8-16,0 2-10 16,0-6 7-16,2-3-7 15,6-9 0 1,-2-6-1-16,1-13 1 0,-5-4 9 15,2-8-9-15,-4-11-27 16,0 5-52-16,0-3-124 16,-13 2-146-16,-3-5-991 0</inkml:trace>
@@ -423,7 +422,7 @@
   <inkml:trace contextRef="#ctx0" brushRef="#br0" timeOffset="114724.99">8328 17473 1159 0,'0'0'668'16,"0"0"-446"-16,0 0-160 0,0 0-47 15,0 0 17-15,0 0 76 16,0 0-6-16,0 0-32 16,0 0-8-16,0 0-6 15,0 0 7-15,0-6-14 16,5-6-11-16,1-1-19 16,7-10 37-16,1-4-14 15,1-4-18-15,1-1-14 16,-3-4-2-16,-2-1 0 15,-1-1-2-15,-4 3 6 16,-6 3-11-16,0 5 7 16,0 5 7-16,0 8 5 15,0 6 4-15,-8 7-24 16,-2 1-14-16,-1 0-7 16,0 0 9-16,0 14 5 0,0-1 7 15,0 5 5-15,1 5-5 16,6-9-13-16,2 2-9 15,2-6 14-15,0-6 1 16,0 0-1-16,0-4 6 16,0 0-13-16,0 0 15 15,0 0 5-15,0 0 7 16,0 0-11-16,0 0 11 16,0 0-12-16,0 0-10 15,0 2-17-15,0-2-42 16,0 0-24-16,0 0-67 15,0 0-158-15,0 0-271 16,0 0-553-16</inkml:trace>
   <inkml:trace contextRef="#ctx0" brushRef="#br0" timeOffset="114922.68">8362 17142 779 0,'0'0'722'0,"0"0"-314"16,0 0-252-16,0 0-24 15,0 0 13-15,0 0 1 16,0 0-74-16,0-18-35 15,0 18-36-15,0 0-2 16,0 0-5-16,0 0-18 16,0 0 5-16,0 0-35 15,0 0 26-15,0 0-25 16,0 0-56-16,0 5-221 16,0-1-152-16</inkml:trace>
   <inkml:trace contextRef="#ctx0" brushRef="#br0" timeOffset="115786.36">8431 17093 1773 0,'0'0'458'15,"0"0"-339"-15,0 0-65 16,0 0 60-16,0 0 2 16,0 0-22-16,0 0-88 15,-2 5-6-15,2 26 0 16,4 13 3-16,9 14 16 15,3 10-11-15,-1 8 9 16,1 4-17-16,-1 1 4 16,-1-11-3-16,-5-8 10 15,-3-16-10-15,-1-12 22 0,-3-14-6 16,-2-12 20-16,3-8-3 16,-1 0-18-16,0-14 46 15,0-17-31-15,3-8 10 16,1-16-20-16,3 2-21 15,3 0 12-15,0 8-12 16,2 8 0-16,-1 3 11 16,0 11-11-16,1 6-7 15,-3 3 6-15,1 9-4 16,-4 5-5-16,7 0-8 16,4 17-32-16,5 15 20 15,8 12 22-15,-1 11 8 16,2 3 8-16,-2-4-1 0,0 0-2 15,-4-10 9-15,-4-8-14 16,-4-6 0-16,-5-16-1 16,-7-2-9-16,-3-10-2 15,-4-2-50-15,0 0-106 16,0-2-205-16</inkml:trace>
-  <inkml:trace contextRef="#ctx0" brushRef="#br0" timeOffset="116506.44">8705 15799 1533 0,'0'0'806'0,"0"0"-586"0,0 0-101 16,0 0-28-16,0 0-39 15,0 0-24-15,0 0-28 16,-4-1 0-16,17 22-21 15,11 15 21-15,10 18 24 16,16 30-2-16,22 29-14 16,20 39-8-16,3 13 5 15,-3-9 0-15,-15-9-5 16,-17-21 0-16,-10-5 5 16,-17-6-5-16,-20-6 0 15,-13 0-1-15,-15-14-13 16,-18-23 12-16,-3-14 4 15,-3-9-2-15,-9 5 21 16,-6-2-21-16,-8 6 0 0,-25-8-101 16,18-15-127-16,9-16-1106 15</inkml:trace>
+  <inkml:trace contextRef="#ctx0" brushRef="#br0" timeOffset="116506.43">8705 15799 1533 0,'0'0'806'0,"0"0"-586"0,0 0-101 16,0 0-28-16,0 0-39 15,0 0-24-15,0 0-28 16,-4-1 0-16,17 22-21 15,11 15 21-15,10 18 24 16,16 30-2-16,22 29-14 16,20 39-8-16,3 13 5 15,-3-9 0-15,-15-9-5 16,-17-21 0-16,-10-5 5 16,-17-6-5-16,-20-6 0 15,-13 0-1-15,-15-14-13 16,-18-23 12-16,-3-14 4 15,-3-9-2-15,-9 5 21 16,-6-2-21-16,-8 6 0 0,-25-8-101 16,18-15-127-16,9-16-1106 15</inkml:trace>
   <inkml:trace contextRef="#ctx0" brushRef="#br0" timeOffset="117070.92">7481 16150 1854 0,'0'0'408'0,"0"0"-281"0,0 0-109 15,0 0-10-15,0 0 3 16,0 0 16-16,-4 121 5 16,4-68-6-16,0 38-15 15,0 33 23-15,0 50 3 16,7 19-2-16,13-2-16 15,11-11-12-15,13-30-7 16,14-11 0-16,5-31 3 16,-1-28-4-16,32-7 2 15,32-21 7-15,22-8 5 16,14-16 37-16,-35-28 0 16,-40-4-16-16,-27-14-33 0,3-28-1 15,-12 5-135-15,-15 1-1313 16</inkml:trace>
   <inkml:trace contextRef="#ctx0" brushRef="#br0" timeOffset="118385.35">13719 16669 938 0,'0'0'1051'15,"0"0"-759"-15,0 0-191 16,0 0 50-16,0 0-30 16,0 0 4-16,0 0-35 15,-35 0-42-15,35 0-47 16,0 0-1-16,0 0-5 16,12 0-10-16,15 0 15 15,12-6 0-15,15 2 14 16,13-4-8-16,6 3 4 15,3 1-10 1,0-5-32-16,-12 9-34 0,-8-4-65 16,-21 4-52-16,-16 0-281 15,-17 0-1397-15</inkml:trace>
   <inkml:trace contextRef="#ctx0" brushRef="#br0" timeOffset="118577.86">13727 16940 2171 0,'0'0'372'16,"0"0"-332"-16,0 0-24 15,0 0 51-15,118-11 43 16,-63 0-42-16,5-1-30 16,0 2-38-16,-1 1 0 15,9 1-95-15,-12 3-136 0,-11-3-704 16</inkml:trace>
@@ -432,7 +431,7 @@
   <inkml:trace contextRef="#ctx0" brushRef="#br0" timeOffset="119611.71">16295 16673 2457 0,'0'0'377'15,"0"0"-314"-15,0 0-63 0,0 0-10 16,0 0 10 0,0 0 20-16,0 0-7 0,143-22-8 15,-98 22-4-15,-6 0 5 16,-2 4-6-16,-8 0-6 15,-10 10-79-15,-5-6-137 16,-9-2-1159-16</inkml:trace>
   <inkml:trace contextRef="#ctx0" brushRef="#br0" timeOffset="119808.65">16327 16900 2390 0,'0'0'391'16,"0"0"-343"-16,0 0-40 0,124-34-8 16,-43 10-18-16,-14 8-182 15,-9 6-760-15</inkml:trace>
   <inkml:trace contextRef="#ctx0" brushRef="#br0" timeOffset="120342.86">17249 16696 1648 0,'0'0'604'0,"0"0"-419"16,0 0-134-16,0 0 89 16,0 0 0-16,0 0-34 15,139-125-24-15,-93 75-24 16,1-4-20-16,-5-4-3 16,-2 0 1-16,-7 0 14 15,-6 1-11-15,-8 2-7 16,-13 5-1-16,-6 3 5 15,0 11-32-15,-4 10 2 16,-15 8 8-16,0 4-14 16,-6 10-4-16,-2 4-14 0,-2 0 5 15,0 7 10-15,-4 18 3 16,4 9 8-16,0 6-2 16,6 4-6-16,11 10-2 15,7 8-2-15,5 7 4 16,13 3 0-16,23 8-1 15,11 3-7-15,11 3 16 16,4-5-16-16,1 4 6 16,-7-12-14-16,-14-8 10 15,-18-7 0-15,-22-10-3 16,-6-7 2-16,-43-10 7 16,-20-8 22-16,-10-5 11 15,-8-10 3-15,4-4-14 16,12-4-22-16,7 0-25 0,18-12-141 15,19 2-333-15</inkml:trace>
-  <inkml:trace contextRef="#ctx0" brushRef="#br0" timeOffset="121254.91">17958 16910 1670 0,'0'0'369'0,"0"0"-285"16,0 0-39-16,0 0 24 0,0 0 10 16,20 102-13-16,-9-66-27 15,0 4 28-15,0 1-21 16,-2-2 40-16,0-2-22 16,-2-1-37-16,-3-2 7 15,3-10-33-15,-5-2 17 16,2-10-16-16,-2-2-1 15,1-10-1-15,-3 0-14 16,0 0-47-16,0-8-40 16,0-10-140-16,0-4-1246 0</inkml:trace>
+  <inkml:trace contextRef="#ctx0" brushRef="#br0" timeOffset="121254.9">17958 16910 1670 0,'0'0'369'0,"0"0"-285"16,0 0-39-16,0 0 24 0,0 0 10 16,20 102-13-16,-9-66-27 15,0 4 28-15,0 1-21 16,-2-2 40-16,0-2-22 16,-2-1-37-16,-3-2 7 15,3-10-33-15,-5-2 17 16,2-10-16-16,-2-2-1 15,1-10-1-15,-3 0-14 16,0 0-47-16,0-8-40 16,0-10-140-16,0-4-1246 0</inkml:trace>
   <inkml:trace contextRef="#ctx0" brushRef="#br0" timeOffset="121757.06">17968 16848 2197 0,'0'0'385'0,"0"0"-385"16,0 0 6-16,0 0-6 16,0 0 2-16,0 0 6 15,0 0-8-15,172-11-48 16,-109 11-122-16,-3 0-27 15,-8 0 64-15,-13 0 103 0,-12 0 20 16,-12 0 10-16,-13 0 179 16,-2 0 167-16,0 0-122 15,-10-3-97-15,-5-1-36 16,3 4-52-16,3 0-10 16,5 0-29-16,2 4-9 15,2 14-19-15,0 9 28 16,0 4 0-16,0 5-7 15,0 8 7-15,0 0 4 16,2 1-3-16,7 0-1 16,1 4-3-16,2-4-3 15,-3-1 10-15,-3 0-11 16,2-2-2-16,-8-11-14 0,0-1 10 16,0-12 4-1,-6 0-20-15,-15-9 24 0,-16-4 5 16,-11-5 15-16,-12 0-14 15,-7 0 40-15,0-14 2 16,9-4-25-16,7 0-18 16,19 7-106-16,17 0-363 0</inkml:trace>
   <inkml:trace contextRef="#ctx0" brushRef="#br0" timeOffset="125382.92">18896 16579 1537 0,'0'0'552'15,"0"0"-390"-15,0 0-148 16,0 0 36-16,0 0 1 16,0 0 7-16,0 0 38 15,57-52-32-15,-39 42-24 16,-7-1-28-16,-3 11-3 16,-8 0-9-16,0 0 0 15,0 0 8-15,0 3-1 16,-6 9 38-16,0 2-1 15,2-6-14-15,4-3-30 0,0-4-32 16,16-1-61-16,7-10-105 16,0-4-1395-16</inkml:trace>
   <inkml:trace contextRef="#ctx0" brushRef="#br0" timeOffset="125807.37">19435 16102 2105 0,'0'0'373'0,"0"0"-277"15,0 0-56 1,0 0 53-16,0 0 41 0,0 0-32 16,0 0-38-16,27-28-64 15,-23 60 0-15,7 8 11 16,1 14 7-16,1 13 2 15,0 0-8-15,-2 8-7 16,0 1 6-16,-1-12-7 16,-4-7-4-16,-2-8 0 15,-1-21-1-15,-1-7 1 16,-2-16 29-16,0-1 16 16,0-4-3-16,2 0-24 0,-2 0 3 15,2 0 11-15,0 0-13 16,0 0-9-16,4 0-9 15,2 0-2-15,11-4-3 16,4-1 4-16,11-3 1 16,9-1-1-16,3 3 0 15,3 2-28-15,0 4-57 16,7 0-105-16,-13 6-233 16,-14 7-1828-16</inkml:trace>
@@ -470,7 +469,7 @@
     </inkml:brush>
   </inkml:definitions>
   <inkml:trace contextRef="#ctx0" brushRef="#br0">5853 7331 999 0,'0'0'245'16,"0"0"-161"-16,0 0-40 16,0 0 3-16,0 0 118 15,0 0 19-15,0 0 7 16,0 0-93-16,0 0-14 15,0 0-70-15,0 0-14 16,0 0-68-16,-9 0-500 0</inkml:trace>
-  <inkml:trace contextRef="#ctx0" brushRef="#br0" timeOffset="613.32">5404 6347 433 0,'0'0'0'16,"0"0"0"-16,0 0-141 16,0 0 141-16,0 0 180 15,0 0-36-15,0 0-68 16,-13-56-60-16,11 56-16 15,2 0 0-15,0 0-55 0</inkml:trace>
+  <inkml:trace contextRef="#ctx0" brushRef="#br0" timeOffset="613.31">5404 6347 433 0,'0'0'0'16,"0"0"0"-16,0 0-141 16,0 0 141-16,0 0 180 15,0 0-36-15,0 0-68 16,-13-56-60-16,11 56-16 15,2 0 0-15,0 0-55 0</inkml:trace>
   <inkml:trace contextRef="#ctx0" brushRef="#br0" timeOffset="2891.79">2860 3216 1097 0,'0'0'231'0,"0"0"-17"16,0 0-26-16,0 0-17 15,0 0-4-15,18-103 10 16,-11 80-68-16,0-1 16 16,-1 2-24-16,-2 4-24 15,-1 6-16-15,-3 4-26 16,0 5 8-16,0 3-24 15,0 0-17-15,0 0-2 16,0 11-28-16,0 19-9 16,-11 20 37-16,-7 19 27 0,0 10-5 15,-4 11-8 1,1-1-7-16,2-5 1 0,1-12-7 16,3-11 7-16,1-15-1 15,5-14-1-15,3-13-6 16,3-8 1-16,3-8-1 15,0-3-23-15,0 0 23 16,0 0 23-16,0-20 31 16,0-18 12-16,0-14-42 15,9-16-14-15,2-11-6 16,1-6-4-16,3-2 1 16,-1 1-2-16,1 6 1 15,1 9 0-15,-1 11 0 16,-1 13-7-16,-3 10 6 15,-5 15 0-15,-2 10 1 0,-1 8 0 16,-3 4-21-16,5 4-12 16,1 24-13-16,5 18 38 15,9 35 8-15,12 33 1 16,7 28 13-16,9 11-4 16,-4-11-5-16,-9-33-5 15,-10-33 11-15,-7-24-11 16,-7-12-14-16,0 0 13 15,1-1-5-15,-4-2 5 16,-3-11-15-16,-5-10-35 16,0-14-88-16,-13-2-119 15,-10 0-109-15</inkml:trace>
   <inkml:trace contextRef="#ctx0" brushRef="#br0" timeOffset="3080.42">2786 3609 2274 0,'0'0'378'16,"0"0"-200"-16,0 0-99 16,0 0-74-16,-6-102 15 15,33 74-6-15,8 1-14 16,10 4-8-16,6 3-39 16,27 0-73-16,-13 5-131 15,-7 4-480-15</inkml:trace>
   <inkml:trace contextRef="#ctx0" brushRef="#br0" timeOffset="3542.77">3442 3798 884 0,'0'0'258'0,"0"0"-12"16,0 0 31-16,0 0 11 15,0 0-86-15,0 0-27 16,0 0-73-16,102 23-5 16,-93-40 20-16,3-14-21 0,-2-10-44 15,1-14-17 1,3-13-19-16,-1-7-6 0,3-8-4 15,-1-1-5-15,-1 4 0 16,-3 7 3-16,-7 13-4 16,-4 16 1-16,0 16 10 15,0 15 1-15,0 13-12 16,-6 1-32-16,-3 50 32 16,1 58 15-16,8 50-15 15,8 17 1-15,23-21 10 16,5-46 2-16,-3-48-6 15,-2-15-1-15,5-4-6 16,-1-7-7-16,4-10-4 0,-10-19 11 16,-5-6 0-16,-6-20 0 15,-3-26-11-15,-3 2-132 16,-8 10-551-16</inkml:trace>
@@ -486,7 +485,7 @@
   <inkml:trace contextRef="#ctx0" brushRef="#br0" timeOffset="14794.75">8555 858 1423 0,'0'0'315'0,"0"0"-89"16,0 0-38-16,0 0 5 15,0 0 10-15,0 0-61 0,0 0-43 16,0 0-48-16,0 0-32 15,0 0-19-15,0 0-11 16,0 6-2-16,0 18 12 16,11 12 1-16,3 14 1 15,-1 17 4-15,0 27 2 16,1 32-7-16,-3 40 1 16,-2 28 15-16,0 12-15 15,0-8 0-15,1-20 4 16,4-12-5-16,5-15-1 15,-2-4 1-15,1-1 1 16,-3 3 0-16,-1 2 7 16,-1-1 8-16,3 1-10 15,-1 6-5-15,-2 6-1 16,3 7 3-16,-3-4-3 0,1 0 0 16,-5-7 6-16,-1-2-6 15,2 1 0-15,-4 0 0 16,3 3 7-16,1 1 0 15,-2 1-6-15,3-1-1 16,5-3 0-16,1-6-1 16,4-9 1-16,-1-2 2 15,2-2-2-15,-2-2 0 16,3-2 3-16,-4-5 3 16,2-1-10-16,-1 3 6 15,-1 1-2-15,2-5 0 0,-1-3 1 16,0-4 1-1,-2-2-1-15,1 3-1 16,-1 1-1-16,3 3-4 0,-2-3 5 16,4 0 0-16,-5-6 0 15,-3-1 10-15,1-3-10 16,-3 3 0-16,0-5 0 16,-1 0 0-16,-6-18 16 15,-1-18-2-15,-1-15-6 16,-2-7 6-16,3 6 4 15,0 4 8-15,1 5 2 16,1-8-5-16,1-4 4 0,2-3-6 16,1-2-5-1,3-4-1-15,-4 0-7 0,1-4 1 16,-1-2-4 0,-2-4-5-16,1-1 4 15,-5-7-3-15,1-6 4 16,-3-8-5-16,-2-6 0 15,3-7 0-15,-3-3 0 0,0 0-4 16,0 0-2-16,0-3-19 16,0-19-32-16,-10-9-13 15,-5-45 9-15,1 8-73 16,1-7-213-16</inkml:trace>
   <inkml:trace contextRef="#ctx0" brushRef="#br0" timeOffset="16051.95">9046 1783 893 0,'0'0'262'0,"0"0"102"16,0 0-155-16,0 0 75 15,0 0-33-15,-5-106-40 16,5 93-103-16,0-1 4 16,0 4-48-16,0 0-18 15,0 4-12-15,0 1-15 16,0 2-6-16,0 3-13 16,0 0-11-16,0 24-22 15,0 22 14-15,0 20 19 16,9 16 10-16,2 5-9 15,1-6 9-15,-4-14-5 16,-1-19-5-16,-1-16 0 16,-4-15-2-16,0-12 2 0,-2-5 38 15,0-2 66-15,0-28 15 16,0-21-57-16,0-18-46 16,0-18-9-16,0-3 0 15,0 0-7-15,10 8 0 16,-1 16-6-16,-1 14 1 15,0 16-2-15,-4 18 2 16,0 9 5-16,3 9-11 16,2 13-17-16,9 23 5 15,6 20 23-15,6 14 3 16,1 8-3-16,0-6 4 16,-4-12 1-16,-8-17-5 15,-3-19 0-15,-7-13 2 0,-3-8-2 16,-4-3 0-16,3-18 52 15,0-25 3-15,2-23-33 16,3-14-15-16,1-5-7 16,5-1 7-16,0 12-2 15,-3 12-5-15,0 16 5 16,-3 12-5-16,-4 17 0 16,-4 11-7-16,1 6-14 15,-1 13 0-15,4 31 4 16,6 37 17-16,-1 3 7 15,0 13-2-15,0 1 0 16,-4-20-5-16,-3 2 0 16,0-12-11-16,-1-16-44 15,-3-10-61-15,7-18-83 0,-3-12-141 16,3-12-672-16</inkml:trace>
   <inkml:trace contextRef="#ctx0" brushRef="#br0" timeOffset="16795.99">9841 1433 1936 0,'0'0'412'15,"0"0"-276"-15,0 0-79 16,0 0-43-16,0 0-14 15,0 0-2-15,0 0-15 16,-16 50 9-16,23 9 8 16,4 9 11-16,2 10-11 15,0 0 14-15,-1-6-13 16,-1-8-1-16,-5-11 1 16,0-19-1-16,-6-14 1 15,0-14-1-15,0-6 1 16,-2-10-1-16,-15-24-90 0,-1-12-140 15,3-15-25-15,1-5 95 16,6-8 72-16,1 2-17 16,7 2 105-16,0 7 0 15,0 7 326-15,0 14 44 16,0 12-184-16,7 12-94 16,-1 10-26-16,1 8-41 15,6 0-25-15,6 15-8 16,4 14 8-16,2 11 2 15,-5 5-2-15,-9 3-18 16,-9-7 8-16,-2-3-7 16,-17-7 17-16,-16-6 11 15,-12-2 12-15,-4-7-15 16,-23-6-8-16,12-6-149 0,14-4-1007 16</inkml:trace>
-  <inkml:trace contextRef="#ctx0" brushRef="#br0" timeOffset="17466.33">10371 1121 1745 0,'0'0'273'16,"0"0"-141"-16,0 0-12 15,0 0-96-15,0 0-23 16,0 0 20-16,-138 60-5 0,98 11 5 15,0 36 2 1,7 40 3-16,12 11-17 0,19-21-8 16,2-33 0-16,15-42 1 15,12-8 8-15,7 0 21 16,6 1 4-16,7-5-5 16,-2-17 0-16,-5-14-14 15,-5-12-5-15,-4-7-11 16,-8-13-69-16,-12-10-249 0</inkml:trace>
+  <inkml:trace contextRef="#ctx0" brushRef="#br0" timeOffset="17466.32">10371 1121 1745 0,'0'0'273'16,"0"0"-141"-16,0 0-12 15,0 0-96-15,0 0-23 16,0 0 20-16,-138 60-5 0,98 11 5 15,0 36 2 1,7 40 3-16,12 11-17 0,19-21-8 16,2-33 0-16,15-42 1 15,12-8 8-15,7 0 21 16,6 1 4-16,7-5-5 16,-2-17 0-16,-5-14-14 15,-5-12-5-15,-4-7-11 16,-8-13-69-16,-12-10-249 0</inkml:trace>
   <inkml:trace contextRef="#ctx0" brushRef="#br0" timeOffset="17691.75">10492 1449 2354 0,'0'0'306'0,"0"0"-196"16,0 0-110-16,0 0-7 15,0 0 7-15,2 161 6 16,-2-81 9-16,0 10-15 16,4-6-33-16,1-7-17 15,1-17 18-15,-4-17 9 16,3-20-4-16,-5-21-44 16,0-2-138-16,0-6-253 0</inkml:trace>
   <inkml:trace contextRef="#ctx0" brushRef="#br0" timeOffset="17860.45">10284 1626 2432 0,'0'0'280'15,"0"0"-77"1,0 0-80-16,0 0-90 0,0 0-20 16,0 0-10-16,167-76-3 15,-105 65 0-15,19 4-101 16,-17 1-144-16,-12 0-386 0</inkml:trace>
   <inkml:trace contextRef="#ctx0" brushRef="#br0" timeOffset="18509.9">10632 1101 2137 0,'0'0'261'0,"0"0"-150"15,0 0-63-15,0 0-33 0,0 0 38 16,0 0-53-16,0 0-43 16,37-6 43-16,13 32 30 15,14 10-7-15,7 12 1 16,5 8-2-16,-2 10 2 16,-8 15-24-16,-8 21-12 15,-26 28 6-15,-25-7 6 16,-7-15 7-16,-33-16 7 15,-19-28-4-15,-10 0 2 16,-7 0-11-16,-25-6-1 0,20-18-16 16,16-14-215-16</inkml:trace>
@@ -508,11 +507,11 @@
   <inkml:trace contextRef="#ctx0" brushRef="#br0" timeOffset="34844.07">5821 5560 2110 0,'0'0'248'15,"0"0"-159"-15,0 0-39 16,0 0 17-16,0 0 20 16,-8-101 21-16,6 96-28 15,-1 5-60-15,-2 0-20 16,-1 5-5-16,-3 20-24 16,-4 19 29-16,-1 10 0 15,-1 9 12-15,3-4-12 16,4-10 1-16,1-16 5 0,5-12-6 15,2-11 7 1,0-8-6-16,0-2-1 16,0 0 66-16,0-22 27 15,7-14-39-15,1-12-33 0,1-6-15 16,0-1 5 0,-2 10-7-16,-3 8 1 0,-2 15-5 15,1 12 0-15,-3 8-5 16,2 2-21-16,2 21-28 15,3 20 26-15,4 19 22 16,2 16-7-16,-1 9-29 16,1-3-21-16,-4-7 13 15,-2-11 19-15,-5-17 0 16,-2-11 8-16,0-14 10 0,-4-8 13 16,-12-6 5-1,-2-5 20-15,2-3 23 0,3 0-15 16,2 0 9-16,2 0-11 15,7-5-16-15,2 2-15 16,0 0 13-16,0 2-9 16,6-3-3-16,17 0-1 15,8-2 10-15,5 0-3 16,-1 0-7-16,1 1 0 16,-5 4-8-16,-4 1-19 15,2 0-71-15,4-3-90 16,-4 1-242-16,-6-2-1240 0</inkml:trace>
   <inkml:trace contextRef="#ctx0" brushRef="#br0" timeOffset="35031.57">6276 5769 2665 0,'0'0'283'16,"0"0"-154"-16,0 0-81 15,0 0-28-15,0 0-15 16,0 0-5-16,0 0-69 16,9 0-163-16,2 15-101 15,3-8-880-15</inkml:trace>
   <inkml:trace contextRef="#ctx0" brushRef="#br0" timeOffset="35410.58">6642 5386 2408 0,'0'0'195'0,"0"0"-153"16,0 0-41-16,50-116 18 15,-38 94-7-15,-8 9 1 16,-4 9 45-16,0 4-32 16,0 0-26-16,-6 21 0 15,-10 19 6-15,-1 14 9 16,3 14-10-16,5 12-5 15,7 0 5-15,2 0-5 16,0-7-6-16,13-14-8 16,7-11-18-16,3-19-17 15,-2-8 49-15,0-16 6 16,-4-5 9-16,-3 0 14 16,-5-11 47-16,-9-14 4 0,0-3-27 15,-5-2-15-15,-20 4-27 16,-6 5 10-16,-4 12-5 15,-1 9-16-15,1 0 0 16,4 26-1-16,6 10-17 16,14 4-44-16,11 4-106 15,9 5-35-15,20-16-302 16,4-11-558-16</inkml:trace>
-  <inkml:trace contextRef="#ctx0" brushRef="#br0" timeOffset="35841.22">7183 5411 1495 0,'0'0'253'0,"0"0"-174"15,0 0 12-15,105-111 33 16,-86 87 5-16,-7 1 101 16,-8 5-38-16,-4 6-72 15,0 0 12-15,-8 4-66 16,-17 4-65-16,-8 4 4 15,-8 0 1-15,-1 0-5 16,4 17 4-16,7 5 1 16,9 4-6-16,13 3-7 15,9 6-6-15,0 1-35 0,33 6 4 16,11 6 44-16,14 4-10 16,0 3 10-16,-4 8-56 15,-14 2-40-15,-15-1-31 16,-21-2-182-16,-4-10 273 15,-27-12 36-15,-15-13 262 16,-7-14 26-16,3-13-79 16,0 0-65-16,11-22-34 15,15-18-59-15,13-16-12 16,7-14-9-16,27-10-30 16,22-2-3-16,12 1-54 15,5 11-52-15,10 10-84 16,-18 20-134-16,-16 16-730 0</inkml:trace>
+  <inkml:trace contextRef="#ctx0" brushRef="#br0" timeOffset="35841.21">7183 5411 1495 0,'0'0'253'0,"0"0"-174"15,0 0 12-15,105-111 33 16,-86 87 5-16,-7 1 101 16,-8 5-38-16,-4 6-72 15,0 0 12-15,-8 4-66 16,-17 4-65-16,-8 4 4 15,-8 0 1-15,-1 0-5 16,4 17 4-16,7 5 1 16,9 4-6-16,13 3-7 15,9 6-6-15,0 1-35 0,33 6 4 16,11 6 44-16,14 4-10 16,0 3 10-16,-4 8-56 15,-14 2-40-15,-15-1-31 16,-21-2-182-16,-4-10 273 15,-27-12 36-15,-15-13 262 16,-7-14 26-16,3-13-79 16,0 0-65-16,11-22-34 15,15-18-59-15,13-16-12 16,7-14-9-16,27-10-30 16,22-2-3-16,12 1-54 15,5 11-52-15,10 10-84 16,-18 20-134-16,-16 16-730 0</inkml:trace>
   <inkml:trace contextRef="#ctx0" brushRef="#br0" timeOffset="39829.37">6022 7994 2461 0,'0'0'272'16,"0"0"-198"-16,0 0-27 0,0 0-25 16,0 0 12-16,0 0 15 15,0 0-21-15,65-103-17 16,-36 86 1-16,0 6-11 16,4 2-1-16,-1 5-1 15,1 4-5-15,-2 4 0 16,0 20-33-16,-4 12-29 15,-8 11 14-15,-9 7-2 16,-10 6-3-16,-7 1 28 16,-29 4 5-16,-10-3 26 15,-6-6-1-15,-4-7 2 16,8-11 63-16,9-12 29 16,12-12-27-16,12-10-6 15,11-4-21-15,4 0 13 16,0-20-21-16,9-10-14 0,11-2-4 15,3 2-12-15,-2 5 11 16,2 9-12-16,-3 11-11 16,0 5 0-16,4 14 11 15,5 23 4-15,7 12 1 16,7 5-5-16,-1-1-44 16,0-9-38-16,-2-15-40 15,11-23-30-15,-10-6-164 16,-8-4-1450-16</inkml:trace>
   <inkml:trace contextRef="#ctx0" brushRef="#br0" timeOffset="39997.46">6737 8205 2767 0,'0'0'402'15,"0"0"-402"-15,0 0-2 16,0 0-33-16,0 0-20 15,0 0-60-15,0 0-75 16,45 24-782-16</inkml:trace>
   <inkml:trace contextRef="#ctx0" brushRef="#br0" timeOffset="40435.33">6975 7931 869 0,'0'0'352'0,"0"0"28"16,0 0 60-16,0 0-84 15,0 0-170-15,0 0-101 16,0 0-57-16,12-31-15 16,-12 59 8-16,4 12-9 15,7 9-10-15,7 3 3 16,7 3 1-16,2-7-6 15,2-11 0-15,-5-8-11 16,-4-11 0-16,-4-12 11 16,1-6 0-16,-1 0 95 0,4-24 8 15,4-13-48-15,-1-11-16 16,2-8-22-16,-4-3-7 16,0 0-10-16,-6 5-1 15,-3 11 1-15,-4 15 5 16,-4 17-5-16,-1 11-21 15,-1 1 21-15,0 36 3 16,8 14 18-16,0 18-3 16,4 6-11-16,4 6-7 15,0-5 0-15,-3-8-29 16,1-13-13-16,-1-17-54 16,-3-14-88-16,-6-18-519 0</inkml:trace>
-  <inkml:trace contextRef="#ctx0" brushRef="#br0" timeOffset="40838.12">7606 7760 2300 0,'0'0'243'16,"0"0"-171"-16,0 0-54 15,0 0-18-15,0 0-1 16,0 0-19-16,0 0 20 15,31 70 17-15,-12-9-2 16,0 9-9-16,4 4-5 16,-1-6-1-16,0-8 6 15,0-14 0-15,-1-13-6 16,-4-13 0-16,-1-14 16 0,1-6 57 16,4-8 82-16,1-19-50 15,3-13-42-15,-1-8-46 16,-4-6-3-16,-2-1-1 15,-5 5-2-15,-4 11 9 16,-5 10 0-16,-1 14 2 16,-3 12 12-16,0 3-5 15,5 18-9-15,5 22-15 16,9 19 11-16,10 12-8 16,4 9-7-16,5-5-2 15,-1-8-1-15,-1-3-32 16,-7-18-90-16,-13-22-178 0</inkml:trace>
+  <inkml:trace contextRef="#ctx0" brushRef="#br0" timeOffset="40838.11">7606 7760 2300 0,'0'0'243'16,"0"0"-171"-16,0 0-54 15,0 0-18-15,0 0-1 16,0 0-19-16,0 0 20 15,31 70 17-15,-12-9-2 16,0 9-9-16,4 4-5 16,-1-6-1-16,0-8 6 15,0-14 0-15,-1-13-6 16,-4-13 0-16,-1-14 16 0,1-6 57 16,4-8 82-16,1-19-50 15,3-13-42-15,-1-8-46 16,-4-6-3-16,-2-1-1 15,-5 5-2-15,-4 11 9 16,-5 10 0-16,-1 14 2 16,-3 12 12-16,0 3-5 15,5 18-9-15,5 22-15 16,9 19 11-16,10 12-8 16,4 9-7-16,5-5-2 15,-1-8-1-15,-1-3-32 16,-7-18-90-16,-13-22-178 0</inkml:trace>
   <inkml:trace contextRef="#ctx0" brushRef="#br0" timeOffset="46307.14">6611 2232 262 0,'0'0'254'0,"0"0"48"16,0 0-206-16,0 0 99 15,0 0 5-15,0 0 2 16,-41-47 60-16,39 44-58 0,-1-3-70 16,1-1-42-1,0 4-46-15,0-1 30 16,0-1 33-16,0-1-47 16,-1 3 17-16,1-1-25 0,-2-2-10 15,1 0-12-15,-1 0-10 16,-1-1 3-16,1 3 6 15,2 0-13-15,0 2-10 16,-1 2-2-16,3-2 23 16,0 2 0-16,0 0-29 15,0 0-19-15,0 0-23 16,16 2 11-16,6 12 31 16,7 4 1-16,2 0-1 15,3-1-1-15,-3-5 1 16,-2-5-15-16,-7 0 15 0,-4-7-1 15,-7 0 2 1,-2-4 36-16,-5-21 29 0,-1-9-23 16,-3-9-36-1,0-2-5-15,0 1 8 0,-5 2 3 16,-8 0-4-16,-5 0-9 16,-2 3-12-16,-4 2 2 15,-1 2-3-15,-4 5 2 16,2 3 11-16,3 2 0 15,1 6-1-15,6 2-12 16,3 5 13-16,5 2 1 16,7 4-1-16,2-2-7 15,0 0 2-15,7-4-32 16,15-7 37-16,14-4 0 0,11-5-24 16,3-2 5-16,6 4 13 15,-2 1 6-15,-2 7 0 16,-10 7 0-16,-5 3 0 15,-6 8 0 1,-6 0-8-16,-2 1-6 0,-6 20-29 16,-5 7 24-16,-4 12-38 15,-8 8-2-15,0 14 11 16,-6 12 40-16,-17 8 8 16,-1 5 14-16,-1-3 13 15,6-12-17-15,2-12 6 16,7-20 25-16,7-14-32 15,3-11-8-15,0-10-1 16,0-5 17-16,5 0 13 16,15 0 37-16,11-2 38 15,7-8-48-15,2 1-32 0,3-2-25 16,3 5-21-16,-8 2-120 16,-9 0-482-16</inkml:trace>
   <inkml:trace contextRef="#ctx0" brushRef="#br0" timeOffset="46509.1">7257 1823 2350 0,'0'0'221'0,"0"0"-73"15,0 0-142-15,0 0 8 16,113-89 3-16,-62 69-17 15,20 2-11-15,-13 8-177 16,-8 1-252-16</inkml:trace>
   <inkml:trace contextRef="#ctx0" brushRef="#br0" timeOffset="47239.31">7747 1526 1188 0,'0'0'652'0,"0"0"-454"0,0 0-139 16,0 0-36-16,0 0 7 15,-81 112 12-15,73-66-24 16,6 4-18-16,2-1 2 15,0-8 8-15,6-10 6 16,7-12 2-16,1-10 10 16,1-7 58-16,1-2 46 15,-1-2-28-15,1-18-22 16,-1-10-28-16,-1-7-19 0,-1-2-21 16,-2-2 2-1,-1 9 6-15,-4 8-3 0,-2 10 0 16,-4 6-1-16,0 8-18 15,0 0-26-15,3 12-28 16,1 22 12-16,0 15 30 16,8 10 12-16,-1 1 9 15,3-4 5-15,-1-13-13 16,-3-15 9-16,0-12-1 16,-6-10-9-16,1-6 21 15,-3 0 25-15,0-22 62 16,0-12-57-16,-2-10-30 15,2-2-13-15,-2 1-2 16,0 8-1-16,0 8 0 0,0 13-5 16,0 8-1-1,0 8-25-15,0 0-17 0,7 22-55 16,4 12 53-16,2 9 37 16,6 1 8-16,0-5 0 15,-3-6 7-15,-1-13 0 16,-3-8-6-16,-3-12-1 15,2 0 0-15,5-22 17 16,2-16 16-16,-1-11-20 16,1-2-3-16,-3 1-5 15,-5 9 0-15,-4 15 9 16,-1 12 4-16,-5 14-18 16,2 0-34-16,4 31-4 15,6 20 36-15,5 19 2 16,10 13 14-16,4 2-4 0,5 7-10 15,-9-25-109 1,-9-28-814-16</inkml:trace>
@@ -530,8 +529,8 @@
   <inkml:trace contextRef="#ctx0" brushRef="#br0" timeOffset="79766.47">11142 5307 820 0,'0'0'1630'0,"0"0"-1490"16,0 0-98-16,0 0-21 16,0 0-17-16,0 0-4 15,0 0 0-15,-93 149 0 16,68-73 1-16,7 9 4 15,5-2-5-15,13-20-10 16,0-1-2-16,13-15 5 0,18-18 7 16,12-11 0-16,5-12 36 15,10-6 32-15,3-12 16 16,-1-22-28 0,-6-10-6-16,-13-16 14 0,-14-11 0 15,-20-9 5-15,-7-8-17 16,-27 0 5-16,-21 7-13 15,-15 16-34-15,-3 19-7 16,-1 21-3-16,-12 25-95 16,17 26-272-16,18 9-512 0</inkml:trace>
   <inkml:trace contextRef="#ctx0" brushRef="#br0" timeOffset="80255.53">11864 5023 2274 0,'0'0'247'16,"0"0"-186"-16,0 0-31 0,0 0 16 15,0 0 91-15,0 0 9 16,0 0-90-16,24-52-56 16,-24 60-10-16,-2 10 9 15,-2 6 2-15,2 2 7 16,0-2-8-16,2-6-14 15,0-10-2-15,0-4-8 16,0-4 24-16,0 0 10 16,0 0 5-16,0-9 42 15,0-5-4-15,0-9-39 16,0 3-7-16,0 0-7 16,-10 6-1-16,-7 4 1 15,-1 4-4-15,-5 5 4 16,-3 1-30-16,-3 0-42 15,0 8-52-15,0 9-42 0,4 3-83 16,7-2-274 0,9-4-1060-16</inkml:trace>
   <inkml:trace contextRef="#ctx0" brushRef="#br0" timeOffset="80561.07">12205 5329 2241 0,'0'0'410'0,"0"0"-314"16,0 0-84-16,0 0 12 0,0 0 53 16,0 0-8-16,0 0-69 15,-56 23-17-15,7 15-3 16,-5 16 20-16,3 16 1 15,9 11-1-15,13 1-1 16,18-4-5-16,11-10-14 16,9-16 12-16,26-14-14 15,17-15 22-15,12-12 41 16,10-11-2-16,19-4-28 16,-17-14-11-16,-22-2-242 15</inkml:trace>
-  <inkml:trace contextRef="#ctx0" brushRef="#br0" timeOffset="83796.71">3621 8374 1513 0,'0'0'459'16,"0"0"-308"-16,0 0-61 0,52-102-5 15,-38 75-8-15,-3 1 13 16,-5 4 9-16,2 1-24 16,-4 4-16-16,-4 5-3 15,0 1-29-15,0 10-27 16,0 1-17-16,0 0-104 15,0 16-36-15,-9 8 11 16,0 8-91-16,0 3-42 16,-2 2 168-16,2 3 61 15,-2 3 29 1,3 1-24-16,-2 4 14 0,1 2 29 16,1-3 0-16,0 1 2 0,2-12 0 15,1-8 42 1,3-10 64-16,2-11 56 0,0-4 24 15,0-3 50-15,0 0-45 16,0 0-72-16,0-9-21 16,0-9-17-16,9-8-42 15,1-6-15-15,0-6 3 16,5-4-12-16,2-6-12 16,-2-4-3-16,1-2 0 15,-6-2 0-15,0 0 0 16,-3 3-10-16,-3 3 10 15,0 8 0-15,0 8 0 16,1 10 1-16,-3 8 12 16,1 6-13-16,-3 10-1 15,0 0-49-15,2 18 28 0,3 19 22 16,3 16 6-16,5 13 9 16,3 7-14-16,2-1 7 15,4-6-2-15,3-8-6 16,4-14 0-16,0-13-9 15,2-14-33-15,-2-13 42 16,0-4 11-16,0-16 7 16,0-20 0-16,-2-10-1 15,-6-13 1-15,0-3-5 16,-3-1-8-16,-9 0 0 16,-5 12-5-16,-4 8 33 15,0 15 52-15,0 11-20 16,-2 12-34-16,-2 5-8 0,-3 5-23 15,0 28-10-15,0 13 10 16,1 13 8-16,-1 6-3 16,3 2-5-1,1-5-11-15,3 8-44 0,0-18-86 16,0-16-154-16</inkml:trace>
-  <inkml:trace contextRef="#ctx0" brushRef="#br0" timeOffset="85304.94">9536 7443 2031 0,'0'0'242'16,"0"0"-107"-16,0 0 11 16,0 0-61-16,0 0-30 15,0 0 4-15,0 0-30 16,65-88 18-16,-63 86-18 0,0 2-19 15,-2 0-10-15,0 0-31 16,0 0 16-16,0 12 15 16,-11 14 1-16,-5 8 13 15,0 13-1-15,-1 3-12 16,3 3 0 0,1 0 5-16,4-9-6 0,3-10 1 15,-2-12-1-15,6-10-6 16,2-12 6-16,0 0-9 15,0-18 9-15,10-18 12 16,7-12-10-16,5-8-1 16,-2-2 4-16,0 6-5 15,-1 5 7-15,-9 13-1 16,-1 12 24-16,-7 10 32 16,-2 12 5-16,0 0-45 0,0 24-22 15,0 40 8-15,-9 34 4 16,-1 5-12-16,1-2-31 15,2-16-20-15,2-23 3 16,3 2 28-16,-4-1 19 16,-1-13-3-16,-2-14-7 15,-7-12-25-15,-2-6-64 16,-1-10 3-16,-2-6 24 16,-1-2 47-16,0 0 26 15,4-2 16-15,2-8 57 16,5-1 54-16,5 4 6 15,6 2-39-15,0 0-35 16,0 4-35-16,19-4-22 16,15-1 7-16,11 2-1 0,10 2-2 15,4 0-6-15,-1 2-6 16,6-2-59-16,-15-2-121 16,-11-1-300-16</inkml:trace>
+  <inkml:trace contextRef="#ctx0" brushRef="#br0" timeOffset="83796.7">3621 8374 1513 0,'0'0'459'16,"0"0"-308"-16,0 0-61 0,52-102-5 15,-38 75-8-15,-3 1 13 16,-5 4 9-16,2 1-24 16,-4 4-16-16,-4 5-3 15,0 1-29-15,0 10-27 16,0 1-17-16,0 0-104 15,0 16-36-15,-9 8 11 16,0 8-91-16,0 3-42 16,-2 2 168-16,2 3 61 15,-2 3 29 1,3 1-24-16,-2 4 14 0,1 2 29 16,1-3 0-16,0 1 2 0,2-12 0 15,1-8 42 1,3-10 64-16,2-11 56 0,0-4 24 15,0-3 50-15,0 0-45 16,0 0-72-16,0-9-21 16,0-9-17-16,9-8-42 15,1-6-15-15,0-6 3 16,5-4-12-16,2-6-12 16,-2-4-3-16,1-2 0 15,-6-2 0-15,0 0 0 16,-3 3-10-16,-3 3 10 15,0 8 0-15,0 8 0 16,1 10 1-16,-3 8 12 16,1 6-13-16,-3 10-1 15,0 0-49-15,2 18 28 0,3 19 22 16,3 16 6-16,5 13 9 16,3 7-14-16,2-1 7 15,4-6-2-15,3-8-6 16,4-14 0-16,0-13-9 15,2-14-33-15,-2-13 42 16,0-4 11-16,0-16 7 16,0-20 0-16,-2-10-1 15,-6-13 1-15,0-3-5 16,-3-1-8-16,-9 0 0 16,-5 12-5-16,-4 8 33 15,0 15 52-15,0 11-20 16,-2 12-34-16,-2 5-8 0,-3 5-23 15,0 28-10-15,0 13 10 16,1 13 8-16,-1 6-3 16,3 2-5-1,1-5-11-15,3 8-44 0,0-18-86 16,0-16-154-16</inkml:trace>
+  <inkml:trace contextRef="#ctx0" brushRef="#br0" timeOffset="85304.93">9536 7443 2031 0,'0'0'242'16,"0"0"-107"-16,0 0 11 16,0 0-61-16,0 0-30 15,0 0 4-15,0 0-30 16,65-88 18-16,-63 86-18 0,0 2-19 15,-2 0-10-15,0 0-31 16,0 0 16-16,0 12 15 16,-11 14 1-16,-5 8 13 15,0 13-1-15,-1 3-12 16,3 3 0 0,1 0 5-16,4-9-6 0,3-10 1 15,-2-12-1-15,6-10-6 16,2-12 6-16,0 0-9 15,0-18 9-15,10-18 12 16,7-12-10-16,5-8-1 16,-2-2 4-16,0 6-5 15,-1 5 7-15,-9 13-1 16,-1 12 24-16,-7 10 32 16,-2 12 5-16,0 0-45 0,0 24-22 15,0 40 8-15,-9 34 4 16,-1 5-12-16,1-2-31 15,2-16-20-15,2-23 3 16,3 2 28-16,-4-1 19 16,-1-13-3-16,-2-14-7 15,-7-12-25-15,-2-6-64 16,-1-10 3-16,-2-6 24 16,-1-2 47-16,0 0 26 15,4-2 16-15,2-8 57 16,5-1 54-16,5 4 6 15,6 2-39-15,0 0-35 16,0 4-35-16,19-4-22 16,15-1 7-16,11 2-1 0,10 2-2 15,4 0-6-15,-1 2-6 16,6-2-59-16,-15-2-121 16,-11-1-300-16</inkml:trace>
   <inkml:trace contextRef="#ctx0" brushRef="#br0" timeOffset="85669.34">9990 7502 2588 0,'0'0'214'16,"0"0"-155"-16,0 0-3 15,0 0 22-15,0 0-31 16,0 0-43-16,0 0-3 15,-24 70-1-15,4 0 7 16,-1 12-4-16,8 4-3 16,11-5-22-16,2-14-1 15,4-12 7-15,19-19 1 16,6-16 15-16,4-15 12 16,5-5 49-16,4-21 2 15,3-24-5-15,-1-14-32 16,-6-18-15-16,-7-7-4 15,-11-4 0-15,-13 1-7 0,-7 12 0 16,-17 16-9 0,-26 23 9-16,-12 24 0 0,-13 12-20 15,-28 72-53-15,17 3-92 16,14 3-289-16</inkml:trace>
   <inkml:trace contextRef="#ctx0" brushRef="#br0" timeOffset="86059.38">10752 7255 2339 0,'0'0'321'16,"0"0"-221"-16,0 0-63 15,0 0-35-15,0 0 6 16,-60 176 3-16,35-88-10 16,4 6 0-16,7 4 4 15,14-16-5-15,0-3 0 16,4-10-5-16,23-17 0 16,2-19 10-16,6-16 36 15,6-15 62-15,1-2-31 16,-2-24-12-16,-1-15-11 15,-8-8-11 1,-12-7-2-16,-12 1 8 0,-7 7-37 16,-16 11 3-16,-25 12-2 15,-18 21-8-15,-10 4-10 0,-4 34-53 16,-8 42-108-16,21-8-141 16,20-3-1172-16</inkml:trace>
   <inkml:trace contextRef="#ctx0" brushRef="#br0" timeOffset="86480.71">11396 7417 2294 0,'0'0'557'0,"0"0"-511"0,0 0-46 15,0 0-1-15,0 149 1 16,0-82 0-16,11 4 1 16,3-7 5-16,1-10-6 15,1-12 11-15,-3-13 14 16,-1-12 18-16,-6-9-2 16,3-8 14-16,-3 0 6 15,6-11 3-15,3-18-16 16,3-8-22-16,0-7-14 15,-2-3-6-15,-6 8-6 0,-3 10 5 16,-4 8 5 0,-3 14 16-16,0 7-22 15,0 0-4-15,0 26-15 0,-3 20 15 16,-4 18 1-16,5 13 3 16,2 3-4-16,0-8 0 15,0-9 0-15,9-13 3 16,-2-8 0-16,-7-17-3 15,0-6-122-15,0-18-606 16</inkml:trace>
@@ -554,11 +553,11 @@
   <inkml:trace contextRef="#ctx0" brushRef="#br0" timeOffset="121297.52">14812 3314 1816 0,'0'0'408'16,"0"0"-212"-16,0 0-70 15,0 0-59-15,0 0 31 16,0 0-23-16,0 0-38 16,0-30-1-16,0 30 12 15,0 0-35-15,-7 0-13 0,-13 17 1 16,-7 10-1-16,-6 16 7 15,-7 13-6-15,2 9 4 16,5 10-4-16,8 1-1 16,9-3 0-16,12-10-9 15,4-8-11-15,6-16-20 16,21-12 38-16,4-14 2 16,7-13 23-16,5-4 6 15,1-32 4-15,-1-8 0 16,-3-14 10-16,-9-4-20 15,-8-2-7-15,-15-2-4 16,-8 6 4-16,-2 4 12 16,-29 7-28-16,-9 13 14 15,-5 15-14-15,-7 15-31 0,-14 15-144 16,10 23-189 0,16 5-1060-16</inkml:trace>
   <inkml:trace contextRef="#ctx0" brushRef="#br0" timeOffset="121667.15">15487 3226 2131 0,'0'0'322'0,"0"0"-182"16,0 0-27-16,0 0-38 15,0 0-66-15,0 0-9 16,0 0-1-16,-143 176 0 16,87-55 1-16,10-5 2 15,10-9-2-15,22-17 0 16,14-26-6-16,3 0-5 16,26-5-15-16,14-23 26 15,11-25 20-15,10-11 28 16,0-17-9-16,-1-26-4 15,-13-7-19-15,-14-4 6 0,-22 2 0 16,-14 8 13 0,-23 11 9-16,-31 16-11 0,-19 17-33 15,-39 44-12-15,17 12-130 16,15 4-192-16</inkml:trace>
   <inkml:trace contextRef="#ctx0" brushRef="#br0" timeOffset="122212.33">16269 3177 2345 0,'0'0'317'0,"0"0"-136"16,0 0-38-16,0 0-69 15,0 0-51-15,0 0-23 16,0 0-26-16,-32 67 4 16,6 34 22-16,-21 46 0 15,-9 24 6-15,-4 4 3 16,0-21-8-16,14-45-1 16,7-25 0-16,10-30-63 0,-2-1-112 15,7-9-19 1,6-11-687-16</inkml:trace>
-  <inkml:trace contextRef="#ctx0" brushRef="#br0" timeOffset="122406.41">16619 3749 2794 0,'0'0'387'15,"0"0"-345"-15,0 0-23 16,0 0 11-16,0 0-10 16,125-32-14-16,-72 31-6 15,-8 1-76-15,-10 0-272 0</inkml:trace>
+  <inkml:trace contextRef="#ctx0" brushRef="#br0" timeOffset="122406.4">16619 3749 2794 0,'0'0'387'15,"0"0"-345"-15,0 0-23 16,0 0 11-16,0 0-10 16,125-32-14-16,-72 31-6 15,-8 1-76-15,-10 0-272 0</inkml:trace>
   <inkml:trace contextRef="#ctx0" brushRef="#br0" timeOffset="-163564.84">20970 3878 1223 0,'0'0'171'0,"0"0"-171"15,0 0 0-15,0 0 56 0,0 0 78 16,0 0-14-16,0 6 5 16,0-6 8-16,0 0-40 15,0 0-13-15,0 2-24 16,0-2-17-16,0 2-14 16,0 2-24-16,0 2 45 15,0 0-25-15,0 6-21 16,0 6 39-16,0 7-15 15,0 8 6-15,0 7-17 16,0 12 6-16,0 10-8 16,2 11 7-16,3 25-4 15,1 28 6-15,-2 31-19 16,4 4 10-16,-4-25 3 16,1-38 30-16,-1-36-18 15,-2-10-16-15,0 5-9 0,0 0 13 16,-2 2 15-16,0-13-10 15,0-14 2-15,0-12 1 16,0-8-8-16,0-8-5 16,0-4 5-16,0 0 1 15,0 0-15-15,0-8-9 16,0-36-123-16,-8 2-274 16,-3-4-914-16</inkml:trace>
   <inkml:trace contextRef="#ctx0" brushRef="#br0" timeOffset="-162231.65">20981 4267 712 0,'0'0'579'16,"0"0"-427"-16,0 0-123 15,0 0 122-15,0 0 46 0,0 0 29 16,0 0-98 0,-22-38 18-16,22 36-24 0,0 2-29 15,0-2-5-15,0 2-15 16,0 0-37-16,0-2-21 15,0 2-15-15,0 0 0 16,0-2 0-16,3 2 0 16,1 0-7-16,2-2 7 15,7 2 0-15,10 0 17 16,8-2 1-16,14 2-7 16,15-2 3-16,11 0-14 15,16-2-6-15,22-1 5 16,30-3-28-16,25-3 24 15,15-3 5-15,-11 0 6 16,-12 2 5-16,-21 2-11 0,-6-1 1 16,-5 1 4-16,-3 5-5 15,-1 0 0-15,-20-1 2 16,-15 3 10-16,-16-4-12 16,-4 0 1-16,15-4 0 15,29-5 1-15,36-4 7 16,19-1-7-16,8-4-1 15,-11 3-1-15,-12 2-4 16,-13 4 4-16,2 0 0 16,2 5 0-16,1-4 0 15,-6 0-3-15,0 2 3 16,-4 1 0-16,-6 0 11 16,1 2-9-16,-3 4 11 15,2 0-12-15,-3 4 7 16,-14 2-16-16,-19 0 18 0,-18 0-10 15,-2 0 8 1,11 0-8-16,14-2-19 0,8 2 19 16,3-3 3-16,11 3 4 15,24 0-7-15,23 3 0 16,7 10-1-16,-8 2 2 16,-17 1 6-16,-20-4-7 15,-21-2 0-15,-19-2-4 16,-16-4 4-16,0 2 5 15,9 0-5-15,16 0-5 16,6 2-6-16,0-2 11 16,-7 0-1-16,-4 0 17 15,-1 0-13-15,-6-2 2 0,-4 2 0 16,-4-1 5 0,-3-1 1-16,-4-1-9 0,-3 0 9 15,-2 0-8-15,-1-2 2 16,-8 2-2-16,-1-2-2 15,-8 2 4-15,1-1-5 16,-3 0-2-16,0 2 1 16,-1 0-1-16,-1-2 2 15,-5 2-1-15,1 0 1 16,-3-2 5-16,0 3-4 16,2-1-1-16,-7-2 0 15,-4-1-2-15,-3-1 1 0,-6 0 1 16,-3 0 1-16,-6 0 0 15,-2 0 0-15,-4 0 14 16,0 0 1-16,0 0 23 16,0 0-17-16,0 0 2 15,0 0 0-15,0 0-6 16,0 0-6-16,0 0-12 16,0 0-1-16,0 3-13 15,0-2 6-15,0 1-3 16,0 6-13-16,0 6-9 15,-4 11 6-15,0 13 23 16,-5 12 4-16,2 12 19 16,-2 10-13-16,1 8 1 15,-2 8 2-15,1 2-9 16,3 3 5-16,-1-3 1 0,5-2-5 16,2-5-1-16,0-7 0 15,0-4-9-15,0-10 9 16,4-8 0-1,1-12 4-15,-5-10-3 0,0-10-1 16,0-7-7-16,-16-5-88 16,-15-3-154-16,-5-7-503 0</inkml:trace>
   <inkml:trace contextRef="#ctx0" brushRef="#br0" timeOffset="-160903.5">21016 5248 1042 0,'0'0'225'0,"0"0"-158"15,0 0 67-15,0 0 72 16,0 0-26-16,0 0-16 16,128 16 62-16,-86-16-107 15,12 0-25-15,11 0 0 16,8 0-18-16,22 0-23 15,32-7-5-15,39 2 0 0,19-2-2 16,2 4-17 0,-7 3-4-16,-9 0-16 0,4 0 2 15,7 0-2-15,5 1-8 16,5 9-1-16,-1-2 1 16,4 3-6-16,-2 1 13 15,-1-3-6-15,-1 5 5 16,-1 1-7-16,-3-3-10 15,-2 2 10-15,-5 2 0 16,-4-4-1-16,-4 2-8 16,-5-6 8-16,-7-2-14 15,-6 0 14-15,-7-2 1 16,-4-1 0-16,-7 2 6 16,-5-1-17-16,-3 2 11 15,-4 0 0-15,-3-2 2 0,1 2-1 16,1-1 2-16,4-2 7 15,2 1-6-15,-7 0-4 16,1 2 1-16,-7-2 0 16,-1 0 0-16,-1 2 4 15,2 0 5-15,0 2-9 16,2 0 17-16,2 0-11 16,-2 2-7-16,-16-2 2 15,-15 1 1-15,13 0-2 16,-15 0 3-16,0 0-3 15,9 1 9-15,-16 0-4 0,4 0 4 16,7 2-4 0,-12-2 5-16,-13-2-6 0,-18-1 3 15,-15-6 2 1,-14-1 5-16,-11 0 25 0,-6 0 11 16,0 0-25-16,-9-1-26 15,-44-21-159-15,-1 0-175 16,-2-3-721-16</inkml:trace>
-  <inkml:trace contextRef="#ctx0" brushRef="#br0" timeOffset="-160039.77">22104 3331 893 0,'0'0'390'0,"0"0"-119"0,0 0 60 16,0 0 0-16,0 0-94 16,0 0-77-16,0 0-65 15,29-7-89-15,-31 7-6 16,-12 3-48-16,-15 12 23 15,-17 16 25-15,-39 25 40 16,-42 30-13-16,-35 31-2 16,10-3-8-16,30-16 0 15,41-26 5-15,32-22-10 16,-2 4 7-16,0 3-14 16,6-7-5-16,19-14-57 15,26-28-179-15,4-8-483 0,25-4-696 16</inkml:trace>
+  <inkml:trace contextRef="#ctx0" brushRef="#br0" timeOffset="-160039.78">22104 3331 893 0,'0'0'390'0,"0"0"-119"0,0 0 60 16,0 0 0-16,0 0-94 16,0 0-77-16,0 0-65 15,29-7-89-15,-31 7-6 16,-12 3-48-16,-15 12 23 15,-17 16 25-15,-39 25 40 16,-42 30-13-16,-35 31-2 16,10-3-8-16,30-16 0 15,41-26 5-15,32-22-10 16,-2 4 7-16,0 3-14 16,6-7-5-16,19-14-57 15,26-28-179-15,4-8-483 0,25-4-696 16</inkml:trace>
   <inkml:trace contextRef="#ctx0" brushRef="#br0" timeOffset="-158890.59">22095 3398 1897 0,'0'0'355'16,"0"0"-248"-16,0 0 11 15,0 0 33-15,0 0-19 16,97-102-48-16,-95 102-39 15,2 0-36-15,7 0-9 16,13 0-20-16,23 11 20 16,44 2 10-16,56 1-5 15,65 3-4-15,33-8-1 16,11 0 0-16,-3-7 1 0,-24-2-1 16,-2 0-6-1,-4 0 6-15,-12-8 14 0,-10-9-14 16,-7-1-4-16,-7-1 4 15,-2-2 5-15,2 3-3 16,-2 5 17-16,-5 2-19 16,-10 5 0-16,-10 0 0 15,-12 0 1-15,-11-1-1 16,-10 0 1-16,-19 2 0 16,-21 3 0-16,-16-3 0 15,-2 3-1-15,11 0 5 16,16 2-5-16,8 0-2 15,4 0 2-15,-4 0 9 0,1 2-9 16,-5 5-7 0,-4-1 7-16,-7-3-1 0,-9 0 9 15,-6-3-15-15,-5 0 16 16,-3 0-16-16,-3 0 7 16,1 0 0-16,-1 0 0 15,-1-5 0-15,0 0-1 16,2-2 1-16,0-1 1 15,-4 0 8-15,3-2-6 16,-1 0-3-16,1-2 0 0,-3 4 0 16,2 0 0-1,-2 2 0-15,-5 1-2 0,1 4 2 16,-4 1 1-16,-1 0 0 16,2 0-1-1,-1 0 0-15,1 0 0 0,-4 0 0 16,0 0 2-16,0 0 4 15,0 0 3-15,3 0-9 16,4 0 15-16,6 0-8 16,2 0-7-16,7 0 1 15,5 4-1-15,0 4 0 16,-1 2 1-16,-5 0 2 16,-11-4 1-16,-7 0-4 15,-5 0 0-15,-7-5 1 16,-2 4 5-16,-5-1-6 0,0 0 1 15,-4 0 0 1,-4-2-1-16,-2 2 0 0,-1 0-1 16,-2 1-10-16,-2-1 0 15,-1-1 2-15,-3 1 2 16,-1-3 7-16,1 4 0 16,-1-3 1-16,3 0-1 15,-1 2 0-15,3 0 0 16,-1 0-6-16,2 0-8 15,-2-2 4-15,-3 2 4 16,-6-2 5-16,-1-2 1 16,-5 3 1-16,-2-3-1 15,0 0-4-15,0 0-16 16,0 0 9-16,0 0 11 16,0 2 0-16,3-1-7 0,-1 2 7 15,1-2 0-15,-3 1 0 16,0 1-9-16,0-3-29 15,0 0 7-15,0 1 7 16,-8 5-3-16,-13 10 0 16,-17 12 27-16,-20 16 21 15,-21 13-1-15,-12 7 7 16,-7 8-18-16,2 3 15 16,3-1-7-16,6-7-6 15,6-2-11-15,4-9-34 16,-19-6-172-16,18-16-151 15,15-16-1308-15</inkml:trace>
   <inkml:trace contextRef="#ctx0" brushRef="#br0" timeOffset="-158433.39">30444 3454 2210 0,'0'0'343'15,"0"0"-254"-15,0 0-26 16,0 0 2-16,0 0-60 16,0 0-5-16,0 0-27 15,-24 63 27-15,1-13 9 16,-2 12-8-16,-6 30 10 15,-7 33 5-15,-3 30-15 0,-5 8 7 16,9-10 0-16,6-35-8 16,8-39-33-16,8-20-25 15,-1-9 5-15,1 7-20 16,-14 16-38-16,4-10-57 16,5-19-266-16</inkml:trace>
   <inkml:trace contextRef="#ctx0" brushRef="#br0" timeOffset="-157767.79">30127 5048 156 0,'0'0'1565'0,"0"0"-1194"0,0 0-103 15,0 0-30-15,0 0-85 16,0 0-76-16,0 0-48 16,7-3-13-16,-7 3-12 15,0 0-4-15,3 0-40 16,-1 0-42-16,4 0-5 16,3 0 0-16,2 2 8 15,3 2-10-15,15 0 5 16,-4-4-102-16,-2 0-292 0</inkml:trace>
@@ -568,24 +567,24 @@
   <inkml:trace contextRef="#ctx0" brushRef="#br0" timeOffset="-155769.31">26894 2916 1399 0,'0'0'592'0,"0"0"-461"16,0 0-97-16,0 0-32 16,0 0 34-16,0 0 112 15,0 0 45-15,18 36-26 16,-2-40-23-16,10-17-13 16,8-8-35-16,9-12-47 15,3-5 0-15,3-8-23 16,0-1-11-16,-4 2-15 15,-7 6-2-15,-12 11 2 0,-10 12-21 16,-9 10 6 0,-7 10-23-16,0 4-13 0,0 0-26 15,-2 22 43-15,-8 10 34 16,2 4 6-16,5-1-6 16,3-5-12-16,0-13-5 15,0-9 17-15,0-5 39 16,5-3 44-16,9-3-17 15,5-19 2-15,8-8-43 16,0-5-25-16,-2 0-8 16,-6 7 8-16,-7 11 0 15,-8 4 0-15,-2 12-21 16,-2 1 0-16,0 5-35 16,5 24-14-16,3 13 65 15,10 5 5-15,7 8 0 0,13 7-46 16,-5-14-107-1,-2-18-354-15</inkml:trace>
   <inkml:trace contextRef="#ctx0" brushRef="#br0" timeOffset="-153747.62">20872 3079 2194 0,'0'0'278'15,"0"0"-207"-15,0 0-39 16,0 0 46-16,0 0 2 16,0 0-80-16,0 0-1 15,-11 3-28-15,-2 17 22 16,-6 10 7-16,0 7 56 15,-1-2-7-15,1-1-28 16,6-8-12-16,5-6-9 16,3-10 0-16,3-3-12 15,2-7-2-15,0 0 14 16,0 0 5-16,5-9 55 16,5-13 22-16,6-8-46 0,4-3-30 15,-2-3 14-15,-3 9-20 16,-1 6 4-16,-7 11 10 15,-3 3-14-15,-2 7 0 16,-2 0-4-16,0 2-27 16,0 26-59-16,0 16 67 15,-9 16 23-15,-1 14 0 16,-6 8-32-16,-1 1-21 16,-2-5 16-16,-3-9-3 15,-3-13 31-15,-4-15-21 16,0-11 30-16,-2-10 13 15,-1-7 2-15,3-7-5 16,4-5 15-16,6-1-5 0,6 0 18 16,8 0 13-1,5 0-22-15,0 0-16 16,0 0-13-16,0 0-6 0,14 0-26 16,6-1 32-16,12-3 27 15,3 2 18-15,3-2-21 16,1 1-24-16,-1 1-34 15,1-2-28-15,9-2-95 16,-9 3-216-16,-8-4-747 0</inkml:trace>
   <inkml:trace contextRef="#ctx0" brushRef="#br0" timeOffset="-153238.49">20863 3676 1833 0,'0'0'320'0,"0"0"-276"15,0 0-44-15,0 0 0 16,0 0 36-16,-13 108 26 16,13-85-23-16,0-7-36 15,4-7 61-15,0-9-8 16,6 0 43-16,1-9 69 16,9-16-22-16,6-17-67 15,8-8-46-15,4-8-32 16,2-5-1-16,-3 1-42 15,2 4-10-15,-11 6 26 16,-3 10 12-16,-7 12 8 16,-7 12 5-16,-7 11-8 0,-4 7-16 15,0 3-63-15,0 24-15 16,-2 14 103-16,-4 4 11 16,3 7 23-16,3-11-29 15,0-11-5-15,0-12-1 16,0-12 1-16,9-6 22 15,7-6 70-15,7-21 13 16,5-10-57-16,3-9-24 16,0-3-18-16,-4 2-5 15,-4 7 0-15,-7 9 7 16,-8 13 26-16,-3 9 13 16,-5 6-27-16,0 3-20 15,0 4-52-15,0 22-17 16,0 12 69-16,4 13 13 15,0 3 14-15,4-2-27 16,-2 2-72-16,-2-14-117 0,-4-16-192 16</inkml:trace>
-  <inkml:trace contextRef="#ctx0" brushRef="#br0" timeOffset="-151473.74">20513 4292 1764 0,'0'0'455'15,"0"0"-325"-15,0 0-20 16,0 0 32-16,0 0-39 15,0 0-53-15,0 0-1 16,9-13-49-16,-9 13-12 16,0 16-35-16,0 12 16 15,0 14 31-15,0 14 36 0,0 12-19 16,0 9-15 0,0 7-2-16,0 4-14 15,0-2-16-15,-11 0-8 16,-5-5-5-16,-1-11 42 0,-1-8-19 15,-2-9-20-15,0-13 7 16,5-7 13-16,1-6-79 16,-4-7-77-16,7-6-85 15,0-8-195-15</inkml:trace>
+  <inkml:trace contextRef="#ctx0" brushRef="#br0" timeOffset="-151473.75">20513 4292 1764 0,'0'0'455'15,"0"0"-325"-15,0 0-20 16,0 0 32-16,0 0-39 15,0 0-53-15,0 0-1 16,9-13-49-16,-9 13-12 16,0 16-35-16,0 12 16 15,0 14 31-15,0 14 36 0,0 12-19 16,0 9-15 0,0 7-2-16,0 4-14 15,0-2-16-15,-11 0-8 16,-5-5-5-16,-1-11 42 0,-1-8-19 15,-2-9-20-15,0-13 7 16,5-7 13-16,1-6-79 16,-4-7-77-16,7-6-85 15,0-8-195-15</inkml:trace>
   <inkml:trace contextRef="#ctx0" brushRef="#br0" timeOffset="-151197.45">20259 5159 360 0,'0'0'1710'0,"0"0"-1469"15,0 0-98-15,0 0 27 16,0 0-30-16,0 0-53 0,0 0-35 16,-11-75-52-16,11 83-44 15,0 19 7-15,0 11 37 16,9 8 10-16,2 7-10 16,-2-3-33-16,0-6 22 15,-2-12 11-15,-3-11 0 16,0-13-7-16,1-5 7 15,-1-3 49-15,6 0 28 16,0-18 19-16,7-12-20 16,4-8-41-16,4-8-18 15,-3-2-17-15,-1-2-19 16,-8-15-92-16,-5 15-134 16,-5 6-430-16</inkml:trace>
   <inkml:trace contextRef="#ctx0" brushRef="#br0" timeOffset="-150788.91">20634 4385 352 0,'0'0'1743'0,"0"0"-1552"16,0 0-75 0,0 0-41-16,0 0-30 0,0 0-45 15,0 0-26-15,-16-9-64 16,-8 24 90-16,-7 3 31 16,-3 5 7-16,3-2 30 15,6-2-10-15,12-6-1 16,6-6-12-16,7-6-3 15,0-1-24-15,0 0-11 16,0 0-7-16,11 0 59 16,7-4 2-16,5-3 2 15,3-5-39-15,-2 1-24 16,-3 5-46-16,-11 2-100 16,-10 4-103-16,-4 17-159 15,-17 5-509-15</inkml:trace>
-  <inkml:trace contextRef="#ctx0" brushRef="#br0" timeOffset="-150168.64">19063 4898 1486 0,'0'0'558'0,"0"0"-346"15,0 0-2-15,0 0 4 16,0 0-62-16,0 0-75 0,0 0-41 15,11-38-13-15,-11 38-23 16,0 0-34-16,0 7-2 16,-5 15-48-16,-1 14 84 15,-1 10 24-15,7 6 0 16,0-2-13-16,0-6-11 16,11-10-3-1,7-12-13-15,-2-10 10 0,4-11 6 16,2-1 17-16,2-8 57 15,3-21-14-15,-2-11-39 16,-5-8-5-16,-9-4 11 16,-11-3-16-16,0 5 7 15,-4 9-18-15,-15 9 4 0,2 11-10 16,3 12-24-16,3 9 5 16,-9 3-151-16,5 20-198 15,1 1-775-15</inkml:trace>
-  <inkml:trace contextRef="#ctx0" brushRef="#br0" timeOffset="-150011.21">19557 4947 2721 0,'0'0'159'0,"0"0"-118"16,0 0-17-16,0 0-24 0,0 0-118 15,0 0-409-15</inkml:trace>
-  <inkml:trace contextRef="#ctx0" brushRef="#br0" timeOffset="-149687.27">19827 4776 2499 0,'0'0'160'0,"0"0"-160"16,0 0 0-16,0 0 26 15,0 0-26-15,0 0-1 0,0 0-30 16,-29 21 25-16,27 13 6 16,2 3 8-16,0 4-7 15,7-2-1 1,15 2-15-16,3-5-8 0,6 0 14 15,-3 0 8-15,-3-2-5 16,-7-2-18-16,-14 0-91 16,-4-4 50-16,-16-3 43 15,-19-6 22-15,-12-4 10 16,-27-15-10-16,12 0-84 16,9-16-454-16</inkml:trace>
-  <inkml:trace contextRef="#ctx0" brushRef="#br0" timeOffset="-149532.67">19856 4642 1213 0,'0'0'1520'15,"0"0"-1368"-15,0 0-104 16,0 0-48-16,123-36-12 16,-104 40-200-16,-7 12-984 0</inkml:trace>
+  <inkml:trace contextRef="#ctx0" brushRef="#br0" timeOffset="-150168.65">19063 4898 1486 0,'0'0'558'0,"0"0"-346"15,0 0-2-15,0 0 4 16,0 0-62-16,0 0-75 0,0 0-41 15,11-38-13-15,-11 38-23 16,0 0-34-16,0 7-2 16,-5 15-48-16,-1 14 84 15,-1 10 24-15,7 6 0 16,0-2-13-16,0-6-11 16,11-10-3-1,7-12-13-15,-2-10 10 0,4-11 6 16,2-1 17-16,2-8 57 15,3-21-14-15,-2-11-39 16,-5-8-5-16,-9-4 11 16,-11-3-16-16,0 5 7 15,-4 9-18-15,-15 9 4 0,2 11-10 16,3 12-24-16,3 9 5 16,-9 3-151-16,5 20-198 15,1 1-775-15</inkml:trace>
+  <inkml:trace contextRef="#ctx0" brushRef="#br0" timeOffset="-150011.22">19557 4947 2721 0,'0'0'159'0,"0"0"-118"16,0 0-17-16,0 0-24 0,0 0-118 15,0 0-409-15</inkml:trace>
+  <inkml:trace contextRef="#ctx0" brushRef="#br0" timeOffset="-149687.28">19827 4776 2499 0,'0'0'160'0,"0"0"-160"16,0 0 0-16,0 0 26 15,0 0-26-15,0 0-1 0,0 0-30 16,-29 21 25-16,27 13 6 16,2 3 8-16,0 4-7 15,7-2-1 1,15 2-15-16,3-5-8 0,6 0 14 15,-3 0 8-15,-3-2-5 16,-7-2-18-16,-14 0-91 16,-4-4 50-16,-16-3 43 15,-19-6 22-15,-12-4 10 16,-27-15-10-16,12 0-84 16,9-16-454-16</inkml:trace>
+  <inkml:trace contextRef="#ctx0" brushRef="#br0" timeOffset="-149532.68">19856 4642 1213 0,'0'0'1520'15,"0"0"-1368"-15,0 0-104 16,0 0-48-16,123-36-12 16,-104 40-200-16,-7 12-984 0</inkml:trace>
   <inkml:trace contextRef="#ctx0" brushRef="#br0" timeOffset="-149077.08">19934 5472 963 0,'0'0'1006'0,"0"0"-945"15,0 0 161-15,0 0 24 16,0 0-95-16,0 0-59 16,132-128-44-16,-101 73 0 15,0-3 0-15,-3-4-19 16,-1 4-12-16,-4 6-7 16,-9 10-9-16,-4 11 46 15,-7 14-1-15,-1 9-8 16,-2 8-38-16,0 0-17 15,0 2-27-15,0 19-33 16,-2 6 64-16,-1 7 12 16,3-6-17-16,0-4-6 0,0-12-18 15,0-10 29-15,9-2 12 16,9-14 1-16,9-18 48 16,7-12-3-16,1-4-45 15,3-4-6-15,-7 5-9 16,-9 11-6-16,-6 9 21 15,-9 17 66-15,-7 6-1 16,0 4-65-16,0 12-20 16,0 24-2-16,0 20 22 15,0 12 35-15,15 36-35 0,5-18-116 16,0-19-398-16</inkml:trace>
   <inkml:trace contextRef="#ctx0" brushRef="#br0" timeOffset="-148949.93">20669 5079 2900 0,'0'0'105'0,"0"0"-105"16,0 0-90-16,0 0-364 0</inkml:trace>
   <inkml:trace contextRef="#ctx0" brushRef="#br0" timeOffset="-147081.54">19422 6559 2235 0,'0'0'233'16,"0"0"-189"-16,0 0 55 16,0 0 55-16,0 0-37 15,0 0-61-15,0 0-34 16,-8-25-22-16,8 33-55 16,-2 28 24-16,0 31 31 15,-2 44 8-15,-5 31 7 16,-3-6-5-16,2-29 6 15,1-37-16-15,-3-30-9 0,1-3-1 16,1-1-27 0,0-7 21-16,6-15-60 0,4-14-55 15,0-4-251-15,0-17-1344 0</inkml:trace>
   <inkml:trace contextRef="#ctx0" brushRef="#br0" timeOffset="-146766.36">19574 6586 2131 0,'0'0'401'16,"0"0"-295"-16,0 0-60 15,0 0-11-15,0 0-35 16,0 0-47-16,0 0 0 0,97 17-5 16,-97 37 19-1,-18 6-62-15,-13 1 74 0,-5-7 21 16,-3-10 19-16,0-11 42 15,8-12 44-15,11-9-9 16,9-8-22-16,9-2 12 16,2-2-27-16,0 0-46 15,0 0-13-15,2 0-1 16,12 11-14-16,10 4 15 16,10 11 28-16,3 6-9 15,1 4-19-15,-5 0-8 16,-2-2-72-16,1-4-76 15,-8-6-176-15,-3-12-516 0</inkml:trace>
-  <inkml:trace contextRef="#ctx0" brushRef="#br0" timeOffset="-146569.71">19903 6869 2420 0,'0'0'373'0,"0"0"-290"15,0 0-58-15,0 0-9 16,0 0-10-16,0 0-6 16,134-19-6-16,-90 30-61 15,3 6-56-15,4 1-80 0,-13-3-190 16,-9-3-616-16</inkml:trace>
-  <inkml:trace contextRef="#ctx0" brushRef="#br0" timeOffset="-146418.61">19925 7094 2499 0,'0'0'167'15,"0"0"-167"-15,0 0 0 16,0 0 25-16,136-3 67 16,-49-10-92-16,-13 5-92 15,-17 2-1004-15</inkml:trace>
-  <inkml:trace contextRef="#ctx0" brushRef="#br0" timeOffset="-138855.64">14918 10972 1261 0,'0'0'219'16,"0"0"-219"-16,0 0-6 15,0 0-357-15,0 0-136 16,0 0 164-16,-44 79 131 16,40-79 157-16,2 0 21 0</inkml:trace>
-  <inkml:trace contextRef="#ctx0" brushRef="#br0" timeOffset="-136040.77">20930 6832 733 0,'0'0'420'0,"0"0"-166"16,0 0-45-16,0 0 8 16,0 0-38-16,0 0-30 15,0 0-55-15,-2 0-20 16,2 0 0-16,0 0-27 15,0 0-26-15,0 0-13 16,0 0 6-16,0 0-13 16,0 0 7-16,0 0-2 15,0 0-6-15,0 0-3 16,0 0-4-16,0 0 7 16,0 0 0-16,0 0-1 0,-3 0-23 15,3 2-99-15,-2-2-355 0</inkml:trace>
+  <inkml:trace contextRef="#ctx0" brushRef="#br0" timeOffset="-146569.72">19903 6869 2420 0,'0'0'373'0,"0"0"-290"15,0 0-58-15,0 0-9 16,0 0-10-16,0 0-6 16,134-19-6-16,-90 30-61 15,3 6-56-15,4 1-80 0,-13-3-190 16,-9-3-616-16</inkml:trace>
+  <inkml:trace contextRef="#ctx0" brushRef="#br0" timeOffset="-146418.62">19925 7094 2499 0,'0'0'167'15,"0"0"-167"-15,0 0 0 16,0 0 25-16,136-3 67 16,-49-10-92-16,-13 5-92 15,-17 2-1004-15</inkml:trace>
+  <inkml:trace contextRef="#ctx0" brushRef="#br0" timeOffset="-138855.65">14918 10972 1261 0,'0'0'219'16,"0"0"-219"-16,0 0-6 15,0 0-357-15,0 0-136 16,0 0 164-16,-44 79 131 16,40-79 157-16,2 0 21 0</inkml:trace>
+  <inkml:trace contextRef="#ctx0" brushRef="#br0" timeOffset="-136040.78">20930 6832 733 0,'0'0'420'0,"0"0"-166"16,0 0-45-16,0 0 8 16,0 0-38-16,0 0-30 15,0 0-55-15,-2 0-20 16,2 0 0-16,0 0-27 15,0 0-26-15,0 0-13 16,0 0 6-16,0 0-13 16,0 0 7-16,0 0-2 15,0 0-6-15,0 0-3 16,0 0-4-16,0 0 7 16,0 0 0-16,0 0-1 0,-3 0-23 15,3 2-99-15,-2-2-355 0</inkml:trace>
   <inkml:trace contextRef="#ctx0" brushRef="#br0" timeOffset="-135210.08">20705 7038 1950 0,'0'0'247'16,"0"0"-132"-16,0 0 20 15,0 0 4-15,0 0 2 16,0 0-14-16,0 0-39 16,91-85-33-16,-55 48-35 15,4-7 17-15,2-9-23 16,-2-5-3-16,-1-4-11 15,-8-3-8-15,-12-6-14 16,-5 5-3-16,-9 4 1 16,-5 5-20-16,0 15 17 0,-9 10-3 15,-3 10 30-15,4 12 0 16,3 6 16-16,1 4-16 16,-4 0-6-16,2 16-12 15,-3 18 18-15,1 15 0 16,2 15 6-16,2 10-6 15,2 6-24-15,0 7-37 16,-5-2-17-16,-3 0-6 16,-9-4 38-16,-5-1 29 15,-1-9 1-15,-1-9 16 16,-1-7 7-16,5-15-4 16,1-10 20-16,6-10 45 15,6-9 6-15,4-6-1 16,3-3-4-16,2-2-11 15,0 0-18-15,0 0-24 0,0 0-4 16,0 0-12-16,0-2-10 16,0-14 10-16,0-10-13 15,0-26-135-15,0 3-158 16,2 5-1010-16</inkml:trace>
   <inkml:trace contextRef="#ctx0" brushRef="#br0" timeOffset="-133829.85">21774 6427 222 0,'0'0'1990'0,"0"0"-1734"16,0 0-174-16,0 0 23 15,0 0 10-15,0 0-11 0,0 0-51 16,13-63-6-1,-13 63-34-15,0 0 3 0,0 0-11 16,0 0-5-16,0 0-18 16,0 0 2-16,0 0-5 15,0 10 3-15,-2 13 18 16,-6 11 17-16,-1 12 1 16,-3 11-3-16,-1 4-15 15,0 5-1-15,-3 1 1 16,1-3 6-16,-3-6-6 15,2-8-6-15,5-10 6 16,2-14 10-16,7-8-10 16,0-10-12-16,2-8-17 15,0 0 11-15,0 0 18 16,0 0 23-16,2 0-22 0,13-2 11 16,10-8-2-16,13-3 3 15,11 0-3-15,13-1-6 16,5 4 1-16,0 2-5 15,-3 2 0-15,-6 1-4 16,-10 4 4-16,-15 0-5 16,-14 1 5-16,-5 0 0 15,-9 0-28-15,-5 0-102 16,-3 0-105-16,-15 1-723 0</inkml:trace>
-  <inkml:trace contextRef="#ctx0" brushRef="#br0" timeOffset="-133296.64">21186 7265 1836 0,'0'0'388'0,"0"0"-273"15,0 0-5-15,0 0-23 16,0 0 5-16,0 0-26 16,0 0-13-16,54-14 17 15,-10 10-14-15,18-1-19 16,30 4-10-16,33-2-15 15,35 0 3-15,16 1-10 16,-8-2-3-16,-37 2 6 16,-40 0-7-16,-26 2 13 15,-17-3-13 1,0 2-1-16,-6-2 0 0,-4 2 1 16,-21 1-1-16,-10 0 0 0,-9 0-67 15,-20 4-141-15,-9 8-646 0</inkml:trace>
+  <inkml:trace contextRef="#ctx0" brushRef="#br0" timeOffset="-133296.65">21186 7265 1836 0,'0'0'388'0,"0"0"-273"15,0 0-5-15,0 0-23 16,0 0 5-16,0 0-26 16,0 0-13-16,54-14 17 15,-10 10-14-15,18-1-19 16,30 4-10-16,33-2-15 15,35 0 3-15,16 1-10 16,-8-2-3-16,-37 2 6 16,-40 0-7-16,-26 2 13 15,-17-3-13 1,0 2-1-16,-6-2 0 0,-4 2 1 16,-21 1-1-16,-10 0 0 0,-9 0-67 15,-20 4-141-15,-9 8-646 0</inkml:trace>
   <inkml:trace contextRef="#ctx0" brushRef="#br0" timeOffset="-132762.29">21429 7469 2054 0,'0'0'356'15,"0"0"-288"-15,0 0 23 16,0 0 27-16,0 0-22 16,0 0-44-16,0 0-52 15,-2 20-59-15,-4 13 59 16,-2 14 21-16,2 10-3 16,1 3-11-16,3-2-7 15,0-12-27-15,2-9 14 16,0-17 12-16,0-13-42 15,0-7 43-15,9-4 48 0,11-24 55 16,9-14-29 0,7-10-35-16,3-4-27 0,1 3-1 15,-5 12-11 1,-7 9-32-16,-10 15 3 0,-7 13 4 16,-6 4-35-16,-3 21-30 15,0 16 90-15,3 12 17 16,1 1 3-16,5-4-20 15,1-8-6-15,0-11 6 16,-2-14 27-16,-3-9 26 16,-3-4 21-16,0-10 39 15,-2-24 19-15,3-14-79 16,-5-13-32-16,0-3 11 16,0 4-10-16,0 6-21 15,0 11-1-15,-2 16-50 16,2 11-51-16,0 16-70 15,0 8-319-15,0 15-496 0</inkml:trace>
   <inkml:trace contextRef="#ctx0" brushRef="#br0" timeOffset="-132654.37">22053 7572 2287 0,'0'0'257'0,"0"0"-187"16,0 0-70-16,0 0-623 0</inkml:trace>
   <inkml:trace contextRef="#ctx0" brushRef="#br0" timeOffset="-132257.83">22443 7324 1683 0,'0'0'511'15,"0"0"-206"-15,0 0-11 16,0 0-84-16,0 0-92 16,0 0-89-16,0 0-29 15,2 5 0-15,-2 35 10 16,0 13 0-16,0 8-1 16,0 2-4-16,0-3-4 0,0-12-1 15,0-10 1-15,0-14 3 16,0-12-3-16,0-8-1 15,5-4 0-15,1 0 27 16,3-4 6-16,9-17 2 16,7-6-11-16,4-3-19 15,0 4-5-15,-6 6-1 16,-2 12-5-16,-7 8 5 16,-1 0-15-16,0 22-26 15,7 12 42-15,5 8-1 16,4 2-35-16,2 0-73 15,13-4-96-15,-8-13-119 16,-5-16-435-16</inkml:trace>
@@ -596,11 +595,11 @@
   <inkml:trace contextRef="#ctx0" brushRef="#br0" timeOffset="-116523.27">19724 1598 380 0,'0'0'1495'16,"0"0"-1208"-16,0 0-224 15,0 0-44-15,0 0-7 16,0 0 229-16,168 6-124 16,-79-6-70-16,9 0-47 15,-2 0-12-15,11-4-125 16,-25-2-216-16,-22-2-896 0</inkml:trace>
   <inkml:trace contextRef="#ctx0" brushRef="#br0" timeOffset="-116299.9">20520 1255 1029 0,'0'0'1366'0,"0"0"-1211"16,0 0-97-16,0 0-18 15,0 0-1-15,0 0-39 16,0 0-19-16,0 0-33 16,0 46 52-16,-2 16 22 15,-5 14 3-15,1 6-25 16,1 3 0-16,5-3-58 16,0 4-55-16,0-19-154 15,9-23-606-15</inkml:trace>
   <inkml:trace contextRef="#ctx0" brushRef="#br0" timeOffset="-115981.5">20863 1219 2192 0,'0'0'219'0,"0"0"-202"16,0 0-17-16,-86 130-9 15,67-62 9-15,13 7-18 16,6-3-10-16,0-9 8 0,19-13-7 16,10-13-11-16,8-18 38 15,5-19 28-15,4-3 82 16,1-33 13-16,1-12-34 16,-11-12-25-16,-8-6 18 15,-14-2-20 1,-15 2-33-16,-2-1-5 0,-33 11-24 15,-15 10 0-15,-14 18-39 16,-5 18-23-16,-22 20-110 16,17 22-153-16,19 4-800 0</inkml:trace>
-  <inkml:trace contextRef="#ctx0" brushRef="#br0" timeOffset="-115642.62">21540 1309 1901 0,'0'0'461'0,"0"0"-357"16,0 0-84-16,-125 20 2 16,92 10-8-16,8 9-14 15,10 4 0-15,11 2-25 16,4-5 1-16,4-8-2 15,23-8 7-15,9-14 19 16,8-10 84-16,5-4 60 16,5-30-12-16,-6-10-50 15,-3-10-7-15,-11-3-12 0,-10-1-29 16,-15 5-3 0,-9 3-6-16,-2 7-25 0,-29 11-14 15,-14 15-46-15,-8 16-32 16,-30 23-103-16,14 19-165 15,11 6-750-15</inkml:trace>
+  <inkml:trace contextRef="#ctx0" brushRef="#br0" timeOffset="-115642.63">21540 1309 1901 0,'0'0'461'0,"0"0"-357"16,0 0-84-16,-125 20 2 16,92 10-8-16,8 9-14 15,10 4 0-15,11 2-25 16,4-5 1-16,4-8-2 15,23-8 7-15,9-14 19 16,8-10 84-16,5-4 60 16,5-30-12-16,-6-10-50 15,-3-10-7-15,-11-3-12 0,-10-1-29 16,-15 5-3 0,-9 3-6-16,-2 7-25 0,-29 11-14 15,-14 15-46-15,-8 16-32 16,-30 23-103-16,14 19-165 15,11 6-750-15</inkml:trace>
   <inkml:trace contextRef="#ctx0" brushRef="#br0" timeOffset="-115112.54">21523 2039 2248 0,'0'0'272'0,"0"0"-212"16,0 0 72-16,0 0-15 16,0 0-36-16,149-140-53 15,-89 75-13-15,1-5-6 16,-1-6-9-16,-5 1-1 15,-4 1 0-15,-7 11-49 16,-9 8 14-16,-16 17 9 16,-7 14 17-16,-10 14-31 0,-2 10-39 15,0 6 8-15,-10 27 72 16,0 9 17-16,1 10-4 16,7-1-12-16,2-2-1 15,0-10 11-15,9-8-2 16,3-13-9-16,7-14 1 15,1-4 40-15,6-16 26 16,8-22-8-16,2-13-33 16,-3-6-14-16,-4-2-11 15,-7 5-1-15,-6 13 1 16,-5 8-1-16,-7 13 43 16,-4 11 30-16,0 9-22 15,0 0-51-15,0 25-49 0,5 13 49 16,2 12 1-16,6 4-1 15,1-1-1-15,3-11-90 16,14-14-31-16,-2-14-40 16,-4-12-443-16</inkml:trace>
   <inkml:trace contextRef="#ctx0" brushRef="#br0" timeOffset="-114640.85">22572 1301 1727 0,'0'0'747'0,"0"0"-622"16,0 0-12-16,0 0-41 16,0 0-72-16,0 0 2 15,0 0-2-15,29 93 18 16,-16-51-18-16,1-4-8 0,-1-13-16 16,-4-5-4-16,2-15-19 15,0-5 47-15,3-3 9 16,1-24 47-16,6-11-19 15,-4-6-21-15,3-1-6 16,-5 5-2-16,-5 12 5 16,-4 11 17-16,-3 8 26 15,-3 9-44-15,0 0-12 16,0 16-11-16,0 14 11 16,0 6 10-16,8 3-10 15,4-7 0-15,-1-9-1 16,0-6-20-16,0-13 21 15,2-4 33-15,8-3-2 16,3-20 19-16,5-9-15 0,0-7-21 16,-3 2-8-16,-5 3 5 15,-7 14-11-15,-8 9 0 16,-4 7-15-16,-2 4-20 16,0 6-3-16,0 20 38 15,7 13 10-15,6 6-10 16,9 2-9-16,21-3-71 15,-5-12-128-15,-3-14-421 0</inkml:trace>
   <inkml:trace contextRef="#ctx0" brushRef="#br0" timeOffset="-113390.36">18992 2342 2244 0,'0'0'284'16,"0"0"-174"-16,0 0-25 0,0 0 16 16,0 0-40-1,0 0-61-15,0 0-16 0,-2-13-29 16,2 34 9-16,6 3 36 15,3 6 23-15,-1 0-12 16,0-4 3-16,1-4-6 16,-1-6-8-16,-1-7-19 15,0-6 19-15,0-3 0 16,-1 0 34-16,3 0-2 16,7-3-16-16,3-14 3 15,6-7 4-15,4-4-15 16,2-6-8-16,-2 0-17 15,0 2-2-15,-4 4-6 16,-7 6 13-16,-7 10 12 16,-7 6 0-16,-4 6-20 15,0 0-45-15,2 22-29 0,5 13 85 16,7 12 9-16,3 9 22 16,10 2-12-16,4-4-10 15,5-5 0-15,-3-13-1 16,-4-11-8-16,-7-10 3 15,-5-13 6-15,-5-2 67 16,1-20 61-16,1-19-52 16,1-14-38-16,-1-10-13 15,-3-4 0-15,-1 6-5 16,-6 5 8-16,0 12 1 16,1 11-16-16,-5 16-5 15,2 7-8-15,-2 10-8 16,2 0-94-16,12 32-176 0,-3 6-10 15,2 0-505-15</inkml:trace>
-  <inkml:trace contextRef="#ctx0" brushRef="#br0" timeOffset="-113010.87">20070 2300 1849 0,'0'0'251'0,"0"0"-228"16,0 0 30-1,0 0-8-15,134 20-11 0,-99-7-30 16,-4 0-4 0,-6-1-17-16,-10-1-54 0,-10-3-34 15,-5 7-137-15,-14 3 37 16,-19 2-197-16,-15 2-28 15,-6 0 430-15,-4 2 320 16,4-3 230-16,10-6-150 16,13-5-125-16,13-2-92 15,13-6-97-15,5-2-58 16,2 0-15-16,21 0-13 16,13 0 95-16,8-6 2 15,9-1-67-15,3-4 1 16,-2 4-31-16,11-2-71 0,-15 2-196 15,-9 1-1019-15</inkml:trace>
+  <inkml:trace contextRef="#ctx0" brushRef="#br0" timeOffset="-113010.88">20070 2300 1849 0,'0'0'251'0,"0"0"-228"16,0 0 30-1,0 0-8-15,134 20-11 0,-99-7-30 16,-4 0-4 0,-6-1-17-16,-10-1-54 0,-10-3-34 15,-5 7-137-15,-14 3 37 16,-19 2-197-16,-15 2-28 15,-6 0 430-15,-4 2 320 16,4-3 230-16,10-6-150 16,13-5-125-16,13-2-92 15,13-6-97-15,5-2-58 16,2 0-15-16,21 0-13 16,13 0 95-16,8-6 2 15,9-1-67-15,3-4 1 16,-2 4-31-16,11-2-71 0,-15 2-196 15,-9 1-1019-15</inkml:trace>
   <inkml:trace contextRef="#ctx0" brushRef="#br0" timeOffset="-112600.59">21014 2195 2312 0,'0'0'278'0,"0"0"-122"16,0 0 35-16,0 0-69 16,0 0-120-16,0 0-2 0,0 0-146 15,-17 67 130-15,1-10-36 16,3-2-40-16,1-3 19 16,6-14 24-16,1-14 35 15,5-11 3-15,0-13 11 16,0-9 39-16,5-26 32 15,13-16-51-15,-1-13 0 16,6-7-12-16,-5-1 7 16,-3 8 10-16,-1 8 15 15,-7 16 28-15,-3 14 22 16,-2 15-40-16,0 11-50 16,-2 7-19-16,2 29-124 15,3 20 97-15,2 20 12 16,4 9-63-16,0 3-26 15,3-8-41-15,-4-14 52 0,1-16 24 16,-3-14 21 0,-8-14 65-16,-5-7-95 0,-13-10-336 0</inkml:trace>
   <inkml:trace contextRef="#ctx0" brushRef="#br0" timeOffset="-112447.77">20810 2663 1942 0,'0'0'439'0,"0"0"-397"15,0 0-26-15,0 0 94 16,127-28 25-16,-56 10-77 16,14-3-37-16,0 6-21 15,-8 0-16-15,-1 6-107 16,-23 3-221-16,-16 1-837 0</inkml:trace>
   <inkml:trace contextRef="#ctx0" brushRef="#br0" timeOffset="-111935.35">21344 2573 1285 0,'0'0'1223'16,"0"0"-1108"-16,0 0-115 15,0 0-26-15,0 0 26 16,0 0 0-16,0 0-9 16,50 66-14-16,-35-59 0 0,1-7 23 15,1 0 10 1,4-9 73-16,1-21 6 0,2-11-12 15,1-6-41 1,1-6-31-16,-1 1 5 16,-2 4 5-16,-6 8-3 15,-5 10 1-15,-6 13 6 0,-4 14-19 16,-2 3-54-16,0 16-51 16,0 21 82-16,0 11 23 15,0 5 14-15,0-5-14 16,11-10-2-16,3-13 1 15,-1-9 1-15,3-13 21 16,1-3 56-16,6-2 1 16,4-24 6-16,4-10-39 15,-2-6-32-15,0-4-1 0,-5 4-12 16,-8 8 0 0,-5 9 14-16,-7 14-10 0,-1 4-4 15,-3 7-7-15,2 0-11 16,0 9-20-16,5 13 34 15,6 4 4-15,5 2 11 16,5 0-11-16,-4-9 13 16,-1-6 21-16,-1-5-28 15,0-8-1-15,-2 0-5 16,7-12-6-16,-4-8-137 16,-5 0-740-16</inkml:trace>
@@ -619,7 +618,7 @@
   <inkml:trace contextRef="#ctx0" brushRef="#br0" timeOffset="-31914.42">2634 12226 1519 0,'0'0'222'0,"0"0"-173"15,0 0 62-15,0 0 85 16,0 0-21-16,0 0-108 15,0 0 157-15,86-14-55 16,-55-48-54-16,-2-10-37 16,-2-9-31-16,-7-7-12 15,-3 0 4-15,-7 4 6 16,-4 15-12-16,-3 19 6 16,-3 19-15-16,0 16-15 15,0 13-9-15,0 2-38 16,0 38 34-16,2 14 3 15,6 22 1-15,8 11 6 16,2-5 4-16,2 0-9 16,3-13-1-16,-2-16 0 15,0-12-9-15,-3-13-12 0,3-12-38 16,2-14-19-16,10-10-54 16,-4-19-97-16,-4-5-855 0</inkml:trace>
   <inkml:trace contextRef="#ctx0" brushRef="#br0" timeOffset="-31737.73">3555 11805 2622 0,'0'0'272'15,"0"0"-237"-15,0 0-34 0,0 0 9 16,0 0-10-16,0 0 0 15,118-7-119-15,-77 10-111 16,-8 11-154-16,-9-1-532 0</inkml:trace>
   <inkml:trace contextRef="#ctx0" brushRef="#br0" timeOffset="-31595.57">3555 12108 2306 0,'0'0'348'0,"0"0"-348"16,0 0 1-16,0 0 19 16,116-21 33-16,-35-1-53 0,-15 4-240 15,-10 0-1336-15</inkml:trace>
-  <inkml:trace contextRef="#ctx0" brushRef="#br0" timeOffset="-31021.46">4444 11596 1700 0,'0'0'797'15,"0"0"-646"-15,0 0-85 16,0 0 51-16,0 0-43 16,0 0-40-16,110-102-4 15,-77 94-20-15,0 8-9 16,3 0 1-16,-5 14-2 15,-2 16-9-15,-6 12-2 16,-10 10-4-16,-13 11 14 16,0 7 0-16,-22 1-13 15,-23 6 14-15,-11-7-10 0,-8-8 9 16,-1-8 1 0,5-13 20-16,11-14 5 0,13-8-16 15,17-11 2-15,9-8 1 16,10 0-12-16,0-6 0 15,16-16 0-15,15-4 6 16,5 2 5-16,3 3 13 16,4 9 2-16,-1 10 7 15,4 2 2-15,-5 9-17 16,1 15-10-16,-1 6-7 16,-5 2-1-16,-5 0-14 15,-4-4-58-15,-3-9-91 16,-4-6-132-16,-6-13-826 0</inkml:trace>
+  <inkml:trace contextRef="#ctx0" brushRef="#br0" timeOffset="-31021.47">4444 11596 1700 0,'0'0'797'15,"0"0"-646"-15,0 0-85 16,0 0 51-16,0 0-43 16,0 0-40-16,110-102-4 15,-77 94-20-15,0 8-9 16,3 0 1-16,-5 14-2 15,-2 16-9-15,-6 12-2 16,-10 10-4-16,-13 11 14 16,0 7 0-16,-22 1-13 15,-23 6 14-15,-11-7-10 0,-8-8 9 16,-1-8 1 0,5-13 20-16,11-14 5 0,13-8-16 15,17-11 2-15,9-8 1 16,10 0-12-16,0-6 0 15,16-16 0-15,15-4 6 16,5 2 5-16,3 3 13 16,4 9 2-16,-1 10 7 15,4 2 2-15,-5 9-17 16,1 15-10-16,-1 6-7 16,-5 2-1-16,-5 0-14 15,-4-4-58-15,-3-9-91 16,-4-6-132-16,-6-13-826 0</inkml:trace>
   <inkml:trace contextRef="#ctx0" brushRef="#br0" timeOffset="-30864.79">5038 11943 2554 0,'0'0'491'16,"0"0"-402"-16,0 0-63 15,0 0-15-15,0 0-11 16,0 0-20-16,0 0-88 15,6 63-196-15,-6-44-1557 0</inkml:trace>
   <inkml:trace contextRef="#ctx0" brushRef="#br0" timeOffset="-30506.72">5592 11518 2129 0,'0'0'631'0,"0"0"-493"15,0 0-63-15,0 0-37 16,0 0-15-16,0 0-18 16,-45 110 6-16,23-44-2 15,2 9-8-15,6 5-1 0,10-7-1 16,4-4 1-1,0-13 4-15,9-12 1 0,15-16-5 16,10-11-10 0,4-16 10-16,6-1 25 15,1-18 6-15,-7-14-1 16,-11-8-6-16,-12-1-3 0,-15 1 0 16,0 13 31-16,-27 7-21 15,-15 16-31-15,-9 4-11 16,-3 20-41-16,3 36-61 15,14-1-109-15,16-8-544 0</inkml:trace>
   <inkml:trace contextRef="#ctx0" brushRef="#br0" timeOffset="-29926.93">6405 11594 1146 0,'0'0'694'16,"0"0"-468"-16,0 0-5 15,0 0-12-15,-116-38-55 16,112 36-41-16,4-1-82 16,0 2-11-16,0 1-6 15,0 0-5-15,0 0-2 16,0 0-6-16,-5 0 61 15,3 0-1-15,2 0-7 16,0 0-3-16,0 0-36 16,0 0-8-16,0 0-6 0,0 0 0 15,0 4-1-15,-2 10 0 16,-4 11 0-16,-4 2 1 16,-3 7 3-16,-3 1-3 15,-1-2-1-15,-1-4 1 16,2-4 6-16,5-3-7 15,4-4 1-15,5-3-1 16,2-5-9-16,0-2-4 16,9 0 0-16,9-4 6 15,7-1 7-15,6-3 0 16,4 0 10-16,3 0-9 16,4 0-1-16,1 0 6 15,-3 11-6-15,-3 11 0 0,-3 10 2 16,-5 4 3-16,-9 7-4 15,-9 1-1-15,-11-3 1 16,0-1 0-16,-17-4 6 16,-19-3-6-16,-11-9 19 15,-7-9 6-15,-6-9-7 16,-2-6-19-16,-1-13-61 16,-10-52-142-16,17 5-297 15,10-3-1655-15</inkml:trace>
@@ -635,14 +634,14 @@
   <inkml:trace contextRef="#ctx0" brushRef="#br0" timeOffset="-25175.79">11450 11803 1144 0,'0'0'1300'0,"0"0"-1105"15,0 0-133-15,0 0 59 16,0 0-16-16,118-14-45 16,-67 6-19-16,2-1-10 0,3 4-17 15,-5-1-14-15,-4 3 0 16,-11 2-11-16,-7 1-72 16,-13 0-160-16,-12 0-1175 0</inkml:trace>
   <inkml:trace contextRef="#ctx0" brushRef="#br0" timeOffset="-24409.47">12292 11783 1048 0,'0'0'1031'16,"0"0"-718"-16,0 0-58 15,0 0-27-15,0 0-66 16,24-102-75-16,-32 93-48 16,-13 9-39-16,-6 0-2 15,-6 11-16-15,-5 18 14 16,3 16-2-16,6 7 6 16,9 8-1-16,9-3 1 15,11-8-18-15,0-9 13 16,19-16 0-16,15-11 4 15,11-13 1-15,11-5 9 16,6-27-4-16,5-14-5 16,-3-9-8-16,-4-6-25 0,-13 2 26 15,-9 12 7-15,-16 12 12 16,-10 16 2-16,-8 15-14 16,-4 4 7-16,0 22-7 15,-7 24-7-15,-9 19 3 16,3 12 0-16,4 0-21 15,2-6-20-15,7-15 16 16,0-19 19-16,0-18 5 16,10-16 4-16,11-3 1 15,8-30 12-15,9-19-1 16,5-11-11-16,-1-5-6 16,-2 0 6-16,-2 11 22 15,-4 13 3-15,-9 19-25 16,-8 18-20-16,-9 4 11 0,-2 35 9 15,-4 13 1-15,0 11 0 16,0-1 15-16,2-5-16 16,3-10 0-16,5-18 0 15,1-15 0-15,7-10 0 16,6-12 26-16,13-27 15 16,5-18-19-16,3-9-13 15,1-4-9-15,0 2 11 16,-6 11 5-16,-9 17 17 15,-10 18-33-15,-11 18 4 16,-9 7-9-16,-3 34 10 16,0 24 10-16,0 15 13 15,0 8-16-15,0-4-5 16,3-7 4-16,10-19-11 0,3-18 0 16,1-18-5-16,10-28-21 15,-7-24-82-15,-2-12-873 16</inkml:trace>
   <inkml:trace contextRef="#ctx0" brushRef="#br0" timeOffset="38452.44">25007 6653 1460 0,'0'0'362'16,"0"0"-234"-16,0 0-24 15,0 0 79-15,0 0-62 0,0 0-36 16,0-22-18-1,0 20 13-15,0 2-13 0,0 0-18 16,0 0 1 0,0 0 4-16,0 0-14 0,0 0-22 15,0 0 0-15,0 0-18 16,0 0-12-16,-2 7-10 16,-2 14 1-16,0 13 21 15,-2 10 23-15,0 5-10 16,-1 1-10-16,3-4-3 15,0-9 0-15,2-4 2 16,2-9-2-16,0-10 0 16,0-5-40-16,12-9-11 15,13 0 45-15,11-3 6 16,3-9 17-16,4 0-6 0,2 8-9 16,-2 4-2-16,-2 1-16 15,-1 24-7-15,-4 9 9 16,-7 6-18-16,-7 3 17 15,-8 2 5-15,-14 0 10 16,0-6 1-16,-27 0 9 16,-16-9 11-16,-9-5 18 15,-6-6 25-15,2-7-7 16,4-6-27 0,12-6-12-16,7 0-18 0,2-22-48 15,8-4-163-15,5-7-185 0</inkml:trace>
-  <inkml:trace contextRef="#ctx0" brushRef="#br0" timeOffset="38810.62">24947 6784 1938 0,'0'0'534'16,"0"0"-383"-16,0 0-82 16,123-91 38-16,-57 64-51 15,42 6-56-15,-15 7-87 16,-9 8-318-16</inkml:trace>
-  <inkml:trace contextRef="#ctx0" brushRef="#br0" timeOffset="39077.62">25575 7175 1948 0,'0'0'511'16,"0"0"-375"-16,0 0-129 15,0 0 95-15,0 0-37 16,0 0-18-16,0 0-1 16,5-11-5-16,-5 10-4 15,0-3-1-15,0-2-10 16,0 0-15-16,0 0-3 15,0 3-8-15,0 1-10 16,0 2-16-16,0 0-24 0,0 0 4 16,0 0 0-16,0 0-2 15,0 6 41-15,0-4 7 16,0 1 12-16,0-1 18 16,0-2 13-16,0 0 24 15,0 0-24-15,0 0-38 16,0-5-5-16,0-7-15 15,0 0 15-15,0 1 0 16,0 5 0-16,0 3 9 16,0 3-9-16,0 0-69 15,0 10-39-15,0 8-37 16,0 3 45-16,0 2-121 16,9-7-187-16,0-7-590 0</inkml:trace>
+  <inkml:trace contextRef="#ctx0" brushRef="#br0" timeOffset="38810.61">24947 6784 1938 0,'0'0'534'16,"0"0"-383"-16,0 0-82 16,123-91 38-16,-57 64-51 15,42 6-56-15,-15 7-87 16,-9 8-318-16</inkml:trace>
+  <inkml:trace contextRef="#ctx0" brushRef="#br0" timeOffset="39077.61">25575 7175 1948 0,'0'0'511'16,"0"0"-375"-16,0 0-129 15,0 0 95-15,0 0-37 16,0 0-18-16,0 0-1 16,5-11-5-16,-5 10-4 15,0-3-1-15,0-2-10 16,0 0-15-16,0 0-3 15,0 3-8-15,0 1-10 16,0 2-16-16,0 0-24 0,0 0 4 16,0 0 0-16,0 0-2 15,0 6 41-15,0-4 7 16,0 1 12-16,0-1 18 16,0-2 13-16,0 0 24 15,0 0-24-15,0 0-38 16,0-5-5-16,0-7-15 15,0 0 15-15,0 1 0 16,0 5 0-16,0 3 9 16,0 3-9-16,0 0-69 15,0 10-39-15,0 8-37 16,0 3 45-16,0 2-121 16,9-7-187-16,0-7-590 0</inkml:trace>
   <inkml:trace contextRef="#ctx0" brushRef="#br0" timeOffset="39557.54">25859 6803 1710 0,'0'0'460'16,"0"0"-349"-16,0 0-84 0,0 0 13 16,0 0-6-1,0 0-10-15,0 0-4 0,113-46-4 16,-82 46-16-16,-4 0-16 16,-5 12-7-16,-7 11-13 15,-5 7-2-15,-10 4 38 16,0 4 16-16,-22 0 31 15,-7-3 10-15,-3-5 46 16,5-9 20-16,10-7-35 16,8-8-21-16,9-6-61 15,0 0-6-15,9 0-39 16,20-8 39-16,9-2 31 16,8 1-5-16,4 9-16 15,-4 0-10-15,-1 7-6 0,-10 17-34 16,-6 6 30-1,-10 8-24-15,-17 1 30 0,-2 0 4 16,-16-5 21-16,-18-3 20 16,-3-9 27-16,3-6-9 15,10-10-28-15,6-4-31 16,15-6-3-16,3-16-264 16,0-2-940-16</inkml:trace>
   <inkml:trace contextRef="#ctx0" brushRef="#br0" timeOffset="46236.85">26971 7235 84 0,'0'0'296'0,"0"0"103"15,0 0-164-15,0 0-32 16,0 0-1-16,0 0-5 16,-19 7-58-16,19-7-63 15,0 0-33-15,0 0 8 16,0 0 10-16,0 0 42 15,0 0-3-15,0 0-17 16,0 0-29-16,0 0-23 0,0 0-31 16,0 0-11-16,7 0-12 15,7 2 23-15,5 5 19 16,6-1-19-16,4 0 9 16,4-2-7-16,3 0-2 15,2-4 0-15,0 0-11 16,-3 0 11-16,-3 0 30 15,-3-2-21-15,-7-10 14 16,-7-3 12-16,-1 2 4 16,-5-7 36-16,-1-1 23 15,-1-4-52-15,-2-6-16 16,-3-1-5-16,-2-7-19 16,0 2-1-16,0-3-5 15,-11 0 9-15,-2 5-15 0,2-1 6 16,-1 10-2-16,8 4-6 15,2 7 8-15,2 1-6 16,0 2-3-16,15 0-3 16,19-3 10-16,10 1 4 15,12-4 4-15,6 2-5 16,5 0 7-16,0 4 11 16,-5 3-14-16,-8 6-5 15,-8 3 0-15,-9 0-21 16,-11 15-16-16,-8 8-9 15,-7 9 16-15,-9 8 30 16,-2 4 17-16,0 5-17 16,-5 1 17-16,-5-5 2 0,-3-1-3 15,3-1-1-15,4-5-8 16,1-3-2-16,5-5 7 16,0-6-4-16,0-2-1 15,5-7-6-15,8 0 4 16,3-4 18-16,2-2-9 15,3-4 11-15,11-2 3 16,3-3 8-16,10 0-13 16,5 0 10-16,0-10-7 15,-5 0-5-15,-9 0-7 16,-9 6 0-16,-12-1-14 0,-9 5-8 16,-6 0-26-1,0 0-47-15,0 0-21 0,0 9-17 16,0 2 28-1,0 2-66-15,0-3-269 0</inkml:trace>
   <inkml:trace contextRef="#ctx0" brushRef="#br0" timeOffset="48638.25">24943 7782 1003 0,'0'0'475'0,"0"0"-341"16,0 0-83-16,0 0 41 0,0 0-20 15,0 0-52 1,0 0 18-16,0 15 53 0,0-2-23 15,0 7-25-15,0 4-14 16,-2 3-5-16,-5 0-11 16,-2 3 1-16,2 0-2 15,-2-1-11-15,1-2 10 16,3-4-8-16,2-5-3 16,3-7 0-16,0-2-33 15,3-6-39-15,13-3 67 16,4 0 5-16,6 0 72 15,1 0-45-15,2 0 14 0,2 0-11 16,-2 0 9 0,2 9-31-16,-4 9-7 0,-2 6 8 15,-6 5-9-15,-3 2 0 16,-7 1-13-16,-7 3 9 16,-2-1 4-16,-6-2 29 15,-23-2-12-15,-7-4 2 16,-6-4-18-16,-7-4 29 15,-1-6-30-15,-9-12-4 16,7 0-187-16,13-2-368 0</inkml:trace>
   <inkml:trace contextRef="#ctx0" brushRef="#br0" timeOffset="48793.91">24854 8035 1925 0,'0'0'490'0,"0"0"-335"15,0 0-52-15,0 0 20 16,0 0-70-16,0 0-35 16,0 0-18-16,151-92-47 15,-99 87-133-15,-4 5-304 0</inkml:trace>
   <inkml:trace contextRef="#ctx0" brushRef="#br0" timeOffset="49325.44">25342 8082 1649 0,'0'0'381'0,"0"0"-292"0,0 0 40 16,0 0-20-16,0 0-36 15,0 0-23-15,0 0-18 16,118-85-7-16,-89 74 0 16,0 4 8-16,-7 5-20 15,-2 2-13-15,-7 0-18 16,-6 5-24-16,-4 18 23 16,-3 7 8-16,0 4 11 15,-21 2 30-15,-6-5-7 16,3-2-1-16,2-11-21 0,6-6 32 15,9-8-10-15,7-4-21 16,0 0-2-16,3 0-55 16,17 0 55-16,4 0 33 15,7 0-11-15,0 0-7 16,6 0-14-16,-6 10-1 16,0 6-1-16,-7 2 0 15,-2 2-5-15,-8 0-3 16,-5 3-3-16,-9-4 12 15,0-1 3-15,-7 2 12 16,-20-3 7-16,-6-3-3 16,-8-4 3-16,1-4-2 15,3-4-20-15,6-2 17 16,8 0-17-16,12-11-130 16,11-10-133-16,7 3-153 0,15-1-202 15</inkml:trace>
-  <inkml:trace contextRef="#ctx0" brushRef="#br0" timeOffset="49614.69">25932 8136 933 0,'0'0'303'15,"0"0"-142"-15,0 0 59 16,0 0 137-16,0 0-83 16,0 0-167-16,0 0-107 15,27-17 0-15,-38 53 31 16,1 10 0-16,6 9-10 0,2-1-10 15,2-4-11-15,0-11-11 16,11-12-23-16,5-11 34 16,4-14 31-16,2-2 103 15,3-16-21-15,-1-22-12 16,-3-12-11-16,-8-12-23 16,-11-3-28-16,-2-1-10 15,-9 5-6-15,-13 11-8 16,-5 11-15-16,-5 21-25 15,6 10-89-15,8 8-364 0</inkml:trace>
+  <inkml:trace contextRef="#ctx0" brushRef="#br0" timeOffset="49614.68">25932 8136 933 0,'0'0'303'15,"0"0"-142"-15,0 0 59 16,0 0 137-16,0 0-83 16,0 0-167-16,0 0-107 15,27-17 0-15,-38 53 31 16,1 10 0-16,6 9-10 0,2-1-10 15,2-4-11-15,0-11-11 16,11-12-23-16,5-11 34 16,4-14 31-16,2-2 103 15,3-16-21-15,-1-22-12 16,-3-12-11-16,-8-12-23 16,-11-3-28-16,-2-1-10 15,-9 5-6-15,-13 11-8 16,-5 11-15-16,-5 21-25 15,6 10-89-15,8 8-364 0</inkml:trace>
   <inkml:trace contextRef="#ctx0" brushRef="#br0" timeOffset="50312.6">26776 8285 1190 0,'0'0'219'0,"0"0"-7"16,0 0 156-16,0 0-99 0,0 0-78 15,0 0-52-15,0 0-53 16,34-2-36-16,-25 2-26 16,4 0-1-16,9 0-22 15,12 0 13-15,8 0-6 16,7 0 7-16,9 0-8 16,0 2-1-16,0-2 7 15,-5 0-12-15,-6-3 6 16,-7-13-7-16,-9-8-31 15,-10-9-12-15,-8-7-36 16,-13-4-34-16,0-5-45 16,-9 2 125-16,-16-1 33 15,1 5 131-15,4 9 27 16,8 8-52-16,8 8-63 16,4 5-16-16,2 4-27 15,23 5-2-15,10 4 2 0,8 0 7 16,2 0-2-16,-4 15-5 15,0 8-8-15,-10 5-7 16,-11 8-6-16,-8 5 2 16,-10 1-1-16,-2 2 20 15,-5-2 9-15,-11-6 14 16,3-8 24-16,2-6 8 16,6-8-10-16,5-6-24 15,0-3-21-15,0-4-11 16,5-1 10-16,11 3 1 15,8-3 10-15,12 0 18 0,10 0 1 16,14 0-13 0,12-6 1-16,6-5 7 15,2 3-19-15,-6 0-5 16,-12 2-11-16,-13 4-105 0,-15 2-168 16,-21 0-1147-16</inkml:trace>
   <inkml:trace contextRef="#ctx0" brushRef="#br0" timeOffset="79739.17">16612 9393 1533 0,'0'0'358'0,"0"0"-189"16,-9-35-107-16,7 23-29 16,2 3 37-16,0 0-28 15,0 1-4-15,0 2 16 16,0 2-1-16,0 1-21 16,0 2-4-16,0 1-21 0,0 0 0 15,0 0-7 1,0 0-62-16,0 0-7 0,0 0-23 15,0 0 54-15,0 0 26 16,0 0 12-16,0 0-13 16,0 0 22-16,0 0-9 15,0 0 0-15,0 0 0 16,0-2 1-16,0-1 30 16,0 2 18-16,0-3 12 15,0 2-1-15,0 1-27 16,0-2 11-16,0 3-9 15,0 0-3-15,2 0-5 16,-2 0-27-16,0 0-17 16,0 0 11-16,0 3-5 0,0 16 11 15,0 13 9-15,0 12 5 16,0 14 3-16,0 11-8 16,11 11 2-16,3 7 3 15,1 6-2-15,1 0-3 16,-1-2-3-16,-1-6 25 15,-6-9-3-15,-1-12-2 16,-5-11 11-16,-2-14-11 16,0-8 15-16,0-13-6 15,0-6-1-15,0-6-5 16,0-4-5-16,0-2-6 16,0 0-9-16,0-2 1 15,-9-17-10-15,-6-14-104 16,-5-7-61-16,-18-36-39 15,5 7-87-15,6 6-604 0</inkml:trace>
   <inkml:trace contextRef="#ctx0" brushRef="#br0" timeOffset="80140.57">16561 9565 490 0,'0'0'1355'0,"0"0"-959"16,0 0-152-16,48-137-34 15,-29 103-57-15,-6 8-62 16,3 4-31-16,-3 8-39 15,5 2-14-15,1 6-4 16,8 4-3-16,2 2-12 16,2 8-5-16,3 21-16 0,-5 7 25 15,-7 11 3-15,-6 6-7 16,-13 6-12 0,-3 4-7-16,-21 1 29 0,-21-2-4 15,-9-3 6-15,-5-8 6 16,4-8 9-16,8-13 10 15,15-8 8-15,9-9-12 16,13-7-9-16,5-4-12 16,2 1-4-16,0-3-14 15,14 4 18-15,10 2 6 16,9 4 48-16,8 4-16 16,1 2-20-16,3 6 7 0,-3 0-25 15,-5 0 0 1,-1 1 9-16,-7 0-9 0,-2-1-11 15,0-1-28-15,12-1-60 16,-7-4-120 0,-1-7-218-16</inkml:trace>
@@ -693,14 +692,14 @@
   <inkml:trace contextRef="#ctx0" brushRef="#br0" timeOffset="113478.59">26605 10703 1431 0,'0'0'344'0,"0"0"-217"16,0 0-7-16,0 0-10 0,0 0-21 15,0 0-33-15,0 0 7 16,9 0-2-16,-3 0 10 16,2 4-31-16,2 1-9 15,3-1 2-15,8 2 18 16,8 0 4-16,6 0-27 16,12 0-15-16,12 0-5 15,7-1 6-15,12-3-13 16,27 1-1-16,28-3 13 15,27 0-2-15,6 0-11 16,-10 0 11-16,-16 0-9 16,-18-5 5-16,-3 4-7 0,-17-3 8 15,-17 4-13 1,-17 0 5-16,-1 0-1 0,14 0 1 16,12 0 9-16,15 0-9 15,-2-2 1-15,2-2 0 16,2 0 18-16,15-4 4 15,22-2-6-15,16-2 2 16,2 2-2-16,-16 0-6 16,-31 4 1-16,-31 2-12 15,-18 2 7-15,-5-3-1 16,13 4-5-16,10-4 13 16,11 1-7-16,-7 1-7 15,-2-2 1-15,-2 3 1 16,-5-3-2-16,1 1 0 15,0 1 2-15,-2 2 7 0,0-2-8 16,2 3-1-16,-4 0 4 16,4 0-4-16,0 0 0 15,-1 0 0-15,-2 3 2 16,-2 1 3-16,-6-4-5 16,-3 0 0-16,-5 0-1 15,-4 0 1-15,-4 0 0 16,-2-4 0-16,-4 0 0 15,-4 0 0-15,-4 0-7 16,-9 2 7-16,-6 2 8 16,-7-3-8-16,-7 3 0 0,-6 0 6 15,-5 0-6 1,-2 0-15-16,0 0 0 16,0 0-17-16,0 0 0 15,-7 0 20-15,-13 10 2 0,-11 5-26 16,-42 9-153-16,6-2-150 15,-4-5-678-15</inkml:trace>
   <inkml:trace contextRef="#ctx0" brushRef="#br0" timeOffset="117005.77">28376 11187 512 0,'0'0'791'0,"0"0"-471"0,0 0-161 15,0 0 60-15,0 0-109 16,0 0-77-16,0 0 2 15,0-2-8-15,0 2-5 16,2 0-9-16,-2 0-13 16,0 0 3-16,0 0 5 15,0 0-8-15,0 0-3 16,0 0-46-16,0 0-64 16,0 0-41-16,0 0 14 15,0 0-49-15,0 2-43 16,0 2-33-16,0-2 113 15,0-2 132-15,0 0 20 0,0 0 83 16,0 0 137-16,3 0-8 16,-3 0-18-16,0 0-79 15,2 0-70-15,-2 0-45 16,0 0-16-16,0 0-8 16,0 0 12-16,0 0 12 15,0 0 56-15,0 0 47 16,0 0-35-16,0 0-53 15,0 0-15-15,0 0-208 16,0 0-293-16,0 0-659 0</inkml:trace>
   <inkml:trace contextRef="#ctx0" brushRef="#br0" timeOffset="117751.26">28561 11034 910 0,'0'0'775'16,"0"0"-422"-16,0 0-98 15,0 0-30-15,0 0-92 16,0 0-78-16,0 0-27 15,0-9 17-15,0 9-17 16,-2 0-28-16,-1 0-33 0,-1 14 10 16,-5 12 23-1,-2 12 18-15,2 12-1 16,-2 4-5-16,5 4-7 0,-2-5 4 16,4-7-1-16,0-10-6 15,-1-10 3-15,3-12-4 16,2-8-2-16,0-6-24 15,0-2-157-15,11-19-217 16,3-2-574-16</inkml:trace>
-  <inkml:trace contextRef="#ctx0" brushRef="#br0" timeOffset="118048.91">28704 11015 1930 0,'0'0'454'0,"0"0"-369"0,0 0-76 15,0 0 27-15,0 0 14 16,0 122-23-16,2-68-7 16,2 0-13-16,6-6 2 15,-2-12-9-15,3-12-7 16,1-13 7-16,1-11 4 16,7-5 77-16,6-21 42 15,8-14-33-15,0-8-35 16,-3-10-31-16,-9-3-17 15,-8 4 3-15,-14 3-2 16,0 11-8-16,-14 11 16 16,-15 13-16-16,-9 10-18 15,-20 9-74-15,9 20-193 16,4 5-435-16</inkml:trace>
+  <inkml:trace contextRef="#ctx0" brushRef="#br0" timeOffset="118048.9">28704 11015 1930 0,'0'0'454'0,"0"0"-369"0,0 0-76 15,0 0 27-15,0 0 14 16,0 122-23-16,2-68-7 16,2 0-13-16,6-6 2 15,-2-12-9-15,3-12-7 16,1-13 7-16,1-11 4 16,7-5 77-16,6-21 42 15,8-14-33-15,0-8-35 16,-3-10-31-16,-9-3-17 15,-8 4 3-15,-14 3-2 16,0 11-8-16,-14 11 16 16,-15 13-16-16,-9 10-18 15,-20 9-74-15,9 20-193 16,4 5-435-16</inkml:trace>
   <inkml:trace contextRef="#ctx0" brushRef="#br0" timeOffset="118264.29">28902 10862 2082 0,'0'0'383'0,"0"0"-192"16,0 0-29-16,0 0-121 15,0 0-29-15,0 0-9 0,0 0 25 16,132 0-6-1,-86 0-10-15,6 0-12 0,12 0-38 16,-12 0-144-16,-13 0-250 0</inkml:trace>
-  <inkml:trace contextRef="#ctx0" brushRef="#br0" timeOffset="118471.44">29499 10832 1180 0,'0'0'298'0,"0"0"-241"16,0 0 41-16,0 0-21 15,0 0-77-15,0 0-218 16,0 0-264-1,-10 0-290-15</inkml:trace>
+  <inkml:trace contextRef="#ctx0" brushRef="#br0" timeOffset="118471.43">29499 10832 1180 0,'0'0'298'0,"0"0"-241"16,0 0 41-16,0 0-21 15,0 0-77-15,0 0-218 16,0 0-264-1,-10 0-290-15</inkml:trace>
   <inkml:trace contextRef="#ctx0" brushRef="#br0" timeOffset="118936.26">29499 10832 818 0,'98'12'1088'0,"-98"-13"-888"16,0-2-11-16,0 3 51 15,0 0-127-15,-2 0-93 16,-9 0-19-16,-9 6 9 16,-3 14-9-16,-1 10-1 15,2 6 1-15,4 7 5 16,7-1 0-16,7-8-5 16,4-10-1-16,0-12-24 0,0-10 24 15,10-2 71-15,15-5 33 16,4-14-16-16,2-7-17 15,1-5-32-15,-8-1-10 16,-9 0-9-16,-8 5-18 16,-7 6-2-16,-11 12-72 15,-38 9 9-15,2 19-153 16,2 7-518-16</inkml:trace>
   <inkml:trace contextRef="#ctx0" brushRef="#br0" timeOffset="119782.03">30007 11159 485 0,'0'0'1225'0,"0"0"-1007"0,0 0 49 15,0 0 37-15,0 0-175 16,0 0-50-16,0 0-17 16,2-4-11-16,-2 4-46 15,0 0-5-15,0 0-20 16,0 14 20-16,-2 4 14 16,-5 4-3-16,1 6 0 15,-1-1-7-15,3-4-3 16,-3-4 8-16,2-6 4 15,1-3 9-15,2-6-9 16,2-1-6-16,0-2-6 0,0-1 11 16,0 0-6-1,0 0-6-15,0 0-3 0,0 0 3 16,0 0 0-16,0-4 0 16,4-14 3-16,10-5 13 15,3-10-7-15,4-5 5 16,0-1-14-16,0 6 10 15,-3 5 4-15,-5 8-7 16,-5 8-2-16,-2 7-1 16,-4 5-4-16,-2 0-23 15,2 5-13-15,0 17 30 16,3 8 5-16,1 10 1 16,3 4-14-16,2 0-6 15,0-4-35-15,1-10-8 16,-3-10 36-16,-3-10 14 15,1-10 13-15,-1 0 37 0,6-23 58 16,3-14-30-16,7-7-20 16,5-7-3-16,0-4-17 15,0 5-8-15,-5 8 8 16,-4 12-14-16,-7 14-3 16,-4 10-1-16,-3 6-7 15,1 0-40-15,1 16 5 16,3 10 35-16,-2-1 0 15,0 2-3-15,-1-8-2 16,-4-4 5-16,1-9 8 16,-3-4 6-16,0-2-14 15,-16-12-117-15,-6-6-223 0</inkml:trace>
   <inkml:trace contextRef="#ctx0" brushRef="#br0" timeOffset="120467.78">29776 10668 1014 0,'0'0'747'0,"0"0"-389"0,0 0-66 15,0 0-54-15,0 0-87 16,0 0-87-16,0 0-40 15,-9-5-18-15,-7 5 11 16,-9 9-16-16,-6 15 8 16,-5 10-9-16,-5 10 5 15,0 10-4-15,7 7 0 16,5 3 6-16,12-2 3 16,11-8-10-16,6-8-8 15,0-10-2-15,6-12-5 16,11-8 15-16,4-6 0 0,1-10 13 15,3 0 12-15,1-6 19 16,-1-20-6-16,-3-8-6 16,-1-6-7-16,-11-4-12 15,-7 1 0-15,-3 10-4 16,0 7-9-16,-21 9-4 16,-8 11-24-16,-21 6-54 15,7 17-206-15,1 2-860 0</inkml:trace>
-  <inkml:trace contextRef="#ctx0" brushRef="#br0" timeOffset="141928.52">30607 9112 413 0,'0'0'565'15,"0"0"-282"-15,0 0-115 16,0 0 88-16,4-8-52 15,-4 5-11-15,2 2 18 16,0-2-62-16,0-1-42 0,-2 1-14 16,3-1-53-16,-3-3-20 15,0-1 0-15,0 3 11 16,0-1-31-16,-11-1-6 16,-7 1 6-16,0-2 2 15,-4 2 12-15,-1 2-13 16,2 0 2-16,0 4-3 15,3-1-20-15,1 1-11 16,-1 0 12-16,2 0 11 16,0 0-1-16,1 8 3 15,-1 2 5-15,1 5 0 16,1 2-1-16,-1 5 1 0,1 1-1 16,1 2 2-16,1 0 1 15,4 0 6-15,1-1-7 16,5-2 0-16,2-2-9 15,0-2-7-15,0-2-35 16,15-3 47-16,8 0 4 16,2 1 11-16,4-2 5 15,2 2-15-15,-4 2 17 16,-3 1-17-16,-2 3-1 16,-6 2-16-16,-3 0-2 15,-4 3 18-15,-4 1 0 16,-3-2 0-16,-2-1 10 15,0-4-10-15,0-5 0 0,0 1 11 16,-14-5 6-16,-5 1 6 16,-8-6 2-16,-7-2-3 15,-4 0 2-15,-2-3 9 16,4 0 7-16,5 0 11 16,9-6-4-16,7-12 33 15,5-6-42-15,10-8-29 16,0-6-4-16,5-4-5 15,21-2-7-15,13 1 7 16,11 5 0-16,9 2-2 16,7 2 2-16,6 4 9 15,-7 4 10-15,-5 3-5 16,-18 6-14-16,-15 2-152 0,-21 9-496 16</inkml:trace>
-  <inkml:trace contextRef="#ctx0" brushRef="#br0" timeOffset="146467.36">17436 12300 2404 0,'0'0'363'0,"0"0"-288"15,0 0 6-15,0 0 0 16,0 0-35-16,0 0-30 16,131-82-8-16,-77 73-8 15,4 6-17-15,2 3-15 16,-4 0-48-16,2 12-71 16,-16 6-86-16,-13 2-446 0</inkml:trace>
+  <inkml:trace contextRef="#ctx0" brushRef="#br0" timeOffset="141928.51">30607 9112 413 0,'0'0'565'15,"0"0"-282"-15,0 0-115 16,0 0 88-16,4-8-52 15,-4 5-11-15,2 2 18 16,0-2-62-16,0-1-42 0,-2 1-14 16,3-1-53-16,-3-3-20 15,0-1 0-15,0 3 11 16,0-1-31-16,-11-1-6 16,-7 1 6-16,0-2 2 15,-4 2 12-15,-1 2-13 16,2 0 2-16,0 4-3 15,3-1-20-15,1 1-11 16,-1 0 12-16,2 0 11 16,0 0-1-16,1 8 3 15,-1 2 5-15,1 5 0 16,1 2-1-16,-1 5 1 0,1 1-1 16,1 2 2-16,1 0 1 15,4 0 6-15,1-1-7 16,5-2 0-16,2-2-9 15,0-2-7-15,0-2-35 16,15-3 47-16,8 0 4 16,2 1 11-16,4-2 5 15,2 2-15-15,-4 2 17 16,-3 1-17-16,-2 3-1 16,-6 2-16-16,-3 0-2 15,-4 3 18-15,-4 1 0 16,-3-2 0-16,-2-1 10 15,0-4-10-15,0-5 0 0,0 1 11 16,-14-5 6-16,-5 1 6 16,-8-6 2-16,-7-2-3 15,-4 0 2-15,-2-3 9 16,4 0 7-16,5 0 11 16,9-6-4-16,7-12 33 15,5-6-42-15,10-8-29 16,0-6-4-16,5-4-5 15,21-2-7-15,13 1 7 16,11 5 0-16,9 2-2 16,7 2 2-16,6 4 9 15,-7 4 10-15,-5 3-5 16,-18 6-14-16,-15 2-152 0,-21 9-496 16</inkml:trace>
+  <inkml:trace contextRef="#ctx0" brushRef="#br0" timeOffset="146467.35">17436 12300 2404 0,'0'0'363'0,"0"0"-288"15,0 0 6-15,0 0 0 16,0 0-35-16,0 0-30 16,131-82-8-16,-77 73-8 15,4 6-17-15,2 3-15 16,-4 0-48-16,2 12-71 16,-16 6-86-16,-13 2-446 0</inkml:trace>
   <inkml:trace contextRef="#ctx0" brushRef="#br0" timeOffset="146598.34">17625 12559 1056 0,'0'0'889'0,"0"0"-776"16,148-28-61-16,-68 8-52 15,-7-1-34-15</inkml:trace>
   <inkml:trace contextRef="#ctx0" brushRef="#br0" timeOffset="146973.65">18377 12168 2459 0,'0'0'205'15,"0"0"-172"-15,0 0-8 0,0 0 21 16,115-50 9-16,-74 40-12 16,1-1 19-16,1 3-23 15,1 2-2-15,-2 5-29 16,-4 1-8-16,-4 0-13 16,-7 18-11-16,-10 14-21 15,-11 16 30-15,-6 11-41 16,-13 4-27-16,-26 1-11 15,-15-2 47-15,-8-9 47 16,-1-13 47-16,9-10 52 16,15-12 23-16,14-10-49 15,16-7-29-15,9-1-44 16,11-1-12-16,25-15 12 0,13-2 12 16,7 2-12-1,1 1 22-15,-1 10-22 0,6 5-87 16,-15 0-116-16,-11 4-208 15</inkml:trace>
   <inkml:trace contextRef="#ctx0" brushRef="#br0" timeOffset="147287.13">19201 12203 2200 0,'0'0'407'16,"0"0"-325"-16,0 0-43 15,0 0-21-15,-98 163-10 0,96-98-2 16,2-2-6-16,6-9 0 16,21-13-9-16,4-19-31 15,12-19 40-15,5-3 78 16,8-36-5-16,7-14-17 16,-3-12-23-16,-9-4-20 15,-13 0 10-15,-15 6 1 16,-19 12 6-16,-4 13 6 15,-23 17-29-15,-16 18 23 16,-13 0-30-16,-6 33-26 16,5 13-72-16,8 32-97 15,16-12-84-15,18-9-498 0</inkml:trace>
@@ -710,7 +709,7 @@
   <inkml:trace contextRef="#ctx0" brushRef="#br0" timeOffset="148360.29">20638 12374 2225 0,'0'0'401'16,"0"0"-336"-16,0 0-1 15,0 0 20-15,0 0-28 16,125-24-56-16,-94 24-16 16,-2 0-54-16,-7 16-54 15,-6 7-6-15,-11 9 89 16,-5 5 41-16,-3 8 14 15,-23 5-6-15,-11 2 9 16,-5-2 8-16,-2-4 13 16,6-10 30-16,6-9 29 15,15-10-36-15,8-11 23 0,9-6-17 16,0 0-67-16,11 0 0 16,16-12 53-16,9-2-4 15,6 2-31-15,5 4-8 16,1 4-10-16,20 4-48 15,-13 0-107-15,-8 4-358 0</inkml:trace>
   <inkml:trace contextRef="#ctx0" brushRef="#br0" timeOffset="148535.44">21298 12489 1728 0,'0'0'1195'0,"0"0"-1058"15,0 0-137-15,0 0 0 16,0 0-3-16,0 0-169 16,0 0-140-16,19 45-1127 0</inkml:trace>
   <inkml:trace contextRef="#ctx0" brushRef="#br0" timeOffset="148907.09">21579 12184 1867 0,'0'0'435'0,"0"0"-290"16,0 0 1-16,0 0-60 16,0 0-52-16,0 0-21 15,0 0 1-15,-63 102 6 16,39-48 5-16,1 9-8 15,8-2-1-15,7 2-3 16,8-9-13-16,0-8-9 16,23-12 8-16,4-12-1 15,4-12 2-15,0-10 32 16,0 0 24-16,-2-8 10 16,-6-12-14-16,-10-4-26 15,-11-1 26-15,-2 6-23 16,-17 3-16-16,-16 10-5 0,-13 6-8 15,2 3-7-15,4 26-29 16,4 7-50-16,25 18-71 16,9-8-91-1,2-10-389-15</inkml:trace>
-  <inkml:trace contextRef="#ctx0" brushRef="#br0" timeOffset="149219.95">22009 12230 2381 0,'0'0'298'15,"0"0"-207"-15,0 0-44 16,0 0-47-16,0 0 1 0,0 0-1 16,-16 126 0-16,34-91 1 15,-1 1-2-15,4-10 1 16,-3-4-1-16,-3-3 0 15,1-1 1-15,-3 3 6 16,0 3-6-16,-6 2-6 16,-7 6 5-16,0 0 1 15,-7 0 1-15,-17-3 7 16,-5-8-8-16,0-7 12 16,-2-10 8-16,4-4-2 15,-4-18-18-15,10-12-65 16,4-4-256-16</inkml:trace>
+  <inkml:trace contextRef="#ctx0" brushRef="#br0" timeOffset="149219.94">22009 12230 2381 0,'0'0'298'15,"0"0"-207"-15,0 0-44 16,0 0-47-16,0 0 1 0,0 0-1 16,-16 126 0-16,34-91 1 15,-1 1-2-15,4-10 1 16,-3-4-1-16,-3-3 0 15,1-1 1-15,-3 3 6 16,0 3-6-16,-6 2-6 16,-7 6 5-16,0 0 1 15,-7 0 1-15,-17-3 7 16,-5-8-8-16,0-7 12 16,-2-10 8-16,4-4-2 15,-4-18-18-15,10-12-65 16,4-4-256-16</inkml:trace>
   <inkml:trace contextRef="#ctx0" brushRef="#br0" timeOffset="149347.28">22024 12236 2140 0,'0'0'834'16,"0"0"-725"-16,0 0-50 15,114-36-42-15,-41 36-17 16,-6 2-140-16,-7 14-293 0</inkml:trace>
   <inkml:trace contextRef="#ctx0" brushRef="#br0" timeOffset="149592.74">22770 12333 1468 0,'0'0'652'0,"0"0"-493"16,0 0-23-16,0 0 1 15,0 0-12-15,0 0-64 16,0 0-36-16,101 21 58 16,-101 11-1-16,0 13-25 15,-18 7-28-15,-9 8-4 16,-6 0-6-16,1-4-12 16,1-7-7-16,2-12-9 15,4-9-34-15,-4-20-34 16,8-8-166-16,3 0-662 0</inkml:trace>
   <inkml:trace contextRef="#ctx0" brushRef="#br0" timeOffset="149776.53">22610 12352 1960 0,'0'0'942'16,"0"0"-819"-16,0 0-85 15,0 0-31-15,0 0 4 16,118 82 4-16,-62-27-15 15,4 7-40-15,2 1-65 16,-1-11-16-16,3-4-60 16,-18-21-277-16,-9-12-1656 0</inkml:trace>
@@ -718,7 +717,7 @@
   <inkml:trace contextRef="#ctx0" brushRef="#br0" timeOffset="150281.57">23595 12433 2038 0,'0'0'489'15,"0"0"-401"-15,0 0-50 16,-36 108 23-16,32-56-34 16,4 0-22-16,0-4-5 15,8-12 0-15,13-12-21 16,4-12 21-16,8-12 2 16,5-6 81-16,3-28-12 15,2-14-10-15,-3-10 9 16,-9-6-12-16,-15-2-11 0,-13 4 4 15,-3 7-14-15,-27 16 9 16,-14 14-21-16,-7 19-25 16,-19 22-56-16,11 20-131 15,11 6-311-15</inkml:trace>
   <inkml:trace contextRef="#ctx0" brushRef="#br0" timeOffset="151025.2">23864 11989 1965 0,'0'0'766'0,"0"0"-667"16,0 0 3-16,0 0-30 16,0 0-72-16,0 0-1 15,0 0 1-15,85-10 21 16,-38 10-21-16,4 4-3 15,-2 0-3-15,-2 0-22 0,-7-2-52 16,-13-2-59-16,-9 0-111 16,-16 0-918-16</inkml:trace>
   <inkml:trace contextRef="#ctx0" brushRef="#br0" timeOffset="152379.61">24627 11784 1174 0,'0'0'449'0,"0"0"-254"16,0 0 181-16,0 0-137 16,0 0-101-16,0 0-35 15,0 0-9-15,-10-22-14 16,10 21-25-16,0-2-33 15,0 3-10-15,0-1 8 16,0-2-4-16,0 0-16 0,10 0 0 16,0-2 17-16,3 1-8 15,6 2-4-15,-3-1-5 16,1 3-7-16,-1 0-12 16,-3 3-28-16,-2 13-16 15,-4 3 11-15,-5 10 23 16,-2 4 4-16,0 8 13 15,-16 3 12-15,-15 3 6 16,-6 3-4-16,-9-4 3 16,2-5 4-16,4-8-8 15,11-10 21-15,11-6 9 16,10-9 10-16,8-5-19 16,0-3-22-16,15 0 0 15,16 0 72-15,14 0-8 0,9-5-8 16,6-4-28-16,0 4-12 15,-3 1-16-15,-5 4-20 16,-17 0-125-16,-14 9-483 0</inkml:trace>
-  <inkml:trace contextRef="#ctx0" brushRef="#br0" timeOffset="159193.8">25326 12156 2267 0,'0'0'412'0,"0"0"-353"15,0 0-22-15,0 0 27 16,0 0-44-16,0 0-14 15,64-4-6-15,-41 5 0 16,6 8 0-16,6-3 17 16,6-1-17-16,3 0 15 15,6-1-15-15,-2 0-14 16,8 4-121-16,-12 0-215 16,-17 2-1393-16</inkml:trace>
+  <inkml:trace contextRef="#ctx0" brushRef="#br0" timeOffset="159193.79">25326 12156 2267 0,'0'0'412'0,"0"0"-353"15,0 0-22-15,0 0 27 16,0 0-44-16,0 0-14 15,64-4-6-15,-41 5 0 16,6 8 0-16,6-3 17 16,6-1-17-16,3 0 15 15,6-1-15-15,-2 0-14 16,8 4-121-16,-12 0-215 16,-17 2-1393-16</inkml:trace>
   <inkml:trace contextRef="#ctx0" brushRef="#br0" timeOffset="159359.13">25315 12457 2144 0,'0'0'389'0,"0"0"-357"16,0 0 8-16,131-33 66 16,-53 15-36-16,12 1-36 15,-3 5-34-15,3 9-109 16,-22 3-162-16,-22 0-1018 0</inkml:trace>
   <inkml:trace contextRef="#ctx0" brushRef="#br0" timeOffset="159763.68">26308 12122 2023 0,'0'0'511'0,"0"0"-359"16,0 0-39-16,0 0-52 16,0 0-61-16,0 0 0 15,0 0-25-15,-19 4 6 16,11 17 19-16,6 4 0 15,2 0 0-15,0 4-3 16,14-3-14-16,15-2-15 16,5-4 13-16,5-2 17 0,3-2 2 15,-5-2 17-15,-6 2-9 16,-9 1-8-16,-11 0-23 16,-9 3 20-16,-2 5 3 15,-11-2 18-15,-20 4-2 16,-14-5 19-16,-4-5-15 15,-4-2-7-15,4-10-13 16,3-5-7-16,13 0-118 16,12-15-561-16</inkml:trace>
   <inkml:trace contextRef="#ctx0" brushRef="#br0" timeOffset="159913.07">26594 11995 2612 0,'0'0'494'0,"0"0"-441"16,0 0-53-16,0 0-20 16,0 0-81-16,0 0-452 0</inkml:trace>
@@ -745,7 +744,7 @@
   <inkml:trace contextRef="#ctx0" brushRef="#br0" timeOffset="-200714.96">20447 14128 2297 0,'0'0'232'16,"0"0"-178"-16,0 0 44 15,0 0-29-15,0 0-39 16,0 0-30-16,0 0 0 16,-19 57 20-16,13-11 24 0,-3 12-7 15,3 8-6-15,-2 5-19 16,4-1 0-16,2-6-11 15,2-8-1-15,0-12-6 16,0-14-39-16,12-20-68 16,7-8-118-16,4-2-548 15</inkml:trace>
   <inkml:trace contextRef="#ctx0" brushRef="#br0" timeOffset="-200550.36">20814 14241 2329 0,'0'0'619'0,"0"0"-494"0,0 0-82 16,0 0-12-16,0 0-31 15,0 0-102-15,0 0-380 16,13 17-812-16</inkml:trace>
   <inkml:trace contextRef="#ctx0" brushRef="#br0" timeOffset="-200107">21349 14033 2076 0,'0'0'336'0,"0"0"-240"0,0 0 159 16,0 0-68-16,0 0-97 16,0 0-73-16,0 0-12 15,-54 50-4-15,21 2-1 16,-3 12 5-16,7 12 0 15,10 1-5-15,11 1-5 16,8-6 3-16,18-8-5 16,18-12 0-16,13-12 7 15,2-14 12-15,3-14-12 16,-5-12 7-16,-5 0 0 16,-10-24 7-16,-12-12 9 0,-20-4-16 15,-4 2-7 1,-36 4-7-16,-20 9 3 0,-13 19-2 15,-7 6-1-15,3 9-35 16,7 42-129-16,24-2-330 16,19-1-1297-16</inkml:trace>
-  <inkml:trace contextRef="#ctx0" brushRef="#br0" timeOffset="-199698.24">22030 14165 1986 0,'0'0'692'15,"0"0"-609"-15,0 0 77 16,0 0 4-16,0 0-104 16,0 0-42-16,0 0-18 15,-93-54-20-15,69 71 2 16,-1 14-4-16,1 3 13 15,5 12-15-15,15 0-4 16,4 6-24-16,9-2-25 16,23 0 34-16,6 2 22 15,6-5 13-15,-5-3 2 16,-6-4-7-16,-14-2 6 0,-17-6 6 16,-2-8 1-16,-29-4 26 15,-15-11 26-15,-8-8 40 16,6-1 3-16,8-14-12 15,16-20-23-15,20-10-30 16,2-4-12-16,35-4-17 16,23-1-1-16,11 12-7 15,33 6-38-15,-15 14-47 16,-18 10-286-16</inkml:trace>
+  <inkml:trace contextRef="#ctx0" brushRef="#br0" timeOffset="-199698.25">22030 14165 1986 0,'0'0'692'15,"0"0"-609"-15,0 0 77 16,0 0 4-16,0 0-104 16,0 0-42-16,0 0-18 15,-93-54-20-15,69 71 2 16,-1 14-4-16,1 3 13 15,5 12-15-15,15 0-4 16,4 6-24-16,9-2-25 16,23 0 34-16,6 2 22 15,6-5 13-15,-5-3 2 16,-6-4-7-16,-14-2 6 0,-17-6 6 16,-2-8 1-16,-29-4 26 15,-15-11 26-15,-8-8 40 16,6-1 3-16,8-14-12 15,16-20-23-15,20-10-30 16,2-4-12-16,35-4-17 16,23-1-1-16,11 12-7 15,33 6-38-15,-15 14-47 16,-18 10-286-16</inkml:trace>
   <inkml:trace contextRef="#ctx0" brushRef="#br0" timeOffset="-199184.48">19996 15193 1977 0,'0'0'472'0,"0"0"-411"15,0 0 58-15,0 0 33 16,172-20 28-16,-34 6-84 16,49-4-12-16,27 2-8 15,4 6-34-15,-19 8-19 16,-30 2-1-16,-35 0-10 0,-34 0-12 15,-29 6-1 1,-15 2-26-16,0 6-19 0,-5-1 9 16,-9 2 27-16,-19 3-5 15,-19 3-157-15,-4-3-130 16,-40 8 228-16,-5-2-155 16,1-10-1075-16</inkml:trace>
   <inkml:trace contextRef="#ctx0" brushRef="#br0" timeOffset="-198636.5">20413 15433 2260 0,'0'0'264'15,"0"0"-107"-15,0 0 71 16,0 0-122-16,0 0-77 15,0 0-28-15,0 0 4 0,98-92 7 16,-60 85 8 0,-1 2-20-16,4 5 1 0,-1 0 5 15,-2 0-5-15,0 0-1 16,-2 12-14-16,-7 7-18 16,-8 4-11-16,-7 8 1 15,-14-1-20-15,0 9-22 16,-27 5 35-1,-18 0 18-15,-12 0 31 0,-5-4 5 16,2-4 47-16,8-11 10 16,14-4 22-16,16-9-22 15,11-7-50-15,11-5-4 16,0 0 5-16,22 0-2 0,18 0 6 16,11-5 2-1,11-7-5-15,6 2-2 16,-1-1-12-16,15 0-31 15,-20 5-83-15,-15 6-180 0</inkml:trace>
   <inkml:trace contextRef="#ctx0" brushRef="#br0" timeOffset="-198431.16">21407 15571 2549 0,'0'0'437'0,"0"0"-325"0,0 0-28 15,0 0-32-15,0 0-33 16,0 0-19-16,0 0-57 16,18-6-109-16,-14 15-244 0</inkml:trace>
@@ -753,7 +752,7 @@
   <inkml:trace contextRef="#ctx0" brushRef="#br0" timeOffset="-197680.05">22254 15341 738 0,'0'0'1661'0,"0"0"-1465"15,0 0-20-15,0 0 6 16,0 0-93-16,0 0-50 16,0 0-32-16,-8-7 3 15,20 29-10-15,8 6 7 16,4 11 9-16,5-4-16 16,5 7-7-16,5 2 7 15,4-1 0-15,-1-3-5 16,-6-6-6-16,-7-4-4 15,-11-9-12-15,-16-2-1 16,-2-11-6-16,-27-4 33 16,-21-4 2-16,-12 0 5 15,-3 0 12-15,1-16-6 0,8-10-12 16,11-10-29 0,20-32-120-16,9 9-141 0,14 1-1146 0</inkml:trace>
   <inkml:trace contextRef="#ctx0" brushRef="#br0" timeOffset="-197507.78">22539 15252 1648 0,'0'0'943'16,"0"0"-691"-16,125-48-8 15,-67 26-125-15,0-1-73 16,13 5-46-16,-16 2-91 16,-15 10-496-16</inkml:trace>
   <inkml:trace contextRef="#ctx0" brushRef="#br0" timeOffset="-197235.58">23472 14812 2224 0,'0'0'418'15,"0"0"-243"-15,0 0 67 16,0 0-103-16,0 0-86 0,0 0-37 16,0 0-4-16,139-58-11 15,-84 47 13-15,-2 4-14 16,-5 7-20-16,-9 0-36 15,-10 0 16-15,-8 16 25 16,-21 11-42-16,-8 1-234 16,-19-5-805-16</inkml:trace>
-  <inkml:trace contextRef="#ctx0" brushRef="#br0" timeOffset="-197059.71">23339 15047 2183 0,'0'0'337'0,"0"0"-309"15,0 0 119-15,122-26 69 0,-9-4-85 16,3 5-63 0,15 4-68-16,-34 7-18 0,-46 12-428 15</inkml:trace>
+  <inkml:trace contextRef="#ctx0" brushRef="#br0" timeOffset="-197059.72">23339 15047 2183 0,'0'0'337'0,"0"0"-309"15,0 0 119-15,122-26 69 0,-9-4-85 16,3 5-63 0,15 4-68-16,-34 7-18 0,-46 12-428 15</inkml:trace>
   <inkml:trace contextRef="#ctx0" brushRef="#br0" timeOffset="-186994.62">25342 13808 255 0,'0'0'437'0,"0"0"-260"16,0 0 15-16,0 0-48 16,0 0-52-16,0 0-37 15,-31 0-37-15,31 0-18 16,0 0-61-16,0 0 61 15,0 0 25-15,0 2 3 0,0 2-28 16,0 2 2-16,0-2 28 16,0 0 81-16,0 2 7 15,0 0-24-15,0 0-48 16,0 2-32-16,0 2-12 16,0-4 23-16,0 1-13 15,0 0 5-15,0-1-14 16,0 0 13-16,0 2-16 15,0 0-32-15,-5-4-334 0</inkml:trace>
   <inkml:trace contextRef="#ctx0" brushRef="#br0" timeOffset="-184715.1">24706 14600 1176 0,'0'0'926'0,"0"0"-713"15,0 0-11-15,0 0-24 16,0 0-93-16,0 0-38 15,0 0-28-15,-2-4-9 16,2 4 25-16,0-3-2 16,0 3 6-16,0 0 2 15,0-2-3-15,0 0 4 16,0-7-29-16,7-1-9 16,9-4 2-16,6-3-6 15,7-2-9-15,5 2-3 16,3 4 7-16,3 0 1 0,-2 8-3 15,0 5 6 1,-4 0 0-16,-5 0-11 0,-10 8 0 16,-5 14-23-1,-7 10 7-15,-7 8 4 0,0 6 9 16,-23 6-1 0,-13-3 7-16,-3-4 9 0,-4-9 0 15,3-9 1-15,11-9 19 16,12-10-10-16,11-6-10 15,6-2-21-15,10 0-39 16,19-10 26-16,9 1 11 16,6 8-23-16,3 1 17 15,-5 10 15-15,-4 22 7 16,-7 7 7-16,-9 9 7 16,-10-2-7-16,-12 3-15 0,0-8 15 15,-20-6 0-15,-18-4 21 16,-11-8 49-16,-5-6 20 15,6-7-20-15,7-10-13 16,13 0-49-16,12-14-8 16,13-4-40-16,16-16-65 15,19 9-103-15,4 3-637 0</inkml:trace>
   <inkml:trace contextRef="#ctx0" brushRef="#br0" timeOffset="-184524.72">25232 14962 1205 0,'0'0'1227'0,"0"0"-1075"15,0 0 14-15,0 0-84 16,0 0-82-16,0 0-68 16,0 0-272-16</inkml:trace>
@@ -764,11 +763,11 @@
   <inkml:trace contextRef="#ctx0" brushRef="#br0" timeOffset="-160538.65">16643 17299 1674 0,'0'0'434'15,"0"0"-432"-15,0 0 107 16,0 0 128-16,0 0-95 0,0 0-62 16,0 0-13-1,-26-40-25-15,26 40-25 0,0 0-17 16,0 18-20-16,0 11 20 16,0 16 34-16,0 9-10 15,0 8-5-15,0 1 0 16,-8-9-4-16,4-8-3 15,-2-12-2-15,3-12 5 16,1-16-4-16,2-6-11 16,0-6 0-16,0-24 0 15,0-14 17-15,0-14 14 16,0-10-14-16,0 5-7 16,0 5 1-16,0 14 1 15,0 16-5-15,0 12-3 0,0 10 8 16,0 6-12-16,0 0-23 15,0 22-24 1,13 14 32-16,8 14 15 0,3 4 6 16,3 8 12-16,1-3-2 15,-1-3-9-15,0-6-7 16,0-10-44-16,-7-4-82 16,-2-5-100-16,-7-14-236 15,-9-7-630-15</inkml:trace>
   <inkml:trace contextRef="#ctx0" brushRef="#br0" timeOffset="-160386.26">16536 17704 1071 0,'0'0'1258'0,"0"0"-1109"15,0 0-135-15,0 0 63 16,0 0-49-16,0 0 7 16,0 0-25-16,148-106-10 15,-80 95-44-15,-1 4-87 16,9 7-103-16,-19 0-108 15,-14 4-369-15</inkml:trace>
   <inkml:trace contextRef="#ctx0" brushRef="#br0" timeOffset="-159971.29">16958 17820 1728 0,'0'0'246'0,"0"0"-211"16,0 0 56-16,0 0 36 15,0 0 18-15,0 0-29 0,0 0-71 16,2 98-44-16,19-98 10 15,6-13 0-15,-2-13 13 16,0-5 22-16,-5-9-16 16,-5 0-2-16,-4 3-7 15,-6 6-2-15,-3 10 10 16,-2 6 19-16,0 11 9 16,0 4-50-16,3 4-7 15,-1 24-29-15,4 11 29 16,3 10 18-16,0 5 7 15,0-5-13-15,2-14 1 16,-5-6-3-16,2-14-10 16,0-10-20-16,-1-5-7 15,5-8 25-15,1-22 2 0,0-2 44 16,3-4-9-16,-6 5-16 16,-3 9 6-16,-2 16 12 15,0 6-37-15,-1 0-18 16,9 32-23-16,7 8 41 15,7 11 20-15,11 1-19 16,1-6-1-16,7-13-61 16,9-28-83-16,-10-5-187 15,-14-12-1836-15</inkml:trace>
-  <inkml:trace contextRef="#ctx0" brushRef="#br0" timeOffset="-159723.64">17835 17392 11 0,'0'0'1823'0,"0"0"-1493"16,0 0-146-16,0 0 81 16,0 0-79-16,0 0-84 15,0 0-68-15,54-53-20 16,-23 53-14-16,9 0-12 15,7 0 5-15,4 0-44 16,-2 12-67-16,-5 6-104 16,-13 11-116-16,-12-8-9 15,-17 2-1294-15</inkml:trace>
-  <inkml:trace contextRef="#ctx0" brushRef="#br0" timeOffset="-159561.61">17953 17593 2094 0,'0'0'372'0,"0"0"-247"16,0 0 110-16,0 0-129 15,0 0-106-15,0 0-31 16,0 0 31-16,63 9 15 16,3-18 0-16,5 8-15 15,-1-4-39-15,5 2-150 16,-14 3-164-16,-16-4-396 0</inkml:trace>
+  <inkml:trace contextRef="#ctx0" brushRef="#br0" timeOffset="-159723.65">17835 17392 11 0,'0'0'1823'0,"0"0"-1493"16,0 0-146-16,0 0 81 16,0 0-79-16,0 0-84 15,0 0-68-15,54-53-20 16,-23 53-14-16,9 0-12 15,7 0 5-15,4 0-44 16,-2 12-67-16,-5 6-104 16,-13 11-116-16,-12-8-9 15,-17 2-1294-15</inkml:trace>
+  <inkml:trace contextRef="#ctx0" brushRef="#br0" timeOffset="-159561.62">17953 17593 2094 0,'0'0'372'0,"0"0"-247"16,0 0 110-16,0 0-129 15,0 0-106-15,0 0-31 16,0 0 31-16,63 9 15 16,3-18 0-16,5 8-15 15,-1-4-39-15,5 2-150 16,-14 3-164-16,-16-4-396 0</inkml:trace>
   <inkml:trace contextRef="#ctx0" brushRef="#br0" timeOffset="-159118.43">18869 17023 1713 0,'0'0'449'0,"0"0"-296"15,0 0-17-15,0 0 86 16,0 0-58-16,0 0-73 15,0 0-35-15,0-37-22 16,0 37-34-16,-2 12-19 16,2 10 19-16,0 6 4 15,0 12 19-15,0 1-10 16,0-5 0-16,9-6-13 0,-1-7-5 16,6-6-3-16,-1-7-12 15,6-6 2-15,4-4 7 16,6 0 11-16,8 0 10 15,0-4 4-15,5 0 4 16,-4 4-18-16,-1 0-4 16,-9 18-10-16,-4 8 13 15,-6 10-1-15,-7-2 4 16,-9 3-4-16,-2-6 9 16,-8 0-3-16,-19-8 22 15,-6-11-4-15,-5-6-7 16,-3-6-15-16,1-9-86 15,1-28-40-15,-13-51-83 0,10 12-376 16,2-4-81-16</inkml:trace>
   <inkml:trace contextRef="#ctx0" brushRef="#br0" timeOffset="-158979.49">18822 16837 1140 0,'0'0'1565'16,"0"0"-1396"-16,0 0-66 15,0 0-45-15,170-106-58 16,-95 88-68-16,-4 4-375 0</inkml:trace>
-  <inkml:trace contextRef="#ctx0" brushRef="#br0" timeOffset="-158356.61">19763 17074 1399 0,'0'0'651'0,"0"0"-617"15,0 0-10-15,0 0 102 16,0 0-56-16,0 0-12 15,0 0-36-15,0-76-2 16,0 76-20-16,0 0 0 0,0 0 19 16,0 0 26-16,0 0 33 15,0 0-25-15,0 0-16 16,0 0 11-16,0 0 9 16,0-4-5-16,0 4-27 15,0 0-1-15,0 0 16 16,0 0-10-16,0 0-10 15,0 0 5-15,0 0-9 16,0 0 1-16,0 0-17 16,0 0-8-16,-2 0-4 15,-4 0-5-15,4 4 17 16,-2 2 10-16,2 2 3 16,0-3-7-16,2-5-6 15,0 0-21-15,0 0-1 16,0 0 4-16,2 0 1 0,6 0 17 15,0-5 31-15,-2 1-7 16,-4 4-8-16,-2 0-14 16,0 0-2-16,0 0-17 15,0 9-1-15,0 4 18 16,0 1 6-16,-2 0 6 16,-4-2-4-16,-2-8 6 15,4-4 10-15,-2 0-19 16,1-4-5-16,-1-14-20 15,1-8 20-15,0 4-1 16,3 4-13-16,2 18-121 0,0 0-225 16,0 4-606-16</inkml:trace>
+  <inkml:trace contextRef="#ctx0" brushRef="#br0" timeOffset="-158356.62">19763 17074 1399 0,'0'0'651'0,"0"0"-617"15,0 0-10-15,0 0 102 16,0 0-56-16,0 0-12 15,0 0-36-15,0-76-2 16,0 76-20-16,0 0 0 0,0 0 19 16,0 0 26-16,0 0 33 15,0 0-25-15,0 0-16 16,0 0 11-16,0 0 9 16,0-4-5-16,0 4-27 15,0 0-1-15,0 0 16 16,0 0-10-16,0 0-10 15,0 0 5-15,0 0-9 16,0 0 1-16,0 0-17 16,0 0-8-16,-2 0-4 15,-4 0-5-15,4 4 17 16,-2 2 10-16,2 2 3 16,0-3-7-16,2-5-6 15,0 0-21-15,0 0-1 16,0 0 4-16,2 0 1 0,6 0 17 15,0-5 31-15,-2 1-7 16,-4 4-8-16,-2 0-14 16,0 0-2-16,0 0-17 15,0 9-1-15,0 4 18 16,0 1 6-16,-2 0 6 16,-4-2-4-16,-2-8 6 15,4-4 10-15,-2 0-19 16,1-4-5-16,-1-14-20 15,1-8 20-15,0 4-1 16,3 4-13-16,2 18-121 0,0 0-225 16,0 4-606-16</inkml:trace>
   <inkml:trace contextRef="#ctx0" brushRef="#br0" timeOffset="-157886.33">20037 16866 2234 0,'0'0'233'0,"0"0"-232"15,0 0 41-15,0 0 57 16,0 0-99-16,0 0-35 0,0 0 35 16,71 4 56-1,-31 10-26-15,1 2-10 0,-10 2-20 16,-8 4 1-16,-9-4 20 15,-14 4 29-15,0 2 7 16,-14 2-15-16,-17 0-10 16,-4 2-12-16,-5-1 1 15,2-9 4-15,9 0 1 16,9-10-16-16,11-2-10 16,9-2-9-16,0-1-41 15,11 2 14-15,20 5 36 16,5 2 7-16,7 5 3 15,-1 2 6-15,-7 4-16 16,-2 4 0-16,-10 3-1 16,-12 2-21-16,-9-2 22 0,-2-2 17 15,-11 2 11-15,-18-2 16 16,-9-6-10-16,-1-4-8 16,-4 0-26-16,5-5-9 15,7-7-58-15,10-3-24 16,13 1 56-16,12-4-78 15,21 0-146-15,8 0-1663 0</inkml:trace>
   <inkml:trace contextRef="#ctx0" brushRef="#br0" timeOffset="-157621.5">20974 17093 623 0,'0'0'212'0,"0"0"-95"0,0 0 389 16,0 0 18-16,0 0-236 16,0 0-194-16,0 0 57 15,9 0-37-15,-11 18-37 16,-7 9-34-16,-1 18 8 16,-7 3-12-16,-5 6-34 15,0 4 19-15,-2-8-6 16,1-6-18-16,8-8 0 15,3-14-17-15,6-18-62 16,1-4-97-16,1 0-270 0</inkml:trace>
   <inkml:trace contextRef="#ctx0" brushRef="#br0" timeOffset="-157435.16">20694 17124 2497 0,'0'0'182'0,"0"0"-181"16,0 0-2-16,0 0-12 15,0 0 13-15,120 88 32 16,-57-29-23-16,3 9 4 16,3 2-12-16,-4-2-1 15,-5-14-97-15,-6-9-233 16,-17-19-16-16,-16-12-979 0</inkml:trace>
@@ -819,7 +818,7 @@
   </inkml:definitions>
   <inkml:trace contextRef="#ctx0" brushRef="#br0">1871 2221 562 0,'0'0'113'15,"0"0"-76"-15,0 0-24 16,0 0-11-16,0 0 112 16,0 0 116-16,-22-110-65 15,17 98-7-15,1 2-58 16,-2 3 46-16,-2 0-61 0,-5 7-85 15,1 0-104 1,0 0-441-16</inkml:trace>
   <inkml:trace contextRef="#ctx0" brushRef="#br0" timeOffset="1152.94">1805 1889 1289 0,'0'0'228'16,"0"0"-173"-16,0 0-55 16,0 0 0-16,-6 163 0 15,6-48 0-15,10 25 57 16,-1-5 14-16,-1-25 1 16,-3-34 16-16,-2-23-1 15,1 1-8-15,-2 0-27 16,0-4-10-16,0-16-4 0,-2-16-13 15,0-8-7 1,0-10-7-16,0 0 61 0,0-12 16 16,-6-44-88-16,-10 2-231 15,-1-6-712-15</inkml:trace>
-  <inkml:trace contextRef="#ctx0" brushRef="#br0" timeOffset="1478.69">1751 2013 1752 0,'0'0'507'15,"0"0"-312"-15,0 0-127 16,0 0-30-16,111-111 3 16,-80 111-41-16,3 17-10 15,0 31-55-15,-1 37-6 16,-6 40-3-16,-14-4 6 16,-9-15-63-16,-4-18 39 0,-13-32 81 15,-14 3 11-15,-4-3 40 16,2-17 71-16,2-10 17 15,12-14-31 1,3-9 8-16,10-3-4 0,2-3-23 16,0 0-26-16,0 0-8 15,0 0-23-15,9 0 5 16,7 0-10-16,13 0-13 16,6 16-1-16,13 9-4 15,2 8-2-15,2 7-8 16,-1 0-6-16,0-4-30 15,-2-5-48-15,14-13-51 16,-15-9-106-16,-9-9-524 0</inkml:trace>
+  <inkml:trace contextRef="#ctx0" brushRef="#br0" timeOffset="1478.68">1751 2013 1752 0,'0'0'507'15,"0"0"-312"-15,0 0-127 16,0 0-30-16,111-111 3 16,-80 111-41-16,3 17-10 15,0 31-55-15,-1 37-6 16,-6 40-3-16,-14-4 6 16,-9-15-63-16,-4-18 39 0,-13-32 81 15,-14 3 11-15,-4-3 40 16,2-17 71-16,2-10 17 15,12-14-31 1,3-9 8-16,10-3-4 0,2-3-23 16,0 0-26-16,0 0-8 15,0 0-23-15,9 0 5 16,7 0-10-16,13 0-13 16,6 16-1-16,13 9-4 15,2 8-2-15,2 7-8 16,-1 0-6-16,0-4-30 15,-2-5-48-15,14-13-51 16,-15-9-106-16,-9-9-524 0</inkml:trace>
   <inkml:trace contextRef="#ctx0" brushRef="#br0" timeOffset="1730.72">2751 2380 2267 0,'0'0'273'16,"0"0"-172"-16,0 0-101 0,0 0-9 16,0 0 9-1,125-32 16-15,-56 30 13 0,7 2-29 16,0 0-61-1,-5 0-7-15,4 14-48 16,-19 0-170-16,-16-4-718 0</inkml:trace>
   <inkml:trace contextRef="#ctx0" brushRef="#br0" timeOffset="1898.84">2967 2663 2076 0,'0'0'306'0,"0"0"-152"15,0 0-154-15,0 0-15 16,0 0 15-16,0 0 123 16,176-12-43-16,-93 2-80 0,23 1-8 15,-21 4-257-15,-20 1-574 16</inkml:trace>
   <inkml:trace contextRef="#ctx0" brushRef="#br0" timeOffset="3118.24">4876 2288 328 0,'0'0'806'0,"0"0"-464"15,154-161-161-15,-84 85-32 16,-8-4 32-16,-9-2-37 16,-10 1-12-16,-12 6-7 15,-11 0-34-15,-13 7-20 16,-7 8-9-16,-5 10-21 15,-23 6-36-15,-9 9-5 16,-5 11-30-16,-5 8 29 0,1 10 2 16,-2 6 18-16,2 0-17 15,6 21 21-15,4 8-23 16,8 14-11-16,10 8-7 16,13 30 10-16,5-1-16 15,7 12 21-15,30 20 3 16,21 5 0-16,13 32 9 15,-1 0 4-15,-17-26-13 16,-22-29 7-16,-17-32 0 16,-14-7 0-16,0 3-7 15,-12 2 0-15,-21 0 15 16,-11-12 81-16,-12-10 9 16,-6-10-5-16,1-12-25 0,3-5-1 15,10-10-27-15,7-1-13 16,12 0-23-16,10-10-11 15,5-6 0-15,10-2-64 16,4-16-70-16,4 6-62 16,12 2-193-16</inkml:trace>
@@ -840,7 +839,7 @@
   <inkml:trace contextRef="#ctx0" brushRef="#br0" timeOffset="31318.78">10320 2631 1542 0,'0'0'357'0,"0"0"-178"16,0 0-45-16,0 0 8 16,0 0-89-16,0 0 95 15,0 0-21-15,116-50-36 16,-76 13-20-16,0-6-23 15,-2-10-14-15,-5-5-18 16,-3-8-2-16,-9-2 2 16,-5-5-2-16,-9 1-13 15,-7 0 4-15,0 2 8 16,-15 6 4-16,-8 8-5 16,0 14-12-16,1 9 0 15,2 14-5-15,-2 12-28 0,-1 7 33 16,2 4-5-1,-6 24 5-15,0 12-1 0,0 11-8 16,5 9 9 0,4 8-1-16,9 8-23 0,9 8 13 15,0 5 11-15,20 3 0 16,14 0 9-16,8 2-4 16,9 19 1-16,1 21-6 15,-15-12-20-15,-14-10 6 16,-21-19-10-16,-2-24 1 15,-27-4-14-15,-15 2 27 16,-14-20 10-16,-6-14 53 16,-7-19 39-16,-1-14-19 15,8 0-10-15,9-18 2 16,8-14-13-16,16-3-34 0,12-1-18 16,11 2-59-16,6 1-62 15,14 6-94-15,5 10-348 16</inkml:trace>
   <inkml:trace contextRef="#ctx0" brushRef="#br0" timeOffset="31938.44">10732 3057 1739 0,'0'0'343'16,"0"0"-151"-16,0 0-102 15,0 0-19-15,0 0-71 16,0 0-7-16,0 0 7 16,20 83 7-16,-11-37-7 15,-2 6 27-15,0 4-12 16,-5-2-2-16,0-1-10 0,-2-8 4 15,0-7 37-15,0-13-17 16,0-9-18-16,2-6-3 16,-2-6-5-1,0-2 7-15,0-2-8 0,0 0-8 16,0-16-45-16,0-11-275 16,0-25-36-16,2 7 10 15,0-2-184-15</inkml:trace>
   <inkml:trace contextRef="#ctx0" brushRef="#br0" timeOffset="32386.79">10795 3204 44 0,'0'0'1265'0,"0"0"-714"16,0 0-120-16,0 0-177 16,0 0-32-16,0-110-85 15,0 106-60-15,0 2-42 0,0 0-35 16,6 2-9 0,14 0-20-16,9 0 29 0,6 0 0 15,6 0-12-15,3 0-9 16,-1 0 2-16,-3 0 18 15,-2 0-5-15,-7-9 4 16,-2 1 2 0,-7-5 0-16,-6 1 0 0,-5 1 6 15,-6 4 6-15,-3 2 17 16,-2 4 9-16,0 1-10 16,0 0-28-16,0 0-12 15,0 0 2-15,0 3-16 16,2 13-6-16,2 7 28 15,5 5 4-15,1 8 1 0,0 7 1 16,3 2 5-16,3 10-2 16,3 3-5-16,-4 2-5 15,1-2-62-15,-3-2 8 16,-5-11 29-16,-6-6 11 16,-2-9-13-16,0-6-2 15,-6-6 34-15,-17-2 10 16,-6-1 29-16,-8-4 23 15,-7-3-1-15,-4-3 11 16,-2-5-14-16,0 0-6 16,4 0-34-16,-12-3-18 15,11-7-10-15,9-1-260 0</inkml:trace>
-  <inkml:trace contextRef="#ctx0" brushRef="#br0" timeOffset="36997.72">12680 7461 1117 0,'0'0'235'15,"0"0"-158"-15,0 0-30 0,0 0 25 16,0 0 9-16,0 0-42 15,-116-87-11-15,84 64 17 16,-21-11-45-16,9 3-107 16,1 8-837-16</inkml:trace>
+  <inkml:trace contextRef="#ctx0" brushRef="#br0" timeOffset="36997.71">12680 7461 1117 0,'0'0'235'15,"0"0"-158"-15,0 0-30 0,0 0 25 16,0 0 9-16,0 0-42 15,-116-87-11-15,84 64 17 16,-21-11-45-16,9 3-107 16,1 8-837-16</inkml:trace>
   <inkml:trace contextRef="#ctx0" brushRef="#br0" timeOffset="38435.3">12013 2851 1861 0,'0'0'336'16,"0"0"-131"-16,0 0-70 15,0 0 57-15,0 0-47 16,0 0-73-16,0 0-24 16,-18-5-25-16,18 5-22 15,0 0 10-15,0 0-6 16,0 0-5-16,0 0-23 16,-2 0-150-16,-7 11-171 0,-2-5-1445 15</inkml:trace>
   <inkml:trace contextRef="#ctx0" brushRef="#br0" timeOffset="38929.81">12822 2159 1827 0,'0'0'394'0,"0"0"-194"16,0 0-91-16,0 0-25 16,0 0 47-16,0 0-44 15,0 0-42-15,-24-88-12 16,24 88-32-16,0 0-1 15,0 6-34-15,0 20 4 16,0 12 29-16,0 16 1 16,4 13 11-16,1 9-1 15,-3 5-4-15,-2-2 4 16,0-3-10-16,-2-4-10 16,-10-7 4-16,-1-13 6 15,4-13 0-15,5-9 0 16,2-17 0-16,2-7-7 15,0-4-5-15,4-2 12 16,18 0 8-16,11-4 3 0,14-7 7 16,9-2-12-16,9-1-5 15,4-1 0-15,5 8 6 16,1 1-7-16,-6 6 0 16,3 0-58-16,-20 8-117 15,-18 3-265-15</inkml:trace>
   <inkml:trace contextRef="#ctx0" brushRef="#br0" timeOffset="39199.98">12406 3276 529 0,'0'0'1493'0,"0"0"-1118"0,0 0-245 15,0 0-101-15,0 0 12 16,0 0-5-16,120-30 43 16,-51 8-23-16,11-2-16 15,4-2 2-15,-1 0 9 16,-2 5-30-16,-12 4-8 16,-9 7-8-16,-10 8-5 15,-11 2-33-15,-8 15-92 16,-14 8-153-16,-7 4-627 0</inkml:trace>
@@ -863,16 +862,16 @@
   <inkml:trace contextRef="#ctx0" brushRef="#br0" timeOffset="63195.9">23944 2617 1155 0,'0'0'1399'0,"0"0"-1269"15,0 0-104 1,0 0-26-16,0 0-15 0,0 0-1 16,0 0 16-16,-15 104 1 15,-14-56 18-15,-7 4 2 16,-7-2-6-16,-3-2-15 16,-1-8-7-16,-8-7-134 15,10-11-227-15,9-16-1451 0</inkml:trace>
   <inkml:trace contextRef="#ctx0" brushRef="#br0" timeOffset="63375.91">23700 2658 2734 0,'0'0'292'0,"0"0"-237"15,0 0-55-15,0 0-4 16,0 0 4-16,142 73 8 15,-80-35-8-15,27 8-50 16,-18-12-163-16,-12-10-715 0</inkml:trace>
   <inkml:trace contextRef="#ctx0" brushRef="#br0" timeOffset="66087.67">24780 2442 437 0,'0'0'190'0,"0"0"-131"16,0 0-31-16,0 0 112 16,0 0-63-16,-42 112-45 15,35-84-11-15,1-3 15 16,3-8 128-16,3-4 34 16,0-9-8-16,0-3 169 15,0-1-35-15,0 0-151 16,0-10-36-16,13-12-76 15,3-6-51-15,4-6 22 16,0 0-31-16,-2-2 12 16,0 4 11-16,-4 2 3 15,-6 8 17-15,-3 4-11 16,-3 11-3-16,-2 2 23 0,0 5-53 16,0 0 0-16,0 7-45 15,0 22 35-15,-2 7 10 16,2 8 9-16,0 6-9 15,0 2 0-15,0-2-1 16,0 0-4-16,0-5-39 16,0-3-25-16,0-4-25 15,-11-4-41-15,-16-6-115 16,-9-3 55-16,-4-7-127 16,-2-7 70-16,-2-2 104 15,-2-6 148-15,7 1 12 0,5-4 67 16,10 2 9-16,5-2 77 15,13 0 56-15,4 0-42 16,2 0-96-16,0 0 6 16,18 0-81-1,13 0 34-15,11-2 9 0,12-4-1 16,13-1 7-16,6-2 4 16,5 1-21-16,-3 2 23 15,-6 4-15-15,-13 0-30 16,-15 2-18-16,-19 0-198 15,-15 0-1042-15</inkml:trace>
-  <inkml:trace contextRef="#ctx0" brushRef="#br0" timeOffset="68548.74">20125 3591 1535 0,'0'0'265'0,"0"0"-202"16,0 0 65-16,0 0 15 16,0 0-26-16,0 0-38 15,0 0-2-15,108-20-3 16,-82 16 15-16,6 0-8 16,12-2-17-16,12-2-20 15,13 0-5-15,15-4-4 16,30-4-8-16,40-5 2 15,40-2 2-15,15-1-5 16,-9 4-8-16,-17 4 2 16,-25 3-11-16,-1 4-4 0,-3-1-5 15,-6 2 6-15,-3-2-6 16,-4-1 1-16,-1 1 8 16,5-1-9-16,-5-3 1 15,1 3 9-15,-8 3-10 16,-6 1 0-16,-5 0 2 15,-1 3-1-15,-3 1-1 16,-2-1-6-16,-16 1 5 16,-17 0-12-16,-16-1-1 15,-3-1 14-15,10 2 0 16,12-4 0-16,13 1 0 16,-3 0-4-16,-5-2 3 15,-5 0-3-15,-3 2 4 0,-7-2 0 16,-7 0 0-16,-6 2 10 15,-10 0-9-15,-8 1 4 16,-10 2 4-16,-10 0-5 16,-10 2 5-16,-10 1 7 15,-5 0-16-15,0 0-6 16,0 0-22-16,-12 0-55 16,-34 0-29-16,1 7-110 15,-8 2-402-15</inkml:trace>
+  <inkml:trace contextRef="#ctx0" brushRef="#br0" timeOffset="68548.73">20125 3591 1535 0,'0'0'265'0,"0"0"-202"16,0 0 65-16,0 0 15 16,0 0-26-16,0 0-38 15,0 0-2-15,108-20-3 16,-82 16 15-16,6 0-8 16,12-2-17-16,12-2-20 15,13 0-5-15,15-4-4 16,30-4-8-16,40-5 2 15,40-2 2-15,15-1-5 16,-9 4-8-16,-17 4 2 16,-25 3-11-16,-1 4-4 0,-3-1-5 15,-6 2 6-15,-3-2-6 16,-4-1 1-16,-1 1 8 16,5-1-9-16,-5-3 1 15,1 3 9-15,-8 3-10 16,-6 1 0-16,-5 0 2 15,-1 3-1-15,-3 1-1 16,-2-1-6-16,-16 1 5 16,-17 0-12-16,-16-1-1 15,-3-1 14-15,10 2 0 16,12-4 0-16,13 1 0 16,-3 0-4-16,-5-2 3 15,-5 0-3-15,-3 2 4 0,-7-2 0 16,-7 0 0-16,-6 2 10 15,-10 0-9-15,-8 1 4 16,-10 2 4-16,-10 0-5 16,-10 2 5-16,-10 1 7 15,-5 0-16-15,0 0-6 16,0 0-22-16,-12 0-55 16,-34 0-29-16,1 7-110 15,-8 2-402-15</inkml:trace>
   <inkml:trace contextRef="#ctx0" brushRef="#br0" timeOffset="68939.53">22275 3748 929 0,'0'0'1658'0,"0"0"-1477"16,0 0-134-16,0 0 3 0,0 0 11 15,0 0-53-15,0 0-8 16,0 38-48-16,0 4 48 16,0 14 11-16,0 6 1 15,0 2 3-15,-2-4-15 16,0-6-25-16,2-10-163 16,2-14 34-16,12-13-552 0</inkml:trace>
-  <inkml:trace contextRef="#ctx0" brushRef="#br0" timeOffset="69516.74">22599 3821 2370 0,'0'0'539'0,"0"0"-527"16,0 0-12-16,0 0-12 15,-54 123 3-15,48-75-31 16,6 1-31-16,0-12 20 15,8-8 27-15,17-13 22 16,11-16 2-16,6 0 12 16,3-20-3-16,-1-20-9 15,-9-9-57-15,-14-6-70 16,-21-4-210-16,-5 3-527 16,-42 5 735-16,-17 14 129 15,-12 7 649-15,0 13-164 16,5 11-251-16,15 6-159 15,21 0-63-15,20 0-12 0,15 14-110 16,31 1-9-16,44-1 119 16,43-7 8-16,34-7 13 15,-9 0-3-15,-30-1-1 16,-37-9-16-16,-36 3 9 16,-7 1-3-16,-4 0 7 15,-13 3-4-15,-16 3 61 16,0 0 79-16,-27 6-81 15,-11 20-46-15,-2 11-22 16,0 12-1-16,7 5-1 16,12 0-44-16,13-6-23 15,8-8 23-15,11-11 31 16,26-14 14-16,15-11 44 0,8-4 16 16,7-12-19-1,2-20-14-15,-7-5-22 0,-10-5 26 16,-17-4-26-16,-15 0 1 15,-20 2-6-15,-6 5-13 16,-39 7 13-16,-20 7 0 16,-10 11 0-16,-39 14-73 15,18 0-204-15,16 0-1856 0</inkml:trace>
+  <inkml:trace contextRef="#ctx0" brushRef="#br0" timeOffset="69516.73">22599 3821 2370 0,'0'0'539'0,"0"0"-527"16,0 0-12-16,0 0-12 15,-54 123 3-15,48-75-31 16,6 1-31-16,0-12 20 15,8-8 27-15,17-13 22 16,11-16 2-16,6 0 12 16,3-20-3-16,-1-20-9 15,-9-9-57-15,-14-6-70 16,-21-4-210-16,-5 3-527 16,-42 5 735-16,-17 14 129 15,-12 7 649-15,0 13-164 16,5 11-251-16,15 6-159 15,21 0-63-15,20 0-12 0,15 14-110 16,31 1-9-16,44-1 119 16,43-7 8-16,34-7 13 15,-9 0-3-15,-30-1-1 16,-37-9-16-16,-36 3 9 16,-7 1-3-16,-4 0 7 15,-13 3-4-15,-16 3 61 16,0 0 79-16,-27 6-81 15,-11 20-46-15,-2 11-22 16,0 12-1-16,7 5-1 16,12 0-44-16,13-6-23 15,8-8 23-15,11-11 31 16,26-14 14-16,15-11 44 0,8-4 16 16,7-12-19-1,2-20-14-15,-7-5-22 0,-10-5 26 16,-17-4-26-16,-15 0 1 15,-20 2-6-15,-6 5-13 16,-39 7 13-16,-20 7 0 16,-10 11 0-16,-39 14-73 15,18 0-204-15,16 0-1856 0</inkml:trace>
   <inkml:trace contextRef="#ctx0" brushRef="#br0" timeOffset="72673.34">25820 3144 2009 0,'0'0'345'0,"0"0"-287"16,0 0-27-16,0 0 26 16,0 0-37-16,0 0-20 15,12 0 1-15,-3 0 35 16,1 0-1-16,6 0 11 15,5 2-19-15,3-2-17 16,7 0 5-16,7 0-3 16,4 0-11-16,2 2-1 15,2 0-55-15,-4 0-42 16,-5 4-96 0,-10 0-139-16,-13 0-328 0</inkml:trace>
   <inkml:trace contextRef="#ctx0" brushRef="#br0" timeOffset="72883.06">25805 3423 1936 0,'0'0'241'16,"0"0"-167"-16,0 0 64 15,0 0-19-15,165-12-77 16,-78-1-42-16,-14 6-13 15,-13-2-375-15</inkml:trace>
   <inkml:trace contextRef="#ctx0" brushRef="#br0" timeOffset="130983.3">27100 2781 607 0,'0'0'320'15,"0"0"-73"-15,0 0 121 16,0 0-133-16,0 0-144 16,0 0 17-16,10-35 77 15,-7 30-24-15,-1-3-41 16,-2 2-33-16,0 2-8 15,3 0-21-15,-3 2-28 16,0 2-21-16,0 0-9 16,0 0-13-16,0 0 12 15,0 0-22-15,0 0 23 16,0 0 0-16,0 0-1 0,0 0-8 16,-10 12 0-16,-1 4 9 15,-3 6-1-15,2 5-27 16,-5 2 21-16,5 3 6 15,-1 4 1-15,-1 5-1 16,3 0 1-16,-1 6-7 16,6 2 6-16,1-2-12 15,3 1-14-15,2-2 9 16,0-4 5-16,0-3-7 16,9-3 19-16,3-3-5 15,-4-2 6-15,3-5 1 16,1-2-1-16,-1-6-15 15,-1-4-2-15,2-2-16 0,3-2 24 16,3-4 9-16,3-2 0 16,3-2 0-16,5-2 22 15,2 0-11-15,2 0-2 16,0-12 2-16,4-4-10 16,-6-2 9-16,-2-6-9 15,-5-4 18-15,-4-4-19 16,-5-7 26-16,-3-1 7 15,-5-6 10-15,-3 1-3 16,-4-4 23-16,0 4-2 16,0-2-24-16,-2 2-10 15,-11 3 4-15,-1 2-6 0,-3 4-1 16,-2 4-9-16,-1 6-2 16,1 2-3-16,-2 5-9 15,2 6-1-15,-2 5-7 16,3 4-41-16,1 4-57 15,1 0-87-15,1 2-133 16,1 8-204-16,5 0-540 0</inkml:trace>
   <inkml:trace contextRef="#ctx0" brushRef="#br0" timeOffset="132558.07">27792 3127 944 0,'0'0'302'0,"0"0"-82"0,0 0-76 15,0 0 14-15,0 0-27 16,0 0-5-16,0 0 32 15,0-1-32-15,0 1-5 16,0 0-45-16,0-3-17 16,2 3-12-16,6 0-46 15,-2 0-1-15,3 0-16 16,2 0-24-16,0 0-19 16,-2 4-33-16,-3 11 4 0,0-1 35 15,-6 0 19-15,0 2 25 16,0-4 9-16,0-3 0 15,-2-3 0-15,-4-6 19 16,4 0 84-16,2 0 38 16,0 0-1-16,0-9-38 15,0-5-52-15,0-5-28 16,0 4-10-16,2 3-12 16,12-2-63-16,-3 5-168 15,-2 4-839-15</inkml:trace>
   <inkml:trace contextRef="#ctx0" brushRef="#br0" timeOffset="133059.34">28405 2825 1560 0,'0'0'442'0,"0"0"-203"16,0 0-54-16,0 0-51 0,0 0-71 16,0 0-39-1,0 0-24-15,0 4-14 0,0 18-15 16,0 12 29-16,0 10 1 15,0 9 0-15,0-2-1 16,2 2 10-16,8-9-10 16,0-5 1-16,1-12-1 15,1-9-1-15,-6-8 1 16,-1-6 12-16,-3-2 23 16,4-2 43-16,6 0 33 15,5-20 1-15,10-10-59 16,2-12-28-16,0-4-25 15,-4-7 14-15,-8-3-14 16,-9 5 0-16,-8-2 4 16,0 9 8-16,-16 5-12 15,-4 10 1-15,-2 7-1 16,1 8-1-16,6 12-47 0,-1 2-79 16,10 17-84-16,3 12-89 15,3-2-500-15</inkml:trace>
   <inkml:trace contextRef="#ctx0" brushRef="#br0" timeOffset="133507.81">28868 2807 1614 0,'0'0'571'0,"0"0"-397"16,0 0-28-16,0 0-31 16,0 0-95-16,0 0-20 15,0 0-24-15,2 52 17 16,4-12 7-16,-2 2 2 16,2 0-1-16,3-5 0 15,3-7-1-15,-1-10 0 16,-1-7 0-16,4-6 0 15,4-5 0-15,6-2 6 16,12 0 12-16,7-6 0 16,1-7-6-16,-6 2 3 15,-7 3-10-15,-11 6-5 0,-7 2-28 16,-8 2-9-16,-5 20 13 16,0 10 23-16,0 6 0 15,-5 2 1-15,-10 0-2 16,-5-2 2-16,-5-8 0 15,-9-8 7-15,-3-6 8 16,-5-7 6-16,-5-8-21 16,-16-2-21-16,13-16-160 15,11-6-872-15</inkml:trace>
-  <inkml:trace contextRef="#ctx0" brushRef="#br0" timeOffset="133656.32">29065 2795 2570 0,'0'0'227'16,"0"0"-153"-16,0 0-57 15,0 0-17-15,122-60-32 16,-84 58-319-16</inkml:trace>
+  <inkml:trace contextRef="#ctx0" brushRef="#br0" timeOffset="133656.31">29065 2795 2570 0,'0'0'227'16,"0"0"-153"-16,0 0-57 15,0 0-17-15,122-60-32 16,-84 58-319-16</inkml:trace>
   <inkml:trace contextRef="#ctx0" brushRef="#br0" timeOffset="134192.17">29807 2795 1882 0,'0'0'412'16,"0"0"-273"-16,0 0 24 15,0 0-14-15,0 0-101 16,133-43-27-16,-115 43-21 16,-9 0-22-16,-5 0-32 15,-4 15 54-15,0 7 0 0,-22 4 0 16,-9 4 8-1,-7-4 2-15,0-6 3 16,7-4 2-16,9-4-6 0,11-5-9 16,6-4-7-16,5 0-1 15,0-2-11-15,0 4 19 16,13 1 6-16,8 2-4 16,3 3 8-16,8 3 6 15,1 3-7-15,0 1-9 16,-1-1 0-16,-6 2 0 15,-8-3-12-15,-9 2 3 16,-7-2 4-16,-2 0 4 16,-2 0 1-16,-18 0 11 15,-5 1-10-15,-4-3 11 16,-4-1-1-16,-1-1-3 0,-1-4-8 16,2 1 0-16,-3-4-62 15,7-1-89-15,11-2-260 16</inkml:trace>
   <inkml:trace contextRef="#ctx0" brushRef="#br0" timeOffset="134692.6">30203 2809 275 0,'0'0'996'0,"0"0"-740"16,0 0 48-16,0 0 42 15,0 0-120-15,113-4-80 16,-88 4-46-16,-2 0-42 16,-1 0-24-16,-2 6-18 15,-4 4-16-15,-5 4-9 16,-7 0-26-16,-4 6-2 15,0 2 37-15,-24 6 4 16,-7 1 19-16,-3-1-1 16,5-5-8-16,7-1-4 15,10-7-10-15,6-5-7 16,6-4-8-16,0-2-15 0,0-3 30 16,18 4 15-1,7-1 5-15,3 0 0 16,4 2-5-16,-6 1-10 15,-4 4-5-15,-6 3-17 0,-7 4-17 16,-7 2-6-16,-2 3 40 16,0 0 3-16,0-1 4 15,-16-2 1-15,-1-2 11 16,-6-1-7-16,-6-6-6 16,-6-3-6-16,-15-2-3 15,8-2-117-15,7-4-337 0</inkml:trace>
   <inkml:trace contextRef="#ctx0" brushRef="#br0" timeOffset="146073.18">31003 3230 1587 0,'0'0'338'0,"0"0"-238"16,0 0 36 0,0 0-32-16,0 0-95 0,0 0 33 15,49 0 41-15,-24 0-13 16,4 0-12-16,0 2-11 15,6 2-13-15,7 0 13 16,5 0-21-16,9 0-17 16,4-1 2-16,1-2 1 15,-3-1-12-15,-6 0 0 16,-2 0 6-16,-6-1 4 16,-5-14-10-16,-8-5 0 15,-8-2 22-15,-4-6-14 16,-13-6 12-16,-6-2-1 0,0-6-18 15,-17-2 15 1,-14-3-6-16,-6 3 9 16,0 1 18-16,3 5-14 0,5 2 10 15,10 9-6-15,7 3 16 16,10 4-42-16,2 4-1 16,0 3-13-16,9 5 7 15,13 1 6-15,9 2 1 16,9 5 7-16,7 0-8 15,5 0 0-15,6 0 1 16,-1 12 1-16,1 1-2 16,-2 5 0-16,-7 1-14 15,-13-2-40-15,-14 3-20 16,-11 0 2-16,-11 0-17 0,0 4 79 16,-20 7 10-16,-11 0 12 15,-1 3 21-15,6-2 1 16,8-3-17-16,10-8 0 15,8 0-8-15,0-8-9 16,8 0 0-16,19-4 32 16,13 2 41-16,16-5-20 15,11 0-9-15,10-2-21 16,-1-2-22-16,-5 0 8 16,-8 1-9-16,-18-2-85 15,-24 6-112-15,-11 2-159 16,-10-3-729-16</inkml:trace>
@@ -888,7 +887,7 @@
   <inkml:trace contextRef="#ctx0" brushRef="#br0" timeOffset="189526.01">6530 6960 963 0,'0'0'997'0,"0"0"-673"15,0 0-108-15,0 0-75 16,0 0-52-16,0 0-38 15,0 0-51-15,0-10 0 16,0 21-34-16,0 22 34 16,0 15 10-16,0 32 1 15,0 39-3-15,0 41-2 16,4 21-4-16,3 3-2 16,2-7 1-16,2-25 7 15,0-12-8-15,3-9 0 16,-1-13 1-16,3-2 4 0,1-3-5 15,-3-5-10 1,-1-16 9-16,-3-16 1 0,-4-15 6 16,1-1 2-1,-1 8-8-15,6 8 0 0,-1 7-20 16,-1-10-24-16,2-11 14 16,-3-13 5-16,-3-13 24 15,-4-14 1-15,-2-10-6 16,0-8-4-16,0-2-18 15,-4-2 3-15,-14 0-92 16,-2 0-67-16,-2 0 42 16,-1 0 35-16,4 0 54 15,3 0-15-15,1 4 68 16,3-2 60-16,3 0 63 16,1 0-7-16,1 0-45 15,0 0-49-15,-4 0 14 0,-2 3-11 16,-5-2-1-16,-9 2 7 15,-6 1 18-15,-12 1-13 16,-10 1 15-16,-10 0 5 16,-13 0-13-16,-9 0-1 15,-24 0 0-15,-30 0 4 16,-33 0-17-16,-8 0 0 16,6-4 8-16,13 1-7 15,23 1 9-15,2 0-23 16,6-4 3-16,3-2-2 15,2 0-11-15,2 0-1 0,2 0-5 16,3 0 10-16,0-5-3 16,4-3 14-16,0 0 2 15,3 2-6-15,-6 2-2 16,3 2-8-16,16 2-4 16,15 0-3-16,16-2 0 15,7 2 16-15,-9 0-12 16,-7-2-3-16,-5 0-1 15,12-3 4-15,9 2-4 16,8-5 0-16,12 2 6 16,8-2-2-16,12 2 3 15,9 0 3-15,7 2-2 16,0 2-5-16,6 0-3 0,0 2-9 16,0 0-3-1,0 0 7-15,0 0 5 0,0 0 15 16,0 0-15-16,0 0-1 15,0 0 0-15,-2 0 1 16,2 0 15-16,0 0-7 16,0 0-8-16,0 0 1 15,0 0-1-15,0 0 0 16,-2 0 5-16,-2 0-4 16,-7-2 0-16,-5-4 0 15,-2 2-1-15,0 0-3 16,1-2 3-16,5 4 0 15,4 0 0-15,3 2 10 16,3 0-10-16,2 0-9 16,0 0 8-16,0 0 1 15,0 0-5-15,0 0-3 16,0 0 8-16,0 0 1 0,0-2-1 16,0 2 0-16,0-2 0 15,0 0-10-15,0-2-9 16,0 0 4-16,0-11 4 15,0-6 9-15,0-19 2 16,0-20 4-16,4-34-4 16,-1-45-1-16,-3-43-47 15,-16-11-77-15,-8 43-33 16,-3 46-379-16</inkml:trace>
   <inkml:trace contextRef="#ctx0" brushRef="#br0" timeOffset="190228.63">3952 5935 2165 0,'0'0'227'16,"0"0"-168"-16,0 0 27 16,0 0-35-16,0 0-27 15,0 0 16-15,0 0-9 16,0-1-16-16,0 1 30 16,0 0 15-16,0 0-20 15,0 0-24-15,-2 19-16 16,-3 21 0-16,-1 36 2 15,-1 8 5-15,-2 10-1 16,0 0 4-16,3-21-10 16,-1-1 6-16,3-19-4 15,4-17-2-15,0-19-4 0,0-10 3 16,4-7 0 0,20 0 2-16,17-21 35 0,15-9 35 15,8 1-52-15,5 1-10 16,-2 5-9-16,-5 12-21 15,-4 11-63-15,-18 0-156 16,-15 6-1203-16</inkml:trace>
   <inkml:trace contextRef="#ctx0" brushRef="#br0" timeOffset="191421.34">1900 7654 512 0,'0'0'566'0,"0"0"-304"15,0 0-95-15,0 0 21 16,0 0 64-16,0 0-46 16,-22-115-18-16,22 104-55 15,0 0-34-15,-2 5-25 16,2 1-16-16,0 2-2 16,-3 3-8-16,3 0-42 15,0 0-6-15,0 13-31 16,0 14 8-16,5 16 23 0,8 7 14 15,5 2-13 1,2-2 13-16,-2-8-12 0,-4-11-1 16,-2-8-1-16,-3-10-6 15,-4-10 2-15,-2-3 4 16,1 0 16-16,2-14 31 16,7-18 17-16,6-12 14 15,3-6-33-15,2 3-26 16,1 10-17-16,-3 13-2 15,1 10-26-15,-4 14 1 16,4 0 1-16,1 14 6 16,1 16 18-16,2 1 8 15,-6 2 0-15,0-7 2 16,-8-10-3-16,-4-7-7 16,-6-9 5-16,-3 0 8 0,0-9-13 15,0-19-16-15,0-10-28 16,-7-4 23-16,0 0 13 15,2 4-23 1,3 5 8-16,0 5 10 0,0 5 7 16,2-2-2-16,0 1 7 15,0-2-43-15,0-2-26 16,0-6-86-16,0-16-115 16,0 6-257-16,0 6-973 0</inkml:trace>
-  <inkml:trace contextRef="#ctx0" brushRef="#br0" timeOffset="192337.82">1530 8372 1670 0,'0'0'300'0,"0"0"-106"16,0 0-50-16,0 0-42 15,0 0-38-15,0 0-64 16,0 0 7-16,42 0 28 15,-8 0 46-15,11 4-31 16,8 2-27-16,11 2-7 0,10 1-1 16,8-4-5-1,5 1 2-15,2-3-6 0,-2 2-5 16,-13-5 3-16,-12 0-3 16,-17 0-2-16,-18 0-4 15,-12 0 5-15,-11 0 7 16,-4 0-7-16,-10 0-36 15,-13-5-394-15</inkml:trace>
+  <inkml:trace contextRef="#ctx0" brushRef="#br0" timeOffset="192337.81">1530 8372 1670 0,'0'0'300'0,"0"0"-106"16,0 0-50-16,0 0-42 15,0 0-38-15,0 0-64 16,0 0 7-16,42 0 28 15,-8 0 46-15,11 4-31 16,8 2-27-16,11 2-7 0,10 1-1 16,8-4-5-1,5 1 2-15,2-3-6 0,-2 2-5 16,-13-5 3-16,-12 0-3 16,-17 0-2-16,-18 0-4 15,-12 0 5-15,-11 0 7 16,-4 0-7-16,-10 0-36 15,-13-5-394-15</inkml:trace>
   <inkml:trace contextRef="#ctx0" brushRef="#br0" timeOffset="192592.21">2156 8226 288 0,'0'0'2202'0,"0"0"-1964"0,0 0-175 15,0 0-31 1,0 0-20-16,0 0-12 0,0 0-38 16,31 25 18-16,1 12 19 15,1 4 2-15,-2 2 3 16,-8-5-4-16,-8-6 0 16,-8-6-6-16,-7-6-3 15,0-1 9-15,-12 2 17 16,-25 5-17-16,-1-6-142 15,3-3-340-15</inkml:trace>
   <inkml:trace contextRef="#ctx0" brushRef="#br0" timeOffset="193546.9">6539 8289 1151 0,'0'0'603'0,"0"0"-449"16,0 0-44-16,0 0 22 16,0 0 8-16,116-29-14 15,-83 25-34-15,7-3-27 16,7 3 20-16,9 1-12 0,8-1-23 16,12 1-12-16,11 1-5 15,4 2 0-15,7 0-15 16,-2 0 1-16,-5 0-1 15,-10 0 0-15,-10 0 3 16,-15-2-6-16,-13 0-6 16,-18-1-9-16,-8 2 7 15,-13 0 0-15,-4-1 1 16,-2-4-8-16,-19 1-75 16,-2-3-469-16</inkml:trace>
   <inkml:trace contextRef="#ctx0" brushRef="#br0" timeOffset="193830.76">6942 7936 1700 0,'0'0'370'15,"0"0"-279"-15,0 0-78 16,0 0 46-16,0 0-12 15,0 0-47-15,0 0 0 16,-71 85 31-16,29-32 38 16,-1-1 18-16,-1-2-10 15,8-7 38-15,12-9-13 16,11-8-27-16,13-8-75 16,8-3 5-16,36-8-5 0,21-1 21 15,15-6 7 1,39 0-28-16,-24-9-50 0,-19-7-965 0</inkml:trace>
@@ -902,11 +901,11 @@
   <inkml:trace contextRef="#ctx0" brushRef="#br0" timeOffset="202705.12">11202 7492 1447 0,'0'0'508'16,"0"0"-245"-16,-153-20-86 15,79-16-177-15,19 7-3 0,14 0-528 16</inkml:trace>
   <inkml:trace contextRef="#ctx0" brushRef="#br0" timeOffset="202873.73">11539 6691 2411 0,'0'0'276'15,"0"0"-208"-15,0 0-68 16,0 0-76-16,0 0-168 16,0 0-564-16</inkml:trace>
   <inkml:trace contextRef="#ctx0" brushRef="#br0" timeOffset="203697.95">12528 6228 1670 0,'0'0'435'15,"0"0"-137"-15,0 0-60 16,0 0-73-16,0 0-31 15,0 0-33-15,0 0-28 16,9-55-21-16,-9 55-20 0,0 0-32 16,0 0-11-16,0 17-38 15,0 15-47-15,0 18 42 16,-5 16 14-16,3 9-76 16,0 1-12-16,2-10 8 15,0-14 95-15,0-12 25 16,0-15 18-16,7-12-11 15,9-9 47-15,3-4 68 16,8 0-28-16,8-8-24 16,5-4-34-16,8 0-23 15,5 6-13-15,3 4 0 16,3 2 0-16,-1 0-28 16,-2 14-38-16,-6 2 22 15,-13-2-17-15,-10 2-76 16,-14-3-92-16,-13-6-484 0</inkml:trace>
-  <inkml:trace contextRef="#ctx0" brushRef="#br0" timeOffset="203906.88">12080 7120 2294 0,'0'0'168'16,"0"0"-168"-16,0 0-45 15,163-14 45-15,-32-10 65 16,40-2-20-16,8 0-15 16,-30 7-7-16,-42 8-23 15,-45 5 0-15,12 2-64 16,-11 0-58-16,-14 2-164 0</inkml:trace>
+  <inkml:trace contextRef="#ctx0" brushRef="#br0" timeOffset="203906.87">12080 7120 2294 0,'0'0'168'16,"0"0"-168"-16,0 0-45 15,163-14 45-15,-32-10 65 16,40-2-20-16,8 0-15 16,-30 7-7-16,-42 8-23 15,-45 5 0-15,12 2-64 16,-11 0-58-16,-14 2-164 0</inkml:trace>
   <inkml:trace contextRef="#ctx0" brushRef="#br0" timeOffset="204422.51">12456 7299 2423 0,'0'0'132'0,"0"0"-101"15,0 0-31-15,0 0 0 0,0 0-8 16,0 0 8-16,66 132 18 15,-47-61-18-15,1 6-37 16,-2 0 37-16,-4-13 10 16,-1-14-1-16,-6-16 3 15,0-14 33-15,-1-12 7 16,-2-8 27-16,1 0 7 16,1-10-2-16,6-15 5 15,1-16 18-15,3-4-70 16,1 0-20-16,-1 1-8 15,-1 12-5-15,-1 9-3 16,-3 12-1-16,-2 8-8 16,2 3-30-16,7 16-27 15,4 15 44-15,9 9 21 16,7 4 13-16,5-2-10 0,-3-8-3 16,2-10 0-1,-4-9-23-15,0-15 23 0,0 0 23 16,2-29 20-1,-4-13 16-15,-3-12-39 0,-9-9 3 16,-6-6 10-16,-11-4-5 16,-7 3-5-16,0 9-15 15,-2 14 2-15,-11 13-10 16,-1 18-16-16,-10 16-62 16,4 6-156-16,1 16-663 0</inkml:trace>
   <inkml:trace contextRef="#ctx0" brushRef="#br0" timeOffset="205712.05">13807 6685 1791 0,'0'0'407'0,"0"0"-193"16,0 0-63-16,-24-138-35 0,1 88-50 15,-6-5-40 1,-2 4-26-16,-2 2 11 0,-3 5 11 16,-2 6-8-16,-4 6 42 15,0 0-13-15,-6 3-28 16,0 2-15-16,-8-2 0 15,-4 8 1-15,-5-2-1 16,-4 8-11 0,-5 5 1-16,-4 6 4 15,-2 4 6-15,-7 0 1 0,0 8 13 16,-4 12-11-16,-3 4 3 16,-1 2 0-16,1 2 0 15,5 1-1-15,4 2-3 16,12 1 0-16,4-2-2 15,9 2 6-15,6 0-5 0,8 2 7 16,5 0-1-16,5 7-3 16,7 1-4-16,2 5 0 15,4 3-11-15,2 6-1 16,3 3 12-16,3 9 0 16,3 5 0-16,6 4 0 15,4 6-12-15,2 3 12 16,0 1-19-16,0-3 4 15,4-4 3-15,8-4 6 16,1-4-17-16,3 1 23 16,1-6-1-16,1 2-8 15,2-4 8-15,7-2-8 16,2-2 7-16,4-2-8 16,10 2 4-16,5-3-5 15,10-2 14-15,5 2-9 0,3-3 6 16,6-1-19-16,1-3-4 15,4-2 0-15,-2-5 4 16,4-4 18-16,0-3-4 16,2-6 4-16,-2-5 1 15,2-6-13-15,0-8-11 16,0-6 16-16,0-6 7 16,-4-1 1-16,4-22 36 15,-6-4 25-15,-1-9-19 16,-3-3-7-16,-4-7-2 15,-5-7-21-15,-4-9 27 16,-2-10-16-16,2-32 24 16,-2-42 8-16,-5-49-21 15,-10-21 1-15,-20-7-12 16,-15 16 13-16,-6 39 6 0,-8 34-8 16,-11 41-7-16,-4 35 4 15,-6 16-31-15,-18-2-12 16,-70-2-50-16,7 10-162 15,-6 11-1054-15</inkml:trace>
   <inkml:trace contextRef="#ctx0" brushRef="#br0" timeOffset="-211923.98">10821 8008 1209 0,'0'0'552'0,"0"0"-395"15,0 0-115-15,0 0-42 16,-4 110 50-16,6-77 27 15,12 1-15-15,3 0-40 16,1-2-22-16,3-5-10 0,0-4 10 16,2-2-21-16,-1-5 19 15,3-3 2-15,1 2 11 16,1-7-11-16,-3 0 0 16,-3-4-23-16,-8-2 23 15,-7 0 9-15,-6-2 9 16,0 2 122-16,-8-2 10 15,-15 0-65-15,-6 0-43 16,0 0 16-16,1 2-17 16,3 0 5-16,5 1-19 15,7-2-25-15,3-1 10 16,6 0-12-16,4 0-20 16,0 0-53-16,0-8-105 15,9-10-86-15,2-5-191 0</inkml:trace>
-  <inkml:trace contextRef="#ctx0" brushRef="#br0" timeOffset="-209669.71">4340 7120 470 0,'0'0'603'0,"0"0"-302"16,0 0-105-16,0 0-83 16,0 0 108-16,0 0-51 15,0 0-79-15,-7-34-22 16,5 28-54-16,2 0-6 16,0 0-9-16,-2-1-13 15,2 2 13-15,0 2 45 0,-3 0 36 16,1 2 10-16,2-1-14 15,0 2-24-15,-2 0-23 16,2 0-22-16,0 0 9 16,-3 0-11-16,3 0 15 15,-2 0-3-15,0 0 3 16,2 0-10-16,0 0-11 16,0 12 0-16,0 11-3 15,0 12 3-15,0 12 1 16,0 14 1-16,7 9 6 15,2 10-5-15,0 23 4 16,4 25-6-16,7 26 0 16,5 7 0-16,2-11 4 0,0-18-5 15,-6-22 9-15,0 3-1 16,-4-1-7-16,-5-1 0 16,-4-17 11-1,-1-16-11-15,-3-23 0 0,-1-5 0 16,4 9 7-16,-1 7-3 15,1 9-4-15,2-5-1 16,-2-4 8-16,-1-4 0 16,1 1 0-16,1-6 14 15,2 0 7-15,-2-7-20 16,1-6 5-16,1-2-3 16,-2-3 0-16,1-2-3 0,-3-1 12 15,0-4-6-15,-4-6 6 16,-2-4-10-16,2-8 0 15,-2-3 4-15,0-9 1 16,0-1-1-16,0-1 15 16,0 0-4-16,2 0 3 15,-2 0 5-15,0 0-9 16,0 0-15-16,0 0-4 16,0 0-3-16,0 0-2 15,2-3-23-15,-2-27-38 16,0-2-154-16,0-7-1259 0</inkml:trace>
+  <inkml:trace contextRef="#ctx0" brushRef="#br0" timeOffset="-209669.72">4340 7120 470 0,'0'0'603'0,"0"0"-302"16,0 0-105-16,0 0-83 16,0 0 108-16,0 0-51 15,0 0-79-15,-7-34-22 16,5 28-54-16,2 0-6 16,0 0-9-16,-2-1-13 15,2 2 13-15,0 2 45 0,-3 0 36 16,1 2 10-16,2-1-14 15,0 2-24-15,-2 0-23 16,2 0-22-16,0 0 9 16,-3 0-11-16,3 0 15 15,-2 0-3-15,0 0 3 16,2 0-10-16,0 0-11 16,0 12 0-16,0 11-3 15,0 12 3-15,0 12 1 16,0 14 1-16,7 9 6 15,2 10-5-15,0 23 4 16,4 25-6-16,7 26 0 16,5 7 0-16,2-11 4 0,0-18-5 15,-6-22 9-15,0 3-1 16,-4-1-7-16,-5-1 0 16,-4-17 11-1,-1-16-11-15,-3-23 0 0,-1-5 0 16,4 9 7-16,-1 7-3 15,1 9-4-15,2-5-1 16,-2-4 8-16,-1-4 0 16,1 1 0-16,1-6 14 15,2 0 7-15,-2-7-20 16,1-6 5-16,1-2-3 16,-2-3 0-16,1-2-3 0,-3-1 12 15,0-4-6-15,-4-6 6 16,-2-4-10-16,2-8 0 15,-2-3 4-15,0-9 1 16,0-1-1-16,0-1 15 16,0 0-4-16,2 0 3 15,-2 0 5-15,0 0-9 16,0 0-15-16,0 0-4 16,0 0-3-16,0 0-2 15,2-3-23-15,-2-27-38 16,0-2-154-16,0-7-1259 0</inkml:trace>
   <inkml:trace contextRef="#ctx0" brushRef="#br0" timeOffset="-206091.78">3538 9240 1246 0,'0'0'341'16,"0"0"-171"-16,0 0-84 15,0 0-15-15,0 0-8 0,0 0 1 16,0-27-64-16,0 27-16 16,0 3-95-16,0 21-48 15,0 2 5 1,0-2-535-16</inkml:trace>
   <inkml:trace contextRef="#ctx0" brushRef="#br0" timeOffset="-204127.73">2341 11309 1161 0,'0'0'877'15,"0"0"-774"-15,0 0-80 16,0 0-23-16,0 0 138 16,0 0-3-16,0 0-38 0,0 0-33 15,0 0-7-15,2 0-25 16,5 0-8-16,11-2-7 15,9 1-8-15,11-2 3 16,15 3-3-16,10-2 8 16,8 1-17-16,5-2-6 15,-3-1-28-15,-4-2 17 16,-11 0 9-16,-14-2-3 16,-10 0 10-16,-14 2 1 15,-12 4 0-15,-2 1 22 16,-6 1 23-16,0 0 4 15,0 0-42-15,0 0-6 16,-8 0-1-16,4 0 0 0,0 0 6 16,4 0 11-16,0 0-17 15,0 0-9-15,0 0-18 16,0 0-5 0,0 0 15-16,0 0 9 0,0 0 2 15,0-3 6-15,0 1 0 16,0-2 1-16,0-4 0 15,0-6 20-15,0-8 16 16,4-6-22-16,2-8-14 16,4 0 7-16,1-2-8 15,3 4-15-15,-3 6 15 16,-1 6 1-16,0 9 1 16,-4 7-2-16,-1 6-35 0,1 0-29 15,3 22-13 1,7 15 77-16,6 9 21 0,2 6 4 15,3 1-8 1,0 0-10-16,-2-5 5 0,-5-9-12 16,-5-9 0-16,-3-13 3 15,-3-7-3-15,-5-7-32 16,-2-3 32-16,2-7 23 16,1-19 36-16,2-10 7 15,0-11-42-15,1-8-1 16,1 3-16-16,0 4-6 15,-2 11-1-15,1 5 7 16,-1 15-6-16,-2 10-2 16,2 7-21-16,1 3-39 15,11 25 20-15,4 9 35 0,8 12 6 16,6 2 0 0,-4 2-29-16,-1-9-25 0,-6-10 6 15,-4-9 39-15,-4-14-4 16,-5-8-35-16,-1-3 9 15,-3-4 36-15,-3-19-12 16,-4-15-91-16,-2 6-346 16,0 4-631-16</inkml:trace>
   <inkml:trace contextRef="#ctx0" brushRef="#br0" timeOffset="-202996.79">3667 11193 492 0,'0'0'729'15,"0"0"-425"-15,0 0-82 0,0 0 57 16,0 0-21-16,0 0-100 15,0 0-107-15,-2 0-40 16,2 0-11-16,8 0 23 16,8 0-4-16,7 8-19 15,3-2-17-15,5 2-8 16,8-4-4-16,0-4 8 16,8 0 4-16,0 0-7 15,5 0 9-15,2-4-35 16,9-6 42-16,7 0 7 15,9-4 2-15,8-3 0 16,25-6 38-16,-10 1 4 16,3 0 33-16,2 1-26 0,-20 9-27 15,5-4-4 1,-11 5-19-16,-9 0-10 16,-14 6 9-16,-9 1-2 15,-8-1 2-15,-10 4 1 0,-5-2 0 16,-8-1-6-16,-3 3 6 15,-5-1 8-15,-8 2 2 16,0 0 1-16,-2 0-4 16,0 0 19-16,0 0-19 15,0 0 17-15,0 0-14 16,0 0-10-16,0 0-11 16,2 0-18-16,0 0 3 15,0 0 25-15,0 0-6 16,-2 0-8-16,0 0-16 15,0 0 31-15,0 0 31 0,0 0 36 16,0 0 5-16,0-7-10 16,3 0-7-16,-3-8-21 15,2 1-28-15,0-4-6 16,0 3 0-16,1-2 1 16,-1 8 6-16,1 0-6 15,-1 8-1-15,0 1-3 16,2 4-55-16,7 24 4 15,9 13 54-15,7 16 1 16,7 5-1-16,3 2-26 16,-6-10 26-16,-2-8-2 15,-8-16-3-15,-10-12 4 0,-3-10-22 16,-2-8 23 0,-4-1 86-16,0-24-4 0,0-13-7 15,2-12-43-15,1-6-20 16,1-2-12-16,4 6 8 15,-2 7-8-15,1 13-5 16,3 13-8-16,-1 6 12 16,1 11-3-16,5 2-39 15,7 11 6-15,7 17 37 16,5 5 0-16,2 9-29 16,-3-7-12-16,-6-3 41 15,-6-8 5-15,-8-11-5 16,-3-4-12-16,-6-9 12 15,-2 0 15-15,3 0 31 16,0-11 5-16,2-8-9 0,6-6-30 16,-1 0-7-16,1 2-3 15,-3 8-2-15,-4 7 0 16,-1 5-5-16,-1 3-29 16,6 7-12-16,5 12 43 15,6 8 3-15,4-1 25 16,2-4-11-16,-2-6-14 15,-4-6 0-15,0-8-20 16,2-2 20-16,2 0 0 16,2-11 36-16,4-8-11 15,2-4-12-15,1 3-9 16,-5-1 9-16,-2 6-3 16,-6 11-10-16,-1-1-12 15,2 5 3-15,1 0 9 16,4 0 10-16,0 5 4 0,-5-3-7 15,-1-2-7-15,-8 0 1 16,-13-19-2-16,-2-12-37 16,0-2-1652-16</inkml:trace>
@@ -926,7 +925,7 @@
   <inkml:trace contextRef="#ctx0" brushRef="#br0" timeOffset="-186042.7">10340 9180 869 0,'0'0'1475'15,"0"0"-1237"-15,0 0-150 0,0 0-12 16,0 0-27-16,0 0-39 15,0 0-10-15,-2 6-70 16,2 36 70-16,0 14 36 16,9 14 4-16,1 4-21 15,2-5-19-15,-1-11 7 16,-5-14 17-16,-1-17-24 16,-3-10-5-16,1-15-9 15,1-2-106-15,1-54-118 16,-1-5-303-16,3-2-565 0</inkml:trace>
   <inkml:trace contextRef="#ctx0" brushRef="#br0" timeOffset="-185755.57">10438 9234 216 0,'0'0'824'0,"0"0"-156"16,0 0-173-16,23-112-174 15,-17 96-92-15,5 6-108 16,5 4-64-16,6 4-34 16,2 2-23-16,7 5-23 15,-2 20-5-15,-6 7-80 16,-8 4-43-16,-10 0 25 15,-5-2 58-15,-7-3 67 16,-17-8 2-16,-5-5 0 16,2-6 42-16,5-3 62 15,4-8-10-15,9-1 7 16,7 0-16-16,2 0-40 16,0 1-46-16,6 11-21 15,21 3 21-15,13 10 29 16,14 7-9-16,8 5 0 0,2-1-16 15,-1-1-4-15,9-4-143 16,-19-12-93-16,-10-9-474 0</inkml:trace>
   <inkml:trace contextRef="#ctx0" brushRef="#br0" timeOffset="-185078.4">12325 9260 2030 0,'0'0'431'16,"0"0"-312"-16,0 0-58 16,0 0 22-16,0 0-18 15,0 0-65-15,0 0-33 0,-13 27 33 16,13 24 25-16,0 15-17 15,0 11 15-15,9-1-23 16,1-4-23-16,2-10-90 16,-3-11-66-16,-5-19-31 15,-2-17 52-15,-2-19-40 16,0-36-100-16,0-12-351 16,0-6-82-16,0 14 731 15,-2-3 1075-15,0-9-497 16,0-4-183-16,0-4-163 15,2 10-30-15,0 12-58 16,0 12-49-16,10 12-25 16,4 8-23-16,4 7-19 0,0 3-28 15,2 6-15-15,-7 25-8 16,-4 7-58-16,-9 10-17 16,-2 3-26-16,-27-6 11 15,-5-6 113-15,3-14 19 16,10-7 92-16,4-9-9 15,13-7-22-15,4-2-57 16,0 0-23-16,7 0 5 16,17 0 8-16,10 5 39 15,10 9-40-15,10 9-6 16,6 9-6-16,16 24-19 16,-17-6-127-16,-11-6-316 0</inkml:trace>
-  <inkml:trace contextRef="#ctx0" brushRef="#br0" timeOffset="-184484.24">10498 12454 1509 0,'0'0'958'0,"0"0"-838"16,0 0-110-16,0 0-10 16,0 0 0-16,5 103 1 15,3-44 0-15,6 14 6 16,-1 4 15-16,1-2-21 15,-5-7 15-15,-1-13-14 16,-6-13 5-16,1-15 7 16,-3-19-10-16,0-8-4 15,-3 0-244-15</inkml:trace>
+  <inkml:trace contextRef="#ctx0" brushRef="#br0" timeOffset="-184484.25">10498 12454 1509 0,'0'0'958'0,"0"0"-838"16,0 0-110-16,0 0-10 16,0 0 0-16,5 103 1 15,3-44 0-15,6 14 6 16,-1 4 15-16,1-2-21 15,-5-7 15-15,-1-13-14 16,-6-13 5-16,1-15 7 16,-3-19-10-16,0-8-4 15,-3 0-244-15</inkml:trace>
   <inkml:trace contextRef="#ctx0" brushRef="#br0" timeOffset="-184158.47">10690 12406 2616 0,'0'0'175'15,"0"0"-99"-15,0 0-76 16,127-10-26-16,-94 28-112 16,-15 18-20-16,-14 11-171 15,-4 9-35-15,-31 5 195 16,-18-3 169-16,-8-3 272 15,3-11 91-15,7-9-82 16,16-18-42-16,15-7-104 0,12-7-98 16,4-3-37-16,11 0-8 15,24 1 8-15,17 8 29 16,10 6-5-16,12 6-13 16,4 5-1-16,-5 3-4 15,-4 2-6-15,-5-2-38 16,8-4-71-16,-16-8-190 15,-12-15-906-15</inkml:trace>
   <inkml:trace contextRef="#ctx0" brushRef="#br0" timeOffset="-183581.02">12840 12358 1537 0,'0'0'880'0,"0"0"-639"16,0 0-84-16,0 0-66 0,0 0-42 16,0 0-24-1,0 0-21-15,0 25-3 0,2 10 52 16,5 11-4-16,-1 6-26 15,4 7-10-15,0-3-4 16,-3-4-9-16,-1-8 0 16,-2-6-22-16,-4-10 5 15,0-10-82-15,0-18-73 16,-10 0-114-16,-1-3-1372 0</inkml:trace>
   <inkml:trace contextRef="#ctx0" brushRef="#br0" timeOffset="-183288.95">12915 12280 1754 0,'0'0'494'16,"0"0"-262"-16,0 0-78 15,0 0-69-15,0 0-56 16,143-41-29-16,-112 52-22 16,-4 22-19-16,-10 6-80 15,-9 9 34-15,-8 4 47 16,-4 1 38-16,-23-6 2 15,-4-7 99-15,4-9 107 16,6-13-11-16,11-13-74 16,7-2-121-16,3-3-8 15,0 0 3-15,20 3 5 0,11 8 14 16,12 5 30 0,8 4-28-16,4 2-7 0,-1 3-9 15,-2-2-3 1,0-3-73-16,-11-6-167 0,-14-8-417 15</inkml:trace>
@@ -949,7 +948,7 @@
   <inkml:trace contextRef="#ctx0" brushRef="#br0" timeOffset="-136040.46">30977 7163 2474 0,'0'0'0'0,"0"0"-35"16,0 0-524-16</inkml:trace>
   <inkml:trace contextRef="#ctx0" brushRef="#br0" timeOffset="-134867.85">27231 5779 1617 0,'0'0'429'15,"0"0"-223"-15,0 0-46 16,0 0-19-16,0 0-61 16,0 0-53-16,0 0 13 15,-9-1-14-15,1 15-16 16,-2 7 17-16,1 5-9 15,1 0 8-15,3 2-26 16,5-4 7-16,0-5-7 16,0 0-12-16,18-4-22 15,8-4 32-15,8 1 2 16,3 1 2-16,4-2 7 16,-1 7 17-16,-2 4-26 15,-7 9-32-15,-4 3-9 16,-13 3-7-16,-10 0 36 0,-4-1 12 15,-16-2 21-15,-20-8-20 16,-39-8-1-16,7-8-73 16,6-10-276-16</inkml:trace>
   <inkml:trace contextRef="#ctx0" brushRef="#br0" timeOffset="-134493.26">27206 5767 2370 0,'0'0'269'0,"0"0"-186"0,139-16 16 16,-70 13-61-1,2 3-21-15,3 0-17 0,-6 0-17 16,1 7-43-16,-11 3-43 16,-6-2-21-16,-12 0 31 15,-13-3 63-15,-11 6-8 16,-12 1-51-16,-4 10 51 15,0 14 38-15,-18 13 117 16,1 13-50-16,3 10-38 16,9 0 6-16,5-2-35 15,0-9-8-15,21-16 8 16,8-13 0-16,4-15 12 16,5-17 124-16,1-11-12 15,7-28-8-15,-4-24-57 16,-9-11-28-16,-11-11-8 15,-15 2-4-15,-7 0 8 0,-25 13-27 16,-25 15-31-16,-56 18-36 16,11 19-204-16,3 14-1654 0</inkml:trace>
-  <inkml:trace contextRef="#ctx0" brushRef="#br0" timeOffset="-133272.23">21949 7215 393 0,'0'0'1273'0,"0"0"-1110"15,0 0-110-15,0 0 93 16,0 0 36-16,-101 138-76 16,88-82-36-16,6 4 40 15,7 0-21-15,0-7-12 16,0-11-12-16,11-10-17 15,5-14-7-15,3-12-22 16,2-6 31-16,1-12 26 16,0-24 0-16,0-17-5 15,-3-10-25-15,-9-4-20 16,-5 3-6-16,-5 8-10 16,-2 12-5-16,-16 14-5 0,-2 10-40 15,0 14-33-15,5 6-5 16,1 20-130-16,7 12-173 15,7 0-452-15</inkml:trace>
+  <inkml:trace contextRef="#ctx0" brushRef="#br0" timeOffset="-133272.24">21949 7215 393 0,'0'0'1273'0,"0"0"-1110"15,0 0-110-15,0 0 93 16,0 0 36-16,-101 138-76 16,88-82-36-16,6 4 40 15,7 0-21-15,0-7-12 16,0-11-12-16,11-10-17 15,5-14-7-15,3-12-22 16,2-6 31-16,1-12 26 16,0-24 0-16,0-17-5 15,-3-10-25-15,-9-4-20 16,-5 3-6-16,-5 8-10 16,-2 12-5-16,-16 14-5 0,-2 10-40 15,0 14-33-15,5 6-5 16,1 20-130-16,7 12-173 15,7 0-452-15</inkml:trace>
   <inkml:trace contextRef="#ctx0" brushRef="#br0" timeOffset="-133119.81">22350 7445 2171 0,'0'0'569'0,"0"0"-531"16,0 0-11-16,0 0-4 15,0 0-23-15,0 0-57 16,0 0-297-16,15-23-662 0</inkml:trace>
   <inkml:trace contextRef="#ctx0" brushRef="#br0" timeOffset="-132844.12">22676 7204 1696 0,'0'0'149'16,"0"0"-76"-16,0 0 236 0,0 0-146 15,0 0-121-15,0 0-42 16,0 0-4-16,-23 27 4 16,23 0 26-16,0 6-8 15,13 0-8-15,11 0-10 16,12 3 0-16,2 0-15 15,1 1 14-15,-2-1-28 16,-11-5-33-16,-12-3-12 16,-14-3 74-16,0-5 19 15,-19-4 80-15,-29-5-44 16,5-4-55-16,-1-7-170 0</inkml:trace>
   <inkml:trace contextRef="#ctx0" brushRef="#br0" timeOffset="-132699.55">22967 7068 2585 0,'0'0'261'16,"0"0"-261"-16,135-8-23 16,-90 8-344-16</inkml:trace>
@@ -1005,7 +1004,7 @@
   <inkml:trace contextRef="#ctx0" brushRef="#br0" timeOffset="3563.25">3527 4617 1595 0,'0'0'311'0,"0"0"-240"0,0 0-49 16,0 0-19-16,0 0 9 15,0 0-11-15,0 0 1 16,-68 137 17-16,60-90-17 16,1-1-1-16,7-2-1 15,0-6-74-15,0-6-33 16,0-9-193-16,0-12-365 0</inkml:trace>
   <inkml:trace contextRef="#ctx0" brushRef="#br0" timeOffset="3749.88">3297 4774 1014 0,'0'0'1227'15,"0"0"-1227"-15,0 0-103 16,0 0 103-16,0 0 23 16,116 14-22-16,-70-5-1 15,4-3-9-15,-8-5-167 16,9-1-6-16,-13-7-7 15,-11-10-339-15</inkml:trace>
   <inkml:trace contextRef="#ctx0" brushRef="#br0" timeOffset="3978.6">3288 4814 522 0,'0'0'1060'0,"0"0"-1060"16,0 0 17-16,0 0-17 16,0 0 71-16,0 0-2 15,0 0-44-15,20 0-25 16,-6 2-75-16,-1-2-376 0</inkml:trace>
-  <inkml:trace contextRef="#ctx0" brushRef="#br0" timeOffset="4389.97">3617 4520 2054 0,'0'0'194'0,"0"0"-127"16,0 0-19-16,0 0 10 16,0 0 12-16,0 0-26 15,0 0-15-15,-121-31-19 16,82 40-10-16,-3 19-12 0,-3 10 12 16,1 14 0-1,4 8 0-15,9 8 0 0,13 4-7 16,13 3 4-16,5-5-4 15,13-8-3 1,21-12-28-16,11-14-10 0,6-14 23 16,4-12 17-16,3-10 8 15,0-7 84-15,-8-24 112 16,-13-11-79-16,-10-10-23 16,-18-9-11-16,-9-6-49 15,-4-4-27-15,-25 5-7 16,-7 8-31-16,1 10-45 15,3 14-77-15,19 8-43 16,8 9-114-16,5 8-711 0</inkml:trace>
+  <inkml:trace contextRef="#ctx0" brushRef="#br0" timeOffset="4389.96">3617 4520 2054 0,'0'0'194'0,"0"0"-127"16,0 0-19-16,0 0 10 16,0 0 12-16,0 0-26 15,0 0-15-15,-121-31-19 16,82 40-10-16,-3 19-12 0,-3 10 12 16,1 14 0-1,4 8 0-15,9 8 0 0,13 4-7 16,13 3 4-16,5-5-4 15,13-8-3 1,21-12-28-16,11-14-10 0,6-14 23 16,4-12 17-16,3-10 8 15,0-7 84-15,-8-24 112 16,-13-11-79-16,-10-10-23 16,-18-9-11-16,-9-6-49 15,-4-4-27-15,-25 5-7 16,-7 8-31-16,1 10-45 15,3 14-77-15,19 8-43 16,8 9-114-16,5 8-711 0</inkml:trace>
   <inkml:trace contextRef="#ctx0" brushRef="#br0" timeOffset="5302.73">15512 4604 893 0,'0'0'326'0,"0"0"-106"16,0 0-83-16,0 0-137 16,0 0-88-16,0 0-58 15,-114-75-14-15,66 60-371 0</inkml:trace>
   <inkml:trace contextRef="#ctx0" brushRef="#br0" timeOffset="5744.25">14228 4506 1474 0,'0'0'624'0,"0"0"-624"16,0 0-91-16,0 0 91 16,125 0 50-16,-63 0 12 15,9-3-22-15,5-4-22 16,-3-1 0-16,-8-2 54 16,-11 2-38-16,-17-1-34 15,-14 5 1-15,-23-1-2 16,0 1-45-16,-11 1-548 0</inkml:trace>
   <inkml:trace contextRef="#ctx0" brushRef="#br0" timeOffset="6072.86">14484 4215 2206 0,'0'0'162'16,"0"0"-162"-16,0 0 2 15,-146 24-1-15,92 8 0 16,0 12 11-16,8 10-4 16,9 5-8-16,14 1-19 15,13-2 19-15,10-2-11 16,10-8-21-16,25-6-12 16,14-8 44-16,11-13 27 15,12-11 22-15,5-10 64 16,4-6-6-16,-4-25-16 15,-3-11-5-15,-9-10 7 0,-11-7 4 16,-15-2-18-16,-14-2-23 16,-14 9-17-16,-11 7-19 15,-4 14-20-15,-23 9-31 16,-7 17-44-16,-19 10-80 16,9 21-178-16,5 6-697 0</inkml:trace>
@@ -1039,13 +1038,13 @@
   <inkml:trace contextRef="#ctx0" brushRef="#br0" timeOffset="65952.64">9574 7372 407 0,'0'0'248'16,"122"-9"-176"-16,-42 3-40 15,11 0 5-15,1-3 69 0,-3 2 15 16,-4-3-22-16,33-2-66 16,-24 2-33-16,-12-1-145 15</inkml:trace>
   <inkml:trace contextRef="#ctx0" brushRef="#br0" timeOffset="66515.59">14371 6332 457 0,'0'0'502'0,"0"0"-327"16,0 0-117-16,113-35 9 16,-86 24-19-16,-7 3-5 15,-5 0 8-15,-3 2-17 16,-3-2-17-16,-5 2-17 0,-2 0-41 15,-2-2-75-15,0 2-297 16,0 2-65-16</inkml:trace>
   <inkml:trace contextRef="#ctx0" brushRef="#br0" timeOffset="79853.84">5059 3990 940 0,'0'0'182'0,"0"0"-49"16,0 0-12-16,0 0 143 16,0 0-71-16,0 0-11 15,-6-8-59-15,6 4-45 16,0 2-11-16,0 0-17 15,0-1-3-15,0 2-47 0,0-3 1 16,0-2 13-16,4-4-7 16,6-2-6-16,3-5 6 15,5 0-6-15,3-5-1 16,6-1-5-16,7-7 5 16,1 3 0-16,6-4 7 15,1-1-22-15,0 2 11 16,3 3 4-16,-1-2 0 15,3 3 12-15,2 2 2 16,-2 3-14-16,-1-2 1 16,2 3-9-16,-4 4 19 15,3 0-9-15,-3 1 0 16,3 2 2-16,0-1-2 0,4 0 6 16,5 2-8-16,0-2 0 15,0 2 0-15,1-3 1 16,-1 4 0-16,-3-2 0 15,-1 2 1-15,-4-1-1 16,0 2 7-16,-4-3-8 16,-1 4 1-16,-3-3 9 15,-1 1 4-15,1 3-14 16,3 0-2-16,1 2 2 16,4 1 0-16,2-1 1 15,4-3-1-15,4 1 1 16,2 0 26-16,0-2-6 15,-2 2-5-15,0 1-6 16,-5 1-3-16,1-1 1 16,0 1 2-16,-3 2-9 0,2 0 0 15,1-2-1-15,4-3 1 16,2 4 12-16,5-3 19 16,3 0 5-16,4 2-36 15,1 2 7-15,3 2-6 16,2 0 5-16,3 0-6 15,-2 2 11-15,2-2-11 16,-1 2 5-16,-2-2-6 16,0-2-10-16,2 1 10 15,1 0 2-15,3 2 1 16,3 1-3-16,2 0 0 16,2 0 1-16,-1 0 0 15,-6 0 0-15,-6 1-1 16,-2 6 0-16,-5 2 12 0,-2 1-12 15,0 0-6-15,3 0 6 16,1-2 13-16,5 2-13 16,2-2 1-16,3-2-1 15,0 3-6-15,-2-3 6 16,4 0 16-16,0-1-15 16,2 3 12-16,-1 2-13 15,-1 5 1-15,-2-2 6 16,-2 4-6-16,-4 3 3 15,-6-3 4-15,1 4-12 16,-1 1 4-16,0-2 0 0,5 0 0 16,4 2 0-1,5 1 0-15,6 2 1 0,3-1 3 16,4 0 5-16,-5 2-5 16,1-2-3-16,-5 2-1 15,-2 0-8-15,-4 2 7 16,-4 1 1-16,0-1 0 15,-2-1 0-15,2 1 0 16,-1 1 0-16,-3-5 1 16,1-2-1-16,0 0 0 15,-3-4 1-15,1 0-1 16,-3-1 2-16,0 2-1 16,-1 2 13-16,-1-2-13 15,0 3-1-15,0 4 2 16,0 4-1-16,0 0-1 0,2 0 1 15,-2-2-1-15,1 1 1 16,-8-4 1-16,-2 2-2 16,-5-2 0-16,-5 0 0 15,-4-3 6-15,-3-2 2 16,-5-1 6-16,-5-4-7 16,-4-1-7-16,-2 1-6 15,-2-7 6-15,-4 1 0 16,0 1 7-16,-3-4-6 15,-1 2-1-15,1-1 0 16,-3-4 7-16,-1 2 1 16,-5-3-15-16,-5 1 15 15,-4-3-8-15,0 2 0 16,0-2 0-16,0 0-12 0,0 0 4 16,0 0 3-16,-6 0 3 15,-9-12-3-15,-6-6-27 16,-3-4 5-16,-5-2-18 15,-3-5 9-15,-3 2 12 16,-5-1-15-16,-7-2-64 16,-5 0 22-16,-1 0 54 15,-5 0 15-15,3 0 12 16,1 0 17-16,8 3 14 16,8 4 19-16,11 6-7 15,9 6 10-15,9 2-2 16,7 5-14-16,2 3-14 15,0 1-17-15,0 0 11 16,0 0 24-16,0 0-1 0,0 0-10 16,0 0-9-16,0 0-2 15,0 0-18-15,4 0-1 16,7 4 6-16,7 15 12 16,7 8-17-16,11 5-1 15,3 5 7-15,9 2-7 16,0-2 0-16,6 1 8 15,-5-1 3-15,-3-3-11 16,-6-2 0-16,-9-8-9 16,-8-2 8-16,-12-8-32 15,-11 0 33-15,0-1-17 16,-36 3 17-16,-20 2 32 0,-21 0 1 16,-14-3-12-1,-30-3-21-15,-33-9-65 0,23-3-156 16,17 0-964-16</inkml:trace>
-  <inkml:trace contextRef="#ctx0" brushRef="#br0" timeOffset="81137.96">8304 3359 1234 0,'0'0'643'0,"0"0"-325"16,0 0-100-16,0 0-33 15,0 0-43-15,0 0-30 16,0 0-33-16,35-25-23 0,-32 22-20 16,1-1-13-1,2-3-13-15,6-3-1 0,5-6-9 16,17-9 1-16,13-16-1 15,17-7 0-15,30-22 0 16,33-17-11-16,27-9-16 16,12 2 20-16,0 16 7 15,-12 18 0-15,-17 19-4 16,0 8 3-16,-26 13-10 16,-27 7-12-16,-23 6-13 15,-12 4 0-15,-1 3-49 16,0 0 2-16,-4 0-40 15,-19 0-53-15,-17 0-136 16,-8 0-320-16</inkml:trace>
+  <inkml:trace contextRef="#ctx0" brushRef="#br0" timeOffset="81137.95">8304 3359 1234 0,'0'0'643'0,"0"0"-325"16,0 0-100-16,0 0-33 15,0 0-43-15,0 0-30 16,0 0-33-16,35-25-23 0,-32 22-20 16,1-1-13-1,2-3-13-15,6-3-1 0,5-6-9 16,17-9 1-16,13-16-1 15,17-7 0-15,30-22 0 16,33-17-11-16,27-9-16 16,12 2 20-16,0 16 7 15,-12 18 0-15,-17 19-4 16,0 8 3-16,-26 13-10 16,-27 7-12-16,-23 6-13 15,-12 4 0-15,-1 3-49 16,0 0 2-16,-4 0-40 15,-19 0-53-15,-17 0-136 16,-8 0-320-16</inkml:trace>
   <inkml:trace contextRef="#ctx0" brushRef="#br0" timeOffset="81361.42">9779 2471 1427 0,'0'0'482'16,"0"0"-173"-16,0 0-125 15,0 0-47-15,0 0-68 16,0 0-66-16,0 0 18 15,11-55 11-15,26 55-5 16,5 10-26-16,6 16-2 16,-6 4-17-16,-6 8 17 15,-10 0-1-15,-8 0-3 16,-7 1-2-16,-7-3 14 16,-1-5-4-16,-3 0-3 15,0-7-17-15,5-4-102 16,1-8-151-16,9-12-685 0</inkml:trace>
   <inkml:trace contextRef="#ctx0" brushRef="#br0" timeOffset="81750.73">11911 2011 899 0,'0'0'528'0,"0"0"-227"16,0 0-64-16,0 0 22 15,0 0-45-15,53-112-14 16,-46 96-32-16,-2 0-70 16,-3 6-44-16,-2 4-8 15,0 1-29-15,0 5-17 16,0 0-22-16,0 0-41 15,-11 23-8-15,-5 10 71 16,-5 17-1-16,6 9 1 16,1 9-5-16,6 1 5 15,6-4 0-15,2-4 0 16,2-9-3-16,22-9-5 16,12-12 8-16,9-10 3 15,10-8 8-15,3-11 8 16,0-2 9-16,-6-6-28 0,-10-24-14 15,-18 1-82-15,-15 2-319 16</inkml:trace>
   <inkml:trace contextRef="#ctx0" brushRef="#br0" timeOffset="81936.06">11674 2227 2438 0,'0'0'235'16,"0"0"-224"-16,0 0-11 16,0 0 10-16,143-20 15 0,-90 16-25 15,17 4-38 1,-17 3-161-16,-10 4-318 0</inkml:trace>
   <inkml:trace contextRef="#ctx0" brushRef="#br0" timeOffset="82298.82">11938 1742 1403 0,'0'0'511'16,"0"0"-212"-16,0 0-99 15,0 0-61-15,0 0-77 16,0 0-38-16,0 0 21 15,82-35-12-15,-39 26-7 16,1 3-25-16,1 2 3 16,-5 4-4-16,-5 0-44 15,-10 4-287-15,-14 8-1429 0</inkml:trace>
   <inkml:trace contextRef="#ctx0" brushRef="#br0" timeOffset="82620.7">11978 2238 169 0,'0'0'0'0</inkml:trace>
-  <inkml:trace contextRef="#ctx0" brushRef="#br0" timeOffset="82841.91">11978 2238 1348 0,'-132'-26'624'0,"132"20"-375"0,0-1-111 16,11-3-54-16,8 1-43 15,0-2-20-15,6 4-10 16,-1 0 7-16,3 1-18 16,-3 1 2-16,1 0 13 15,-3 1 10-15,3 2 12 16,-3-1-11-16,0 0-26 16,7 3 0-1,-4 0-130-15,-3 0-591 16</inkml:trace>
+  <inkml:trace contextRef="#ctx0" brushRef="#br0" timeOffset="82841.9">11978 2238 1348 0,'-132'-26'624'0,"132"20"-375"0,0-1-111 16,11-3-54-16,8 1-43 15,0-2-20-15,6 4-10 16,-1 0 7-16,3 1-18 16,-3 1 2-16,1 0 13 15,-3 1 10-15,3 2 12 16,-3-1-11-16,0 0-26 16,7 3 0-1,-4 0-130-15,-3 0-591 16</inkml:trace>
   <inkml:trace contextRef="#ctx0" brushRef="#br0" timeOffset="83338">12537 2095 1728 0,'0'0'494'0,"0"0"-322"15,0 0-7-15,0 0 19 16,0 0-28-16,0 0-75 15,0 0-62-15,0 0-19 16,0 0-6-16,0 0-42 16,0 1-61-16,0 2-40 15,0-1 16-15,0 2 60 16,0-2 41-16,0 0-25 16,0-2 18-16,0 0 37 0,0 0 2 15,0 0 25-15,0 0 5 16,0 0-29-16,0-4 40 15,0-5 3-15,0 1-26 16,0-1 4-16,0 1 8 16,0 2-30-16,-2 4-35 15,-1 2 11-15,1 0-38 16,2 0-22-16,0 0-51 16,0 8 32-16,0 3 103 15,0-4 0-15,0-1 1 16,0-5 1-16,-4 2 70 15,2-3 27-15,2 0 9 0,0 0 15 16,0 0-9 0,0 0-27-16,0 0-37 0,0-5-26 15,0-6-23-15,0 1 8 16,0 2-9-16,0 2-106 16,0 2-167-16,0 4-827 0</inkml:trace>
   <inkml:trace contextRef="#ctx0" brushRef="#br0" timeOffset="83859.88">12896 2121 1591 0,'0'0'748'0,"0"0"-671"15,0 0-58-15,0 0 1 0,0 0 30 16,0 0 64-16,0 0-41 15,2 0-38-15,-2 0 11 16,0-6-40-16,0-8-6 16,-12 1-59-16,-3 0-7 15,-10 5-21-15,-4 6 64 16,-4 2 22-16,-2 10 1 16,1 20-9-16,3 9 8 15,6 6-44-15,10 4 2 16,10-4-45-16,5-4 14 15,5-13 31-15,17-11 43 16,7-15 20-16,4-2 25 16,6-8 17-16,1-26-23 15,-1-9-13-15,-3-11-4 16,-3-9-14-16,-8-3 12 16,-5-2-12-16,-5 0 10 0,-7 0 34 15,-6 2-9-15,-2 9 15 16,0 9-24-16,0 14-13 15,0 14 6-15,0 10-5 16,0 10-22-16,-2 0-6 16,-6 16-58-16,0 25 21 15,-3 18 43-15,-1 16 2 16,4 9-2-16,1-2 15 0,7-2-2 16,0-12-13-16,0-8 0 15,0-12-45-15,27-13-87 16,-3-11-154-1,3-16-809-15</inkml:trace>
   <inkml:trace contextRef="#ctx0" brushRef="#br0" timeOffset="84121.07">13480 1686 1936 0,'0'0'324'16,"0"0"-290"-16,0 0-34 15,0 0-91-15,0 0 26 16,0 0 65-16,0 0 0 16,-94 4-19-16,72 40 19 15,-1 13 16-15,6 4 38 0,1 10-8 16,5 2 0 0,7 4-46-16,4-2-8 0,0-7 8 15,0-14 13-15,6-10-2 16,0-12-10-16,-6-7 6 15,0-8-7-15,-15-11-1032 0</inkml:trace>
@@ -1053,22 +1052,22 @@
   <inkml:trace contextRef="#ctx0" brushRef="#br0" timeOffset="86398.88">8595 1121 1342 0,'0'0'353'16,"0"0"-230"-16,0 0-96 16,0 0 5-16,0 0-22 0,0 0-8 15,0 0 37-15,45 114 7 16,-25-50-16-16,5 14-27 16,1 8 28-16,3 3-30 15,-2-3-1-15,0-8 23 16,-1-10-23-16,-3-15 1 15,-1-16 64-15,-5-15 25 16,-1-11-6-16,0-11 24 16,2-5 16-16,9-28 38 15,6-23-39-15,5-17-43 16,13-25-20-16,14-24-26 16,1 10-23-16,-3 11-4 15,-1 19 0-15,-10 24-4 0,-1 2-3 16,-2 6 0-1,-18 17 0-15,-13 18 0 0,-11 15-65 16,-7 10-177 0,-9 18-431-16,-9 4-715 0</inkml:trace>
   <inkml:trace contextRef="#ctx0" brushRef="#br0" timeOffset="86651.25">9859 1538 1680 0,'0'0'433'0,"0"0"-325"16,0 0-63-16,149-24-28 15,-109 16-7-15,-7 5 2 16,-6 3-12-16,-7 0-47 15,-11 0-64-15,-11 17-79 16,-23 1-236-16,-10 0-694 0</inkml:trace>
   <inkml:trace contextRef="#ctx0" brushRef="#br0" timeOffset="86756.71">9748 1748 1122 0,'0'0'492'0,"0"0"-352"15,0 0-43 1,115-4 149-16,-43-12-52 0,5-2-86 15,15 2-65-15,-21 8-43 16,-22 2-478-16</inkml:trace>
-  <inkml:trace contextRef="#ctx0" brushRef="#br0" timeOffset="151051.98">5797 8929 1649 0,'0'0'515'0,"0"0"-300"16,0 0-120-16,0 0 6 15,0 0 50-15,0 0-34 16,-11 0-52-16,11 0-29 16,0 0-10-16,2 0-1 15,5 0-9-15,4-3-12 16,9 2 6-16,9 0-3 15,13 1-7-15,9 0 0 0,9 0-3 16,7 0-15 0,3 5-25-16,-1 5-48 0,-9 4-45 15,-12 7-64 1,-16-3-126-16,-21-4-541 0</inkml:trace>
-  <inkml:trace contextRef="#ctx0" brushRef="#br0" timeOffset="151256.48">5935 9200 1578 0,'0'0'608'0,"0"0"-444"15,0 0-164-15,0 0 1 16,0 0 132-16,0 0 58 0,176-4-72 16,-98-6-60-1,3 4-38-15,-10 0-14 0,-11 6-7 16,-14 0-133-16,-12 0-177 15,-18 0-1265-15</inkml:trace>
+  <inkml:trace contextRef="#ctx0" brushRef="#br0" timeOffset="151051.97">5797 8929 1649 0,'0'0'515'0,"0"0"-300"16,0 0-120-16,0 0 6 15,0 0 50-15,0 0-34 16,-11 0-52-16,11 0-29 16,0 0-10-16,2 0-1 15,5 0-9-15,4-3-12 16,9 2 6-16,9 0-3 15,13 1-7-15,9 0 0 0,9 0-3 16,7 0-15 0,3 5-25-16,-1 5-48 0,-9 4-45 15,-12 7-64 1,-16-3-126-16,-21-4-541 0</inkml:trace>
+  <inkml:trace contextRef="#ctx0" brushRef="#br0" timeOffset="151256.47">5935 9200 1578 0,'0'0'608'0,"0"0"-444"15,0 0-164-15,0 0 1 16,0 0 132-16,0 0 58 0,176-4-72 16,-98-6-60-1,3 4-38-15,-10 0-14 0,-11 6-7 16,-14 0-133-16,-12 0-177 15,-18 0-1265-15</inkml:trace>
   <inkml:trace contextRef="#ctx0" brushRef="#br0" timeOffset="152401.91">6572 8703 1926 0,'0'0'332'16,"0"0"-245"-16,0 0-47 15,0 0 93-15,0 0 28 16,0 0-61-16,0 0-53 0,5-28-35 15,-5 35-12-15,-22 22 0 16,-12 15 36-16,-17 14-13 16,-14 11-3-16,-8 6-7 15,-12 1-2-15,-4 1 2 16,0-5 17-16,-1-4-10 16,8-6-3-16,6-10 6 15,12-10-5-15,10-11-17 16,14-11 3-16,9-14-4 15,6-6-7-15,5-9-20 16,3-19-27-16,1-11 43 16,5-11 11-16,7-9 5 15,1-3-5-15,3-3 10 16,0 6-3-16,18 2-3 16,6 10 1-16,5 4 11 0,5 10-9 15,3 3-2-15,6 16 4 16,8 7-6-16,7 7-3 15,12 13-4-15,7 25-3 16,10 18 7-16,3 14 0 16,1 14 8-16,-11 4-8 15,-8 2-6-15,-14-5 6 16,-14-12-6-16,-11-12 6 16,-8-15 8-16,-5-16 2 15,-5-14-10-15,-2-9-1 0,1-7 1 16,-1-5 8-1,5-21 7-15,1-10-15 0,4-25-19 16,-2 11-104 0,-8 6-193-16</inkml:trace>
   <inkml:trace contextRef="#ctx0" brushRef="#br0" timeOffset="153371.24">7442 8507 1604 0,'0'0'403'16,"0"0"-198"-16,0 0-16 16,0 0-8-16,0 0-39 15,0 0-56-15,0 0-55 16,-3-10-31-16,3 29-35 0,0 19 18 15,11 34 17 1,14 33 21-16,2 2-5 16,2-6 4-16,2-15-20 15,0-21 8-15,3 2-7 16,3 2-1-16,-3-15 11 0,-5-18-11 16,-5-14-7-16,-2-14 4 15,-4-8 3-15,5-20 79 16,3-24 19-16,8-20-36 15,3-14-13-15,8-27-16 16,4-27-2-16,0-20-6 16,-11 14-2-16,-13 31 7 15,-12 39-5-15,-11 30 5 16,0 4 3-16,0 1 0 16,0 10-4-16,-2 9-14 0,3 10-5 15,-3 4-10 1,2 0-8-16,3 9-22 0,-3 41-54 15,0-1-92-15,-2-3-493 16</inkml:trace>
   <inkml:trace contextRef="#ctx0" brushRef="#br0" timeOffset="158897.6">2659 10724 1332 0,'0'0'261'16,"0"0"-154"-16,-33 134-12 15,33-71 1-15,0-3 62 16,12-2-58-16,17-8-57 16,4-11-2-16,5-8-7 15,0-14 7-15,-3-11 11 16,1-6 41-16,-5 0 10 0,-2-20-30 15,-2-16 25 1,2-9-21-16,-3-11-29 0,4-7-16 16,-6-5-9-1,-7-4-9-15,-5-1 11 0,-12 0-4 16,0 3 12-16,-20 7-12 16,-16 11-11-16,-6 16-10 15,-7 12 0-15,-3 18-27 16,6 6 13-16,3 24 5 15,10 22-32-15,13 15-53 16,20 34-130-16,0-10-114 16,18-11-789-16</inkml:trace>
   <inkml:trace contextRef="#ctx0" brushRef="#br0" timeOffset="159124.13">2856 10975 2341 0,'0'0'285'16,"0"0"-197"-16,0 0-88 16,0 0 5-16,0 0-5 15,40 140 0-15,-7-58-29 16,3 4-35-16,-7-1 14 16,-2-11 24-16,-9-15-6 15,-1-14 13-15,-1-19-42 16,9-26-86-16,-3-8-122 0,-4-19-199 15</inkml:trace>
   <inkml:trace contextRef="#ctx0" brushRef="#br0" timeOffset="159784.91">3315 11118 1334 0,'0'0'989'0,"0"0"-839"16,0 0-86-16,0 0 36 16,0 0-12-16,0 0-88 15,0 0-15-15,0 50 15 16,-2 0 18-16,-3 7-3 15,0 5-15-15,3 1-6 0,2-7 0 16,0-6-46-16,0-9-104 16,0-12-209-16,0-15-724 0</inkml:trace>
   <inkml:trace contextRef="#ctx0" brushRef="#br0" timeOffset="160162.59">3212 11400 2447 0,'0'0'186'0,"0"0"-186"16,0 0-10-16,0 0 10 15,152-35 0-15,-94 17 0 16,-7-1-150-16,-7-3-26 16,-10-3 101-16,-14 3 11 15,-13 0 19-15,-7 6 45 16,0 7 97-16,-11 4 66 15,-7 5-55-15,2 2-93 16,3 22-3-16,6 11-9 16,5 6-3-16,2 6-18 15,2-6 7-15,14-2 4 16,4-9-5-16,-2-10-2 16,-5-10 4-16,-1-10 10 0,-10 0 65 15,-2-12 128-15,0-16-43 16,-10-6-85-16,-7-2-13 15,-4 3-23-15,2 9-27 16,1 9-2-16,5 8-36 16,8 7-84-16,5 16-163 15,0 4-467-15</inkml:trace>
-  <inkml:trace contextRef="#ctx0" brushRef="#br0" timeOffset="160386.82">3956 11011 242 0,'0'0'2052'0,"0"0"-1758"0,0 0-187 16,0 0-91-16,0 0 10 16,0 0-26-16,-46 126 9 15,46-56-9-15,2 2-46 16,7 0-10-16,-2-7 28 15,-5-1-10-15,0-18-121 16,-2-18-376-16</inkml:trace>
+  <inkml:trace contextRef="#ctx0" brushRef="#br0" timeOffset="160386.81">3956 11011 242 0,'0'0'2052'0,"0"0"-1758"0,0 0-187 16,0 0-91-16,0 0 10 16,0 0-26-16,-46 126 9 15,46-56-9-15,2 2-46 16,7 0-10-16,-2-7 28 15,-5-1-10-15,0-18-121 16,-2-18-376-16</inkml:trace>
   <inkml:trace contextRef="#ctx0" brushRef="#br0" timeOffset="160533.01">3876 11364 2179 0,'0'0'414'15,"0"0"-360"-15,0 0-23 16,177-14-31-16,-100 6-5 0,-6-1-350 16</inkml:trace>
-  <inkml:trace contextRef="#ctx0" brushRef="#br0" timeOffset="160769.39">4670 10968 2203 0,'0'0'546'0,"0"0"-520"0,0 0-26 15,0 0-116-15,0 0 100 16,0 0 16-16,117 0 9 16,-57 0 6-16,-2 0 1 15,-4-6-3-15,-10 2-13 16,-7 3-3-16,-14 1-113 15,-17 0-142-15,-6 1-198 16,0 12-968-16</inkml:trace>
+  <inkml:trace contextRef="#ctx0" brushRef="#br0" timeOffset="160769.38">4670 10968 2203 0,'0'0'546'0,"0"0"-520"0,0 0-26 15,0 0-116-15,0 0 100 16,0 0 16-16,117 0 9 16,-57 0 6-16,-2 0 1 15,-4-6-3-15,-10 2-13 16,-7 3-3-16,-14 1-113 15,-17 0-142-15,-6 1-198 16,0 12-968-16</inkml:trace>
   <inkml:trace contextRef="#ctx0" brushRef="#br0" timeOffset="160973.25">4712 11301 2447 0,'0'0'301'0,"0"0"-279"0,0 0 12 16,0 0 55-16,0 0 8 16,141-23-31-16,-84 13-46 15,3-1-2-15,-4 3-10 16,-7 2-8-16,-7 2-22 16,1 2-81-16,-12-2-186 15,-9 0-797-15</inkml:trace>
   <inkml:trace contextRef="#ctx0" brushRef="#br0" timeOffset="161766.76">6073 10807 2076 0,'0'0'433'0,"0"0"-303"0,0 0 1 16,0 0 2-16,0 0-22 16,0 0-35-16,0 0-22 15,43-77-5-15,-43 71 2 16,-5 2-29-16,-13 0-22 16,-8 4-13-16,-8 0 5 15,-3 2 2-15,1 12 0 16,2 3 6-16,12-6 7 15,8-1-5-15,10-4-2 16,4-4-30-16,0-2-24 0,14 0 16 16,5 0 38-16,4 0 3 15,-1 0-3-15,-2-6-12 16,-2 0-4-16,-5 0-1 16,-1-1 17-16,-6 4-5 15,-1-1 5-15,-5 1 2 16,0-2 9-16,0 1 1 15,0 2-2-15,0-2-9 16,0 2-1-16,0 2-6 0,0 0-17 16,0 0-15-1,0 0-7-15,0 0 2 0,0 0 1 16,0 0 23 0,0 6 18-16,0-2-3 0,0 0 2 15,0-1-6-15,0-2 8 16,0-1 7-16,0 0-7 15,0 0 18-15,0 0 12 16,0 0 2-16,0 0 4 16,0-8-11-16,0 0-12 15,0-4 0-15,-3-1-8 16,-10 2-5-16,-5-1 0 16,-7 0-10-16,-8 6 3 15,-7 1 2-15,-7 5 5 16,-4 5 4-16,-2 21-4 15,-1 10 0-15,2 14 10 16,4 10 4-16,8 9-1 0,15 4 0 16,19 2-13-16,6-5-1 15,31-6 1-15,20-8 13 16,13-10 5-16,10-10-5 16,4-12 4-16,0-9-4 15,-2-8 2-15,-8-7 2 16,-4 0-17-16,-14 0 0 15,-10-1 0-15,1-17-23 16,-14 1-104-16,-8-1-196 0</inkml:trace>
   <inkml:trace contextRef="#ctx0" brushRef="#br0" timeOffset="162195.93">7085 10753 1925 0,'0'0'467'15,"0"0"-260"-15,0 0-44 0,0 0-18 16,0 0-54-1,0 0-44-15,0 0-12 0,-11-63-23 16,11 63-12 0,0 22-31-16,4 19 31 0,9 18 2 15,3 16-2-15,4 6-2 16,2 2-22-16,1-9 19 16,-1-17-9-16,-2-14 14 15,0-19-24-15,1-16 24 16,0-8 2-16,10-22 79 15,8-26 33-15,7-18-56 16,1-16-30-16,0-8-16 16,-7-5-6-16,-9 5-2 15,-11 10-4-15,-11 14-34 16,-14 23-84-16,-19 19-173 0,-10 19-2178 16</inkml:trace>
   <inkml:trace contextRef="#ctx0" brushRef="#br0" timeOffset="162884.74">5583 11889 1405 0,'0'0'312'0,"0"0"-211"16,0 0 16-16,0 0 77 16,-76 134-29-16,54-86-48 0,-5 0-37 15,0 2 27-15,-2-1 6 16,0-3-53-16,-2-4-9 16,3-4-22-16,3-4-6 15,5-6-23-15,9-7-7 16,7-12-97-16,4-9-127 15,6 0-271-15,11-15-34 0</inkml:trace>
-  <inkml:trace contextRef="#ctx0" brushRef="#br0" timeOffset="163178.92">5782 11640 18 0,'0'0'2090'0,"0"0"-1809"16,0 0-138-16,0 0 6 0,0 0-89 15,0 0-51-15,-161 41-9 16,89 25-4-16,-1 6 3 16,-1-2 0-16,7-8 1 15,17-14 0-15,13-16 12 16,22-16-12-16,15-16-23 16,9-6 17-16,36-27 6 15,15-16 22-15,11-9-2 16,2 0 6-16,-3 6-21 15,-15 12 1-15,-12 11 56 16,-14 19 24-16,-12 10-56 16,-1 9-14-16,-1 28 7 0,4 17-22 15,1 29-1-15,-5-12-161 16,-8-12-487-16</inkml:trace>
+  <inkml:trace contextRef="#ctx0" brushRef="#br0" timeOffset="163178.91">5782 11640 18 0,'0'0'2090'0,"0"0"-1809"16,0 0-138-16,0 0 6 0,0 0-89 15,0 0-51-15,-161 41-9 16,89 25-4-16,-1 6 3 16,-1-2 0-16,7-8 1 15,17-14 0-15,13-16 12 16,22-16-12-16,15-16-23 16,9-6 17-16,36-27 6 15,15-16 22-15,11-9-2 16,2 0 6-16,-3 6-21 15,-15 12 1-15,-12 11 56 16,-14 19 24-16,-12 10-56 16,-1 9-14-16,-1 28 7 0,4 17-22 15,1 29-1-15,-5-12-161 16,-8-12-487-16</inkml:trace>
   <inkml:trace contextRef="#ctx0" brushRef="#br0" timeOffset="176899.02">1880 13497 1741 0,'0'0'417'0,"0"0"-215"16,0 0 4-16,0 0 7 16,0 0-60-16,0 0-60 15,-13-25-45-15,13 25-15 16,-2 0-20-16,2 0-9 15,0 5-4-15,0 17-18 16,0 20 18-16,0 32 16 16,17 38-12-16,16 31-4 15,5-9 0-15,-4-24-19 16,-10-39-5-16,-6-25 0 16,-3-2 2-16,2-4 21 15,-5-9 1-15,0-13 0 16,-7-14-5-16,3-4-4 15,3-13 8-15,9-27 2 16,14-16 28-16,11-16-9 0,13-10-15 16,6-7 1-16,7 0-4 15,0-2 2-15,1-1 8 16,-9-3-6-16,-11 7-6 16,-11 10 5-16,-14 14-4 15,-14 22 8-15,-9 16-4 16,-4 16-5-16,0 8 0 15,0 2-10-15,0 0-14 16,0 4 2-16,-2 10 19 16,-16 7-2-16,-8 4 5 15,-17 1 0-15,-30-2 18 16,-43-6-18-16,-44-4-11 0,-21-6-3 16,3-2 14-16,36 0 20 15,48-2 1-15,32 2-10 16,21-5 17-16,12 4-11 15,16-5-17-15,13 2-32 16,69-2-114-16,16 0 69 16,8 0-245-16</inkml:trace>
   <inkml:trace contextRef="#ctx0" brushRef="#br0" timeOffset="177332.4">3255 13830 2179 0,'0'0'424'16,"0"0"-275"-16,0 0-19 15,0 0 7-15,0 0-45 16,0 0-53-16,0 0-36 16,-4 10-3-16,-15 2-9 15,-5 2-4-15,-1 3 13 16,3-6 5-16,4-1 1 16,7-6 0-16,4-4-6 15,3 0-9-15,-5-12-11 0,-2-7-54 16,-1-4 17-1,4 3-1-15,-1 6 11 0,3 8 32 16,6 6-9-16,0 0-5 16,0 19-37-16,0 6 35 15,6 3 7-15,5-4-19 16,-5-7 4-16,4-17 17 16,-3-5-142-16,-5-17-363 0</inkml:trace>
   <inkml:trace contextRef="#ctx0" brushRef="#br0" timeOffset="177626.2">3696 13427 1909 0,'0'0'668'0,"0"0"-596"0,0 0 27 16,0 0 43-16,0 0-62 15,0 0-49-15,0 0-31 16,0-12-37-16,0 68 37 16,4 16 0-16,8 8 5 15,-1 2 4-15,2-7-8 16,7-14 6-16,3-13-6 16,8-15-1-16,6-16 11 0,13-15-2 15,5-2 12-15,5-19-5 16,4-20-16-16,1-36-18 15,-18 8-145-15,-18 6-842 0</inkml:trace>
@@ -1081,7 +1080,7 @@
   <inkml:trace contextRef="#ctx0" brushRef="#br0" timeOffset="183197.75">6973 14543 1706 0,'0'0'450'0,"0"0"-222"15,0 0 6-15,0 0-63 16,0 0-96-16,0 0-40 16,0 0-13-16,-123-81 20 15,106 81-32-15,-8 20-10 16,-4 20-10-16,-2 21 10 15,0 12 4-15,6 11 3 16,12 6-7-16,11-4-1 16,2-7-37-16,20-13 17 15,16-18-6-15,13-16-1 0,9-21-3 16,20-17-27-16,-11-21-37 16,-19-9-152-16</inkml:trace>
   <inkml:trace contextRef="#ctx0" brushRef="#br0" timeOffset="183369.8">6570 14962 1263 0,'0'0'1535'0,"0"0"-1533"16,0 0-2-16,0 0 0 15,174-44 17-15,-83 17 7 16,36-12-24-16,-23 8-178 15,-19 4-724-15</inkml:trace>
   <inkml:trace contextRef="#ctx0" brushRef="#br0" timeOffset="183760.79">7461 14865 1663 0,'0'0'431'0,"0"0"-310"15,0 0-36-15,0 0-39 16,0 0-35-16,0 0 5 15,0 0 3-15,0 86 31 16,0-40-6-16,-2 4 2 16,-2-4-8-16,4-6 17 15,0-10-20-15,0-11-4 16,0-14-31-16,16-5 11 16,3-1 23-16,1-26 88 0,3-9-40 15,-8-12-50 1,-8-2-2-16,-7 2-6 15,-7 6 4-15,-55 22-28 16,2 10-130-16,-7 10-383 0</inkml:trace>
-  <inkml:trace contextRef="#ctx0" brushRef="#br0" timeOffset="-129928.12">21454 4349 891 0,'0'0'249'0,"0"0"-139"16,0 0-59-16,0 0-10 16,0 0-17-16,0 0-4 15,0 0-16-15,0 0 11 16,0 0 1-16,0 0-16 15,0 0-24-15,0 0-55 16,0 0 24-16,0 0-30 16,0 0 47-16,-2 0 38 15,-4 2 2-15,4 0 65 16,-2 0-3-16,0 0-17 16,2-2-15-16,2 0 2 0,0 0-15 15,0 0 5-15,0 0 31 16,0 2 33-16,0-2 31 15,0 0 12-15,0 0-8 16,0 0-24-16,0 0-54 16,0 0-28-16,0 0-15 15,0 0-2-15,0 0-2 16,2 0 2-16,6 2 0 16,6 0 2-16,4 2 25 15,4-2-18-15,5 0 32 16,4 0 1-16,0-2-21 15,3 0 40-15,1 0-22 16,-2 0-10-16,6 0 15 0,-1 0-22 16,4 0-8-16,7 0 6 15,2 0-10-15,7 0-10 16,2 0-1-16,5 0 1 16,1 0 10-16,2 0-9 15,-4 0-2-15,-1 0 3 16,-3 0-4-16,-2 0 2 15,-5 0-8-15,-2 3 8 16,1-1 0-16,-4-1 6 16,0 2-13-16,-2-3 1 15,1 2-12-15,2-2 18 16,0 1 11-16,0-1 5 16,2 1-15-16,-2 4 5 15,0-3-4-15,-4 3 5 16,-3-2-5-16,1-1 10 0,-5 2-12 15,-3 0 0-15,3-2-8 16,-3 1 7-16,2-3-6 16,0 1-16-16,1-1 23 15,2 0 13-15,-2 2-11 16,2-2-2-16,0 0 9 16,0 0-8-16,1 0-1 15,1 0 0-15,-1 0 11 16,5 0-11-16,-2 0 3 15,3 0 3-15,2-2-5 16,4 1 14-16,1-4-7 16,0 3-8-16,4 0 28 0,-6 0-10 15,2 2-11-15,-2 0 1 16,-6 0-8-16,-1 0 0 16,-3 0 11-16,0 0-10 15,-1 0-2-15,1-2-17 16,1 2 18-16,-1-2 4 15,2 2-1-15,1-2 4 16,1 1-5-16,-1 1 3 16,-3 0 2-16,3 0-4 15,0 0 3-15,-1 0-10 16,1 0 4-16,-1 0-7 0,3 0 7 16,-3 0-1-16,4 0-6 15,-4 0 7-15,3-5-19 16,-1 1 19-16,1 0 0 15,-2-2 22-15,2 0 18 16,-5 2-22-16,3-2-11 16,-1 2 1-16,-2 0-7 15,3 0 3-15,-1 2 5 16,1-2-2-16,2 0-4 16,0-1 7-16,1 3-3 15,4-3 4-15,-1 1-3 16,-2 2 0-16,0 0-8 15,-2 0 0-15,0 0 0 16,-3 0 14-16,3 0-14 16,-3-2 0-16,4 2-6 0,-4-2 6 15,1-1 0-15,1 2 1 16,4-1 5-16,-1-2 1 16,-3 2-7-16,4 1-1 15,-4-4 1-15,1 3 0 16,-3 0 0-16,4-2 0 15,-2 0 1-15,3 0-1 16,0-3 1-16,2 4-1 16,1-3 6-16,1 2-1 15,-4-2 4-15,0 2 1 16,-2 1-4-16,-5 2-6 16,1-1 1-16,-4-1 1 15,-1 4 3-15,-1-2-5 16,-4 2 0-16,0-1 0 0,1 0 0 15,-1-2 0-15,0-1 1 16,7 4 7-16,3-5-2 16,3 2-5-16,6 0-1 15,2-3 8-15,1 3-6 16,-2-1-2-16,1-1-10 16,0-1 10-16,-6 1 10 15,-1 2-9-15,-2-1-1 16,-4 0 6-16,5 2-6 15,-4-2 0-15,1 4 8 16,-2-2-7-16,-1 2-1 16,-3-2 0-16,-2 2 1 15,-4-2 0-15,-2 0 6 0,-3 0-7 16,1 3 0 0,0-1 0-16,2 1 2 0,2-3 6 15,0 3-4-15,3 0-4 16,1 0-1-16,2-1-4 15,-2-2 5-15,1 1 1 16,1-2-1-16,1 3 2 16,1-3 0-16,-2-1-2 15,1 2 1-15,0 0-1 16,0-1 0-16,2 1 2 16,2-1-2-16,3 1 5 15,-3 1-4-15,2 2 0 16,1-2-1-16,-3 0 0 0,3 2 0 15,2-2 5-15,0 0 3 16,1 1 8-16,2-2 2 16,-1 1 0-16,-5-2 8 15,0-1 4-15,-3-1 1 16,-1-1-10-16,-4-1-8 16,-3 0-4-16,-2 4-3 15,-6-1-2-15,-3 1-4 16,-2 3 0-16,-2 1 1 15,0-2 0-15,-3 1-1 16,1 1 0-16,-5 0 1 16,-2 0 0-16,-5 0-1 15,-4-3-15-15,0 2-30 0,-33-10-93 16,-11-1-186 0,-14-3-969-16</inkml:trace>
+  <inkml:trace contextRef="#ctx0" brushRef="#br0" timeOffset="-129928.13">21454 4349 891 0,'0'0'249'0,"0"0"-139"16,0 0-59-16,0 0-10 16,0 0-17-16,0 0-4 15,0 0-16-15,0 0 11 16,0 0 1-16,0 0-16 15,0 0-24-15,0 0-55 16,0 0 24-16,0 0-30 16,0 0 47-16,-2 0 38 15,-4 2 2-15,4 0 65 16,-2 0-3-16,0 0-17 16,2-2-15-16,2 0 2 0,0 0-15 15,0 0 5-15,0 0 31 16,0 2 33-16,0-2 31 15,0 0 12-15,0 0-8 16,0 0-24-16,0 0-54 16,0 0-28-16,0 0-15 15,0 0-2-15,0 0-2 16,2 0 2-16,6 2 0 16,6 0 2-16,4 2 25 15,4-2-18-15,5 0 32 16,4 0 1-16,0-2-21 15,3 0 40-15,1 0-22 16,-2 0-10-16,6 0 15 0,-1 0-22 16,4 0-8-16,7 0 6 15,2 0-10-15,7 0-10 16,2 0-1-16,5 0 1 16,1 0 10-16,2 0-9 15,-4 0-2-15,-1 0 3 16,-3 0-4-16,-2 0 2 15,-5 0-8-15,-2 3 8 16,1-1 0-16,-4-1 6 16,0 2-13-16,-2-3 1 15,1 2-12-15,2-2 18 16,0 1 11-16,0-1 5 16,2 1-15-16,-2 4 5 15,0-3-4-15,-4 3 5 16,-3-2-5-16,1-1 10 0,-5 2-12 15,-3 0 0-15,3-2-8 16,-3 1 7-16,2-3-6 16,0 1-16-16,1-1 23 15,2 0 13-15,-2 2-11 16,2-2-2-16,0 0 9 16,0 0-8-16,1 0-1 15,1 0 0-15,-1 0 11 16,5 0-11-16,-2 0 3 15,3 0 3-15,2-2-5 16,4 1 14-16,1-4-7 16,0 3-8-16,4 0 28 0,-6 0-10 15,2 2-11-15,-2 0 1 16,-6 0-8-16,-1 0 0 16,-3 0 11-16,0 0-10 15,-1 0-2-15,1-2-17 16,1 2 18-16,-1-2 4 15,2 2-1-15,1-2 4 16,1 1-5-16,-1 1 3 16,-3 0 2-16,3 0-4 15,0 0 3-15,-1 0-10 16,1 0 4-16,-1 0-7 0,3 0 7 16,-3 0-1-16,4 0-6 15,-4 0 7-15,3-5-19 16,-1 1 19-16,1 0 0 15,-2-2 22-15,2 0 18 16,-5 2-22-16,3-2-11 16,-1 2 1-16,-2 0-7 15,3 0 3-15,-1 2 5 16,1-2-2-16,2 0-4 16,0-1 7-16,1 3-3 15,4-3 4-15,-1 1-3 16,-2 2 0-16,0 0-8 15,-2 0 0-15,0 0 0 16,-3 0 14-16,3 0-14 16,-3-2 0-16,4 2-6 0,-4-2 6 15,1-1 0-15,1 2 1 16,4-1 5-16,-1-2 1 16,-3 2-7-16,4 1-1 15,-4-4 1-15,1 3 0 16,-3 0 0-16,4-2 0 15,-2 0 1-15,3 0-1 16,0-3 1-16,2 4-1 16,1-3 6-16,1 2-1 15,-4-2 4-15,0 2 1 16,-2 1-4-16,-5 2-6 16,1-1 1-16,-4-1 1 15,-1 4 3-15,-1-2-5 16,-4 2 0-16,0-1 0 0,1 0 0 15,-1-2 0-15,0-1 1 16,7 4 7-16,3-5-2 16,3 2-5-16,6 0-1 15,2-3 8-15,1 3-6 16,-2-1-2-16,1-1-10 16,0-1 10-16,-6 1 10 15,-1 2-9-15,-2-1-1 16,-4 0 6-16,5 2-6 15,-4-2 0-15,1 4 8 16,-2-2-7-16,-1 2-1 16,-3-2 0-16,-2 2 1 15,-4-2 0-15,-2 0 6 0,-3 0-7 16,1 3 0 0,0-1 0-16,2 1 2 0,2-3 6 15,0 3-4-15,3 0-4 16,1 0-1-16,2-1-4 15,-2-2 5-15,1 1 1 16,1-2-1-16,1 3 2 16,1-3 0-16,-2-1-2 15,1 2 1-15,0 0-1 16,0-1 0-16,2 1 2 16,2-1-2-16,3 1 5 15,-3 1-4-15,2 2 0 16,1-2-1-16,-3 0 0 0,3 2 0 15,2-2 5-15,0 0 3 16,1 1 8-16,2-2 2 16,-1 1 0-16,-5-2 8 15,0-1 4-15,-3-1 1 16,-1-1-10-16,-4-1-8 16,-3 0-4-16,-2 4-3 15,-6-1-2-15,-3 1-4 16,-2 3 0-16,-2 1 1 15,0-2 0-15,-3 1-1 16,1 1 0-16,-5 0 1 16,-2 0 0-16,-5 0-1 15,-4-3-15-15,0 2-30 0,-33-10-93 16,-11-1-186 0,-14-3-969-16</inkml:trace>
   <inkml:trace contextRef="#ctx0" brushRef="#br0" timeOffset="-128668.79">22822 3531 787 0,'0'0'470'0,"0"0"-312"16,0 0-58-16,0 0 100 0,0 0 38 16,0 0-45-16,0 0-66 15,84-62-25-15,-75 52-44 16,0-1-31-16,-5 6-10 16,1-1-2-16,-5 4 25 15,0 2 6-15,0 0-6 16,0 0-21-16,0 0-19 15,0 0-43-15,-14 0 0 16,-5 6 43-16,-17 10 14 16,-13 6-8-16,-15 8 5 15,-17 6 12-15,-10 4-11 16,-12 7-2-16,-19 9 6 16,-19 13-7-16,14-5 20 15,16-7-9-15,22-7-11 16,22-14 5-16,-4 4-7 0,2 2 5 15,11-7-12-15,14-6 1 16,7-4 11-16,11-7-12 16,8-3-27-16,5-1-49 15,3-1-65-15,4-5-60 16,4 0 15-16,2-4-26 16,0-2-157-16,0-2-252 0</inkml:trace>
   <inkml:trace contextRef="#ctx0" brushRef="#br0" timeOffset="-126664.02">23210 3498 839 0,'0'0'698'0,"0"0"-476"16,0 0-152-16,0 0-34 15,0 0 20-15,0 0-10 16,0 0-19-16,0 0-9 16,0 0-2-16,0 0 3 0,0 0-16 15,0 0-3-15,0 0-12 16,6 0 0-16,3 0 12 16,7 0 16-16,-1 0 2 15,5 0-16-15,3 0 10 16,3 0 14-16,1 0 29 15,6-2-21-15,2 1 19 16,8-2-7 0,9 2-28-16,3-1 2 0,13 2-7 15,7-1-13-15,5 1 16 16,9 0 4-16,4 0-13 16,2 0-4-16,0 0-2 15,-1 0 1-15,0 0 9 16,-5 0-8-16,0 3-2 15,-5 2 2-15,-1 1-2 0,-3-1-1 16,-2-1 3-16,-2 0 2 16,-3 0-5-16,-2-2 14 15,1 0-14-15,-3 0 3 16,0-2-3-16,0 0 1 16,3 0 1-16,-1 0 6 15,-3 0 4-15,3 0 15 16,-1 0-4-16,-3 0-2 15,0 0-20-15,-1 0 15 16,1 0-16-16,-3 0 2 0,0 0 8 16,-2-2-10-1,-5 0 0-15,1 0 33 0,-2 0-3 16,0-2-7-16,0 2-23 16,0 2 12-16,-1-2-12 15,3 2 2-15,2 0 1 16,2-2-2-16,3 0 0 15,-1-1 1-15,4 3-2 16,-3-1 0-16,-3-2 0 16,2 3 1-16,-1-2 5 15,1 1-6-15,1-3-1 16,4 1 1-16,-1-1 1 16,4-3 6-16,-3-1-4 15,0 2-2-15,-2-3 26 16,-2 0 8-16,-2 1-12 0,-1 0 13 15,0 0-26-15,3 0 10 16,-1 2-20-16,5 0 0 16,0-3 1-16,7 4 9 15,0-4-9-15,2 2-1 16,2-1 19-16,-2 2-12 16,-3 0-7-16,0 1 1 15,-4 1 5-15,-3 3-4 16,-3-3-2-16,0-2 1 15,-8 2 1-15,2 0-1 16,-1-3-1-16,-3 1 0 16,1 0 2-16,2-2 0 15,0 3-1-15,3-6-1 0,-2 4-5 16,1-2 5 0,-2-1 0-16,2 0 0 0,-2 0 7 15,0 2-7-15,3-2 0 16,-1 1 14-16,2-2-14 15,1 1 0-15,-3 0 0 16,0 3 15-16,-2-4-10 16,-7 3-4-16,-4 0 10 15,-7 2-6-15,-3 2 3 16,-2-1-8-16,-2 4 5 16,-2 1 1-16,0 0-6 15,1 0 1-15,1 0 0 16,2 0 4-16,1 0-5 15,4 0 0-15,3 0 1 16,1 0 0-16,-1 0-1 0,1 0 2 16,-2 0-1-16,-4 0 0 15,0 0 0-15,-2 0 4 16,-1 0-5-16,-2 0 0 16,1 0 0-16,-1 0 0 15,-2 0 1-15,0 0 0 16,1 0 4-16,2 0-5 15,-1 0 1-15,1 0-1 16,-3 0-2-16,0 0-2 16,-4 0 4-16,-3 0 7 15,-2 0-7-15,1 0 0 16,-3 0 0-16,2 0 1 0,0 0-1 16,-1 0 0-16,-2 0 0 15,-1 0 0-15,-5 0 0 16,-1 0 0-16,-6 0 0 15,-1 0 1-15,-3 0 3 16,-2 0-3-16,0 0 5 16,0 0-6-16,0 0 0 15,0 0-16-15,0 0 10 16,0 0-8-16,0 0 2 16,0 0-10-16,0 0-3 15,-9 10-21-15,-9 6 31 16,-11 9 15-16,-9 7 19 15,-8 3-8-15,-8 1 15 0,-8 0-11 16,-5 5-10-16,-9-2-5 16,-7 6 1-16,-5-1 2 15,-7-2-2-15,-5 0 9 16,-4-2-10-16,-3-6-4 16,2-1-14-16,5-6 11 15,9-3 7-15,10-2 1 16,15-1 9-16,10-5-10 15,16-2 0-15,13-4 4 16,9-4-4-16,11-2-3 16,7-3-6-16,0-1-15 15,0 0-5-15,0 0 14 16,0 0-1-16,7 0-31 16,0-1-111-16,-2-9-752 0</inkml:trace>
   <inkml:trace contextRef="#ctx0" brushRef="#br0" timeOffset="-121344.14">21373 6102 459 0,'0'0'298'16,"0"0"-298"-16,0 0-300 16,0 0-146-16</inkml:trace>
@@ -1092,7 +1091,7 @@
   <inkml:trace contextRef="#ctx0" brushRef="#br0" timeOffset="-115250.72">22739 5767 411 0,'18'-10'348'0,"-18"10"-67"0,0 0-73 16,0 0-68-16,0 0-52 15,0 0 23-15,0 0-2 16,0 0-37-16,0 0-56 16,0 0 9-16,0 0-1 15,0 0-8-15,0 0-7 16,0 0-9-16,0 0-25 15,4 0 25-15,12 0 42 16,2 0 28-16,4 0-29 16,7 0-1-16,5 0 12 15,3-2-14-15,6 0 7 16,1 0-3-16,3-1-30 16,2 2 3-16,0-1-3 15,2-1-3-15,1 2-6 16,-1-1 6-16,2-1-9 15,1 3 0-15,4-1 0 0,-2 1 0 16,4 0 0 0,-2 0 0-16,-3 0 0 0,-4 0-11 15,-1 0 10-15,-4 0-1 16,-3 0-46-16,-3 6-3 16,-3 0 15-16,1 0 14 15,3-2 22-15,-1 0 0 16,2 0 0-16,3 0 2 15,3-2-1-15,2 0 9 16,1 0-9-16,4 1 1 16,1-2 10-16,2 1-12 15,-2 1 0-15,0-3 0 0,-2 0 2 16,-6 0-1-16,-1 0 8 16,-3 0-9-16,-6 0 3 15,-2 0-1-15,-2 0-1 16,-3 0 28-16,0 0 11 15,0 0 0-15,1 0-20 16,1 0-3-16,0 0-6 16,5 0-2-16,2 0 0 15,3 0-7-15,3 0 6 16,1 0 9-16,2 0 5 16,2 0-3-16,1 0 8 0,-4 0-10 15,2 0 1-15,-4 0-10 16,-1 0-5-16,-1 0 8 15,1 0-3-15,-1 1-7 16,4 0 2-16,2 2-3 16,2-1 1-16,4-1-1 15,2-1 9-15,2 3-8 16,0-3 1-16,3 0-2 16,-6 0 2-16,1 0-1 15,0 0-1-15,-2 0 1 16,-1 0 29-16,-4 0-8 15,1 0-5-15,-5 0-4 16,-1 0 1-16,-3 0-13 16,-1 0 0-16,-2 0 9 15,1 0-10-15,-4 0 1 0,-1 0-1 16,-3 0 1-16,3 0 0 16,3 0 0-16,2 0-1 15,3 0 0-15,4 0 1 16,0 0 0-16,4 0-1 15,-1 3 0-15,4 0 1 16,-1 1 1-16,2-2-1 16,2 0-1-16,2 0-6 15,0-2 6-15,3 2 1 16,-1 0 14-16,2-2-14 16,1 0-1-16,-1 0 0 0,1 0 0 15,-3 0 0 1,-1 0 0-16,-3 0 7 0,-2 0-5 15,-1 0-4 1,1 0 2-16,-3 0 0 0,3 0 2 16,0-2-2-16,0 0 0 15,0 0 0-15,-4 2 0 16,2 0 1-16,-2 0 0 16,-4 0 0-16,4 0-1 15,-1 0 0-15,0 0-1 16,3 0 1-16,1 0 6 15,4 0-6-15,-5 0 0 16,2 0 1-16,-2 0-1 16,-5 0 1-16,-4 0 8 0,-6 0 3 15,0 0 4-15,-3 0 11 16,-1 0-5-16,-2 0-5 16,1 0-3-16,-3-2-14 15,-2 0 1-15,-4 0 4 16,-1 2-4-16,-2-2 0 15,5 2 8-15,0 0-8 16,-1 0 0-16,6 0 0 16,1 0 4-16,2 0-5 15,5 0 1-15,5 0 6 16,5 0-7-16,-2 0 0 16,2 0 0-16,-2 0 1 15,-1 0 0-15,-3 0-1 16,-1 0 5-16,-3 0-4 15,-4 0 0-15,-5 0 9 0,-2 0-10 16,0 0 0-16,-4-3 6 16,2 2-5-16,-6-4-1 15,2 4 0-15,-1-1 4 16,-1-1-4-16,0 2 0 16,4 1 0-16,4 0 0 15,2 0 3-15,0 0-3 16,5 0 0-16,-1 0-1 15,1 0 0-15,-2 0 1 16,-1 0-1-16,-1 0 1 16,-7 0 0-16,-4 0 0 15,-5 0 0-15,-7 0-1 16,-5 0 0-16,-4 0 1 0,2 0-1 16,-2 0-10-1,0 0-20-15,0 0-26 0,2 0-29 16,5 0-55-16,0 0-199 15,0 0-606-15</inkml:trace>
   <inkml:trace contextRef="#ctx0" brushRef="#br0" timeOffset="-114923">31232 5786 1460 0,'0'0'541'15,"0"0"-318"-15,0 0-87 0,0 0-43 16,0 0-42-1,0 0-16-15,0 0-34 16,-44 12 0-16,17-1-1 16,-8 1 10-16,-12 8 23 0,-16 4 11 15,-10 6-20-15,-14 4-15 16,-4 0-2-16,-5 0 0 16,0-3 16-16,3-7-10 15,4-3-6-15,6-6 3 16,10-3-10-16,8-3 6 15,11-7-6-15,15 3 0 16,10-4 0-16,10 1-1 16,11-2-10-16,8 3-70 15,0-3-46-15,2 0-86 0,25 0 95 16,-6 0-120 0,4 0-1167-16</inkml:trace>
   <inkml:trace contextRef="#ctx0" brushRef="#br0" timeOffset="-114747.03">30052 6111 2120 0,'0'0'422'15,"0"0"-422"-15,0 0-39 16,0 0-74-16,0 0-67 15,0 0-61-15,0 0-217 0</inkml:trace>
-  <inkml:trace contextRef="#ctx0" brushRef="#br0" timeOffset="-113381.17">24178 3707 2231 0,'0'0'275'0,"0"0"-193"15,0 0-32-15,0 0 55 0,0 0-5 16,0 0-24-16,0 0-13 16,-17-66-30-16,10 60-27 15,-2-3 5-15,0-4-11 16,-4-4 0-16,0-6 9 15,-6-8-5-15,4-10-4 16,1-15-19-16,6-11-13 16,8-10 20-16,0-10 7 15,27-6-10-15,10-1-25 16,15 5-8-16,2 6 5 16,3 13 35-16,-2 14-2 0,-3 12 9 15,-8 11 1 1,-10 9-26-16,-8 3-99 15,-7 2-98-15,-13 5-250 0</inkml:trace>
+  <inkml:trace contextRef="#ctx0" brushRef="#br0" timeOffset="-113381.18">24178 3707 2231 0,'0'0'275'0,"0"0"-193"15,0 0-32-15,0 0 55 0,0 0-5 16,0 0-24-16,0 0-13 16,-17-66-30-16,10 60-27 15,-2-3 5-15,0-4-11 16,-4-4 0-16,0-6 9 15,-6-8-5-15,4-10-4 16,1-15-19-16,6-11-13 16,8-10 20-16,0-10 7 15,27-6-10-15,10-1-25 16,15 5-8-16,2 6 5 16,3 13 35-16,-2 14-2 0,-3 12 9 15,-8 11 1 1,-10 9-26-16,-8 3-99 15,-7 2-98-15,-13 5-250 0</inkml:trace>
   <inkml:trace contextRef="#ctx0" brushRef="#br0" timeOffset="-113078.58">24611 2396 2074 0,'0'0'220'0,"0"0"-166"15,0 0-54-15,0 0-2 16,0 0-10-16,-114 40 12 16,92-13-1-16,8-4-12 15,8-1-12-15,6-6-21 0,0-6-38 16,16-6 80-16,13-4 4 16,6 0 151-16,7-4-73 15,2-10 5-15,2-2-29 16,-7 4-24-16,-5 4 7 15,-7 6-11-15,-7 2-26 16,-7 4-29-16,-7 20-13 16,-3 26-9-16,-3-3-153 15,0-9-326-15</inkml:trace>
   <inkml:trace contextRef="#ctx0" brushRef="#br0" timeOffset="-112516.64">25415 1624 2079 0,'0'0'271'16,"0"0"-191"-16,0 0 168 0,0 0-130 15,0 0-99 1,0 0-19-16,0 0-17 0,6-3-31 16,-16 42 42-1,-11 15-3-15,0 12 1 0,-6 5 8 16,2-5-22-16,2-12-21 15,8-14 11-15,4-12 31 16,6-15-27-16,3-8-3 16,2-5 31-16,0-13 46 15,0-24-46-15,4-13 0 16,8-12 35-16,3-5 13 16,4-3-2-16,0 4-2 15,3 6-15-15,-1 8 18 16,-4 11 2-16,-3 14-9 15,-3 11-7-15,-5 8-12 0,-3 8-21 16,0 1-21 0,-1 29-47-16,4 20 53 0,3 13 15 15,5 15 14-15,1 3 2 16,1-5-11-16,1-11-5 16,1-9-8-16,-2-11-45 15,-3-5-45-15,-2-12-118 16,-9-10-457-16</inkml:trace>
   <inkml:trace contextRef="#ctx0" brushRef="#br0" timeOffset="-112349.09">25086 1791 2397 0,'0'0'265'15,"0"0"-265"-15,0 0 32 16,0 0-23-16,0 0 63 15,156-22-34-15,-56 22-38 16,-15 0-163-16,-14 4-787 0</inkml:trace>
@@ -1124,8 +1123,8 @@
   <inkml:trace contextRef="#ctx0" brushRef="#br0" timeOffset="-81139.16">26728 2876 1634 0,'0'0'282'15,"0"0"-229"-15,0 0-53 16,0 0-2-16,0 0 0 16,0 0-16-16,0 0-4 15,-23 112-14-15,23-88 15 16,6-9-20-16,13-3-18 16,5-5 59-16,23-7 102 15,-6 0-102-15,-4-7-157 0</inkml:trace>
   <inkml:trace contextRef="#ctx0" brushRef="#br0" timeOffset="-80460.2">27661 2470 108 0,'0'0'259'0,"0"0"170"16,0 0-209-16,0 0 6 15,0 0 33-15,0 0-30 16,0 0-79-16,-2-6-54 0,-1 6-22 16,3 0-30-16,-2 0-44 15,-4 0-31-15,-4 12 31 16,-1 10 21-16,1 4-21 16,-2 7 0-16,3-3 0 15,5-3 13-15,2-6-13 16,2-5-55-16,0-9 43 15,0-2 10-15,8-5 2 16,13 0 131-16,6-2 30 16,13-17-43-16,4-4-47 15,5-9-41-15,0-4-7 16,-7-5-21-16,-4 0 39 16,-7-2-14-16,-10 3 9 0,-13 4-36 15,-8 2-1 1,0 6-19-16,-6 6-15 0,-17 4-29 15,-1 5 12-15,-2 11 7 16,-1 2-27-16,0 0-13 16,-6 31-114-16,6-6-142 15,4 2-229-15</inkml:trace>
   <inkml:trace contextRef="#ctx0" brushRef="#br0" timeOffset="-80345.76">27661 2470 1670 0</inkml:trace>
-  <inkml:trace contextRef="#ctx0" brushRef="#br0" timeOffset="-80251.85">27661 2470 1670 0,'-7'50'763'0,"7"-46"-763"0,7 4-5 0,9 6 5 0,1 6 7 0,8 9 1 0,4 4-7 15,2 6 16-15,5 1-16 16,-3-2 11-16,0 0-12 15,-8-10-145-15,-9-10-806 0</inkml:trace>
-  <inkml:trace contextRef="#ctx0" brushRef="#br0" timeOffset="-78898.07">27995 6752 1861 0,'0'0'339'0,"0"0"-180"15,0 0-40-15,0 0-28 16,0 0-63-16,0 0-20 0,0 0 65 16,0 0 3-16,167-5-35 15,-107 5-22-15,6 0-11 16,-4 0 5-16,-3 0-13 16,-5 0-50-16,-7 10-77 15,-16-1-133-15,-13-6-680 0</inkml:trace>
+  <inkml:trace contextRef="#ctx0" brushRef="#br0" timeOffset="-80251.86">27661 2470 1670 0,'-7'50'763'0,"7"-46"-763"0,7 4-5 0,9 6 5 0,1 6 7 0,8 9 1 0,4 4-7 15,2 6 16-15,5 1-16 16,-3-2 11-16,0 0-12 15,-8-10-145-15,-9-10-806 0</inkml:trace>
+  <inkml:trace contextRef="#ctx0" brushRef="#br0" timeOffset="-78898.08">27995 6752 1861 0,'0'0'339'0,"0"0"-180"15,0 0-40-15,0 0-28 16,0 0-63-16,0 0-20 0,0 0 65 16,0 0 3-16,167-5-35 15,-107 5-22-15,6 0-11 16,-4 0 5-16,-3 0-13 16,-5 0-50-16,-7 10-77 15,-16-1-133-15,-13-6-680 0</inkml:trace>
   <inkml:trace contextRef="#ctx0" brushRef="#br0" timeOffset="-78111.21">29136 6731 1309 0,'0'0'346'0,"0"0"-100"16,0 0-4-16,0 0-21 15,0 0-74-15,0 0-26 16,0 0-87-16,4-22-13 16,-23 22-21-16,-6 0 21 15,-8 10-5-15,-3 14-16 16,-2 8 1-16,2 4 0 15,9 5-1-15,8-1 0 16,14-4-20-16,5-5-28 0,7-8-6 16,24-5 16-16,13-9 38 15,12-9 18-15,7 0-1 16,5-27 25-16,1-9-30 16,-3-10 34-16,-14-7-10 15,-16-1-9-15,-16 3-7 16,-20 0-20-16,-8 11-31 15,-66 12-59-15,5 12-130 16,-2 14-682-16</inkml:trace>
   <inkml:trace contextRef="#ctx0" brushRef="#br0" timeOffset="-77876.94">29190 6936 2255 0,'0'0'235'16,"0"0"-67"-16,0 0 21 16,0 0-73-16,0 0-67 15,0 0-49-15,0 0-35 16,22-33 13-16,2 83 22 16,7 8 3-16,10 13-3 15,3-4 0-15,12 5-32 16,-10-18-129-16,-11-20-424 0</inkml:trace>
   <inkml:trace contextRef="#ctx0" brushRef="#br0" timeOffset="-73565.95">31177 3655 738 0,'0'0'429'16,"0"0"-167"-16,0 0-107 15,0 0-56-15,0 0-19 16,0 0-16-16,0-4-17 15,0 4-2-15,0 0 6 16,0 0-1-16,0 0 0 16,0 0 20-16,0 0-21 0,0 0-1 15,0 0-26 1,0 0-11-16,0 0-9 0,0 0 10 16,0 0-3-16,0 0-9 15,0 2 15-15,0 8 16 16,0 4-19-16,4 7-12 15,1 1-7-15,-1 4 5 16,1 5 2-16,-1 6 2 16,3 8 9-16,-3 5-3 15,1 5-8-15,-3 5 0 16,-2 0 0-16,0-2-12 16,0 1 1-16,0-5 11 0,-2-2 23 15,-5-2-1 1,2 0-17-16,3 2 11 0,2-1-16 15,0-1 1-15,0 0 0 16,0 0 10-16,7 0-2 16,0 0-8-16,-2-1 11 15,1-2-12-15,-2 1 1 16,-2-4-1-16,1-1 2 16,-3 0-2-16,0-4-12 15,0 3 12-15,0-2 0 16,-3 0 11-16,-3-1-11 15,0-1-4-15,-2-3 2 16,2 2 2-16,1-1 4 16,3-5 6-16,2 2-10 15,0-3 0-15,0 0 2 0,0-2 8 16,0 0 0-16,0 0-4 16,0-2-5-16,0 2 1 15,0 1 6-15,0 0-5 16,0-2 10-16,0-3-11 15,0 0-4-15,0-4 10 16,0 0-8-16,2-4 2 16,0-2-1-16,-2-4 0 15,3-4-1-15,-3-2 2 16,0-2 15-16,0-2-17 16,0 0 0-16,0 0-7 15,0-14 6-15,0-8-81 0,-7-6 8 16,-8-4 33-16,-3-4-5 15,-3-1 11-15,4-1 35 16,-3 5 4-16,5 1 81 16,3 3 12-16,3 5-12 15,7 2-26-15,2 5-14 16,0 0-8-16,0 5-27 16,0 5 8-16,0 4-2 15,0 3-5-15,0 0-11 16,0 0-14-16,0 0-6 15,0 14-14-15,0 8 34 16,9 8 25-16,1 6 0 16,4 4-6-16,1 1 0 15,2-6-10-15,1 0-3 16,-3-7-5-16,-2-6-1 0,-1-8-9 16,-4-6 1-16,-3-5 3 15,-1-3 5-15,1 0 31 16,0 0 15-16,5-7 18 15,9-13-6-15,2-6-9 16,6-9-25-16,4-5-10 16,0-4-7-16,3-3-7 15,-3 0-4-15,0-15-51 16,-6 12-102-16,-11 6-348 0</inkml:trace>
@@ -1140,7 +1139,7 @@
   <inkml:trace contextRef="#ctx0" brushRef="#br0" timeOffset="26200.23">8789 9043 2113 0,'0'0'244'16,"0"0"-204"-16,0 0-13 15,187-67-12-15,-94 30 14 0,6-3-26 16,1-2 12 0,-8 2-8-16,-12-1 6 0,-15 6-13 15,-23 2 0-15,-29-4-14 16,-13 7-141-16,0 6-421 0</inkml:trace>
   <inkml:trace contextRef="#ctx0" brushRef="#br0" timeOffset="26408.98">9130 8568 1627 0,'0'0'483'0,"0"0"-310"16,0 0-173-16,0 0 28 15,0 0 82-15,134-44-39 16,-67 40-29-16,6 4-24 0,1 0-11 16,-10 14-7-1,-12 12-13-15,-14 8-5 0,-19 9 8 16,-19 7-2-16,-4 6 12 15,-34 2 49-15,-16-2-22 16,-4-6 0 0,-6-2-27-16,15-11-91 0,18-17-429 15</inkml:trace>
   <inkml:trace contextRef="#ctx0" brushRef="#br0" timeOffset="26722.96">10482 8216 2429 0,'0'0'257'0,"0"0"-186"16,0 0-50-16,0 0 27 16,0 0-47-16,0 0 4 15,0 0 8-15,-122 166-2 16,42-36-3-16,2-5 2 15,20-24-10-15,24-34 0 16,23-27-10-16,9-4-17 16,2-2 1-16,21-10 14 15,25-16 12-15,23-8 18 16,14-23-2-16,6-25-4 16,0-7-12-16,-14-5 0 0,-21-16-31 15,-25 17-118 1,-25 17-279-16</inkml:trace>
-  <inkml:trace contextRef="#ctx0" brushRef="#br0" timeOffset="27986.13">9688 8588 2086 0,'0'0'434'0,"0"0"-286"16,0 0-88-16,0 0 23 15,0 0-79-15,0 0-4 16,0 0 0-16,57-62 34 16,30 26-18-16,6 0-3 15,-4 4 3-15,-18 10-8 16,-21 12-8-16,-32 10-25 16,-18 4-69-16,-68 46 94 15,-67 40 16-15,-61 34 17 16,-22 9-33-16,15-19 31 0,60-38 11 15,70-36 17-15,37-22-4 16,30-11-7-16,6-7-48 16,48 0-56-16,70-28-5 15,78-39 48-15,41-23-16 16,6-13-80-16,-27 9-47 16,-67 26 93-16,-47 21 63 15,-41 20 17-15,-37 17 40 16,-22 8-37-16,-24 8-12 15,-80 56 67-15,-72 48-35 16,-35 23-8-16,1-1-11 16,53-34 3-16,63-42 34 15,43-25 18-15,31-13-22 16,18-6-54-16,26-11-40 0,77-1 0 16,74-51 40-1,29-20 0-15,2-10 0 0,-52 10-21 16,-67 27-4-16,-41 18 25 15,-29 12 0-15,-19 8 0 16,-32 6 1-16,-70 24 21 16,-63 48-3-16,-27 20 0 15,5 8 19-15,52-17 11 16,56-33-27-16,37-25 30 16,28-10-17-16,14-7-35 15,10-6-9-15,61-2-42 16,67-46 51-16,50-28-9 15,12-14 9-15,-36 5-13 0,-58 27 3 16,-60 24 6 0,-28 14-13-16,-18 7 1 0,-16 4 4 15,-59 7 0-15,-54 32 12 16,-4 14 11-16,14 4 1 16,22 0-11-16,40-1-1 15,12-9-75-15,18-8-423 0</inkml:trace>
+  <inkml:trace contextRef="#ctx0" brushRef="#br0" timeOffset="27986.12">9688 8588 2086 0,'0'0'434'0,"0"0"-286"16,0 0-88-16,0 0 23 15,0 0-79-15,0 0-4 16,0 0 0-16,57-62 34 16,30 26-18-16,6 0-3 15,-4 4 3-15,-18 10-8 16,-21 12-8-16,-32 10-25 16,-18 4-69-16,-68 46 94 15,-67 40 16-15,-61 34 17 16,-22 9-33-16,15-19 31 0,60-38 11 15,70-36 17-15,37-22-4 16,30-11-7-16,6-7-48 16,48 0-56-16,70-28-5 15,78-39 48-15,41-23-16 16,6-13-80-16,-27 9-47 16,-67 26 93-16,-47 21 63 15,-41 20 17-15,-37 17 40 16,-22 8-37-16,-24 8-12 15,-80 56 67-15,-72 48-35 16,-35 23-8-16,1-1-11 16,53-34 3-16,63-42 34 15,43-25 18-15,31-13-22 16,18-6-54-16,26-11-40 0,77-1 0 16,74-51 40-1,29-20 0-15,2-10 0 0,-52 10-21 16,-67 27-4-16,-41 18 25 15,-29 12 0-15,-19 8 0 16,-32 6 1-16,-70 24 21 16,-63 48-3-16,-27 20 0 15,5 8 19-15,52-17 11 16,56-33-27-16,37-25 30 16,28-10-17-16,14-7-35 15,10-6-9-15,61-2-42 16,67-46 51-16,50-28-9 15,12-14 9-15,-36 5-13 0,-58 27 3 16,-60 24 6 0,-28 14-13-16,-18 7 1 0,-16 4 4 15,-59 7 0-15,-54 32 12 16,-4 14 11-16,14 4 1 16,22 0-11-16,40-1-1 15,12-9-75-15,18-8-423 0</inkml:trace>
   <inkml:trace contextRef="#ctx0" brushRef="#br0" timeOffset="28653.75">11628 8374 1706 0,'0'0'594'0,"0"0"-362"16,0 0-92-16,0 0-32 0,0 0-14 15,-5-118-23-15,-10 104-23 16,-8 3-44-16,-8 6-4 16,-15 5-10-16,-14 17 10 15,-34 40 0-15,-26 39 1 16,-7 40 19-16,17 13-19 16,41-23 18-16,47-34-19 15,22-38-17-15,16-10-1 16,30 2 7-16,41 1 0 15,44-15 11-15,37-26 7 0,-12-6-7 16,-16-35-4 0,-51-1-96-16,-49 7-192 0</inkml:trace>
   <inkml:trace contextRef="#ctx0" brushRef="#br0" timeOffset="29221.08">12196 8560 1595 0,'0'0'887'16,"0"0"-715"-16,0 0-101 15,0 0-39-15,0 0-15 16,0 0-9-16,0 0 17 16,139-17-6-16,-73 14-11 15,3 3-7-15,-2 0 7 16,-9 0-8-16,-12 0-15 16,-12 0-64-16,-23 14-62 15,-9-2-99-15,-2 0-251 0</inkml:trace>
   <inkml:trace contextRef="#ctx0" brushRef="#br0" timeOffset="29658.35">12296 8774 1550 0,'0'0'600'16,"0"0"-413"-16,0 0-125 15,0 0-11-15,0 0-50 16,0 0 56-16,0 0 11 16,154-3-18-16,-96 1-26 0,-2 0 4 15,-3-2 6 1,-11 4-11-16,-8-2-14 15,-10 2-9-15,-13 0-8 16,-11 0-77-16,0 0-87 0,-6 0-290 16</inkml:trace>
@@ -1154,7 +1153,7 @@
   <inkml:trace contextRef="#ctx0" brushRef="#br0" timeOffset="32706.03">16140 8809 2171 0,'0'0'440'16,"0"0"-297"-16,0 0-23 15,0 0-14-15,0 0-74 16,0 0-13-16,-74 106 0 16,31-55-19-16,-1 2-9 0,7-1-52 15,6-7-79-15,8-7-23 16,9-12-57-16,10-14-235 0</inkml:trace>
   <inkml:trace contextRef="#ctx0" brushRef="#br0" timeOffset="33012.95">16659 8159 2023 0,'0'0'366'15,"0"0"-261"-15,0 0-83 0,0 0 33 16,0 0-29-16,-185 123-16 16,85-22 7-16,13 2-15 15,16-7-2-15,32-11-10 16,35-23 0-16,4 2 10 16,18-2 30-16,31-12 22 15,17-14 33-15,17-14 14 16,8-11-50-16,3-11-25 15,8-17-24-15,-23-14-22 16,-28-2-198-16</inkml:trace>
   <inkml:trace contextRef="#ctx0" brushRef="#br0" timeOffset="33412.92">16195 8731 2119 0,'0'0'256'16,"156"-27"-201"-16,-64 14-23 15,-17 4-17-15,8 3 7 16,4 2-19-16,-14 3 15 16,-13 1-18-16,-19 0 0 15,-15 4-10-15,-16 8-58 16,-10 1 18-16,0 8 50 0,-21 7 34 15,-6 4 14 1,-2 4 5-16,0 0-39 0,2 2 0 16,8-4-14-16,7-2 1 15,12-8 15-15,0-4 14 16,21-8 76-16,10-6-2 16,9-6-5-16,2 0-23 15,-4-12-33-15,-7-14 0 16,-10-8-6-16,-15-6-27 15,-6-2-10-15,-16 2-35 16,-26 6-12-16,-38 14-31 16,9 12-32-16,4 8-164 0</inkml:trace>
-  <inkml:trace contextRef="#ctx0" brushRef="#br0" timeOffset="33783.79">16968 7972 2293 0,'0'0'423'0,"0"0"-292"0,0 0-75 16,0 0 37-16,0 0-33 15,0 0-59-15,0 0-1 16,112 59 0-16,-39 23 12 16,25 50-8-16,8 51 13 15,-15 24 11-15,-34-7 22 16,-39-22-10-16,-20-37-26 15,-56-15-5-15,-35-16 2 16,-34-21-11-16,-23-27-80 16,28-28-151-16,22-24-966 0</inkml:trace>
+  <inkml:trace contextRef="#ctx0" brushRef="#br0" timeOffset="33783.78">16968 7972 2293 0,'0'0'423'0,"0"0"-292"0,0 0-75 16,0 0 37-16,0 0-33 15,0 0-59-15,0 0-1 16,112 59 0-16,-39 23 12 16,25 50-8-16,8 51 13 15,-15 24 11-15,-34-7 22 16,-39-22-10-16,-20-37-26 15,-56-15-5-15,-35-16 2 16,-34-21-11-16,-23-27-80 16,28-28-151-16,22-24-966 0</inkml:trace>
   <inkml:trace contextRef="#ctx0" brushRef="#br0" timeOffset="104880.48">27108 8985 1870 0,'0'0'681'0,"0"0"-617"16,0 0-63-16,0 0-1 15,0 0 17-15,0 0-16 16,21-60-1-16,-21 98 6 16,-11 23 19-16,-10 33 38 15,-8 26-37-15,5-4-26 16,3-16 17-16,8-22-10 15,9-29-7-15,0-5 0 16,2-7 0-16,2-18-5 16,0-13-29-16,6-6 27 15,14-2 7-15,8-20 44 16,7-10-19-16,-6 0-13 16,-5 4-3-16,-11 8-9 0,-8 12 0 15,-5 8-11 1,-2 4-46-16,-32 34-20 0,5-2-84 15,2-4-245-15</inkml:trace>
   <inkml:trace contextRef="#ctx0" brushRef="#br0" timeOffset="106668.16">22838 4588 794 0,'0'0'596'0,"0"0"-305"0,0 0-138 16,0 0-66 0,0 0-4-16,0 0 26 0,0 0-15 15,8-49-4-15,-8 48-14 16,0-2-2-16,0 3-28 16,0 0 2-16,0 0-19 15,0 0-29-15,0 0-7 16,0 0-30-16,0 0-16 15,0 7 0-15,-6 12 53 16,-2 16 12-16,0 13 4 16,1 17-9-16,1 30-7 15,-4 33 10-15,-1 32-7 16,-7 18-3-16,-1-10-25 16,-4-20-17-16,5-42 26 15,3-25-21-15,4-26 33 0,-3-8 2 16,1 3 2-16,-3 4-16 15,-1 1 15-15,3-11-1 16,3-13 2-16,7-12 14 16,0-9-12-16,0-8-4 15,4-2-72-15,-2-14-28 16,-2-16-368-16,-3-10 161 16,-3-6 148-16,-4-3 120 15,1 1 41-15,-3 4 178 16,5 6 30-16,2 5 75 15,5 10-110-15,1 7-30 16,3 8-17-16,0 5-36 16,0 3-45-16,0 5-45 15,7 21-11-15,8 18 11 16,6 14 0-16,1 10 0 0,0 5 26 16,-2-2-19-16,1-10-6 15,-4-12 24-15,-1-20-25 16,-1-14-6-16,3-15 6 15,4-5 83-15,9-31 61 16,8-14-66-16,3-14-64 16,14-39-14-16,-12 15-138 15,-6 12-256-15</inkml:trace>
   <inkml:trace contextRef="#ctx0" brushRef="#br0" timeOffset="107143.9">23733 4834 1710 0,'0'0'390'15,"0"0"-259"-15,0 0-75 16,0 0 6-16,24-108 12 15,-19 92-5-15,-3 2 8 16,1 6 1-16,-1 2 9 16,-2 4-27-16,2 2-32 15,-2 0-12-15,0 0-11 0,0 0-5 16,0 0 0-16,0 0 0 16,0 0-1-16,0 0-4 15,0 0-14-15,0 6-14 16,0 18-5-16,0 14 38 15,0 18 0-15,0 17 13 16,0 25 1-16,-4 22-6 16,-6 19 3-16,-3 0-11 15,0-22 6-15,3-30-9 16,4-32 3-16,2-6-22 16,-1-1-5-16,1-4-22 15,2-2-40-15,-6-21-65 16,4-10-211-16,-2-11-1349 0</inkml:trace>
@@ -1182,7 +1181,7 @@
   <inkml:trace contextRef="#ctx0" brushRef="#br1" timeOffset="-17951.5">20962 3446 1242 0,'0'0'236'16,"0"0"-170"-16,0 0-62 15,0 0 150-15,0 0-13 16,0 0-25-16,0 0-4 16,0 0-42-16,0-1-44 0,0 1-17 15,0 0-9-15,0 9-39 16,2 12 2-16,0 9 26 16,0 6 11-16,-2 8 11 15,0 5-8-15,0 5 8 16,0 24 15-16,0 32-20 15,-9 28-3-15,-2 9-3 16,-2-10 18-16,1-30-18 16,5-30 7-16,5-16-7 15,0 0 0-15,2 7-13 16,0 8 13-16,0 8 0 16,0-6 1-16,0-3 1 15,0-9-1-15,0-8 1 0,0-6-2 16,0-7 0-1,0-12 1-15,0-5 10 0,0-10-11 16,-2-5 1-16,2-5 2 16,-2-7-3-16,-7-1 0 15,2 0-134 1,-2-7-374-16</inkml:trace>
   <inkml:trace contextRef="#ctx0" brushRef="#br1" timeOffset="-15798.03">20964 3561 772 0,'0'0'352'0,"0"0"-327"16,0 0 20-16,0 0-45 0,0 0 67 16,0 0-19-16,0 0-21 15,0 0-15-15,6 0 22 16,3 0 52-16,5 0 30 15,3 0-54-15,8 0-27 16,4 0 3-16,6 0-21 16,7-2-1-16,5 0-5 15,7 0-10-15,4-1 19 16,2 2-20-16,5-1 11 16,4-1-7-16,2 2-4 15,5-3 0-15,1 2-2 16,6-3-14-16,2-2 16 0,1 1 3 15,1 0-1 1,0 0 0-16,0 2 19 0,-2 1-19 16,-3 2 11-16,-1 1-13 15,-4-3 0-15,4 3 1 16,-3-2-1-16,2-2 0 16,0 0 20-16,3-3-18 15,-1 1 19-15,1 0-5 16,0 0 6-16,0 0-3 15,5 0 1-15,5 0 11 16,5 0-20-16,3 2-9 16,-1-2 18-16,2 0-11 15,16 0-9-15,20 0 10 16,-15 2 28-16,-12 1 1 0,-13 3-25 16,-15 0-8-16,10 0-6 15,14-2 0-15,0 2 9 16,0 0-9-16,0-1 0 15,4-2 22-15,1 1-20 16,0 1-2-16,-1-2 1 16,-2 2 1-16,-5 1-1 15,2-2 13-15,-4 0-14 16,0 0-17-16,1-2 17 16,-1 0 11-16,3 0-11 15,0 0 15-15,-3-2-15 16,-2 0 0-16,3 0 25 15,0-3-23-15,-3 4 10 16,1-4-6-16,-4 4 11 16,-3-2 2-16,-5 1 8 0,-5 0-11 15,-1 0-5-15,-2 2 8 16,-6-2 6-16,-4 2-4 16,1 0-7-16,-6 0 2 15,-1 2-15-15,-3-2 12 16,1 0-12-16,-5 2 1 15,0 1-1-15,0-2 9 16,2 0 22-16,2 0 4 16,3 1-27-16,4-2 0 15,2 2-8-15,7-2 8 16,3 2-3-16,3 0 1 16,3 0 3-16,0 0-10 15,0 0 0-15,0 0 0 16,-1 0-9-16,-1 2 9 0,2-2 0 15,-2 2 0-15,2-2 0 16,-3 2 0-16,1-3 0 16,2 3 9-16,2-1-9 15,0 0-1-15,1-2 0 16,-2 0 1-16,1-1 0 16,0-1 13-16,-2-1-13 15,-4 2 0-15,-3-2 2 16,-2 2 6-16,-2-3-8 0,-2 1-1 15,-1 1-6 1,0 2 7-16,-1-2 6 0,1 3-6 16,3 0-5-16,0 2-1 15,0 0 2-15,-1 0 4 16,4 0 12-16,-4 2-5 16,-2 2-7-16,-3 0-11 15,-3 2 11-15,-7-2 0 16,-4-1 0-16,-8 2-13 15,-3-1-11-15,-9 0 7 16,-9 0 6-16,-10-2 11 16,-5-2 7-16,-8 0-7 15,-2 0-1-15,-2 0-10 16,0 0 11-16,0 0-11 16,0 0-3-16,0 0 12 0,0 0-13 15,0 0 3-15,0 0-13 16,0 2 8-16,0-2 17 15,0 0 0-15,0 0-18 16,0 0 3-16,0 9 3 16,0 0 12-16,0 5 17 15,2 4-17-15,5 0 1 16,-1 4 7-16,4-1-8 16,-2-3 17-16,1 0-17 15,-2-4 0-15,-2-4 0 16,-1-5 0-16,0 2 0 15,-1-6 1-15,-1 4 21 16,0 0-22-16,0 4-8 16,0 4 7-16,3 5 0 15,-1 11-19-15,-1 5 13 0,-1 6 7 16,-2 7 15-16,0 3-14 16,2 2 11-16,-2 3-9 15,0 8 4-15,0 5-7 16,0 6 0-16,-2 2 8 15,-5 2-7-15,-2-1-1 16,3-4-1-16,-3 0 1 16,-1-1 1-16,4-2-1 15,-3-1 18-15,3-3-10 16,-2-4-7-16,2-5-1 16,-1-4 0-16,-1-3-1 15,-4-3 1-15,-1 0 0 16,-1 2 1-16,-3-1-1 15,-1-2 0-15,-2 0 0 16,0-6-28-16,-1-4 28 0,2-8 1 16,5-6 1-16,1-6 8 15,-3-8-10-15,1-5-10 16,-23-6-20-16,2-15-189 16,0-8-335-16</inkml:trace>
   <inkml:trace contextRef="#ctx0" brushRef="#br1" timeOffset="-13843.08">21041 3461 757 0,'0'0'257'0,"0"0"-202"15,0 0-53-15,0 0 19 0,0 0 13 16,0 0-9 0,0 0 62-16,0 0 11 0,0 0 3 15,0 0 36-15,-4 0-37 16,-3 0-59-16,1 0-20 16,-2 0-21-16,4 0 19 15,2 0-19-15,2 0 0 16,0 0-10-16,0 0 10 15,0 0 25-15,14-2-4 16,10-6 44-16,10-4-34 16,12-4 7-16,10-5 2 15,13 0-24-15,9-6 33 16,29-4 53-16,29-12 6 0,29-9-4 16,9 0 1-1,-14 2-49-15,-37 12-12 0,-39 12-22 16,-22 3-11-16,-8 4 3 15,8-5-13-15,7-2-1 16,9-5 17-16,-2 1 3 16,0 3-1-16,2 0 2 15,0 1-20-15,5 4 7 16,1 0-8-16,5 2 6 16,4 4-6-16,26-2 0 15,-12 4 14-15,4 1-14 16,3 4-2-16,-18 1 2 15,8 0 1-15,-7 0 5 16,-16 0-6-16,-16-1 0 16,-18 1 1-16,-16 3 5 0,-13-1 9 15,-11 3 36 1,-3 2-2-16,-4-2-17 0,0-1-23 16,0 3-9-16,0-1 0 15,0 0-8-15,0 2 1 16,0 0 1-16,0 0-17 15,0 0-70-15,0 0-40 16,-11 0-142-16,-2 4-229 16,-2 1-192-16</inkml:trace>
-  <inkml:trace contextRef="#ctx0" brushRef="#br1" timeOffset="-12843.24">23728 2542 457 0,'0'0'583'15,"0"0"-334"-15,0 0-107 16,0 0 31-16,0 0-58 15,0 0-115-15,0 0-151 16,-7-1-239-16,-1 2-50 0</inkml:trace>
+  <inkml:trace contextRef="#ctx0" brushRef="#br1" timeOffset="-12843.25">23728 2542 457 0,'0'0'583'15,"0"0"-334"-15,0 0-107 16,0 0 31-16,0 0-58 15,0 0-115-15,0 0-151 16,-7-1-239-16,-1 2-50 0</inkml:trace>
   <inkml:trace contextRef="#ctx0" brushRef="#br1" timeOffset="-11123.81">23566 2592 1003 0,'-13'0'341'0,"-1"0"-190"15,5 0-82 1,0 0-17-16,7 0-22 0,2 0-30 15,0 0-84-15,0-5 84 16,0-1 97-16,9-2-46 16,-3 1-11-16,3-1 71 15,-2 2-29-15,4-2-10 16,-2 2-19-16,5 0-11 16,1 0 3-16,5 3-32 15,5-1 1-15,6 1-4 16,7 3-1-16,8-2 9 0,8 2 11 15,8 0-11-15,7-1 14 16,10-4 2 0,3 4-2-16,5-4-8 0,7 1-10 15,4 0-1-15,2 0-13 16,2 0-4-16,3 0 4 16,0 0 0-16,0 0 8 15,1 0 10-15,-1 0-18 16,0 1 1-16,-1 0 6 15,2 1-7-15,-2 1 0 16,0 1-1-16,-1-3 1 16,2 1 6-16,-5 2-6 15,3 0 0-15,-3 0 4 0,0 0-3 16,0 0 5-16,-3 0-6 16,-2 0 0-16,-1 0-6 15,-1 0-2 1,-1 0 8-16,-3 0 0 0,-3 0-3 15,1 0 3-15,-2 0 22 16,0 0 14-16,-3 0-17 16,1 0-18-16,-3 0 12 15,0 0-13-15,0 0-6 16,-2 0 6-16,-2 2 13 16,5 2-12-16,-2 1-1 15,4-4-8-15,2 4 8 16,-5-4 5-16,-2 0 3 15,-3 2-5-15,-1-1-3 16,-3 0 1-16,-4-2-1 0,0 2 0 16,-1-2 7-16,-1 0-7 15,0 0 0-15,2 0 0 16,2 0 0-16,2 0 0 16,3 0 0-16,-1 0 1 15,4 0 2-15,-4 0-2 16,-2 0-1-16,-1 0-7 15,-4 0 7-15,1 0 10 16,0-2-10-16,-3 0 10 16,3 2-14-16,3-2 12 15,-6-1-3-15,1 2-4 16,-1 0 0-16,1-2 6 16,1 0-7-16,1 0 0 0,0 1 1 15,2 1 16 1,2-2-7-16,3-1 3 0,4 2-5 15,-1-2 4-15,2 2-11 16,-4 0 0-16,-3 2-1 16,-3 0 1-16,-4 0-1 15,-5-2 7-15,-2 2-7 16,-4-2 0-16,-4 2-1 16,2-2 2-16,-1 2-1 15,2 0 7-15,-1-2-7 16,1 2 1-16,1 0-1 15,-1-2 0-15,3-1 1 0,0 2-1 16,-1 1 1 0,0 0 0-16,1 0 0 0,0-2-1 15,-2 2 0-15,0-3 0 16,-4 3-1-16,2 0 1 16,-4 0 0-16,-1 0 0 15,1 0 8-15,-4 0-6 16,-4-1-1-16,0 1-1 15,-2 0 0-15,-2-1 1 16,-1 1-2-16,-2 0 2 16,-1 0-1-16,-1 0 1 15,-4 0 0-15,-3 0-1 16,1 0 2-16,-1 0-8 0,3 0 3 16,4 0 2-1,10 0 1-15,3 0 0 0,7 0 0 16,10 0 1-16,-1 0-1 15,0 1-6-15,-2 3 6 16,-7-2 13-16,-8-2-11 16,-8 0 14-16,-8 0 5 15,-6 0 7-15,-4 0 3 16,-7 0-10-16,-1-5-6 16,1 3-9-16,-4-3-6 15,3 1 0-15,-7 2 1 16,0 2-1-16,0-2 0 15,-2 2 0-15,0 0 0 16,0 0-11-16,0 0-11 16,0 0-6-16,0 0-13 0,0 0 8 15,0 0 6-15,-4 0 20 16,2 0 7-16,-5 0 10 16,1 0 2-16,-3 0 1 15,2 0-12-15,-2 2 5 16,0 3-5-16,0 1 1 15,-4-1 12-15,0 1-13 16,-5 0-1-16,-1 2 7 16,2 0-6-16,-3 0 5 15,-3 2-6-15,2 2 0 16,-11 2 0-16,-1 3 1 16,-10 4 0-16,-5 5 5 0,-12 9-5 15,-17 7-1-15,-7 3 2 16,-10 4-2-16,3-1-4 15,4-2-4-15,5-6 0 16,11-4 8-16,1-4 1 16,7-6 0-16,9-2-1 15,4-5 0-15,12-5 0 16,7-3-1-16,9 0-13 16,9-3-49-16,5-2-46 15,4-1 17-15,4 2 34 16,0-1-33-16,0 1-11 15,0-1-89-15,0 1-110 0</inkml:trace>
   <inkml:trace contextRef="#ctx0" brushRef="#br1" timeOffset="-9776.86">33370 2727 279 0,'0'0'500'0,"0"0"-320"16,0 0-53-16,0 0 4 16,0 0-10-16,0 0-24 15,0 0-19-15,-37-33-31 16,37 28 37-16,0-3 22 16,8 2 23-16,-2-2-56 15,1 4 24-15,-3-2 64 16,0 3-66-16,-2 0-20 15,1 1 6-15,0 2 7 0,-3 0-15 16,0 0-33-16,0 0-21 16,0 0-3-16,0 0-15 15,0 0 2 1,0 0-3-16,0 0-12 0,0 0-22 16,0 3-18-16,0 16 30 15,0 6 21-15,0 12-23 16,0 7 24-16,0 6 9 15,0 6 9-15,0 9-6 16,0 7-12-16,2 4 8 16,4 4-8-16,1 3 13 15,-3 0-11-15,-2-2 16 0,-2-6-1 16,0-2 8-16,0-3-9 16,-4-2 2-16,0-4-18 15,-9-3-2-15,3-7 2 16,-1-10 13-16,3-10-8 15,0-10-5-15,6-10 6 16,0-5 5-16,0-6-2 16,2-3-7-16,0 0 6 15,0 0 2-15,0 0 0 16,0 0-1-16,0 0-9 16,-2 0-39-16,-3 0-86 15,-9 0-138-15,4-6-243 16,-3-1-683-16</inkml:trace>
   <inkml:trace contextRef="#ctx0" brushRef="#br1" timeOffset="-9301.77">33182 3940 1621 0,'0'0'375'15,"0"0"-279"-15,0 0-62 16,0 0 64-16,0 0 62 16,0 0-47-16,0 0-55 15,14-8-47-15,-14 8 5 16,0 0 8-16,-3 0-24 0,-13 0-21 15,-15 16 21-15,-15 10 17 16,-16 14-4-16,-19 12 0 16,-26 19-4-16,0-1-8 15,-7 7 8-15,-19 8-7 16,-3 2 4-16,0-4 4 16,21-12-10-16,21-17 8 15,29-15-7-15,2 2 1 16,1 3-1-16,18-8-1 15,10-4 0-15,14-7 0 0,11-8-25 16,7-5-13-16,2-4 7 16,0-3 31-16,0-5 0 15,27-2-12-15,-2-16-55 16,-6-4-1095-16</inkml:trace>
@@ -1220,34 +1219,34 @@
   <inkml:trace contextRef="#ctx0" brushRef="#br1" timeOffset="-191804.88">24428 11097 1198 0,'0'0'586'0,"0"0"-403"16,0 0-183-16,0 0-2 16,0 0 2-16,0 0 36 15,0 0-19-15,0-2-15 16,0 2 43-16,0 0 64 16,0 0 51-16,0 0-22 15,0 0-7-15,0 0-66 16,0 0-27-16,0-2-38 15,0-2-18-15,0-1-5 0,6 2-16 16,2-5 39-16,-2 2 22 16,1 0 8-16,-3 2-20 15,-4 4 1-15,0 0-11 16,0 0-9-16,0 0-46 16,0 0 43-16,0 0 12 15,0 0 13-15,0 0 11 16,0 0 1-16,0 0-8 15,0 0 2-15,0 0-5 16,0 0-14-16,0 0-5 16,0 0 4-16,0 0 0 15,0 0-15-15,0 0 16 16,0 0-63-16,0 0-211 0</inkml:trace>
   <inkml:trace contextRef="#ctx0" brushRef="#br1" timeOffset="-191054.84">24941 10694 1680 0,'0'0'521'15,"0"0"-302"-15,0 0-143 0,0 0 36 16,0 0-29 0,0 0-47-16,0 0-36 0,15-38-58 15,-24 83 58-15,-4 22 19 16,-3 11 37-16,1 4-27 15,1-2-10-15,1-7-10 16,4-15-4-16,2-18 6 16,5-14 6-16,2-16 3 15,0-7-8-15,0-3 9 16,0-3-6-16,2-21 13 16,10-10 25-16,-1-14-31 15,4-13-9-15,1-6-13 16,4-8 1-16,-3-1-1 15,4 2-25-15,-4 8 16 16,-3 13 9-16,-3 13 17 0,-3 14-15 16,-4 12 7-16,-2 10 13 15,-2 4-22-15,0 0-17 16,0 6-33-16,4 22 13 16,5 18 37-16,5 17 12 15,5 13-2-15,6 12 8 16,2 2-4-16,4 1-9 15,-2-6-5-15,0-8 11 16,-4-11-11-16,-4-12-5 16,-5-15 5-16,-3-15 0 15,-6-9-18-15,-7-4-62 16,0-7-125-16,-11-4-382 0</inkml:trace>
   <inkml:trace contextRef="#ctx0" brushRef="#br1" timeOffset="-190899.82">24758 11101 1362 0,'0'0'1424'16,"0"0"-1335"-16,127-28-52 16,18 14 3-16,-16 2-40 15,-9 2-284-15</inkml:trace>
-  <inkml:trace contextRef="#ctx0" brushRef="#br1" timeOffset="-151794.61">29586 6029 2020 0,'0'0'467'0,"0"0"-250"0,0 0-78 15,0 0-42-15,0 0-50 16,0 0-47-16,29-45-1 16,13 31 1-16,12 1 1 15,4 5-1-15,22 4-66 16,-16 2-144-16,-12 2-676 0</inkml:trace>
+  <inkml:trace contextRef="#ctx0" brushRef="#br1" timeOffset="-151794.62">29586 6029 2020 0,'0'0'467'0,"0"0"-250"0,0 0-78 15,0 0-42-15,0 0-50 16,0 0-47-16,29-45-1 16,13 31 1-16,12 1 1 15,4 5-1-15,22 4-66 16,-16 2-144-16,-12 2-676 0</inkml:trace>
   <inkml:trace contextRef="#ctx0" brushRef="#br1" timeOffset="-150848.91">30885 5234 1948 0,'0'0'234'0,"0"0"-179"16,0 0-19-16,0 0 54 15,-80-108 71-15,69 93-70 16,2 7 8-16,0 2-45 16,-4 6-36-16,-10 0-18 15,-8 2-3-15,-11 25-1 0,-10 10 3 16,-4 11-24-16,-2 8-81 15,8 3-69-15,-8 7-13 16,15-16-71 0,15-14-420-16</inkml:trace>
   <inkml:trace contextRef="#ctx0" brushRef="#br1" timeOffset="-149480.49">28532 13227 893 0,'0'0'380'0,"0"0"-271"15,0 0-56-15,0 0 25 0,0 0 47 16,0 0-24-16,22-111-9 16,-3 91-14-16,-2 0-22 15,-1 0-34-15,-1 4-8 16,1 2-14-16,1 2-36 15,-3 4-240-15,-3-1-667 0</inkml:trace>
   <inkml:trace contextRef="#ctx0" brushRef="#br1" timeOffset="-148672.32">26605 10931 420 0,'0'0'357'0,"0"0"-271"15,0 0-86-15,0 0-26 16,0 0-37-16,0 0 61 16,0 0-19-16,114-19-14 15,-105 28-23-15,-5 2 7 16,-4 3-534-16</inkml:trace>
   <inkml:trace contextRef="#ctx0" brushRef="#br1" timeOffset="-148318.09">26188 11061 1018 0,'0'0'1098'0,"0"0"-912"16,0 0-169-16,0 0-16 16,0 0 9-16,0 0 14 15,0 0 79-15,154-20-28 0,-78 13-37 16,6 1-15-1,-2 2-10-15,-3 1-13 0,-11 3 0 16,-10 0-1-16,-10 0-65 16,-14 5-71-16,-19 22-115 15,-13-5-56-15,0 0-408 0</inkml:trace>
-  <inkml:trace contextRef="#ctx0" brushRef="#br1" timeOffset="-148127.73">26522 11328 2086 0,'0'0'281'16,"0"0"-210"-16,0 0-28 15,0 0 47-15,166 0 17 16,-95 0-41-16,4 0-35 16,3-5-17-16,-2 0-14 15,-6-1-9-15,11-9-85 16,-18 3-129-16,-16-2-884 0</inkml:trace>
+  <inkml:trace contextRef="#ctx0" brushRef="#br1" timeOffset="-148127.74">26522 11328 2086 0,'0'0'281'16,"0"0"-210"-16,0 0-28 15,0 0 47-15,166 0 17 16,-95 0-41-16,4 0-35 16,3-5-17-16,-2 0-14 15,-6-1-9-15,11-9-85 16,-18 3-129-16,-16-2-884 0</inkml:trace>
   <inkml:trace contextRef="#ctx0" brushRef="#br1" timeOffset="-147775.96">26961 10818 2224 0,'0'0'309'0,"0"0"-210"0,0 0-71 15,-129-19 9-15,107 16 55 16,8 3-24-16,8 0-41 16,6 0-27-16,0 3-27 15,6 14 27-15,17 10 5 16,6 8 2-16,9 9-6 16,6 6-1-16,3 4 0 15,5 4-5-15,-4 3 5 16,-1-1-8-16,-7 3 7 15,-9-3 1-15,-12-2 1 16,-13-7 6-16,-6-2-7 16,-18-5 0-16,-20-4 1 15,-8-9 13-15,-4-4-6 0,5-7 8 16,10-8-15-16,11-5-1 16,24-7-66-16,0-7-149 15,13-10-590-15</inkml:trace>
   <inkml:trace contextRef="#ctx0" brushRef="#br1" timeOffset="-147339.09">28004 10682 288 0,'0'0'1885'0,"0"0"-1610"16,0 0-199-16,0 0-48 16,0 0-28-16,0 0 0 15,0 0 0-15,-29 158 19 16,16-84-9-16,4 2-9 15,9-7-1-15,0-10 1 16,2-15 0-16,20-17 12 16,9-11 8-16,10-14 19 0,9-2 29 15,9-28 2 1,3-19 9-16,-4-12-39 0,-4-13 3 16,-10-8-15-16,-13-4 2 15,-13-2-12-15,-16 4-2 16,-2 10-17-16,-18 14 0 15,-17 16-7-15,-12 19-12 16,-33 23-62-16,9 7-165 16,6 21-513-16</inkml:trace>
   <inkml:trace contextRef="#ctx0" brushRef="#br1" timeOffset="-147145.94">28162 10950 1936 0,'0'0'340'16,"0"0"-235"-16,0 0-43 16,0 0 21-16,78 153-46 15,-55-88-1-15,-2 10-36 16,6 3-13-16,0 2-39 16,2-7-20-16,9-1-64 15,-7-22-269-15,0-18-612 0</inkml:trace>
   <inkml:trace contextRef="#ctx0" brushRef="#br1" timeOffset="-146975.58">28882 10878 2332 0,'0'0'419'0,"0"0"-290"15,0 0-98-15,0 0-31 16,0 0-13-16,0 0-18 15,0 0-39-15,102-34-136 16,-64 40-202-16,-9 6-653 0</inkml:trace>
-  <inkml:trace contextRef="#ctx0" brushRef="#br1" timeOffset="-146808.73">28722 11164 2168 0,'0'0'403'0,"0"0"-316"0,0 0-87 16,0 0 0-16,0 0 5 16,122-5 45-16,-61-5-50 15,25-2-107-15,-16 1-328 16,-13 4-813-16</inkml:trace>
+  <inkml:trace contextRef="#ctx0" brushRef="#br1" timeOffset="-146808.74">28722 11164 2168 0,'0'0'403'0,"0"0"-316"0,0 0-87 16,0 0 0-16,0 0 5 16,122-5 45-16,-61-5-50 15,25-2-107-15,-16 1-328 16,-13 4-813-16</inkml:trace>
   <inkml:trace contextRef="#ctx0" brushRef="#br1" timeOffset="-146465.96">29884 10596 1324 0,'0'0'1044'16,"0"0"-880"-16,0 0-116 15,0 0 84-15,0 0-14 16,0 0-36-16,0 0-62 16,-6-87-6-16,-21 107-14 15,-11 22 13-15,-18 33-6 16,8 5-7-16,1 12 6 16,15 4-5-16,24-16-2 15,8 4-2-15,6-13-20 16,34-13 3-16,16-16-15 0,9-13 35 15,1-14 11 1,0-15-11-16,-2-20-38 0,-20-14-99 16,-17-8-484-16</inkml:trace>
   <inkml:trace contextRef="#ctx0" brushRef="#br1" timeOffset="-146052.75">29566 10987 2176 0,'0'0'324'0,"0"0"-300"16,0 0 4-16,162 0 49 16,-79-5-44-16,2 1-16 0,-8 2-17 15,-12 2-1 1,-13 0-35-16,-19 0-7 0,-13 0 0 16,-11 0 9-16,-9 0 8 15,0 5 26-15,0 3 1 16,0 2 26-16,0-1-5 15,0 4-5-15,0 0 6 16,0 6 4 0,0 6-2-16,0 8-6 0,0 7-13 15,0 6 4-15,-11 4-2 16,4 0-7-16,2 0 14 16,5-7 10-16,0-7-18 15,5-9-7-15,15-10 0 16,5-11 1-16,2-6 58 15,4-8-1-15,0-24-22 16,-6-14 1-16,-8-11 4 16,-15-3-34-16,-2-1 24 0,-17 4-31 15,-24 13-32-15,-23 17-3 16,8 16-133-16,12 11-758 16</inkml:trace>
-  <inkml:trace contextRef="#ctx0" brushRef="#br1" timeOffset="-145498.77">30754 10479 969 0,'0'0'1005'0,"0"0"-674"16,0 0-139-16,0 0 12 16,0 0-53-16,0 0-66 15,0 0-85-15,0-38-32 16,-10 66 1-16,0 15 31 15,-3 13 8-15,-1 8 21 16,5 3-23-16,3-4 2 16,2-9-8-16,4-12 0 15,0-10 1-15,12-14-1 16,17-8-36-16,11-7 36 16,16-3 37-16,11-3-19 15,9-15-9-15,4-8-8 0,-4-8-1 16,-5-28-58-16,-23 6-545 15,-17 3-184-15</inkml:trace>
+  <inkml:trace contextRef="#ctx0" brushRef="#br1" timeOffset="-145498.78">30754 10479 969 0,'0'0'1005'0,"0"0"-674"16,0 0-139-16,0 0 12 16,0 0-53-16,0 0-66 15,0 0-85-15,0-38-32 16,-10 66 1-16,0 15 31 15,-3 13 8-15,-1 8 21 16,5 3-23-16,3-4 2 16,2-9-8-16,4-12 0 15,0-10 1-15,12-14-1 16,17-8-36-16,11-7 36 16,16-3 37-16,11-3-19 15,9-15-9-15,4-8-8 0,-4-8-1 16,-5-28-58-16,-23 6-545 15,-17 3-184-15</inkml:trace>
   <inkml:trace contextRef="#ctx0" brushRef="#br1" timeOffset="-145316.92">30680 10118 2054 0,'0'0'513'0,"0"0"-430"16,0 0-56-16,129-10 19 0,-57 10-18 16,3 0-28-1,6 18-105-15,-21 9-229 0,-22 1-977 16</inkml:trace>
   <inkml:trace contextRef="#ctx0" brushRef="#br1" timeOffset="-145128.69">30673 10529 2046 0,'0'0'482'0,"0"0"-354"15,0 0-73-15,0 0 33 16,169-48-37-16,-95 30-33 16,2 2-11-16,2 4-7 0,-18 3-133 15,-22 7-435-15</inkml:trace>
   <inkml:trace contextRef="#ctx0" brushRef="#br1" timeOffset="-144401.56">30501 9674 1993 0,'0'0'353'0,"0"0"-248"15,0 0-87-15,0 0 6 16,0 0-1-16,0 0 1 16,164-50-1-16,-98 37-22 15,3 1 9-15,-4 1-9 16,-7 2-1-16,-11-3-1 15,-9 2 1-15,-11 0 1 16,-12 0-1-16,-13-1 12 16,-2 2-12-16,-13-1-33 15,-20 4 33-15,-13-1 13 16,-4 6 1-16,-8 1-3 0,2 0 9 16,6 0-12-1,11 0 28-15,14 1-5 16,12-1 22-16,13 3-53 0,0 1-9 15,19 3-32-15,20 9 41 16,10 4 39-16,11 10-3 16,4 3-36-16,-4 1 15 15,-10 0-13-15,-17-8-2 16,-15-6-17-16,-18-4 17 16,0-6 15-16,-45 6-15 15,-1-1-78-15,-1-6-351 0</inkml:trace>
-  <inkml:trace contextRef="#ctx0" brushRef="#br1" timeOffset="-143616.67">31721 10626 505 0,'0'0'598'16,"0"0"-307"-16,0 0-84 15,0 0-58-15,0 0-50 16,0 0 2-16,0 0 3 16,10 6 16-16,-10-6-40 0,0 1-22 15,0 2 22-15,-4-3 42 16,-2 0 0-16,-1 0-3 15,-3 0-44-15,6 0-2 16,0 0-5-16,4 0-42 16,0 0-9-16,0-3-17 15,0-1-10-15,0 3 3 16,0-1-3-16,0 2 10 16,0 0-6-16,0 0-21 15,0 0-6-15,-4 0 2 16,-3 0-10-16,1 3-10 15,0 4-127-15,4-6-241 0</inkml:trace>
+  <inkml:trace contextRef="#ctx0" brushRef="#br1" timeOffset="-143616.68">31721 10626 505 0,'0'0'598'16,"0"0"-307"-16,0 0-84 15,0 0-58-15,0 0-50 16,0 0 2-16,0 0 3 16,10 6 16-16,-10-6-40 0,0 1-22 15,0 2 22-15,-4-3 42 16,-2 0 0-16,-1 0-3 15,-3 0-44-15,6 0-2 16,0 0-5-16,4 0-42 16,0 0-9-16,0-3-17 15,0-1-10-15,0 3 3 16,0-1-3-16,0 2 10 16,0 0-6-16,0 0-21 15,0 0-6-15,-4 0 2 16,-3 0-10-16,1 3-10 15,0 4-127-15,4-6-241 0</inkml:trace>
   <inkml:trace contextRef="#ctx0" brushRef="#br1" timeOffset="-143156.22">32053 10321 2065 0,'0'0'406'0,"0"0"-299"16,0 0-107-16,0 0 2 15,0 0 12-15,-14 110-2 16,1-44 5-16,-3 6-11 16,-1 1 8-16,-2-9-5 15,6-10-9-15,-1-14 11 16,8-12 21-16,4-12 15 15,2-10-7-15,0-6-21 0,0 0 9 16,16-22-4 0,5-17 13-16,8-16-20 0,3-11-1 15,3-28-16-15,4-27-26 16,-8 11-27-16,-4 14-72 16,-12 24 66-16,-6 35 59 15,-2 11 92-15,-3 7 0 16,-2 16-19-16,-2 3-55 15,3 16-18-15,3 24 1 16,7 18 2-16,7 13 7 16,7 11-2-16,7 4 3 0,1-1-11 15,-2-10 1-15,-1-12-1 16,-12-16-30 0,-5-14-18-16,-15-19-105 15,0-10 13-15,-2-4-278 0</inkml:trace>
   <inkml:trace contextRef="#ctx0" brushRef="#br1" timeOffset="-142987.79">31912 10284 1356 0,'0'0'1322'0,"0"0"-1162"16,0 0-141-16,0 0 20 0,199-17-6 15,-99 17-33-15,-7 0-281 16</inkml:trace>
-  <inkml:trace contextRef="#ctx0" brushRef="#br1" timeOffset="-139255.77">14321 15087 308 0,'0'0'256'0,"0"0"67"0,0 0 38 15,0 0-125-15,0 0-59 16,0 0-66-16,7 0-25 16,-1 0-45-16,4-12-41 15,-1 2-163-15,-3-1-381 0</inkml:trace>
+  <inkml:trace contextRef="#ctx0" brushRef="#br1" timeOffset="-139255.78">14321 15087 308 0,'0'0'256'0,"0"0"67"0,0 0 38 15,0 0-125-15,0 0-59 16,0 0-66-16,7 0-25 16,-1 0-45-16,4-12-41 15,-1 2-163-15,-3-1-381 0</inkml:trace>
   <inkml:trace contextRef="#ctx0" brushRef="#br1" timeOffset="-138886.76">14270 14432 893 0,'0'0'741'15,"0"0"-428"-15,0 0-187 16,0 0 38-16,0 0-110 15,0 0-44-15,20 102 18 16,1 4-11-16,6 43 21 0,1 7-11 16,-2-22-10-16,-7-37-6 15,-6-41 0-15,-4-12-4 16,0 4 15-16,2-6-21 16,3 0 9-16,-1-14-10 15,5-16-43-15,-3-10-186 16,-3-2-595-16</inkml:trace>
-  <inkml:trace contextRef="#ctx0" brushRef="#br1" timeOffset="-137572.61">14538 15462 1242 0,'0'0'477'0,"0"0"-326"0,0 0-136 16,0 0 53-16,0 0 7 15,0 0-17-15,0 0 50 16,0 0 28-16,0 0-12 16,0 0 19-16,0-4-49 15,0-8-46-15,2-5-17 16,12-10-19-16,5-9 19 15,10-14-13-15,9-17-10 16,15-23 0-16,14-32-2 16,12-24-6-16,-6 7 1 15,-17 31-2-15,-21 38 1 16,-14 30 0-16,1-1 0 16,-5 3 11-16,-1 6-11 0,-7 14 25 15,-9 9 6-15,0 4 3 16,0 5-34-16,0 0 13 15,-2 0-13-15,-5 5-10 16,0 4-43-16,3 4-29 16,-3 1-81-16,3-3-187 15,2-1-1107-15</inkml:trace>
+  <inkml:trace contextRef="#ctx0" brushRef="#br1" timeOffset="-137572.62">14538 15462 1242 0,'0'0'477'0,"0"0"-326"0,0 0-136 16,0 0 53-16,0 0 7 15,0 0-17-15,0 0 50 16,0 0 28-16,0 0-12 16,0 0 19-16,0-4-49 15,0-8-46-15,2-5-17 16,12-10-19-16,5-9 19 15,10-14-13-15,9-17-10 16,15-23 0-16,14-32-2 16,12-24-6-16,-6 7 1 15,-17 31-2-15,-21 38 1 16,-14 30 0-16,1-1 0 16,-5 3 11-16,-1 6-11 0,-7 14 25 15,-9 9 6-15,0 4 3 16,0 5-34-16,0 0 13 15,-2 0-13-15,-5 5-10 16,0 4-43-16,3 4-29 16,-3 1-81-16,3-3-187 15,2-1-1107-15</inkml:trace>
   <inkml:trace contextRef="#ctx0" brushRef="#br1" timeOffset="-137239.62">15313 14771 1938 0,'0'0'506'0,"0"0"-380"16,0 0-32-16,0 0 1 16,0 0-50-16,0 0-18 15,0 0-6-15,91-44-6 16,-55 31-15-16,4 7 0 16,0 6 0-16,-2 0 0 0,-3 0-9 15,-6 0 3 1,-2 6-10-16,-11 10-34 0,-5-7-77 15,-9 0-219-15</inkml:trace>
-  <inkml:trace contextRef="#ctx0" brushRef="#br1" timeOffset="-137014.71">15371 14985 2302 0,'0'0'320'15,"0"0"-320"-15,0 0 13 0,0 0 4 16,0 0 94-16,156 0-39 16,-85 0-24-16,3 0-14 15,1 0-20-15,-5 0-6 16,-10 0-8-16,-16 4-82 16,-15-4-272-16,-16 2-1668 0</inkml:trace>
+  <inkml:trace contextRef="#ctx0" brushRef="#br1" timeOffset="-137014.72">15371 14985 2302 0,'0'0'320'15,"0"0"-320"-15,0 0 13 0,0 0 4 16,0 0 94-16,156 0-39 16,-85 0-24-16,3 0-14 15,1 0-20-15,-5 0-6 16,-10 0-8-16,-16 4-82 16,-15-4-272-16,-16 2-1668 0</inkml:trace>
   <inkml:trace contextRef="#ctx0" brushRef="#br1" timeOffset="-132474.33">16797 14399 1614 0,'0'0'441'16,"0"0"-329"-16,0 0-27 16,0 0 95-16,0 0-52 15,0 0-28-15,0 0-30 16,9-41-4-16,-9 41-4 16,0 0-12-16,0 0-36 15,0 7-14-15,-9 19-10 0,-9 19 10 16,-2 15 18-1,-3 14-17-15,0 8-1 0,0 6 0 16,3 2-20-16,7-7 12 16,6-11 2-16,7-14-3 15,2-18-12-15,30-18-17 16,12-12-12-16,12-10 50 16,10-2 8-16,8-20 1 15,2-4 1-15,-1-10 4 16,-1 4-5-16,-5-3-9 15,-11 6-29-15,-9-13-121 16,-15 10-200-16,-17 2-1449 0</inkml:trace>
-  <inkml:trace contextRef="#ctx0" brushRef="#br1" timeOffset="-132274.67">16728 14361 2572 0,'0'0'303'0,"0"0"-278"16,0 0-25-16,0 0 0 15,0 0 25-15,0 0 4 16,151-46-29-16,-99 46 0 16,-6 0-25-16,-1 24-87 0,-11 10-156 15,-17-5-660-15</inkml:trace>
-  <inkml:trace contextRef="#ctx0" brushRef="#br1" timeOffset="-132119.64">16655 14748 503 0,'0'0'2046'0,"0"0"-1812"16,0 0-234-16,0 0 0 15,0 0 36-15,124-46-2 16,-53 28-34-16,18 8-10 15,-15 4-266-15,-19 6-749 0</inkml:trace>
+  <inkml:trace contextRef="#ctx0" brushRef="#br1" timeOffset="-132274.68">16728 14361 2572 0,'0'0'303'0,"0"0"-278"16,0 0-25-16,0 0 0 15,0 0 25-15,0 0 4 16,151-46-29-16,-99 46 0 16,-6 0-25-16,-1 24-87 0,-11 10-156 15,-17-5-660-15</inkml:trace>
+  <inkml:trace contextRef="#ctx0" brushRef="#br1" timeOffset="-132119.65">16655 14748 503 0,'0'0'2046'0,"0"0"-1812"16,0 0-234-16,0 0 0 15,0 0 36-15,124-46-2 16,-53 28-34-16,18 8-10 15,-15 4-266-15,-19 6-749 0</inkml:trace>
   <inkml:trace contextRef="#ctx0" brushRef="#br1" timeOffset="-130226.8">17951 14766 1209 0,'0'0'1042'16,"0"0"-925"-16,0 0-117 16,0 0 0-16,0 0 44 15,0 0 10-15,0 0-40 16,27-18-3-16,-25 18 14 0,-2 0-1 16,0 0 12-16,0 0-36 15,0 0 17-15,0 0-17 16,-4 13-10-16,-8-2-14 15,1 0 22-15,1-5 2 16,0-5 6-16,1-1-6 16,1 0 1-16,0-10 19 15,2-8 23-15,1-1-6 16,3-6-19-16,0 5-12 16,2 5-6-16,0 4-1 15,0 7 0-15,0-2 1 16,0 6-11-16,0 0-14 15,4 0-33-15,5 15-38 16,-1 2 69-16,-4 3-16 16,-2 0-42-16,-2-2 34 0,0-4 51 15,-9-6 10-15,-5-3 80 16,-3-5 32-16,1 0 0 16,1-13-21-16,-1-5-30 15,5-3 4-15,4 2-30 16,0 2-25-16,3 10-15 15,0 7-5-15,-1 0-114 16,-1 6-523-16</inkml:trace>
   <inkml:trace contextRef="#ctx0" brushRef="#br1" timeOffset="-128464.71">18704 14883 404 0,'0'0'805'0,"0"0"-485"15,0 0-124-15,0 0 86 16,0 0-65-16,0 0-96 16,0 0-46-16,12-67 11 15,-12 58-6-15,0-8-18 16,0 4 25-16,-5-2 9 15,-9 1-33-15,-3 2-45 16,-5 3-15-16,-5 0-3 16,-9 7-39-16,-5 2 26 15,-5 0-9-15,-5 11 21 16,-2 6 2-16,-1 10 10 0,2-4-4 16,4 12-2-16,7 1-4 15,8 4-1-15,8 6-2 16,14 2-12-16,9 0 9 15,2-4-11-15,15-3-8 16,20-5 4-16,2-8 3 16,7-6-3-16,2-8 12 15,0-10 5-15,3-4 3 16,0-4 31-16,4-24 3 16,1-11-12-16,0-11 2 15,-6-11-8-15,0-14 4 16,-9-9-8-16,-5-4 0 15,-7-7-12-15,-5 1 5 16,-9 12 9-16,-6 14 2 0,-7 18 42 16,0 15 13-16,0 13-20 15,0 10-15-15,0 6-5 16,0 6 4-16,-3 0-35 16,1 9-15-16,-4 38-21 15,-1 47 36-15,-4 52 9 16,4 30 9-16,3 2-8 15,-1-17-3-15,3-31-7 16,-2-31-15-16,-8-16-105 16,6-26-169-16,-3-28-1018 0</inkml:trace>
   <inkml:trace contextRef="#ctx0" brushRef="#br1" timeOffset="-120477.65">19696 15069 2228 0,'0'0'386'0,"0"0"-305"16,0 0 4-16,0 0 21 15,0 0-103-15,0 0-3 16,13-17-12-16,25 17 12 16,11-3 24-16,7 3 3 15,4 0-15-15,-1 0 8 16,-7 0-20-16,-9 5-8 0,-17 16-65 15,-14 0-124 1,-12-2-383-16</inkml:trace>
@@ -1260,7 +1259,7 @@
   <inkml:trace contextRef="#ctx0" brushRef="#br1" timeOffset="-118450.92">21837 15222 2258 0,'0'0'359'16,"0"0"-287"-16,0 0 45 15,153-14-38-15,-76 2-52 16,7 3-27-16,23 8-35 16,-20 1-198-16,-16 0-670 0</inkml:trace>
   <inkml:trace contextRef="#ctx0" brushRef="#br1" timeOffset="-117978.02">22695 14748 1029 0,'0'0'1382'0,"0"0"-1217"15,0 0-118-15,0 0 39 16,0 0 0-16,0 0-37 16,0 0-11-16,-2-18-21 15,2 21-17-15,0 16-12 0,2 18 12 16,8 11 34-16,4 16-10 16,6 7-12-16,2 9-12 15,7-7 7-15,0-5-7 31,3-12 0-31,-1-12 0 16,-4-13-2-16,-5-14-11 0,0-15-7 16,2-2 20-16,6-13 59 0,3-24 29 15,7-16-21-15,7-15-9 16,-1-11-18-16,1-6-7 16,-2-1-11-16,-5 7-1 15,-4 15 6-15,-7 15-16 16,-12 19-6-16,-5 14-5 0,-10 12-30 15,-2 8-81-15,-16 20-154 16,-6 2-516-16</inkml:trace>
   <inkml:trace contextRef="#ctx0" brushRef="#br1" timeOffset="-117593.3">22336 15512 2336 0,'0'0'560'0,"0"0"-511"15,0 0 7-15,0 0 13 16,0 0-19-16,0 0-11 16,0 0 6-16,122-18-14 15,-57 10-13-15,30 2-7 16,35-1-1-16,-7 2-2 16,-12 5-7-16,-18 0 0 15,-23 0 3-15,-1 0-2 0,0 5-2 16,-15-1-16-1,-19 2 0-15,-15-5-20 0,-11 3-37 16,-9 2-42-16,-16 0 4 16,-8 1-167-16</inkml:trace>
-  <inkml:trace contextRef="#ctx0" brushRef="#br1" timeOffset="-116808.67">22928 15887 1165 0,'0'0'1102'0,"0"0"-881"16,0 0-93-16,0 0-20 15,0 0-22-15,0 0-26 16,0 0-26-16,-69-81-34 15,42 73-22-15,-4 3 22 16,-6 5 11-16,-3 0-1 16,-8 5-1-16,2 8-8 15,-1 9 10-15,5 4-4 0,6 7-7 16,10 2-12-16,10 1-5 16,9 5 6-1,7-8-16-15,9 0-17 16,20-10 30-16,11-2-15 0,5-11 20 15,6-10 7-15,3 0 3 16,1-18-2-16,-4-12-5 16,1-9 5-16,-8-5 1 15,-6-3 20-15,-7-7-3 16,-9-1 24-16,-5 7 20 16,-9 4 13-16,-6 15 6 15,-2 12 21-15,0 9-9 16,0 8-43-16,0 0-23 0,0 0-26 15,0 25-4-15,0 20-12 16,0 19 16-16,0 10 0 16,-2 13 12-16,2-3-12 15,-4 23-36-15,0-22-28 16,-4-26-203-16</inkml:trace>
+  <inkml:trace contextRef="#ctx0" brushRef="#br1" timeOffset="-116808.68">22928 15887 1165 0,'0'0'1102'0,"0"0"-881"16,0 0-93-16,0 0-20 15,0 0-22-15,0 0-26 16,0 0-26-16,-69-81-34 15,42 73-22-15,-4 3 22 16,-6 5 11-16,-3 0-1 16,-8 5-1-16,2 8-8 15,-1 9 10-15,5 4-4 0,6 7-7 16,10 2-12-16,10 1-5 16,9 5 6-1,7-8-16-15,9 0-17 16,20-10 30-16,11-2-15 0,5-11 20 15,6-10 7-15,3 0 3 16,1-18-2-16,-4-12-5 16,1-9 5-16,-8-5 1 15,-6-3 20-15,-7-7-3 16,-9-1 24-16,-5 7 20 16,-9 4 13-16,-6 15 6 15,-2 12 21-15,0 9-9 16,0 8-43-16,0 0-23 0,0 0-26 15,0 25-4-15,0 20-12 16,0 19 16-16,0 10 0 16,-2 13 12-16,2-3-12 15,-4 23-36-15,0-22-28 16,-4-26-203-16</inkml:trace>
   <inkml:trace contextRef="#ctx0" brushRef="#br1" timeOffset="-106450.9">27922 10666 437 0,'0'0'203'0,"0"0"-110"15,0 0 67-15,0 0 64 16,27-103-25-16,-27 82 16 15,-5-2-7-15,-11 3-77 16,-10 2-131-16,-1 2-107 16,2 6-653-16</inkml:trace>
   <inkml:trace contextRef="#ctx0" brushRef="#br1" timeOffset="-105868.84">26017 10087 2079 0,'0'0'314'0,"0"0"-257"0,0 0-19 16,100-103-2-16,-7 51 56 15,3 3-23-15,9-1 2 16,0 6-28-16,-27 11-24 16,-2-2 7-16,-18 9-26 15,-21 6-16-15,-14 7-13 16,-23 8-32-16,-12 5-89 15,-16 0-563-15</inkml:trace>
   <inkml:trace contextRef="#ctx0" brushRef="#br1" timeOffset="-101158.68">21754 14165 551 0,'0'0'527'0,"0"0"-320"0,0 0-57 15,0 0 16-15,0 0 23 16,0 0-43-16,39-117-43 16,-26 96 10-16,3-4-35 15,-1 1 0-15,3 0 18 16,-3-2-15-16,1 2-37 16,-1-3-20-16,1 2-14 15,2 3 0-15,2 0-8 16,0 0 8-16,4 2-9 15,5-6 6-15,4 2-7 16,6-2 8-16,3 0 7 16,4-5-4-16,8 3 29 0,6-2-12 15,3 1-20-15,3-2 8 16,4 3-16-16,-3 0 0 16,-3 2 8-16,-1 4-8 15,-7 0 14-15,-6 4-12 16,0 2 1-16,-1 0 14 15,-3 2-16-15,4 0 22 16,2 0 15-16,4 0-32 16,9 0 25-16,7-1-4 15,5 5-26-15,6 2 10 16,0 2-5-16,1 4-2 16,-1 2-3-16,-1 0-1 15,0 0 0-15,-1 0-2 16,-2 0-6-16,4 0 8 0,0 0 1 15,4 0-1-15,2-3 0 16,5-1-2-16,-1-1 4 16,1 3-4-16,-3 2-2 15,-2 0 4-15,-5 0 0 16,-1 0 6-16,0 0-6 16,1 0-16-16,5 0 14 15,4 0-4-15,6-3 5 16,3-5 0-16,19-1-6 15,17-2 7-15,17 0 1 16,7-1 4-16,-16 0-5 16,-14 4 1-16,-17 1-6 15,-17-2 5-15,-13 3-5 16,-16 2 5-16,-2-2 3 16,15 0 8-16,14-2-10 0,11 0-1 15,0 0 0-15,-2 0-2 16,-5 0-4-16,0 0 6 15,-4 0 7-15,-3 1-6 16,-1 1-1-16,-1-1 1 16,-2 3-1-16,3-2 6 15,-5 2-6-15,0-2 0 16,-4 2-7-16,-6-1 7 16,-1-1 0-16,0 4 7 15,-3-5-5-15,3-1-2 16,-1 0-1-16,4-2 1 0,-2 0-15 15,4 0-7 1,0 0 12-16,-2 2 0 16,2-1 2-16,-4 2 8 15,4-1 0-15,-6 0-1 0,-1 0 1 16,-1-2 0-16,-4-2 0 16,1-3-9-16,-3-1 9 15,-1-1 7-15,-1-4-7 16,-3-2 0-16,1-2 0 15,-5 1 0-15,0-2 8 16,0-2 11-16,0 0-7 16,-3-2 12-16,-1-2-5 15,-1 0 6-15,-1 0-5 16,-6-3-11-16,-1 2-3 16,-3-6 0-16,-2 1-1 0,-5-2-4 15,2 1 6-15,-2-3 0 16,-1 3-6-16,-3 1 9 15,-2 0 8-15,-2 1 8 16,-3 0 3-16,-4-1-10 16,-4-1 13-16,-1 1-9 15,-1 0-13-15,-3 0 0 16,0-1 0-16,-5 1-9 16,-1 2 9-16,0 0-9 15,-5 5 5-15,0 0 4 16,0 5 1-16,0 2 7 15,0 2-13-15,0 2-5 0,0 2 1 16,0 2-1-16,2-2-5 16,4 2 4-16,3 0 1 15,1 1 0-15,-2 2 5 16,-3 3-5-16,-1 2 0 16,-2 3 0-16,-2 4 0 15,2-2 7-15,-2 3-7 16,0 0 1-16,0 0-1 15,0 0-1-15,0 0-8 16,0 0-7-16,0 0-36 16,-13 9 0-16,-11 9 37 15,-8 6 15-15,-5 3 15 16,-1 2-6-16,-1-4 7 16,6-2-10-16,4-7 3 15,7-2 3-15,9-6-12 0,6-6 2 16,7 0-2-16,0-2-20 15,0 0 7-15,0 0-7 16,0 0-18-16,4-2 28 16,12-15-5-16,8-6 5 15,13-7 4-15,2-4-6 16,3 2-4-16,4 1 5 16,-7 6 11-16,-1 4 5 15,-7 6 2-15,-6 1 11 16,-5 4 23-16,-7 4-4 15,-4 1 3-15,-4 1-7 16,-5 4-10-16,0 0-4 16,0 0-3-16,0 0-6 0,0 0-10 15,2 0-12 1,3 6 0-16,1 6 12 0,5 1 6 16,1-1 5-16,-2-2-7 15,-1-4 0-15,-1-3 2 16,-4-3-6-16,-2 0 0 15,-2 0 7-15,0 0-7 16,0 0 4-16,0 0-2 16,0 0 4-16,0 0-6 15,0 0 0-15,0 0 6 0,0 0 0 16,0 0-6 0,0 0 6-16,0 0-6 0,0 0 6 15,0 0-1-15,0 0-5 16,0 0 0-16,0 0-17 15,-6 3-5-15,-8-3-6 16,-4 2 28-16,-6 2 4 16,-10-3 4-16,-1 3-3 15,-8-1 9-15,-3-3-1 16,-4 0-1-16,-1 0 1 16,2 0-1-16,4-3-4 15,3-4 4-15,11-2-6 16,6 5-6-16,10 1 0 15,9-1-4-15,2 4-2 16,4-2-2-16,0 2-8 16,0-2-10-16,0 0 26 15,0 2-1-15,0 0-3 0,6 0-1 16,-2 0-19-16,5 0-64 16,-1 0-134-16,0 4-315 15</inkml:trace>
@@ -1287,7 +1286,7 @@
   <inkml:trace contextRef="#ctx0" brushRef="#br1" timeOffset="-73669.91">27372 16659 1840 0,'0'0'479'16,"0"0"-313"-16,0 0-77 15,0 0-1-15,-127 50-45 16,88-10-20-16,1 15-10 16,5 7 23-16,8 8 28 15,15-6-6-15,10-2-31 16,20-6-3-16,33-13-6 15,36-7 0-15,36-16-4 16,-3-19-6-16,-10-1-1 16,-18-17-1-16,-36-11-6 0,-12-3-7 15,-19 0-78 1,-50 17-6-16,-27 5 36 0,-19 9-990 16</inkml:trace>
   <inkml:trace contextRef="#ctx0" brushRef="#br1" timeOffset="-69420.16">10970 14265 1683 0,'0'0'150'0,"0"0"-147"15,0 0-3-15,0 0 58 16,0 0-16-16,0 0-26 16,0-30-16-16,-2 30-33 15,0 0-28-15,-4-4-50 16,-1 2-58-16,-3 0-514 0</inkml:trace>
   <inkml:trace contextRef="#ctx0" brushRef="#br1" timeOffset="-67949.63">7656 14443 1587 0,'0'0'356'0,"0"0"-217"16,0 0-15-16,0 0-1 16,0 0-41-16,0 0-34 15,0 0-11-15,52-64 18 16,-50 62-22-16,1-2 10 15,-3 4-23-15,3-4-20 0,1-1-10 16,0-4-65-16,3 3-147 16,-3 0-221-16</inkml:trace>
-  <inkml:trace contextRef="#ctx0" brushRef="#br1" timeOffset="-67426.15">8070 14291 1541 0,'0'0'286'0,"0"0"-271"15,0 0-14-15,0 0 26 0,0 0-27 16,80-113 2 0,-58 90-2-16,0 3 17 0,-1 4 2 15,-6-1 38-15,-1 10 73 16,-8 5-6-16,-4 2-57 16,3 0-67-16,-5 26 62 15,2 6 18-15,-2 16-21 16,0 0-30-16,0 4-12 15,0-2-9-15,-2-2-8 16,-9-4 0-16,-1-3 0 16,-1-7 9-16,2-4 0 15,0-2-9-15,2-6 0 0,-5 4-47 16,3-8-140 0,3-6-426-16</inkml:trace>
+  <inkml:trace contextRef="#ctx0" brushRef="#br1" timeOffset="-67426.16">8070 14291 1541 0,'0'0'286'0,"0"0"-271"15,0 0-14-15,0 0 26 0,0 0-27 16,80-113 2 0,-58 90-2-16,0 3 17 0,-1 4 2 15,-6-1 38-15,-1 10 73 16,-8 5-6-16,-4 2-57 16,3 0-67-16,-5 26 62 15,2 6 18-15,-2 16-21 16,0 0-30-16,0 4-12 15,0-2-9-15,-2-2-8 16,-9-4 0-16,-1-3 0 16,-1-7 9-16,2-4 0 15,0-2-9-15,2-6 0 0,-5 4-47 16,3-8-140 0,3-6-426-16</inkml:trace>
   <inkml:trace contextRef="#ctx0" brushRef="#br1" timeOffset="-66116.89">9589 16098 1413 0,'0'0'629'0,"0"0"-495"16,0 0-79-16,0 0 48 15,0 0-33-15,0 0-27 16,0 0-13-16,91 38-2 16,-73-28-3-16,-5-4-14 0,-1 2-9 15,-3-4-2-15,-5 0-16 16,0 1-64-16,-4-5-49 16,2 0 23-16,-2 0 85 15,0 0 21-15,0 0 65 16,0 0 42-16,0 0-11 15,0 0-11-15,0-5-2 16,0 1-6-16,0 0 25 16,-12-4 1-16,-7 2-44 15,-4 2-32-15,-12-1-11 16,-2 5-16-16,-10 0-7 16,-4 9 0-16,-5 9-4 15,-4 12 11-15,-5 7-1 16,3 12 1-16,-1 9-4 15,8 9 4-15,8 5 12 16,16 5-11-16,15-2-1 16,16 5 0-16,2-9-4 0,35-3-13 15,9-10 17-15,14-14 14 16,7-4-13-16,7-13 6 16,1-10-2-16,4-7 2 15,-4-10-6-15,-2 0-1 16,-3 0-18-16,5-18-59 15,-17 0-138-15,-14 0-901 0</inkml:trace>
   <inkml:trace contextRef="#ctx0" brushRef="#br1" timeOffset="-65870.58">10149 16548 2384 0,'0'0'570'0,"0"0"-506"16,0 0-41-16,0 0-5 16,0 0 2-16,0 0-11 15,0 0-9-15,79-9 19 16,-41 9-12-16,7 0-7 16,1 4 6-16,4 1-6 0,-6 1 0 15,-3-4-13 1,-6 7-46-16,-12 9-79 0,-12-3-152 15,-11 2-1746-15</inkml:trace>
   <inkml:trace contextRef="#ctx0" brushRef="#br1" timeOffset="-65664.61">10091 16842 2665 0,'0'0'281'0,"0"0"-259"16,0 0-10-16,0 0 3 15,0 0 69-15,133-8-49 16,-66 8-17-16,2 0-18 16,0 0-16-16,-4 0-46 15,10 3-59-15,-17 2-116 0,-13-5-555 16</inkml:trace>
@@ -1342,7 +1341,7 @@
   <inkml:trace contextRef="#ctx0" brushRef="#br0" timeOffset="2910.45">3538 4148 1228 0,'0'0'608'0,"0"0"-274"15,0 0-179-15,0 0-155 16,0 0-30-16,0 0 18 16,0 0-127-16,-9 67-523 0</inkml:trace>
   <inkml:trace contextRef="#ctx0" brushRef="#br0" timeOffset="3220.31">4005 4084 496 0,'0'0'2322'0,"0"0"-2322"16,0 0-17-16,0 0 4 15,0 0-24-15,0 0 36 16,0 0-16-16,-118 53-20 16,85-4 26-16,4 13 3 15,14 3 7-15,13 1-17 16,2-4-31-16,13-10 10 0,18-13-9 15,6-15-2-15,4-16 50 16,3-8 71-16,-2-10 43 16,-3-24-31-16,-10-14 0 15,-12-8-24-15,-15-5-6 16,-2-2-35-16,-24 7-18 16,-20 11-36-16,-10 11-14 15,-24 28-58-15,12 6-136 16,14 2-419-16</inkml:trace>
   <inkml:trace contextRef="#ctx0" brushRef="#br0" timeOffset="3585.62">4362 4459 1836 0,'0'0'0'0,"0"0"0"15,0 0 0-15,0 0 189 16,0 0 14-16,0 0-136 16,0 0-12-16,-7-52 52 15,36 48 28-15,12-1-54 16,3-2-55-16,-2 2-10 16,-8 3-13-16,-10 0-2 15,-14 2-1-15,-10 0-46 16,-3 23-78-16,-28 11 124 15,-10 11 0-15,-9 5 6 0,-2 0-2 16,5-2 14 0,11-4 0-16,15-9 27 0,13-4-45 15,8-9 0-15,21-6 0 16,23-10 0-16,12-6 47 16,22-14-47-16,-13-16-246 15,-14-3-1124-15</inkml:trace>
-  <inkml:trace contextRef="#ctx0" brushRef="#br0" timeOffset="5500.43">2722 3052 1033 0,'0'0'51'15,"0"0"-51"-15,0 0 0 16,0 0 31-16,0 0 67 16,0 0-46-16,0 0-3 15,-2-81 15-15,2 72 20 16,0-4 64-16,2 2 30 16,-2 0-23-16,0 0-99 15,0-2-25-15,0 4 50 16,0-2 23-16,-7 5-29 15,1 0-40-15,-1 0-15 16,3 0-6-16,-1 4 9 16,3 0-3-16,2 0-9 15,0 2-11-15,-3 0-18 0,3 8-40 16,0 19 16-16,0 12 42 16,0 10 38-16,0 7-20 15,0 0-16 1,0-4-2-16,0-2 0 0,0-8 7 15,-2-8-7-15,0-8 2 16,2-8 12-16,0-9-14 16,0-9-47-16,0 0-20 15,0-15-15-15,0-11-91 16,0-10 40-16,0-4 111 16,0-4-3-16,0 0 9 0,0 1 4 15,0 5 1 1,0 8 11-16,4 4 11 15,1 8 67-15,-2 4 0 16,-1 4 29-16,0 4-31 0,-2 3-13 16,2-2-29-16,1 3-24 15,-1 2 10-15,2 0-19 16,5 0 0-16,5 0 8 16,5 0-9-16,10 0 0 15,6 0 1-15,6 0 8 16,6 0-8-16,4 0 18 15,5 0-19-15,4 0 2 0,5 0-2 16,1 0 12 0,5 0-12-16,1 0 3 0,4 0 6 15,-5 0-8 1,1 0-1-16,-6 0 12 0,-3 0-11 16,-5 0 6-16,-5 0-7 15,-4 0 0-15,-4 0 1 16,1 0 0-16,2 0 1 15,0 0-1-15,6 0-1 16,4 0 8-16,4 2-8 16,3-2 1-16,-1 0-1 15,3 0-5-15,-5 0 5 16,-4 0 0-16,-2 0 8 16,-4 2-7-16,-4 2 0 15,-3 1-1-15,-1-2-8 16,-2 1 8-16,1 1 2 0,1-4 7 15,4 2-9-15,-2-2-2 16,3-1 1-16,-2 0 1 16,2 0 0-16,0 0 3 15,0 0-3-15,0 0 0 16,0 0 4-16,0 0 6 16,1-1-2-16,0-2-7 15,4-1 8-15,0 2-9 16,-4 1 18-16,4-2-10 15,0 0-8-15,-3 0 1 16,-2 1 0-16,0 1 7 16,-5-2-8-16,1 1 1 15,-3 2 0-15,2 0 8 16,4 0-8-16,5 0 10 0,0 0-9 16,7 0 5-16,1 0-7 15,-1 0 0-15,2-2 2 16,-2-1-2-16,-4 0 13 15,0-1-6-15,-2 0 0 16,-6 2-6-16,2 0 0 16,-2 0 10-16,-1 1-8 15,-5-2-2-15,1 2 0 16,-3-2 1-16,-4 1 0 16,-3 1 7-16,-4 1-9 0,-4-3 0 15,-3 3 0-15,-4-2 9 16,-7 1-8-16,0 1 5 15,-4-3-6-15,-3 3 0 16,0 0 1-16,-1-2 9 16,0 2-9-16,-1 0-1 15,-2 0 30-15,0 0 6 16,0 0-6-16,0 0 10 16,0 0-20-16,0 0-10 15,0 0-9-15,0 0-1 16,0 0 0-16,0 0-7 15,0 5-15-15,0 7 9 16,2 7 13-16,4 3 5 16,3 6 6-16,-3 3-1 15,4 1-10-15,-4 4 0 0,-3-2-5 16,-1 2 5-16,-2-4 0 16,0-2 0-16,-5-8-16 15,-7-6-21-15,-2-8 37 16,-1-6-11-16,-6-4-61 15,5-17-300-15,5-2-1195 0</inkml:trace>
+  <inkml:trace contextRef="#ctx0" brushRef="#br0" timeOffset="5500.42">2722 3052 1033 0,'0'0'51'15,"0"0"-51"-15,0 0 0 16,0 0 31-16,0 0 67 16,0 0-46-16,0 0-3 15,-2-81 15-15,2 72 20 16,0-4 64-16,2 2 30 16,-2 0-23-16,0 0-99 15,0-2-25-15,0 4 50 16,0-2 23-16,-7 5-29 15,1 0-40-15,-1 0-15 16,3 0-6-16,-1 4 9 16,3 0-3-16,2 0-9 15,0 2-11-15,-3 0-18 0,3 8-40 16,0 19 16-16,0 12 42 16,0 10 38-16,0 7-20 15,0 0-16 1,0-4-2-16,0-2 0 0,0-8 7 15,-2-8-7-15,0-8 2 16,2-8 12-16,0-9-14 16,0-9-47-16,0 0-20 15,0-15-15-15,0-11-91 16,0-10 40-16,0-4 111 16,0-4-3-16,0 0 9 0,0 1 4 15,0 5 1 1,0 8 11-16,4 4 11 15,1 8 67-15,-2 4 0 16,-1 4 29-16,0 4-31 0,-2 3-13 16,2-2-29-16,1 3-24 15,-1 2 10-15,2 0-19 16,5 0 0-16,5 0 8 16,5 0-9-16,10 0 0 15,6 0 1-15,6 0 8 16,6 0-8-16,4 0 18 15,5 0-19-15,4 0 2 0,5 0-2 16,1 0 12 0,5 0-12-16,1 0 3 0,4 0 6 15,-5 0-8 1,1 0-1-16,-6 0 12 0,-3 0-11 16,-5 0 6-16,-5 0-7 15,-4 0 0-15,-4 0 1 16,1 0 0-16,2 0 1 15,0 0-1-15,6 0-1 16,4 0 8-16,4 2-8 16,3-2 1-16,-1 0-1 15,3 0-5-15,-5 0 5 16,-4 0 0-16,-2 0 8 16,-4 2-7-16,-4 2 0 15,-3 1-1-15,-1-2-8 16,-2 1 8-16,1 1 2 0,1-4 7 15,4 2-9-15,-2-2-2 16,3-1 1-16,-2 0 1 16,2 0 0-16,0 0 3 15,0 0-3-15,0 0 0 16,0 0 4-16,0 0 6 16,1-1-2-16,0-2-7 15,4-1 8-15,0 2-9 16,-4 1 18-16,4-2-10 15,0 0-8-15,-3 0 1 16,-2 1 0-16,0 1 7 16,-5-2-8-16,1 1 1 15,-3 2 0-15,2 0 8 16,4 0-8-16,5 0 10 0,0 0-9 16,7 0 5-16,1 0-7 15,-1 0 0-15,2-2 2 16,-2-1-2-16,-4 0 13 15,0-1-6-15,-2 0 0 16,-6 2-6-16,2 0 0 16,-2 0 10-16,-1 1-8 15,-5-2-2-15,1 2 0 16,-3-2 1-16,-4 1 0 16,-3 1 7-16,-4 1-9 0,-4-3 0 15,-3 3 0-15,-4-2 9 16,-7 1-8-16,0 1 5 15,-4-3-6-15,-3 3 0 16,0 0 1-16,-1-2 9 16,0 2-9-16,-1 0-1 15,-2 0 30-15,0 0 6 16,0 0-6-16,0 0 10 16,0 0-20-16,0 0-10 15,0 0-9-15,0 0-1 16,0 0 0-16,0 0-7 15,0 5-15-15,0 7 9 16,2 7 13-16,4 3 5 16,3 6 6-16,-3 3-1 15,4 1-10-15,-4 4 0 0,-3-2-5 16,-1 2 5-16,-2-4 0 16,0-2 0-16,-5-8-16 15,-7-6-21-15,-2-8 37 16,-1-6-11-16,-6-4-61 15,5-17-300-15,5-2-1195 0</inkml:trace>
   <inkml:trace contextRef="#ctx0" brushRef="#br0" timeOffset="7540.83">2537 5081 496 0,'0'0'527'15,"0"0"-408"-15,0 0-87 16,0 0-14-16,0 0 5 16,0 0 88-16,0 0-30 15,18-58 25-15,-14 52 49 16,3 0-24-16,-5 2-39 15,3 0-26-15,-5 4 8 0,3-2 21 16,-3 2-14 0,0 0-25-16,0 0-22 0,0 0-18 15,0 0 0-15,0 0-8 16,0 0-1-16,0 0-7 16,0 0-3-16,0 0-6 15,0 12 9-15,-6 4 8 16,2 10 16-16,-3 8 18 15,3 5-15-15,-2 5-9 16,-1 1-16-16,2 4 11 16,-2-4-2-16,3-2-11 15,0-7 1-15,2-9 14 16,2-6-15-16,0-11-1 16,0-4-13-16,0-6-19 15,0 0-1-15,0 0 25 16,0 0 9-16,0 0 15 0,0 0-2 15,0 0-2-15,6 0-3 16,5 0-1-16,7-1 4 16,5-2-9-16,6-1-2 15,6 0 2-15,7-2 5 16,10 2-5-16,6-2-1 16,8-3 10-16,5 3-10 15,8 4 0-15,-2-3-1 16,4 4 2-16,2-2-2 15,-2 3 9-15,2-2-3 16,0 2-6-16,-3 0-1 0,-4 0 0 16,-5 0 1-1,-2 0-1-15,-3 0 1 0,-3 2 7 16,-1-2-6 0,-2 0-1-16,3 0 7 0,1 0-7 15,6 0-1-15,5-6 1 16,4 2 0-16,3 0 1 15,-2 2 0-15,1 0-1 16,-4 2 0-16,-1-2-1 16,-2 2 1-16,-3-2 11 15,-2-3-11-15,-2 4 0 16,0-4 0-16,-3 4 0 16,1-4 8-16,-1 3 11 0,3-3 4 15,1 1-10 1,-4 0-6-16,1 0 1 0,-3 0-2 15,-2 0-5-15,-2 2 0 16,-1-2 1-16,-1 2-1 16,-2-1-1-16,-5 2 1 15,-2-1-1-15,-4-2 0 16,-1 2 1-16,-3-2 13 16,-1 1-2-16,1 2-4 15,-4-3-1-15,1 2-6 16,-3 0-1-16,0 2 7 15,1-2-7-15,-1 2 0 16,0 0 0-16,-1 0 0 16,-1 0 1-16,-2 0-1 0,-5 0 1 15,-1 0 0-15,-6 0-1 16,-3 0 2-16,-5 0 7 16,-1 0-8-16,2 0-1 15,-1-3 1-15,1-1-10 16,4 3 20-16,-1-3-17 15,1-2 6-15,-1 1-2 16,1 2 2-16,-1-3 0 16,-2 2 10-16,3-3-10 15,-3 3-1-15,2-2 0 16,0 1-4-16,0-2 5 16,1-1 1-16,1 2 6 15,-1 0-7-15,-1 2 0 16,1 0-7-16,-5 3 7 15,-1-2 1-15,-3 2 0 0,0-2 7 16,-3 1 12-16,-2-2 5 16,2 0 13-16,-2-3-11 15,3-2-3-15,-1-1-7 16,2-4-10-16,0 0-6 16,3-6 6-16,0-5-7 15,0-4 1-15,-3-5-1 16,0-5 0-16,-2-3-10 15,1 3 10-15,-3 7 23 16,0 3 6-16,0 7 10 16,0 6-9-16,0 0-28 15,-3-4-2-15,-9 5-200 16,-5 0-496-16</inkml:trace>
   <inkml:trace contextRef="#ctx0" brushRef="#br0" timeOffset="8051.74">8406 3946 2071 0,'0'0'210'15,"0"0"-210"-15,0 0 0 0,0 0 0 16,0 0 12-16,0 0 17 16,0 0-9-16,-29-25-20 15,29 25-17-15,0 0-25 16,11 0 17-16,5 0 14 15,4 7 22-15,0 1 22 16,0-2-31-16,-1 2 11 16,-5-4 3-16,-5 1-16 15,-9-5 0-15,0 0-124 16,-11-5-817-16</inkml:trace>
   <inkml:trace contextRef="#ctx0" brushRef="#br0" timeOffset="8439.64">8724 3936 2486 0,'0'0'198'0,"0"0"-198"16,0 0 0-16,0 0 19 15,0 0-4-15,0 0 19 16,0 0-34-16,21-38-7 15,-59 26 7-15,-9 4 19 16,-7 3-17-16,-8 5 13 16,-3 0-4-16,-1 21-10 15,-1 11 7-15,0 13 3 16,5 14-6-16,6 9 1 16,9 5-6-16,11-3-6 0,12 0 4 15,13-3-9-15,11-10 11 16,2-3-8-16,29-8 8 15,16-8 2-15,11-9 33 16,13-14 13-16,10-9-14 16,1-6-9-16,-2-1-9 15,-11-19-15-15,-9-4-2 16,-16-6-26-16,-17-7-107 16,-11 5-121-16,-11 9-522 0</inkml:trace>
@@ -1363,7 +1362,7 @@
   <inkml:trace contextRef="#ctx0" brushRef="#br0" timeOffset="43514.89">14968 5017 229 0,'0'0'374'0,"0"0"-213"0,0 0-11 15,0 0 41-15,0 0-73 16,0 0-21-16,-5 0 82 16,5 0-57-16,0-6-86 15,0-4-36-15,0 0-79 16,0-4-185-16,0-2-196 15,-2-3 102-15,2 2 301 16,0-5 57-16,0 1-52 16,0 6 6-16</inkml:trace>
   <inkml:trace contextRef="#ctx0" brushRef="#br0" timeOffset="43861.94">14799 4672 1003 0,'0'0'422'16,"0"0"-106"-16,0 0-107 16,0 0 39-16,0 0-49 15,0 0-27-15,0 0-39 16,-45-22-48-16,45 20-28 15,0 0-33-15,0 0-24 16,8 0-3-16,13-2 3 0,10 0 19 16,11 2 0-1,9-2-8-15,7 2-11 16,5-2-5-16,-3 2-7 0,-2 2-41 16,-12 0-1-1,-7 0-48-15,-11 0 37 0,-10 0-48 16,-18 16-55-16,0 1-232 15,0-6-1083-15</inkml:trace>
   <inkml:trace contextRef="#ctx0" brushRef="#br0" timeOffset="44080.91">14849 4947 2063 0,'0'0'365'0,"0"0"-282"0,0 0-83 15,0 0 0-15,0 0 75 16,177-12 61-16,-90 0-69 16,0 2-47-16,-8 0-1 15,-12 5-6-15,-15 2-13 16,-19 3 0-16,-13 0-28 16,-17 0-75-16,-3 2-105 15,0 4-479-15</inkml:trace>
-  <inkml:trace contextRef="#ctx0" brushRef="#br0" timeOffset="45377.79">17058 3732 1277 0,'0'0'297'15,"0"0"-121"-15,0 0-49 16,0 0 29-16,0 0-30 15,0 0-58-15,0 0-50 16,-2-16-18-16,-1 16 0 16,1 0-23-16,2 19 20 15,-2 16 3-15,0 18 25 0,2 18-4 16,0 13-9 0,0 8 1-16,0-3-13 15,0-9 11-15,0-10-3 16,0-12-8-16,0-14 0 0,0-12 0 15,0-12 0-15,0-16-30 16,0-4-309-16,-5-4-1348 0</inkml:trace>
+  <inkml:trace contextRef="#ctx0" brushRef="#br0" timeOffset="45377.78">17058 3732 1277 0,'0'0'297'15,"0"0"-121"-15,0 0-49 16,0 0 29-16,0 0-30 15,0 0-58-15,0 0-50 16,-2-16-18-16,-1 16 0 16,1 0-23-16,2 19 20 15,-2 16 3-15,0 18 25 0,2 18-4 16,0 13-9 0,0 8 1-16,0-3-13 15,0-9 11-15,0-10-3 16,0-12-8-16,0-14 0 0,0-12 0 15,0-12 0-15,0-16-30 16,0-4-309-16,-5-4-1348 0</inkml:trace>
   <inkml:trace contextRef="#ctx0" brushRef="#br0" timeOffset="45715.75">17432 3764 2116 0,'0'0'234'0,"0"0"-165"16,0 0-32-16,0 0-19 15,0 0-18-15,0 0-108 16,0 0 76-16,-85 116 32 16,29-46 0-16,-8 3-12 15,-5-4 12-15,2-13 24 16,11-9 0-16,12-13-6 15,19-10 13-15,15-6-31 16,10-4-35-16,0-1 35 16,19 2 9-16,16 4 18 15,11 0 38-15,4 1-4 16,4 0-45-16,-3 0 5 16,-6 1-11-16,-7-4-10 0,-10 4-16 15,-5 1-52 1,-7-7-108-16,-7-2-285 0</inkml:trace>
   <inkml:trace contextRef="#ctx0" brushRef="#br0" timeOffset="46252.1">17628 4428 1582 0,'0'0'646'15,"0"0"-429"-15,0 0-43 16,0 0-23-16,0 0-64 15,0 0-42-15,0 0-25 0,49-75-15 16,-49 75-5 0,0 0-23-16,-9 0-26 0,-15 6 7 15,-5 13 42-15,-5 4 2 16,3 4 4-16,9-2-6 16,9 1-11-16,8 1-21 15,5-1-14-15,2-1 13 16,18 2 19-16,7-5 7 15,0 2 6-15,-3-1 1 16,-6-3-22-16,-9 1-39 16,-9-1 4-16,0 0-7 15,-20-3 64-15,-9-2 18 16,2-3 78-16,2-4 11 0,12-3-48 16,9-5-45-1,4 0-14-15,9-15-37 16,22-13 37-16,14-9-1 15,8-7-20-15,5-1-8 0,0 1 11 16,-7 5 18-16,-9 11 6 16,-13 9 6-16,-8 6 18 15,-13 7 11-15,-6 6-34 16,-2 0-7-16,0 5-53 16,0 15 40-16,0 8 13 15,3 3 25-15,3 0-15 16,2-2-9-16,-2-2-1 15,3-7-53-15,-5-11-88 16,0-4-183-16,-4-5-845 0</inkml:trace>
   <inkml:trace contextRef="#ctx0" brushRef="#br0" timeOffset="46375.7">18076 4265 1621 0,'0'0'0'15,"0"0"-400"-15,0 0 78 16,0 0-164-16</inkml:trace>
@@ -1388,12 +1387,12 @@
   <inkml:trace contextRef="#ctx0" brushRef="#br0" timeOffset="-160015.04">5445 7757 729 0,'0'0'623'0,"0"0"-462"15,0 0-88-15,0 0 51 16,0 0 41-16,0 0 46 16,0 0-62-16,38-27-54 0,-38 27-31 15,0 0-23-15,0 2-8 16,0 22-33-1,-15 19 10-15,-8 14 8 0,-4 14-8 16,-2 3 12-16,0-6-22 16,4-8-2-16,4-14 2 15,0-14-3-15,8-13 3 16,6-10 20-16,5-9 3 16,2-6-15-16,0-28-8 15,0-16-113-15,16-14 14 16,6-9 9-16,4-4-116 15,3 0 0-15,-2 7 180 0,0 12 26 16,-4 16 247-16,-8 15-69 16,-3 20-95-16,-6 7-54 15,3 28-3-15,2 24 14 16,2 18 2-16,3 12-12 16,2 7-30-16,-1-5 0 15,-1-10-3-15,-3-14-7 16,-13-7-111-16,0-21-221 15,0-14-753-15</inkml:trace>
   <inkml:trace contextRef="#ctx0" brushRef="#br0" timeOffset="-159865.42">5298 8005 2119 0,'0'0'645'0,"0"0"-592"0,0 0-40 16,143-24 6-16,-54 14-10 15,30 4-9-15,-20-1-133 16,-26 7-1952-16</inkml:trace>
   <inkml:trace contextRef="#ctx0" brushRef="#br0" timeOffset="-158499.28">3897 8931 347 0,'0'0'610'0,"0"0"-350"16,0 0-109-16,0 0 63 15,0 0 19-15,0 0-23 16,0 0-65-16,0 0-22 16,0 0 7-16,0 0 19 15,0 0-25-15,0 0-24 16,0 0-13-16,0 0-46 16,0 0-4-16,0-7-11 15,0-8-6-15,0-9-16 16,0-10 8-16,0-14 0 15,0-17-10-15,-14-29-4 16,-3-34 9-16,-8-38-14 16,0-12 0-16,1 7-10 0,1 23 17 15,8 44-7-15,1 23-5 16,3 23 12-16,3 8 5 16,-4-3-5-16,1-1 1 15,0 0 0-15,2 14 4 16,0 9-5-16,0 6 1 15,3 8 7-15,2 6-7 16,-2 5-1-16,4 2 1 16,2 2-2-16,-2 2 1 15,2 0-7-15,0 0 6 16,0 0-4-16,0 0-11 16,0 0 9-16,0 0-7 15,0 0 8-15,0 0-7 0,-2 0-1 16,0 0 9-1,-1 0 0-15,1 0-5 0,-4 0 0 16,-8 0-1-16,-5 4 10 16,-15 3 1-16,-9 2 0 15,-15 0 8-15,-11 4 0 16,-11-3-7-16,-27 4 5 16,-22-1 4-16,-25 2-10 15,-6 0 13-15,9-6-13 16,12-1 1-16,33-4-1 15,18-2 0-15,18 0 0 16,2-2 5-16,-12 0-5 16,-9 0 0-16,-11 0 0 15,6 0 1-15,7 0-1 16,9 0-5-16,13 0 0 0,14 0 5 16,11 0 8-16,11 0-3 15,4 0-2-15,8 0 1 16,1 0-3-16,5 0 10 15,5 0-4-15,4 0-6 16,-1 0 3-16,3-2 3 16,0 2-7-16,0 0 5 15,-2 0-5-15,2 0 0 16,-5 0-5-16,3 2-8 16,-5 16 8-16,-1 6 5 15,-1 9 0-15,2 5-7 16,0 8 6-16,1 5 0 15,1 8-7-15,1 9 13 16,2 8-5-16,2 7 0 16,0 21 0-16,0 24-5 0,9 29 5 15,10 10-8-15,3-2 3 16,-1-10-12-16,-6-19 6 16,-3-2 11-16,-4-4-5 15,-3 5 5-15,-1-2 9 16,-2-1-5-16,0-8-3 15,4-21-2-15,-4-23 2 16,0-18 0-16,0-6-1 0,2 6 7 16,1 6-1-1,-1 1 4-15,0-11-10 16,2-12 11-16,-2-11-1 0,-2-8-3 16,0-12 3-16,-2-8-5 15,0-6-4-15,0-1-1 16,0 0-30-16,-4-11-35 15,-16-11-191-15,-3 2-870 0</inkml:trace>
-  <inkml:trace contextRef="#ctx0" brushRef="#br0" timeOffset="-158224.14">820 10305 1627 0,'0'0'555'16,"0"0"-388"-16,0 0-78 15,0 0 91-15,0 0-74 0,0 0-106 16,0 0 0-16,40-14 39 16,13 4 23-16,14-2-23 15,10-3-2-15,27-2-17 16,25-2 8-16,-5 1-6 16,-10 5-8-16,-16 2 2 15,-27 6-10-15,0-2 2 16,-1 1-8-16,-19 4 5 15,-18 0-10-15,-13 2-1 16,-11 0-32-16,-7 0-53 16,-2 2-93-16,-4 10-87 15,-11-2-537-15</inkml:trace>
+  <inkml:trace contextRef="#ctx0" brushRef="#br0" timeOffset="-158224.15">820 10305 1627 0,'0'0'555'16,"0"0"-388"-16,0 0-78 15,0 0 91-15,0 0-74 0,0 0-106 16,0 0 0-16,40-14 39 16,13 4 23-16,14-2-23 15,10-3-2-15,27-2-17 16,25-2 8-16,-5 1-6 16,-10 5-8-16,-16 2 2 15,-27 6-10-15,0-2 2 16,-1 1-8-16,-19 4 5 15,-18 0-10-15,-13 2-1 16,-11 0-32-16,-7 0-53 16,-2 2-93-16,-4 10-87 15,-11-2-537-15</inkml:trace>
   <inkml:trace contextRef="#ctx0" brushRef="#br0" timeOffset="-157945.66">1196 10559 2052 0,'0'0'454'15,"0"0"-378"-15,0 0-50 16,0 0 4-16,0 0 0 0,147-50-9 15,-98 38-12 1,2 2-2-16,-2 2-6 16,-4 3-1-16,-10 0-31 15,-3 4-69-15,-8 1-52 0,-6 0-142 16,-9 0-201-16</inkml:trace>
   <inkml:trace contextRef="#ctx0" brushRef="#br0" timeOffset="-156319.3">1443 10629 1352 0,'0'0'432'16,"0"0"-269"-16,0 0-31 15,0 0-35-15,0 0-52 16,0 0-32-16,0 0-2 16,0 72 3-16,0-23-1 15,0 13-2-15,0 25 7 16,-2 29 10-16,-4 33-15 16,-4 10-11-16,4-2 13 15,4-17-14-15,2-17 1 0,0-9-2 16,0-6 1-1,0-14 0-15,0-17-1 0,0-13 3 16,0-2-3-16,0 10 8 16,2 12-7-16,0 13-2 15,0-7-11-15,4-2-7 16,2-3-25-16,-2-7 17 16,1-2-5-16,-1-5-32 15,-1-2 30-15,-2-7 19 16,-3-6 13-16,0-10-10 15,0-7 12-15,0-13 12 16,0-8-12-16,0-4 2 16,0-8-1-16,0 0 16 15,0-4 11-15,0 0 8 0,-3-2 16 16,0 0-8-16,3 0 1 16,0 0 6-16,0 0 14 15,0 0 7-15,0 0 3 16,0 0-30-16,0 0-15 15,0 0-17-15,0 0-5 16,12 0-8-16,10 0 0 16,7 0 8-16,16-4-2 15,15 2-4-15,13-2 12 16,35-1-5-16,29-1 3 16,33-1 1-16,11-2-5 0,-10 4-7 15,-11 3 11 1,-17 2-5-16,-5 0-7 0,-4 0-7 15,-5 0 7-15,-22 0-1 16,-20 0 1-16,-19 0 9 16,-2 0-9-1,9 0 1-15,12 0 4 0,11 0-5 16,-9 0 0-16,-8 4-1 16,-10 2 2-16,-9-2-1 15,-6-1 0-15,-7 0 0 16,-4-3 0-16,-5 0 0 15,-5 0 6-15,-4 0-6 16,-6 0 0-16,-5-3 6 16,-5 3-6-16,-4 0-1 15,-3 0 1-15,-4 0 0 0,-2 0 1 16,0 0 0-16,-2 0 7 16,0 0 19-16,0 0-9 15,0 0-4-15,0 0-7 16,0-1-7-16,0 1-2 15,3-2-6-15,-3-1 16 16,0-2-9-16,0-5 7 16,2-8 11-16,-2-7 8 15,2-6-13-15,-2-10-1 16,2-5-5-16,0-5 2 16,0-12 1-16,-2-5-9 15,0-8 8-15,0-7-2 16,0-2-6-16,0-4 0 15,-6 5-1-15,-3 5-10 0,3 11 11 16,1 8 7-16,0 6-6 16,1 8 12-16,-1 6 0 15,3 8-8-15,0 3-4 16,2 8 4-16,0 0 15 16,0 3-4-16,0 1-10 15,0-4 4-15,0 0-9 16,0-2 2-16,0 3 3 15,0 4-6-15,0 4 4 16,0 4-3-16,0 2-1 16,0 3 0-16,0 2 0 15,0 1 2-15,0-3-2 16,0 0-2-16,0-2-4 16,0-1-2-16,0-1 7 0,0 3-9 15,0 2 10-15,0 2 4 16,0 0 1-16,0 0-5 15,0 0-12-15,0 4-2 16,0 5 11-16,0 2 3 16,0 3 0-16,0-2 0 15,0-2-13-15,0 1-29 16,0-2-111-16,0-8-515 0</inkml:trace>
   <inkml:trace contextRef="#ctx0" brushRef="#br0" timeOffset="-146036.39">6191 10345 240 0,'0'0'500'16,"0"0"-230"-16,0 0-38 15,0 0 8-15,0 0 60 16,0 0-100-16,2 74-57 16,-2-67-34-16,0-2-14 15,3-1-12-15,-3-4-24 16,0 2-30-16,0 0-13 16,0 4-16-16,0 0-134 15,-3-2-684-15</inkml:trace>
   <inkml:trace contextRef="#ctx0" brushRef="#br0" timeOffset="-144525.22">2943 9350 358 0,'0'0'395'0,"0"0"-217"15,0 0-95-15,0 0-30 16,0 0-30-16,0 0-23 16,0 0-29-16,49-44-33 15,-43 37-4-15,2-4 35 16,-2 3 0-16,-2 2-412 0</inkml:trace>
-  <inkml:trace contextRef="#ctx0" brushRef="#br0" timeOffset="-143633.71">3148 9166 889 0,'0'0'597'0,"0"0"-351"16,0 0-67-16,0 0-19 15,0 0-6-15,0 0-89 16,0 0-23-16,0-4-40 16,0 4 14-16,0 0 9 15,0 0 6-15,0 1-13 16,0 14-17-16,0 11 43 15,0 10-1-15,0 14-9 0,0 28-3 16,13 39-18-16,5 37 4 16,2 22 10-16,1-1-10 15,-4-9-7-15,-3-25 9 16,-6-7-17-16,-3-8 13 16,-3-7 11-16,-2-6-7 15,0-20-5-15,0-14-8 16,0-21 1-16,0-8-7 15,0 7 0-15,0 4 19 16,0 5-10-16,0-5 5 16,2-6-9-16,4-5 1 0,2-1-6 15,-2-7 0-15,1-6 6 16,-1-8-6-16,-1-6 0 16,-1-6 0-16,-1-8 0 15,-3-4-1-15,2-2-15 16,-2-2 0-16,0 0 1 15,0-2-16-15,0-18 5 16,-5-10-72-16,-10-5-46 16,-8-7-88-16,-4 1-269 15,-2 4-21-15,-2 5 214 16,2 7 308-16,3 5 264 16,4 1 130-16,6 5-35 0,3 1-102 15,6 0-109-15,3 3-21 16,2 2-70-16,2 2-14 15,0 4-13-15,0 1 0 16,0 1 1-16,0 0-31 16,0 3-2-16,0 17-13 15,4 15 15-15,9 7 20 16,5 5 3-16,2 6-11 16,4-3-4-16,1-2-7 15,2-6 8-15,0-4-7 16,-3-8-2-16,0-7 3 15,-5-10 14-15,-7-6 12 16,0-7 2-16,-1-3 12 16,4-27 46-16,3-16-3 15,3-12-33-15,3-9-36 0,-2 0-7 16,1 3-4-16,-1 7 1 16,-5 10-7-16,-1 8-8 15,-5 7-30-15,-4 6-40 16,-7-2-75-16,0 7-132 15,0 4-1041-15</inkml:trace>
+  <inkml:trace contextRef="#ctx0" brushRef="#br0" timeOffset="-143633.72">3148 9166 889 0,'0'0'597'0,"0"0"-351"16,0 0-67-16,0 0-19 15,0 0-6-15,0 0-89 16,0 0-23-16,0-4-40 16,0 4 14-16,0 0 9 15,0 0 6-15,0 1-13 16,0 14-17-16,0 11 43 15,0 10-1-15,0 14-9 0,0 28-3 16,13 39-18-16,5 37 4 16,2 22 10-16,1-1-10 15,-4-9-7-15,-3-25 9 16,-6-7-17-16,-3-8 13 16,-3-7 11-16,-2-6-7 15,0-20-5-15,0-14-8 16,0-21 1-16,0-8-7 15,0 7 0-15,0 4 19 16,0 5-10-16,0-5 5 16,2-6-9-16,4-5 1 0,2-1-6 15,-2-7 0-15,1-6 6 16,-1-8-6-16,-1-6 0 16,-1-6 0-16,-1-8 0 15,-3-4-1-15,2-2-15 16,-2-2 0-16,0 0 1 15,0-2-16-15,0-18 5 16,-5-10-72-16,-10-5-46 16,-8-7-88-16,-4 1-269 15,-2 4-21-15,-2 5 214 16,2 7 308-16,3 5 264 16,4 1 130-16,6 5-35 0,3 1-102 15,6 0-109-15,3 3-21 16,2 2-70-16,2 2-14 15,0 4-13-15,0 1 0 16,0 1 1-16,0 0-31 16,0 3-2-16,0 17-13 15,4 15 15-15,9 7 20 16,5 5 3-16,2 6-11 16,4-3-4-16,1-2-7 15,2-6 8-15,0-4-7 16,-3-8-2-16,0-7 3 15,-5-10 14-15,-7-6 12 16,0-7 2-16,-1-3 12 16,4-27 46-16,3-16-3 15,3-12-33-15,3-9-36 0,-2 0-7 16,1 3-4-16,-1 7 1 16,-5 10-7-16,-1 8-8 15,-5 7-30-15,-4 6-40 16,-7-2-75-16,0 7-132 15,0 4-1041-15</inkml:trace>
   <inkml:trace contextRef="#ctx0" brushRef="#br0" timeOffset="-142800.37">3085 9207 306 0,'0'0'634'0,"0"0"-471"15,0 0-74-15,0 0 101 16,0 0 72-16,0 0-102 16,0 0-70-16,-13-13-34 15,9 13-24-15,-6 0-30 16,-5 18 0-16,-5 13 19 15,-7 6 32-15,-2 7 22 16,0 2 27-16,7-3-35 16,6-7-37-16,10-13 0 15,4-7-23-15,2-7-7 16,0-9-18-16,10 0 18 16,15-4 11-16,8-21 24 15,7-6-4-15,5-6 10 0,-3 0-34 16,-4 4 9-16,-9 7 0 15,-9 10 31-15,-7 10 7 16,-5 6-7-16,-2 0-35 16,3 5-12-16,7 18 0 15,6 10 16-15,2 5-1 16,7 2-5-16,1-3-9 16,6 8-1-16,-10-11-94 15,-7-10-248-15</inkml:trace>
   <inkml:trace contextRef="#ctx0" brushRef="#br0" timeOffset="-142028.18">2707 10820 1088 0,'0'0'709'0,"0"0"-489"15,0 0-87-15,0 0 40 16,0 0-21-16,0 0-33 16,0 0-43-16,0 0 17 15,-5-2-3-15,-9-6-33 16,-5-3-45-16,-10-4-11 0,-10 3 4 15,-3 2-5 1,-2 5-10-16,-3 5 4 0,3 0 1 16,-1 23 4-16,3 7-15 15,6 9 15-15,9 5-4 16,7 2 4-16,11 2-12 16,7-4 4-16,2-6-12 15,2-6 16-15,11-12-19 16,1-9 5-16,1-8-59 15,2-3 39-15,0-10 39 16,5-24 11-16,7-14 16 16,3-17-3-16,3-10-1 15,3-10-9-15,-2-7-2 16,-3-2-12-16,-1 4-12 16,-9 5 9-16,-2 15 3 15,-9 17 7-15,-6 20 27 16,-2 13 24-16,-4 14 15 0,0 6-73 15,2 13-14-15,1 28-7 16,3 33 21-16,4 6 10 16,1 11 6-16,1 3-11 15,2-18 10-15,-1 2-14 16,1-11 11-16,-3-16-4 16,-2-13-8-16,-3-12-57 15,-1-18-64-15,0-5-105 16,-5-3-785-16</inkml:trace>
   <inkml:trace contextRef="#ctx0" brushRef="#br0" timeOffset="-140778.95">2420 14165 1037 0,'0'0'343'0,"0"0"-200"15,0 0 120-15,0 0 8 0,0 0-127 16,0 0-79-16,0 0-54 16,-79-91-11-16,68 89 0 15,4 1 0-15,5 1 24 16,0 0-24-16,2 0-41 15,0 0-13-15,0 0 54 16,0 6 0-16,0 0 3 16,0-2 1-16,0 0-4 15,0-2-1-15,0 0 1 16,0-2 0-16,0 0 16 16,0 0 50-16,0 0 16 15,0 0 9-15,0-2-7 16,0-7 8-16,0-1-51 0,-11-2-24 15,-7-2 2-15,-9 0-13 16,-4 2 14-16,-5 1 12 16,-4 4-25-16,-4 7 17 15,-3 0-17 1,-5 8-6-16,2 23-2 0,-4 9 0 16,2 14-7-16,4 17 5 15,7 23 2-15,15-5 1 16,12 6 0-16,14-3 0 15,2-20-11-15,28 5 9 16,11-15-15-16,11-17 7 16,10-7-11-16,3-13 21 15,2-13 41-15,-2-8 7 16,-8-4-5-16,-7 0-10 16,-11-14-15-16,-5-2-16 0,-3-12-2 15,-9 6-171 1,-5 0-576-16</inkml:trace>
@@ -1402,12 +1401,12 @@
   <inkml:trace contextRef="#ctx0" brushRef="#br0" timeOffset="-139442.79">4565 13894 1464 0,'0'0'481'15,"0"0"-355"-15,0 0-100 16,0 0 6-16,0 0-18 15,0 0-14-15,0 0-2 16,20-28-22-16,-20 28-22 16,0 0 32-16,0 0 14 0,0 0-2 15,0 0-38-15,0 0-166 16,0 0-192 0,0 0-120-16</inkml:trace>
   <inkml:trace contextRef="#ctx0" brushRef="#br0" timeOffset="-138942.95">4732 13934 1238 0,'0'0'596'0,"0"0"-351"15,0 0-52-15,0 0-55 16,0 0 8-16,0 0-33 16,-60-118-37-16,37 98-44 0,-3 4-32 15,-8 4 0-15,-3 12 0 16,-6 0 10-16,-6 10-9 16,-2 22-1-16,-1 10 11 15,10 10 3-15,7 12-14 16,14 7 0-16,17 1-6 15,4 2-2-15,14-7 0 16,21-10-1-16,7-11 3 16,6-15-19-16,-2-14 19 15,-1-11-26-15,-7-10-29 16,-12-18-220-16,-15-3-869 0</inkml:trace>
   <inkml:trace contextRef="#ctx0" brushRef="#br0" timeOffset="-138775.1">4119 14185 2533 0,'0'0'146'15,"0"0"-146"-15,0 0-3 16,0 0 3-16,0 0 36 16,165-19-36-16,-96 19-11 15,3 0-146-15,17 0-153 16,-18 0-243-16,-11 0-72 0</inkml:trace>
-  <inkml:trace contextRef="#ctx0" brushRef="#br0" timeOffset="-138493.61">4828 14159 1073 0,'0'0'417'0,"0"0"-65"0,0 0-51 16,0 0-225-16,0 0-33 16,0 0 3-16,0 0-29 15,-52 107-17-15,39-58 20 16,0-6-16-16,6-2-4 15,5-4 0-15,2-14 6 16,0-6 29-16,4-13-26 16,17-4-7-16,3-4 101 15,4-25 0-15,4-9-25 16,-3-6-36-16,-5-5-7 16,-3 4-18-16,-11 5 1 15,-10 8 8-15,0 10 36 16,-2 4 7-16,-20 12-68 0,-18 6-1 15,2 12-81-15,3 6-407 16</inkml:trace>
+  <inkml:trace contextRef="#ctx0" brushRef="#br0" timeOffset="-138493.62">4828 14159 1073 0,'0'0'417'0,"0"0"-65"0,0 0-51 16,0 0-225-16,0 0-33 16,0 0 3-16,0 0-29 15,-52 107-17-15,39-58 20 16,0-6-16-16,6-2-4 15,5-4 0-15,2-14 6 16,0-6 29-16,4-13-26 16,17-4-7-16,3-4 101 15,4-25 0-15,4-9-25 16,-3-6-36-16,-5-5-7 16,-3 4-18-16,-11 5 1 15,-10 8 8-15,0 10 36 16,-2 4 7-16,-20 12-68 0,-18 6-1 15,2 12-81-15,3 6-407 16</inkml:trace>
   <inkml:trace contextRef="#ctx0" brushRef="#br0" timeOffset="-138148.4">5352 14028 2280 0,'0'0'572'0,"0"0"-477"15,0 0-14-15,0 0 30 16,0 0-39-16,0 0-57 16,0 0-15-16,0-12-1 15,0 12-7-15,0 0-59 16,0 5-144-16,0-2-495 0</inkml:trace>
   <inkml:trace contextRef="#ctx0" brushRef="#br0" timeOffset="-137350.08">5917 13812 1663 0,'0'0'466'0,"0"0"-266"16,0 0-29-16,0 0-23 16,0 0-64-16,0 0-35 15,0 0-49-15,0-21-23 16,0 26-36-16,0 13-6 15,-9 9 65-15,-4 16 34 16,-3 9-25-16,-4 9 1 16,-2 3-1-16,0-6-9 15,2-6-12-15,2-12-13 16,4-12 25-16,8-20 6 0,6-8-6 16,0-2-18-1,0-29-5-15,15-17 23 0,5-11 8 16,5-11 18-16,2-5-20 15,0-1-6-15,-1 2 1 16,1 6 0-16,-3 10 10 16,-3 9-2-16,-6 17 15 15,-3 14 20-15,-6 10-7 16,-2 8-26-16,-2 8-11 16,5 28-21-16,9 32 21 15,9 31 32-15,4 2-6 16,0-6-1-16,-1-12-24 15,-3-19 9-15,1 2-10 16,1-1-16-16,-8-14-104 0,-17-14-76 16,-2-12-18-1,0-16-316-15</inkml:trace>
   <inkml:trace contextRef="#ctx0" brushRef="#br0" timeOffset="-137182.1">5761 14109 708 0,'0'0'1908'16,"0"0"-1771"-16,0 0-105 15,0 0 7-15,154-61-7 16,-44 41-32-16,-17 7-125 16,-9 0-578-16</inkml:trace>
   <inkml:trace contextRef="#ctx0" brushRef="#br0" timeOffset="-136230.99">3970 14966 2058 0,'0'0'297'0,"0"0"-207"16,0 0 95-16,0 0-58 16,0 0-68-16,0 0-32 15,0 0-11-15,-9-21-10 16,24 21 18-16,8 0 31 15,8 0-12-15,13 0-12 0,19 9-4 16,32-4-6-16,48-2-8 16,53-3-6-1,32 0-3-15,11 0 4 16,-2 0 2-16,-21 0-1 0,-12-4-9 16,-17 4-3-16,-31 0 2 15,-34 0 0-15,-35 0-38 16,-31 0 18-16,-20 0 2 15,-7 0-14-15,-10 0-13 16,-12 0-8-16,-27 4-54 16,-22 6-8-16,-10 3-828 0</inkml:trace>
-  <inkml:trace contextRef="#ctx0" brushRef="#br0" timeOffset="-135653.23">5059 15655 2354 0,'0'0'248'0,"0"0"-241"15,0 0-7-15,0 0 63 16,0 0-38-16,0 0-25 16,-108-112-19-16,70 98-36 15,-7 9 55-15,-7 5 28 16,-3 5-14-16,-5 23-13 16,0 8 13-16,4 9 1 15,9 12 18-15,13-3-22 16,17 3-10-16,15-4-1 15,2-3-6-15,15-13-15 16,14-15-23-16,4-9 20 16,1-8-28-16,1-5 52 15,2-14 24-15,0-21 20 16,-1-6-10-16,-3-16-1 16,-4-5-30-16,-6-6 11 0,-10-4 8 15,-7-4-9-15,-6 9-8 16,0 14 17-16,0 16 29 15,0 17 50-15,0 15 0 16,0 5-47-16,0 0-54 16,0 17-30-16,5 23 23 15,11 18 7-15,4 14 14 16,4 13-8-16,3 3 3 16,-1 2 5-16,-5-6-14 15,-2 19 0-15,-7-26-114 16,-8-16-314-16</inkml:trace>
+  <inkml:trace contextRef="#ctx0" brushRef="#br0" timeOffset="-135653.24">5059 15655 2354 0,'0'0'248'0,"0"0"-241"15,0 0-7-15,0 0 63 16,0 0-38-16,0 0-25 16,-108-112-19-16,70 98-36 15,-7 9 55-15,-7 5 28 16,-3 5-14-16,-5 23-13 16,0 8 13-16,4 9 1 15,9 12 18-15,13-3-22 16,17 3-10-16,15-4-1 15,2-3-6-15,15-13-15 16,14-15-23-16,4-9 20 16,1-8-28-16,1-5 52 15,2-14 24-15,0-21 20 16,-1-6-10-16,-3-16-1 16,-4-5-30-16,-6-6 11 0,-10-4 8 15,-7-4-9-15,-6 9-8 16,0 14 17-16,0 16 29 15,0 17 50-15,0 15 0 16,0 5-47-16,0 0-54 16,0 17-30-16,5 23 23 15,11 18 7-15,4 14 14 16,4 13-8-16,3 3 3 16,-1 2 5-16,-5-6-14 15,-2 19 0-15,-7-26-114 16,-8-16-314-16</inkml:trace>
   <inkml:trace contextRef="#ctx0" brushRef="#br0" timeOffset="-135525.34">5435 15892 2467 0,'0'0'0'0</inkml:trace>
   <inkml:trace contextRef="#ctx0" brushRef="#br0" timeOffset="-131698.31">2965 10181 1460 0,'0'0'313'0,"0"0"-266"0,0 0 7 16,0 0 78-1,0 0-30-15,0 0-61 0,0 0-11 16,0-9 24-16,0 9 42 15,0 0-17-15,0-1-33 16,0 1-7-16,0-3 4 16,0 3-9-16,0 0-14 15,0 0-4-15,0 0 1 16,0 0-4-16,0 0 2 16,0 0 12-16,0 0-12 15,0 0-6-15,0 0 3 16,0 0 6-16,0 0-4 15,0 0-8-15,0 0 1 16,0 0 6-16,0 0-13 16,0 0-5-16,0-1-1 0,0-4 0 15,0-1-7 1,0-4-18-16,0 1-4 0,0-2 10 16,4-1 13-16,-2-1 12 15,1 2 0-15,0 1-1 16,-3 0 1-16,2 2 0 15,-2 2 0-15,0 0 0 16,0 5 0-16,0-2-3 16,0 3 3-16,0 0 9 15,0 0 2-15,0 0 8 16,0 0-9-16,0 0 1 16,0 0-3-16,0 0-8 0,0 0 0 15,0 0 0-15,0 0 27 16,0 0-12-16,0 0-14 15,0 0-1-15,0 0-4 16,0 0 4-16,0 4-11 16,0 3 10-16,0 6 1 15,0 1 10-15,0 6-5 16,0 4-5-16,-2 2 6 16,2 4-5-16,0 1 5 15,0 3-6-15,0 1 1 16,0 2 3-16,0-1-4 15,4-4 0-15,2 0 6 16,1-2-5-16,1 0-1 16,0 2 0-16,1 1 0 15,-3-1 0-15,0-1 1 0,2 4 0 16,-2-3 5-16,-1-1-5 16,-1-2 0-16,0-1-1 15,-2-2 5-15,4-2-4 16,-4 1-1-16,0-4 0 15,0 0 0-15,0-2 13 16,-2-1-13-16,0-2 1 16,3-4 6-16,-3-1 6 15,0-6-3-15,0 0-3 16,0-1 6-16,0-4-1 16,0 1-1-16,0-1-5 15,0 0-5-15,0 3 5 16,0-2-5-16,0 1 1 0,0-2 6 15,0 3-7-15,0-3 0 16,2 0 0-16,-2 0 0 16,0 0-1-16,0 0-4 15,0-23-94-15,0-3-87 16,0-3-557-16</inkml:trace>
   <inkml:trace contextRef="#ctx0" brushRef="#br0" timeOffset="-127814.7">2992 10117 1037 0,'0'0'539'16,"0"0"-329"-16,0 0-68 16,0 0 22-16,0 0-21 15,0 0-45-15,0 0-63 16,0-9 14-16,0 9 7 15,0 0 5-15,0 0-7 16,0 0 22-16,0 0-13 16,0 0-19-16,0 0-16 15,0 0-12-15,0 0 2 16,2 0-13-16,2 0-5 0,4 0 17 16,2 0-7-16,1 0 9 15,5 0 12-15,1 2-5 16,6 2-1-16,0-1-2 15,-1 0-15-15,2-1 7 16,3 2-6-16,2 1-8 16,0-2-1-16,2 0 5 15,2 0 7-15,3 0-12 16,0-3-1-16,0 0 1 16,1 0 0-16,3 0 4 15,-2 0 6-15,1 0-10 16,-4 0 10-16,3 0-6 15,-3-3-3-15,1 1 5 16,-3 2-6-16,-2 0 1 0,-2 0 0 16,0 0 0-16,-4 0 7 15,-3 0-7-15,3 0 6 16,-3 0 2-16,2 0-5 16,3 0-4-16,0 0 0 15,2 0 4-15,-2 2-3 16,2 2-1-16,0-2-5 15,-3 2 5-15,3-1 8 16,0 0-8-16,0-1 0 16,2-2 0-16,0 0 0 15,1 0 0-15,3 0 0 16,2 0 1-16,0 0-1 16,1 0 0-16,-3 0 2 0,3 0-2 15,-1 0 1-15,-2-2-1 16,0-1 0-16,1-1 0 15,-5-1 8-15,-2 1-8 16,-2 1 0-16,0 0 1 16,-2 1-1-16,-2 1 0 15,2-2 0-15,2-1 8 16,2 2-8-16,2-2 0 16,2 0 0-16,1 0 0 15,1 0 5-15,4-2-5 16,-1 2 0-16,-3 1-1 15,1-2-2-15,-3 1 3 16,-2 0 5-16,2 2-4 16,-4 0-1-16,3 0-9 15,-5 2 9-15,2 0 8 0,-3-2-7 16,1 0-1-16,2 0 0 16,2 0 0-16,3 0 1 15,1 0-1 1,1-3 0-16,1 4 3 0,2-5-3 15,-1 2 0-15,-1 1 0 16,1-2 0-16,1-1 0 16,0 2-1-16,3-2 1 15,1 0 3-15,4 0-3 16,-2 2 0-16,1-1 0 16,1 3 6-16,2-4-1 0,-2 1-5 15,1 1 7-15,0 0-3 16,-2 0-4-16,-1 0 0 15,1 0 1-15,-3-1 0 16,1 1 5-16,-2-1-6 16,-1 1 0-16,-1 0 5 15,0-2-4-15,-2 2 0 16,0 0-1-16,0-2 5 16,-3 2-5-16,1 1 0 15,0 0-1-15,-2 0 1 16,1-1 0-16,-2 1 10 15,1 1-10-15,-1-2 1 16,0 0-1-16,1 0-1 16,1 2 1-16,2-2 6 0,0 1-6 15,1 2 0-15,-2-3 0 16,-1 2 1-16,-2 0-1 16,-1 0 0-16,-3-1 0 15,-3 2 0-15,-1-2 0 16,-2 0-4-16,-4-2 3 15,1 2-1-15,1-1 2 16,-4 0 3-16,4 0-3 16,-3 2 0-16,-1-1 0 15,1 2-1-15,0-2 1 16,0 2 0-16,-3-2 0 16,-1 2 0-16,-1-2 0 15,1 3 0-15,-4-1 0 0,3-2 0 16,1 1 0-16,-1 1 0 15,3-2 0-15,-1 1 0 16,4 2 0-16,-4-1 0 16,1-1-2-16,-1-2 2 15,-1 1 0-15,-1 1 0 16,-1 1-1-16,-2-2 2 16,1 2-2-16,1-2 0 15,-3 2-6-15,-3 1-1 16,-2 0-9-16,-2 0 6 15,-2 0-2-15,0 0-2 16,0 0 6-16,0 0-9 16,0 0 1-16,0 0 17 15,0 0 0-15,0 0 11 16,0 0-11-16,0 0 0 0,0 0-5 16,0 0 4-1,0 0 1-15,0 0 4 0,0 0 1 16,0 0-5-16,0 0-1 15,0 1-15-15,0 9 11 16,0 8 5-16,0 4 7 16,0 7-7-16,0 3 5 15,0 4-4-15,0 0 5 16,0 2 1-16,0 4-6 16,0 2-1-16,0 2 1 0,4 1-1 15,0 0 1-15,-2 0 0 16,0-2 14-16,3-1-15 15,-3-1 0-15,0-3-2 16,-2-4 2-16,2-3 7 16,-2-4-6-16,2-4 0 15,0-7-1-15,0-5-1 16,1-4 1-16,0-3-1 16,-3-2-5-16,0-3 5 15,2 2-3-15,-2-3 4 16,0 0 6-16,0 0-6 15,0 0 0-15,0 0 0 16,0 0 11-16,0 0-10 16,0 1 0-16,0-1-1 15,0 0 0-15,0 0-4 0,0 0-5 16,0 0 5-16,0 0 4 16,0 3 0-1,0-3 1-15,0 0-1 0,0 0-4 16,0 0 4-16,0 0 6 15,0 0-6-15,0 2 1 16,0-2-1-16,0 0 5 16,0 0-5-16,0 0 0 15,0 0 0-15,0 0 0 16,0 0 0-16,0 0 0 16,0 2 2-16,0 3-2 15,0-1-1-15,0 2-5 16,0-2 2-16,0 1 6 15,0-1-2-15,0-2 0 16,0 0 1-16,0 0-1 0,0 2 0 16,0 0 6-16,0 2-6 15,0 1 0-15,0 0 0 16,-2-1 0-16,-1-2-5 16,0 0 6-16,1-2-1 15,0 0 8-15,2 0-8 16,0-2 0-16,0 0 1 15,-2 2 2-15,2-2-2 16,-4 0 6-16,-1 2-7 16,-3 0 0-16,-6 0 6 15,-1 2 2-15,-8-2-4 16,-4 2-3-16,-4-2-1 16,-7 1 4-16,-1-2-5 0,-6-1 1 15,0 1-1-15,-2-1 1 16,1 0 0-16,-1 0 0 15,3 0 0-15,-2 0 1 16,4 0 0-16,0 0 3 16,2 0-3-16,2 2 6 15,-4-2-7-15,-3 3-7 16,-4-3 7-16,-4 1-1 16,1 2-1-16,-1-3 2 15,2 0 0-15,-1 0 0 0,1 0 0 16,0 0 0-1,0 0 1-15,1 0-1 0,2 0 1 16,0 0-1-16,2 0 0 16,-1 0 0-16,1 0 0 15,-2 0 0-15,2 0 0 16,-1 0 0-16,1 0 0 16,-2 0 1-16,2 0-1 15,-3 4 1-15,-1 0-1 16,2 0 0-16,-2 0 0 15,4 0 0-15,1 0-9 16,3 2 9-16,2-2 0 16,4 1 0-16,0 0 9 15,5-2-8-15,0 2 3 16,2-1-4-16,-2 0 0 0,2 2-5 16,-3-4 5-16,1 2 1 15,-2 1 0-15,-3 1-1 16,1-3 0-1,-3 2 0-15,1 2 0 0,-2 1 0 16,-1-2-1-16,-2 0 1 16,-3-2 0-16,-3 3 0 15,-2-3-1-15,1-3 1 16,0 4 0-16,2-1 0 16,5-3 0-16,2 1 0 15,7 0 0-15,-1 0 0 16,6-2 0-16,-4 2 0 15,3-2 0-15,0 2 0 0,3 2 0 16,-1 0 0-16,0 0 0 16,2 2 0-16,0 1 0 15,2-2 0-15,0 1 1 16,1 1 0-16,-1-2-1 16,1 1-1-16,-2 1 1 15,-3 0 0-15,-2 1 0 16,-2 3 0-16,0-4-1 15,-3 2 1-15,1 0-1 16,-3-3 1-16,1 3 1 16,-2-3-1-16,2-2 0 15,2 0-6-15,-1-2 6 16,3 0 0-16,0 0 7 16,2 1-6-16,0-2-1 0,-2-1 1 15,-1 2 3-15,-3 0-4 16,-1 2 0-16,1-1-4 15,-4 3 6-15,2 1-3 16,1-1 1-16,1 0-1 16,-1-2 1-16,5 0 4 15,0 1-3-15,2-4-1 16,2 2 1-16,0-2 0 16,0-1-1-16,2 2 0 15,2-1 0-15,-2 2 0 16,3-2 1-16,1 1 6 15,2 1-7-15,0-3 0 16,4 0 1-16,-1 0-1 16,1 0 7-16,-1 0-7 0,-1 0 0 15,-1 0 0-15,-3-3 1 16,2 0-1 0,-4-3 1-16,1 1 6 0,2-2-7 15,2 1 0-15,3 2 0 16,1 0 5-16,3 0 0 15,2 2 4-15,2-3-1 16,3 4-7-16,0-4 13 16,1 4-10-16,1-1 2 15,2 0-1-15,0 2-5 16,0-2 0-16,0 2 0 16,0 0 4-16,0-2 8 0,-2 0 2 15,-4 1-10-15,-2-4 2 16,0 3 0-16,-1-2 3 15,1 2-9-15,4 2 11 16,2-3-1-16,2 3-10 16,0 0 0-16,0 0-20 15,0 0-30-15,0 0-29 16,0-4-39-16,0 3-92 16,0-5-178-16</inkml:trace>
@@ -1422,30 +1421,30 @@
   <inkml:trace contextRef="#ctx0" brushRef="#br0" timeOffset="130387.61">1548 3621 328 0,'0'0'464'0,"0"0"-126"16,0 0-159-16,0 0-118 15,0 0-61-15,0 0 2 16,0 0 8-16,20 42 9 15,-16-21-19-15,13 16 0 16,-5-5-87-16,1 1 36 0</inkml:trace>
   <inkml:trace contextRef="#ctx0" brushRef="#br0" timeOffset="131352.54">2887 6717 1242 0,'0'0'152'15,"0"0"-152"-15,0 0 0 16,0 0 74-16,0 0 92 0,0 0 92 15,-95-112 14 1,74 93-63-16,-1 4-103 16,0-1-41-16,0 2-32 0,-5 1-33 15,2-2-36-15,-2 0-13 16,6 3 17-16,2 1 14 16,9-1 2-16,2 3-42 15,8 3 35-15,0 0 1 16,0 0-18-16,5-1 40 15,10 0 10-15,2-1-9 16,-5 4 10-16,-3 3-11 16,-9 1-18-16,0 0-36 15,-2 9-24-15,-23 14 78 16,-6 4 22-16,-2 2-11 16,-3-1-10-16,5-5 20 15,6 0-19-15,15-2-2 16,3-6-189-16,7-5-384 0</inkml:trace>
   <inkml:trace contextRef="#ctx0" brushRef="#br0" timeOffset="132462.87">3349 8564 1328 0,'0'0'314'0,"0"0"-213"15,0 0-4-15,4 103 25 16,-4-66-51-16,0 0 67 16,0-2-12-16,0-2-34 15,-2-5-27-15,-3-6-14 16,5-5-29-16,0-6-22 16,0-5-45-16,0-6-646 0</inkml:trace>
-  <inkml:trace contextRef="#ctx0" brushRef="#br0" timeOffset="132598.02">3197 8831 2023 0,'0'0'957'0,"0"0"-957"16,0 0-47-16,0 0 35 15,0 0 8-15,169-66-11 16,-95 44-183-16,-10 4-428 0</inkml:trace>
+  <inkml:trace contextRef="#ctx0" brushRef="#br0" timeOffset="132598.01">3197 8831 2023 0,'0'0'957'0,"0"0"-957"16,0 0-47-16,0 0 35 15,0 0 8-15,169-66-11 16,-95 44-183-16,-10 4-428 0</inkml:trace>
   <inkml:trace contextRef="#ctx0" brushRef="#br0" timeOffset="132866.57">4018 8618 2459 0,'0'0'229'0,"0"0"-194"16,0 0-22-16,0 0-12 16,0 0 3-16,0 0-4 15,0 0-66-15,17 42 52 16,-17 9 13-16,0 5 0 16,0-2 1-16,6-4-27 15,8-9-100-15,-3-12 52 16,-1-11-4-16,0-18-86 15,-6 0-246-15,-1-6-14 0</inkml:trace>
   <inkml:trace contextRef="#ctx0" brushRef="#br0" timeOffset="133018.53">3985 8743 1299 0,'0'0'955'0,"0"0"-771"16,0 0-69-16,0 0-45 15,0 0-58-15,0 0-11 16,0 0-1-16,23 6 43 15,14-4-23-15,11-2-20 16,31 0-55-16,-9-4-163 16,-8-6-345-16</inkml:trace>
-  <inkml:trace contextRef="#ctx0" brushRef="#br0" timeOffset="133212.45">4847 8532 2245 0,'0'0'372'16,"0"0"-339"-16,0 0-33 15,0 0-6-15,0 0-4 16,-2 106-59-16,2-63-102 16,0-3-37-16,0 4-14 15,8-10-25-15,0-8-120 0</inkml:trace>
-  <inkml:trace contextRef="#ctx0" brushRef="#br0" timeOffset="133364.3">4826 8667 1972 0,'0'0'676'16,"0"0"-579"-16,0 0-80 15,0 0-17-15,0 0-47 16,0 0-4-16,0 0 24 15,56-4-84-15,-25 9-602 0</inkml:trace>
+  <inkml:trace contextRef="#ctx0" brushRef="#br0" timeOffset="133212.44">4847 8532 2245 0,'0'0'372'16,"0"0"-339"-16,0 0-33 15,0 0-6-15,0 0-4 16,-2 106-59-16,2-63-102 16,0-3-37-16,0 4-14 15,8-10-25-15,0-8-120 0</inkml:trace>
+  <inkml:trace contextRef="#ctx0" brushRef="#br0" timeOffset="133364.29">4826 8667 1972 0,'0'0'676'16,"0"0"-579"-16,0 0-80 15,0 0-17-15,0 0-47 16,0 0-4-16,0 0 24 15,56-4-84-15,-25 9-602 0</inkml:trace>
   <inkml:trace contextRef="#ctx0" brushRef="#br0" timeOffset="133879">5277 8562 1285 0,'0'0'312'15,"0"0"-244"-15,0 0-35 16,0 0 195-16,0 0 46 16,0 0-72-16,0 0-114 15,3 25-45-15,-8 10-10 16,1 14-9-16,4 5-13 16,0 2-10-16,0-5-1 15,0-2 0-15,9-6-6 0,0-12-6 16,-5-10-129-16,-4-12 91 15,0-6-170-15,-10-3-811 0</inkml:trace>
   <inkml:trace contextRef="#ctx0" brushRef="#br0" timeOffset="134001.94">5180 8831 2244 0,'0'0'439'15,"0"0"-342"-15,0 0-74 16,122-28-12-16,-12 13-11 15,-15 3-61-15,-7 3-275 0</inkml:trace>
   <inkml:trace contextRef="#ctx0" brushRef="#br0" timeOffset="134196.69">6056 8576 2626 0,'0'0'224'0,"0"0"-224"15,0 0-46-15,0 0 33 16,0 0 1-16,-34 142-63 16,34-97-23-16,0-5 52 15,0-5 30-15,0-4 8 16,5-5-6-16,6-8-114 16,-3-6-252-16,0-8-635 0</inkml:trace>
   <inkml:trace contextRef="#ctx0" brushRef="#br0" timeOffset="134347.53">6125 8544 2119 0,'0'0'0'0,"0"0"-716"0</inkml:trace>
-  <inkml:trace contextRef="#ctx0" brushRef="#br0" timeOffset="134729.58">6125 8776 2026 0,'0'0'250'0,"0"0"-184"16,0 0-42-16,0 0-5 16,0 0 4-16,0 0-11 15,0 0-4-15,87-13-8 16,-56 8-207-16,0 2-1579 0</inkml:trace>
+  <inkml:trace contextRef="#ctx0" brushRef="#br0" timeOffset="134729.57">6125 8776 2026 0,'0'0'250'0,"0"0"-184"16,0 0-42-16,0 0-5 16,0 0 4-16,0 0-11 15,0 0-4-15,87-13-8 16,-56 8-207-16,0 2-1579 0</inkml:trace>
   <inkml:trace contextRef="#ctx0" brushRef="#br0" timeOffset="135150.76">6944 8518 1554 0,'0'0'951'15,"0"0"-802"-15,0 0-126 16,0 0-22-16,0 0 8 16,0 0 12-16,-49 102-3 15,39-58-12-15,2 5 10 16,6-4-1-16,2 0-4 15,0-10-11-15,0-4 0 16,0-9-10-16,0-10-48 16,0-6-98-16,0-6-495 0</inkml:trace>
   <inkml:trace contextRef="#ctx0" brushRef="#br0" timeOffset="135288.61">6752 8782 2725 0,'0'0'267'0,"0"0"-267"16,0 0-1-16,0 0 1 16,170-44 0-16,-103 28-171 15,-7 2-709-15</inkml:trace>
   <inkml:trace contextRef="#ctx0" brushRef="#br0" timeOffset="135479.68">7463 8507 2677 0,'0'0'397'0,"0"0"-397"0,0 0-76 15,0 0 40-15,0 0 31 16,0 0-2 0,-31 125-45-16,27-72-2 0,2-3 26 15,2-4-6-15,0 4-91 16,0-13-177-16,0-14-528 0</inkml:trace>
-  <inkml:trace contextRef="#ctx0" brushRef="#br0" timeOffset="135658.98">7212 8747 2815 0,'0'0'115'16,"0"0"-115"-16,0 0-4 15,0 0 4-15,116-26 11 16,-60 16-11-16,23-7-37 16,-9 4-127-16,-13-1-530 0</inkml:trace>
+  <inkml:trace contextRef="#ctx0" brushRef="#br0" timeOffset="135658.97">7212 8747 2815 0,'0'0'115'16,"0"0"-115"-16,0 0-4 15,0 0 4-15,116-26 11 16,-60 16-11-16,23-7-37 16,-9 4-127-16,-13-1-530 0</inkml:trace>
   <inkml:trace contextRef="#ctx0" brushRef="#br0" timeOffset="136220.06">7704 8216 2076 0,'0'0'670'16,"0"0"-635"-16,0 0-35 15,33-103 0-15,1 53 9 16,11-5-6-16,5-3 3 16,11 5-2-16,1 10 16 0,0 9 9 15,-4 13 24 1,-6 6-27-16,-14 7-5 0,-9 2-21 16,-13 4 0-1,-8 2-92-15,-3 0-133 0,-5 0-613 0</inkml:trace>
   <inkml:trace contextRef="#ctx0" brushRef="#br0" timeOffset="136462.37">8145 7563 1849 0,'0'0'1091'16,"0"0"-1069"-16,0 0-22 0,0 0-8 15,0 0 8-15,0 0 4 16,0 0-3-16,114 97-1 15,-77-67 8-15,2 4-8 16,-8-1-60-16,-9 3-48 16,-15-1 56-16,-7-3 46 15,-16 1 6-15,-19-4 48 16,-7-4-15-16,-10 0-33 16,12-4-96-16,11-9-486 0</inkml:trace>
-  <inkml:trace contextRef="#ctx0" brushRef="#br0" timeOffset="136778.83">8959 7244 2642 0,'0'0'345'15,"0"0"-294"-15,0 0-51 16,0 0-35-16,0 0-29 15,-119 44 39-15,57 17 3 16,6 9 3-16,16 4 3 16,20 0-4-16,20-8-4 15,10-13 7-15,32-19 17 16,16-18 34-16,10-16 70 16,13-12 2-16,3-30-29 15,1-16-28-15,-9-16-23 16,-7-23-17-16,-23 5 9 0,-21 0-6 15,-25 4-6 1,-7 24-6-16,-34 7-20 0,-18 25-44 16,-34 32-78-16,10 19-124 15,10 20-618-15</inkml:trace>
+  <inkml:trace contextRef="#ctx0" brushRef="#br0" timeOffset="136778.82">8959 7244 2642 0,'0'0'345'15,"0"0"-294"-15,0 0-51 16,0 0-35-16,0 0-29 15,-119 44 39-15,57 17 3 16,6 9 3-16,16 4 3 16,20 0-4-16,20-8-4 15,10-13 7-15,32-19 17 16,16-18 34-16,10-16 70 16,13-12 2-16,3-30-29 15,1-16-28-15,-9-16-23 16,-7-23-17-16,-23 5 9 0,-21 0-6 15,-25 4-6 1,-7 24-6-16,-34 7-20 0,-18 25-44 16,-34 32-78-16,10 19-124 15,10 20-618-15</inkml:trace>
   <inkml:trace contextRef="#ctx0" brushRef="#br0" timeOffset="137032.61">8872 7443 2863 0,'0'0'42'0,"0"0"-42"15,0 0-19-15,0 0 19 16,0 0 36 0,0 0 31-16,0 0 7 0,91 120 5 15,-66-59-7-15,4 3-20 16,2-2-22-16,-2-6-19 15,-4-9-11-15,-6-12-6 16,-5-10-4-16,-1-11-30 16,0-14-66-16,-1-2-119 15,-2-16-446-15</inkml:trace>
   <inkml:trace contextRef="#ctx0" brushRef="#br0" timeOffset="137544.65">9869 6448 2300 0,'0'0'280'0,"0"0"-215"16,0 0-14-16,0 0 112 15,0 0-25-15,0 0-57 16,0 0-18-16,27-17-1 15,-44 40-25-15,-19 20-36 16,-19 19 7-16,-39 30-8 16,-47 18-14-16,21-19-193 0,16-20-1306 0</inkml:trace>
   <inkml:trace contextRef="#ctx0" brushRef="#br0" timeOffset="145974.26">6913 9025 938 0,'0'0'329'0,"0"0"-191"15,0 0-14-15,0 0 70 16,0 0-21-16,0 0 4 16,3-1-26-16,-3 1-57 0,0 0-4 15,0 0-26-15,0 0-19 16,0 0-27-16,0 0 13 15,0 0-2-15,0 0-16 16,0 0-6-16,0 0-7 16,0 0-1-16,0 0 0 15,0 1 1-15,0 6 6 16,0 3-3-16,0-1-2 16,0 2-1-16,0 1 1 15,0 2-1-15,0 2 6 16,0-1-4-16,0 2 0 15,0 1-1-15,0-3 5 0,-3 2-5 16,3-3 7 0,-2-2-8-16,2 2 1 0,0-2 0 15,0 0 0-15,0 2 0 16,0 0-1-16,0 1 1 16,0-2-1-16,0 1 1 15,0 3 0-15,0-4 0 16,0 4 0-16,0-2 5 15,0 2-6-15,0-2 1 16,0 6 0-16,0-3 0 16,0 1 0-16,0 3 0 15,0-4-1-15,0 2 2 16,0-1-2-16,5-3 1 16,-3 2 0-16,0-4-1 15,0 0 1-15,0-1-1 0,1-2 1 16,-1 1 0-16,-2-2 5 15,2 0-6-15,-2 0-2 16,0 0-7-16,0 0 9 16,0 3-2-16,0-1 2 15,0 1 5-15,0 3-5 16,0-1 0-16,0 0-1 16,2 2 1-16,0-2 4 15,3 3-4-15,-1 0-9 16,1 3 9-16,2 1 3 15,-3 0-3-15,0-2 7 16,3-2-6-16,-5-2-1 16,3-2 1-16,-3-4 1 0,-2-4 4 15,3-2-5 1,-3-4 0-16,0 2-1 16,0-2 12-16,0 0-4 0,0 0-8 15,0 0 0-15,0 0-5 16,0-7-62-16,-10-8 42 15,-3 1 24-15,2-2 0 16,-1 0-19-16,2 2 2 16,-1-3 8-16,1 2 8 15,-1-3 1-15,3 0-6 16,-2 2 7-16,2 0 0 16,1 2 11-16,3 0 4 0,0 1-14 15,0 1 13 1,4 3-13-16,-2-2 14 0,2 5-7 15,0 0 3-15,0 4 8 16,0 2-5-16,-2 0-3 16,2 0-9-16,0 0-2 15,-2 0-3-15,2 0 3 16,0 6 0-16,0 8 0 16,14 4 8-16,3 4 2 15,6 2-9-15,-1 1 0 16,0-2 13-16,-4-2-13 15,-3-4-1-15,-3-5 12 16,-4-5-12-16,-3-3-19 16,-1-4 19-16,1 0 45 15,0 0 28-15,1-12-12 16,7-12-5-16,3-11-21 0,1-3-24 16,4-2-11-16,6-10-54 15,-7 12-75-15,-7 7-568 0</inkml:trace>
   <inkml:trace contextRef="#ctx0" brushRef="#br0" timeOffset="176722.95">6902 10221 955 0,'0'0'150'0,"0"0"-98"16,0 0 216-16,0 0 37 15,0 0 11-15,0 0-72 16,0 0-93-16,-17 0-66 15,17 0-40-15,-3 0-30 16,3 0-14-16,-3 0-1 16,1 0 14-16,2 0 5 15,0 0 4-15,0 0 22 16,0 0 14-16,0 0-18 16,0 0-10-16,0 0-20 15,0 0-4-15,0 0-7 16,0 0 6-16,0 0-7 0,0 0 1 15,0 0-18-15,5 0 16 16,8-3 2-16,8 3 8 16,7 0 4-16,8 0-8 15,2 0-3-15,2 0 9 16,-3 0-10-16,-3 0-14 16,-5 0-30-16,-9 0-32 15,-9 0-30-15,-4-3-109 16,-7-4-162-16</inkml:trace>
   <inkml:trace contextRef="#ctx0" brushRef="#br0" timeOffset="177102.57">7154 9924 1623 0,'0'0'302'0,"0"0"-272"15,0 0-30-15,0 0 0 16,0 0 24-16,0 0 17 16,-130-42 44-16,93 52-29 15,-3 14 78-15,-3 6-26 16,5 8-78-16,3 8 71 16,6 2-51-16,6 5-23 15,15-2-26-15,8-2 1 16,0-5 4-16,19-8-12 0,20-6 5 15,7-10 1 1,10-12 15-16,4-8-15 0,0 0 21 16,-2-28-3-1,-6-12-7-15,-10-12-9 0,-9-10-2 16,-10-5-42-16,-12 1-22 16,-9 8-4-16,-2 12 25 15,-9 14-60-15,-11 14-208 16,-3 12-594-16</inkml:trace>
   <inkml:trace contextRef="#ctx0" brushRef="#br0" timeOffset="177385.55">7517 9880 1854 0,'0'0'362'0,"0"0"-362"16,0 0 0-16,0 0 8 16,0 0 35-16,0 0-19 15,129-21-10-15,-94 18-13 16,2 1-1-16,-2 2 2 15,-3 0-2-15,3 0-35 0,-10 0-172 16,-6 3-369-16</inkml:trace>
-  <inkml:trace contextRef="#ctx0" brushRef="#br0" timeOffset="177974.88">7573 10112 1894 0,'0'0'253'15,"0"0"-253"-15,0 0 0 16,0 0 107-16,0 0 15 15,0 0-72-15,0 0-7 16,13 0 12-16,-1-2-20 16,3 0-13-16,3 0-21 15,1 0 5-15,6-1-4 16,0 3-1-16,2 0-1 16,-3 0-32-16,-2 0-31 0,-6-1-54 15,-1 0-92-15,-5-4-168 16,-4 1-353-16</inkml:trace>
+  <inkml:trace contextRef="#ctx0" brushRef="#br0" timeOffset="177974.87">7573 10112 1894 0,'0'0'253'15,"0"0"-253"-15,0 0 0 16,0 0 107-16,0 0 15 15,0 0-72-15,0 0-7 16,13 0 12-16,-1-2-20 16,3 0-13-16,3 0-21 15,1 0 5-15,6-1-4 16,0 3-1-16,2 0-1 16,-3 0-32-16,-2 0-31 0,-6-1-54 15,-1 0-92-15,-5-4-168 16,-4 1-353-16</inkml:trace>
   <inkml:trace contextRef="#ctx0" brushRef="#br0" timeOffset="178367.75">7802 9956 439 0,'0'0'44'16,"0"0"22"-16,0 0 382 15,-156 28-44-15,110-11-88 0,1 2-27 16,7 1-107-16,7 2-48 16,6-2-55-16,10-1-5 15,8 2-27-15,7 0-47 16,0-4 15-16,16-1-4 15,15-2-2-15,6-4 0 16,11-6-8-16,0-4 13 16,6 0 0-16,-3 0-13 15,0-17 10-15,-6-6-4 16,-7-4-7-16,-9-6 0 16,-11-5 0-16,-12 0-15 15,-6 0-11-15,-2 2-17 16,-22 8-26-16,-24 11-79 0,9 9 20 15,1 8-201-15</inkml:trace>
   <inkml:trace contextRef="#ctx0" brushRef="#br0" timeOffset="179400.66">5801 10271 1676 0,'0'0'341'15,"0"0"-277"-15,0 0-63 16,0 0-2-16,0 0 2 16,0 0 4-16,0 0 19 15,128 3-4-15,-86-3-2 0,0 0 0 16,-1-5-9-16,-6-2-9 15,-6 3 0-15,-2-3-18 16,-10-1-168-16,-10-1-193 0</inkml:trace>
   <inkml:trace contextRef="#ctx0" brushRef="#br0" timeOffset="179652.63">5848 10231 1702 0,'0'0'409'0,"0"0"-322"0,0 0-84 16,0 0 37-16,-22 110-40 15,24-83-17 1,18-4 12-16,7-7 5 0,2-5 0 16,7-10-10-16,1-1 8 15,3-1 2-15,1-20 17 16,-6-8-3-16,-8-7 7 15,-9-2 3-15,-14 2-7 16,-4 3-17-16,-15 11-13 16,-54 15-122-16,4 7-52 15,-2 0-464-15</inkml:trace>
@@ -1455,7 +1454,7 @@
   <inkml:trace contextRef="#ctx0" brushRef="#br0" timeOffset="181055.61">3921 10493 1088 0,'0'0'884'16,"0"0"-694"-16,0 0-83 15,0 0 41-15,0 0-43 16,0 0-43-16,0 0-33 15,0 0-9-15,0 0-19 16,9-4-1-16,4-2 12 16,8-2-12-16,0 2-14 15,10-8-64-15,-4 4-104 16,-4 0-303-16</inkml:trace>
   <inkml:trace contextRef="#ctx0" brushRef="#br0" timeOffset="181350">3291 10462 2015 0,'0'0'297'0,"0"0"-267"15,0 0-28-15,0 0 17 16,0 0-6-16,0 0 3 16,0 0-15-16,139-23-1 15,-85 13-36-15,-9 0-80 16,-11 0-265-16</inkml:trace>
   <inkml:trace contextRef="#ctx0" brushRef="#br0" timeOffset="181512.58">3272 10437 1736 0,'0'0'207'0,"0"0"-148"15,135-22-47-15,-58-6 24 16,-15 4-36-16,-12 4-318 0</inkml:trace>
-  <inkml:trace contextRef="#ctx0" brushRef="#br0" timeOffset="183630.88">3375 8874 391 0,'0'0'955'0,"0"0"-729"15,0 0-83-15,0 0 22 16,0 0 20-16,0 0-55 16,0 0-45-16,0 0-50 15,0 13-35-15,3 13 52 16,7 8 0-16,1 12-26 15,1 11-8-15,-1 9-15 16,3 24-2-16,-4 28 1 16,1-4 14-16,-4-9-15 15,-4-17-1-15,-3-20 22 0,0 4-22 16,0 3 1 0,0-12-1-16,0-10 0 0,-3-9 7 15,0-7-6-15,3-10-1 16,0-4-9-16,0-10 7 15,0-2-35-15,0-10-73 16,0-1-163-16,0 0-286 0</inkml:trace>
+  <inkml:trace contextRef="#ctx0" brushRef="#br0" timeOffset="183630.87">3375 8874 391 0,'0'0'955'0,"0"0"-729"15,0 0-83-15,0 0 22 16,0 0 20-16,0 0-55 16,0 0-45-16,0 0-50 15,0 13-35-15,3 13 52 16,7 8 0-16,1 12-26 15,1 11-8-15,-1 9-15 16,3 24-2-16,-4 28 1 16,1-4 14-16,-4-9-15 15,-4-17-1-15,-3-20 22 0,0 4-22 16,0 3 1 0,0-12-1-16,0-10 0 0,-3-9 7 15,0-7-6-15,3-10-1 16,0-4-9-16,0-10 7 15,0-2-35-15,0-10-73 16,0-1-163-16,0 0-286 0</inkml:trace>
   <inkml:trace contextRef="#ctx0" brushRef="#br0" timeOffset="183881.55">3335 9936 809 0,'0'0'1248'0,"0"0"-996"16,0 0-148-16,0 0-27 15,0 0-41-15,0 0-21 16,0 0 14-16,69 84-12 16,-37-47-8-16,1-1-1 15,-2-9-7-15,-4-7 0 16,-3-7-1-16,-4-10-23 16,-5-3 6-16,1 0 13 15,-3-13 4-15,-1-16 18 16,-1-5 1-16,-3-8-19 15,0-22-8-15,-2 12-118 16,-1 6-558-16</inkml:trace>
   <inkml:trace contextRef="#ctx0" brushRef="#br0" timeOffset="184296.83">4084 9190 1696 0,'0'0'375'0,"0"0"-251"16,0 0-54 0,0 0 119-16,0 0-53 0,0 0-83 15,0 0-53-15,4 38-24 16,3 8 24-16,3 18 8 16,4 12 8-16,-1 11-15 15,1 5 8-15,-1 0-8 16,-4 1 11-16,0-6-12 15,0-8 1-15,-2-7 6 16,-3-12-7-16,-2-10 1 16,0-12 0-16,-2-9-1 15,0-10-75-15,-2-9-299 0,-11-6-1462 16</inkml:trace>
   <inkml:trace contextRef="#ctx0" brushRef="#br0" timeOffset="184538.77">4047 9957 1965 0,'0'0'316'0,"0"0"-237"15,0 0-14-15,0 0 34 16,0 0-64-16,0 0-20 16,0 0-2-16,88 39-13 15,-57-13 10-15,-2-2 0 16,-7-4 3-16,-1-6-11 15,-8-1 6-15,-3-6-8 16,-2-3 0-16,0-2 0 16,-1-2-7-16,4-6-26 0,-2-14-77 15,-4-9-396-15</inkml:trace>
@@ -1477,7 +1476,7 @@
   <inkml:trace contextRef="#ctx0" brushRef="#br0" timeOffset="-207115.28">7492 10926 738 0,'0'0'1668'0,"0"0"-1493"16,0 0-159-16,0 0-16 16,0 0-5-16,0 0 5 0,0 0 54 15,12 152-17-15,-1-87 20 16,0 1-23-16,2 0-16 16,0-2-4-16,-1-2 2 15,-1-1-2-15,-2-7-2 16,0-4-11-16,-4-4-1 15,-5 4-23 1,0-12-175-16,0-10-769 0</inkml:trace>
   <inkml:trace contextRef="#ctx0" brushRef="#br0" timeOffset="-206802.27">7379 11584 2388 0,'0'0'310'16,"0"0"-264"-16,0 0-45 16,0 0 13-16,0 0 30 15,0 0-44-15,0 0-16 16,34-37 10-16,-19 46-21 16,5 7-14-16,-1 2 26 15,2 0 14-15,-1-4 1 16,-2-3 10-16,-2-7-1 15,-6-4 32-15,4 0 26 16,-3-19 37-16,2-10-38 16,3-13-31-16,-1-2-4 15,-5-22-31-15,-4 12-9 16,-6 10-310 0</inkml:trace>
   <inkml:trace contextRef="#ctx0" brushRef="#br0" timeOffset="-202059.73">11124 7539 1176 0,'0'0'231'0,"0"0"-135"16,0 0 20-16,-120 145 65 15,84-80-33-15,5 8-49 16,6 5-6-16,10 3-35 15,9-3 16-15,6-8-35 0,2-10-39 16,25-14 0-16,8-12 0 16,9-15 11-16,8-14 56 15,6-5-2-15,2-19-8 16,-2-20 8-16,-7-13 20 16,-8-12 1-16,-12-10-34 15,-12-6-14-15,-7-4-14 16,-12-3-6-16,0 9-9 15,-12 8-9-15,-17 16 0 16,-6 18-18-16,-5 18-8 16,-7 18 19-16,0 12 7 15,2 35-45-15,6 22-53 16,10 45-81-16,11-16-124 16,9-11-214-16</inkml:trace>
-  <inkml:trace contextRef="#ctx0" brushRef="#br0" timeOffset="-201883.21">11051 8115 1761 0,'0'0'481'16,"0"0"-328"-16,0 0-27 16,0 0-5-16,0 0-101 15,0 0-20-15,0 0-3 16,102 110 3-16,-57-43 23 16,1 7-5-16,2-2-17 15,-8-6-1-15,-5-14-12 16,-8-14-33-16,-5-26-34 15,-6-12-126-15,-8-2-990 0</inkml:trace>
+  <inkml:trace contextRef="#ctx0" brushRef="#br0" timeOffset="-201883.22">11051 8115 1761 0,'0'0'481'16,"0"0"-328"-16,0 0-27 16,0 0-5-16,0 0-101 15,0 0-20-15,0 0-3 16,102 110 3-16,-57-43 23 16,1 7-5-16,2-2-17 15,-8-6-1-15,-5-14-12 16,-8-14-33-16,-5-26-34 15,-6-12-126-15,-8-2-990 0</inkml:trace>
   <inkml:trace contextRef="#ctx0" brushRef="#br0" timeOffset="-201590.72">11962 7004 2123 0,'0'0'289'0,"0"0"-215"0,0 0 41 16,0 0 0-16,0 0-34 16,0 0-54-16,0 0-7 15,-92 90-8-15,50-27 9 16,-2 2-19-16,1 1 6 15,3-5-8-15,7-7-16 16,6 2-132-16,11-13-208 16,10-13-858-16</inkml:trace>
   <inkml:trace contextRef="#ctx0" brushRef="#br0" timeOffset="-201395.89">11893 7776 2042 0,'0'0'499'0,"0"0"-388"0,0 0-68 16,0 0-16-16,0 0 2 15,0 0-4-15,0 0-24 16,105-15-1-16,-72 15-2 16,1 0-57-16,-5 17-62 15,-2 9-75-15,-10-2-197 16,-8-3-1419-16</inkml:trace>
   <inkml:trace contextRef="#ctx0" brushRef="#br0" timeOffset="-201253.25">11891 8131 2528 0,'0'0'217'0,"0"0"-217"0,0 0-11 15,0 0 11-15,0 0 35 16,164-18-35-16,-94 4-88 15,-12 3-791-15</inkml:trace>
@@ -1486,10 +1485,10 @@
   <inkml:trace contextRef="#ctx0" brushRef="#br0" timeOffset="-196833.19">10837 9097 1232 0,'0'0'1038'0,"0"0"-985"0,0 0-13 16,0 0-40-16,160-22 0 16,-89 7-116-16,-15 5-271 15,-11-1-521-15</inkml:trace>
   <inkml:trace contextRef="#ctx0" brushRef="#br0" timeOffset="-196559.89">11307 8969 1184 0,'0'0'1044'16,"0"0"-853"-16,0 0-139 16,0 0-38-16,0 0-13 15,0 0 16-15,0 0-16 0,-7 121 4 16,7-87-5 0,0-8-11-16,0-7 4 0,2-8-24 15,5-7 31-15,3-4 9 16,-2-2 18-16,-1-18 55 15,-3-9-1-15,-2-4-14 16,-2-1-45-16,0 3-21 16,-13 6-1-16,-3 7 0 15,1 7-5-15,-1 11-83 16,7 0-38-16,3 0-302 0</inkml:trace>
   <inkml:trace contextRef="#ctx0" brushRef="#br0" timeOffset="-195858.12">12851 7688 944 0,'0'0'1248'16,"0"0"-1067"-16,0 0-115 15,0 0 13-15,0 0-7 16,0 0-12-16,0 0-60 15,-15-6-52-15,8 44 30 16,-7 16 22-16,1 16 30 16,-1 11 11-16,1-1-22 15,5-6-9-15,2-12 13 16,6-14-19-16,0-13-4 16,17-14 0-16,9-10 2 15,12-11 22-15,8 0 16 16,10-17 9-1,2-11-26-15,-2-8-23 0,-4-3-22 0,-8-16-101 16,-13 9-95-16,-13 4-286 0</inkml:trace>
-  <inkml:trace contextRef="#ctx0" brushRef="#br0" timeOffset="-195667.21">12778 7703 2323 0,'0'0'274'16,"0"0"-223"-16,0 0-33 0,147-27-7 15,-74 23-10-15,0 4-1 16,-1 2-86-16,-19 16-241 16,-21 1-1396-16</inkml:trace>
+  <inkml:trace contextRef="#ctx0" brushRef="#br0" timeOffset="-195667.22">12778 7703 2323 0,'0'0'274'16,"0"0"-223"-16,0 0-33 0,147-27-7 15,-74 23-10-15,0 4-1 16,-1 2-86-16,-19 16-241 16,-21 1-1396-16</inkml:trace>
   <inkml:trace contextRef="#ctx0" brushRef="#br0" timeOffset="-195516.5">12811 8021 2076 0,'0'0'433'0,"0"0"-433"16,0 0 18-16,0 0-18 0,0 0 74 16,129-16-17-1,-69 2-33-15,25 0-24 0,-18 2-21 16,-14 1-352-16</inkml:trace>
   <inkml:trace contextRef="#ctx0" brushRef="#br0" timeOffset="-195256.19">13575 7936 2366 0,'0'0'292'0,"0"0"-196"16,0 0-8-16,0 0-34 16,0 0-12-16,0 0-26 15,0 0-10-15,2 0-5 16,-2 0-1-16,0 5-136 15,0-5-615-15</inkml:trace>
-  <inkml:trace contextRef="#ctx0" brushRef="#br0" timeOffset="-193899.71">14103 7761 1332 0,'0'0'207'0,"0"0"-149"15,0 0 60-15,0 0 120 16,0 0-62-16,0 0-72 15,0 0-18-15,11-54 12 16,-11 53-38-16,0 1-16 16,0 0-17-16,0 0-27 15,0 7-32-15,-2 20 10 16,-13 15 22-16,-1 14 26 16,-2 14-12-16,2 7-3 15,1-1-8-15,1-5 3 0,4-6-6 16,1-17-66-1,4-15 45-15,2-18 21 0,3-12 18 16,0-3 18-16,8-27 7 16,11-18 27-16,8-18-39 15,4-10-21-15,1-7-10 16,-1-1 2-16,-4 1-2 16,-1 3 1-16,-6 10-1 15,-2 8 6-15,-2 12 4 16,-5 13 17-16,-5 13 67 15,-3 11-18-15,-1 6-21 16,0 4-55-16,2 1-10 16,4 26-27-16,5 14 29 15,5 14 8-15,3 13 9 0,6 11-8 16,0 0-1-16,2 1-36 16,-2-3-103-16,-7-7 4 15,-15 4-72-15,-5-18-326 16,0-17-43-16</inkml:trace>
+  <inkml:trace contextRef="#ctx0" brushRef="#br0" timeOffset="-193899.72">14103 7761 1332 0,'0'0'207'0,"0"0"-149"15,0 0 60-15,0 0 120 16,0 0-62-16,0 0-72 15,0 0-18-15,11-54 12 16,-11 53-38-16,0 1-16 16,0 0-17-16,0 0-27 15,0 7-32-15,-2 20 10 16,-13 15 22-16,-1 14 26 16,-2 14-12-16,2 7-3 15,1-1-8-15,1-5 3 0,4-6-6 16,1-17-66-1,4-15 45-15,2-18 21 0,3-12 18 16,0-3 18-16,8-27 7 16,11-18 27-16,8-18-39 15,4-10-21-15,1-7-10 16,-1-1 2-16,-4 1-2 16,-1 3 1-16,-6 10-1 15,-2 8 6-15,-2 12 4 16,-5 13 17-16,-5 13 67 15,-3 11-18-15,-1 6-21 16,0 4-55-16,2 1-10 16,4 26-27-16,5 14 29 15,5 14 8-15,3 13 9 0,6 11-8 16,0 0-1-16,2 1-36 16,-2-3-103-16,-7-7 4 15,-15 4-72-15,-5-18-326 16,0-17-43-16</inkml:trace>
   <inkml:trace contextRef="#ctx0" brushRef="#br0" timeOffset="-193762.03">14003 8035 2415 0,'0'0'370'15,"0"0"-310"-15,0 0-36 16,250-54-2-16,-113 36-22 15,-4-1-106-15</inkml:trace>
   <inkml:trace contextRef="#ctx0" brushRef="#br0" timeOffset="-188248.94">10149 10646 1320 0,'0'0'671'0,"0"0"-396"16,0 0-120-16,0 0-19 16,0 0-13-16,0 0-22 0,-5-43-37 15,5 41-19-15,0 1-4 16,0 1-8-16,0 0-29 16,0 19-4-16,0 24-42 15,0 33 42-15,7 32 10 16,6 0 7-1,5-9-17-15,2-20-62 0,0-22 52 16,5-7 9-16,-2-4-30 16,2-22 19-16,0-21 12 15,4-6 19-15,4-37 84 16,9-22-13-16,5-14-51 16,1-14-24-16,-2-5 11 15,-4 5-2-15,-1 4-10 16,-8 15-4-16,-4 14-10 0,-12 21-1 15,-7 27-50-15,-10 9-162 16,0 6-982-16</inkml:trace>
   <inkml:trace contextRef="#ctx0" brushRef="#br0" timeOffset="-188030.1">11099 10910 2542 0,'0'0'352'16,"0"0"-282"-16,0 0-47 0,0 0-22 16,0 0-1-1,0 0-48-15,148-92-45 0,-109 92-58 16,2 19-27-16,3 6-39 16,-10 0-93-16,-12-6-191 0</inkml:trace>
@@ -1503,7 +1502,7 @@
   <inkml:trace contextRef="#ctx0" brushRef="#br0" timeOffset="-184019.18">13183 11653 1384 0,'0'0'441'0,"0"0"-252"16,0 0-39-16,0 0-10 15,0 0-87-15,0 0-24 16,0 0-21-16,-78-14-7 0,60 19 7 16,0 9 6-16,-4 6 20 15,2 5-14-15,0 6 23 16,2 6-9-16,4 3-4 16,8 2-30-16,6-4 0 15,0-3-1-15,0-3-30 16,16-11 31-16,6-5 0 15,4-8 2-15,4-8 12 16,1 0 41-16,2-12-8 16,-4-14-16-16,-4-13 1 15,-10-4 10-15,-6-7 5 16,-9-2-7-16,0 2-40 16,-22 6-13-16,-11 10 2 0,-7 9-7 15,-28 17-38 1,13 8-153-16,6 0-998 0</inkml:trace>
   <inkml:trace contextRef="#ctx0" brushRef="#br0" timeOffset="-177773.88">13266 9685 439 0,'0'0'518'15,"0"0"-227"-15,0 0-122 0,0 0 26 16,0 0 20-1,0 0-100-15,2-11-81 0,0 11-4 16,-2 0-30 0,0 0 1-16,0 0 1 0,0 0-1 15,0 0-1-15,0-3 10 16,2 1-20-16,-2-2 10 16,0-4 0-16,0 2 24 15,0-4-24-15,0 1-24 16,-13-2-5-16,-3 1 8 15,-4-2 21-15,-2 1 62 16,-5 2-19-16,-2 5-26 16,-2 3 3-16,-4 1-20 0,1 0-32 15,-2 7 11-15,2 11-3 16,5 4 0-16,6 4 4 16,9 2 18-16,7 0 0 15,7 0-47-15,0-2 29 16,15-2 18-16,8-5 2 15,2-6 46-15,-3-7-45 16,0-4 66-16,-4-2 10 16,-3 0 8-16,-1-8 12 15,-3-12-47-15,-2-4-16 16,0-6-3-16,-2-4-18 16,1-3-13-16,2-2-31 15,-2 1-33-15,-1 4-14 16,-3 3 33-1,-2 12 39-15,-2 6 6 0,0 7 58 16,0 6-33-16,0 0-25 0,0 5-12 16,0 19 12-16,0 8 80 15,0 7-26-15,0 8-23 16,0 0-30-16,0 0 14 16,0-2 0-16,0-6-8 15,0-5-7-15,0-1-112 16,0-13-307-16,2-7-950 0</inkml:trace>
   <inkml:trace contextRef="#ctx0" brushRef="#br0" timeOffset="-177572.92">13399 9731 1761 0,'0'0'536'0,"0"0"-405"16,0 0-131-16,0 0-52 16,0 0 17-16,0 0-6 15,0 0-58-15,85-10-345 0</inkml:trace>
-  <inkml:trace contextRef="#ctx0" brushRef="#br0" timeOffset="-176804.24">13717 9358 538 0,'0'0'665'0,"0"0"-230"15,0 0-154-15,0 0-65 16,0 0-29-16,0 0-74 15,0 0-56-15,8-9-20 16,-8 9-4-16,0 0-7 16,0 0 8-16,0 0-34 15,0 0-4-15,0 0-8 16,0 0-24-16,0 0 5 0,-2 0 31 16,-2 5 32-1,2 1-19-15,0-2-2 0,2 0 1 16,0-2-12-16,0-2 0 15,0 0-8-15,0 0-1 16,0 0 9-16,0 0 0 16,0 0-62-16,0 0-47 15,0 0-27-15,0 2-97 16,0 2-17-16,0-2-49 16,0 1-218-16</inkml:trace>
+  <inkml:trace contextRef="#ctx0" brushRef="#br0" timeOffset="-176804.25">13717 9358 538 0,'0'0'665'0,"0"0"-230"15,0 0-154-15,0 0-65 16,0 0-29-16,0 0-74 15,0 0-56-15,8-9-20 16,-8 9-4-16,0 0-7 16,0 0 8-16,0 0-34 15,0 0-4-15,0 0-8 16,0 0-24-16,0 0 5 0,-2 0 31 16,-2 5 32-1,2 1-19-15,0-2-2 0,2 0 1 16,0-2-12-16,0-2 0 15,0 0-8-15,0 0-1 16,0 0 9-16,0 0 0 16,0 0-62-16,0 0-47 15,0 0-27-15,0 2-97 16,0 2-17-16,0-2-49 16,0 1-218-16</inkml:trace>
   <inkml:trace contextRef="#ctx0" brushRef="#br0" timeOffset="-176082.26">13762 9422 1140 0,'0'0'712'0,"0"0"-448"15,0 0-68-15,0 0-80 16,0 0-48-16,0 0-58 16,0 0-8-16,0-12-2 15,0 12-24-15,0 0-30 16,0 15 54-16,-2 6 4 0,-2 8 17 16,4 7 9-1,0 8-12-15,0 2-5 16,0 0-5-16,0-4-5 15,0-6-3-15,6-8-21 0,1-7 11 16,-3-10-19-16,3-4 3 16,-2-7 23-16,1 0-53 15,-1-11-188-15,-3-7-1470 0</inkml:trace>
   <inkml:trace contextRef="#ctx0" brushRef="#br0" timeOffset="-175904.29">13642 9635 1957 0,'0'0'432'0,"0"0"-371"0,0 0-60 15,0 0 30-15,0 0 14 16,0 0-28-16,123-17-17 16,-79 14-24-16,16-1-84 15,-11-2-214-15,-7 2-520 0</inkml:trace>
   <inkml:trace contextRef="#ctx0" brushRef="#br0" timeOffset="-175661.86">14143 9314 1700 0,'0'0'465'15,"0"0"-284"-15,0 0-88 0,0 0 17 16,0 0-44-16,0 0-66 15,0 0-43-15,0 40 36 16,0 6 7-16,-4 11 23 16,-7 10 2-16,-3 0-5 15,-1 1-9-15,-1-3-7 16,1-8-2-16,-4-6-4 16,7-9-4-16,-5-4-60 15,9-10-160-15,1-12-648 0</inkml:trace>
@@ -1531,7 +1530,7 @@
   <inkml:trace contextRef="#ctx0" brushRef="#br0" timeOffset="-164533.38">16908 9296 516 0,'0'0'595'0,"0"0"-411"16,0 0-135-16,0 0-25 16,0 0-12-16,0 0-10 15,0 0-2-15,7 10-14 16,-5-9 14-16,0 2 0 16,-2-3 31-16,0 0 73 15,0 0 97-15,0 0-26 16,0 0-65-16,0 0-76 15,0 0-24-15,0 0-10 16,-2-3 19-16,-2 2-17 0,-1 1 1 16,1-2 42-16,2-1 54 15,0 2-5-15,0 0-18 16,-1-2-36-16,1 3-6 16,-1-2-34-16,-1 1 0 15,-1 1-8-15,1 0-16 16,-2 0 22-16,-1 0 2 15,0 0-8-15,-4 1 9 16,-2 6-1-16,-5 6 2 16,-3 5 7-16,0 4 6 15,-2 6 4-15,1 7 1 16,4 1-18-16,2-1 15 16,8 1 22-16,6-5-12 0,2-5-19 15,0-4 1 1,2-7 21-16,13-7 19 15,5-3 12-15,1-5-15 0,0 0-23 16,4 0-1-16,2-7-4 16,-3-12-2-16,3-7-7 15,-3-6-9-15,1-8-8 16,-3-9-24-16,1-6-35 16,-4-8-7-16,0-1 2 15,-7 0 1-15,-4 6 28 16,-6 10 43-16,-2 11 89 15,0 14 60-15,0 9 0 16,0 7-58-16,0 7-24 0,0 3-61 16,0 29 0-1,0 36-6-15,0 47 41 16,13 41-18-16,7 10-15 0,2-7 13 16,3-40-21-16,-7-50-138 15,-1-30-694-15</inkml:trace>
   <inkml:trace contextRef="#ctx0" brushRef="#br0" timeOffset="-152806.28">18014 10592 499 0,'0'0'1414'0,"0"0"-1136"0,0 0-168 16,0 0-34-16,0 0 38 15,0 0-14-15,58-14-28 16,-34 10-2-16,0 1-4 15,3 1-18-15,-2 1-24 16,4 1 8-16,0 0-32 16,0 0 13-16,4 0-5 15,-2 0-8-15,0 0-18 16,5 7-66-16,-7 0-94 16,-11-2-210-16</inkml:trace>
   <inkml:trace contextRef="#ctx0" brushRef="#br0" timeOffset="-152628.06">18196 10801 2155 0,'0'0'356'0,"0"0"-338"16,0 0 46-16,0 0 16 15,123-21-37-15,-61 9-14 16,5 0-29-16,11 2-15 15,-15 4-134-15,-19 0-684 0</inkml:trace>
-  <inkml:trace contextRef="#ctx0" brushRef="#br0" timeOffset="-151754.21">19657 10122 1644 0,'0'0'482'0,"0"0"-255"15,0 0-74-15,0 0-41 16,0 0-62-16,0 0-50 16,0 0-9-16,0 9 9 15,0 13 38-15,0 9 27 16,0 14-7-16,-4 8-26 15,-2 12-11-15,1 6-8 16,5-2-12-16,0 0 7 16,5-7-8-16,17-8-6 15,9-14-9-15,11-14-18 16,14-14 9-16,11-12 24 16,14-10 8-16,2-27 22 15,7-9-15-15,-8-10-15 16,-11-6-26-16,-6-40-80 15,-22 16-39-15,-22 4-265 0</inkml:trace>
+  <inkml:trace contextRef="#ctx0" brushRef="#br0" timeOffset="-151754.22">19657 10122 1644 0,'0'0'482'0,"0"0"-255"15,0 0-74-15,0 0-41 16,0 0-62-16,0 0-50 16,0 0-9-16,0 9 9 15,0 13 38-15,0 9 27 16,0 14-7-16,-4 8-26 15,-2 12-11-15,1 6-8 16,5-2-12-16,0 0 7 16,5-7-8-16,17-8-6 15,9-14-9-15,11-14-18 16,14-14 9-16,11-12 24 16,14-10 8-16,2-27 22 15,7-9-15-15,-8-10-15 16,-11-6-26-16,-6-40-80 15,-22 16-39-15,-22 4-265 0</inkml:trace>
   <inkml:trace contextRef="#ctx0" brushRef="#br0" timeOffset="-151568.41">19780 9974 1700 0,'0'0'946'0,"0"0"-827"0,163-30-34 16,-74 12-7-1,2 1-47-15,8 12-31 16,-28 2-226-16,-29 3-1113 0</inkml:trace>
   <inkml:trace contextRef="#ctx0" brushRef="#br0" timeOffset="-151403.96">19856 10357 2194 0,'0'0'435'16,"0"0"-337"-16,0 0-44 16,125-38-10-16,-56 16-44 0,40-1-10 15,-15 3-169 1,-12 6-635-16</inkml:trace>
   <inkml:trace contextRef="#ctx0" brushRef="#br0" timeOffset="-150858.97">20964 10476 1078 0,'0'0'1272'0,"0"0"-1163"0,0 0-99 16,0 0-10-16,0 0-34 16,115-64-86-16,-110 64-125 15,-5 7-35-15,-2 15 280 16,-23 5 59-16,-4-2 35 16,-2 1 42-16,4-6 41 15,9-8 22-15,7-7 20 16,9-5-46-16,2 0-71 15,2-17-78-15,38-27-24 16,1 6-70-16,-4 0-242 0</inkml:trace>
@@ -1552,7 +1551,7 @@
   <inkml:trace contextRef="#ctx0" brushRef="#br0" timeOffset="-135901.48">10889 14181 1063 0,'0'0'1161'0,"0"0"-1160"16,0 0-1-16,0 0 97 16,166-32-38-16,-52 28-36 15,-16 0-23-15,-13 0-534 0</inkml:trace>
   <inkml:trace contextRef="#ctx0" brushRef="#br0" timeOffset="-135562.07">11714 14225 1394 0,'0'0'866'16,"0"0"-755"-16,0 0-78 0,0 0 6 15,0 0-10-15,-52 122 3 16,42-79 10-16,10-1-2 16,0-2-10-16,12-9-12 15,11-4 5-15,10-14 14 16,2-9 37-16,3-4 22 15,4-8-12-15,-4-19-21 16,-6-5-40-16,-11-5 13 16,-11-1-13-16,-10 2-9 15,-14 6-14-15,-26 6-58 16,-32 17-24-16,10 4-77 16,7 3-225-16</inkml:trace>
   <inkml:trace contextRef="#ctx0" brushRef="#br0" timeOffset="-135219.3">12497 14102 2038 0,'0'0'720'0,"0"0"-563"16,0 0-16-16,0 0-64 15,0 0-47-15,0 0-24 16,0 0-6-16,0-1-56 16,0 1-10-16,0 0-114 15,0 0-365-15</inkml:trace>
-  <inkml:trace contextRef="#ctx0" brushRef="#br0" timeOffset="-134748.73">12980 13820 835 0,'0'0'594'16,"0"0"-336"-16,0 0 15 16,0 0-32-16,0 0-47 15,0 0-115-15,0 0-44 16,14-8 15-16,-25 43-8 15,-1 18-23-15,1 11 1 16,0 6-4-16,4 3 11 0,3-8 16 16,2-8-24-16,-1-15 25 15,3-16-9-15,0-12 6 16,0-14 11-16,0 0-9 16,5-24-42-16,6-18 46 15,5-18-47-15,2-14-48 16,1-7-48-16,2-8 46 15,-2 0 7-15,2 3-8 16,-1 4-39-16,-7 17 55 16,-4 19 35-16,-4 20 79 15,-5 16 46-15,0 10-42 16,0 6-74-16,4 28 12 16,5 18 5-16,7 18-5 15,3 11-7-15,8 7 0 0,2-2-4 16,2-3-3-16,-2-9-7 15,-4-4-61-15,-8-18-107 16,-9-19-190-16</inkml:trace>
+  <inkml:trace contextRef="#ctx0" brushRef="#br0" timeOffset="-134748.74">12980 13820 835 0,'0'0'594'16,"0"0"-336"-16,0 0 15 16,0 0-32-16,0 0-47 15,0 0-115-15,0 0-44 16,14-8 15-16,-25 43-8 15,-1 18-23-15,1 11 1 16,0 6-4-16,4 3 11 0,3-8 16 16,2-8-24-16,-1-15 25 15,3-16-9-15,0-12 6 16,0-14 11-16,0 0-9 16,5-24-42-16,6-18 46 15,5-18-47-15,2-14-48 16,1-7-48-16,2-8 46 15,-2 0 7-15,2 3-8 16,-1 4-39-16,-7 17 55 16,-4 19 35-16,-4 20 79 15,-5 16 46-15,0 10-42 16,0 6-74-16,4 28 12 16,5 18 5-16,7 18-5 15,3 11-7-15,8 7 0 0,2-2-4 16,2-3-3-16,-2-9-7 15,-4-4-61-15,-8-18-107 16,-9-19-190-16</inkml:trace>
   <inkml:trace contextRef="#ctx0" brushRef="#br0" timeOffset="-134581.31">12971 14028 967 0,'0'0'1864'0,"0"0"-1775"0,0 0-66 16,160-42-9-16,-73 34-7 16,34 7-14-16,-23 1-129 15,-20 0-1058-15</inkml:trace>
   <inkml:trace contextRef="#ctx0" brushRef="#br0" timeOffset="-133906.02">11298 14777 2012 0,'0'0'381'16,"0"0"-239"-16,0 0 45 16,0 0-54-16,0 0-59 15,0 0-42-15,0 0-11 16,-2-11 4-16,2 11 10 15,2 0-8-15,9 0-12 16,9 0 7-16,14 0-2 16,15 0-7-16,35 0-13 15,43 0-5-15,47 0 1 16,27 0-9-16,8 0 5 16,-4 0 8-16,-18-8 0 15,-4-2 5-15,-13 2 12 16,-17 1-5-16,-30 1-3 0,-33 6 5 15,-24-5 2-15,-20 5 9 16,-4 0-2-16,-5 0-6 16,-10 0-17-16,-15 0-5 15,-9 0-15-15,-3 0 4 16,0 5-11-16,0 7-7 16,-23 15-48-16,4-4-104 15,-6 0-299-15</inkml:trace>
   <inkml:trace contextRef="#ctx0" brushRef="#br0" timeOffset="-133315.29">11976 15615 1715 0,'0'0'729'15,"0"0"-701"-15,0 0-6 16,0 0 127-16,0 0-5 0,0 0-65 15,0 0-79-15,-50-41-6 16,15 38-47-16,-12 3 45 16,-6 0 8-16,-5 26 11 15,2 6-3-15,2 7 14 16,14 5 9-16,15-2-10 16,15-3-20-16,10-7-1 15,8-5-32-15,23-14 6 16,7-9 26-16,11-4 52 15,5-17-6-15,2-20-24 16,-1-16-18-16,-1-10-4 16,-9-12-44-16,-10-5-13 0,-10-2 12 15,-12 4 40-15,-7 14 5 16,-6 16 55-16,0 19 45 16,-2 20 2-16,-6 9 5 15,-1 9-63-15,2 24-44 16,2 20-4-16,5 14 4 15,0 5 7-15,5 4-7 16,13 1 0-16,4-7-4 16,0-12-74-16,1-18-37 15,8-23-20-15,-4-12-103 16,-1-5-638-16</inkml:trace>
@@ -1566,46 +1565,46 @@
   <inkml:trace contextRef="#ctx0" brushRef="#br0" timeOffset="138911.59">26077 4848 2086 0,'0'0'293'15,"0"0"-169"-15,0 0 28 0,0 0-44 16,0 0-69-16,0 0-32 16,0 0-7-16,-12 3-24 15,12-1 7-15,6 4-2 16,11 3 19-16,5 1 11 15,10 3-10-15,7-1 0 16,11-1 18-16,8-2-12 16,6-3 13-16,5-3 3 15,-2-3-1-15,0 0-1 16,-9 0 0-16,-9 0-13 16,-13 0-3-16,-12 0-4 15,-13 0 7-15,-7 0 2 16,-4 0 20-16,0 0 1 15,0 0-15-15,0 0-6 16,0 0-10-16,0 0-18 0,0 0-57 16,10 0-114-16,-4 0-39 15,1 0-237-15</inkml:trace>
   <inkml:trace contextRef="#ctx0" brushRef="#br0" timeOffset="139660.64">26059 4910 2068 0,'0'0'303'16,"0"0"-303"-16,0 0-4 0,0 0 1 16,0 0 3-1,118 7 3-15,-60-3 25 0,9 0 2 16,4-2-13-1,7 0-16-15,0-2-2 0,4 0 2 16,3 0 17-16,2-8 38 16,-3-3 0-16,-5 4-13 15,-13 1-27 1,-10 4-4-16,-18 2-3 0,-13 0-2 16,-10 0 1-16,-10 0 5 15,-3 0 11-15,0 0 12 16,-2 0-4-16,0 0-7 15,3 0-25-15,-1 0-5 16,2 0 4-16,0 0-15 16,3 0-2-16,-5 0-115 0,1 3-216 15,-3 3-1293-15</inkml:trace>
   <inkml:trace contextRef="#ctx0" brushRef="#br0" timeOffset="140129.63">26842 4953 2150 0,'0'0'334'0,"0"0"-286"16,0 0 55-16,0 0-14 16,0 0-89-16,0 0 0 15,0 0-50-15,0 26 50 16,6 12 29-16,0 10-2 15,3 13-26-15,1 6 19 16,-4 7-11-16,3 3 8 0,-1-1-16 16,0-2 7-1,-4-8 1-15,-2-9-9 16,-2-14-1-16,0-8 0 16,0-15 1-16,0-10 5 0,0-4-5 15,0-6-17-15,0 0-16 16,0 0-68-16,0 0-59 15,0 0-177-15,0 0-263 0</inkml:trace>
-  <inkml:trace contextRef="#ctx0" brushRef="#br0" timeOffset="140571.02">26219 5789 1779 0,'0'0'337'0,"0"0"-215"16,0 0 37-16,0 0-27 16,0 0-63-16,0 0-31 15,0 0-9-15,-11 0 5 16,11 0 6-16,0 0-9 15,7 2-20-15,13 4 7 16,11 2 20-16,13 2-4 16,12-2-16-16,11 0-18 15,5-4 5-15,8-4-5 16,7 0 0-16,4 0 10 16,-2-4-10-16,-4-8 3 0,-7 2-13 15,-14-1 10-15,-12 4 0 16,-15 2 10-16,-12 3 4 15,-10-1-1-15,-7 3-12 16,-4 0-1-16,-2 0 0 16,0 0-17-16,3 0 6 15,1 3 10-15,4 4-8 16,0 5-80-16,1 0-128 16,-3-2-242-16</inkml:trace>
+  <inkml:trace contextRef="#ctx0" brushRef="#br0" timeOffset="140571.01">26219 5789 1779 0,'0'0'337'0,"0"0"-215"16,0 0 37-16,0 0-27 16,0 0-63-16,0 0-31 15,0 0-9-15,-11 0 5 16,11 0 6-16,0 0-9 15,7 2-20-15,13 4 7 16,11 2 20-16,13 2-4 16,12-2-16-16,11 0-18 15,5-4 5-15,8-4-5 16,7 0 0-16,4 0 10 16,-2-4-10-16,-4-8 3 0,-7 2-13 15,-14-1 10-15,-12 4 0 16,-15 2 10-16,-12 3 4 15,-10-1-1-15,-7 3-12 16,-4 0-1-16,-2 0 0 16,0 0-17-16,3 0 6 15,1 3 10-15,4 4-8 16,0 5-80-16,1 0-128 16,-3-2-242-16</inkml:trace>
   <inkml:trace contextRef="#ctx0" brushRef="#br0" timeOffset="140991.11">26208 6140 1833 0,'0'0'560'0,"0"0"-410"15,0 0-14 1,0 0-53-16,0 0-75 16,0 0 8-16,0 0 23 15,127 0-17-15,-62 0-14 0,1 0 4 16,6 0 0-16,1 0-2 15,6 0-10-15,1-6 5 16,0 0-4-16,0 0 11 16,-8 1-12-16,-12 2 14 15,-12-1-4-15,-12 3-6 16,-11 1-3-16,-9 0 1 16,-8 0-2-16,-3 0-1 15,-5 0-33-15,0 0-55 16,0 0-80-16,0 7-99 15,-11-1-576-15</inkml:trace>
   <inkml:trace contextRef="#ctx0" brushRef="#br0" timeOffset="141520.66">26937 6341 910 0,'0'0'1055'0,"0"0"-877"15,0 0-52-15,0 0 8 16,0 0-78-16,0 0-43 15,0 0-13-15,0 7 0 16,0 5 24-16,0 5 25 16,0-2 1-16,0 6 18 15,0 1-9-15,0 2-20 16,0 1-19-16,0 0-12 16,-2 0-7-16,0-2 0 15,-1-2 8-15,1-7-8 16,-1-1 10-16,1-3-6 15,2 0 1-15,0 1 5 16,0 6-9-16,0 5-2 0,0 6 5 16,0 7-5-16,7 2-6 15,5 1 6-15,-2 1 0 16,2-1 5-16,-3-2 2 16,-1-1-7-16,-3-2-2 15,-1-3-3-15,1-1-5 16,-3-8-10-16,3-1-10 15,-3-4-30-15,-2-6-24 16,0-10-52-16,0 0-205 16,0 0-599-16</inkml:trace>
   <inkml:trace contextRef="#ctx0" brushRef="#br0" timeOffset="142036.15">26507 7185 712 0,'0'0'1467'0,"0"0"-1289"16,0 0-23-16,0 0 40 16,0 0-80-16,0 0-78 15,0 0-19 1,-14-13-1-16,14 13-12 0,0 0 15 16,0 0 6-16,0 0 7 15,0 0 0-15,0 0-2 16,14 0-31-16,10 0 26 15,15 0-7-15,13 0 3 16,16 0-14-16,9 0-8 16,8-1 6-16,7-7-6 15,-1-1 5-15,-6 4-5 16,-8 0-11-16,-14 3-5 16,-16 1 3-16,-18 1 9 15,-12 0 4-15,-10 0 0 0,-2 0 0 16,-5 0 0-16,2 0-4 15,3 0-3-15,-3 0-33 16,2 0-59-16,-4 8-52 16,0 2-121-16,0-1-412 0</inkml:trace>
-  <inkml:trace contextRef="#ctx0" brushRef="#br0" timeOffset="142415.82">26505 7497 1815 0,'0'0'434'0,"0"0"-284"15,0 0 46-15,0 0-66 16,0 0-83-16,0 0-36 15,0 0 1-15,-14 5 5 16,30 0 54-16,4 4-17 16,6-3-14-16,8 1-20 15,7-1-15-15,5 1-4 16,10-2 9-16,8-2 1 16,3 0-7-16,2 0-3 15,-2-3-1-15,-6 1 0 16,-11-1 1-16,-9 3 8 15,-10-2-8-15,-9 1-1 0,-8 2 0 16,-4-2-24-16,-1 1-39 16,3 3-52-16,-4-2-91 15,-1-3-231-15</inkml:trace>
+  <inkml:trace contextRef="#ctx0" brushRef="#br0" timeOffset="142415.81">26505 7497 1815 0,'0'0'434'0,"0"0"-284"15,0 0 46-15,0 0-66 16,0 0-83-16,0 0-36 15,0 0 1-15,-14 5 5 16,30 0 54-16,4 4-17 16,6-3-14-16,8 1-20 15,7-1-15-15,5 1-4 16,10-2 9-16,8-2 1 16,3 0-7-16,2 0-3 15,-2-3-1-15,-6 1 0 16,-11-1 1-16,-9 3 8 15,-10-2-8-15,-9 1-1 0,-8 2 0 16,-4-2-24-16,-1 1-39 16,3 3-52-16,-4-2-91 15,-1-3-231-15</inkml:trace>
   <inkml:trace contextRef="#ctx0" brushRef="#br0" timeOffset="142853.01">27110 7694 833 0,'0'0'1293'16,"0"0"-1128"-16,0 0-67 16,0 0 3-16,0 0-26 15,0 0-55-15,0 0 0 16,-13 80-13-16,13-44 16 16,0 12-13-16,0 15 5 15,9 9 0-15,3 10-8 16,1 11-7-16,2 5 9 0,3 4-9 15,2 0-1-15,-2-8 1 16,-4-9 7-16,-1-16-1 16,-7-11 19-16,2-15 11 15,-6-11 5-15,-2-14 2 16,2-8-15-16,-2-7-11 16,0-3-17-16,0 0-17 15,0 0 8-15,0 0-31 16,-4-11-153-16,-10 1-1355 15</inkml:trace>
-  <inkml:trace contextRef="#ctx0" brushRef="#br0" timeOffset="145382.92">27590 4803 1246 0,'0'0'377'15,"0"0"-169"-15,0 0 24 16,0 0-4-16,0 0-111 16,0 0-22-16,0-12-6 15,0 9 9-15,0 3-2 16,0 0-14-16,0 0-46 16,0 0 5-16,0 0-20 15,0 0-10-15,0 0-4 16,0 0-1-16,0 0-6 0,11-2-8 15,9-6 8-15,15-9 0 16,19-4 8-16,15-9-8 16,16-10 7-16,9-4-7 15,3-4 0-15,-3 2-19 16,-11-1-23-16,-17 10 4 16,-17 5 7-16,-18 7 17 15,-15 7 13-15,-14 6 1 16,-2 4-1-16,-6 4-42 15,-37 4-184-15,5 0-119 16,-4 0-234-16</inkml:trace>
+  <inkml:trace contextRef="#ctx0" brushRef="#br0" timeOffset="145382.91">27590 4803 1246 0,'0'0'377'15,"0"0"-169"-15,0 0 24 16,0 0-4-16,0 0-111 16,0 0-22-16,0-12-6 15,0 9 9-15,0 3-2 16,0 0-14-16,0 0-46 16,0 0 5-16,0 0-20 15,0 0-10-15,0 0-4 16,0 0-1-16,0 0-6 0,11-2-8 15,9-6 8-15,15-9 0 16,19-4 8-16,15-9-8 16,16-10 7-16,9-4-7 15,3-4 0-15,-3 2-19 16,-11-1-23-16,-17 10 4 16,-17 5 7-16,-18 7 17 15,-15 7 13-15,-14 6 1 16,-2 4-1-16,-6 4-42 15,-37 4-184-15,5 0-119 16,-4 0-234-16</inkml:trace>
   <inkml:trace contextRef="#ctx0" brushRef="#br0" timeOffset="145618.62">27980 4367 1827 0,'0'0'391'15,"0"0"-212"-15,0 0-15 16,0 0-59-16,0 0-83 15,0 0-6-15,0 0 47 16,138 18-42-16,-85 4-7 16,3 5-14-16,-7 2 0 15,-9 4-1-15,-9 0-19 16,-13 2 20-16,-14 1 12 16,-4 0-12-16,-13 0 29 15,-18-1-21-15,-2-4-8 16,-4 1-88-16,12-8-166 15,8-8-643-15</inkml:trace>
   <inkml:trace contextRef="#ctx0" brushRef="#br0" timeOffset="146536.1">28971 4109 1926 0,'0'0'281'16,"0"0"-281"-16,0 0 33 15,0 0 102-15,0 0-26 16,0 0-73-16,0 0 25 0,0-35 41 15,0 35-20 1,0 0-24-16,-2 0-58 16,-7 8-18-16,-4 13 18 0,-8 13 22 15,-3 11-15-15,-2 14 6 16,3 3-7-16,5 2 17 16,9-5-23-16,9-7-2 15,0-10-6-15,7-8-7 16,22-10-10-16,8-4-10 15,11-8 35-15,10-6 17 16,2-6 2-16,-2 0-19 16,4 0-22-16,-18-5-147 15,-12-4-278-15</inkml:trace>
   <inkml:trace contextRef="#ctx0" brushRef="#br0" timeOffset="146740.69">29439 4163 1014 0,'0'0'990'0,"0"0"-815"16,0 0 53-16,0 0-94 16,0 0-48-16,0 0-57 15,0 0-18-15,120-18-11 16,-90 18-63-16,-11 0-144 15,-5 0-618-15</inkml:trace>
-  <inkml:trace contextRef="#ctx0" brushRef="#br0" timeOffset="146904.52">29392 4341 2304 0,'0'0'205'16,"0"0"-186"-16,0 0-19 15,0 0 63-15,172 4-19 16,-99-4-44-16,-15 0-228 0</inkml:trace>
+  <inkml:trace contextRef="#ctx0" brushRef="#br0" timeOffset="146904.51">29392 4341 2304 0,'0'0'205'16,"0"0"-186"-16,0 0-19 15,0 0 63-15,172 4-19 16,-99-4-44-16,-15 0-228 0</inkml:trace>
   <inkml:trace contextRef="#ctx0" brushRef="#br0" timeOffset="147753.72">26293 3667 1752 0,'0'0'401'0,"0"0"-236"0,0 0-28 16,0 0 14-16,0 0-69 15,0 0-60-15,0 0 13 16,-9-12 31-16,9 12 5 15,0 0-18-15,0-2-19 16,0 2-14-16,0-2-20 16,5 0-19-16,12-2 19 15,14-3 2-15,17-2 13 16,16-3-8-16,16-4 2 16,11 3-2-16,5-2 7 15,-2 1-14-15,-10 1-49 16,-17 5-39-16,-20-3 0 0,-22 3 31 15,-25 0-78-15,-27 2 43 16,-11-1-1130-16</inkml:trace>
   <inkml:trace contextRef="#ctx0" brushRef="#br0" timeOffset="149934.73">4812 13196 1198 0,'0'0'350'0,"0"0"-222"15,0 0 7-15,-22-102 96 16,17 70-70-16,1 3-34 15,2-1-56-15,2 9-28 16,0 1 11-16,0 2-16 16,-3 2-14-16,3 0-11 15,-2 4-6-15,2 2-7 16,-2 3-3-16,0 6 2 16,0 1-8-16,2 0-18 15,0 0-26-15,0 5 25 0,0 17-29 16,0 13 57-16,6 7 48 15,7 6-30-15,1 2-2 16,-3-1-9-16,3-2-7 16,-6 0-26-16,-1-8-126 15,-7 4-75-15,0-13-132 16,0-12-377-16</inkml:trace>
   <inkml:trace contextRef="#ctx0" brushRef="#br1" timeOffset="155750.46">4003 9774 993 0,'0'0'477'0,"0"0"-305"16,0 0-80-16,0 0 61 15,0 0-41-15,0 0-48 16,0 0-35-16,-4-83-2 16,4 67 36-16,-2 3-39 15,0 0-15-15,2 3 17 16,0 3-1-16,0 1-24 0,0 5 25 15,-2 0 11 1,2 1 8-16,0 0-14 0,-3 0-11 16,3 0-20-16,0 0-13 15,0 7 13-15,0 11 13 16,0 8 5-16,0 6-7 16,0 3 7-16,3-2-6 15,1-2-10-15,0-5-2 16,0-4-9-16,5-4-102 15,1-7-238-15,-2-7-587 16</inkml:trace>
   <inkml:trace contextRef="#ctx0" brushRef="#br1" timeOffset="156710.79">5543 9003 354 0,'0'0'603'15,"0"0"-420"-15,0 0-129 16,0 0-54-16,0 0 0 16,0 0 0-16,0 0-23 15,40-60 23-15,-36 52 0 16,1 2 86-16,-2 1 37 16,-3 0 96-16,0 1-5 15,0 1-38-15,0 0-46 16,0-1-43-16,0 2 2 15,0 2-31-15,0 0-16 16,0 0-8-16,0 0-10 16,0 0 3-16,0 0-27 0,0 2-23 15,0 11 23-15,0 4 18 16,0 3 16-16,0 4-2 16,0 3-32-16,0 0 22 15,0 6-21-15,0 5 0 16,0 4 10-16,2 11-2 15,0 5-4-15,2 11 18 16,-2 4-11-16,3 0 13 16,-1-1-13-16,0-1-1 15,4-7-2-15,-6-8 2 16,2-4-11-16,-4-6-7 16,2-5 7-16,-2-8 34 15,0-4-17-15,0-8 16 0,0-4-12 16,0-5 1-1,2-4-14-15,1-1-3 0,-3-1 4 16,0 1-4-16,2-1-3 16,-2-2-2-16,0 0 0 15,2-2-12-15,-2 0 12 16,0-2-14-16,0 0-26 16,0 0-73-16,-13 0-137 15,-5-8-476-15,-2-2-386 0</inkml:trace>
   <inkml:trace contextRef="#ctx0" brushRef="#br1" timeOffset="157038.76">5514 9922 843 0,'0'0'481'0,"0"0"-154"0,0 0-6 15,0 0-84-15,0 0-64 16,0 0-47-16,0 0 14 16,-11-85-21-16,11 81-38 15,0 0-45-15,0 4-9 16,0 0-1-16,0 0-26 15,0 0-2-15,9 0-16 16,9 11 2-16,4 3 16 16,2 1 6-16,1 2-5 15,-2-2 10-15,-6 0-1 16,-1-5-2-16,-5-4-8 16,-5-2-5-16,1-2 4 15,-4-2-9-15,1 0 10 16,3 0 28-16,3-16 15 15,6-12 7-15,4-9-13 16,2 1-22-16,-1 0-10 0,-6 8-5 16,-3 8-18-16,-8 8-118 15,-4 6-168-15</inkml:trace>
-  <inkml:trace contextRef="#ctx0" brushRef="#br1" timeOffset="157480.86">5674 9069 1736 0,'0'0'340'16,"0"0"-115"-16,0 0-93 16,0 0-29-16,0 0-36 15,0 0-36-15,0 0-29 16,-48 17-2-16,21 19 9 16,-4 8 3-16,-5 3-12 15,0 2 10-15,8-7 6 16,5-9 7-16,9-12 7 0,12-11-30 15,2-4-23-15,4-6-27 16,21 0 50-16,6-7 17 16,10-16 45-16,1-5-2 15,2-6-18-15,-3 2-15 16,-6 2-5-16,-8 11-12 16,-10 12-10-16,-5 7-49 15,-5 10-119-15,4 46 3 16,0-2-104-16,2-4-256 0</inkml:trace>
+  <inkml:trace contextRef="#ctx0" brushRef="#br1" timeOffset="157480.85">5674 9069 1736 0,'0'0'340'16,"0"0"-115"-16,0 0-93 16,0 0-29-16,0 0-36 15,0 0-36-15,0 0-29 16,-48 17-2-16,21 19 9 16,-4 8 3-16,-5 3-12 15,0 2 10-15,8-7 6 16,5-9 7-16,9-12 7 0,12-11-30 15,2-4-23-15,4-6-27 16,21 0 50-16,6-7 17 16,10-16 45-16,1-5-2 15,2-6-18-15,-3 2-15 16,-6 2-5-16,-8 11-12 16,-10 12-10-16,-5 7-49 15,-5 10-119-15,4 46 3 16,0-2-104-16,2-4-256 0</inkml:trace>
   <inkml:trace contextRef="#ctx0" brushRef="#br1" timeOffset="158773.73">8157 9182 1213 0,'0'0'499'0,"0"0"-247"15,0 0-34-15,0 0-51 16,0 0-97-16,0 0-1 16,0 0-18-16,-16-42-36 15,-4 38 2-15,-9 4 24 16,-4 0-9-16,-8 8-24 15,-1 14-2-15,0 8 0 16,3 6-6-16,6 0 0 16,11-3 0-16,9-2-6 15,13-5 6-15,0-10-25 0,18-9-35 16,13-7 33 0,7 0 27-16,6-30 27 0,5-7-18 15,1-13-9-15,-4-8 0 16,-4-8-47-16,-8 0-19 15,-10 4-11-15,-8 3 57 16,-7 11 20-16,-7 11 88 16,-2 7 27-16,0 16 18 15,0 5-14-15,-2 9-50 16,-3 0-69-16,3 20 12 0,-2 20-12 16,2 17 23-1,-3 12-14-15,3 9-4 0,2-1 3 16,-3-3-7-1,1-8-1-15,-5-8-47 0,1-8-82 16,-3-8-69-16,0-13-203 16,2-17-592-16</inkml:trace>
-  <inkml:trace contextRef="#ctx0" brushRef="#br1" timeOffset="159033.85">8575 8851 2162 0,'0'0'370'16,"0"0"-227"-16,0 0-15 0,0 0-28 15,0 0-71-15,0 0-29 16,0 0-70-16,-9 17 26 16,-6 22 44-16,-7 13 31 15,-7 8-31-15,-11 4-2 16,-7 3-1-16,0-1 3 15,-2-6 6-15,9-8 10 16,7-10-16-16,12-12-172 16,10-12-204-16,11-11-1278 0</inkml:trace>
+  <inkml:trace contextRef="#ctx0" brushRef="#br1" timeOffset="159033.84">8575 8851 2162 0,'0'0'370'16,"0"0"-227"-16,0 0-15 0,0 0-28 15,0 0-71-15,0 0-29 16,0 0-70-16,-9 17 26 16,-6 22 44-16,-7 13 31 15,-7 8-31-15,-11 4-2 16,-7 3-1-16,0-1 3 15,-2-6 6-15,9-8 10 16,7-10-16-16,12-12-172 16,10-12-204-16,11-11-1278 0</inkml:trace>
   <inkml:trace contextRef="#ctx0" brushRef="#br1" timeOffset="159444.12">8738 8997 542 0,'0'0'1539'16,"0"0"-1368"-16,0 0-3 15,0 0-47-15,0 0-43 16,0 0-58-16,0 0-20 16,0 16-26-16,0 14 26 15,-6 10 29-15,-6 1-19 16,-1 1 7-16,3-7 50 15,4-6-29-15,6-5-30 16,0-8-8-16,0-8-23 0,18-4-5 16,9-4 28-16,9-2 12 15,1-21 8 1,3-4-2-16,-1-7 6 16,-6-2-22-16,-9 0 4 0,-4 5-1 15,-11 6 7 1,-7 7 14-16,-2 7 60 0,0 5-17 15,0 6-49-15,-2 0 1 16,-3 6-6-16,5 18-3 16,0 14-2-16,0 12 6 15,0 6-15-15,0 5 5 16,5 3-6-16,-5 14-32 16,0-17-166-16,0-17-640 0</inkml:trace>
-  <inkml:trace contextRef="#ctx0" brushRef="#br1" timeOffset="160370.48">9339 10221 1696 0,'0'0'423'0,"0"0"-220"15,0 0 11-15,0 0 14 0,0 0-38 16,0 0-64-16,0 0-32 16,0-25-26-16,0 23-38 15,0 2-14 1,2-4-8-16,6 1-8 0,3-6-1 16,6 2-16-16,3-4-46 15,7 5-49-15,2 1-21 16,-2 2-35-16,-2 3-32 15,-8 0-187-15,-8 3-873 0</inkml:trace>
+  <inkml:trace contextRef="#ctx0" brushRef="#br1" timeOffset="160370.47">9339 10221 1696 0,'0'0'423'0,"0"0"-220"15,0 0 11-15,0 0 14 0,0 0-38 16,0 0-64-16,0 0-32 16,0-25-26-16,0 23-38 15,0 2-14 1,2-4-8-16,6 1-8 0,3-6-1 16,6 2-16-16,3-4-46 15,7 5-49-15,2 1-21 16,-2 2-35-16,-2 3-32 15,-8 0-187-15,-8 3-873 0</inkml:trace>
   <inkml:trace contextRef="#ctx0" brushRef="#br1" timeOffset="160534.37">9320 10361 969 0,'0'0'1572'0,"0"0"-1564"0,0 0-8 16,0 0 0-16,0 0 47 15,0 0-2-15,142-48-36 16,-82 22-9-16,-11 4-227 16,-9 4-1882-16</inkml:trace>
   <inkml:trace contextRef="#ctx0" brushRef="#br1" timeOffset="160974.87">9836 10078 1901 0,'0'0'470'0,"0"0"-351"0,0 0-65 16,0 0 38-16,0 0-22 15,0 0-37-15,0 0-27 16,12-62-6-16,-30 62-30 16,-7 0-62-16,-6 10 32 15,-7 14 40-15,-2 8 19 16,0 6 0-16,6 0 2 15,10 3 12-15,10-8-12 16,14-3-1-16,0-10-28 16,12-8-37-16,14-12 65 15,5 0 19-15,6-18 48 16,-2-14 13-16,-1-8-43 16,-5-6 3-16,-5-4-19 15,-9 2-10-15,-4-2 10 16,-6 6 4-16,-2 6 16 0,-3 9-9 15,0 8 51-15,0 11 19 16,0 7-54-16,-5 3-48 16,2 7-23-16,-1 21 19 15,-3 14 4-15,3 12 22 16,0 6-11-16,-1 4 5 16,1-2-16-16,1-6-9 15,-1 7-170-15,2-19-55 16,-1-13-560-16</inkml:trace>
-  <inkml:trace contextRef="#ctx0" brushRef="#br1" timeOffset="161232.58">10245 9712 2530 0,'0'0'169'15,"0"0"-97"-15,0 0 70 16,0 0-44-16,0 0-77 16,0 0-21-16,-72 117 10 15,38-50-10-15,-8 13 0 16,-5 1-1-16,-1 6-4 16,-2-9 5-16,2-7 0 15,5-11 0-15,3-8-98 0,13-16-164 16,9-15-759-16</inkml:trace>
-  <inkml:trace contextRef="#ctx0" brushRef="#br1" timeOffset="161531.98">10170 10030 2357 0,'0'0'282'0,"0"0"-188"16,0 0-6-16,0 0 58 15,0 0-85-15,0 0-61 0,0 0-9 16,125-48-31 0,-100 72-30-16,-11 14-29 0,-12 11-9 15,-2 8-6 1,-23 4 0-16,-14-1 114 0,-6-7 17 16,3-14 97-16,7-11 42 15,12-12-23-15,13-10-44 16,8-6-89-16,0 0-10 15,29-8 10-15,13-10 2 16,9-6-2-16,16-5-16 16,-13 8-265-16,-17 7-712 0</inkml:trace>
+  <inkml:trace contextRef="#ctx0" brushRef="#br1" timeOffset="161232.57">10245 9712 2530 0,'0'0'169'15,"0"0"-97"-15,0 0 70 16,0 0-44-16,0 0-77 16,0 0-21-16,-72 117 10 15,38-50-10-15,-8 13 0 16,-5 1-1-16,-1 6-4 16,-2-9 5-16,2-7 0 15,5-11 0-15,3-8-98 0,13-16-164 16,9-15-759-16</inkml:trace>
+  <inkml:trace contextRef="#ctx0" brushRef="#br1" timeOffset="161531.97">10170 10030 2357 0,'0'0'282'0,"0"0"-188"16,0 0-6-16,0 0 58 15,0 0-85-15,0 0-61 0,0 0-9 16,125-48-31 0,-100 72-30-16,-11 14-29 0,-12 11-9 15,-2 8-6 1,-23 4 0-16,-14-1 114 0,-6-7 17 16,3-14 97-16,7-11 42 15,12-12-23-15,13-10-44 16,8-6-89-16,0 0-10 15,29-8 10-15,13-10 2 16,9-6-2-16,16-5-16 16,-13 8-265-16,-17 7-712 0</inkml:trace>
   <inkml:trace contextRef="#ctx0" brushRef="#br1" timeOffset="162400.87">7945 11084 848 0,'0'0'942'15,"0"0"-662"-15,0 0-44 16,0 0-58-16,0 0-45 16,-5-108-43-16,5 86-34 15,0 2-31-15,0 4 5 0,0 2 15 16,0 6-3 0,0 5 7-16,0-1-2 0,0 4-13 15,0 0-18-15,0 0-16 16,0 0-16-16,0 0 2 15,0 0 2-15,0 1-9 16,0 12-27-16,0 5 34 16,0 14 14-16,0 14 19 15,0 10 0-15,3 8-7 16,3 6 3-16,1 3-10 16,0-3 0-16,0-6-5 15,-5-7-8-15,0-7 7 16,0-10 1-16,-2-13 2 15,0-7-1-15,0-6-1 16,0-6-43-16,-2-2-94 0,-9-4-80 16,-5-2-807-16</inkml:trace>
   <inkml:trace contextRef="#ctx0" brushRef="#br1" timeOffset="162674.73">7739 11546 1092 0,'0'0'1121'0,"0"0"-892"15,0 0-59-15,0 0-17 16,0 0-36-16,0 0-36 16,0 0-66-16,-6-22-15 0,6 28-8 15,14 14 8 1,5 4 8-16,2 2-3 0,3 0 4 16,-2-4-2-16,1-6-7 15,-3-6-10-15,-3-6-7 16,-1-4-1-16,-1-7 12 15,-1-24 6-15,-3-12 53 16,3-4-20-16,-5-7-5 16,-3 2-28-16,-4 5-23 15,-2 6-124-15,0 13-222 16,0 9-1199-16</inkml:trace>
-  <inkml:trace contextRef="#ctx0" brushRef="#br1" timeOffset="163053.48">7905 10814 1537 0,'0'0'450'0,"0"0"-329"15,0 0-34-15,0 0-19 16,0 0-68-16,0 0-53 16,0 0 46-16,-2 23 7 15,-14 10 51-15,-5 3 20 16,0 2 23-16,-2-4 32 0,7-9-36 16,8-9-34-1,5-10-23-15,3-6-33 0,0 0 0 16,0 0 0-16,16-10 31 15,8-8 77-15,7-4-22 16,8-3-44-16,-1 3-17 16,-3 2-16-16,-2 8-9 15,-3 12-66-15,-8 4-224 16,-9 14-1274-16</inkml:trace>
-  <inkml:trace contextRef="#ctx0" brushRef="#br1" timeOffset="163603.58">8473 11407 1614 0,'0'0'433'0,"0"0"-192"16,0 0 55-16,0 0-70 16,0 0-116-16,0 0-58 15,0 0-21-15,16-86-9 16,-16 66-15-16,-2 6-7 16,-14 8-33-16,-9 6-17 0,-4 2-7 15,-7 27 25-15,1 9 32 16,2 9 8-16,3 6 2 15,10-3-2 1,9-6-5-16,9-10-3 0,2-11-30 16,2-10-22-16,17-13 20 15,2 0 32-15,4-17 26 16,2-16 3-16,2-13-9 16,-2-10-7-16,-3-6-13 15,-2-6-3-15,-4-2-32 16,-5 5-4-16,-7 7 5 15,-2 14 29-15,-4 14 5 16,0 16 86-16,0 14 6 0,0 0-92 16,0 18-8-1,0 20 8-15,0 14 19 0,2 8 9 16,6 6-21 0,5-1 5-16,1-8-12 0,-1-5 0 15,1-8-9 1,1-8-113-16,-6-17-240 0,1-11-1267 0</inkml:trace>
+  <inkml:trace contextRef="#ctx0" brushRef="#br1" timeOffset="163053.47">7905 10814 1537 0,'0'0'450'0,"0"0"-329"15,0 0-34-15,0 0-19 16,0 0-68-16,0 0-53 16,0 0 46-16,-2 23 7 15,-14 10 51-15,-5 3 20 16,0 2 23-16,-2-4 32 0,7-9-36 16,8-9-34-1,5-10-23-15,3-6-33 0,0 0 0 16,0 0 0-16,16-10 31 15,8-8 77-15,7-4-22 16,8-3-44-16,-1 3-17 16,-3 2-16-16,-2 8-9 15,-3 12-66-15,-8 4-224 16,-9 14-1274-16</inkml:trace>
+  <inkml:trace contextRef="#ctx0" brushRef="#br1" timeOffset="163603.57">8473 11407 1614 0,'0'0'433'0,"0"0"-192"16,0 0 55-16,0 0-70 16,0 0-116-16,0 0-58 15,0 0-21-15,16-86-9 16,-16 66-15-16,-2 6-7 16,-14 8-33-16,-9 6-17 0,-4 2-7 15,-7 27 25-15,1 9 32 16,2 9 8-16,3 6 2 15,10-3-2 1,9-6-5-16,9-10-3 0,2-11-30 16,2-10-22-16,17-13 20 15,2 0 32-15,4-17 26 16,2-16 3-16,2-13-9 16,-2-10-7-16,-3-6-13 15,-2-6-3-15,-4-2-32 16,-5 5-4-16,-7 7 5 15,-2 14 29-15,-4 14 5 16,0 16 86-16,0 14 6 0,0 0-92 16,0 18-8-1,0 20 8-15,0 14 19 0,2 8 9 16,6 6-21 0,5-1 5-16,1-8-12 0,-1-5 0 15,1-8-9 1,1-8-113-16,-6-17-240 0,1-11-1267 0</inkml:trace>
   <inkml:trace contextRef="#ctx0" brushRef="#br1" timeOffset="163854.81">9044 10971 2511 0,'0'0'312'0,"0"0"-293"16,0 0-19-16,0 0-17 16,-106 143-45-16,62-68-155 15,-10 11-245-15,-6 4 101 16,-6 3 261-16,-1-8 100 16,5-10 60-16,8-15 68 15,12-12-25-15,17-17-103 16,13-16-23-16,12-11-1195 0</inkml:trace>
   <inkml:trace contextRef="#ctx0" brushRef="#br1" timeOffset="164234.84">9001 11365 2297 0,'0'0'281'0,"0"0"-196"16,0 0-27-16,0 0-18 16,0 0-31-16,0 0-9 15,0 0 0-15,-84 124 1 16,70-83 0-16,5-1 0 16,3-9 21-16,4-4 11 15,2-12-22-15,0-8-11 0,17-7 7 16,7 0 39-16,10 0 9 15,3-13 3-15,1-2-45 16,-5 3 11-16,-6 3-10 16,-8 8-14-16,-7 1-10 15,-2 4-35-15,-1 18 35 16,-1 6 10-16,4 2 20 16,1-3-6-16,3-7-14 15,4-11-18-15,13-15 4 16,-4-20-157-16,-4-11-1230 0</inkml:trace>
   <inkml:trace contextRef="#ctx0" brushRef="#br1" timeOffset="165880.47">25211 4686 1845 0,'0'0'359'0,"0"0"-150"16,0 0-58-16,0 0-2 15,0 0-68-15,0 0-48 16,0-58 9-16,0 41 4 15,0 4-14-15,-8 3-14 16,-14 4-18-16,-11 6-22 16,-16 0 10-16,-14 22-29 15,-5 16 26-15,-2 8 15 16,7 6 2-16,15 2-2 16,19 3-2-16,20 1-6 0,9-6 8 15,20-4-63 1,25-12-67-16,11-14 42 0,37-22-88 15,-15 0-267-15,-9-8-1240 16</inkml:trace>
-  <inkml:trace contextRef="#ctx0" brushRef="#br1" timeOffset="166027.52">25299 4923 2306 0,'0'0'340'0,"0"0"-223"15,0 0-84-15,0 0-33 16,0 0-3-16,0 111 3 15,0-50 0-15,0 10-1 16,0-3 1-16,-2 15-12 0,-1-16-84 16,1-17-272-16</inkml:trace>
+  <inkml:trace contextRef="#ctx0" brushRef="#br1" timeOffset="166027.51">25299 4923 2306 0,'0'0'340'0,"0"0"-223"15,0 0-84-15,0 0-33 16,0 0-3-16,0 111 3 15,0-50 0-15,0 10-1 16,0-3 1-16,-2 15-12 0,-1-16-84 16,1-17-272-16</inkml:trace>
   <inkml:trace contextRef="#ctx0" brushRef="#br1" timeOffset="166460.51">25442 6092 301 0,'0'0'1828'16,"0"0"-1632"-16,0 0-122 16,0 0 77-16,-69-125-66 15,40 105-42-15,-11 9-31 16,-9 11 0-16,-7 0 1 15,-9 30-6-15,-1 11 26 16,1 12 12-16,11 6 1 16,17 4-18-16,16-5-24 15,19-4-4-15,2-7-16 16,31-11-5-16,21-9 21 0,12-13 0 16,43-14-7-16,-18 0-85 15,-13-1-512-15</inkml:trace>
   <inkml:trace contextRef="#ctx0" brushRef="#br1" timeOffset="166747.79">25479 6382 2297 0,'0'0'275'15,"0"0"-185"-15,0 0-20 0,0 0 21 16,130-58-40-16,-96 58-36 15,-3 0-15-15,-7 18-13 16,-8 17 2-16,-12 10-5 16,-4 10 16-16,-13 2 0 15,-18-6 1-15,-6-7-1 16,4-10 49-16,12-11 18 16,9-10-14-16,12-7-53 15,0-6-19-15,20 0-2 16,20 0 19-16,32-12-7 15,-5-3-70-15,-12-2-448 0</inkml:trace>
   <inkml:trace contextRef="#ctx0" brushRef="#br1" timeOffset="167185.7">25674 7291 1042 0,'0'0'1101'16,"0"0"-891"-16,0 0-52 15,0 0 13-15,0 0-72 16,0 0-76-16,0 0-23 16,-76-60-18-16,40 73 18 15,-2 20 20-15,-2 11 3 16,4 13-8-16,9 10 6 15,12 4-20-15,11 1-1 16,4-6-4-16,11-9-12 16,20-11 4-16,14-9 3 15,8-13 8-15,5-12-23 16,22-12-10-16,-17-6-120 16,-10-12-477-16</inkml:trace>
-  <inkml:trace contextRef="#ctx0" brushRef="#br1" timeOffset="167576.85">25899 7686 2090 0,'0'0'314'16,"0"0"-213"-16,0 0 58 16,0 0-29-16,0 0-44 15,0 0-29-15,122-50-17 16,-101 47-16-16,-6 3-24 0,-1 0-19 15,-8 11 1 1,-2 13 18-16,-4 7 7 0,0 6 4 16,0 3-11-16,-14-2-18 15,-5-3-6-15,-3-7 23 16,1-8-38-16,8-7 39 16,7-6 3-16,6-7-3 15,0 0-37-15,4 0-19 16,19 0 56-16,8 0 13 15,2 0 4-15,3 1-17 16,-5 17-22-16,-7 7 8 16,-11 7 9-16,-13 1 5 15,0 0 17-15,-22-1-3 16,-16-8 32-16,-6-4-11 16,-18-12-13-16,8-6-22 0,10-2-254 15</inkml:trace>
+  <inkml:trace contextRef="#ctx0" brushRef="#br1" timeOffset="167576.84">25899 7686 2090 0,'0'0'314'16,"0"0"-213"-16,0 0 58 16,0 0-29-16,0 0-44 15,0 0-29-15,122-50-17 16,-101 47-16-16,-6 3-24 0,-1 0-19 15,-8 11 1 1,-2 13 18-16,-4 7 7 0,0 6 4 16,0 3-11-16,-14-2-18 15,-5-3-6-15,-3-7 23 16,1-8-38-16,8-7 39 16,7-6 3-16,6-7-3 15,0 0-37-15,4 0-19 16,19 0 56-16,8 0 13 15,2 0 4-15,3 1-17 16,-5 17-22-16,-7 7 8 16,-11 7 9-16,-13 1 5 15,0 0 17-15,-22-1-3 16,-16-8 32-16,-6-4-11 16,-18-12-13-16,8-6-22 0,10-2-254 15</inkml:trace>
   <inkml:trace contextRef="#ctx0" brushRef="#br1" timeOffset="169065.65">29358 4173 1519 0,'0'0'324'0,"0"0"-217"16,0 0 78-16,0 0-12 15,0 0-105-15,0 0-6 16,0 0 8-16,114-14-25 16,-78 9-3-16,-1 4-29 15,1 1-13-15,0 0-9 16,-7 0-134-16,-11 0-705 0</inkml:trace>
   <inkml:trace contextRef="#ctx0" brushRef="#br1" timeOffset="170029.29">30528 3557 1621 0,'0'0'242'0,"0"0"-77"16,0 0 139-16,0 0-79 16,0 0-84-16,0 0-40 15,0 0-30-15,2-12-10 16,-2 12-52-16,-4 0-9 0,-9 0-5 15,-7 0-13 1,-11 0 12-16,-7 22 6 0,-7 10 15 16,-1 10-15-1,6 8 17-15,6 5-17 0,12 1-8 16,10 2 3-16,10-4-8 16,2-8-3-16,0-8 7 15,16-8-12-15,7-10 21 16,2-4 13-16,7-7-2 15,-1-5-11-15,1-4-13 16,-1 0-68-16,2 0-70 16,-9-4-131-16,-8-6-641 0</inkml:trace>
-  <inkml:trace contextRef="#ctx0" brushRef="#br1" timeOffset="170231.88">30085 3767 1505 0,'0'0'977'0,"0"0"-856"16,0 0-15-16,0 0 30 15,0 0-136-15,0 0-24 16,0 0 24-16,67-10-6 16,-25 10 6-16,12 0-58 15,-7 3-183-15,-12 1-588 0</inkml:trace>
+  <inkml:trace contextRef="#ctx0" brushRef="#br1" timeOffset="170231.87">30085 3767 1505 0,'0'0'977'0,"0"0"-856"16,0 0-15-16,0 0 30 15,0 0-136-15,0 0-24 16,0 0 24-16,67-10-6 16,-25 10 6-16,12 0-58 15,-7 3-183-15,-12 1-588 0</inkml:trace>
   <inkml:trace contextRef="#ctx0" brushRef="#br1" timeOffset="170541.45">30626 3852 1802 0,'0'0'422'16,"0"0"-223"-16,0 0-88 15,0 0-81-15,0 0-30 16,0 0 9-16,-26 111 9 16,14-70-16-16,6 1-2 15,6-7-3-15,0-12-20 16,4-6-10-16,15-10 33 0,5-4 72 16,0-3 22-1,5-3 14-15,-4-15-48 16,-3-4 7-16,-9-3-15 15,-9-1-6-15,-4-2-14 0,0 1-32 16,-23 5-2-16,-8 6-19 16,-23 10-73-16,7 6-206 15,7 0-1281-15</inkml:trace>
   <inkml:trace contextRef="#ctx0" brushRef="#br1" timeOffset="170749.5">31179 3924 1840 0,'0'0'1134'16,"0"0"-1048"-16,0 0-43 16,0 0 15-16,0 0-58 15,0 0-17-15,0 0-167 16,14-10-137-16,-12 10-577 0</inkml:trace>
   <inkml:trace contextRef="#ctx0" brushRef="#br1" timeOffset="171871.46">31623 3465 1942 0,'0'0'316'0,"0"0"-186"15,0 0 10-15,0 0-32 16,0 0-56-16,0 0-28 15,0 0-23-15,6-4-1 16,-6 4 0-16,0 8-52 16,-4 18 45-16,-7 13 7 15,-7 12 29-15,-5 7-11 16,-1 2 7-16,4-6-18 16,2-7 0-16,5-13 3 15,3-12-10-15,8-9 6 0,0-6 1 16,2-5-7-16,0-2 11 15,0 0-11-15,0-9-34 16,0-14-31-16,0-10 39 16,7-5 26-16,4-7 1 15,4-7 1 1,1-4 8-16,2-3-2 0,0 3 6 16,0 6 16-16,-5 12 27 15,-2 11 21-15,-4 13 6 16,-4 6-24-16,-1 8-19 15,-2 0-17-15,4 0-24 16,7 15-31-16,7 17 12 16,11 14 19-16,4 10 2 15,7 12 15-15,3 4-5 16,-1 0-2-16,-2-1 1 0,-5-7-11 16,-6-10-17-1,-8-11-46-15,-10-7-46 0,-9-15-50 16,-7-11-31-16,-18-6-114 15,-6-4-1146-15</inkml:trace>
@@ -1679,7 +1678,7 @@
   <inkml:trace contextRef="#ctx0" brushRef="#br1" timeOffset="-197868.14">20558 14899 1523 0,'0'0'924'16,"0"0"-767"-16,0 0-46 15,0 0 11-15,0 0-33 16,0 0-33-16,-120-22-20 16,71 22-2-16,-14 0-29 15,-12 22-4-15,-12 14-1 16,-7 14 6-16,-1 8 1 15,1 8 1-15,7 7 5 0,13 3-4 16,19 3-3 0,24-2-6-16,23-3-4 15,13-1-40-15,46-5 10 16,43 2 27-16,39-7 7 0,30-10 1 16,8-20-1-16,-30-26 0 15,-39-7 10-15,-41 0-9 16,-12-12-1-16,-5-2-22 15,-3-11-101-15,-8 2-108 16,-22 4-464-16</inkml:trace>
   <inkml:trace contextRef="#ctx0" brushRef="#br1" timeOffset="-196970.91">21088 14901 1608 0,'0'0'431'16,"0"0"-252"-16,0 0 40 15,0 0-51-15,0 0-53 16,0 0-61-16,0 0-33 16,0-36-10-16,0 36-11 15,0 0 0-15,0 0-20 0,0 0-25 16,0 0-17-16,0 3-19 15,0 6-114-15,0 9 20 16,0-4-106-16,7-1-401 0</inkml:trace>
   <inkml:trace contextRef="#ctx0" brushRef="#br1" timeOffset="-196467.26">21157 15516 2179 0,'0'0'386'0,"0"0"-255"16,0 0-49-16,0 0-13 0,0 0-4 16,0 0-38-16,0 0-27 15,-44-8 0-15,35 38 6 16,-2 11 16-16,2 7-5 16,2 10-10-16,4 6-6 15,3 2 4-15,0-4-5 16,14 3 0-16,2-3-20 15,-3-8-11-15,-6-2-16 16,-7-12-52-16,-16 0-83 0,-15-12-139 16,-3-10-498-16</inkml:trace>
-  <inkml:trace contextRef="#ctx0" brushRef="#br1" timeOffset="-196264.21">20962 16034 1431 0,'0'0'465'0,"0"0"-101"16,131-44-127-16,-69 27-130 16,3 2-51-16,-7 3-42 15,-10 2-14-15,-3 1-93 16,-14 5-190-16,-12-1-971 0</inkml:trace>
+  <inkml:trace contextRef="#ctx0" brushRef="#br1" timeOffset="-196264.22">20962 16034 1431 0,'0'0'465'0,"0"0"-101"16,131-44-127-16,-69 27-130 16,3 2-51-16,-7 3-42 15,-10 2-14-15,-3 1-93 16,-14 5-190-16,-12-1-971 0</inkml:trace>
   <inkml:trace contextRef="#ctx0" brushRef="#br1" timeOffset="-195787.7">22165 14293 1499 0,'0'0'579'0,"0"0"-260"15,0 0-98-15,0 0-26 16,0 0-42-16,0 0-58 15,0 0-35-15,-27-40-40 0,29 39-20 16,18-4 0-16,6 1 1 16,13 2-1-16,1 0-44 15,4 2-31-15,-1 0-24 16,-6 0 9-16,3 19 19 16,-9-8 27-16,-12 3-161 0</inkml:trace>
   <inkml:trace contextRef="#ctx0" brushRef="#br1" timeOffset="-195620.07">22269 14449 2351 0,'0'0'346'15,"0"0"-346"-15,0 0-36 16,0 0 36-16,0 0 6 0,158-17 47 16,-75 3-33-16,41-13-20 15,-19 5-184-15,-14 2-1207 0</inkml:trace>
   <inkml:trace contextRef="#ctx0" brushRef="#br1" timeOffset="-195411.01">23762 13471 1661 0,'0'0'409'0,"0"0"-166"15,0 0-23-15,0 0-74 0,0 0-7 16,0 0-87-16,0 0-52 16,0 44 0-16,0 30 7 15,0 40 34-15,0 33-9 16,9 10-26-16,4-15-6 16,-1-33-11-16,-12-20-80 15,0-27-167-15,0-22-1014 16</inkml:trace>
@@ -1687,7 +1686,7 @@
   <inkml:trace contextRef="#ctx0" brushRef="#br1" timeOffset="-194846.93">23609 15025 1003 0,'0'0'1270'0,"0"0"-1020"15,0 0-136-15,0 0 18 16,0 0-61-16,0 0-71 16,0 0-24-16,-117-4-14 15,59 20 38-15,-6 16 19 16,-5 18 6-16,-1 13 12 16,8 7-3-16,16 12 31 0,19 2-48 15,22-2-17-15,5-3-58 16,27-13 50-16,17-10-7 15,14-12-14 1,7-12 18-16,4-11 10 0,26-17-50 16,-16-4-55-16,-15 0-231 15</inkml:trace>
   <inkml:trace contextRef="#ctx0" brushRef="#br1" timeOffset="-194657.96">23661 15571 2426 0,'0'0'349'0,"0"0"-255"16,0 0-56-16,0 0-2 0,-4 128-11 16,4-61-25-16,12 6 0 15,1-3-42-15,0-7-25 16,1-13 40-16,1-10-6 16,-1-15-80-16,-4-10-693 0</inkml:trace>
   <inkml:trace contextRef="#ctx0" brushRef="#br1" timeOffset="-194278.79">25152 13828 1338 0,'0'0'1448'16,"0"0"-1310"-16,0 0-93 15,0 0 18-15,0 0-38 16,0 0-24-16,0 0-1 16,-45 152 13-16,39-66-13 15,-1-7-5-15,3 3-70 16,0-16-47-16,-2-16 49 0,4-16 27 16,0-20 46-16,2-9 0 15,-2-5 0-15</inkml:trace>
-  <inkml:trace contextRef="#ctx0" brushRef="#br1" timeOffset="-194093.21">24856 14021 895 0,'0'0'1675'15,"0"0"-1323"-15,0 0-283 16,0 0-69-16,0 0-46 16,0 0 46-16,138-23 14 15,-49 23-14-15,12 0-46 0,5 0-107 16,-12 0-3-16,51-34 98 15,-27 0 48-15,-16-7-113 0</inkml:trace>
+  <inkml:trace contextRef="#ctx0" brushRef="#br1" timeOffset="-194093.22">24856 14021 895 0,'0'0'1675'15,"0"0"-1323"-15,0 0-283 16,0 0-69-16,0 0-46 16,0 0 46-16,138-23 14 15,-49 23-14-15,12 0-46 0,5 0-107 16,-12 0-3-16,51-34 98 15,-27 0 48-15,-16-7-113 0</inkml:trace>
   <inkml:trace contextRef="#ctx0" brushRef="#br1" timeOffset="-193917.07">26339 13174 2020 0,'0'0'406'15,"0"0"-298"-15,0 0-14 16,-48 124 89-16,30-14-80 0,5 29-53 16,11 10-28-1,2-9-22-15,0-35-50 0,6-31-59 16,1-20-40-16,-3-14 48 16,-4 10 69-16,0-10 32 15,0-12 0-15</inkml:trace>
   <inkml:trace contextRef="#ctx0" brushRef="#br1" timeOffset="-193718.76">25685 14169 2417 0,'0'0'360'16,"0"0"-324"-16,0 0-26 0,0 0 6 15,149-32 33 1,-24 14-19-16,29 0-30 0,-11 4-36 15,-31 7-23-15,-8 7-39 16,-49 0-23-16,-6 7-89 0</inkml:trace>
   <inkml:trace contextRef="#ctx0" brushRef="#br1" timeOffset="-193316.16">26092 14700 1417 0,'0'0'662'15,"0"0"-269"-15,0 0-227 16,0 0-77-16,0 0-44 16,0 0 27-16,0 0 9 15,-77-50-81-15,34 74 12 16,-12 20-19-16,-7 17 14 16,-2 15-14-16,7 8 13 15,12 6-23-15,18 0-43 16,21-10 11-16,6-7 48 15,27-12-22-15,24-11 11 0,14-15 12 16,12-13 16 0,10-12-15-16,0-10-2 0,-2 0-5 15,3-10-66-15,-22-6-163 16,-22 6-898-16</inkml:trace>
@@ -1730,7 +1729,7 @@
   <inkml:trace contextRef="#ctx0" brushRef="#br0" timeOffset="2263.32">2372 3121 1165 0,'0'0'501'16,"0"0"-343"-16,0 0 110 16,0 0-70-16,0 0-143 15,0 0 10-15,0 0-27 16,-10-27-24-16,18 23-14 16,7-4 18-16,8-3-17 0,8-3 14 15,18-4-7-15,16-5 6 16,37-10 0-16,52-11-7 15,58-12-6-15,35-8 18 16,18 0-2-16,4 3-1 16,-7 2 0-16,12-3-2 15,4-4 0-15,3-3-8 16,-1-5-5-16,-14 2 28 16,-12 1 0-16,-13 5 21 15,-19 6-1-15,-10 9-14 16,-21 6-21-16,-14 7 9 15,-19 6-23-15,-13 5 0 16,-12 6 0-16,-31 3 2 16,-23 6-2-16,-28 3 0 0,-20 4 0 15,-5 1 0-15,-7 2-44 16,-13 2-43-16,-6 0-92 16,-35 0 57-16,-61 7-159 15,9 7-152-15,0 1-1132 0</inkml:trace>
   <inkml:trace contextRef="#ctx0" brushRef="#br0" timeOffset="3000.88">3758 3292 1078 0,'0'0'639'16,"0"0"-357"-16,0 0-125 15,0 0-53-15,0 0-11 16,0 0-66-16,0 0-15 16,31-26-2-16,-8 17-1 15,2-2-1-15,6 1 29 16,6-5-9-16,14 3 4 16,15-7-11-16,31-7 16 0,45-11-19 15,55-7-6-15,30-6-4 16,16 0 4-16,6 2 2 15,-8 4 10-15,9 2-22 16,-1 2 24-16,1 6-25 16,-10 3 8-16,-7 0 30 15,-15 0-16-15,-16 3 1 16,-21-2-4-16,-19 1 4 16,-17-2 8-16,-33 5 0 15,-25 7-1-15,-25 2-2 16,-9 1-15-16,5 0-1 15,4 0-8-15,-3-2-5 16,-12 6 1-16,-16 4-1 0,-14 2 0 16,-8 4 0-1,-6 2 0-15,-3 0-11 0,0 0-6 16,0 0-68-16,0 0-106 16,-16 2-62-16,1 8-16 15,-1-3-122-15</inkml:trace>
   <inkml:trace contextRef="#ctx0" brushRef="#br0" timeOffset="3824.86">7183 1941 531 0,'0'0'317'15,"0"0"-317"-15,0 0-65 16,0 0-13-16,0 0-13 15,0 0 65-15,0 0 26 16,29-6 46-16,-25 6 77 16,3 0 38-16,2 0-33 15,4 0-34-15,5 0 0 16,5 0-55-16,3-3 10 0,10-4-1 16,8-1-19-16,8-1 13 15,10 2 1 1,9 0-28-16,2-2 34 0,-1 1 69 15,-9 2-71-15,-17-1-32 16,-15 3-15-16,-31-1-56 16,0-1-23-16,-15 2-576 0</inkml:trace>
-  <inkml:trace contextRef="#ctx0" brushRef="#br0" timeOffset="4863.93">3774 3082 477 0,'0'0'202'0,"0"0"88"15,0 0 50-15,0 0-107 16,125-11-56-16,-81 2-96 16,3 1 20-16,4-2-55 15,1-1 0-15,1-1-17 16,-2 3-17-16,-4-4-10 15,2 3 16-15,-4 0-18 16,3-2 33-16,6 1 18 16,8-6-4-16,12 1 15 15,31-8-46-15,32-4 34 16,46-10-10-16,22-1 18 16,3-3-24-16,-12 9 20 0,-20 8-3 15,-7 0-2-15,-10 5-12 16,-5 2-16-16,-12 4-21 15,-6-1 2-15,-7 1 12 16,-9 0-9-16,-17 0-4 16,-16 5-1-16,-18-4 9 15,-1 3-8-15,15-2-1 16,11-3 0-16,12-4 1 16,-3 1 0-16,-3 0 8 15,-4-1-1-15,-5 2-2 16,-6 1 13-16,-12 2-8 15,-8 3 6-15,-13 2 8 16,-15 3-8-16,-12 0 11 16,-12 4-13-16,-8 0-14 0,-3 2 7 15,-2 0 0 1,0 0 1-16,5 0-4 0,1-2-5 16,5 2 0-16,7-4 5 15,0 2-5-15,2-2 0 16,0-1 0-16,-3 4 0 15,2-1 7-15,-3-1-7 16,-3 2 5-16,-5 0-5 16,-3 1-7-16,0-3 6 15,-5 3-9-15,0 0-53 16,0 0-87-16,-10 0-216 16,2 0-439-16</inkml:trace>
+  <inkml:trace contextRef="#ctx0" brushRef="#br0" timeOffset="4863.92">3774 3082 477 0,'0'0'202'0,"0"0"88"15,0 0 50-15,0 0-107 16,125-11-56-16,-81 2-96 16,3 1 20-16,4-2-55 15,1-1 0-15,1-1-17 16,-2 3-17-16,-4-4-10 15,2 3 16-15,-4 0-18 16,3-2 33-16,6 1 18 16,8-6-4-16,12 1 15 15,31-8-46-15,32-4 34 16,46-10-10-16,22-1 18 16,3-3-24-16,-12 9 20 0,-20 8-3 15,-7 0-2-15,-10 5-12 16,-5 2-16-16,-12 4-21 15,-6-1 2-15,-7 1 12 16,-9 0-9-16,-17 0-4 16,-16 5-1-16,-18-4 9 15,-1 3-8-15,15-2-1 16,11-3 0-16,12-4 1 16,-3 1 0-16,-3 0 8 15,-4-1-1-15,-5 2-2 16,-6 1 13-16,-12 2-8 15,-8 3 6-15,-13 2 8 16,-15 3-8-16,-12 0 11 16,-12 4-13-16,-8 0-14 0,-3 2 7 15,-2 0 0 1,0 0 1-16,5 0-4 0,1-2-5 16,5 2 0-16,7-4 5 15,0 2-5-15,2-2 0 16,0-1 0-16,-3 4 0 15,2-1 7-15,-3-1-7 16,-3 2 5-16,-5 0-5 16,-3 1-7-16,0-3 6 15,-5 3-9-15,0 0-53 16,0 0-87-16,-10 0-216 16,2 0-439-16</inkml:trace>
   <inkml:trace contextRef="#ctx0" brushRef="#br0" timeOffset="5086.37">8234 1869 802 0,'0'0'524'16,"0"0"-443"-16,0 0-81 16,0 0 2-16,0 0 55 0,0 0-57 15,0 0-336-15</inkml:trace>
   <inkml:trace contextRef="#ctx0" brushRef="#br0" timeOffset="5595.71">7194 1941 1854 0,'0'0'299'15,"0"0"-207"-15,0 0-82 16,0 0 103-16,0 0-53 0,0 0-14 16,0 0-23-1,89 16-21-15,-42-2 10 0,13 6-9 16,11 4 7-16,30 7 6 16,30 8-15-16,29 3 18 15,7-3-13-15,-28-11 1 16,-39-10 6-16,-40-10 15 15,-17-2 4-15,-5-3-17 16,-9 0 0-16,-6 0-15 16,-17-3 0-16,-6 0-30 15,-6 0-29-15,-36 0-135 16,7 0-139-16,-1 0-143 0</inkml:trace>
   <inkml:trace contextRef="#ctx0" brushRef="#br0" timeOffset="5781.86">8265 2232 516 0,'0'0'682'0,"0"0"-437"16,0 0-136-16,0 0 52 0,0 0-14 16,0 0-57-16,0 0-88 15,-69 30 18-15,23-6-6 16,-8 6-2-16,-1 4-9 16,-1 0 13-16,0 2 41 15,1 1-6-15,-5-2-29 16,-21 5-22-16,14-9-265 15,11-10-1362-15</inkml:trace>
@@ -1738,13 +1737,13 @@
   <inkml:trace contextRef="#ctx0" brushRef="#br0" timeOffset="7925.68">5252 3588 1595 0,'0'0'533'0,"0"0"-364"16,0 0-111-16,0 0 35 16,0 0 5-16,0 0-47 15,117-13-3-15,-68 7-23 16,14-2 2-16,8-2 1 15,11 1-10-15,14-2-2 16,24-1-10-16,30-6 3 16,37-2-1-16,11-2-6 15,-4-2 8-15,-11 2-3 16,-21 0 26-16,-8 4-16 16,-12 2 1-16,-28 1 2 15,-27 5-8-15,-24 1-1 16,-8 2-11-16,10 0 9 0,8-4-7 15,3 1-1-15,-5-2 6 16,-8 2-7-16,-10 3 1 16,-11 0-1-16,-8 1 10 15,-14 2-8-15,-9 2 8 16,-7 2-10-16,-1 0-7 16,-3 0 7-16,0 0 7 15,0 0-7-15,0 0 0 16,0 0-8-16,0 0-65 15,0 0-78-15,-3 0-86 16,-3 0-68-16,-1 0-280 0</inkml:trace>
   <inkml:trace contextRef="#ctx0" brushRef="#br0" timeOffset="8391.58">8279 2623 518 0,'0'0'612'16,"0"0"-201"-16,0 0-84 16,0 0-78-16,0 0-48 15,0 0-87-15,0 0-47 16,0-4-20-16,0 4 6 16,0 0-8-16,0 0-23 15,0 0-22-15,-2 0-1 16,-10 18-37-16,-5 18 38 15,-8 16 7-15,-4 14 13 16,0 14-4-16,0 5-13 0,2 1 15 16,6-2 17-1,3-6-30-15,5-9-4 16,1-11 13-16,5-12-8 16,3-14 1-16,0-12-7 0,-12-17-9 15,1-3-139-15,-4-1-733 0</inkml:trace>
   <inkml:trace contextRef="#ctx0" brushRef="#br0" timeOffset="9996.81">2377 8574 1219 0,'0'0'533'0,"0"0"-337"15,0 0-82-15,0 0 33 16,0 0-70-16,0 0-52 15,0 0-25-15,0 0 0 16,0 0 0-16,0 0 25 16,0 0-25-16,0 6 50 15,0 7-24-15,0 0 41 16,0 5-56-16,0 4 8 0,0 7-19 16,0 4 13-16,0 6-8 15,0 5-5-15,0 3 1 16,0 2 12-16,0 1 1 15,0-2 8-15,0 2 6 16,0 1-28-16,0-1-19 16,0-4 19-16,0-8 0 15,0-7 15-15,0-6-15 16,0-11-13-16,0-5 12 16,0-9-26-16,0-5-64 15,0-13-328-15</inkml:trace>
-  <inkml:trace contextRef="#ctx0" brushRef="#br0" timeOffset="10471.86">2420 8576 531 0,'0'0'699'0,"0"0"-445"15,0 0-55-15,0 0-87 16,0 0-13-16,0 0 104 0,0 0-138 15,25 30 57-15,-6-30-90 16,1 0 9-16,7 0 5 16,4 0-15-16,5 0-30 15,8 4 21-15,7 0-13 16,10 2-8-16,7 0 0 16,11-1 4-16,3 1-5 15,7 0-2-15,0 0 0 16,0-1-12-16,-6 1-47 15,-10-2-39-15,-10-1 50 16,-19-3 16-16,-15 0 33 0,-13 0 2 16,-16 0 16-1,0 0-17-15,-25 0-9 0,-2-7-494 16,-2 1-832-16</inkml:trace>
+  <inkml:trace contextRef="#ctx0" brushRef="#br0" timeOffset="10471.85">2420 8576 531 0,'0'0'699'0,"0"0"-445"15,0 0-55-15,0 0-87 16,0 0-13-16,0 0 104 0,0 0-138 15,25 30 57-15,-6-30-90 16,1 0 9-16,7 0 5 16,4 0-15-16,5 0-30 15,8 4 21-15,7 0-13 16,10 2-8-16,7 0 0 16,11-1 4-16,3 1-5 15,7 0-2-15,0 0 0 16,0-1-12-16,-6 1-47 15,-10-2-39-15,-10-1 50 16,-19-3 16-16,-15 0 33 0,-13 0 2 16,-16 0 16-1,0 0-17-15,-25 0-9 0,-2-7-494 16,-2 1-832-16</inkml:trace>
   <inkml:trace contextRef="#ctx0" brushRef="#br0" timeOffset="11068.95">3660 8731 536 0,'0'0'487'15,"0"0"-295"-15,0 0-100 0,0 0-23 16,0 0-40-16,0 0-13 16,136-10-16-16,-103 7-33 15,-4 2-15-15,-4-1 26 16,-7-2 22-16,-7 1 16 15,-7-1 69-15,-4 3 104 16,0-3 21-16,0-1-69 16,0 2 32-16,0-1 21 15,-4 4-69-15,0 0-33 16,-1 0-62-16,1 0-2 16,-1 6-20-16,-2 14-8 15,3 10 0-15,-3 8 2 16,-1 10 2-16,-2 5-2 15,-1 6-2-15,-1-1-6 16,0-4 4-16,-1-1-17 0,-10-2-35 16,5-9-148-1,-1-17-350-15</inkml:trace>
   <inkml:trace contextRef="#ctx0" brushRef="#br0" timeOffset="11612.84">2248 9224 1289 0,'0'0'595'16,"0"0"-330"-16,0 0-38 15,0 0-58-15,0 0-39 16,0 0-109-16,0 0 4 15,-19-12-18-15,22 12-6 0,8 0 21 16,7 0 14-16,8 0-2 16,8 6-11-16,9 4-7 15,13 2-2 1,10-1-9-16,16 2 1 0,26-5-6 16,27-4 0-16,28-4 11 15,6 0-10-15,-30 0 5 16,-37-8-6-16,-37 2-2 15,-16 0 2-15,-1 1 0 16,-5 3 1-16,-5-3-1 16,-19 4 1-16,-9 1-1 15,-10 0-1-15,0 0-26 16,-2 0 26-16,-19 0-58 16,3 0-183-16,3 1-273 0</inkml:trace>
   <inkml:trace contextRef="#ctx0" brushRef="#br0" timeOffset="12835.82">2573 8376 411 0,'0'0'744'15,"0"0"-272"-15,0 0-198 16,0 0-72-16,0 0-29 15,0 0-33-15,0 0-85 16,-47-34-36-16,47 34-3 16,0-2-16-16,0 2 2 15,0 0 20-15,0 0 18 0,0 0-14 16,0 0 1-16,0 0 4 16,0 0-31-16,0 0-2 15,0 0-5-15,0 0 7 16,0 0 5-16,0 0-5 15,0 0 0-15,0 0-17 16,0 0 16-16,2 0-6 16,7 0 6-16,3 0 1 15,3 0 0-15,1 0 0 16,1 0-1-16,3 0-3 16,-1 0 4-16,-2 0-10 15,-3 0 10-15,-1-2-1 16,-2 0 6-16,0-2-6 0,2 0 1 15,1 0-21-15,1-2 12 16,8-2 8-16,8-2-6 16,11-5 7-16,14-2 0 15,15-6 8-15,28-9-8 16,32-7 1-16,36-10 4 16,15-1 13-16,-5 4 27 15,-17 5-12-15,-19 7-18 16,-8 5 0-16,-2-2 6 15,-2 4-15-15,1 1-6 16,-1 1 11-16,-4 2-5 16,0-4 21-16,0 1 0 15,-1-3-12-15,5-2 2 0,6 1-2 16,-2-1 22-16,5 2-19 16,-2 0 1-16,2 3-6 15,3 1-11-15,2-2 5 16,-4 3-7-16,0-2 0 15,-3 0-5-15,-5-2 13 16,-4 0-2-16,-5 5 0 16,-17 2-1-16,-21 6 2 15,-16 6-7-15,-6 1 0 16,5 0 3-16,2-1-3 16,7 0 1-16,-13 1 0 15,-11 2 4-15,-7 0 11 16,-13 2-7-16,-13 0 0 15,-7 0 6-15,-8 4-1 0,-4 0-5 16,0 0-9-16,-11 0-24 16,-23 0-69-16,-43 21-123 15,3 2-134-15,-2-1-748 0</inkml:trace>
-  <inkml:trace contextRef="#ctx0" brushRef="#br0" timeOffset="14143.85">3578 8843 492 0,'0'0'717'0,"0"0"-241"16,0 0-189-16,0 0-14 15,0 0-75-15,0 0-108 16,0 0-30-16,-3 2-35 16,17-2 36-16,4-4 6 15,8-2-23-15,6 0-6 16,7-4-30-16,9-2 8 16,8 0-15-16,8-4 1 0,11-2 12 15,10-5-6-15,31-4-8 16,31-9 1-16,38-8 2 15,14 0 18-15,-4 1-20 16,-10 5 15-16,-15 4-11 16,-5 2 3-16,-7 2-8 15,-11 2-5-15,-9 0 5 16,-11-1-6-16,0 4 6 16,-2-3 0-16,-2-1 10 15,-3 2-10-15,-2-4 0 16,-1-3-2-16,4 1-3 15,1-6-6-15,-16 7 0 16,-17 6-11-16,-18 4-7 0,-4 4 23 16,9-2 6-1,10-3 6-15,8-1 10 0,-3 3 4 16,-4 2 9-16,-4 3-18 16,-8 5-6-16,-8 0 6 15,-7 3-10-15,-8 2 16 16,-7-2-1-16,-10 2-2 15,-8 1-4-15,-10 1 0 16,-6 2-4-16,-6-1 5 16,-5 3 8-16,0 0-7 0,0 0-3 15,0 0-9 1,0 0 2-16,0 0-2 0,0 0-9 16,0 0-22-1,0 0-17-15,0 0 5 0,-7 0 16 16,0 0-12-16,3 0 25 15,2 0 14-15,2 0-37 16,0 0-14-16,0-1 43 16,0 1 8-16,0 0 0 15,0-3 8-15,0 3 18 16,0 0 18-16,0 0 9 16,0-2-7-16,4 2-18 15,3 0-10-15,4-2-2 16,7 0-2-16,6-2 2 15,5 0-7-15,5 2-4 0,-3-4-3 16,0 2 6-16,2-4-8 16,-1 1 0-16,-1-2-4 15,0-1 4-15,-2 0 2 16,0 0 5-16,0-1 2 16,0-2-8-16,2-1 4 15,-2 2 0-15,-2 1-1 16,-4 0-4-16,-8 3 0 15,-4 4 0-15,-6 2 1 16,-3 0-1-16,-2 2 0 16,0 0 4-16,0 0-4 15,0 0-8-15,0 0-12 16,0 0 19-16,0 0 1 0,-4 0-15 16,-12 0-34-1,-7 2-70-15,-25 0-101 0,5-2-87 16,1 0-285-16</inkml:trace>
+  <inkml:trace contextRef="#ctx0" brushRef="#br0" timeOffset="14143.84">3578 8843 492 0,'0'0'717'0,"0"0"-241"16,0 0-189-16,0 0-14 15,0 0-75-15,0 0-108 16,0 0-30-16,-3 2-35 16,17-2 36-16,4-4 6 15,8-2-23-15,6 0-6 16,7-4-30-16,9-2 8 16,8 0-15-16,8-4 1 0,11-2 12 15,10-5-6-15,31-4-8 16,31-9 1-16,38-8 2 15,14 0 18-15,-4 1-20 16,-10 5 15-16,-15 4-11 16,-5 2 3-16,-7 2-8 15,-11 2-5-15,-9 0 5 16,-11-1-6-16,0 4 6 16,-2-3 0-16,-2-1 10 15,-3 2-10-15,-2-4 0 16,-1-3-2-16,4 1-3 15,1-6-6-15,-16 7 0 16,-17 6-11-16,-18 4-7 0,-4 4 23 16,9-2 6-1,10-3 6-15,8-1 10 0,-3 3 4 16,-4 2 9-16,-4 3-18 16,-8 5-6-16,-8 0 6 15,-7 3-10-15,-8 2 16 16,-7-2-1-16,-10 2-2 15,-8 1-4-15,-10 1 0 16,-6 2-4-16,-6-1 5 16,-5 3 8-16,0 0-7 0,0 0-3 15,0 0-9 1,0 0 2-16,0 0-2 0,0 0-9 16,0 0-22-1,0 0-17-15,0 0 5 0,-7 0 16 16,0 0-12-16,3 0 25 15,2 0 14-15,2 0-37 16,0 0-14-16,0-1 43 16,0 1 8-16,0 0 0 15,0-3 8-15,0 3 18 16,0 0 18-16,0 0 9 16,0-2-7-16,4 2-18 15,3 0-10-15,4-2-2 16,7 0-2-16,6-2 2 15,5 0-7-15,5 2-4 0,-3-4-3 16,0 2 6-16,2-4-8 16,-1 1 0-16,-1-2-4 15,0-1 4-15,-2 0 2 16,0 0 5-16,0-1 2 16,0-2-8-16,2-1 4 15,-2 2 0-15,-2 1-1 16,-4 0-4-16,-8 3 0 15,-4 4 0-15,-6 2 1 16,-3 0-1-16,-2 2 0 16,0 0 4-16,0 0-4 15,0 0-8-15,0 0-12 16,0 0 19-16,0 0 1 0,-4 0-15 16,-12 0-34-1,-7 2-70-15,-25 0-101 0,5-2-87 16,1 0-285-16</inkml:trace>
   <inkml:trace contextRef="#ctx0" brushRef="#br0" timeOffset="14539.46">7539 7328 2068 0,'0'0'410'0,"0"0"-297"16,0 0-63-16,0 0 40 16,0 0-12-16,0 0-43 15,0 0 18-15,29 39-12 16,-2-13-11-16,7 3-1 15,6-4 1-15,9 2-22 16,13-4-2-16,11-1-5 16,14-3 3-16,9-7 8 15,2-2-11-15,0-7-1 16,-5 0 0-16,-8-3 7 16,-12 0-6-16,-14 0 0 0,-14 0 8 15,-18-5-5-15,-15 1-3 16,-12 4-1-16,-10 0-33 15,-19 0-128-15,-7 0-472 16</inkml:trace>
-  <inkml:trace contextRef="#ctx0" brushRef="#br0" timeOffset="16396.63">3800 9264 505 0,'0'0'1277'16,"0"0"-1055"-16,0 0-158 16,0 0 45-16,0 0 41 0,0 0-56 15,0 0-44 1,0 0-18-16,0 0 24 0,5 0-17 16,6-2 6-1,2-3-16-15,8 2-15 0,1-1-13 16,7-2 25-16,5 0-25 15,5-2 5-15,3 2-6 16,6-5 6-16,3 4-1 16,4-3-8-16,3 0 4 15,2 0-1-15,0 0 0 16,3 0 0-16,-3-2 6 16,0 0-4-16,0 2 7 15,3-2-9-15,1-2-3 16,3 1 2-16,3 1 1 0,3 1 0 15,-2-2 1-15,1 4-1 16,-1-4 0-16,-4 4-1 16,-5-1 1-16,-2 1 1 15,-2 1-1-15,-2 0 0 16,-2 2 0-16,-1 0 1 16,-2-1 0-16,1-2-1 15,0 3 0-15,0-4 0 16,4-1-8-16,2 0-1 15,2-1 8-15,0-2 1 16,1 1 0-16,-7 2-1 0,0 1 1 16,-4 0 0-1,0 2 0-15,0-3 0 16,-1 4 0-16,0-1-1 16,0 0 1-16,-1 0 0 0,2-2 0 15,-2 0 0-15,4-2 0 16,2-2 11-16,-1-3 25 15,2 3 20-15,-1 0-3 16,2 3-25-16,-2-1-13 16,-2-1-4-16,2 3-10 15,-2 1 7-15,-4-2-5 16,1 1-1-16,-1 0-2 16,-4-2 0-16,0 2 0 15,-1 1 0-15,-3 0 0 16,0 1 0-16,-2 0 0 0,2 0-1 15,2 1 0 1,1-2 1-16,5 1-9 0,4-2 8 16,4-3-17-1,2 3 11-15,4-3 2 0,1 1 5 16,-3 0 9-16,-2 1-8 16,-8 0-1-16,-5 3 16 15,-9 0 0-15,-7 2-1 16,-7 0-9-16,-6 0-6 15,-3 2 8-15,-4 0-7 16,-2 2-1-16,-1 0 0 16,1 0 1-16,0 0 0 15,2 0-1-15,1 2 0 16,2-3 0-16,-1 2 1 0,0-3 4 16,1 2 0-1,-4 0 1-15,1 0 4 16,-3-1-10-16,0 3 11 0,-4-1 6 15,0-1-1-15,0 2-8 16,0 0-3-16,-2 0 1 16,0 0-2-16,0 0-4 15,0 0-2-15,0 0 2 16,0 0 0-16,0 0 0 16,0 0-9-16,0 0-23 15,0-3-16-15,0-6-36 16,0 1-107-16,-11-5-1132 0</inkml:trace>
+  <inkml:trace contextRef="#ctx0" brushRef="#br0" timeOffset="16396.62">3800 9264 505 0,'0'0'1277'16,"0"0"-1055"-16,0 0-158 16,0 0 45-16,0 0 41 0,0 0-56 15,0 0-44 1,0 0-18-16,0 0 24 0,5 0-17 16,6-2 6-1,2-3-16-15,8 2-15 0,1-1-13 16,7-2 25-16,5 0-25 15,5-2 5-15,3 2-6 16,6-5 6-16,3 4-1 16,4-3-8-16,3 0 4 15,2 0-1-15,0 0 0 16,3 0 0-16,-3-2 6 16,0 0-4-16,0 2 7 15,3-2-9-15,1-2-3 16,3 1 2-16,3 1 1 0,3 1 0 15,-2-2 1-15,1 4-1 16,-1-4 0-16,-4 4-1 16,-5-1 1-16,-2 1 1 15,-2 1-1-15,-2 0 0 16,-2 2 0-16,-1 0 1 16,-2-1 0-16,1-2-1 15,0 3 0-15,0-4 0 16,4-1-8-16,2 0-1 15,2-1 8-15,0-2 1 16,1 1 0-16,-7 2-1 0,0 1 1 16,-4 0 0-1,0 2 0-15,0-3 0 16,-1 4 0-16,0-1-1 16,0 0 1-16,-1 0 0 0,2-2 0 15,-2 0 0-15,4-2 0 16,2-2 11-16,-1-3 25 15,2 3 20-15,-1 0-3 16,2 3-25-16,-2-1-13 16,-2-1-4-16,2 3-10 15,-2 1 7-15,-4-2-5 16,1 1-1-16,-1 0-2 16,-4-2 0-16,0 2 0 15,-1 1 0-15,-3 0 0 16,0 1 0-16,-2 0 0 0,2 0-1 15,2 1 0 1,1-2 1-16,5 1-9 0,4-2 8 16,4-3-17-1,2 3 11-15,4-3 2 0,1 1 5 16,-3 0 9-16,-2 1-8 16,-8 0-1-16,-5 3 16 15,-9 0 0-15,-7 2-1 16,-7 0-9-16,-6 0-6 15,-3 2 8-15,-4 0-7 16,-2 2-1-16,-1 0 0 16,1 0 1-16,0 0 0 15,2 0-1-15,1 2 0 16,2-3 0-16,-1 2 1 0,0-3 4 16,1 2 0-1,-4 0 1-15,1 0 4 16,-3-1-10-16,0 3 11 0,-4-1 6 15,0-1-1-15,0 2-8 16,0 0-3-16,-2 0 1 16,0 0-2-16,0 0-4 15,0 0-2-15,0 0 2 16,0 0 0-16,0 0 0 16,0 0-9-16,0 0-23 15,0-3-16-15,0-6-36 16,0 1-107-16,-11-5-1132 0</inkml:trace>
   <inkml:trace contextRef="#ctx0" brushRef="#br0" timeOffset="16664.05">8504 7917 1328 0,'0'0'946'0,"0"0"-791"16,0 0-111-16,0 0 27 16,0 0 57-16,0 0-28 15,0 0-67-15,0 4-21 16,0 32 17-16,-7 15 68 16,-3 20-29-16,0 9-23 15,1 4-24-15,3 1-20 0,-4-7-1 16,-9-6-108-16,1-22-226 15,-4-22-1942-15</inkml:trace>
   <inkml:trace contextRef="#ctx0" brushRef="#br0" timeOffset="20215.73">4662 3940 1309 0,'0'0'410'0,"0"0"-410"0,0 0-15 16,0 0 15-16,0 0 32 16,0 0 160-16,0 0 65 15,0 0-173-15,0 0-27 16,0 2-4-16,0 15-34 16,0 6 20-16,0 11 4 15,0 9-18-15,0 7-7 16,0 4 9-16,0 6-7 15,0 6-9-15,0 4-9 16,0 7 8-16,0 10-4 16,0 6 2-16,0 15 2 0,0-8 16 15,0 1-26 1,0 15 11-16,0 2-10 0,0 34 8 16,0 4 0-16,0-26-9 15,0-32 12-15,0-30-11 16,0-6-1-16,3 10 1 15,2 10 0-15,-3 12-1 16,2-1 3-16,-1 0 3 16,1-2-11-16,-2 1 5 15,0 0 0-15,0-1 0 16,0 0 0-16,-2-5 0 16,3 0 1-16,-3-4 0 0,2-2 0 15,1-3 10-15,-1-4-11 16,0-4 0-16,3-6-1 15,-1-6 1-15,0-3 0 16,-2 0 0-16,3-1 0 16,-3 1-1-16,1-1 1 15,-3 1 5-15,0 1 5 16,0-5 10-16,0-2-10 16,0-5-10-16,0-9 12 15,0-8-5-15,0-5 17 16,0-4 14-16,0-3-20 15,0 2-1-15,0 0-4 16,0 2-1-16,0 1 7 16,0 0-2-16,0-1 1 15,0-4-2-15,0-2-3 0,0-2 0 16,0-3-4-16,0-3 0 16,0-1 5-16,0 1 0 15,0 3-3-15,0 6 0 16,2 4 10-16,0 0-4 15,3 3-8-15,-3 2 7 16,0-4-4-16,0-4-11 16,0-2 8-16,-2-6-8 15,0-3 6-15,0-2-1 16,0-1-1-16,0 0-4 16,0 0 9-16,0 0-10 15,0-11-8-15,-13-15-54 16,-5-9-47-16,-9-9-26 0,-4-8-36 15,-2-2-25 1,-3 4 33-16,1 4 163 0,6 10 56 16,8 10 113-16,6 5-50 15,6 10 10-15,6 2-18 16,3 5-42-16,0 3-45 16,0-2-14-16,0 3-5 15,0 0 1-15,0 0-1 16,0 0-5-16,0 18 17 15,8 11-16-15,9 10 40 16,8 6-27-16,2 0-9 0,2 1-5 16,0-9 0-1,-6-5 0-15,0-7 8 16,-5-8-8-16,-7-7 0 16,-5-6 5-16,-1-4 1 0,-2 0 27 15,1-2 7-15,5-18 11 16,4-12-11-16,7-12-14 15,7-8-4-15,4-9-12 16,0 0-10-16,1-1-2 16,-6 2-34-16,-13-13-62 15,-10 17-163-15,-3 12-1353 0</inkml:trace>
   <inkml:trace contextRef="#ctx0" brushRef="#br0" timeOffset="21193.8">4841 4195 824 0,'0'0'564'0,"0"0"-564"16,0 0-204-16,0 0 17 15,0 0 162-15,0 0 25 16,0 0 245-16,-75 18 26 16,72-18-42-16,3 0-30 15,0 0-138-15,0 0-61 16,0-6 0-16,3-6 2 0,1-2 8 16,2-4 16-16,1-4-3 15,-3-5 36-15,1 1 27 16,-5 1 22-16,0-1-19 15,0 5-54-15,0 8 13 16,0 2-23-16,-2 7-14 16,-14 4 29-16,-6 2-20 15,-10 26-12-15,-9 11 2 16,-5 8 0-16,0 8-2 16,-1-3-1-16,9-6 3 15,9-8 48-15,10-12-1 16,7-11-21-16,10-6-14 0,2-9 5 15,0 0 30 1,8-10 3-16,17-16-13 0,9-10-26 16,4-10 0-16,2-4-14 15,0 1-2-15,-7 3-5 16,-4 12 1 0,-6 9-1-16,-8 12 1 0,-3 13-1 15,1 0-23-15,5 24-4 16,1 19 27-16,8 11 8 15,2 1 12-15,2 1-20 16,10-3-43-16,-8-14-137 16,-4-20-545-16</inkml:trace>
@@ -1770,10 +1769,10 @@
   <inkml:trace contextRef="#ctx0" brushRef="#br0" timeOffset="40567.37">12998 3846 2248 0,'0'0'293'15,"0"0"-220"1,0 0-71-16,0 0 16 0,0 0 71 16,0 0 91-16,232-120-68 15,-57 35-63-15,29-7 2 16,5 2-27-16,-15 16-8 16,-27 16-12-16,-31 11 3 15,-34 18 20-15,-33 8-4 16,-20 10-13-16,-4 1-10 15,-9 1-12-15,-7 3-52 16,-18 4-102-16,-11-2-94 16,-7 0-72-16,-11-4-551 0</inkml:trace>
   <inkml:trace contextRef="#ctx0" brushRef="#br0" timeOffset="40802.55">14431 2863 2244 0,'0'0'301'0,"0"0"-169"0,0 0-32 15,0 0-55-15,0 0-45 16,0 0-23-16,0 0 22 16,36 49 2-16,-3 2 7 15,2 13-8-15,1 9 0 16,-7 1 0-16,-9 0 0 16,-9-3 0-16,-9-5 0 15,-2-6 0-15,0-3 0 0,-17-4-9 16,-10-5 2-16,-18 0-50 15,5-14-157-15,7-13-527 16</inkml:trace>
   <inkml:trace contextRef="#ctx0" brushRef="#br0" timeOffset="41708.08">15865 2484 1246 0,'0'0'230'0,"0"0"-171"0,0 0-34 15,0 0-1-15,0 0 9 16,0 0 84-16,0 0 1 15,90-78-18-15,-82 72 37 16,-2 2 32-16,-4 0-15 16,-2 2-51-16,0-2-26 15,0-2-9-15,0-3-3 16,0 1-7-16,0-5-26 16,-8 1-30-16,-9 0 13 15,-14 2-14-15,-12 4-2 16,-10 6-6-16,-15 0 7 15,-5 26 6-15,-4 14-5 16,-2 16 0-16,4 14-1 0,-1 29 1 16,16 27-1-16,26 26-4 15,32 8-27-15,11-28 4 16,36-34 27-16,-1-39 2 16,10-10 10-16,15-5 0 15,18-4-1-15,10-9 37 16,1-18 13-16,-11-13 1 15,-18-10-26-15,-24-24-22 16,-22-8-14-16,-23-8-26 16,-33-12-127-16,-19 9-106 15,0 13-682-15</inkml:trace>
-  <inkml:trace contextRef="#ctx0" brushRef="#br0" timeOffset="44862.76">16609 2905 1894 0,'0'0'392'15,"0"0"-302"-15,0 0-78 16,0 0 23-16,0 0 22 15,0 0-27-15,0 0-28 16,61-2 48-16,-14 2 37 16,11 0-16-16,2 0-56 0,0 0-15 15,-9 0-58-15,-8 2-57 16,-16 6-268-16,-14 0-681 0</inkml:trace>
-  <inkml:trace contextRef="#ctx0" brushRef="#br0" timeOffset="45012.26">16547 3148 2082 0,'0'0'451'0,"0"0"-451"15,0 0-1-15,0 0 1 16,0 0 63-16,181 0-2 16,-63-8-61-16,-16 0-24 15,-13-4-634-15</inkml:trace>
+  <inkml:trace contextRef="#ctx0" brushRef="#br0" timeOffset="44862.75">16609 2905 1894 0,'0'0'392'15,"0"0"-302"-15,0 0-78 16,0 0 23-16,0 0 22 15,0 0-27-15,0 0-28 16,61-2 48-16,-14 2 37 16,11 0-16-16,2 0-56 0,0 0-15 15,-9 0-58-15,-8 2-57 16,-16 6-268-16,-14 0-681 0</inkml:trace>
+  <inkml:trace contextRef="#ctx0" brushRef="#br0" timeOffset="45012.25">16547 3148 2082 0,'0'0'451'0,"0"0"-451"15,0 0-1-15,0 0 1 16,0 0 63-16,181 0-2 16,-63-8-61-16,-16 0-24 15,-13-4-634-15</inkml:trace>
   <inkml:trace contextRef="#ctx0" brushRef="#br0" timeOffset="58551.73">15325 3873 712 0,'0'0'561'16,"0"0"-126"-16,0 0-131 15,0 0-128-15,0 0 28 16,0 0-26-16,-17-63 44 0,17 63-139 16,0 0-44-16,0 0 42 15,0 0-57-15,0 0-24 16,0 0-3-16,0 0-27 15,19 0 0-15,14 0 30 16,23 0 3-16,32 0 2 16,44 0 0-16,29 0 8 15,-12-10-1-15,-33-1-11 16,-43-1 5-16,-29 2-2 16,1-1-3-16,-3-2-2 15,-4 2 1-15,-15 6-5 16,-15 4-33-16,-8 1-48 15,-2 22-155-15,-19 7-149 0,-2 1-92 16</inkml:trace>
-  <inkml:trace contextRef="#ctx0" brushRef="#br0" timeOffset="59561.76">15206 4611 1140 0,'0'0'222'16,"0"0"-155"-16,0 0-67 16,0 0 14-16,0 0 166 0,0 0-37 15,0 0 113-15,15 45 13 16,8-63-95-16,6-10-83 15,6-6-45-15,3-8-15 16,5-8 1-16,-1-6-16 16,2-1 3-16,-5 1-13 15,-4 6-5-15,-8 6 34 16,-10 12 7-16,-7 7-19 16,-6 14-1-16,-4 4-22 15,0 7-5-15,0 5-68 16,-2 25 48-16,-7 12 25 15,2 13 13-15,5 1 4 16,2-4-17-16,0-9-17 16,18-13-21-16,11-16 3 15,7-11 35-15,8-3 14 0,10-24 13 16,1-17 5-16,-4-7-15 16,-2-4-11-16,-9-4 5 15,-9 5 1-15,-6 8-6 16,-9 9 7-16,-9 14 4 15,-3 9-4-15,-4 11-13 16,0 5-54-16,0 21 7 16,0 11 47-16,2 8 9 15,5-1 16-15,4-2-25 16,7-9-2-16,4-15-15 16,7-7 1-16,5-11 16 15,5 0 0-15,4-21-92 16,1-8-172-16,-2-7-303 0,-1-4-330 15,-7-5 865 1,-10 4 32-16,-9 3 480 0,-3 5 2 16,-10 16 8-16,-2 8-268 15,0 9-209-15,0 11-13 16,-5 22-73-16,-8 14 73 16,-2 6 30-16,3 1-5 15,1-4-9-15,7-10-16 16,4-15 0-16,0-13-20 15,0-12 14-15,11 0 6 16,14-22 119-16,6-10-45 16,4-8-55-16,-1 0-10 0,-8 4-9 15,-5 8 5-15,-10 10 1 16,-5 12-6-16,-4 6-44 16,-2 6-45-16,2 19 48 15,1 12 41-15,4 5 30 16,2 0-16-16,4-4-14 15,1-10 0-15,-4-11-13 16,4-8 3-16,3-9 10 16,4-2 103-16,4-22-9 15,0-6-65-15,2-2-19 16,-6 4-1-16,-10 6 4 16,-4 11-13-16,-7 10-5 15,0 1-41-15,0 10-26 0,0 19 72 16,2 4 28-16,11 5-17 15,7 0-11-15,7-8-22 16,24-14-60-16,-8-7-78 16,-3-9-215-16</inkml:trace>
+  <inkml:trace contextRef="#ctx0" brushRef="#br0" timeOffset="59561.75">15206 4611 1140 0,'0'0'222'16,"0"0"-155"-16,0 0-67 16,0 0 14-16,0 0 166 0,0 0-37 15,0 0 113-15,15 45 13 16,8-63-95-16,6-10-83 15,6-6-45-15,3-8-15 16,5-8 1-16,-1-6-16 16,2-1 3-16,-5 1-13 15,-4 6-5-15,-8 6 34 16,-10 12 7-16,-7 7-19 16,-6 14-1-16,-4 4-22 15,0 7-5-15,0 5-68 16,-2 25 48-16,-7 12 25 15,2 13 13-15,5 1 4 16,2-4-17-16,0-9-17 16,18-13-21-16,11-16 3 15,7-11 35-15,8-3 14 0,10-24 13 16,1-17 5-16,-4-7-15 16,-2-4-11-16,-9-4 5 15,-9 5 1-15,-6 8-6 16,-9 9 7-16,-9 14 4 15,-3 9-4-15,-4 11-13 16,0 5-54-16,0 21 7 16,0 11 47-16,2 8 9 15,5-1 16-15,4-2-25 16,7-9-2-16,4-15-15 16,7-7 1-16,5-11 16 15,5 0 0-15,4-21-92 16,1-8-172-16,-2-7-303 0,-1-4-330 15,-7-5 865 1,-10 4 32-16,-9 3 480 0,-3 5 2 16,-10 16 8-16,-2 8-268 15,0 9-209-15,0 11-13 16,-5 22-73-16,-8 14 73 16,-2 6 30-16,3 1-5 15,1-4-9-15,7-10-16 16,4-15 0-16,0-13-20 15,0-12 14-15,11 0 6 16,14-22 119-16,6-10-45 16,4-8-55-16,-1 0-10 0,-8 4-9 15,-5 8 5-15,-10 10 1 16,-5 12-6-16,-4 6-44 16,-2 6-45-16,2 19 48 15,1 12 41-15,4 5 30 16,2 0-16-16,4-4-14 15,1-10 0-15,-4-11-13 16,4-8 3-16,3-9 10 16,4-2 103-16,4-22-9 15,0-6-65-15,2-2-19 16,-6 4-1-16,-10 6 4 16,-4 11-13-16,-7 10-5 15,0 1-41-15,0 10-26 0,0 19 72 16,2 4 28-16,11 5-17 15,7 0-11-15,7-8-22 16,24-14-60-16,-8-7-78 16,-3-9-215-16</inkml:trace>
   <inkml:trace contextRef="#ctx0" brushRef="#br0" timeOffset="59869.31">17120 3726 2312 0,'0'0'294'16,"0"0"-151"-16,0 0-86 16,0 0 32-16,0 0-33 15,0 0-56-15,0 0-9 16,-9-41-9-16,20 59 3 0,4 13 9 16,-1 12-15-1,-5 9-14-15,-9 11 27 0,0-2 8 16,0-5 16-16,-9-8 2 15,1-14 11-15,5-12 4 16,3-11-33-16,0-7-21 16,9-4 8-16,22 0 13 15,18-1 77-15,18-13-21 16,44-8-56-16,-13 1-104 16,-11 2-263-16</inkml:trace>
   <inkml:trace contextRef="#ctx0" brushRef="#br0" timeOffset="-199730.37">19549 2194 1417 0,'0'0'291'0,"0"0"-141"16,0 0-66-16,0 0-19 15,0 0-31-15,0 0-34 16,0 0-2-16,-56 54 2 16,33 8 24-16,-3 26-14 15,-8 27 36-15,5-7-15 0,2-10-4 16,4-16-27-16,4-24 2 16,2 2-8-16,-3-2 6 15,1-14-9 1,6-15-154-16,2-19-382 0</inkml:trace>
   <inkml:trace contextRef="#ctx0" brushRef="#br0" timeOffset="-199428.68">19749 2279 839 0,'0'0'1274'15,"0"0"-1071"-15,0 0-87 0,0 0-44 16,0 0-72-16,0 0-29 15,0 0-42-15,-63 90 71 16,11-13 0 0,-6 5-1-16,8-18 1 0,1 2 8 15,11-16-8-15,11-13 0 16,12-11-1-16,11-9-3 16,4-9-16-16,0-3-24 15,11 1 28-15,13 0 16 16,14 4 33-16,9 2-21 15,6-1 14-15,7 4-26 16,3-5-67-16,24-8-160 16,-13-2-163-16,-10 0-224 0</inkml:trace>
@@ -1795,7 +1794,7 @@
   <inkml:trace contextRef="#ctx0" brushRef="#br0" timeOffset="-194362.72">20460 4153 1556 0,'0'0'165'0,"0"0"-143"16,0 0 32-16,0 0 3 15,0 0-24-15,-100-115 13 16,62 75-43-16,-7 5 28 16,-8 6 6-16,-9 11 16 15,-6 15-2-15,-1 3-18 16,5 19 33-16,3 20-29 15,13 10-23-15,15 5-14 16,14-1 0-16,15-7-30 16,4-10-1-16,9-10-5 15,20-10 36-15,6-14 86 0,8-2 12 16,3-19-39-16,4-26-6 16,5-31-14-16,5-33-17 15,-11 1-20-15,-11 10 1 16,-11 16-3-16,-11 28 0 15,-3 9 43-15,-4 7 84 16,-7 22 30-16,-2 14-78 16,0 2-79-16,0 24-59 0,-7 44 59 15,-6 43 3-15,-1 1 29 16,6-4-13-16,3-18-19 16,5-29-17-16,0 8-101 15,0-8-119-15,0-21-250 16</inkml:trace>
   <inkml:trace contextRef="#ctx0" brushRef="#br0" timeOffset="-187003.04">25508 3352 1474 0,'0'0'398'0,"0"0"-186"0,0 0-45 16,0 0-17-16,0 0-35 15,0 0-25-15,-6-33-2 16,6 30-37-16,0 3-6 16,0 0-17-16,0 0-20 15,0-2-8-15,0 2-2 16,0 0-26-16,9-1-15 0,9 1 9 15,11 0 34 1,13 0 21-16,5 0-21 0,4 0-37 16,0 0-11-1,-1 1-30-15,-8 1-37 0,-5 1 28 16,-3-2-40-16,-8 3-112 16,-5 0-100-16,-13 0-338 15</inkml:trace>
   <inkml:trace contextRef="#ctx0" brushRef="#br0" timeOffset="-186821.83">25595 3491 163 0,'0'0'2020'16,"0"0"-2008"-16,0 0 24 0,0 0-36 15,0 0 105-15,121-3-51 16,-67-1-52-16,14 4-2 15,-10 0-144-15,-13 0-356 0</inkml:trace>
-  <inkml:trace contextRef="#ctx0" brushRef="#br0" timeOffset="-185126.21">26873 2752 1710 0,'0'0'329'0,"0"0"-230"16,0 0-76-1,0 0 2-15,0 0 20 0,0 0-14 16,0 0-14-16,4-35 31 15,-4 33 35-15,2 0-30 16,-2 0-20-16,2 2-31 16,-2-3 6-16,0 3-8 15,0-1 0-15,0 1-9 16,0 0 9-16,0 0-26 16,0 0-21-16,0 0-52 15,0 0-23-15,-4 10 17 16,-6 12 77-16,-3 10 28 15,-5 10 41-15,1 8-6 16,1 6-34-16,-1 2-1 16,3-2 3-16,1-3-6 15,2-12 3-15,1-4-1 16,6-11-17-16,-2-7-53 0,3-8-77 16,1-5-193-16,0-4-420 0</inkml:trace>
+  <inkml:trace contextRef="#ctx0" brushRef="#br0" timeOffset="-185126.22">26873 2752 1710 0,'0'0'329'0,"0"0"-230"16,0 0-76-1,0 0 2-15,0 0 20 0,0 0-14 16,0 0-14-16,4-35 31 15,-4 33 35-15,2 0-30 16,-2 0-20-16,2 2-31 16,-2-3 6-16,0 3-8 15,0-1 0-15,0 1-9 16,0 0 9-16,0 0-26 16,0 0-21-16,0 0-52 15,0 0-23-15,-4 10 17 16,-6 12 77-16,-3 10 28 15,-5 10 41-15,1 8-6 16,1 6-34-16,-1 2-1 16,3-2 3-16,1-3-6 15,2-12 3-15,1-4-1 16,6-11-17-16,-2-7-53 0,3-8-77 16,1-5-193-16,0-4-420 0</inkml:trace>
   <inkml:trace contextRef="#ctx0" brushRef="#br0" timeOffset="-184820.76">27050 2795 1653 0,'0'0'500'16,"0"0"-295"-16,0 0-91 15,0 0-6-15,0 0-25 16,0 0-49-16,0 0-34 15,41-64-61-15,-70 71-98 16,-10 14 159-16,-9 11 0 16,-2 6 14-16,4 2-13 0,11 0 16 15,12-4-17 1,12-5-17-16,11-5 10 0,0-5-22 16,7 0-8-16,18-5 37 15,8-3 7-15,4 2 12 16,5-3-19-16,-1-2-15 15,-1 0-90-15,4 2-104 16,-10-4-119-16,-8-4-320 0</inkml:trace>
   <inkml:trace contextRef="#ctx0" brushRef="#br0" timeOffset="-184364.85">27334 2959 1745 0,'0'0'259'0,"0"0"-138"0,0 0 81 16,0 0-66-16,0 0-105 16,0 0-31-16,0 0-79 15,-25-20 79-15,5 20-31 16,-1 9 29-16,6 0-5 16,7 1-11-16,2 2-58 15,6 3 19-15,0-2 19 16,4 3 17-16,8 5 21 15,1-1 18-15,-1-1 5 16,-1 4-23-16,-7-2-29 16,-4 2-10-16,0-3 11 15,-4-2-19-15,-15-4 47 16,-4-3 5-16,-4-5 9 16,0-4-14-16,0-2-173 0,8 0-278 15,9 0-308-15</inkml:trace>
   <inkml:trace contextRef="#ctx0" brushRef="#br0" timeOffset="-184196.17">27561 2996 1836 0,'0'0'503'0,"0"0"-392"16,0 0-111-16,0 0-113 15,0 0 59-15,0 0 52 16,-40 110-16-16,28-70-83 15,10-2-165-15,2-12-50 16,0-15-763-16</inkml:trace>
@@ -1810,24 +1809,24 @@
   <inkml:trace contextRef="#ctx0" brushRef="#br0" timeOffset="-180683.19">26928 3469 1591 0,'0'0'495'0,"0"0"-429"15,0 0 13-15,0 0 69 16,118 0-71-16,-56 0-16 16,34 4-17-16,38 0-1 15,47 3-1-15,21-2-2 16,10 1 8-16,-3-5-19 15,-6-1 6-15,8 0-17 16,1 0 0-16,0 0-18 16,-11 0 0-16,-21-5 23 15,-17-1-5-15,-38 0 10 16,-32 0 8-16,-24 2-14 16,-17-2-10-16,-2 0-10 15,-2-3 9-15,-7 4-7 16,-16-1-4-16,-14 4-4 0,-11-1-31 15,0 3-54-15,-19 0-148 16,-13 0-236-16,-3 0-1321 16</inkml:trace>
   <inkml:trace contextRef="#ctx0" brushRef="#br0" timeOffset="-180087.77">28381 4157 2001 0,'0'0'239'15,"0"0"-239"-15,0 0 0 16,0 0 20-16,0 0 15 16,0 0-35-16,0 0-12 15,-93-65-6-15,50 37-7 16,-9 2 25-16,-7 6-2 16,-7 12 2-16,-5 8 0 15,2 0 0-15,5 24 22 16,12 8 31-16,13 11-26 15,14 1-27-15,16-1-13 16,9 2 5-16,5-8-31 0,24-10 39 16,6-7 25-16,9-9 18 15,8-11 57-15,6 0-43 16,2-13-22-16,5-24-19 16,-1-13-2-16,5-29-14 15,7-34-16-15,-13 3-47 16,-13 12-20-16,-16 15 7 15,-18 32 76-15,-4 6 80 16,-2 9 54-16,-8 16 32 16,-2 14-34-16,0 6-121 15,0 0-11-15,0 31-33 16,-8 36 33-16,-4 46 27 16,5 2 2-16,5-4-18 15,2-16-3-15,0-31 10 0,5 2-18 16,1 9-84-16,-2-23-68 15,2-19-232-15</inkml:trace>
   <inkml:trace contextRef="#ctx0" brushRef="#br0" timeOffset="-149086.43">16298 5853 1608 0,'0'0'503'0,"0"0"-381"16,0 0-89-16,0 0 24 16,0 0 30-16,0 0-30 15,0 0-10-15,0 0 23 16,0 0 5-16,0 0-35 0,0 0-12 16,0 0-3-16,0 0-19 15,0 0 18 1,0 0 2-16,0 0-19 15,0 0 6-15,0 0 3 16,0 0-7-16,0 0-9 0,0 0-1 16,0 0-7-16,6 0-9 15,12 0 17-15,14 0-7 16,7 0 4-16,11 0-26 16,6 0-27-1,0 0-30-15,-2 0-15 0,-2 0 5 16,-8 2-62-16,-5 4-132 15,-12-2-118-15,-12 3-222 0</inkml:trace>
-  <inkml:trace contextRef="#ctx0" brushRef="#br0" timeOffset="-148849.14">16280 6057 1802 0,'0'0'323'0,"0"0"-256"16,0 0-55-16,0 0 2 16,0 0 9-16,0 0 30 15,0 0 33-15,65 0-11 16,-34 0-34-16,5 0-22 16,-1 0-19-16,1 0-61 15,13 0-102-15,-9 3-237 0,-7-3-622 16</inkml:trace>
+  <inkml:trace contextRef="#ctx0" brushRef="#br0" timeOffset="-148849.15">16280 6057 1802 0,'0'0'323'0,"0"0"-256"16,0 0-55-16,0 0 2 16,0 0 9-16,0 0 30 15,0 0 33-15,65 0-11 16,-34 0-34-16,5 0-22 16,-1 0-19-16,1 0-61 15,13 0-102-15,-9 3-237 0,-7-3-622 16</inkml:trace>
   <inkml:trace contextRef="#ctx0" brushRef="#br0" timeOffset="-147959.16">17697 5791 2018 0,'0'0'342'15,"0"0"-246"-15,0 0-58 16,0 0 49-16,0 0-7 16,0 0 7-16,0 0-33 15,-7-91-21-15,3 83-6 0,-1 2-4 16,1 2 1-16,0 3-17 16,-1 1-7-16,-4 0-22 15,-6 0-5-15,-4 1-10 16,-4 14 29-16,-4 6-3 15,0 8-12-15,0 9 4 16,0 8-24-16,7 8-15 16,5 4 20-16,8 2-31 15,7-2-23-15,0-2 33 16,22-9 8-16,11-8 29 16,6-14 10-16,3-6 10 15,3-13 2-15,1-6 26 16,1-3 50-16,-2-19 19 0,-3-8 2 15,-4-9 17 1,-7-10-13-16,-7-5-19 0,-6-7-16 16,-11-3-19-16,-7 2 10 15,0 4-5-15,-20 2-21 16,-9 10-21-16,-7 5-10 16,-2 14-11-16,-4 10-21 15,-1 16-70-15,1 1-68 16,-4 34-57-16,10 1-40 15,14 2-293-15</inkml:trace>
   <inkml:trace contextRef="#ctx0" brushRef="#br0" timeOffset="-147523.43">18240 5978 2022 0,'0'0'233'15,"0"0"-162"-15,0 0-37 16,0 0-2-16,0 0-23 15,0 0-9-15,0 0-12 0,52-6 12 16,-50 6 0 0,5 7 1-16,-3 6 2 0,-2-3-3 15,-2-1-1-15,0-4-1 16,0-1 2-16,0-4 89 16,-4 0 48-16,-3 0-8 15,-1-3-16-15,-1-8-46 16,4-6-28-16,0 1-16 15,5 0-23-15,0 0 0 16,0 4-12-16,0 5-26 16,0 1-17-16,5 6-40 15,-3 0-65-15,3 3-66 16,0 12-147-16,1 0-1026 0</inkml:trace>
   <inkml:trace contextRef="#ctx0" brushRef="#br0" timeOffset="-146896.78">18963 5861 1649 0,'0'0'530'0,"0"0"-372"16,0 0-24-16,0 0 47 0,0 0-27 15,73-110-58-15,-71 84-34 16,-2-4-8-16,0-1-42 16,-13 3-4-16,-9 5-7 15,-7 1-1-15,-3 5 0 16,-5 7-17-16,-6 5 9 15,3 5 7-15,0 0-4 16,7 2-2-16,6 14-2 16,9 4-10-16,7 0-28 15,7 4-2-15,4 2 17 16,0-1-8-16,19 4 22 16,12-2 18-16,10 3-2 15,5-1-3-15,6 0-49 16,0 7-23-16,-6-3-42 15,-6 5-7-15,-11 0-40 0,-11 3 12 16,-12-3 72-16,-6-2 1 16,-6-6 81-16,-21-6 27 15,-8-4 120-15,-7-4 6 16,-4-4-24-16,7-6 6 16,5-1-24-16,10-5-27 15,7 0 2-15,11-6-19 16,6-15-29-16,0-7 9 15,14-9-25-15,10-11-4 16,14-5-6-16,6-8-12 16,10 1-7-16,4 0-17 15,0 6-79-15,13-6-87 0,-13 16-64 16,-11 8-218-16</inkml:trace>
   <inkml:trace contextRef="#ctx0" brushRef="#br0" timeOffset="-145770.98">19468 5718 1460 0,'0'0'351'16,"0"0"-258"-16,0 0-15 15,0 0 98-15,0 0-34 16,0 0-47-16,0 0-9 16,34-29-35-16,-16 21-8 15,7 2-30-15,0 2-3 16,8 0 5-16,0 1-15 16,0 3-8-16,1 0 7 0,-5 4 0 15,-3 13-49 1,-4 1-11-16,-6 8-20 0,-7 4 0 15,-9 3 13-15,0 9-11 16,-19-3-22-16,-14 5 17 16,-9-2 26-16,-4-2 27 15,-4-4 30-15,3-4 1 16,10-6 13-16,5-5 38 16,10-7 48-16,11-4 1 15,9-6-33-15,2-4 8 16,0 2-34-16,11-2 9 15,16 0 57-15,8 0-27 16,8 0-42-16,5 0-10 16,4 0-21-16,0 0 2 15,6 0-9-15,-14 0-100 0,-11 0-201 16</inkml:trace>
   <inkml:trace contextRef="#ctx0" brushRef="#br0" timeOffset="-145142.89">20266 5805 1232 0,'0'0'1024'0,"0"0"-908"16,0 0-82-1,0 0 23-15,0 0 45 0,0 0-40 16,0 0-43-16,40-64-15 16,-18 57-2-16,7 0 4 15,7 1 14-15,-1 3 3 16,-1 2-11-16,-5 1-5 15,-7 0-7-15,-8 0-1 16,-10 0-20-16,-4 12-41 16,-7 6 17-16,-22 8 21 15,-9 2 24-15,-8 0-1 16,-1-2 0-16,5-6 2 16,6-6 10-16,12-2 20 15,10-6-14-15,5-2-17 16,9 1-13-16,0-5 12 0,0 1 1 15,12 4 1-15,9 2 6 16,11 0 6-16,5 6-3 16,4 4-8-16,1-2 3 15,-6 7-5-15,-5 3-10 16,-7-1 10-16,-10 2 0 16,-14 2 0-16,0-2-15 15,-27-2 0-15,-20-2 13 16,-13-4 2-16,-13-8 22 0,-3-5 38 15,2-5 13-15,6 0 5 16,7 0-7 0,10-5-23-16,13-7-27 0,9-4-21 15,11-12-99-15,9 1-167 16,9 1-1609-16</inkml:trace>
   <inkml:trace contextRef="#ctx0" brushRef="#br0" timeOffset="-137968.45">21407 6217 1696 0,'0'0'318'0,"0"0"-206"16,0 0-80-16,0 0-10 15,0 0 45-15,0 0-20 16,82-115 10-16,-60 86-14 16,1-5 13-16,3-6-24 15,3-6 6-15,3-2-5 16,-3-4-12-16,2 0 21 15,-4 4-29-15,-3 6-12 16,-4 10-1-16,-6 12 11 16,-8 8 3-16,-4 7-13 15,-2 5 21-15,0 3-22 16,0 19-15-16,0 9 15 16,-10 13 1-16,0 6 10 15,1 3-11-15,3 1-9 0,4-4 8 16,0-4-14-1,2-7 9-15,0-12-1 0,0-9 0 16,0-7 5-16,6-9 1 16,3-2 1-16,5 0 38 15,3-10 5-15,8-12 3 16,1-10-2-16,6-4-25 16,-3-4 18-16,0-1-17 15,-5 5 10-15,-4 3 12 16,-4 8 6-16,-3 9-17 15,-9 6-17-15,0 5-11 16,-4 5-3-16,0 0 0 16,0 0-7-16,0 17-16 15,0 9 23-15,8 8 0 0,1 2 6 16,-1 1-6-16,6 0 0 16,-1-7-36-16,-1-4-35 15,1-8-38-15,0-4-33 16,7-14-39-16,-4 0-267 15,-1 0-1260-15</inkml:trace>
-  <inkml:trace contextRef="#ctx0" brushRef="#br0" timeOffset="-137681.14">22345 5698 404 0,'0'0'1763'0,"0"0"-1541"0,0 0-136 15,15-121 24-15,-15 98 4 16,0 7-44-16,0 8-24 15,0 6-39-15,0 2-7 16,0 0-53-16,0 19 20 16,0 15 33-16,0 13 2 15,0 14 5-15,0 7 11 16,0 4-5-16,-2-2-13 16,0-6 8-16,-2-4-8 15,2-10 0-15,2-6 1 16,0-11-1-16,0-10-33 15,0-8-45-15,0-9-44 16,0-6-79-16,0-6-141 0,0-15-256 16</inkml:trace>
+  <inkml:trace contextRef="#ctx0" brushRef="#br0" timeOffset="-137681.15">22345 5698 404 0,'0'0'1763'0,"0"0"-1541"0,0 0-136 15,15-121 24-15,-15 98 4 16,0 7-44-16,0 8-24 15,0 6-39-15,0 2-7 16,0 0-53-16,0 19 20 16,0 15 33-16,0 13 2 15,0 14 5-15,0 7 11 16,0 4-5-16,-2-2-13 16,0-6 8-16,-2-4-8 15,2-10 0-15,2-6 1 16,0-11-1-16,0-10-33 15,0-8-45-15,0-9-44 16,0-6-79-16,0-6-141 0,0-15-256 16</inkml:trace>
   <inkml:trace contextRef="#ctx0" brushRef="#br0" timeOffset="-137454.02">22314 5588 2140 0,'0'0'335'15,"0"0"-250"-15,0 0-62 16,0 0 58-16,0 0-19 16,11-116-7-16,11 103-17 15,7 0 2-15,9 1 17 16,6 4-11-16,3 2-18 16,0 3-27-16,0 3-2 15,-5 0-4-15,-7 0-16 0,-3 5-79 16,-10 19-49-16,-11 0-109 15,-9-2-433-15</inkml:trace>
   <inkml:trace contextRef="#ctx0" brushRef="#br0" timeOffset="-137264.97">22354 5884 2244 0,'0'0'405'0,"0"0"-325"15,0 0-21-15,0 0 31 16,0 0-23-16,140-11-26 0,-80 3-32 16,0 2-9-16,2 4-3 15,13 0-78 1,-17 2-165-16,-14 0-611 0</inkml:trace>
   <inkml:trace contextRef="#ctx0" brushRef="#br0" timeOffset="-136720.95">23441 5853 718 0,'0'0'1477'0,"0"0"-1335"15,0 0-104-15,0 0-18 16,0 0 27-16,0 0 3 16,0 0 50-16,56-69 32 15,-56 69-18-15,0 0-39 16,0 0-33-16,0 0-24 15,0 0-10-15,0 0-8 16,0 0-15-16,-7 0-15 0,-11 8 17 16,-13 13 11-16,-13 8 2 15,-16 14 0-15,-36 24-1 16,-43 27-9-16,-44 24 0 16,-17 6-9-16,15-14 19 15,43-27 10-15,52-30-4 16,32-22 16-16,10-4 6 15,1 0-11-15,0 1-17 16,6-2 0-16,18-10 1 16,7-6-1-16,11-4-4 15,3-6-5-15,2 2 8 16,0-2 0-16,0 0 0 16,0 0 1-16,0 0-11 15,0 0-51-15,0 0-86 16,2 0-190-16,11 0-461 0</inkml:trace>
   <inkml:trace contextRef="#ctx0" brushRef="#br0" timeOffset="-126624.73">23089 6535 509 0,'0'0'1065'0,"0"0"-821"16,0 0-180-16,0 0-33 15,0 0 35-15,2-4 25 0,-2 4 1 16,0 0 36-1,0 0-14-15,0 0-59 0,0 0-37 16,0 0-17-16,0 0 0 16,0 8-1-16,0 8 0 15,0 10 9-15,-9 10-7 16,-4 10 0-16,-5 8-2 16,0 7-10-16,-2 1 10 15,1 1-9-15,-2-7 9 16,3-6-1-16,3-12-5 15,3-11 6-15,8-9 5 16,-1-7 22-16,5-8 7 16,0-3 16-16,0 0 2 0,0 0-5 15,0-7 13 1,0-15-10-16,5-13-32 0,4-7-7 16,4-8-3-16,1-6-8 15,3-4 12-15,6-5-11 16,0 1-1-16,0 6 0 15,0 6-1 1,-3 12 1-16,-5 10 2 0,-3 8-2 16,-5 10 1-16,-3 5 12 15,-2 4-12-15,-2 3-1 16,2 0 0-16,0 0-7 16,1 13-12-16,3 18 19 15,4 13 0-15,-2 12 2 16,3 8-2-16,1 7 1 15,-1 3-6-15,-1-4 5 0,0 0-1 16,-1-6-25-16,-1-8 10 16,-3-9-7-16,0-11-30 15,-1-10 1 1,-4-12-31-16,0-6-23 0,0-8-44 16,-2 0-72-16,-10-3-997 15</inkml:trace>
   <inkml:trace contextRef="#ctx0" brushRef="#br0" timeOffset="-126429.75">22973 6819 2345 0,'0'0'393'16,"0"0"-304"-16,0 0-76 15,0 0-7-15,0 0 13 16,0 0-11-16,0 0-8 15,121-22 0-15,-73 13-97 16,-7 0-133-16,-8-1-665 0</inkml:trace>
-  <inkml:trace contextRef="#ctx0" brushRef="#br0" timeOffset="-125697.17">23368 6368 753 0,'0'0'1124'16,"0"0"-933"-16,0 0-143 16,0 0-23-16,0 0-14 15,0 0 1-15,0 0-11 16,93-46 1-16,-75 44 1 16,-2 2-2-16,-8 0 1 15,-3 0-2-15,-5 0-2 16,0 14-13-16,-13 5 14 0,-12 0 1 15,-4 1 0 1,2-3 9-16,8-8 82 0,3-2 24 16,9-5-37-16,3 0-10 15,4-2 7-15,0 0-11 16,0 0-16-16,0 0-14 16,0 0-24-16,0 0-10 15,0-7-16-15,0-1-3 16,0 1 13-16,0-2 5 15,0 2 1-15,0-2 2 0,0 1-1 16,0 2 9-16,0 1 0 16,0 2 3-16,0 2 26 15,0 1 3-15,0 0-20 16,0 0-22-16,0 0-8 16,0 11-4-16,-5 13 7 15,-2 4-2-15,3 4 7 16,4-1 1-16,0-5 1 15,0-8 3-15,0-6-5 16,0-6 0-16,0-5 9 16,4-1 19-16,3 0 14 15,2-12 26-15,2-15-2 16,3-10-17-16,-1-3-27 0,-5 0-6 16,0 2-16-16,-6 8 8 15,-2 9-8-15,0 4-16 16,0 9-77-16,-18 8-75 15,-5 0-160-15,4 14-589 0</inkml:trace>
+  <inkml:trace contextRef="#ctx0" brushRef="#br0" timeOffset="-125697.18">23368 6368 753 0,'0'0'1124'16,"0"0"-933"-16,0 0-143 16,0 0-23-16,0 0-14 15,0 0 1-15,0 0-11 16,93-46 1-16,-75 44 1 16,-2 2-2-16,-8 0 1 15,-3 0-2-15,-5 0-2 16,0 14-13-16,-13 5 14 0,-12 0 1 15,-4 1 0 1,2-3 9-16,8-8 82 0,3-2 24 16,9-5-37-16,3 0-10 15,4-2 7-15,0 0-11 16,0 0-16-16,0 0-14 16,0 0-24-16,0 0-10 15,0-7-16-15,0-1-3 16,0 1 13-16,0-2 5 15,0 2 1-15,0-2 2 0,0 1-1 16,0 2 9-16,0 1 0 16,0 2 3-16,0 2 26 15,0 1 3-15,0 0-20 16,0 0-22-16,0 0-8 16,0 11-4-16,-5 13 7 15,-2 4-2-15,3 4 7 16,4-1 1-16,0-5 1 15,0-8 3-15,0-6-5 16,0-6 0-16,0-5 9 16,4-1 19-16,3 0 14 15,2-12 26-15,2-15-2 16,3-10-17-16,-1-3-27 0,-5 0-6 16,0 2-16-16,-6 8 8 15,-2 9-8-15,0 4-16 16,0 9-77-16,-18 8-75 15,-5 0-160-15,4 14-589 0</inkml:trace>
   <inkml:trace contextRef="#ctx0" brushRef="#br0" timeOffset="-124819.31">23762 6250 2304 0,'0'0'331'16,"0"0"-250"-16,0 0-53 15,0 0-6-15,0 0 6 16,0 0-14-16,136-100 8 0,-92 90 15 16,3 0 10-16,3 3-7 15,-6 6-16-15,-9-2-12 16,-8 3-7-16,-11 0-1 16,-9 3-4-16,-7 15-9 15,0 12-11-15,-25 11-14 16,-11 9 7-16,-13 5-38 15,-2-3 24-15,2-7 33 16,7-10-4-16,11-11 12 16,10-7 25-16,13-9 23 15,8-4 11-15,0-4 13 16,0 0 6-16,21 0-9 16,20-7-10-16,16-6 16 0,20-5-14 15,14-3-36 1,7 4-2-16,2 1 0 0,-9 1 9 15,-10 6 2-15,-17 2-5 16,-20 3-9-16,-15 2 1 16,-15 2-18-16,-11 0 5 15,-3 0-8-15,0 0 0 16,0 0 5-16,0 0-5 16,0 0-3-16,0 0-4 15,0 0-11-15,0 0-27 16,0 0-39-16,0 0-21 15,-7 0-60-15,-20 20-55 16,-2-3-94-16,0-1-799 0</inkml:trace>
   <inkml:trace contextRef="#ctx0" brushRef="#br0" timeOffset="-98491.52">11590 8791 453 0,'0'0'580'0,"0"0"-354"16,0 0-133-16,0 0 31 15,0 0 38-15,0 0-100 16,-34-66 38-16,34 62-58 16,-2 0 17-16,0 2 12 15,-2 0-12-15,-1 2-3 16,-1-2-5-16,-2 2-27 16,0 0-24-16,-5 0-1 0,-1 0-5 15,-3 0 6-15,-2 0 1 16,-1 0 25-16,3 0 11 15,-2 0-7-15,4 0 16 16,1 0-14-16,4 0 1 16,1 0 26-16,5 0 14 15,1 0 30-15,3 0-20 16,0 0-21-16,0 0-20 16,0 0-15-16,0 0-25 15,3 0-2-15,10 0 5 16,9 0-5-16,12 0 11 0,5 0-5 15,9 0-4-15,-2 0-2 16,3 0 2-16,-2 0 4 16,0 0-6-16,-3 2 1 15,-6-2-1-15,-7 2-10 16,-6-2-37-16,-7 2-44 16,-10-1-65-16,-8 7-51 15,0 1-140-15,-4 3-55 0</inkml:trace>
   <inkml:trace contextRef="#ctx0" brushRef="#br0" timeOffset="-98274.47">11354 8945 1161 0,'0'0'870'0,"0"0"-676"16,0 0-111-16,0 0-3 15,0 0-61-15,0 0-18 16,0 0 83-16,120-10 2 15,-53 1-39-15,4 1-25 16,-2 2-15-16,-7-1-1 16,-4 5-6-16,3 2-89 15,-16 0-192-15,-12 0-685 0</inkml:trace>
-  <inkml:trace contextRef="#ctx0" brushRef="#br0" timeOffset="-97116.12">13247 8369 1132 0,'0'0'430'15,"0"0"-299"-15,0 0-72 16,0 0 43-16,0 0-38 16,23-101 30-16,-17 82-35 0,3 5 20 15,1 3-4 1,-4-2-2-16,1 5-5 0,-1 0-37 15,-2 4 5-15,0-1 6 16,-4 4-1-16,2 1-3 16,-2 0 14-16,2 0-7 15,-2 0-1-15,0 0-23 16,2 0-19-16,-2 0-4 16,0 0-7-16,0 0-14 15,0 0-18-15,-2 14-54 16,-14 12 53-16,-13 11-15 15,-11 8 49-15,-12 14-74 16,-10 5 14-16,-5 5 19 0,3-4 49 16,8-1 13-1,10-7 15-15,14-11-2 0,14-8-26 16,18-10-39-16,0-8 6 16,29-8 33-16,19-6 22 15,14-6 20-15,11 0-25 16,4 0-5-16,2-10 0 15,-8-8-10-15,-7-2-2 16,-12-4 1-16,-12-2 17 16,-13-3-18-16,-11-4 35 15,-10-4 20-15,-6-2 51 16,0-2 25-16,-2 3-23 0,-9 6-18 16,0 4-43-16,0 8-21 15,4 6-14 1,2 8 0-16,3 4-12 15,2 2-4-15,-2 4-23 16,2 25-38-16,-2 26 65 0,-3 32 14 16,3 1-10-16,-2 6 4 15,-1 0 1-15,1-18 1 16,-6 7-10-16,0-11-29 16,-9 4-168-16,4-18-130 15,4-20-849-15</inkml:trace>
+  <inkml:trace contextRef="#ctx0" brushRef="#br0" timeOffset="-97116.13">13247 8369 1132 0,'0'0'430'15,"0"0"-299"-15,0 0-72 16,0 0 43-16,0 0-38 16,23-101 30-16,-17 82-35 0,3 5 20 15,1 3-4 1,-4-2-2-16,1 5-5 0,-1 0-37 15,-2 4 5-15,0-1 6 16,-4 4-1-16,2 1-3 16,-2 0 14-16,2 0-7 15,-2 0-1-15,0 0-23 16,2 0-19-16,-2 0-4 16,0 0-7-16,0 0-14 15,0 0-18-15,-2 14-54 16,-14 12 53-16,-13 11-15 15,-11 8 49-15,-12 14-74 16,-10 5 14-16,-5 5 19 0,3-4 49 16,8-1 13-1,10-7 15-15,14-11-2 0,14-8-26 16,18-10-39-16,0-8 6 16,29-8 33-16,19-6 22 15,14-6 20-15,11 0-25 16,4 0-5-16,2-10 0 15,-8-8-10-15,-7-2-2 16,-12-4 1-16,-12-2 17 16,-13-3-18-16,-11-4 35 15,-10-4 20-15,-6-2 51 16,0-2 25-16,-2 3-23 0,-9 6-18 16,0 4-43-16,0 8-21 15,4 6-14 1,2 8 0-16,3 4-12 15,2 2-4-15,-2 4-23 16,2 25-38-16,-2 26 65 0,-3 32 14 16,3 1-10-16,-2 6 4 15,-1 0 1-15,1-18 1 16,-6 7-10-16,0-11-29 16,-9 4-168-16,4-18-130 15,4-20-849-15</inkml:trace>
   <inkml:trace contextRef="#ctx0" brushRef="#br0" timeOffset="-96717.79">14488 8468 1513 0,'0'0'573'0,"0"0"-407"0,0 0-51 15,0 0 29-15,0 0-121 16,0 0 13-16,0 0-36 16,-44 82 22-16,15-32-21 15,-4 7 4-15,-5-1-5 16,-3 0 0-16,-3-8-20 16,0-8-52-16,1-8-17 15,-3-12-66-15,7-8-244 16,13-12-776-16</inkml:trace>
   <inkml:trace contextRef="#ctx0" brushRef="#br0" timeOffset="-96542.9">14076 8604 1190 0,'0'0'1233'0,"0"0"-971"0,0 0-121 16,0 0-73-16,0 0-60 15,0 0 11-15,0 0 24 16,123 121-12-16,-74-70-24 15,4-2 5-15,3-6-12 16,-2-10-9-16,15-2-42 16,-16-10-103-16,-9-8-247 0</inkml:trace>
   <inkml:trace contextRef="#ctx0" brushRef="#br0" timeOffset="-90594.26">17637 8285 1437 0,'0'0'833'16,"0"0"-719"-16,0 0-38 15,0 0 25-15,0 0-50 0,0 0 1 16,0 0-41-16,-31 37-7 16,2 4-3-16,-12 14 15 15,-5 5-16 1,-10 2 0-16,-2-2 0 0,-2-6 16 16,4-8-7-16,5-9-9 15,12-11-19-15,0-15-81 16,12-9-136-16,10-2-543 15</inkml:trace>
@@ -1846,7 +1845,7 @@
   <inkml:trace contextRef="#ctx0" brushRef="#br0" timeOffset="-62038.54">20972 8570 1674 0,'0'0'475'0,"0"0"-453"0,0 0 169 15,0 0 90-15,0 0-64 16,121-12-97-16,-63-2-55 15,8 0-31-15,1 0-13 16,-5-1-3-16,-6 8-10 16,-9 1-8-16,-4 4-42 15,-14 2-163-15,-14 0-516 0</inkml:trace>
   <inkml:trace contextRef="#ctx0" brushRef="#br0" timeOffset="-61659.65">22086 8266 2300 0,'0'0'347'0,"0"0"-191"16,0 0 0-16,0 0-63 16,0 0-39-16,0 0-37 15,0 0-17-15,-33 12-3 16,0 23 3-16,-28 34 5 16,-24 42-4-16,-25 37 1 15,-13 16-2-15,5-6-14 0,24-33 3 16,32-44-2-1,12-20-55-15,13-15 55 0,-1-2 7 16,3-1 6-16,3-7 0 16,14-14 0-16,16-18-86 15,2-4-212-15,0 0-949 0</inkml:trace>
   <inkml:trace contextRef="#ctx0" brushRef="#br0" timeOffset="-61061.84">21718 8879 1388 0,'0'0'833'0,"0"0"-694"16,0 0-73-16,0 0-7 15,0 0-48-15,0 0 8 16,0 0 16-16,12 116-15 16,-10-69-10-16,3-6 0 15,-1-5-9-15,-2-6 5 16,0-16-5-16,1-5 12 16,1-7 59-16,0-2 54 15,6-6-27-15,3-16-25 0,7-8-45 16,3-8-15-1,0-2-4-15,2 1-3 0,-2 8-6 16,-8 8 0-16,-3 9 0 16,-10 9-1-16,-2 5-23 15,0 3-21-15,0 19 16 16,0 10 28-16,-2 3 18 16,-1 0-5-16,3-6-7 15,0-11-6-15,0-8-19 16,0-7 19-16,11-3 8 15,7-3 23-15,6-19 24 16,5-9-28-16,8-5-16 16,0-2-7-16,-3 2 2 15,-5 8-2-15,-10 10 1 16,-7 8 4-16,-8 10 26 0,-4 0-11 16,0 18-16-16,0 18 8 15,7 14 14-15,1 5-5 16,6 1-25-16,1-8 0 15,1-6-40-15,-5-10-99 16,-4-11-136-16,-7-14-1374 16</inkml:trace>
-  <inkml:trace contextRef="#ctx0" brushRef="#br0" timeOffset="-59063.85">13617 10022 1852 0,'0'0'336'0,"0"0"-282"15,0 0-12-15,0 0 94 16,0 0-20-16,0 0-33 16,0 0-24-16,-40-16-32 15,40 14 35-15,0 2-9 16,0 0 6-16,0 0-29 16,0-3 5-16,0 3 4 15,0 0-10-15,0-1-16 16,9 0-13-16,7-2 0 0,8 1 32 15,10-4 10-15,15 0 3 16,11-2-20-16,11-3-14 16,16 2-2-16,27-3 0 15,33-4-4-15,28-1 1 16,13 2-5-16,-8-1 3 16,-12 6-3-16,-12-1 7 15,0 5-5-15,0 2-3 16,-1 0 0-16,-1 3 0 15,-4 1 0-15,-7-2 1 16,-12-1-1-16,-9 2 0 16,-3-3 0-16,-4 0 2 15,-16 0-3-15,-16-2 1 16,-16 1 0-16,1 2 7 16,9-1-7-16,10-2 0 0,13-1 1 15,-4 1 0-15,0 0-1 16,-3 0-2-16,4 0 2 15,-4 0 0-15,3 3 2 16,0-4-1-16,0 1-1 16,-1 1 0-16,3-2 4 15,0 1-4-15,3 1 0 16,1-4 0-16,2 1 5 16,2 2-5-16,0-2 0 15,0 2-5-15,-2 0 5 16,-2-1-6-16,-3 1 5 15,-1-3 1-15,-3 1 0 16,1 2 5-16,-2 2-5 0,-1-2 0 16,-1 0 0-1,-3-2 0-15,-2 2 0 0,-2 0 0 16,-3 0-5-16,0 0 5 16,1 2 1-16,-1-2-1 15,1 4 1-15,-1-2 3 16,2 2 4-16,-1-1-8 15,2 1-2-15,2-1 2 16,-1 1 0-16,1 0 0 16,2 0 4-16,3-2-4 15,4 2 0-15,-1-2 0 16,3 2 0-16,1 0 0 16,1 2 0-16,2 0 0 15,-1-2 1-15,1 2-1 16,-4 0 0-16,-2-2 0 0,-5 2 8 15,-8 0-8 1,-8-3 0-16,-8 2 4 0,-9 1 0 16,-11-2 4-16,-11 2-4 15,-7 0 2-15,-12 0-5 16,-3 0 0-16,-8 0-1 16,-3 0 0-16,-3 0 0 15,0 0-5-15,0 0-5 16,0 0-10-16,0 0-28 15,-11 0-40-15,-10 2-35 16,-37 14-9-16,6 0-131 16,-6-4-527-16</inkml:trace>
+  <inkml:trace contextRef="#ctx0" brushRef="#br0" timeOffset="-59063.86">13617 10022 1852 0,'0'0'336'0,"0"0"-282"15,0 0-12-15,0 0 94 16,0 0-20-16,0 0-33 16,0 0-24-16,-40-16-32 15,40 14 35-15,0 2-9 16,0 0 6-16,0 0-29 16,0-3 5-16,0 3 4 15,0 0-10-15,0-1-16 16,9 0-13-16,7-2 0 0,8 1 32 15,10-4 10-15,15 0 3 16,11-2-20-16,11-3-14 16,16 2-2-16,27-3 0 15,33-4-4-15,28-1 1 16,13 2-5-16,-8-1 3 16,-12 6-3-16,-12-1 7 15,0 5-5-15,0 2-3 16,-1 0 0-16,-1 3 0 15,-4 1 0-15,-7-2 1 16,-12-1-1-16,-9 2 0 16,-3-3 0-16,-4 0 2 15,-16 0-3-15,-16-2 1 16,-16 1 0-16,1 2 7 16,9-1-7-16,10-2 0 0,13-1 1 15,-4 1 0-15,0 0-1 16,-3 0-2-16,4 0 2 15,-4 0 0-15,3 3 2 16,0-4-1-16,0 1-1 16,-1 1 0-16,3-2 4 15,0 1-4-15,3 1 0 16,1-4 0-16,2 1 5 16,2 2-5-16,0-2 0 15,0 2-5-15,-2 0 5 16,-2-1-6-16,-3 1 5 15,-1-3 1-15,-3 1 0 16,1 2 5-16,-2 2-5 0,-1-2 0 16,-1 0 0-1,-3-2 0-15,-2 2 0 0,-2 0 0 16,-3 0-5-16,0 0 5 16,1 2 1-16,-1-2-1 15,1 4 1-15,-1-2 3 16,2 2 4-16,-1-1-8 15,2 1-2-15,2-1 2 16,-1 1 0-16,1 0 0 16,2 0 4-16,3-2-4 15,4 2 0-15,-1-2 0 16,3 2 0-16,1 0 0 16,1 2 0-16,2 0 0 15,-1-2 1-15,1 2-1 16,-4 0 0-16,-2-2 0 0,-5 2 8 15,-8 0-8 1,-8-3 0-16,-8 2 4 0,-9 1 0 16,-11-2 4-16,-11 2-4 15,-7 0 2-15,-12 0-5 16,-3 0 0-16,-8 0-1 16,-3 0 0-16,-3 0 0 15,0 0-5-15,0 0-5 16,0 0-10-16,0 0-28 15,-11 0-40-15,-10 2-35 16,-37 14-9-16,6 0-131 16,-6-4-527-16</inkml:trace>
   <inkml:trace contextRef="#ctx0" brushRef="#br0" timeOffset="-53462.1">16152 10368 712 0,'0'0'1045'0,"0"0"-980"16,0 0-65-16,0 0 32 15,0 0 66-15,0 0 0 16,-6 3-32-16,6 2-8 16,0 1-4-16,0 3-10 15,0-1-23-15,-2-2-5 16,2-2-5-16,0 0-1 16,0-4 6-16,0 0 35 15,0 0 27-15,0 0-8 16,0 0-27-16,0 0-22 15,0 0 20-15,0 0-22 0,0 0 12 16,0 0-12-16,0 0-13 16,0 0-6-16,0 0-6 15,0 0 5-15,0 0-9 16,0 0-5-16,0 0 3 16,-2 6-21-16,0 7 27 15,-5 8 6-15,-2 9 0 16,-2 5 18-16,2 0-9 15,0-1 4-15,4-3-13 16,1-7-4-16,4-10 3 16,0-8-21-16,0-6 22 15,0 0 0-15,18-5 28 16,9-12 8-16,6-8-33 0,9 2-3 16,3 0-40-16,-1 7-6 15,-4 6 9-15,-5 10-19 16,-10 0-25-16,-8 13-11 15,-9 14 45-15,-8 5 17 16,0 6 10-16,-22 1 20 16,-14-1 13-16,-12-4 45 15,-8-2 51-15,0-6 15 16,4-5-34-16,2-8-50 16,12-5-40-16,11-8-173 0</inkml:trace>
   <inkml:trace contextRef="#ctx0" brushRef="#br0" timeOffset="-53299.23">16031 10393 2885 0,'0'0'213'15,"0"0"-177"-15,0 0-14 16,0 0-14-16,146-86-8 15,-96 78-14-15,1 6-55 16,2 2-64-16,19 16-84 0,-15 8-138 16,-5 0-1333-16</inkml:trace>
   <inkml:trace contextRef="#ctx0" brushRef="#br0" timeOffset="-53067">17008 10426 1560 0,'0'0'495'0,"0"0"-292"16,0 0-29-16,0 0-67 15,0 0-60-15,0 0-18 16,0 0-15-16,-64 125 14 16,35-67 2-16,-2 2 1 15,-3-1 4-15,3-11-5 16,4-8-14-16,6-10-16 15,5-14-14-15,5-8-127 16,6-8-667-16</inkml:trace>
@@ -1860,7 +1859,7 @@
   <inkml:trace contextRef="#ctx0" brushRef="#br0" timeOffset="-45039.19">23508 9176 787 0,'0'0'0'16,"0"0"-84"-16,0 0-215 15,0 0-39-15</inkml:trace>
   <inkml:trace contextRef="#ctx0" brushRef="#br0" timeOffset="-44723.07">23508 9176 308 0,'-38'44'451'15,"34"-42"-200"-15,1 0-21 16,-1-2-53-16,4 0-7 0,0 0-18 15,0 0 8-15,0 0 38 16,0 0-8-16,0 0-27 16,0 0-31-16,0 0-11 15,0 0-9-15,0 0-13 16,0 0 1-16,0 0-3 16,0 0-22-16,0-2-22 15,0 2-39-15,0-2-13 16,0 2 8-16,0 0-9 15,0 0-1-15,0 0-3 16,2 0-4-16,9 0-2 16,9 0 10-16,9 0 3 0,7 0-3 15,6 0-14-15,3 2-7 16,-3 0-26-16,-2 2-29 16,-7 0-19-1,-4 0-16-15,-8 3-52 0,-9-1-87 16,-6-4-612-16</inkml:trace>
   <inkml:trace contextRef="#ctx0" brushRef="#br0" timeOffset="-44523.34">23492 9463 1423 0,'0'0'1280'0,"0"0"-1171"16,0 0-103-16,0 0 36 15,0 0 18-15,121-17-38 16,-65 9 9-16,-1 2-30 16,-2 5-1-16,1 1-48 15,-14 0-187-15,-11 0-679 0</inkml:trace>
-  <inkml:trace contextRef="#ctx0" brushRef="#br0" timeOffset="-39092.48">24831 8343 1499 0,'0'0'301'0,"0"0"-221"16,0 0-46-16,0 0-8 16,0 0-11-16,0 0 6 15,58-33-4-15,-49 30-4 16,-2 3 20-16,0-1-12 16,-3 1 35-16,2 0-37 15,1 0 47-15,5 0-22 16,5-3-19-16,8 0 30 15,6 0-4-15,6-1 8 16,4 4-2-16,-1 0-21 16,-7 0-19-1,-1 0-17-15,-10 8-21 0,-5 9 20 16,-7 5-35-16,-10 6 20 0,0 5-11 16,-14 6 26-1,-21 3 2-15,-12-2 16 0,-11 0 0 16,-4-8 15-16,2-6 73 15,10-9 24-15,15-8-21 16,14-2-68-16,13-7-25 16,8 0-15-16,0 0-35 15,0 0 35-15,0 0 5 16,11 0 9-16,7 0 4 16,9 0 1-16,8 0-19 15,5 14-1-15,1 10-6 16,1 7-1-16,-7 8 8 15,-4 1-49-15,-6 2-24 0,-7 0 23 16,-11-3-24 0,-7-4 42-16,0-5-45 0,-18-3 77 15,-14-8 19-15,-10-4 14 16,-7-5 26-16,-2-4 3 16,0-4-11-16,4-2-28 15,7 0-6-15,11 0-5 16,16 0-12-16,5-15-124 15,8 1-554-15</inkml:trace>
+  <inkml:trace contextRef="#ctx0" brushRef="#br0" timeOffset="-39092.49">24831 8343 1499 0,'0'0'301'0,"0"0"-221"16,0 0-46-16,0 0-8 16,0 0-11-16,0 0 6 15,58-33-4-15,-49 30-4 16,-2 3 20-16,0-1-12 16,-3 1 35-16,2 0-37 15,1 0 47-15,5 0-22 16,5-3-19-16,8 0 30 15,6 0-4-15,6-1 8 16,4 4-2-16,-1 0-21 16,-7 0-19-1,-1 0-17-15,-10 8-21 0,-5 9 20 16,-7 5-35-16,-10 6 20 0,0 5-11 16,-14 6 26-1,-21 3 2-15,-12-2 16 0,-11 0 0 16,-4-8 15-16,2-6 73 15,10-9 24-15,15-8-21 16,14-2-68-16,13-7-25 16,8 0-15-16,0 0-35 15,0 0 35-15,0 0 5 16,11 0 9-16,7 0 4 16,9 0 1-16,8 0-19 15,5 14-1-15,1 10-6 16,1 7-1-16,-7 8 8 15,-4 1-49-15,-6 2-24 0,-7 0 23 16,-11-3-24 0,-7-4 42-16,0-5-45 0,-18-3 77 15,-14-8 19-15,-10-4 14 16,-7-5 26-16,-2-4 3 16,0-4-11-16,4-2-28 15,7 0-6-15,11 0-5 16,16 0-12-16,5-15-124 15,8 1-554-15</inkml:trace>
   <inkml:trace contextRef="#ctx0" brushRef="#br0" timeOffset="-38618.04">25411 8368 2441 0,'0'0'215'16,"0"0"-164"-16,0 0-13 15,0 0 25-15,0 0-30 16,0 0-22-16,0 0 2 16,0-22-12-16,0 52 0 15,0 12 6-15,0 10 25 16,0 4-31-16,0 2 8 15,0-10-4-15,0-9-5 16,2-14 9-16,2-10-8 0,0-11 22 16,8-4 10-16,7 0-5 15,11-15 30-15,15-7-19 16,6-3-24-16,8 3-11 16,-1 4-4-16,-2 6-20 15,-8 12-1-15,-9 0 5 16,-7 27-16-16,-8 9 2 15,-9 7 14-15,-7 5 7 16,-8 0 4-16,0-4-3 16,-18-9 8-16,-14-4 0 15,-5-12 46-15,-4-4-3 16,-1-7-19-16,2-6-24 16,-18-2-63-16,13-12-135 0,3-7-688 15</inkml:trace>
   <inkml:trace contextRef="#ctx0" brushRef="#br0" timeOffset="-38456.7">25535 8390 2662 0,'0'0'310'16,"0"0"-231"-16,127-57-32 15,-53 37-17-15,8 7-27 16,5 6-3-16,15 7-76 0,-21 0-246 15,-21 0-1923-15</inkml:trace>
   <inkml:trace contextRef="#ctx0" brushRef="#br0" timeOffset="-37667.18">26863 8558 2370 0,'0'0'265'16,"0"0"-234"-16,0 0 65 16,0 0-6-16,0 0-51 15,0 0-23-15,0 0-9 16,4-52-7-16,-4 52-5 16,0 1-13-16,-2 20 6 15,-15 11 12-15,-6 14 21 16,-8 8-1-16,-4 3-9 15,-5 0-4-15,1-7 5 16,2-11 0 0,3-7-12-16,-10-8-49 0,10-8-94 15,6-10-442-15</inkml:trace>
@@ -1868,7 +1867,7 @@
   <inkml:trace contextRef="#ctx0" brushRef="#br0" timeOffset="-37130.21">27358 8468 2300 0,'0'0'255'0,"0"0"-192"16,0 0 55-16,0 0 41 15,0 0-57-15,0 0-54 16,0 0-47-16,4-24-1 15,-4 46-13-15,0 13 13 16,0 15 12-16,0 12-12 16,0 3 21-16,0 1-21 15,0-3 0-15,0-11-38 16,0-8-33-16,0-6-45 16,0-13-66-16,0-12-289 0</inkml:trace>
   <inkml:trace contextRef="#ctx0" brushRef="#br0" timeOffset="-36802.19">27690 8436 2467 0,'0'0'552'0,"0"0"-487"15,0 0-65-15,0 0-35 16,0 0 35-16,0 126-6 15,0-53-72-15,0 3 3 16,0-5-19-16,6-12 58 16,13-15 21-16,3-16 15 0,2-15 32 15,5-13 70-15,7 0 24 16,8-21-22-16,8-15-30 16,-1-14-31-16,-4-8-20 15,-9-9-2-15,-14-3-13 16,-19 4-8-16,-5 5 0 15,-32 8-24-15,-19 16 1 16,-16 13 4-16,-39 24-80 16,14 0-159-16,14 3-807 0</inkml:trace>
   <inkml:trace contextRef="#ctx0" brushRef="#br0" timeOffset="-36539.62">27783 8071 1713 0,'0'0'999'0,"0"0"-940"16,0 0-37-16,0 0 30 15,150-70 3-15,-84 54-37 16,9 2-3-16,20-3-15 16,-19 7-44-16,-14 1-238 0</inkml:trace>
-  <inkml:trace contextRef="#ctx0" brushRef="#br0" timeOffset="-36335.3">28492 7597 275 0,'0'0'2463'0,"0"0"-2319"15,0 0-58-15,0 0 2 16,0 0-88-16,0 0 0 16,0 0-26-16,-4 93 10 15,10-19-54-15,6 5-68 16,3 13-83-16,1-19-245 15,-3-16-590-15</inkml:trace>
+  <inkml:trace contextRef="#ctx0" brushRef="#br0" timeOffset="-36335.31">28492 7597 275 0,'0'0'2463'0,"0"0"-2319"15,0 0-58-15,0 0 2 16,0 0-88-16,0 0 0 16,0 0-26-16,-4 93 10 15,10-19-54-15,6 5-68 16,3 13-83-16,1-19-245 15,-3-16-590-15</inkml:trace>
   <inkml:trace contextRef="#ctx0" brushRef="#br0" timeOffset="-35991.15">28791 7588 2359 0,'0'0'594'0,"0"0"-481"16,0 0-45-16,0 0 13 16,0 0-46-16,0 0-23 15,0 0-12-15,127 8-5 16,-117 20-22-16,-5 8 14 16,-5 7-23-16,-7 3 0 0,-17-2 30 15,-2-5 12 1,1-4 0-16,7-11 6 0,7-8-12 15,9-9-7-15,2-3-2 16,0-4 9-16,0 0 0 16,0 0 10-16,11 0-4 15,11 0-5-15,11 0 22 16,7 0-12-16,5 0-11 16,-1 0-29-16,6 0-136 15,-15 9-257-15,-8-4-1520 0</inkml:trace>
   <inkml:trace contextRef="#ctx0" brushRef="#br0" timeOffset="-35568.32">29618 8382 1974 0,'0'0'438'15,"0"0"-214"-15,0 0 7 16,0 0-93-16,0 0-98 16,0 0-40-16,0 0-48 15,0 60 48-15,0 4 7 16,0 10 21-16,-3 4-28 16,3-5 1-16,0-13 7 15,0-19-8-15,3-10-2 16,1-15-12-16,0-13-24 15,0-4-49-15,1-21-60 16,-1-6-764-16</inkml:trace>
   <inkml:trace contextRef="#ctx0" brushRef="#br0" timeOffset="-35422.16">29524 8275 2350 0,'0'0'604'16,"0"0"-578"-16,0 0 12 15,0 0 27-15,0 0-8 16,120-30-31-16,-51 30-26 16,-11 0-94-16,-11 0-408 0</inkml:trace>
@@ -1895,14 +1894,14 @@
   <inkml:trace contextRef="#ctx0" brushRef="#br0" timeOffset="-24911.11">26904 11293 1486 0,'0'0'1049'15,"0"0"-800"-15,0 0-60 0,0 0-69 16,0 0-89-16,0 0-25 15,0 0 1-15,-31 103-7 16,23-48-18-16,8 0 1 16,0-11-19-16,0-10 36 15,21-12-7-15,5-14 7 16,10-8 11-16,11-6 44 16,10-24-22-16,4-9-20 15,-6-7-7-15,-5-7 6 16,-17 0-1-16,-16 2 1 15,-17 0-2-15,-4 5 30 16,-36 10-27-16,-16 8-13 16,-8 15-26-16,-30 13-71 0,17 0-149 15,14 3-501-15</inkml:trace>
   <inkml:trace contextRef="#ctx0" brushRef="#br0" timeOffset="-24673.52">27139 10968 1556 0,'0'0'1001'0,"0"0"-818"0,0 0-65 15,0 0-41-15,0 0-34 16,0 0 3-16,166-36-27 15,-102 29-6-15,3 0-13 16,13-3-84-16,-18 5-191 16,-15-2-874-16</inkml:trace>
   <inkml:trace contextRef="#ctx0" brushRef="#br0" timeOffset="-24293.12">27773 10716 2213 0,'0'0'202'15,"0"0"-148"-15,0 0 46 16,0 0 18-16,0 0-24 16,0 0-69-16,0 0-1 15,8-3-5-15,-16 22-6 16,-2 6 3-16,4 7-8 15,-1-1-7-15,7-2 9 16,0-6-5-16,0-5 2 16,2-8-1-16,12-2 23 15,3-6 20-15,6 0 0 16,6-2-11-16,4 0-14 16,3 6-4-16,-1 7-15 0,-6 9-5 15,-6 7-15-15,-10 8-1 16,-6 8 7-16,-7-4 3 15,0 1-3-15,-14-8 1 16,-10-8 4-16,-10-8-8 16,-19-18-39-16,6 0-97 15,2-4-448-15</inkml:trace>
-  <inkml:trace contextRef="#ctx0" brushRef="#br0" timeOffset="-24121.46">27926 10700 2854 0,'0'0'239'16,"0"0"-167"-16,132-24 0 15,-77 17-44-15,-3 7-20 16,-4 0-8-16,0 0-36 16,10 15-88-16,-12 1-6 15,-10-3-2035-15</inkml:trace>
+  <inkml:trace contextRef="#ctx0" brushRef="#br0" timeOffset="-24121.47">27926 10700 2854 0,'0'0'239'16,"0"0"-167"-16,132-24 0 15,-77 17-44-15,-3 7-20 16,-4 0-8-16,0 0-36 16,10 15-88-16,-12 1-6 15,-10-3-2035-15</inkml:trace>
   <inkml:trace contextRef="#ctx0" brushRef="#br0" timeOffset="-23656.93">28806 10844 2213 0,'0'0'311'0,"0"0"-224"16,0 0 25-16,0 0-58 0,0 0-54 15,0 0 53-15,-4 117-4 16,4-54 0-16,0 2-15 16,0 3-4-16,13-4-10 15,3-7 1-15,2-10 20 16,-3-8-8-16,1-9-23 15,-1-8-1-15,-1-6-8 16,-1-6-1-16,1-10-43 16,-3 0-86-16,-7 0-469 0</inkml:trace>
-  <inkml:trace contextRef="#ctx0" brushRef="#br0" timeOffset="-23493.78">28891 10830 802 0,'0'0'2111'16,"0"0"-1926"-16,0 0-121 16,0 0-16-16,0 0-9 15,0 0-16-15,0 0-7 16,136-56-16-16,-112 56-37 16,5 6-64-16,-9 10-99 15,-9 2-1984-15</inkml:trace>
+  <inkml:trace contextRef="#ctx0" brushRef="#br0" timeOffset="-23493.79">28891 10830 802 0,'0'0'2111'16,"0"0"-1926"-16,0 0-121 16,0 0-16-16,0 0-9 15,0 0-16-15,0 0-7 16,136-56-16-16,-112 56-37 16,5 6-64-16,-9 10-99 15,-9 2-1984-15</inkml:trace>
   <inkml:trace contextRef="#ctx0" brushRef="#br0" timeOffset="-23331.87">28770 11067 1431 0,'0'0'1272'16,"0"0"-1128"-16,0 0-39 16,0 0 4-16,0 0-31 15,132-12-41-15,-67 4-37 16,6 4-21-16,27 2-44 15,-17 2-152-15,-15 0-562 0</inkml:trace>
   <inkml:trace contextRef="#ctx0" brushRef="#br0" timeOffset="-22839.92">29793 10910 1689 0,'0'0'275'15,"0"0"-173"-15,0 0 218 16,0 0-51-16,0 0-84 16,0 0-45-16,0 0-57 15,5-4-30-15,-5 4-19 0,0 0-13 16,0 0-8-16,0 0-3 16,0 0-10-16,0 0 5 15,0 0-5-15,-3 0-9 16,-14 19-5-16,-19 14 14 15,-15 20 8-15,-34 29-7 16,-30 32 10-16,-22 30 6 16,-5 6-17-16,26-25-1 15,31-37 1-15,34-35-82 16,9-17 77-16,-2 0 5 16,3-4 0-16,1-2 11 15,15-15-11-15,17-12-49 0,3-3-132 16,5 0-346-16</inkml:trace>
   <inkml:trace contextRef="#ctx0" brushRef="#br0" timeOffset="-22261.41">29234 11754 1804 0,'0'0'310'16,"0"0"-227"-16,0 0-28 0,-13 111 42 15,4-65-60-15,0 2-20 16,2-8-16-16,3-10 1 16,2-10-2-16,2-10 29 15,0-10 70-15,0 0 73 16,13-13-1-16,11-18-71 15,7-13-46-15,7-11-2 16,3-4-7-16,-1-4 9 16,-5 8-30-16,-6 10-12 15,-6 18-11-15,-15 10-1 16,-3 15-14-16,-5 2-13 16,0 16 11-16,0 14 16 15,-5 10 4-15,-1 1 2 16,6-5-1-16,0-8-1 15,0-10-3-15,0-11-1 0,2-7 11 16,13 0 11-16,8-21 19 16,10-10-19-16,5-5-22 15,5-3 10-15,-4-2-8 16,-1 7 2-16,-7 9-3 16,-10 8 0-16,-10 11-1 15,-11 6-20-15,0 10 20 16,0 20 0-16,-5 14 9 15,-1 2-9-15,4 1-10 16,2-10-2-16,0-8 4 16,0-15 0-16,0-7 8 15,2-7-1-15,4 0 1 0,3-23-53 16,3-10-97 0,-4-2-27-16</inkml:trace>
   <inkml:trace contextRef="#ctx0" brushRef="#br0" timeOffset="-21928.87">29956 11103 2637 0,'0'0'194'16,"0"0"-109"-16,0 0 55 16,0 0-73-16,0 0-24 15,134-69-27-15,-110 67-7 16,-4 2-8-16,-4 0-1 0,-5 9-12 15,-9 11 3 1,-2 8 1-16,-9 8-10 0,-18 1 6 16,-6-2 12-16,2-6 5 15,4-6 7-15,10-8 18 16,7-10-13-16,8-5-10 16,2 0 11-16,7 0 16 15,24-10-6-15,18-8-28 16,13-5-20-16,10-4-115 15,3 5-71-15,-6 6 11 16,-6 8-516-16,-20 6 696 16,-20 2-190-16</inkml:trace>
-  <inkml:trace contextRef="#ctx0" brushRef="#br0" timeOffset="-17464.28">23173 13523 1492 0,'0'0'534'16,"0"0"-360"-16,0 0 47 16,0 0 7-16,0 0-121 0,0 0-49 15,-13-4-30 1,13 1-17-16,0 3 4 16,0 0 7-16,0 0 6 15,0 0 2-15,0 0 12 0,0 0-7 16,0-1-10-16,0 1-5 15,0-1-14-15,0 1 0 16,0-3 3-16,11 1-8 16,7 2 8-16,7-1-3 15,4-2-6-15,9 3 5 16,4-2-5-16,7 1 8 16,-1 1-8-16,2 0-5 15,-3 0-39-15,-7 0-11 16,-5 0-36-16,-10 12-48 15,-8 1-85-15,-11-1-273 0</inkml:trace>
+  <inkml:trace contextRef="#ctx0" brushRef="#br0" timeOffset="-17464.29">23173 13523 1492 0,'0'0'534'16,"0"0"-360"-16,0 0 47 16,0 0 7-16,0 0-121 0,0 0-49 15,-13-4-30 1,13 1-17-16,0 3 4 16,0 0 7-16,0 0 6 15,0 0 2-15,0 0 12 0,0 0-7 16,0-1-10-16,0 1-5 15,0-1-14-15,0 1 0 16,0-3 3-16,11 1-8 16,7 2 8-16,7-1-3 15,4-2-6-15,9 3 5 16,4-2-5-16,7 1 8 16,-1 1-8-16,2 0-5 15,-3 0-39-15,-7 0-11 16,-5 0-36-16,-10 12-48 15,-8 1-85-15,-11-1-273 0</inkml:trace>
   <inkml:trace contextRef="#ctx0" brushRef="#br0" timeOffset="-17190.19">23071 13714 1515 0,'0'0'836'0,"0"0"-836"16,0 0 31-16,0 0-16 16,0 0 90-16,0 0 2 15,0 0-3-15,149 0-52 16,-95 0-18-16,6 0 17 0,1 0-8 16,-1 0-23-16,-3 0-12 15,-3 0-8-15,-9 0-26 16,-8 2-81-16,-10 8-197 15,-14-6-1431-15</inkml:trace>
   <inkml:trace contextRef="#ctx0" brushRef="#br0" timeOffset="13404.71">20785 11494 466 0,'0'0'326'0,"0"0"-155"16,0 0-111-16,143-126-41 15,-99 86-15-15,25-23-4 16,-11 12-45-16,-2 2-16 0</inkml:trace>
   <inkml:trace contextRef="#ctx0" brushRef="#br0" timeOffset="15420.99">24243 13422 959 0,'0'0'732'16,"0"0"-544"-16,0 0-2 16,0 0 44-16,0 0-153 15,0 0-77-15,0 0 62 16,-15-3 12-16,15 3-29 16,0 0 15-16,0 0-4 15,0 0-3-15,0 0-28 16,0 0-2-16,0-3-15 0,0 3-8 15,11-1 1-15,7-3 15 16,8 2-15-16,8-2 10 16,6 0-5-16,8 0-4 15,4 0-2-15,-1 0 6 16,-4 0-4-16,-4-3-1 16,-12 4-1-16,-10-1 0 15,-9 2 6-15,-7 2-14 16,-5 0 8-16,0 0-16 15,0 2 5-15,0 14 10 16,0 13 1-16,0 16 17 16,0 13-4-16,0 10-12 15,0 13 18-15,0 0-14 0,0 3 4 16,0-5-8 0,-3-5-1-16,-7-12-7 0,-2-13 7 15,1-11 0-15,5-14-15 16,-2-14-45-16,-3-10-125 15,5-14-117-15,-6-10-1309 0</inkml:trace>
@@ -1911,23 +1910,23 @@
   <inkml:trace contextRef="#ctx0" brushRef="#br0" timeOffset="15999.81">25361 13469 1217 0,'0'0'1350'16,"0"0"-1219"-16,0 0-59 0,0 0-16 15,0 0-50-15,0 0-6 16,12 102-17-16,36-44 16 16,10 0-8-16,5 1-3 15,-1-9-77-15,0-10-71 16,17-16-62-16,-17-12-153 16,-10-12-507-16</inkml:trace>
   <inkml:trace contextRef="#ctx0" brushRef="#br0" timeOffset="16182.23">25984 13325 2351 0,'0'0'223'0,"0"0"-158"16,0 0-3-16,0 0-29 16,-67 106-22-16,67-46 4 15,0 7-13-15,0 2-2 16,17-5-73-16,4-6-50 15,16-11-178-15,-3-15 126 16,-3-20-151-16</inkml:trace>
   <inkml:trace contextRef="#ctx0" brushRef="#br0" timeOffset="16453.79">26360 13243 2102 0,'0'0'284'0,"0"0"-253"0,0 0 54 15,-110 106-42-15,83-34-24 16,14 10-2-16,13 1-17 16,3-7-1-16,28-11-23 15,16-16 5-15,8-19 0 16,13-24 19-16,3-6 24 16,-3-40 14-16,-5-20 11 15,-9-33 12-15,-28-29 7 31,-21 6 3-31,-5 15-19 0,-38 24-9 0,-14 34-43 16,-12 10-12-16,-7 10-16 16,-7 27-72-16,22 24-128 15,22 10-448-15</inkml:trace>
-  <inkml:trace contextRef="#ctx0" brushRef="#br0" timeOffset="16746.11">26462 12887 2026 0,'0'0'272'15,"0"0"-189"-15,0 0 133 16,0 0-110-16,0 0-90 15,0 0 38-15,0 0 61 0,125-28-58 16,-67 25-30 0,0 0-27-16,0 3-42 0,-4 0-80 15,-8 0-9-15,-5 0-26 16,3 6 70-16,-13 0 58 16,-4-6-334-16</inkml:trace>
+  <inkml:trace contextRef="#ctx0" brushRef="#br0" timeOffset="16746.1">26462 12887 2026 0,'0'0'272'15,"0"0"-189"-15,0 0 133 16,0 0-110-16,0 0-90 15,0 0 38-15,0 0 61 0,125-28-58 16,-67 25-30 0,0 0-27-16,0 3-42 0,-4 0-80 15,-8 0-9-15,-5 0-26 16,3 6 70-16,-13 0 58 16,-4-6-334-16</inkml:trace>
   <inkml:trace contextRef="#ctx0" brushRef="#br0" timeOffset="17347.75">27291 12534 1676 0,'0'0'317'0,"0"0"-66"0,0 0 66 16,0 0-130-16,0 0-106 15,0 0-81-15,0 0-30 16,-11-9 16-16,11 23 14 15,-2 4 9-15,0 2 3 16,-2 0 2-16,4-3-2 16,0-4-11-16,0-5-1 15,2-4-5-15,19-2-44 16,18-2 48-16,7 0 1 16,8 0-6-16,2 2-8 0,-10 6-33 15,-8 7-14-15,-16 8-24 16,-20 3 7-16,-2 4 56 15,-29 0 22-15,-17 1 44 16,-12-8 40-16,-4-2-31 16,4-12-53-16,6-7-30 15,14-7-127-15,16-22-167 16,13-5-205-16</inkml:trace>
   <inkml:trace contextRef="#ctx0" brushRef="#br0" timeOffset="17497.04">27469 12308 2105 0,'0'0'411'0,"0"0"-178"0,0 0-120 16,0 0-72-16,0 0-41 15,0 0-84-15,0 0-24 16,121 18-68-16,-67 8 67 16,-6-6 93-16</inkml:trace>
   <inkml:trace contextRef="#ctx0" brushRef="#br0" timeOffset="17741.2">27989 12383 1405 0,'0'0'528'16,"0"0"-487"-16,0 0 71 16,0 0 33-16,0 0-57 0,0 0-17 15,0 0 20 1,0 3-24-16,0 19-20 0,0 9 19 15,0 7-19-15,0 6-28 16,0 1-11-16,0 0-6 16,0-5-2-16,2-6-6 15,6-8-61-15,4-8-40 16,-3-8-196-16,-3-8-587 0</inkml:trace>
   <inkml:trace contextRef="#ctx0" brushRef="#br0" timeOffset="17928.73">27812 12503 1965 0,'0'0'304'0,"0"0"-261"16,0 0 78-16,0 0-101 16,0 0-11-16,0 0 32 15,146-28 7-15,-80 21-24 16,3 3-24-16,9 1-112 15,-15 0-336-15,-19 2-1079 0</inkml:trace>
-  <inkml:trace contextRef="#ctx0" brushRef="#br0" timeOffset="19029.1">27958 12503 1696 0,'0'0'237'0,"0"0"-196"0,0 0 71 16,0 0 138-16,0 0-180 15,0 0-70-15,0 0-40 16,29 0 40-16,33-9 63 15,2-1 26-15,-1 3 2 16,-15 2-39-16,-13 4-47 16,-18 1-5-16,-15 0-27 15,-2 6 27-15,-29 10 43 16,-24 7 18-16,-21 4-28 16,-13 2 22-16,-4-2-6 15,5-4-23-15,14-4 1 16,21-5-27-16,20-5 7 15,19-7-7-15,12-2-66 16,12 0-46-16,28 0 112 0,15-7 8 16,10-3 21-16,2 2-4 15,-7 0-15 1,-12 3 6-16,-17 4-16 0,-17 1-9 16,-14 0-49-16,-8 0 58 15,-33 10 72-15,-12 2-35 16,-9 3-19-16,0-2 9 15,3-3-13-15,12-2-13 16,14-2 6-16,15-4-7 16,18-2-10-16,0 0-89 15,36 0 2-15,19 0 97 0,15-4 20 16,9-4 6-16,4 0-10 16,-10 4-10-16,-17 2-5 15,-18 2-1-15,-20 0-7 16,-18 0-11-16,-11 0 18 15,-32 0 70-15,-15 2-40 16,-8 4-10-16,-7-2-1 16,6 0-7-16,9-4-4 15,13 0 2-15,16 0-10 16,16 0-7-16,13 0-39 16,8-6-59-16,35-9 105 15,14-2 16-15,15-1 4 16,4 2-5-16,-4 2-7 0,-12 2 0 15,-18 6-8 1,-15 4-1-16,-21 2 1 0,-6 0 0 16,-16 0 8-16,-26 0 41 15,-18 4-25-15,-9 4-6 16,-4 0 0-16,5-4 6 16,10 0-10-16,18-4-13 15,18 0 4-15,18 0-5 16,4 0-74-16,29 0 1 15,24-6 73-15,12-4 21 16,8 0-4-16,-3-1-7 16,-18 4-1-16,-20 1-9 15,-29 3 0-15,-8 3 7 16,-42 0 41-16,-17 0-48 16,-3 4-5-16,9 8-41 0,23 3-117 15,52-3-173-15,32-3-84 16,26-7-1463-16</inkml:trace>
+  <inkml:trace contextRef="#ctx0" brushRef="#br0" timeOffset="19029.09">27958 12503 1696 0,'0'0'237'0,"0"0"-196"0,0 0 71 16,0 0 138-16,0 0-180 15,0 0-70-15,0 0-40 16,29 0 40-16,33-9 63 15,2-1 26-15,-1 3 2 16,-15 2-39-16,-13 4-47 16,-18 1-5-16,-15 0-27 15,-2 6 27-15,-29 10 43 16,-24 7 18-16,-21 4-28 16,-13 2 22-16,-4-2-6 15,5-4-23-15,14-4 1 16,21-5-27-16,20-5 7 15,19-7-7-15,12-2-66 16,12 0-46-16,28 0 112 0,15-7 8 16,10-3 21-16,2 2-4 15,-7 0-15 1,-12 3 6-16,-17 4-16 0,-17 1-9 16,-14 0-49-16,-8 0 58 15,-33 10 72-15,-12 2-35 16,-9 3-19-16,0-2 9 15,3-3-13-15,12-2-13 16,14-2 6-16,15-4-7 16,18-2-10-16,0 0-89 15,36 0 2-15,19 0 97 0,15-4 20 16,9-4 6-16,4 0-10 16,-10 4-10-16,-17 2-5 15,-18 2-1-15,-20 0-7 16,-18 0-11-16,-11 0 18 15,-32 0 70-15,-15 2-40 16,-8 4-10-16,-7-2-1 16,6 0-7-16,9-4-4 15,13 0 2-15,16 0-10 16,16 0-7-16,13 0-39 16,8-6-59-16,35-9 105 15,14-2 16-15,15-1 4 16,4 2-5-16,-4 2-7 0,-12 2 0 15,-18 6-8 1,-15 4-1-16,-21 2 1 0,-6 0 0 16,-16 0 8-16,-26 0 41 15,-18 4-25-15,-9 4-6 16,-4 0 0-16,5-4 6 16,10 0-10-16,18-4-13 15,18 0 4-15,18 0-5 16,4 0-74-16,29 0 1 15,24-6 73-15,12-4 21 16,8 0-4-16,-3-1-7 16,-18 4-1-16,-20 1-9 15,-29 3 0-15,-8 3 7 16,-42 0 41-16,-17 0-48 16,-3 4-5-16,9 8-41 0,23 3-117 15,52-3-173-15,32-3-84 16,26-7-1463-16</inkml:trace>
   <inkml:trace contextRef="#ctx0" brushRef="#br0" timeOffset="19491.71">28469 12483 1852 0,'0'0'187'16,"0"0"-34"-16,0 0 97 15,0 0-73-15,0 0-50 16,0 0-64-16,0 0-30 16,-17-33-13-16,17 33 7 15,-2 0 3-15,0 0-8 16,-3 0-1-16,2 0 12 0,3 0-23 16,-2 0-10-1,2 8-11-15,0 11 11 0,0 5 0 16,0 3-2-1,0 0-18-15,0-5-12 0,0-4 17 16,0-8 14-16,0-6 1 16,2-4-1-16,4 0-10 15,2 0-10-15,3 0-14 16,18-28-35-16,-2 0-27 16,0-3-133-16</inkml:trace>
   <inkml:trace contextRef="#ctx0" brushRef="#br0" timeOffset="19843.89">28654 12290 1537 0,'0'0'496'16,"0"0"-467"-16,0 0-15 0,0 0 169 15,0 0-30-15,0 0 5 16,0 0-48-16,2-96-20 16,8 92-55-16,5-2-10 15,12 0-13-15,4 1-12 16,7 4 6-16,-2 1-6 15,0 0-8-15,-7 18-82 16,-10 8-2-16,-5 5 79 16,-10 6 2-16,-4 1 11 15,-4-2 26-15,-18 0 70 16,-3-6-30-16,0-6-14 16,4-8-19-16,9-5-19 15,5-9-14-15,7-2-8 0,0 0-42 16,19-9 50-16,18-11 11 15,17-4 8-15,13 0-9 16,8 2 13-16,-3 6-23 16,-5 8 0-16,-1 8-134 15,-16 8-197-15,-15 8-509 16</inkml:trace>
   <inkml:trace contextRef="#ctx0" brushRef="#br0" timeOffset="22360.83">29323 13575 404 0,'0'0'249'0,"0"0"-110"0,0 109 28 16,0-73-11-1,0-12-10-15,0-10-45 0,-9-10-52 16,-2-4-23-16,-2 0 1 15,0-15 73-15,-1-6 10 16,3-14-59-16,-1-1-37 16,6-4 4-16,4-4-18 15,2-4-49-15,0-24-105 16,6 12-32 0,6 6-147-16</inkml:trace>
   <inkml:trace contextRef="#ctx0" brushRef="#br0" timeOffset="22777.04">29267 13174 1472 0,'0'0'569'0,"0"0"-416"16,0 0-135-16,0 0 43 0,0 0 10 16,0 0-30-16,0 0-25 15,0 59 26-15,0-14 1 16,0 11-17-16,0 7-6 16,0 1-19-16,0-2-1 15,0-3 9-15,-2-9-8 16,-2-13 21-16,-1-10-13 15,3-11-8-15,0-6 15 16,2-6-16-16,0-4-4 16,0 0 4-16,0-14-20 15,-2-16-49-15,-2-12-10 16,-4-12-71-16,2-13 36 16,-5-5-76-16,2-4 77 15,-3 3 113-15,2 9 16 16,1 16 173-16,2 12 16 0,2 16 72 15,5 6-71-15,0 6-105 16,5 2-88-16,24-2-13 16,16 3 0-16,10-4 0 15,8 3-22-15,-1 4-47 16,-11 2-57-16,-10 0 60 16,-15 0 41-16,-15 6-39 15,-11 7 28-15,-14 23 14 16,-21-5-167-16,-5 0-1489 0</inkml:trace>
-  <inkml:trace contextRef="#ctx0" brushRef="#br0" timeOffset="22948.13">29134 13405 863 0,'0'0'1323'0,"0"0"-1323"16,0 0 83-16,0 0-83 16,0 0 46-16,0 0 52 15,120-48-46-15,-66 32-35 16,-1 3-9-16,-8 7-8 15,-12 6-74-15,-8 3-111 16,-10 36 59-16,-5-4 97 16,-8 1 29-16</inkml:trace>
+  <inkml:trace contextRef="#ctx0" brushRef="#br0" timeOffset="22948.12">29134 13405 863 0,'0'0'1323'0,"0"0"-1323"16,0 0 83-16,0 0-83 16,0 0 46-16,0 0 52 15,120-48-46-15,-66 32-35 16,-1 3-9-16,-8 7-8 15,-12 6-74-15,-8 3-111 16,-10 36 59-16,-5-4 97 16,-8 1 29-16</inkml:trace>
   <inkml:trace contextRef="#ctx0" brushRef="#br0" timeOffset="23390.56">28485 14209 1601 0,'0'0'273'0,"0"0"-216"15,0 0-57-15,0 0 2 16,0 0 15-16,0 0 96 16,0 0 68-16,42 26-77 0,-15-26 15 15,11 0-24 1,11 0-27-16,14-2-33 0,15-15-23 16,26-6-5-16,30-11-7 15,24-11 1 1,7 0 11-16,-9 4-12 0,-33 11 7 15,-34 12 31-15,-24 4 5 16,-10 6-21-16,-2 0-14 16,-3 4-8-16,-6 2-108 15,-20 2-26-15,-15 0 41 16,-6 0-1-16,-3 6 94 16,0 6 16-16,0-2 30 15,0 16-46-15,0-3-35 16,0-1-1171-16</inkml:trace>
   <inkml:trace contextRef="#ctx0" brushRef="#br0" timeOffset="24776.88">28760 14985 1052 0,'0'0'163'0,"0"0"-119"16,0 0 41-16,0 0-65 15,0 0-18-15,0 0-2 16,0 0 171-16,-14 0 116 16,14 0-152-16,0 0-92 15,0 0-28-15,0 0-1 16,0 0-12-16,0 0 12 15,0 0-14-15,0 0 0 16,-3 4 0-16,3-2 3 0,0 0 23 16,0-2-2-1,0 2 22-15,0-2 24 0,0 0 4 16,0 0-14-16,0 0-20 16,0 0-5-16,0 0-1 15,0 0-18-15,0 0-14 16,0 0 5-16,0 0 7 15,0 0 0-15,0 0-3 16,0-4 7-16,0-6 18 16,0-3-10-16,0-4-13 15,0-3 1-15,10-6-5 16,1-7-2-16,4-2-7 0,3-5 1 16,3-3-1-1,-2 3 1-15,-1 3 6 0,-3 6-6 16,-3 12-1-16,-8 6 0 15,-4 13-5-15,0 0-11 16,0 13-20-16,0 20 36 16,0 15 14-16,0 10-5 15,0 5-9-15,5-5 0 16,9-8-2-16,-4-6 4 16,1-13-4-16,-4-10-2 15,0-11-9-15,-5-10-12 16,1 0 25-16,-1-18 45 15,2-18-30-15,0-12 12 16,3-6-4-16,2-3-2 16,0 4-3-16,2 6-9 0,1 13 8 15,-6 10-11-15,0 10-6 16,-3 10-12-16,-3 4 1 16,0 0 10-16,0 2-58 15,2 16 36-15,0 4 23 16,3 4 2-16,2 4 4 15,-1-3 1-15,3-4 2 16,-3-1-9-16,0-9 1 16,-2-3-1-16,0-10-21 15,-2 0 19-15,5 0-14 16,1 0 10-16,4-6-1 16,3-6-46-16,1-6 13 15,4 1 16-15,7 3-34 16,-3 5-146-16,-5-1-1 0</inkml:trace>
   <inkml:trace contextRef="#ctx0" brushRef="#br0" timeOffset="25627.91">29254 14698 749 0,'0'0'1252'15,"0"0"-1101"-15,0 0-79 16,0 0 167-16,0 0-145 16,0 0-66-16,0 0-28 15,0-74-16-15,0 86-13 16,0 16 29-16,0 8 22 0,4 7-11 15,-1-2-1 1,1-1-1-16,-2-13-2 0,0-7-1 16,0-10 1-1,-2-4 0-15,4-6 2 0,-2 0 1 16,0-15 40 0,4-10-13-16,3-11-18 15,3-9-18-15,3 0 15 0,1 7-10 16,-3 7-5-16,-5 15-1 15,-3 13 0-15,0 3-6 16,-5 6-6-16,2 23 12 16,3 11 8-16,-3 4-8 15,2-2-20-15,0-6 6 16,1-7 4-16,-1-14 10 16,1-8-18-16,2-7 18 0,1-2 3 15,6-25 34 1,6-9-17-16,0-9-6 0,5-5-12 15,-1 1 10-15,-4 6-3 16,-2 10 5-16,-7 15-14 16,-7 14-8-16,-2 4-41 15,-2 15 28-15,0 25 21 16,0 10 16-16,5 5 0 16,4 4-16-16,2-5 0 15,0-14 0-15,1-9 0 16,-4-10-9-16,-1-11-19 15,-1-10-101-15,0 0 114 16,0-20 15-16,5-12 10 16,1-13 9-16,3-9-19 15,3-10-289-15,-3-6-184 0,1-1-259 16,-3 4 484 0,-2 7 248-16,-4 8 536 0,0 7-110 15,-5 8-153-15,4 2 24 16,6 4-135-16,5 4-95 15,10-3-48-15,4 4-19 16,1 7 6-16,-6 4-4 16,-5 9 15-16,-12 6-17 15,-9 2-22-15,0 24 12 16,-17 14 10-16,-16 10 27 16,-7 8-14-16,-5 0 9 15,3-3 39-15,11-10-19 16,14-10-42-16,14-13-11 15,3-13 11-15,36-9 39 16,21 0 31-16,17-23-37 0,11-7-23 16,-1-5-10-16,-5 3-85 15,-17 6-219-15,-18 11-26 16,-15 10 22-16,-15 5 308 16,-14 9 4-16,0 8-4 15,-18-1-704-15</inkml:trace>
   <inkml:trace contextRef="#ctx0" brushRef="#br0" timeOffset="29038.94">19742 15473 2026 0,'0'0'262'16,"0"0"-188"-16,0 0-19 15,136 0 40-15,-82 0-6 16,4 0 2-16,-5 0-36 16,1-5-3-16,-8 5-37 15,0 0 8-15,-9 0-23 16,-6 9-8-16,-9 4-173 15,-12-1-872-15</inkml:trace>
   <inkml:trace contextRef="#ctx0" brushRef="#br0" timeOffset="30010.5">23299 16048 1059 0,'0'0'417'16,"0"0"-217"-16,0 0 37 0,0 0 29 15,0 0-65 1,0 0-60-16,0 0 12 0,-43 0-22 15,43 0-34-15,0 0-24 16,0 0-16-16,4 0-37 16,6 0-20-16,7 0 9 15,14 0-2-15,19 0 9 16,10 0-16-16,11 0-13 16,-2 0-44-16,3 22-83 15,-22 0-125-15,-21-4-616 0</inkml:trace>
-  <inkml:trace contextRef="#ctx0" brushRef="#br0" timeOffset="30167.13">23100 16330 1960 0,'0'0'369'0,"0"0"-256"15,0 0-56-15,172 0 16 16,-81 0-42-16,47 0-31 15,-22 3-97-15,-31-3-444 0</inkml:trace>
+  <inkml:trace contextRef="#ctx0" brushRef="#br0" timeOffset="30167.12">23100 16330 1960 0,'0'0'369'0,"0"0"-256"15,0 0-56-15,172 0 16 16,-81 0-42-16,47 0-31 15,-22 3-97-15,-31-3-444 0</inkml:trace>
   <inkml:trace contextRef="#ctx0" brushRef="#br0" timeOffset="30569.06">23960 15993 2054 0,'0'0'359'16,"0"0"-181"-16,0 0-21 16,0 0-38-16,0 0-55 15,0 0-47-15,0 0-10 16,56-7 14-16,-27 7-4 16,4 0-17-16,1 0 1 15,1 0-1-15,-1 0 4 16,-1 0 3-16,-4-6-1 15,-7-1-6-15,-9 2 1 16,-3 5 6-16,-8-5-2 16,-2 5 1-16,0 0-1 0,0 0-5 15,0 0-17-15,0 0 17 16,0 17-9-16,0 15 8 16,0 8 2-16,0 18 8 15,-2 13-1-15,-12 10-8 16,-1 5 0-16,-5 3-15 15,-3-5-34-15,-23 1-64 16,3-18-100-16,3-18-857 0</inkml:trace>
   <inkml:trace contextRef="#ctx0" brushRef="#br0" timeOffset="30746.75">23838 16387 2677 0,'0'0'201'0,"0"0"-124"15,133-16-33-15,-59 13-34 16,33 3-10-16,-16 0-152 16,-13 3-445-16</inkml:trace>
   <inkml:trace contextRef="#ctx0" brushRef="#br0" timeOffset="30975.7">25170 16200 2235 0,'0'0'595'0,"0"0"-513"15,0 0-19-15,0 0-34 16,0 0-20-16,0 0-9 15,-140 117 14-15,80-63-14 16,2 4-29-16,4-6-24 16,8-8 15-16,7-13-32 15,10-16-61-15,12-7-138 16,8-8-716-16</inkml:trace>
@@ -1939,21 +1938,21 @@
   <inkml:trace contextRef="#ctx0" brushRef="#br0" timeOffset="34414.95">27042 15574 1779 0,'0'0'488'15,"0"0"-371"-15,0 0-75 0,0 0-19 16,0 0 2 0,0 0-2-16,0 0 30 0,0 94-21 15,0-50 24-15,0 0-1 16,-7 6-13-16,3-1-15 16,-1-8-10-16,0-1-15 15,1-8-1-15,2-10-1 16,2-4 0-16,0-8-124 15,0-6-496-15</inkml:trace>
   <inkml:trace contextRef="#ctx0" brushRef="#br0" timeOffset="34780.85">27320 15486 2375 0,'0'0'308'0,"0"0"-239"0,0 0-43 16,0 0-26-16,0 0 0 16,0 0 2-16,120 52 6 15,-78-33-2-15,1-5-1 16,-5-6-5-16,0-8 0 16,-7 0 0-16,-4 0 7 15,-9-5-6-15,-5-8 13 16,-9-1 20-16,-2 5 56 15,-2 1 11-15,0 5-27 16,0 3-35-16,0 0-30 0,0 0-9 16,0 7-18-1,-2 20 10-15,-9 10 8 16,-3 12 0-16,-1 8 5 0,-1 0-5 16,1 1-27-16,-3-4-73 15,-11 4-57-15,5-16-119 16,2-11-673-16</inkml:trace>
   <inkml:trace contextRef="#ctx0" brushRef="#br0" timeOffset="34936.18">27358 15731 2632 0,'0'0'330'16,"0"0"-275"-16,0 0-30 0,0 0 10 15,178-4-15-15,-64 20-20 16,-16 2-195-16,-20 0-613 0</inkml:trace>
-  <inkml:trace contextRef="#ctx0" brushRef="#br0" timeOffset="35332.29">28350 15959 1986 0,'0'0'483'0,"0"0"-303"16,0 0-40-16,0 0 2 15,0 0-81-15,0 0-61 16,0 0-6-16,-43 53 6 16,30-3 6-16,-3 2-2 15,5 8-3-15,3 0-1 16,0 0 0-16,4-3 0 15,2-7-12-15,-1-10 11 16,-1-14-48-16,-7-20-72 0,2-6-94 16,-2-6-706-16</inkml:trace>
+  <inkml:trace contextRef="#ctx0" brushRef="#br0" timeOffset="35332.28">28350 15959 1986 0,'0'0'483'0,"0"0"-303"16,0 0-40-16,0 0 2 15,0 0-81-15,0 0-61 16,0 0-6-16,-43 53 6 16,30-3 6-16,-3 2-2 15,5 8-3-15,3 0-1 16,0 0 0-16,4-3 0 15,2-7-12-15,-1-10 11 16,-1-14-48-16,-7-20-72 0,2-6-94 16,-2-6-706-16</inkml:trace>
   <inkml:trace contextRef="#ctx0" brushRef="#br0" timeOffset="35513.9">28180 15815 2705 0,'0'0'227'16,"0"0"-168"-16,0 0-8 0,154-22-9 15,-90 22-28-15,5 0-13 16,-4 0-2-16,-12 13-28 16,-21 10-78-16,-16 0-133 15,-16-6-626-15</inkml:trace>
   <inkml:trace contextRef="#ctx0" brushRef="#br0" timeOffset="35698.08">28242 16134 2622 0,'0'0'280'15,"0"0"-195"-15,0 0-4 0,0 0 12 16,136-20-51-1,-74 12-32-15,2 4-9 16,-7 4-2-16,1 0-66 16,-15 8-92-16,-14 2-289 0</inkml:trace>
   <inkml:trace contextRef="#ctx0" brushRef="#br0" timeOffset="36020.92">29325 16146 1942 0,'0'0'366'0,"0"0"-175"0,0 0 85 16,0 0-87-16,0 0-107 15,0 0-69-15,0 0-8 16,-27 4 2-16,-8 27 0 15,-21 18 1-15,-28 27 12 16,-41 33-14-16,-34 15 1 16,-12 6-1-16,9-19-9 15,37-35 3-15,38-32-8 16,25-13 7-16,14-8 1 16,0 3 0-16,-8 6-12 15,11 0-95-15,14-9-347 0</inkml:trace>
   <inkml:trace contextRef="#ctx0" brushRef="#br0" timeOffset="36585.44">28134 17459 1285 0,'0'0'1400'0,"0"0"-1247"16,0 0-121-16,0 0 19 0,0 0-21 15,154-104-25-15,-100 70 11 16,7-6-9-16,1 0-5 15,0-6 8-15,-6-2-10 16,-6 3-5-16,-13 10-9 16,-14 6 3-16,-12 17 10 15,-9 12-16-15,-2 0-52 16,-9 14-6-16,-11 25 57 16,-5 6 7-16,6 8-26 15,3 5-7-15,7-8 13 16,7-10 15-16,2-9 8 15,0-14 8-15,17-11 1 16,10-6 39-16,12-10 33 16,5-20-35-16,5-5-8 15,0-13-24-15,-4 1 2 0,-6 3-8 16,-9 3 1-16,-11 14 5 16,-9 10 18-16,-10 16 58 15,0 1-15-15,0 14-66 16,-17 26-1-16,5 6 0 15,3 10 1-15,6 2-2 16,3-3-16-16,0-11-13 16,9-13-8-16,23-17-36 15,-3-9-56-15,0-5-131 0</inkml:trace>
-  <inkml:trace contextRef="#ctx0" brushRef="#br0" timeOffset="37080.73">29358 17052 1913 0,'0'0'692'0,"0"0"-634"15,0 0-40-15,-26 104-8 16,8-48 1-16,0 7-11 16,1-9 2-16,1-4 4 15,7-14 7-15,5-14 2 16,4-14-9-16,0-8 19 15,8-8 18-15,21-20 7 0,7-12-21 16,9-4-19-16,-3-4 0 16,-2 6-9-16,-7 8 5 15,-12 6 4 1,-11 16 33-16,-10 12-10 0,0 0-28 16,-4 26 1-16,-13 18-6 15,-6 10 0-15,5 4-12 16,3-3-5-16,6-8 10 15,6-15-1-15,3-14-4 16,0-18 12-16,12 0 29 16,21-28 8-16,11-16-14 15,12-10-1-15,4-9-11 16,-1 2 11-16,-8 7 3 16,-13 10 12-16,-14 15 23 15,-15 13 6-15,-9 16-2 0,0 0-48 16,-2 22-16-16,-18 19-1 15,0 11 0-15,-2 6-16 16,3 0-6-16,4-4 8 16,-1-4-188-16,5-20 74 15,5-11-184-15</inkml:trace>
+  <inkml:trace contextRef="#ctx0" brushRef="#br0" timeOffset="37080.72">29358 17052 1913 0,'0'0'692'0,"0"0"-634"15,0 0-40-15,-26 104-8 16,8-48 1-16,0 7-11 16,1-9 2-16,1-4 4 15,7-14 7-15,5-14 2 16,4-14-9-16,0-8 19 15,8-8 18-15,21-20 7 0,7-12-21 16,9-4-19-16,-3-4 0 16,-2 6-9-16,-7 8 5 15,-12 6 4 1,-11 16 33-16,-10 12-10 0,0 0-28 16,-4 26 1-16,-13 18-6 15,-6 10 0-15,5 4-12 16,3-3-5-16,6-8 10 15,6-15-1-15,3-14-4 16,0-18 12-16,12 0 29 16,21-28 8-16,11-16-14 15,12-10-1-15,4-9-11 16,-1 2 11-16,-8 7 3 16,-13 10 12-16,-14 15 23 15,-15 13 6-15,-9 16-2 0,0 0-48 16,-2 22-16-16,-18 19-1 15,0 11 0-15,-2 6-16 16,3 0-6-16,4-4 8 16,-1-4-188-16,5-20 74 15,5-11-184-15</inkml:trace>
   <inkml:trace contextRef="#ctx0" brushRef="#br0" timeOffset="37427.38">30129 16539 2720 0,'0'0'469'15,"0"0"-443"-15,0 0-6 16,0 0 17-16,0 0-25 16,0 0-3-16,0 0-8 15,23 15 0-15,-19-8-1 16,-4-7-1-16,0 4-1 15,0-4 2-15,0 2 0 16,0 2-22-16,0 4-17 16,-4-4 35-16,0 2 4 15,1 3 4-15,3-6-4 16,0 2-14-16,16 0 14 16,17 3 13-16,14-4 19 0,18-4-18 15,11 0-7 16,1 0-7-15,-6 0 0-16,-10 0-4 0,-23-12-18 0,-21 2-64 0,-17-4-2018 0</inkml:trace>
   <inkml:trace contextRef="#ctx0" brushRef="#br0" timeOffset="39943.84">29802 16418 833 0,'0'0'754'0,"0"0"-490"0,0 0-185 16,0 0 59-16,0 0 38 16,0 0-57-16,0 0-41 15,55-30-13-15,-49 29 23 16,-2 1-23-16,-4 0-14 16,2 0-18-16,-2 0-15 15,0 0-16-15,0 0-2 16,0 0 5-16,0 0-4 15,0 0 8-15,0 0 12 16,0 0 18-16,0-4 12 16,2 4-19-16,7-9-7 15,5 3-10-15,5-1-5 16,6 2-9-16,6-3-1 0,0 7 1 16,5-3 6-16,-1 4-7 15,2 0 0-15,-2 0-1 16,-4 0-15-16,-4 4-4 15,-9 10-31-15,-12 12-25 16,-6 10 50-16,0 9 15 16,-15 12 11-16,-16-3-2 15,-7-4-35-15,-1-6 27 16,2-8 7-16,6-9 3 16,11-14 18-16,11 0-18 0,9-13-31 15,2 0 31-15,27 0 42 16,18 0 27-16,13-13-29 15,9 0-28-15,4 4-12 16,8 8-8-16,-21 1-81 16,-18 0-467-16</inkml:trace>
   <inkml:trace contextRef="#ctx0" brushRef="#br0" timeOffset="67953.89">18998 8430 472 0,'0'0'203'15,"0"0"-142"-15,0 0-59 16,0 0 0-16,0 0 17 16,0 0-19-16,-16 113-125 0</inkml:trace>
   <inkml:trace contextRef="#ctx0" brushRef="#br0" timeOffset="68682.08">18896 10418 1132 0,'0'0'542'0,"0"0"-349"15,0 0-78-15,0 0 43 16,0 0-73-16,11-131-50 16,-7 93-14-16,-2 1-4 15,1 6 19-15,-1 4 11 16,0 5-16-16,2 2 1 16,-1 7-25-16,2 1-5 0,-3 5-2 15,-2 3-10-15,0 4-38 16,0 0-39-16,0 2-86 15,0 37 15-15,0-6 8 16,0 1-264-16</inkml:trace>
-  <inkml:trace contextRef="#ctx0" brushRef="#br0" timeOffset="69184.94">20297 9810 1578 0,'0'0'374'15,"0"0"-182"-15,0 0 37 16,0 0-15-16,0 0-88 15,-15-113-26-15,5 95-10 16,0 7-23-16,-1 0-27 16,-5 5-19-16,-7 6-12 15,-10 0-9-15,-13 12-20 16,-12 20-11-16,-9 8 2 16,-7 8 17-16,3 9 12 15,4 2 5-15,5-2 1 16,8 3-3-16,8-2-3 15,7-1-1-15,12-4 1 0,10 12-144 16,8-15-208 0,6-11-649-16</inkml:trace>
+  <inkml:trace contextRef="#ctx0" brushRef="#br0" timeOffset="69184.93">20297 9810 1578 0,'0'0'374'15,"0"0"-182"-15,0 0 37 16,0 0-15-16,0 0-88 15,-15-113-26-15,5 95-10 16,0 7-23-16,-1 0-27 16,-5 5-19-16,-7 6-12 15,-10 0-9-15,-13 12-20 16,-12 20-11-16,-9 8 2 16,-7 8 17-16,3 9 12 15,4 2 5-15,5-2 1 16,8 3-3-16,8-2-3 15,7-1-1-15,12-4 1 0,10 12-144 16,8-15-208 0,6-11-649-16</inkml:trace>
   <inkml:trace contextRef="#ctx0" brushRef="#br0" timeOffset="71647.83">4348 12727 1303 0,'0'0'337'0,"0"0"-193"15,0 0-90-15,-116 141 112 16,93-100 10-16,4-3-55 16,9 1-76-16,5 1-28 15,5 0 1-15,0 0-5 16,0-2 5-16,5-8-17 16,3-4-1-16,1-10 0 15,11-10-42-15,-1-6-81 16,-7 0-182-16</inkml:trace>
-  <inkml:trace contextRef="#ctx0" brushRef="#br0" timeOffset="72200.93">4701 12641 1509 0,'0'0'347'0,"0"0"-224"15,0 0 50-15,0 0-13 16,0 0-19-16,0 0-46 15,0 0-58-15,-64-8-20 16,50 8-16-16,-7 0-1 16,-2 0 1-16,-9 6 8 15,-4 8-8-15,0 2 24 16,-1 4-25-16,1 0 0 16,5 2 1-16,-2 5 7 15,2 2-8-15,-1 7 0 16,-1 9-1-16,-2 9 2 0,3 13 9 15,1 24 13-15,6 36-21 16,23 21 10-16,2-10-11 16,20-31 10-16,15-38-11 15,6-26-20-15,15-3-29 16,13-6 38-16,16-8 11 16,6-20 0-16,3-6 43 15,-6-29 1-15,-5-14 33 16,-17-6-1-16,-19 1-39 15,-18 4-18-15,-20 8-13 16,-9 8-6-16,-25 8-134 16,-4 14-392-16</inkml:trace>
+  <inkml:trace contextRef="#ctx0" brushRef="#br0" timeOffset="72200.92">4701 12641 1509 0,'0'0'347'0,"0"0"-224"15,0 0 50-15,0 0-13 16,0 0-19-16,0 0-46 15,0 0-58-15,-64-8-20 16,50 8-16-16,-7 0-1 16,-2 0 1-16,-9 6 8 15,-4 8-8-15,0 2 24 16,-1 4-25-16,1 0 0 16,5 2 1-16,-2 5 7 15,2 2-8-15,-1 7 0 16,-1 9-1-16,-2 9 2 0,3 13 9 15,1 24 13-15,6 36-21 16,23 21 10-16,2-10-11 16,20-31 10-16,15-38-11 15,6-26-20-15,15-3-29 16,13-6 38-16,16-8 11 16,6-20 0-16,3-6 43 15,-6-29 1-15,-5-14 33 16,-17-6-1-16,-19 1-39 15,-18 4-18-15,-20 8-13 16,-9 8-6-16,-25 8-134 16,-4 14-392-16</inkml:trace>
   <inkml:trace contextRef="#ctx0" brushRef="#br0" timeOffset="73445.64">5217 13449 679 0,'0'0'246'16,"0"0"-142"-16,0 0-9 16,0 0-60-16,0 0-20 15,0 0-13-15,0 0 2 16,0 0 10-16,0-2 36 15,0 0 54-15,0 2-51 16,0-2-27-16,0 2-3 16,0 0 11-16,0 0 19 15,0 0-4-15,0 0-21 16,0-2 15-16,0 2 81 16,0 0 37-16,0-2-22 15,0 0-47-15,-2 0-49 0,0 0-25 16,0 2-1-16,-3 0-16 15,1 0 17-15,-2 0-18 16,-6 0-14-16,-3 0-9 16,-6 0-3-16,-3 10 26 15,-2 2 11-15,-5 2-11 16,-6 6 0-16,4 0 0 16,-1 4 12-16,8 2 21 15,4 1-24-15,10-4-8 16,10 0-1-16,2-6 0 15,9-4 0-15,22-3-1 16,10-2-1-16,5-2 1 16,3 4 1-16,-2 2 0 15,-7 6-2-15,-11 2-6 16,-13 8-13-16,-16 4-10 0,0 2 30 16,-25 0 1-16,-13-2 35 15,-2-4 49-15,5-10 11 16,6-8 13-16,9-10-14 15,13 0-50-15,7-28-44 16,2-12-41-16,29-13-12 16,13 2-62-16,10 0-91 15,4 3 42-15,0 10 108 16,-6 8 42-16,-8 15 14 16,-13 10 3-16,-6 5-1 15,-12 11 44-15,-7 19 24 0,0 6-1 16,-6 6-27-16,0 2-33 15,0-4-9 1,0-12-79-16,0-12 3 0,4-10-245 16,-2-6-1294-16</inkml:trace>
-  <inkml:trace contextRef="#ctx0" brushRef="#br0" timeOffset="73799.51">5676 13736 1328 0,'0'0'269'0,"0"0"-196"15,0 0-35-15,16 111-38 16,4-84-2-16,7-10-43 16,2-10 45-16,0-7 84 15,-5-8 136-15,-1-24-11 16,-12-12-96-16,-9-4-20 16,-2-9-78-16,-11 7-2 15,-16 6-13-15,-2 11-15 16,-2 10-116-16,0 19-11 0,10 4-242 15,11 0-1253-15</inkml:trace>
+  <inkml:trace contextRef="#ctx0" brushRef="#br0" timeOffset="73799.5">5676 13736 1328 0,'0'0'269'0,"0"0"-196"15,0 0-35-15,16 111-38 16,4-84-2-16,7-10-43 16,2-10 45-16,0-7 84 15,-5-8 136-15,-1-24-11 16,-12-12-96-16,-9-4-20 16,-2-9-78-16,-11 7-2 15,-16 6-13-15,-2 11-15 16,-2 10-116-16,0 19-11 0,10 4-242 15,11 0-1253-15</inkml:trace>
   <inkml:trace contextRef="#ctx0" brushRef="#br0" timeOffset="74049.75">5942 13672 2200 0,'0'0'244'15,"0"0"-196"-15,0 0-17 16,0 0 23-16,0 0-46 15,0 0-8-15,0 0-193 16,2-39-56-16,2 86 75 16,1 9 14-16,-1 4 79 0,-4-4 81 15,0-8 15 1,0-18 370-16,0-12-111 0,0-14-84 16,0-4-8-16,10-6-54 15,7-18-67-15,12-15 5 16,6-4-30-16,8-1-36 15,15-5-127-15,-11 18-217 16,-8 6-1975-16</inkml:trace>
   <inkml:trace contextRef="#ctx0" brushRef="#br0" timeOffset="75035.31">6940 13066 2466 0,'0'0'326'16,"0"0"-246"-16,0 0 19 15,0 0-34-15,0 0-59 16,0 0-2-16,0 0-4 16,107-26 8-16,-40 25-8 15,4 1-5-15,1 0-33 0,-12 0-49 16,-14 5-26-16,-17 17-26 16,-16-2-19-16,-13 0-240 0</inkml:trace>
   <inkml:trace contextRef="#ctx0" brushRef="#br0" timeOffset="75165.36">7101 13365 2508 0,'0'0'88'0,"0"0"11"16,0 0-72-16,0 0 91 16,164-34-16-16,-88 12-33 0,2-3-49 15,11 6-20 1,-22 5-180-16,-21 6-524 0</inkml:trace>
@@ -1967,7 +1966,7 @@
   <inkml:trace contextRef="#ctx0" brushRef="#br0" timeOffset="80592.68">12308 12290 2677 0,'0'0'454'0,"0"0"-454"15,0 0 0-15,0 0 8 16,164 30-7-16,-104-22-1 16,1-2-24-16,5-3-113 15,-16-1-71-15,-15 0-315 0</inkml:trace>
   <inkml:trace contextRef="#ctx0" brushRef="#br0" timeOffset="80783.25">12216 12561 2235 0,'0'0'381'16,"0"0"-249"-16,0 0-67 0,0 0 28 15,136-6 25-15,-51-6-44 16,13-3-36-16,6 6-18 16,-15 2-13-16,7 3-7 15,-16 4-16-15,-11 4-99 16,-21 15-177-16,-27-2-958 0</inkml:trace>
   <inkml:trace contextRef="#ctx0" brushRef="#br0" timeOffset="81237.69">10993 13627 1107 0,'0'0'1180'16,"0"0"-1050"-16,0 0 7 16,0 0 75-16,0 0-113 15,0 0-65-15,0 0-19 16,51 0 68-16,2 0-10 0,36 0-9 16,50-8-4-16,57-3-21 15,28-1-15-15,7-2-12 16,-15 3-7-16,-36 4 2 15,-38 1 0-15,-39 1-7 16,-42 4 0-16,-26 1-28 16,-6 0-11-16,-16 0 9 15,-13 0-48-15,-56 21-17 16,-17 6-124-16,-14 0-1149 0</inkml:trace>
-  <inkml:trace contextRef="#ctx0" brushRef="#br0" timeOffset="81790.01">10977 14684 1533 0,'0'0'939'15,"0"0"-851"-15,0 0-78 16,0 0 2-16,0 0 60 16,0 0 40-16,138-74-39 15,-80 22-39-15,3-13-33 0,-1-10 22 16,-7-6-13 0,-4-3-10-16,-9 8 16 0,-7 18-7 15,-10 16 13-15,-11 20 32 16,-10 22 43-16,-2 0-47 15,0 34-39-15,0 18 6 16,0 12-4-16,0 10-13 16,0-6-29-16,0-1-6 15,13-17-45-15,0-15 64 16,5-16 5-16,0-19 2 16,4 0-10-16,2-29 19 15,1-19 10-15,0-7 17 16,-6-4-27-16,-3 1 33 15,-5 11 1-15,-5 16 7 0,-2 17 11 16,-2 6 23-16,-2 8-29 16,2 12-46-16,4 21-1 15,5 12 1 1,3 11 8-16,5-2-8 0,2-1-16 16,1-11-28-16,2-13-17 15,3-10-26-15,0-19 47 16,11-19-52-16,-4-21-67 15,-10 1-652-15</inkml:trace>
+  <inkml:trace contextRef="#ctx0" brushRef="#br0" timeOffset="81790">10977 14684 1533 0,'0'0'939'15,"0"0"-851"-15,0 0-78 16,0 0 2-16,0 0 60 16,0 0 40-16,138-74-39 15,-80 22-39-15,3-13-33 0,-1-10 22 16,-7-6-13 0,-4-3-10-16,-9 8 16 0,-7 18-7 15,-10 16 13-15,-11 20 32 16,-10 22 43-16,-2 0-47 15,0 34-39-15,0 18 6 16,0 12-4-16,0 10-13 16,0-6-29-16,0-1-6 15,13-17-45-15,0-15 64 16,5-16 5-16,0-19 2 16,4 0-10-16,2-29 19 15,1-19 10-15,0-7 17 16,-6-4-27-16,-3 1 33 15,-5 11 1-15,-5 16 7 0,-2 17 11 16,-2 6 23-16,-2 8-29 16,2 12-46-16,4 21-1 15,5 12 1 1,3 11 8-16,5-2-8 0,2-1-16 16,1-11-28-16,2-13-17 15,3-10-26-15,0-19 47 16,11-19-52-16,-4-21-67 15,-10 1-652-15</inkml:trace>
   <inkml:trace contextRef="#ctx0" brushRef="#br0" timeOffset="82239.67">12065 14195 2134 0,'0'0'632'0,"0"0"-578"15,0 0-32-15,0 0 31 16,0 0-3-16,44 110-28 15,-30-63-10-15,-6-3-12 16,-1-4 7-16,-3-14 0 16,-2-6-7-16,-2-12 7 15,5-8-2-15,0 0 18 16,4-18-9-16,4-14 17 16,5-9-20-16,4 0-10 15,2 2-1-15,-1 11 1 16,-5 12 5-16,-5 10 5 15,-5 6-6-15,2 20-4 16,1 18 11-16,3 12 3 16,-1 3-13-16,5-3-1 0,-3-8-2 15,-1-12-3-15,-3-8 0 16,-3-20 4-16,1-2 0 16,3-12-5-16,3-24 5 15,3-8 22-15,-1-4-10 16,2-2-8-16,-3 11 1 15,-6 11-5-15,-3 12 8 16,-3 15 14-16,1 1 16 16,0 17-32-16,3 22-5 15,10 6 10-15,4 7-11 16,7-1-11-16,13-4-59 16,-7-11-84-16,-10-19-182 0</inkml:trace>
   <inkml:trace contextRef="#ctx0" brushRef="#br0" timeOffset="82540.72">12811 14007 2486 0,'0'0'584'0,"0"0"-524"15,0 0-39-15,0 0 50 16,0 0-32-16,141-49-21 15,-113 53-18-15,-4 24 1 16,-14 9-2-16,-10 10 1 0,-5 7-5 16,-26 1-4-16,-7-3 9 15,2-8 14-15,7-14 10 16,11-10 18-16,14-10-22 16,4-8-13-16,14-2-7 15,26 0-3-15,18-16 2 16,15-6-24-16,20-2-85 15,-16 3-110-15,-24 4-510 0</inkml:trace>
   <inkml:trace contextRef="#ctx0" brushRef="#br0" timeOffset="83699.85">3453 11971 1151 0,'0'0'370'0,"0"0"-69"16,0 0-15-16,0 0-71 15,0 0-83-15,0 0-57 16,0 0-42-16,2 0 0 16,-2 0 5-16,0 16-11 15,0 13 1-15,0 20 26 16,2 32-3-16,5 51-26 15,7 68 3-15,1 41-3 16,3 31-15-16,-5 8-10 16,-4-20-3-16,-2-1 2 15,-5-22 0-15,-2-23-11 0,0-25-4 16,0-23 9 0,2-19 7-16,3-33 2 15,-1-26-2-15,1-29 8 0,-3-16-14 16,-2 3 15-16,0-3-9 15,0-6 0-15,0-11 0 16,0-16-31-16,0-10-74 16,-9-13-94-16,-4-14-1250 0</inkml:trace>
@@ -2049,16 +2048,16 @@
   <inkml:trace contextRef="#ctx0" brushRef="#br1" timeOffset="34972">25126 12852 141 0,'0'0'1033'0,"0"0"-867"16,0 0-118-16,0 0-29 16,0 0-5-16,0 0-12 15,0 0 0-15,-40 34 12 16,24-26 37-16,1 1 15 16,-6 4-21-16,1-3-17 15,0 1-15-15,2 2 13 16,0-1-13-16,1 2-9 15,3 1 9-15,1 2-13 16,2 1 2-16,1 0-2 0,0 0 0 16,1 3 2-16,-3-2-2 15,1-1 2-15,-1 2 7 16,0-2-7-16,-1-2-2 16,1 0 2-16,1-2-2 15,0-2 4-15,4-3-2 16,1-4 20-16,3-2 35 15,1-2-1-15,2-1-37 16,0 0 3-16,0 0-8 16,0 0-4-16,0 0-10 15,0 0-9-15,0 0 9 0,0 0 0 16,0 2 0 0,0 1-29-16,0-2-47 15,0 3 8-15,0 0-16 0,-2 1 33 16,2-1 38-16,0 0-8 15,0 1-16-15,0 4-172 16,0-6-179-16,0 3-284 0</inkml:trace>
   <inkml:trace contextRef="#ctx0" brushRef="#br1" timeOffset="35054.83">24760 13289 169 0,'0'0'386'16,"0"0"-72"-16,0 0-105 16,0 0-78-16,0 0-63 15,0 0-68-15,0 0-85 0,94 0-157 16</inkml:trace>
   <inkml:trace contextRef="#ctx0" brushRef="#br1" timeOffset="36408.83">25057 13334 895 0,'0'0'301'0,"0"0"-196"0,0 0 31 15,0 0 54-15,0 0-1 16,0 0-91-16,0 0-25 16,-37 0-40-16,37 0-33 15,0 0 27-15,0 0 26 16,0-1-7-16,12-7-27 15,3-5 90-15,12-5 7 16,9-4-39-16,13-6-21 16,9-5-22-16,13-6 1 15,25-11-5-15,31-12-14 0,-7 2-5 16,-8 4 24 0,-10 8 16-16,-19 10-5 15,10-5-21-15,9-1 1 16,-4 2-15-16,1 4-11 0,-5 0 10 15,1 1 0-15,-1 2 1 16,2 1-11-16,-1 2 1 16,3 0 0-16,0 2 0 15,1-1 8-15,-1 3-4 16,-3 0-5-16,-3 2-1 16,-3 0 1-16,-5 1 0 15,-1 0 10-15,-3 1-9 16,0 0-1-16,0-1 0 15,1 2 7-15,1 1-6 16,1-2 6-16,-1 2-2 16,-4 1 3-16,-4 1-6 15,-7 4-2-15,-7-2 7 16,-5 2-7-16,-4 2 0 16,1-5 1-16,-4 2 6 0,2-3-7 15,3 0 0-15,0-4 4 16,3-2-4-16,4 0 1 15,0 2-1-15,-1-1 0 16,-1 2-1-16,-3 0 1 16,-2 1 0-16,-1 0 8 15,-3-1-8-15,2-2-1 16,3 0-7-16,1-2 3 16,3-1 5-16,1-2-1 0,-5 2 0 15,4-1-1 1,-2 2 2-16,0 1 0 0,-4 2 0 15,-4 2 0-15,-3 0 0 16,-3 1 11-16,-6 2-11 16,-3 0 8-1,-4 2 1-15,-2-2-9 0,-2 5 8 16,-3-2-8-16,0 4 0 16,-2-1 5-16,1-2-4 15,-2 3-1-15,-1 0 5 16,0 2-5-16,0 0 0 15,-5 2 0-15,1 0 0 16,-4 2 0-16,4 0 6 16,-3-3-6-16,-2 5 1 15,0 0 2-15,-2-3-2 0,-3 5 8 16,1 0-4-16,-3 0-3 16,-2 2-2-16,0 0-6 15,0 0-8-15,0 0-12 16,0 0-6-16,0 0-2 15,0 0-1-15,-2 0 3 16,-7 8-40-16,-2 2-57 16,-7 3-80-16,-7 2 28 15,-2 0-104-15,-21 4-36 16,7-3 106-16,3-4-7 0</inkml:trace>
-  <inkml:trace contextRef="#ctx0" brushRef="#br1" timeOffset="38766.22">30139 11833 895 0,'0'0'396'0,"0"0"-270"15,0 0-24-15,0 0 30 16,0 0-28-16,0 0-28 15,-123-35-28-15,112 30-48 16,2 1 23-16,0-2 5 16,2-2 105-16,0 2 70 15,5-2-74-15,2 1-53 16,0 1-15-16,0 1-61 16,0 1-12-16,9-2 2 0,3-1 10 15,-4-1 25-15,3 4-1 16,-1-2-16-16,3 5-6 15,5-3 13-15,7 1-2 16,10 3-12-16,11 0 30 16,10 0-30-16,11 0 12 15,9 8-5-15,4 5 8 16,0-1 2-16,-6-1 0 16,-10-1 13-16,-12-3-20 15,-15-3 7-15,-12-2 6 16,-14 0-15-16,-4-2 2 15,-7 0 12-15,0 0-23 16,0 0 0-16,0 2 0 16,0-1-5-16,0 2-20 15,0-2-128-15,0 1-141 0,-9 3-184 16,2 1-226-16,-1-1 199 16</inkml:trace>
-  <inkml:trace contextRef="#ctx0" brushRef="#br1" timeOffset="39187.79">30187 11694 1132 0,'0'0'196'16,"0"0"-164"-16,0 0-20 16,-135-30 117-16,94 24 100 15,8 1-110-15,9 0-30 16,10 1-10-16,10 3 90 15,4 1-50-15,11 0-119 16,22 0 0-16,12 0 13 16,13 0 17-16,4 3 3 0,5 5-21 15,-9 2 3-15,-9-2 32 16,-18-2-23-16,-19-1-16 16,-12-5 5-16,-38 0 61 15,-45 0-31-15,-52 0-43 16,12 0-169-16,11-7-573 15</inkml:trace>
+  <inkml:trace contextRef="#ctx0" brushRef="#br1" timeOffset="38766.21">30139 11833 895 0,'0'0'396'0,"0"0"-270"15,0 0-24-15,0 0 30 16,0 0-28-16,0 0-28 15,-123-35-28-15,112 30-48 16,2 1 23-16,0-2 5 16,2-2 105-16,0 2 70 15,5-2-74-15,2 1-53 16,0 1-15-16,0 1-61 16,0 1-12-16,9-2 2 0,3-1 10 15,-4-1 25-15,3 4-1 16,-1-2-16-16,3 5-6 15,5-3 13-15,7 1-2 16,10 3-12-16,11 0 30 16,10 0-30-16,11 0 12 15,9 8-5-15,4 5 8 16,0-1 2-16,-6-1 0 16,-10-1 13-16,-12-3-20 15,-15-3 7-15,-12-2 6 16,-14 0-15-16,-4-2 2 15,-7 0 12-15,0 0-23 16,0 0 0-16,0 2 0 16,0-1-5-16,0 2-20 15,0-2-128-15,0 1-141 0,-9 3-184 16,2 1-226-16,-1-1 199 16</inkml:trace>
+  <inkml:trace contextRef="#ctx0" brushRef="#br1" timeOffset="39187.78">30187 11694 1132 0,'0'0'196'16,"0"0"-164"-16,0 0-20 16,-135-30 117-16,94 24 100 15,8 1-110-15,9 0-30 16,10 1-10-16,10 3 90 15,4 1-50-15,11 0-119 16,22 0 0-16,12 0 13 16,13 0 17-16,4 3 3 0,5 5-21 15,-9 2 3-15,-9-2 32 16,-18-2-23-16,-19-1-16 16,-12-5 5-16,-38 0 61 15,-45 0-31-15,-52 0-43 16,12 0-169-16,11-7-573 15</inkml:trace>
   <inkml:trace contextRef="#ctx0" brushRef="#br1" timeOffset="65817.12">10854 4517 1666 0,'0'0'383'0,"0"0"-167"15,0 0-71-15,0 0-11 16,0 0-43-16,0 0-30 16,-4-33-3-16,4 27-24 15,0 0 24-15,-2-3 8 16,2 2-30-16,0-6-18 15,0-2-6-15,4-6-12 0,23-7 0 16,18-9-1-16,20-7 0 16,35-18-24-16,47-28-9 15,38-24-12-15,6-4 9 16,-33 18 2-16,-46 32 20 16,-50 29 1-16,-15 9-27 15,-2 2-52-15,-5 0-19 16,-11-4-4-16,-17 12-68 15,-12 6-379-15</inkml:trace>
   <inkml:trace contextRef="#ctx0" brushRef="#br1" timeOffset="66061.39">11764 3529 1513 0,'0'0'469'0,"0"0"-220"15,0 0-132-15,0 0-4 16,0 0-54-16,0 0-39 15,0 0-20-15,93-20-7 16,-59 45-12-16,-3 14-2 16,-7 14 9-16,-8 12 10 15,-7 8 2-15,-9 3 0 16,0-2 7-16,0-6-6 16,0-8-1-1,-4-10 1-15,-4-11 1 0,2-7-2 16,6-4-2-16,0-10-185 15,0-12-963-15</inkml:trace>
   <inkml:trace contextRef="#ctx0" brushRef="#br1" timeOffset="66953.5">14027 2921 1267 0,'0'0'297'15,"0"0"-217"-15,0 0 107 16,0 0-22-16,0 0-45 15,0 0-90-15,0 0-30 16,-38-2-5-16,5 27 5 16,-13 10 32-16,-8 7 8 15,-4 10-4-15,2 2-12 16,8 7-11-16,7 5-12 16,19 3-1-16,13 0-17 15,9 0 7-15,24-7-23 16,28-14 33-16,30-20 18 15,3-18 18-15,12-10-15 16,4-34-11-16,-21-18 5 16,-2-14-13-16,-22-10 6 0,-27-3 1 15,-24 1-9-15,-13 6-7 16,-40 3 7-16,-21 12 31 16,-14 10-11-16,-2 16 37 15,6 12-44-15,11 19-13 16,22 0-3-16,37 41-136 15,9-1-330-15,15-8-954 16</inkml:trace>
   <inkml:trace contextRef="#ctx0" brushRef="#br1" timeOffset="67136.5">14609 3166 2329 0,'0'0'253'16,"0"0"-181"-16,0 0-72 15,0 0-110-15,0 0-9 16,0 0-148-16,0 0-606 0</inkml:trace>
-  <inkml:trace contextRef="#ctx0" brushRef="#br1" timeOffset="67554.46">15043 2785 1811 0,'0'0'365'0,"0"0"-255"15,0 0-110-15,0 0-30 16,0 0 30-16,0 0 38 16,168-20-21-16,-100 14-6 15,-1-2 1-15,-9-2-10 16,-11-2 1-16,-11 2 12 16,-14-2-3-16,-9 0 55 15,-8 2 12-15,-3 2 26 16,-2 2-30-16,0-1 7 15,0 6-51-15,0 1-22 0,0 0-9 16,0 4-46-16,0 20 12 16,0 18 34-16,0 16 0 15,-2 14 2-15,-3 13 7 16,3 5-18-16,2-1-26 16,0 0-73-16,-2-3-20 15,-12 13-115-15,-1-21-232 16,-1-22 208-16</inkml:trace>
+  <inkml:trace contextRef="#ctx0" brushRef="#br1" timeOffset="67554.45">15043 2785 1811 0,'0'0'365'0,"0"0"-255"15,0 0-110-15,0 0-30 16,0 0 30-16,0 0 38 16,168-20-21-16,-100 14-6 15,-1-2 1-15,-9-2-10 16,-11-2 1-16,-11 2 12 16,-14-2-3-16,-9 0 55 15,-8 2 12-15,-3 2 26 16,-2 2-30-16,0-1 7 15,0 6-51-15,0 1-22 0,0 0-9 16,0 4-46-16,0 20 12 16,0 18 34-16,0 16 0 15,-2 14 2-15,-3 13 7 16,3 5-18-16,2-1-26 16,0 0-73-16,-2-3-20 15,-12 13-115-15,-1-21-232 16,-1-22 208-16</inkml:trace>
   <inkml:trace contextRef="#ctx0" brushRef="#br1" timeOffset="67710.97">15200 3278 2046 0,'0'0'308'16,"0"0"-152"-16,0 0-126 15,129-62-8-15,-14 40-12 16,37 2-9-16,3 4-1 15,-36 10-125-15,-34-2-295 0</inkml:trace>
   <inkml:trace contextRef="#ctx0" brushRef="#br1" timeOffset="68071.53">16370 2882 1909 0,'0'0'267'0,"0"0"-188"0,0 0-78 15,-157 3-1-15,100 28-8 16,-6 15 8-16,5 12-21 16,9 4 19-16,13 2-40 15,16-3 29-15,16-9 10 16,4-13-11-16,16-9 4 16,21-16 10-16,7-11 31 15,10-3 29-15,2-21-7 16,-4-15-27-16,-10-6 3 15,-11 0-27-15,-11 4 22 16,-11 6 38-16,-7 11 56 0,-2 8 36 16,0 9-81-1,0 4-67-15,0 14-6 0,-2 20-29 16,2 14 29-16,0 8 0 16,0-2 1-16,17-4 6 15,10-10-7-15,6-11-12 16,8-15-59-16,24-18 8 15,-9-20-49-15,-6-12-372 16</inkml:trace>
-  <inkml:trace contextRef="#ctx0" brushRef="#br1" timeOffset="68303.74">17042 2637 2173 0,'0'0'318'0,"0"0"-287"0,0 0-31 16,-82 144 11-16,57-66-8 16,9 11 5-16,10 2-6 15,6-3 5-15,0-6-7 16,2-15-7-16,12-15 6 16,-1-16 1-16,-3-11-10 15,-2-25-63-15,-6 0-53 16,-2-20 46-16</inkml:trace>
+  <inkml:trace contextRef="#ctx0" brushRef="#br1" timeOffset="68303.73">17042 2637 2173 0,'0'0'318'0,"0"0"-287"0,0 0-31 16,-82 144 11-16,57-66-8 16,9 11 5-16,10 2-6 15,6-3 5-15,0-6-7 16,2-15-7-16,12-15 6 16,-1-16 1-16,-3-11-10 15,-2-25-63-15,-6 0-53 16,-2-20 46-16</inkml:trace>
   <inkml:trace contextRef="#ctx0" brushRef="#br1" timeOffset="68464.86">16886 2675 1836 0,'0'0'673'16,"0"0"-537"-16,0 0-117 15,0 0 11-15,151-17-11 16,-74 17-19-16,25 15-34 15,-17 7-127-15,-19 0-257 0</inkml:trace>
   <inkml:trace contextRef="#ctx0" brushRef="#br1" timeOffset="68619.87">17044 3140 1478 0,'0'0'349'0,"0"0"-226"15,0 0 49-15,180-24-32 16,-86 6-42-16,7-3-66 16,3 0-32-16,-25 7-46 15,-29 1-730-15</inkml:trace>
   <inkml:trace contextRef="#ctx0" brushRef="#br1" timeOffset="69054.97">15036 4095 1527 0,'0'0'345'16,"0"0"-111"-16,0 0 9 16,0 0-40-16,0 0-133 15,0 0-68-15,0 0 51 16,96-27 41-16,-26 10-16 15,32-10-60-15,52-7 22 0,56-8-34 16,23 0 2-16,-1 6-1 16,-28 10-1-16,-40 8 6 15,-39 6-12-15,-36 2 0 16,-33 4 0-16,-23 1-21 16,-9 1-19-16,-13 3-29 15,-11 1 18-15,-42 0-98 16,-21 5-145-16,-4 9-468 15</inkml:trace>
@@ -2072,9 +2071,9 @@
   <inkml:trace contextRef="#ctx0" brushRef="#br1" timeOffset="74388.07">2758 14239 1071 0,'0'0'383'16,"0"0"-191"-16,0 0-61 15,0 0 42-15,0 0 98 16,0 0-69-16,0 0-107 16,76-148-54-16,-50 85-10 15,1-1-15-15,-2 0-7 16,-8 4 12-16,-1 9-15 16,-7 6 2-16,-3 15 2 0,-6 10 6 15,0 12 16-15,0 8-31 16,0 1-1-16,0 26-15 15,0 12 15-15,0 10 10 16,3 3-10-16,5-2-1 16,6-13-5-16,1-10-3 15,-1-11-22-15,-3-11 16 16,1-5 15-16,1-12 24 16,0-24 14-16,1-9 5 15,-4-10-43-15,-3 3 0 16,-2 2-8-16,-5 10 8 15,0 17 6-15,0 11-6 16,0 12 0-16,0 0 19 0,0 23-19 16,7 17 1-16,10 7 8 15,34 12-9-15,-1-14-138 16,-2-13-307-16</inkml:trace>
   <inkml:trace contextRef="#ctx0" brushRef="#br1" timeOffset="75678.03">8022 12887 723 0,'0'0'0'16,"0"0"-242"-16,0 0 47 0</inkml:trace>
   <inkml:trace contextRef="#ctx0" brushRef="#br1" timeOffset="76314.75">7785 12853 1180 0,'0'0'599'16,"0"0"-352"-1,0 0-133-15,0 0 1 0,0 0-41 16,0 0-23-16,0 0-37 16,0 0-13-16,0 0 48 15,0 3-32-15,0 14 13 16,0 7 20-16,0 9-27 16,0 7-1-16,0 8-1 15,0 6-20-15,0 8 13 16,6 7-14-16,1 3 0 15,-1 0 6-15,-1-4 15 16,-3-6-21-16,-2-8 0 16,0-8 8-16,0-9-8 15,0-11 0-15,0-7 2 16,0-5 12-16,0-3-13 16,0-8-1-16,0 0-9 0,0-3 1 15,0 0-11-15,0 0-70 16,3-8-87-16,-1-5-187 15</inkml:trace>
-  <inkml:trace contextRef="#ctx0" brushRef="#br1" timeOffset="76725.99">7691 12858 982 0,'0'0'406'16,"0"0"-277"-16,0 0-86 16,0 0 26-16,0 0-18 15,0 0-23-15,0 0 48 0,0 0 19 16,2 0-34 0,0 0-25-16,3 0-14 0,-1 0-8 15,0 0-4-15,-2 0-10 16,4 0-15-16,-2 0 1 15,0 0-121-15,5 0-38 16,0 0-36-16,-2 0-456 0</inkml:trace>
+  <inkml:trace contextRef="#ctx0" brushRef="#br1" timeOffset="76725.98">7691 12858 982 0,'0'0'406'16,"0"0"-277"-16,0 0-86 16,0 0 26-16,0 0-18 15,0 0-23-15,0 0 48 0,0 0 19 16,2 0-34 0,0 0-25-16,3 0-14 0,-1 0-8 15,0 0-4-15,-2 0-10 16,4 0-15-16,-2 0 1 15,0 0-121-15,5 0-38 16,0 0-36-16,-2 0-456 0</inkml:trace>
   <inkml:trace contextRef="#ctx0" brushRef="#br1" timeOffset="77982.02">7811 12858 727 0,'0'0'219'0,"0"0"-130"15,0 0 118-15,0 0 1 16,0 0-78-16,0 0-109 16,0 0-5-16,-2 0 41 15,2 0 48-15,0 0-4 16,0 0 1-16,0 0-24 0,0 0 24 15,0 0-20-15,7-5-45 16,6 2-3-16,7-4-10 16,5 0-23-16,4-1 13 15,2-2-14-15,7-2 8 16,1-1 2-16,7-2-10 16,0-2 8-16,3-1-8 15,4-3 1-15,-1 4 2 16,-1-1 5-16,-2 0-5 15,-2 4-3-15,-3 0-10 16,-1 1 10-16,-1 1 0 16,-2 1-6-16,1 1 6 15,-4-2 1-15,3 0 7 0,3-2-8 16,-1 0 0-16,2-2 5 16,3 1-4-16,3 1-1 15,-4 0 0-15,1 2 1 16,0 1-1-16,-2 0 2 15,1 1-2-15,1 1-15 16,-1-1 15-16,6-3 2 16,-1-1 6-16,4-2-7 15,4-2 10-15,-1-1-11 16,0 0 0-16,-2 1 19 16,2 0-19-16,-6 0 0 0,2 2 2 15,0 0-2-15,-4-2 0 16,4 2 0-16,0-2 0 15,2-2 1-15,0-3 16 16,-1 1-3-16,-2 0 2 16,-1 3-15-16,-4 0 5 15,2 1-5-15,-6 2-1 16,1 3 7-16,-1 0-7 16,1-1 3-16,1 0 3 15,4 1-6-15,0-4 0 16,6-2 0-16,0 0 1 15,0-3 0-15,0 0 0 16,0 2 10-16,-3-3-11 16,3 4 1-16,-1 0 2 0,1-1-2 15,5 2-1-15,-1 0 0 16,2-1-1-16,3 0-17 16,-1-1 5-1,1 2 13-15,-1 0 10 0,-1-2-10 16,-1 2-6-16,0 0 6 15,-2 0 0-15,-2 3 0 16,1-2 10-16,-1 1-10 16,0 0 0-16,-3 2 0 15,3-3-6-15,0 2 6 16,2-1 25-16,2-3 13 16,1 2 12-16,1-2-17 0,1-1 12 15,1 0 17 1,2 1-4-16,1-2 4 0,0 3-29 15,2 0-18-15,3 4-5 16,-3 2-10-16,3 0 10 16,-3 0-9-16,0 0 0 15,-2-1 8-15,-2 2-9 16,-2-3 1-16,-1 2-1 16,1-2-1-16,-1 1 1 15,-6 0 1-15,-4 3 0 16,-12 4-1-16,-13 1 0 15,-12 5-19-15,-17 0-56 16,-28 15-124-16,-19 8 11 0,-15 4-688 16</inkml:trace>
-  <inkml:trace contextRef="#ctx0" brushRef="#br1" timeOffset="79114.41">7876 13110 1314 0,'0'0'560'15,"0"0"-408"-15,0 0-31 16,0 0 89-16,0 0-99 16,0 0-63-16,0 0-47 15,0-27 26-15,15 18 63 16,3 1-27-16,5-2-17 15,-2 1-18-15,4 2 17 16,6 0-18-16,5 0-20 16,9 1 1-16,6 4-8 15,7 0-1-15,10 0 1 16,9 2 6-16,3-2 1 16,2-4-7-16,-1 0-12 15,-6-4 1-15,-5-2-18 0,-13 2-36 16,-12-2-1-16,-14 0-18 15,-14 0 5-15,-9 2 26 16,-8 0 27-16,0 1-3 16,-16 3 1-16,-1 0 25 15,0 5-6-15,7-2 18 16,5 2-2-16,0 1-7 16,3 0 0-16,2 0-8 15,0 0-8-15,0 0 16 16,-2 0-1-16,2 0 1 15,-2 0-5-15,-3 0 5 0,-1 0 23 16,-1 10 9-16,0 2 2 16,0 3 12-16,1 8-16 15,4 7 24 1,2 8-36-16,0 10-4 0,0 8-8 16,2 6 4-16,7 5 4 15,0-3-13-15,2 0 0 16,-5-6 0-16,1-4 5 15,0-8-6-15,-5-8-34 16,-2-4 33-16,0-7-8 16,-9-1-107-16,-8-8-122 15,-6-4-957-15</inkml:trace>
+  <inkml:trace contextRef="#ctx0" brushRef="#br1" timeOffset="79114.4">7876 13110 1314 0,'0'0'560'15,"0"0"-408"-15,0 0-31 16,0 0 89-16,0 0-99 16,0 0-63-16,0 0-47 15,0-27 26-15,15 18 63 16,3 1-27-16,5-2-17 15,-2 1-18-15,4 2 17 16,6 0-18-16,5 0-20 16,9 1 1-16,6 4-8 15,7 0-1-15,10 0 1 16,9 2 6-16,3-2 1 16,2-4-7-16,-1 0-12 15,-6-4 1-15,-5-2-18 0,-13 2-36 16,-12-2-1-16,-14 0-18 15,-14 0 5-15,-9 2 26 16,-8 0 27-16,0 1-3 16,-16 3 1-16,-1 0 25 15,0 5-6-15,7-2 18 16,5 2-2-16,0 1-7 16,3 0 0-16,2 0-8 15,0 0-8-15,0 0 16 16,-2 0-1-16,2 0 1 15,-2 0-5-15,-3 0 5 0,-1 0 23 16,-1 10 9-16,0 2 2 16,0 3 12-16,1 8-16 15,4 7 24 1,2 8-36-16,0 10-4 0,0 8-8 16,2 6 4-16,7 5 4 15,0-3-13-15,2 0 0 16,-5-6 0-16,1-4 5 15,0-8-6-15,-5-8-34 16,-2-4 33-16,0-7-8 16,-9-1-107-16,-8-8-122 15,-6-4-957-15</inkml:trace>
   <inkml:trace contextRef="#ctx0" brushRef="#br1" timeOffset="79357.52">8145 13747 2041 0,'0'0'457'16,"0"0"-332"-16,0 0-112 16,0 0-4-16,0 0 13 15,0 0 9-15,157-45-20 16,-93 30 6-16,7 1-10 15,5 3-7-15,-2 1-1 16,-6 2-16-16,11-3-72 0,-22 4-126 16,-14 0-767-16</inkml:trace>
   <inkml:trace contextRef="#ctx0" brushRef="#br1" timeOffset="80308.5">8861 13068 1174 0,'0'0'528'0,"0"0"-358"16,0 0-121-16,0 0 14 15,0 0-1-15,0 0-8 16,146-82-5-16,-103 66 23 16,1-1-3-16,-1 1-19 15,-3 2-9-15,0 0 15 16,1 2-31-16,-2 1-14 15,5-2-4-15,2 1-7 0,4-2 0 16,4 3-7 0,6-6 7-16,2 1 1 0,7 0 6 15,3-2-6 1,4 1-1-16,0 0 0 0,1 1 0 16,2 0 2-16,3-2-2 15,0 2 12 1,5-4-2-16,0-2 1 0,7-2-4 15,-1-2 8-15,5-3 5 16,2-3-12-16,0 0 6 16,1-2 3-16,-3 2-7 15,0 0-3-15,-4 2 0 16,-3 2-6-16,-2 0 0 16,-4 2 0-16,-1-1 19 15,-3 2 4-15,1-1 25 0,-2-1-11 16,1 2 4-1,-1-4-4-15,0 5-37 0,0 1-1 16,-2-2 0-16,0 3-7 16,-2 2-25-16,-2-2 9 15,-3 1 11-15,0-4 9 16,1 1 2-16,1-4 2 16,5 0-1-16,0 0 14 15,5 0 4-15,-4 3 33 16,-3 1-24-16,-2 4-14 15,-10 3-12-15,-6-1 0 16,-6 3 10-16,-8 1 5 16,-3 3 10-16,-2-2 0 0,-3 1-5 15,2 0 2 1,0 0 1-16,0 1-8 0,2-2-12 16,-3 1 2-16,4 2 0 15,-5 2-6-15,-1-2 1 16,1 3 0-16,-1-4-1 15,1 3 0-15,0-3 6 16,0 4-6-16,-1-3 0 16,-2 0 1-16,-4 2 3 15,-6 2-3-15,-8 0-1 16,-6 3 0-16,-9 1 0 16,0 2-2-16,0 0-29 15,-11 0-83-15,-18 0-98 16,2 0-121-16,2 0-411 0</inkml:trace>
   <inkml:trace contextRef="#ctx0" brushRef="#br1" timeOffset="80829.59">13480 11262 1433 0,'0'0'830'16,"0"0"-627"-16,0 0-99 16,0 0 32-16,0 0-55 15,0 0-41-15,0 0-39 16,21-9 0-16,2 9 0 15,8 0 10-15,4 0-11 16,11 4 6-16,2 7-6 16,6-1 0-16,2 1 8 15,2 0-8-15,0-4 2 16,-6 0-2-16,-4-3 0 16,-11-3 4-16,-8 1-4 15,-6-2-4-15,-6 0 3 16,-5 0 2-16,-1 0-2 15,-5 0-3-15,4 0-14 16,-4 0-23-16,-4 0-62 0,-2 4-90 16,0 4-79-16,0 5 117 15,-10-2 55-15,-9 4 34 16,1-4 66-16,3 2 0 16,-1-6 135-16,5 2 106 15,3-3-105-15,0-1-17 16,2 6-21-16,-3 2-46 15,-22 18-52-15,2-3-17 16,-7 0-983-16</inkml:trace>
@@ -2172,7 +2171,7 @@
           <a:p>
             <a:fld id="{2D5B091C-D0BB-4FC7-A7EF-8C07C0AE9D51}" type="datetimeFigureOut">
               <a:rPr lang="en-US" smtClean="0"/>
-              <a:t>6/9/2025</a:t>
+              <a:t>6/15/2025</a:t>
             </a:fld>
             <a:endParaRPr lang="en-US"/>
           </a:p>
@@ -2670,7 +2669,7 @@
           <a:p>
             <a:fld id="{35DDCA22-B14D-48DF-89EF-0885D59A1AC6}" type="datetimeFigureOut">
               <a:rPr lang="en-US" smtClean="0"/>
-              <a:t>6/9/2025</a:t>
+              <a:t>6/15/2025</a:t>
             </a:fld>
             <a:endParaRPr lang="en-US"/>
           </a:p>
@@ -2868,7 +2867,7 @@
           <a:p>
             <a:fld id="{35DDCA22-B14D-48DF-89EF-0885D59A1AC6}" type="datetimeFigureOut">
               <a:rPr lang="en-US" smtClean="0"/>
-              <a:t>6/9/2025</a:t>
+              <a:t>6/15/2025</a:t>
             </a:fld>
             <a:endParaRPr lang="en-US"/>
           </a:p>
@@ -3076,7 +3075,7 @@
           <a:p>
             <a:fld id="{35DDCA22-B14D-48DF-89EF-0885D59A1AC6}" type="datetimeFigureOut">
               <a:rPr lang="en-US" smtClean="0"/>
-              <a:t>6/9/2025</a:t>
+              <a:t>6/15/2025</a:t>
             </a:fld>
             <a:endParaRPr lang="en-US"/>
           </a:p>
@@ -3274,7 +3273,7 @@
           <a:p>
             <a:fld id="{35DDCA22-B14D-48DF-89EF-0885D59A1AC6}" type="datetimeFigureOut">
               <a:rPr lang="en-US" smtClean="0"/>
-              <a:t>6/9/2025</a:t>
+              <a:t>6/15/2025</a:t>
             </a:fld>
             <a:endParaRPr lang="en-US"/>
           </a:p>
@@ -3549,7 +3548,7 @@
           <a:p>
             <a:fld id="{35DDCA22-B14D-48DF-89EF-0885D59A1AC6}" type="datetimeFigureOut">
               <a:rPr lang="en-US" smtClean="0"/>
-              <a:t>6/9/2025</a:t>
+              <a:t>6/15/2025</a:t>
             </a:fld>
             <a:endParaRPr lang="en-US"/>
           </a:p>
@@ -3814,7 +3813,7 @@
           <a:p>
             <a:fld id="{35DDCA22-B14D-48DF-89EF-0885D59A1AC6}" type="datetimeFigureOut">
               <a:rPr lang="en-US" smtClean="0"/>
-              <a:t>6/9/2025</a:t>
+              <a:t>6/15/2025</a:t>
             </a:fld>
             <a:endParaRPr lang="en-US"/>
           </a:p>
@@ -4226,7 +4225,7 @@
           <a:p>
             <a:fld id="{35DDCA22-B14D-48DF-89EF-0885D59A1AC6}" type="datetimeFigureOut">
               <a:rPr lang="en-US" smtClean="0"/>
-              <a:t>6/9/2025</a:t>
+              <a:t>6/15/2025</a:t>
             </a:fld>
             <a:endParaRPr lang="en-US"/>
           </a:p>
@@ -4367,7 +4366,7 @@
           <a:p>
             <a:fld id="{35DDCA22-B14D-48DF-89EF-0885D59A1AC6}" type="datetimeFigureOut">
               <a:rPr lang="en-US" smtClean="0"/>
-              <a:t>6/9/2025</a:t>
+              <a:t>6/15/2025</a:t>
             </a:fld>
             <a:endParaRPr lang="en-US"/>
           </a:p>
@@ -4480,7 +4479,7 @@
           <a:p>
             <a:fld id="{35DDCA22-B14D-48DF-89EF-0885D59A1AC6}" type="datetimeFigureOut">
               <a:rPr lang="en-US" smtClean="0"/>
-              <a:t>6/9/2025</a:t>
+              <a:t>6/15/2025</a:t>
             </a:fld>
             <a:endParaRPr lang="en-US"/>
           </a:p>
@@ -4791,7 +4790,7 @@
           <a:p>
             <a:fld id="{35DDCA22-B14D-48DF-89EF-0885D59A1AC6}" type="datetimeFigureOut">
               <a:rPr lang="en-US" smtClean="0"/>
-              <a:t>6/9/2025</a:t>
+              <a:t>6/15/2025</a:t>
             </a:fld>
             <a:endParaRPr lang="en-US"/>
           </a:p>
@@ -5079,7 +5078,7 @@
           <a:p>
             <a:fld id="{35DDCA22-B14D-48DF-89EF-0885D59A1AC6}" type="datetimeFigureOut">
               <a:rPr lang="en-US" smtClean="0"/>
-              <a:t>6/9/2025</a:t>
+              <a:t>6/15/2025</a:t>
             </a:fld>
             <a:endParaRPr lang="en-US"/>
           </a:p>
@@ -5320,7 +5319,7 @@
           <a:p>
             <a:fld id="{35DDCA22-B14D-48DF-89EF-0885D59A1AC6}" type="datetimeFigureOut">
               <a:rPr lang="en-US" smtClean="0"/>
-              <a:t>6/9/2025</a:t>
+              <a:t>6/15/2025</a:t>
             </a:fld>
             <a:endParaRPr lang="en-US"/>
           </a:p>
@@ -5879,8 +5878,8 @@
           </a:p>
         </p:txBody>
       </p:sp>
-      <mc:AlternateContent xmlns:mc="http://schemas.openxmlformats.org/markup-compatibility/2006">
-        <mc:Choice xmlns:p14="http://schemas.microsoft.com/office/powerpoint/2010/main" Requires="p14">
+      <mc:AlternateContent xmlns:mc="http://schemas.openxmlformats.org/markup-compatibility/2006" xmlns:p14="http://schemas.microsoft.com/office/powerpoint/2010/main">
+        <mc:Choice Requires="p14">
           <p:contentPart p14:bwMode="auto" r:id="rId4">
             <p14:nvContentPartPr>
               <p14:cNvPr id="3" name="Ink 2">
@@ -5899,7 +5898,7 @@
             </p14:xfrm>
           </p:contentPart>
         </mc:Choice>
-        <mc:Fallback>
+        <mc:Fallback xmlns="">
           <p:pic>
             <p:nvPicPr>
               <p:cNvPr id="3" name="Ink 2">
@@ -5960,8 +5959,8 @@
           <a:chExt cx="0" cy="0"/>
         </a:xfrm>
       </p:grpSpPr>
-      <mc:AlternateContent xmlns:mc="http://schemas.openxmlformats.org/markup-compatibility/2006">
-        <mc:Choice xmlns:p14="http://schemas.microsoft.com/office/powerpoint/2010/main" Requires="p14">
+      <mc:AlternateContent xmlns:mc="http://schemas.openxmlformats.org/markup-compatibility/2006" xmlns:p14="http://schemas.microsoft.com/office/powerpoint/2010/main">
+        <mc:Choice Requires="p14">
           <p:contentPart p14:bwMode="auto" r:id="rId2">
             <p14:nvContentPartPr>
               <p14:cNvPr id="2" name="Ink 1">
@@ -5980,7 +5979,7 @@
             </p14:xfrm>
           </p:contentPart>
         </mc:Choice>
-        <mc:Fallback>
+        <mc:Fallback xmlns="">
           <p:pic>
             <p:nvPicPr>
               <p:cNvPr id="2" name="Ink 1">
@@ -6041,8 +6040,8 @@
           <a:chExt cx="0" cy="0"/>
         </a:xfrm>
       </p:grpSpPr>
-      <mc:AlternateContent xmlns:mc="http://schemas.openxmlformats.org/markup-compatibility/2006">
-        <mc:Choice xmlns:p14="http://schemas.microsoft.com/office/powerpoint/2010/main" Requires="p14">
+      <mc:AlternateContent xmlns:mc="http://schemas.openxmlformats.org/markup-compatibility/2006" xmlns:p14="http://schemas.microsoft.com/office/powerpoint/2010/main">
+        <mc:Choice Requires="p14">
           <p:contentPart p14:bwMode="auto" r:id="rId2">
             <p14:nvContentPartPr>
               <p14:cNvPr id="2" name="Ink 1">
@@ -6061,7 +6060,7 @@
             </p14:xfrm>
           </p:contentPart>
         </mc:Choice>
-        <mc:Fallback>
+        <mc:Fallback xmlns="">
           <p:pic>
             <p:nvPicPr>
               <p:cNvPr id="2" name="Ink 1">
@@ -6178,8 +6177,8 @@
           </a:p>
         </p:txBody>
       </p:sp>
-      <mc:AlternateContent xmlns:mc="http://schemas.openxmlformats.org/markup-compatibility/2006">
-        <mc:Choice xmlns:p14="http://schemas.microsoft.com/office/powerpoint/2010/main" Requires="p14">
+      <mc:AlternateContent xmlns:mc="http://schemas.openxmlformats.org/markup-compatibility/2006" xmlns:p14="http://schemas.microsoft.com/office/powerpoint/2010/main">
+        <mc:Choice Requires="p14">
           <p:contentPart p14:bwMode="auto" r:id="rId5">
             <p14:nvContentPartPr>
               <p14:cNvPr id="3" name="Ink 2">
@@ -6198,7 +6197,7 @@
             </p14:xfrm>
           </p:contentPart>
         </mc:Choice>
-        <mc:Fallback>
+        <mc:Fallback xmlns="">
           <p:pic>
             <p:nvPicPr>
               <p:cNvPr id="3" name="Ink 2">
@@ -6259,8 +6258,8 @@
           <a:chExt cx="0" cy="0"/>
         </a:xfrm>
       </p:grpSpPr>
-      <mc:AlternateContent xmlns:mc="http://schemas.openxmlformats.org/markup-compatibility/2006">
-        <mc:Choice xmlns:p14="http://schemas.microsoft.com/office/powerpoint/2010/main" Requires="p14">
+      <mc:AlternateContent xmlns:mc="http://schemas.openxmlformats.org/markup-compatibility/2006" xmlns:p14="http://schemas.microsoft.com/office/powerpoint/2010/main">
+        <mc:Choice Requires="p14">
           <p:contentPart p14:bwMode="auto" r:id="rId2">
             <p14:nvContentPartPr>
               <p14:cNvPr id="2" name="Ink 1">
@@ -6279,7 +6278,7 @@
             </p14:xfrm>
           </p:contentPart>
         </mc:Choice>
-        <mc:Fallback>
+        <mc:Fallback xmlns="">
           <p:pic>
             <p:nvPicPr>
               <p:cNvPr id="2" name="Ink 1">
@@ -6340,8 +6339,8 @@
           <a:chExt cx="0" cy="0"/>
         </a:xfrm>
       </p:grpSpPr>
-      <mc:AlternateContent xmlns:mc="http://schemas.openxmlformats.org/markup-compatibility/2006">
-        <mc:Choice xmlns:p14="http://schemas.microsoft.com/office/powerpoint/2010/main" Requires="p14">
+      <mc:AlternateContent xmlns:mc="http://schemas.openxmlformats.org/markup-compatibility/2006" xmlns:p14="http://schemas.microsoft.com/office/powerpoint/2010/main">
+        <mc:Choice Requires="p14">
           <p:contentPart p14:bwMode="auto" r:id="rId2">
             <p14:nvContentPartPr>
               <p14:cNvPr id="2" name="Ink 1">
@@ -6360,7 +6359,7 @@
             </p14:xfrm>
           </p:contentPart>
         </mc:Choice>
-        <mc:Fallback>
+        <mc:Fallback xmlns="">
           <p:pic>
             <p:nvPicPr>
               <p:cNvPr id="2" name="Ink 1">
@@ -6421,8 +6420,8 @@
           <a:chExt cx="0" cy="0"/>
         </a:xfrm>
       </p:grpSpPr>
-      <mc:AlternateContent xmlns:mc="http://schemas.openxmlformats.org/markup-compatibility/2006">
-        <mc:Choice xmlns:p14="http://schemas.microsoft.com/office/powerpoint/2010/main" Requires="p14">
+      <mc:AlternateContent xmlns:mc="http://schemas.openxmlformats.org/markup-compatibility/2006" xmlns:p14="http://schemas.microsoft.com/office/powerpoint/2010/main">
+        <mc:Choice Requires="p14">
           <p:contentPart p14:bwMode="auto" r:id="rId2">
             <p14:nvContentPartPr>
               <p14:cNvPr id="2" name="Ink 1">
@@ -6441,7 +6440,7 @@
             </p14:xfrm>
           </p:contentPart>
         </mc:Choice>
-        <mc:Fallback>
+        <mc:Fallback xmlns="">
           <p:pic>
             <p:nvPicPr>
               <p:cNvPr id="2" name="Ink 1">
@@ -6476,36 +6475,6 @@
     <p:extLst>
       <p:ext uri="{BB962C8B-B14F-4D97-AF65-F5344CB8AC3E}">
         <p14:creationId xmlns:p14="http://schemas.microsoft.com/office/powerpoint/2010/main" val="4043594365"/>
-      </p:ext>
-    </p:extLst>
-  </p:cSld>
-  <p:clrMapOvr>
-    <a:masterClrMapping/>
-  </p:clrMapOvr>
-</p:sld>
-</file>
-
-<file path=ppt/slides/slide9.xml><?xml version="1.0" encoding="utf-8"?>
-<p:sld xmlns:a="http://schemas.openxmlformats.org/drawingml/2006/main" xmlns:r="http://schemas.openxmlformats.org/officeDocument/2006/relationships" xmlns:p="http://schemas.openxmlformats.org/presentationml/2006/main">
-  <p:cSld>
-    <p:spTree>
-      <p:nvGrpSpPr>
-        <p:cNvPr id="1" name=""/>
-        <p:cNvGrpSpPr/>
-        <p:nvPr/>
-      </p:nvGrpSpPr>
-      <p:grpSpPr>
-        <a:xfrm>
-          <a:off x="0" y="0"/>
-          <a:ext cx="0" cy="0"/>
-          <a:chOff x="0" y="0"/>
-          <a:chExt cx="0" cy="0"/>
-        </a:xfrm>
-      </p:grpSpPr>
-    </p:spTree>
-    <p:extLst>
-      <p:ext uri="{BB962C8B-B14F-4D97-AF65-F5344CB8AC3E}">
-        <p14:creationId xmlns:p14="http://schemas.microsoft.com/office/powerpoint/2010/main" val="3052703701"/>
       </p:ext>
     </p:extLst>
   </p:cSld>
